--- a/docs/architecture.pptx
+++ b/docs/architecture.pptx
@@ -5,14 +5,17 @@
     <p:sldMasterId id="2147483648" r:id="rId1"/>
   </p:sldMasterIdLst>
   <p:notesMasterIdLst>
-    <p:notesMasterId r:id="rId4"/>
+    <p:notesMasterId r:id="rId7"/>
   </p:notesMasterIdLst>
   <p:handoutMasterIdLst>
-    <p:handoutMasterId r:id="rId5"/>
+    <p:handoutMasterId r:id="rId8"/>
   </p:handoutMasterIdLst>
   <p:sldIdLst>
     <p:sldId id="256" r:id="rId2"/>
     <p:sldId id="257" r:id="rId3"/>
+    <p:sldId id="258" r:id="rId4"/>
+    <p:sldId id="260" r:id="rId5"/>
+    <p:sldId id="259" r:id="rId6"/>
   </p:sldIdLst>
   <p:sldSz cx="12192000" cy="6858000"/>
   <p:notesSz cx="6858000" cy="9144000"/>
@@ -239,7 +242,7 @@
           <a:p>
             <a:fld id="{80386BBC-71F7-C440-ACC3-F0F595527C6C}" type="datetimeFigureOut">
               <a:rPr kumimoji="1" lang="zh-CN" altLang="en-US" smtClean="0"/>
-              <a:t>2021/4/23</a:t>
+              <a:t>2021/4/24</a:t>
             </a:fld>
             <a:endParaRPr kumimoji="1" lang="zh-CN" altLang="en-US"/>
           </a:p>
@@ -416,7 +419,7 @@
           <a:p>
             <a:fld id="{044E383A-B265-4935-8168-671F3DE2F894}" type="datetimeFigureOut">
               <a:rPr lang="zh-CN" altLang="en-US" smtClean="0"/>
-              <a:t>2021/4/23</a:t>
+              <a:t>2021/4/24</a:t>
             </a:fld>
             <a:endParaRPr lang="zh-CN" altLang="en-US"/>
           </a:p>
@@ -767,6 +770,174 @@
 </p:notes>
 </file>
 
+<file path=ppt/notesSlides/notesSlide2.xml><?xml version="1.0" encoding="utf-8"?>
+<p:notes xmlns:a="http://schemas.openxmlformats.org/drawingml/2006/main" xmlns:r="http://schemas.openxmlformats.org/officeDocument/2006/relationships" xmlns:p="http://schemas.openxmlformats.org/presentationml/2006/main">
+  <p:cSld>
+    <p:spTree>
+      <p:nvGrpSpPr>
+        <p:cNvPr id="1" name=""/>
+        <p:cNvGrpSpPr/>
+        <p:nvPr/>
+      </p:nvGrpSpPr>
+      <p:grpSpPr>
+        <a:xfrm>
+          <a:off x="0" y="0"/>
+          <a:ext cx="0" cy="0"/>
+          <a:chOff x="0" y="0"/>
+          <a:chExt cx="0" cy="0"/>
+        </a:xfrm>
+      </p:grpSpPr>
+      <p:sp>
+        <p:nvSpPr>
+          <p:cNvPr id="2" name="幻灯片图像占位符 1"/>
+          <p:cNvSpPr>
+            <a:spLocks noGrp="1" noRot="1" noChangeAspect="1"/>
+          </p:cNvSpPr>
+          <p:nvPr>
+            <p:ph type="sldImg"/>
+          </p:nvPr>
+        </p:nvSpPr>
+        <p:spPr/>
+      </p:sp>
+      <p:sp>
+        <p:nvSpPr>
+          <p:cNvPr id="3" name="备注占位符 2"/>
+          <p:cNvSpPr>
+            <a:spLocks noGrp="1"/>
+          </p:cNvSpPr>
+          <p:nvPr>
+            <p:ph type="body" idx="1"/>
+          </p:nvPr>
+        </p:nvSpPr>
+        <p:spPr/>
+        <p:txBody>
+          <a:bodyPr/>
+          <a:lstStyle/>
+          <a:p>
+            <a:endParaRPr kumimoji="1" lang="zh-CN" altLang="en-US" dirty="0"/>
+          </a:p>
+        </p:txBody>
+      </p:sp>
+      <p:sp>
+        <p:nvSpPr>
+          <p:cNvPr id="4" name="灯片编号占位符 3"/>
+          <p:cNvSpPr>
+            <a:spLocks noGrp="1"/>
+          </p:cNvSpPr>
+          <p:nvPr>
+            <p:ph type="sldNum" sz="quarter" idx="5"/>
+          </p:nvPr>
+        </p:nvSpPr>
+        <p:spPr/>
+        <p:txBody>
+          <a:bodyPr/>
+          <a:lstStyle/>
+          <a:p>
+            <a:fld id="{6A28E5CD-C188-4EE7-A618-C84A2D3EB466}" type="slidenum">
+              <a:rPr lang="zh-CN" altLang="en-US" smtClean="0"/>
+              <a:t>4</a:t>
+            </a:fld>
+            <a:endParaRPr lang="zh-CN" altLang="en-US"/>
+          </a:p>
+        </p:txBody>
+      </p:sp>
+    </p:spTree>
+    <p:extLst>
+      <p:ext uri="{BB962C8B-B14F-4D97-AF65-F5344CB8AC3E}">
+        <p14:creationId xmlns:p14="http://schemas.microsoft.com/office/powerpoint/2010/main" val="3880088934"/>
+      </p:ext>
+    </p:extLst>
+  </p:cSld>
+  <p:clrMapOvr>
+    <a:masterClrMapping/>
+  </p:clrMapOvr>
+</p:notes>
+</file>
+
+<file path=ppt/notesSlides/notesSlide3.xml><?xml version="1.0" encoding="utf-8"?>
+<p:notes xmlns:a="http://schemas.openxmlformats.org/drawingml/2006/main" xmlns:r="http://schemas.openxmlformats.org/officeDocument/2006/relationships" xmlns:p="http://schemas.openxmlformats.org/presentationml/2006/main">
+  <p:cSld>
+    <p:spTree>
+      <p:nvGrpSpPr>
+        <p:cNvPr id="1" name=""/>
+        <p:cNvGrpSpPr/>
+        <p:nvPr/>
+      </p:nvGrpSpPr>
+      <p:grpSpPr>
+        <a:xfrm>
+          <a:off x="0" y="0"/>
+          <a:ext cx="0" cy="0"/>
+          <a:chOff x="0" y="0"/>
+          <a:chExt cx="0" cy="0"/>
+        </a:xfrm>
+      </p:grpSpPr>
+      <p:sp>
+        <p:nvSpPr>
+          <p:cNvPr id="2" name="幻灯片图像占位符 1"/>
+          <p:cNvSpPr>
+            <a:spLocks noGrp="1" noRot="1" noChangeAspect="1"/>
+          </p:cNvSpPr>
+          <p:nvPr>
+            <p:ph type="sldImg"/>
+          </p:nvPr>
+        </p:nvSpPr>
+        <p:spPr/>
+      </p:sp>
+      <p:sp>
+        <p:nvSpPr>
+          <p:cNvPr id="3" name="备注占位符 2"/>
+          <p:cNvSpPr>
+            <a:spLocks noGrp="1"/>
+          </p:cNvSpPr>
+          <p:nvPr>
+            <p:ph type="body" idx="1"/>
+          </p:nvPr>
+        </p:nvSpPr>
+        <p:spPr/>
+        <p:txBody>
+          <a:bodyPr/>
+          <a:lstStyle/>
+          <a:p>
+            <a:endParaRPr kumimoji="1" lang="zh-CN" altLang="en-US" dirty="0"/>
+          </a:p>
+        </p:txBody>
+      </p:sp>
+      <p:sp>
+        <p:nvSpPr>
+          <p:cNvPr id="4" name="灯片编号占位符 3"/>
+          <p:cNvSpPr>
+            <a:spLocks noGrp="1"/>
+          </p:cNvSpPr>
+          <p:nvPr>
+            <p:ph type="sldNum" sz="quarter" idx="5"/>
+          </p:nvPr>
+        </p:nvSpPr>
+        <p:spPr/>
+        <p:txBody>
+          <a:bodyPr/>
+          <a:lstStyle/>
+          <a:p>
+            <a:fld id="{6A28E5CD-C188-4EE7-A618-C84A2D3EB466}" type="slidenum">
+              <a:rPr lang="zh-CN" altLang="en-US" smtClean="0"/>
+              <a:t>5</a:t>
+            </a:fld>
+            <a:endParaRPr lang="zh-CN" altLang="en-US"/>
+          </a:p>
+        </p:txBody>
+      </p:sp>
+    </p:spTree>
+    <p:extLst>
+      <p:ext uri="{BB962C8B-B14F-4D97-AF65-F5344CB8AC3E}">
+        <p14:creationId xmlns:p14="http://schemas.microsoft.com/office/powerpoint/2010/main" val="201980614"/>
+      </p:ext>
+    </p:extLst>
+  </p:cSld>
+  <p:clrMapOvr>
+    <a:masterClrMapping/>
+  </p:clrMapOvr>
+</p:notes>
+</file>
+
 <file path=ppt/slideLayouts/slideLayout1.xml><?xml version="1.0" encoding="utf-8"?>
 <p:sldLayout xmlns:a="http://schemas.openxmlformats.org/drawingml/2006/main" xmlns:r="http://schemas.openxmlformats.org/officeDocument/2006/relationships" xmlns:p="http://schemas.openxmlformats.org/presentationml/2006/main" preserve="1" userDrawn="1">
   <p:cSld name="标题幻灯片">
@@ -1380,7 +1551,7 @@
           <a:p>
             <a:fld id="{BBAAF37F-568A-4C76-B0A5-177AFDC2BD4C}" type="datetimeFigureOut">
               <a:rPr lang="zh-CN" altLang="en-US" smtClean="0"/>
-              <a:t>2021/4/23</a:t>
+              <a:t>2021/4/24</a:t>
             </a:fld>
             <a:endParaRPr lang="zh-CN" altLang="en-US"/>
           </a:p>
@@ -11611,6 +11782,7723 @@
 </p:sld>
 </file>
 
+<file path=ppt/slides/slide3.xml><?xml version="1.0" encoding="utf-8"?>
+<p:sld xmlns:a="http://schemas.openxmlformats.org/drawingml/2006/main" xmlns:r="http://schemas.openxmlformats.org/officeDocument/2006/relationships" xmlns:p="http://schemas.openxmlformats.org/presentationml/2006/main">
+  <p:cSld>
+    <p:spTree>
+      <p:nvGrpSpPr>
+        <p:cNvPr id="1" name=""/>
+        <p:cNvGrpSpPr/>
+        <p:nvPr/>
+      </p:nvGrpSpPr>
+      <p:grpSpPr>
+        <a:xfrm>
+          <a:off x="0" y="0"/>
+          <a:ext cx="0" cy="0"/>
+          <a:chOff x="0" y="0"/>
+          <a:chExt cx="0" cy="0"/>
+        </a:xfrm>
+      </p:grpSpPr>
+      <p:sp>
+        <p:nvSpPr>
+          <p:cNvPr id="58" name="文本框 57">
+            <a:extLst>
+              <a:ext uri="{FF2B5EF4-FFF2-40B4-BE49-F238E27FC236}">
+                <a16:creationId xmlns:a16="http://schemas.microsoft.com/office/drawing/2014/main" id="{C275F799-DAB6-3E4A-9BBF-4DAF66ECDF7C}"/>
+              </a:ext>
+            </a:extLst>
+          </p:cNvPr>
+          <p:cNvSpPr txBox="1"/>
+          <p:nvPr/>
+        </p:nvSpPr>
+        <p:spPr>
+          <a:xfrm>
+            <a:off x="4546070" y="5020509"/>
+            <a:ext cx="1511952" cy="253916"/>
+          </a:xfrm>
+          <a:prstGeom prst="rect">
+            <a:avLst/>
+          </a:prstGeom>
+          <a:noFill/>
+        </p:spPr>
+        <p:txBody>
+          <a:bodyPr wrap="none" rtlCol="0">
+            <a:spAutoFit/>
+          </a:bodyPr>
+          <a:lstStyle/>
+          <a:p>
+            <a:r>
+              <a:rPr kumimoji="1" lang="en-US" altLang="zh-CN" sz="1050" dirty="0">
+                <a:solidFill>
+                  <a:schemeClr val="tx1">
+                    <a:lumMod val="65000"/>
+                    <a:lumOff val="35000"/>
+                  </a:schemeClr>
+                </a:solidFill>
+                <a:latin typeface="+mj-lt"/>
+              </a:rPr>
+              <a:t>Initialize</a:t>
+            </a:r>
+            <a:r>
+              <a:rPr kumimoji="1" lang="zh-CN" altLang="en-US" sz="1050" dirty="0">
+                <a:solidFill>
+                  <a:schemeClr val="tx1">
+                    <a:lumMod val="65000"/>
+                    <a:lumOff val="35000"/>
+                  </a:schemeClr>
+                </a:solidFill>
+                <a:latin typeface="+mj-lt"/>
+              </a:rPr>
+              <a:t>     </a:t>
+            </a:r>
+            <a:r>
+              <a:rPr kumimoji="1" lang="en-US" altLang="zh-CN" sz="1050" dirty="0">
+                <a:solidFill>
+                  <a:schemeClr val="tx1">
+                    <a:lumMod val="65000"/>
+                    <a:lumOff val="35000"/>
+                  </a:schemeClr>
+                </a:solidFill>
+                <a:latin typeface="+mj-lt"/>
+              </a:rPr>
+              <a:t>Controllers</a:t>
+            </a:r>
+            <a:endParaRPr kumimoji="1" lang="zh-CN" altLang="en-US" sz="1050" dirty="0">
+              <a:solidFill>
+                <a:schemeClr val="tx1">
+                  <a:lumMod val="65000"/>
+                  <a:lumOff val="35000"/>
+                </a:schemeClr>
+              </a:solidFill>
+              <a:latin typeface="+mj-lt"/>
+            </a:endParaRPr>
+          </a:p>
+        </p:txBody>
+      </p:sp>
+      <p:sp>
+        <p:nvSpPr>
+          <p:cNvPr id="13" name="圆角矩形 173">
+            <a:extLst>
+              <a:ext uri="{FF2B5EF4-FFF2-40B4-BE49-F238E27FC236}">
+                <a16:creationId xmlns:a16="http://schemas.microsoft.com/office/drawing/2014/main" id="{4051C724-4E32-E84F-92FF-BC87F6731356}"/>
+              </a:ext>
+            </a:extLst>
+          </p:cNvPr>
+          <p:cNvSpPr/>
+          <p:nvPr/>
+        </p:nvSpPr>
+        <p:spPr>
+          <a:xfrm>
+            <a:off x="6437550" y="2931435"/>
+            <a:ext cx="4901997" cy="1987908"/>
+          </a:xfrm>
+          <a:prstGeom prst="roundRect">
+            <a:avLst>
+              <a:gd name="adj" fmla="val 1631"/>
+            </a:avLst>
+          </a:prstGeom>
+          <a:solidFill>
+            <a:schemeClr val="accent2">
+              <a:lumMod val="40000"/>
+              <a:lumOff val="60000"/>
+            </a:schemeClr>
+          </a:solidFill>
+          <a:ln/>
+        </p:spPr>
+        <p:style>
+          <a:lnRef idx="2">
+            <a:schemeClr val="accent1">
+              <a:shade val="50000"/>
+            </a:schemeClr>
+          </a:lnRef>
+          <a:fillRef idx="1">
+            <a:schemeClr val="accent1"/>
+          </a:fillRef>
+          <a:effectRef idx="0">
+            <a:schemeClr val="accent1"/>
+          </a:effectRef>
+          <a:fontRef idx="minor">
+            <a:schemeClr val="lt1"/>
+          </a:fontRef>
+        </p:style>
+        <p:txBody>
+          <a:bodyPr tIns="108000" rtlCol="0" anchor="t"/>
+          <a:lstStyle/>
+          <a:p>
+            <a:pPr algn="ctr"/>
+            <a:r>
+              <a:rPr kumimoji="1" lang="en-US" altLang="zh-CN" b="1" dirty="0">
+                <a:solidFill>
+                  <a:schemeClr val="tx1"/>
+                </a:solidFill>
+              </a:rPr>
+              <a:t>Pipelines</a:t>
+            </a:r>
+            <a:r>
+              <a:rPr kumimoji="1" lang="zh-CN" altLang="en-US" b="1" dirty="0">
+                <a:solidFill>
+                  <a:schemeClr val="tx1"/>
+                </a:solidFill>
+              </a:rPr>
+              <a:t> </a:t>
+            </a:r>
+            <a:r>
+              <a:rPr kumimoji="1" lang="en-US" altLang="zh-CN" b="1" dirty="0">
+                <a:solidFill>
+                  <a:schemeClr val="tx1"/>
+                </a:solidFill>
+              </a:rPr>
+              <a:t>Orchestration</a:t>
+            </a:r>
+            <a:r>
+              <a:rPr kumimoji="1" lang="zh-CN" altLang="en-US" b="1" dirty="0">
+                <a:solidFill>
+                  <a:schemeClr val="tx1"/>
+                </a:solidFill>
+              </a:rPr>
+              <a:t> </a:t>
+            </a:r>
+            <a:r>
+              <a:rPr kumimoji="1" lang="zh-CN" altLang="en-US" dirty="0">
+                <a:solidFill>
+                  <a:schemeClr val="tx1"/>
+                </a:solidFill>
+              </a:rPr>
+              <a:t> </a:t>
+            </a:r>
+            <a:endParaRPr kumimoji="1" lang="en-US" altLang="zh-CN" dirty="0">
+              <a:solidFill>
+                <a:schemeClr val="tx1"/>
+              </a:solidFill>
+            </a:endParaRPr>
+          </a:p>
+          <a:p>
+            <a:pPr algn="ctr"/>
+            <a:r>
+              <a:rPr kumimoji="1" lang="en-US" altLang="zh-CN" sz="1200" dirty="0">
+                <a:solidFill>
+                  <a:schemeClr val="tx1"/>
+                </a:solidFill>
+              </a:rPr>
+              <a:t>(Filters</a:t>
+            </a:r>
+            <a:r>
+              <a:rPr kumimoji="1" lang="zh-CN" altLang="en-US" sz="1200" dirty="0">
+                <a:solidFill>
+                  <a:schemeClr val="tx1"/>
+                </a:solidFill>
+              </a:rPr>
+              <a:t> </a:t>
+            </a:r>
+            <a:r>
+              <a:rPr kumimoji="1" lang="en-US" altLang="zh-CN" sz="1200" dirty="0">
+                <a:solidFill>
+                  <a:schemeClr val="tx1"/>
+                </a:solidFill>
+              </a:rPr>
+              <a:t>Chain)</a:t>
+            </a:r>
+            <a:endParaRPr kumimoji="1" lang="zh-CN" altLang="en-US" sz="900" dirty="0">
+              <a:solidFill>
+                <a:schemeClr val="tx1"/>
+              </a:solidFill>
+            </a:endParaRPr>
+          </a:p>
+        </p:txBody>
+      </p:sp>
+      <p:sp>
+        <p:nvSpPr>
+          <p:cNvPr id="2" name="文本框 1">
+            <a:extLst>
+              <a:ext uri="{FF2B5EF4-FFF2-40B4-BE49-F238E27FC236}">
+                <a16:creationId xmlns:a16="http://schemas.microsoft.com/office/drawing/2014/main" id="{BEDFA2C6-E5B1-AD48-A96C-4D0BEA8D03C4}"/>
+              </a:ext>
+            </a:extLst>
+          </p:cNvPr>
+          <p:cNvSpPr txBox="1"/>
+          <p:nvPr/>
+        </p:nvSpPr>
+        <p:spPr>
+          <a:xfrm>
+            <a:off x="803250" y="247026"/>
+            <a:ext cx="5254772" cy="461665"/>
+          </a:xfrm>
+          <a:prstGeom prst="rect">
+            <a:avLst/>
+          </a:prstGeom>
+          <a:noFill/>
+        </p:spPr>
+        <p:txBody>
+          <a:bodyPr wrap="none" rtlCol="0">
+            <a:spAutoFit/>
+          </a:bodyPr>
+          <a:lstStyle/>
+          <a:p>
+            <a:r>
+              <a:rPr kumimoji="1" lang="en-US" altLang="zh-CN" sz="2400" b="1" dirty="0">
+                <a:solidFill>
+                  <a:schemeClr val="tx1">
+                    <a:lumMod val="65000"/>
+                    <a:lumOff val="35000"/>
+                  </a:schemeClr>
+                </a:solidFill>
+                <a:latin typeface="+mj-lt"/>
+              </a:rPr>
+              <a:t>EaseGateway</a:t>
+            </a:r>
+            <a:r>
+              <a:rPr kumimoji="1" lang="zh-CN" altLang="en-US" sz="2400" b="1" dirty="0">
+                <a:solidFill>
+                  <a:schemeClr val="tx1">
+                    <a:lumMod val="65000"/>
+                    <a:lumOff val="35000"/>
+                  </a:schemeClr>
+                </a:solidFill>
+                <a:latin typeface="+mj-lt"/>
+              </a:rPr>
+              <a:t> </a:t>
+            </a:r>
+            <a:r>
+              <a:rPr kumimoji="1" lang="en-US" altLang="zh-CN" sz="2400" b="1" dirty="0">
+                <a:solidFill>
+                  <a:schemeClr val="tx1">
+                    <a:lumMod val="65000"/>
+                    <a:lumOff val="35000"/>
+                  </a:schemeClr>
+                </a:solidFill>
+                <a:latin typeface="+mj-lt"/>
+              </a:rPr>
+              <a:t>Internal</a:t>
+            </a:r>
+            <a:r>
+              <a:rPr kumimoji="1" lang="zh-CN" altLang="en-US" sz="2400" b="1" dirty="0">
+                <a:solidFill>
+                  <a:schemeClr val="tx1">
+                    <a:lumMod val="65000"/>
+                    <a:lumOff val="35000"/>
+                  </a:schemeClr>
+                </a:solidFill>
+                <a:latin typeface="+mj-lt"/>
+              </a:rPr>
+              <a:t> </a:t>
+            </a:r>
+            <a:r>
+              <a:rPr kumimoji="1" lang="en-US" altLang="zh-CN" sz="2400" b="1" dirty="0">
+                <a:solidFill>
+                  <a:schemeClr val="tx1">
+                    <a:lumMod val="65000"/>
+                    <a:lumOff val="35000"/>
+                  </a:schemeClr>
+                </a:solidFill>
+                <a:latin typeface="+mj-lt"/>
+              </a:rPr>
+              <a:t>Architecture</a:t>
+            </a:r>
+            <a:endParaRPr kumimoji="1" lang="zh-CN" altLang="en-US" sz="2400" b="1" dirty="0">
+              <a:solidFill>
+                <a:schemeClr val="tx1">
+                  <a:lumMod val="65000"/>
+                  <a:lumOff val="35000"/>
+                </a:schemeClr>
+              </a:solidFill>
+              <a:latin typeface="+mj-lt"/>
+            </a:endParaRPr>
+          </a:p>
+        </p:txBody>
+      </p:sp>
+      <p:sp>
+        <p:nvSpPr>
+          <p:cNvPr id="4" name="圆角矩形 173">
+            <a:extLst>
+              <a:ext uri="{FF2B5EF4-FFF2-40B4-BE49-F238E27FC236}">
+                <a16:creationId xmlns:a16="http://schemas.microsoft.com/office/drawing/2014/main" id="{3D217519-EE99-874E-BBAF-25163A2E393A}"/>
+              </a:ext>
+            </a:extLst>
+          </p:cNvPr>
+          <p:cNvSpPr/>
+          <p:nvPr/>
+        </p:nvSpPr>
+        <p:spPr>
+          <a:xfrm>
+            <a:off x="6437550" y="1448719"/>
+            <a:ext cx="4901997" cy="986389"/>
+          </a:xfrm>
+          <a:prstGeom prst="roundRect">
+            <a:avLst>
+              <a:gd name="adj" fmla="val 3979"/>
+            </a:avLst>
+          </a:prstGeom>
+          <a:ln/>
+        </p:spPr>
+        <p:style>
+          <a:lnRef idx="2">
+            <a:schemeClr val="accent1">
+              <a:shade val="50000"/>
+            </a:schemeClr>
+          </a:lnRef>
+          <a:fillRef idx="1">
+            <a:schemeClr val="accent1"/>
+          </a:fillRef>
+          <a:effectRef idx="0">
+            <a:schemeClr val="accent1"/>
+          </a:effectRef>
+          <a:fontRef idx="minor">
+            <a:schemeClr val="lt1"/>
+          </a:fontRef>
+        </p:style>
+        <p:txBody>
+          <a:bodyPr tIns="108000" rtlCol="0" anchor="t"/>
+          <a:lstStyle/>
+          <a:p>
+            <a:pPr algn="ctr"/>
+            <a:r>
+              <a:rPr kumimoji="1" lang="en-US" altLang="zh-CN" b="1">
+                <a:solidFill>
+                  <a:schemeClr val="bg1"/>
+                </a:solidFill>
+              </a:rPr>
+              <a:t>Traffic</a:t>
+            </a:r>
+            <a:r>
+              <a:rPr kumimoji="1" lang="zh-CN" altLang="en-US" b="1">
+                <a:solidFill>
+                  <a:schemeClr val="bg1"/>
+                </a:solidFill>
+              </a:rPr>
+              <a:t> </a:t>
+            </a:r>
+            <a:r>
+              <a:rPr kumimoji="1" lang="en-US" altLang="zh-CN" b="1">
+                <a:solidFill>
+                  <a:schemeClr val="bg1"/>
+                </a:solidFill>
+              </a:rPr>
+              <a:t>Gate</a:t>
+            </a:r>
+            <a:endParaRPr kumimoji="1" lang="en-US" altLang="zh-CN" b="1" dirty="0">
+              <a:solidFill>
+                <a:schemeClr val="bg1"/>
+              </a:solidFill>
+            </a:endParaRPr>
+          </a:p>
+        </p:txBody>
+      </p:sp>
+      <p:sp>
+        <p:nvSpPr>
+          <p:cNvPr id="5" name="圆角矩形 173">
+            <a:extLst>
+              <a:ext uri="{FF2B5EF4-FFF2-40B4-BE49-F238E27FC236}">
+                <a16:creationId xmlns:a16="http://schemas.microsoft.com/office/drawing/2014/main" id="{A61DAD8E-0F66-E34A-BAB4-16AECBBEC3DE}"/>
+              </a:ext>
+            </a:extLst>
+          </p:cNvPr>
+          <p:cNvSpPr/>
+          <p:nvPr/>
+        </p:nvSpPr>
+        <p:spPr>
+          <a:xfrm>
+            <a:off x="6736398" y="3553560"/>
+            <a:ext cx="1239456" cy="359410"/>
+          </a:xfrm>
+          <a:prstGeom prst="roundRect">
+            <a:avLst/>
+          </a:prstGeom>
+          <a:solidFill>
+            <a:srgbClr val="003278"/>
+          </a:solidFill>
+          <a:ln/>
+        </p:spPr>
+        <p:style>
+          <a:lnRef idx="3">
+            <a:schemeClr val="lt1"/>
+          </a:lnRef>
+          <a:fillRef idx="1">
+            <a:schemeClr val="accent4"/>
+          </a:fillRef>
+          <a:effectRef idx="1">
+            <a:schemeClr val="accent4"/>
+          </a:effectRef>
+          <a:fontRef idx="minor">
+            <a:schemeClr val="lt1"/>
+          </a:fontRef>
+        </p:style>
+        <p:txBody>
+          <a:bodyPr rtlCol="0" anchor="ctr"/>
+          <a:lstStyle/>
+          <a:p>
+            <a:pPr algn="ctr"/>
+            <a:r>
+              <a:rPr kumimoji="1" lang="en-US" altLang="zh-CN" sz="1000" b="1" dirty="0">
+                <a:solidFill>
+                  <a:schemeClr val="bg1"/>
+                </a:solidFill>
+                <a:latin typeface="+mj-lt"/>
+              </a:rPr>
+              <a:t>Validator</a:t>
+            </a:r>
+          </a:p>
+        </p:txBody>
+      </p:sp>
+      <p:sp>
+        <p:nvSpPr>
+          <p:cNvPr id="8" name="文本框 7">
+            <a:extLst>
+              <a:ext uri="{FF2B5EF4-FFF2-40B4-BE49-F238E27FC236}">
+                <a16:creationId xmlns:a16="http://schemas.microsoft.com/office/drawing/2014/main" id="{EE8CBD6A-1FCA-474F-BB05-D2EBC48A8109}"/>
+              </a:ext>
+            </a:extLst>
+          </p:cNvPr>
+          <p:cNvSpPr txBox="1"/>
+          <p:nvPr/>
+        </p:nvSpPr>
+        <p:spPr>
+          <a:xfrm>
+            <a:off x="3872894" y="5476269"/>
+            <a:ext cx="742511" cy="230832"/>
+          </a:xfrm>
+          <a:prstGeom prst="rect">
+            <a:avLst/>
+          </a:prstGeom>
+          <a:noFill/>
+        </p:spPr>
+        <p:txBody>
+          <a:bodyPr wrap="none" rtlCol="0">
+            <a:spAutoFit/>
+          </a:bodyPr>
+          <a:lstStyle/>
+          <a:p>
+            <a:pPr algn="ctr"/>
+            <a:r>
+              <a:rPr kumimoji="1" lang="en-US" altLang="zh-CN" sz="900" dirty="0">
+                <a:solidFill>
+                  <a:schemeClr val="tx1">
+                    <a:lumMod val="65000"/>
+                    <a:lumOff val="35000"/>
+                  </a:schemeClr>
+                </a:solidFill>
+                <a:latin typeface="+mj-lt"/>
+              </a:rPr>
+              <a:t>Pull</a:t>
+            </a:r>
+            <a:r>
+              <a:rPr kumimoji="1" lang="zh-CN" altLang="en-US" sz="900" dirty="0">
+                <a:solidFill>
+                  <a:schemeClr val="tx1">
+                    <a:lumMod val="65000"/>
+                    <a:lumOff val="35000"/>
+                  </a:schemeClr>
+                </a:solidFill>
+                <a:latin typeface="+mj-lt"/>
+              </a:rPr>
+              <a:t> </a:t>
+            </a:r>
+            <a:r>
+              <a:rPr kumimoji="1" lang="en-US" altLang="zh-CN" sz="900" dirty="0">
+                <a:solidFill>
+                  <a:schemeClr val="tx1">
+                    <a:lumMod val="65000"/>
+                    <a:lumOff val="35000"/>
+                  </a:schemeClr>
+                </a:solidFill>
+                <a:latin typeface="+mj-lt"/>
+              </a:rPr>
+              <a:t>Config</a:t>
+            </a:r>
+            <a:endParaRPr kumimoji="1" lang="zh-CN" altLang="en-US" sz="900" dirty="0">
+              <a:solidFill>
+                <a:schemeClr val="tx1">
+                  <a:lumMod val="65000"/>
+                  <a:lumOff val="35000"/>
+                </a:schemeClr>
+              </a:solidFill>
+              <a:latin typeface="+mj-lt"/>
+            </a:endParaRPr>
+          </a:p>
+        </p:txBody>
+      </p:sp>
+      <p:sp>
+        <p:nvSpPr>
+          <p:cNvPr id="11" name="文本框 10">
+            <a:extLst>
+              <a:ext uri="{FF2B5EF4-FFF2-40B4-BE49-F238E27FC236}">
+                <a16:creationId xmlns:a16="http://schemas.microsoft.com/office/drawing/2014/main" id="{363C8DB4-78CA-BD4C-A531-CAC745EED969}"/>
+              </a:ext>
+            </a:extLst>
+          </p:cNvPr>
+          <p:cNvSpPr txBox="1"/>
+          <p:nvPr/>
+        </p:nvSpPr>
+        <p:spPr>
+          <a:xfrm>
+            <a:off x="3835607" y="4218843"/>
+            <a:ext cx="806631" cy="230832"/>
+          </a:xfrm>
+          <a:prstGeom prst="rect">
+            <a:avLst/>
+          </a:prstGeom>
+          <a:noFill/>
+        </p:spPr>
+        <p:txBody>
+          <a:bodyPr wrap="none" rtlCol="0">
+            <a:spAutoFit/>
+          </a:bodyPr>
+          <a:lstStyle/>
+          <a:p>
+            <a:pPr algn="ctr"/>
+            <a:r>
+              <a:rPr kumimoji="1" lang="en-US" altLang="zh-CN" sz="900" dirty="0">
+                <a:solidFill>
+                  <a:schemeClr val="tx1">
+                    <a:lumMod val="65000"/>
+                    <a:lumOff val="35000"/>
+                  </a:schemeClr>
+                </a:solidFill>
+                <a:latin typeface="+mj-lt"/>
+              </a:rPr>
+              <a:t>Push</a:t>
+            </a:r>
+            <a:r>
+              <a:rPr kumimoji="1" lang="zh-CN" altLang="en-US" sz="900" dirty="0">
+                <a:solidFill>
+                  <a:schemeClr val="tx1">
+                    <a:lumMod val="65000"/>
+                    <a:lumOff val="35000"/>
+                  </a:schemeClr>
+                </a:solidFill>
+                <a:latin typeface="+mj-lt"/>
+              </a:rPr>
+              <a:t> </a:t>
+            </a:r>
+            <a:r>
+              <a:rPr kumimoji="1" lang="en-US" altLang="zh-CN" sz="900" dirty="0">
+                <a:solidFill>
+                  <a:schemeClr val="tx1">
+                    <a:lumMod val="65000"/>
+                    <a:lumOff val="35000"/>
+                  </a:schemeClr>
+                </a:solidFill>
+                <a:latin typeface="+mj-lt"/>
+              </a:rPr>
+              <a:t>Status</a:t>
+            </a:r>
+            <a:endParaRPr kumimoji="1" lang="zh-CN" altLang="en-US" sz="900" dirty="0">
+              <a:solidFill>
+                <a:schemeClr val="tx1">
+                  <a:lumMod val="65000"/>
+                  <a:lumOff val="35000"/>
+                </a:schemeClr>
+              </a:solidFill>
+              <a:latin typeface="+mj-lt"/>
+            </a:endParaRPr>
+          </a:p>
+        </p:txBody>
+      </p:sp>
+      <p:sp>
+        <p:nvSpPr>
+          <p:cNvPr id="14" name="圆角矩形 173">
+            <a:extLst>
+              <a:ext uri="{FF2B5EF4-FFF2-40B4-BE49-F238E27FC236}">
+                <a16:creationId xmlns:a16="http://schemas.microsoft.com/office/drawing/2014/main" id="{928F8C01-DFDE-B341-8832-C5CDDEE330A9}"/>
+              </a:ext>
+            </a:extLst>
+          </p:cNvPr>
+          <p:cNvSpPr/>
+          <p:nvPr/>
+        </p:nvSpPr>
+        <p:spPr>
+          <a:xfrm>
+            <a:off x="6736398" y="3991964"/>
+            <a:ext cx="1239456" cy="359410"/>
+          </a:xfrm>
+          <a:prstGeom prst="roundRect">
+            <a:avLst/>
+          </a:prstGeom>
+          <a:solidFill>
+            <a:srgbClr val="003278"/>
+          </a:solidFill>
+          <a:ln/>
+        </p:spPr>
+        <p:style>
+          <a:lnRef idx="3">
+            <a:schemeClr val="lt1"/>
+          </a:lnRef>
+          <a:fillRef idx="1">
+            <a:schemeClr val="accent4"/>
+          </a:fillRef>
+          <a:effectRef idx="1">
+            <a:schemeClr val="accent4"/>
+          </a:effectRef>
+          <a:fontRef idx="minor">
+            <a:schemeClr val="lt1"/>
+          </a:fontRef>
+        </p:style>
+        <p:txBody>
+          <a:bodyPr rtlCol="0" anchor="ctr"/>
+          <a:lstStyle/>
+          <a:p>
+            <a:pPr algn="ctr"/>
+            <a:r>
+              <a:rPr kumimoji="1" lang="en-US" altLang="zh-CN" sz="1000" b="1" dirty="0">
+                <a:solidFill>
+                  <a:schemeClr val="bg1"/>
+                </a:solidFill>
+                <a:latin typeface="+mj-lt"/>
+              </a:rPr>
+              <a:t>TimeLimiter</a:t>
+            </a:r>
+          </a:p>
+        </p:txBody>
+      </p:sp>
+      <p:sp>
+        <p:nvSpPr>
+          <p:cNvPr id="15" name="圆角矩形 173">
+            <a:extLst>
+              <a:ext uri="{FF2B5EF4-FFF2-40B4-BE49-F238E27FC236}">
+                <a16:creationId xmlns:a16="http://schemas.microsoft.com/office/drawing/2014/main" id="{405BB1BB-1824-4548-B62A-13AF97C42553}"/>
+              </a:ext>
+            </a:extLst>
+          </p:cNvPr>
+          <p:cNvSpPr/>
+          <p:nvPr/>
+        </p:nvSpPr>
+        <p:spPr>
+          <a:xfrm>
+            <a:off x="6736398" y="4463547"/>
+            <a:ext cx="1239456" cy="359410"/>
+          </a:xfrm>
+          <a:prstGeom prst="roundRect">
+            <a:avLst/>
+          </a:prstGeom>
+          <a:solidFill>
+            <a:srgbClr val="003278"/>
+          </a:solidFill>
+          <a:ln/>
+        </p:spPr>
+        <p:style>
+          <a:lnRef idx="3">
+            <a:schemeClr val="lt1"/>
+          </a:lnRef>
+          <a:fillRef idx="1">
+            <a:schemeClr val="accent4"/>
+          </a:fillRef>
+          <a:effectRef idx="1">
+            <a:schemeClr val="accent4"/>
+          </a:effectRef>
+          <a:fontRef idx="minor">
+            <a:schemeClr val="lt1"/>
+          </a:fontRef>
+        </p:style>
+        <p:txBody>
+          <a:bodyPr rtlCol="0" anchor="ctr"/>
+          <a:lstStyle/>
+          <a:p>
+            <a:pPr algn="ctr"/>
+            <a:r>
+              <a:rPr kumimoji="1" lang="en-US" altLang="zh-CN" sz="900" b="1" dirty="0">
+                <a:solidFill>
+                  <a:schemeClr val="bg1"/>
+                </a:solidFill>
+                <a:latin typeface="+mj-lt"/>
+              </a:rPr>
+              <a:t>OAuth2</a:t>
+            </a:r>
+            <a:r>
+              <a:rPr kumimoji="1" lang="zh-CN" altLang="en-US" sz="900" b="1" dirty="0">
+                <a:solidFill>
+                  <a:schemeClr val="bg1"/>
+                </a:solidFill>
+                <a:latin typeface="+mj-lt"/>
+              </a:rPr>
+              <a:t> </a:t>
+            </a:r>
+            <a:r>
+              <a:rPr kumimoji="1" lang="en-US" altLang="zh-CN" sz="900" b="1" dirty="0">
+                <a:solidFill>
+                  <a:schemeClr val="bg1"/>
+                </a:solidFill>
+                <a:latin typeface="+mj-lt"/>
+              </a:rPr>
+              <a:t>/</a:t>
+            </a:r>
+            <a:r>
+              <a:rPr kumimoji="1" lang="zh-CN" altLang="en-US" sz="900" b="1" dirty="0">
+                <a:solidFill>
+                  <a:schemeClr val="bg1"/>
+                </a:solidFill>
+                <a:latin typeface="+mj-lt"/>
+              </a:rPr>
+              <a:t> </a:t>
+            </a:r>
+            <a:r>
+              <a:rPr kumimoji="1" lang="en-US" altLang="zh-CN" sz="900" b="1" dirty="0">
+                <a:solidFill>
+                  <a:schemeClr val="bg1"/>
+                </a:solidFill>
+                <a:latin typeface="+mj-lt"/>
+              </a:rPr>
+              <a:t>HMAC</a:t>
+            </a:r>
+          </a:p>
+        </p:txBody>
+      </p:sp>
+      <p:sp>
+        <p:nvSpPr>
+          <p:cNvPr id="16" name="圆角矩形 173">
+            <a:extLst>
+              <a:ext uri="{FF2B5EF4-FFF2-40B4-BE49-F238E27FC236}">
+                <a16:creationId xmlns:a16="http://schemas.microsoft.com/office/drawing/2014/main" id="{B42D8E0B-334B-144F-A09C-3369D9A6D9FE}"/>
+              </a:ext>
+            </a:extLst>
+          </p:cNvPr>
+          <p:cNvSpPr/>
+          <p:nvPr/>
+        </p:nvSpPr>
+        <p:spPr>
+          <a:xfrm>
+            <a:off x="8274701" y="3553560"/>
+            <a:ext cx="1239456" cy="359410"/>
+          </a:xfrm>
+          <a:prstGeom prst="roundRect">
+            <a:avLst/>
+          </a:prstGeom>
+          <a:solidFill>
+            <a:srgbClr val="003278"/>
+          </a:solidFill>
+          <a:ln/>
+        </p:spPr>
+        <p:style>
+          <a:lnRef idx="3">
+            <a:schemeClr val="lt1"/>
+          </a:lnRef>
+          <a:fillRef idx="1">
+            <a:schemeClr val="accent4"/>
+          </a:fillRef>
+          <a:effectRef idx="1">
+            <a:schemeClr val="accent4"/>
+          </a:effectRef>
+          <a:fontRef idx="minor">
+            <a:schemeClr val="lt1"/>
+          </a:fontRef>
+        </p:style>
+        <p:txBody>
+          <a:bodyPr rtlCol="0" anchor="ctr"/>
+          <a:lstStyle/>
+          <a:p>
+            <a:pPr algn="ctr"/>
+            <a:r>
+              <a:rPr kumimoji="1" lang="en-US" altLang="zh-CN" sz="1000" b="1" dirty="0">
+                <a:solidFill>
+                  <a:schemeClr val="bg1"/>
+                </a:solidFill>
+                <a:latin typeface="+mj-lt"/>
+              </a:rPr>
+              <a:t>RateLimiter</a:t>
+            </a:r>
+          </a:p>
+        </p:txBody>
+      </p:sp>
+      <p:sp>
+        <p:nvSpPr>
+          <p:cNvPr id="17" name="圆角矩形 173">
+            <a:extLst>
+              <a:ext uri="{FF2B5EF4-FFF2-40B4-BE49-F238E27FC236}">
+                <a16:creationId xmlns:a16="http://schemas.microsoft.com/office/drawing/2014/main" id="{EAEC5996-8DED-0F45-8E4F-94F1C7DE63FA}"/>
+              </a:ext>
+            </a:extLst>
+          </p:cNvPr>
+          <p:cNvSpPr/>
+          <p:nvPr/>
+        </p:nvSpPr>
+        <p:spPr>
+          <a:xfrm>
+            <a:off x="8274701" y="3991964"/>
+            <a:ext cx="1239456" cy="359410"/>
+          </a:xfrm>
+          <a:prstGeom prst="roundRect">
+            <a:avLst/>
+          </a:prstGeom>
+          <a:solidFill>
+            <a:srgbClr val="003278"/>
+          </a:solidFill>
+          <a:ln/>
+        </p:spPr>
+        <p:style>
+          <a:lnRef idx="3">
+            <a:schemeClr val="lt1"/>
+          </a:lnRef>
+          <a:fillRef idx="1">
+            <a:schemeClr val="accent4"/>
+          </a:fillRef>
+          <a:effectRef idx="1">
+            <a:schemeClr val="accent4"/>
+          </a:effectRef>
+          <a:fontRef idx="minor">
+            <a:schemeClr val="lt1"/>
+          </a:fontRef>
+        </p:style>
+        <p:txBody>
+          <a:bodyPr rtlCol="0" anchor="ctr"/>
+          <a:lstStyle/>
+          <a:p>
+            <a:pPr algn="ctr"/>
+            <a:r>
+              <a:rPr kumimoji="1" lang="en-US" altLang="zh-CN" sz="1000" b="1" dirty="0">
+                <a:solidFill>
+                  <a:schemeClr val="bg1"/>
+                </a:solidFill>
+                <a:latin typeface="+mj-lt"/>
+              </a:rPr>
+              <a:t>CircuitBreaker</a:t>
+            </a:r>
+          </a:p>
+        </p:txBody>
+      </p:sp>
+      <p:sp>
+        <p:nvSpPr>
+          <p:cNvPr id="18" name="圆角矩形 173">
+            <a:extLst>
+              <a:ext uri="{FF2B5EF4-FFF2-40B4-BE49-F238E27FC236}">
+                <a16:creationId xmlns:a16="http://schemas.microsoft.com/office/drawing/2014/main" id="{AFC2B0DD-6957-424C-9EDF-85E19055D3C9}"/>
+              </a:ext>
+            </a:extLst>
+          </p:cNvPr>
+          <p:cNvSpPr/>
+          <p:nvPr/>
+        </p:nvSpPr>
+        <p:spPr>
+          <a:xfrm>
+            <a:off x="8274701" y="4447043"/>
+            <a:ext cx="1239456" cy="359410"/>
+          </a:xfrm>
+          <a:prstGeom prst="roundRect">
+            <a:avLst/>
+          </a:prstGeom>
+          <a:solidFill>
+            <a:srgbClr val="003278"/>
+          </a:solidFill>
+          <a:ln/>
+        </p:spPr>
+        <p:style>
+          <a:lnRef idx="3">
+            <a:schemeClr val="lt1"/>
+          </a:lnRef>
+          <a:fillRef idx="1">
+            <a:schemeClr val="accent4"/>
+          </a:fillRef>
+          <a:effectRef idx="1">
+            <a:schemeClr val="accent4"/>
+          </a:effectRef>
+          <a:fontRef idx="minor">
+            <a:schemeClr val="lt1"/>
+          </a:fontRef>
+        </p:style>
+        <p:txBody>
+          <a:bodyPr rtlCol="0" anchor="ctr"/>
+          <a:lstStyle/>
+          <a:p>
+            <a:pPr algn="ctr"/>
+            <a:r>
+              <a:rPr kumimoji="1" lang="en-US" altLang="zh-CN" sz="1000" b="1" dirty="0">
+                <a:solidFill>
+                  <a:schemeClr val="bg1"/>
+                </a:solidFill>
+                <a:latin typeface="+mj-lt"/>
+              </a:rPr>
+              <a:t>CORSAdaptor</a:t>
+            </a:r>
+          </a:p>
+        </p:txBody>
+      </p:sp>
+      <p:sp>
+        <p:nvSpPr>
+          <p:cNvPr id="19" name="圆角矩形 173">
+            <a:extLst>
+              <a:ext uri="{FF2B5EF4-FFF2-40B4-BE49-F238E27FC236}">
+                <a16:creationId xmlns:a16="http://schemas.microsoft.com/office/drawing/2014/main" id="{72A1C15A-49F2-1F4B-8F7E-F1504ED01F57}"/>
+              </a:ext>
+            </a:extLst>
+          </p:cNvPr>
+          <p:cNvSpPr/>
+          <p:nvPr/>
+        </p:nvSpPr>
+        <p:spPr>
+          <a:xfrm>
+            <a:off x="9813004" y="3553560"/>
+            <a:ext cx="1239456" cy="359410"/>
+          </a:xfrm>
+          <a:prstGeom prst="roundRect">
+            <a:avLst/>
+          </a:prstGeom>
+          <a:solidFill>
+            <a:srgbClr val="003278"/>
+          </a:solidFill>
+          <a:ln/>
+        </p:spPr>
+        <p:style>
+          <a:lnRef idx="3">
+            <a:schemeClr val="lt1"/>
+          </a:lnRef>
+          <a:fillRef idx="1">
+            <a:schemeClr val="accent4"/>
+          </a:fillRef>
+          <a:effectRef idx="1">
+            <a:schemeClr val="accent4"/>
+          </a:effectRef>
+          <a:fontRef idx="minor">
+            <a:schemeClr val="lt1"/>
+          </a:fontRef>
+        </p:style>
+        <p:txBody>
+          <a:bodyPr rtlCol="0" anchor="ctr"/>
+          <a:lstStyle/>
+          <a:p>
+            <a:pPr algn="ctr"/>
+            <a:r>
+              <a:rPr kumimoji="1" lang="en-US" altLang="zh-CN" sz="1000" b="1" dirty="0">
+                <a:solidFill>
+                  <a:schemeClr val="bg1"/>
+                </a:solidFill>
+                <a:latin typeface="+mj-lt"/>
+              </a:rPr>
+              <a:t>Retryer</a:t>
+            </a:r>
+          </a:p>
+        </p:txBody>
+      </p:sp>
+      <p:sp>
+        <p:nvSpPr>
+          <p:cNvPr id="20" name="圆角矩形 173">
+            <a:extLst>
+              <a:ext uri="{FF2B5EF4-FFF2-40B4-BE49-F238E27FC236}">
+                <a16:creationId xmlns:a16="http://schemas.microsoft.com/office/drawing/2014/main" id="{E89846C5-4F87-664B-88E0-5C3295C74BFD}"/>
+              </a:ext>
+            </a:extLst>
+          </p:cNvPr>
+          <p:cNvSpPr/>
+          <p:nvPr/>
+        </p:nvSpPr>
+        <p:spPr>
+          <a:xfrm>
+            <a:off x="9813004" y="3991964"/>
+            <a:ext cx="1239456" cy="359410"/>
+          </a:xfrm>
+          <a:prstGeom prst="roundRect">
+            <a:avLst/>
+          </a:prstGeom>
+          <a:solidFill>
+            <a:srgbClr val="003278"/>
+          </a:solidFill>
+          <a:ln/>
+        </p:spPr>
+        <p:style>
+          <a:lnRef idx="3">
+            <a:schemeClr val="lt1"/>
+          </a:lnRef>
+          <a:fillRef idx="1">
+            <a:schemeClr val="accent4"/>
+          </a:fillRef>
+          <a:effectRef idx="1">
+            <a:schemeClr val="accent4"/>
+          </a:effectRef>
+          <a:fontRef idx="minor">
+            <a:schemeClr val="lt1"/>
+          </a:fontRef>
+        </p:style>
+        <p:txBody>
+          <a:bodyPr rtlCol="0" anchor="ctr"/>
+          <a:lstStyle/>
+          <a:p>
+            <a:pPr algn="ctr"/>
+            <a:r>
+              <a:rPr kumimoji="1" lang="en-US" altLang="zh-CN" sz="1000" b="1" dirty="0">
+                <a:solidFill>
+                  <a:schemeClr val="bg1"/>
+                </a:solidFill>
+                <a:latin typeface="+mj-lt"/>
+              </a:rPr>
+              <a:t>Proxy</a:t>
+            </a:r>
+          </a:p>
+        </p:txBody>
+      </p:sp>
+      <p:sp>
+        <p:nvSpPr>
+          <p:cNvPr id="21" name="圆角矩形 173">
+            <a:extLst>
+              <a:ext uri="{FF2B5EF4-FFF2-40B4-BE49-F238E27FC236}">
+                <a16:creationId xmlns:a16="http://schemas.microsoft.com/office/drawing/2014/main" id="{A52B7F99-1DF4-554F-AA25-A3D8DA8376B0}"/>
+              </a:ext>
+            </a:extLst>
+          </p:cNvPr>
+          <p:cNvSpPr/>
+          <p:nvPr/>
+        </p:nvSpPr>
+        <p:spPr>
+          <a:xfrm>
+            <a:off x="9813004" y="4451357"/>
+            <a:ext cx="1239456" cy="359410"/>
+          </a:xfrm>
+          <a:prstGeom prst="roundRect">
+            <a:avLst/>
+          </a:prstGeom>
+          <a:solidFill>
+            <a:srgbClr val="003278"/>
+          </a:solidFill>
+          <a:ln/>
+        </p:spPr>
+        <p:style>
+          <a:lnRef idx="3">
+            <a:schemeClr val="lt1"/>
+          </a:lnRef>
+          <a:fillRef idx="1">
+            <a:schemeClr val="accent4"/>
+          </a:fillRef>
+          <a:effectRef idx="1">
+            <a:schemeClr val="accent4"/>
+          </a:effectRef>
+          <a:fontRef idx="minor">
+            <a:schemeClr val="lt1"/>
+          </a:fontRef>
+        </p:style>
+        <p:txBody>
+          <a:bodyPr rtlCol="0" anchor="ctr"/>
+          <a:lstStyle/>
+          <a:p>
+            <a:pPr algn="ctr"/>
+            <a:r>
+              <a:rPr kumimoji="1" lang="en-US" altLang="zh-CN" sz="1000" b="1" dirty="0">
+                <a:solidFill>
+                  <a:schemeClr val="bg1"/>
+                </a:solidFill>
+                <a:latin typeface="+mj-lt"/>
+              </a:rPr>
+              <a:t>APIAggregator</a:t>
+            </a:r>
+          </a:p>
+        </p:txBody>
+      </p:sp>
+      <p:sp>
+        <p:nvSpPr>
+          <p:cNvPr id="25" name="圆角矩形 24">
+            <a:extLst>
+              <a:ext uri="{FF2B5EF4-FFF2-40B4-BE49-F238E27FC236}">
+                <a16:creationId xmlns:a16="http://schemas.microsoft.com/office/drawing/2014/main" id="{29031689-1C31-7942-B1CE-09BE1F2A0B25}"/>
+              </a:ext>
+            </a:extLst>
+          </p:cNvPr>
+          <p:cNvSpPr/>
+          <p:nvPr/>
+        </p:nvSpPr>
+        <p:spPr>
+          <a:xfrm>
+            <a:off x="2794290" y="1461316"/>
+            <a:ext cx="1128445" cy="4589833"/>
+          </a:xfrm>
+          <a:prstGeom prst="roundRect">
+            <a:avLst>
+              <a:gd name="adj" fmla="val 5490"/>
+            </a:avLst>
+          </a:prstGeom>
+        </p:spPr>
+        <p:style>
+          <a:lnRef idx="2">
+            <a:schemeClr val="accent1">
+              <a:shade val="50000"/>
+            </a:schemeClr>
+          </a:lnRef>
+          <a:fillRef idx="1">
+            <a:schemeClr val="accent1"/>
+          </a:fillRef>
+          <a:effectRef idx="0">
+            <a:schemeClr val="accent1"/>
+          </a:effectRef>
+          <a:fontRef idx="minor">
+            <a:schemeClr val="lt1"/>
+          </a:fontRef>
+        </p:style>
+        <p:txBody>
+          <a:bodyPr rtlCol="0" anchor="ctr"/>
+          <a:lstStyle/>
+          <a:p>
+            <a:pPr algn="ctr"/>
+            <a:r>
+              <a:rPr kumimoji="1" lang="en-US" altLang="zh-CN" sz="2000" b="1" dirty="0">
+                <a:ln w="0"/>
+                <a:solidFill>
+                  <a:schemeClr val="bg1"/>
+                </a:solidFill>
+                <a:effectLst>
+                  <a:outerShdw blurRad="38100" dist="19050" dir="2700000" algn="tl" rotWithShape="0">
+                    <a:schemeClr val="dk1">
+                      <a:alpha val="40000"/>
+                    </a:schemeClr>
+                  </a:outerShdw>
+                </a:effectLst>
+              </a:rPr>
+              <a:t>Cluster</a:t>
+            </a:r>
+          </a:p>
+          <a:p>
+            <a:pPr algn="ctr"/>
+            <a:r>
+              <a:rPr kumimoji="1" lang="en-US" altLang="zh-CN" sz="1200" dirty="0">
+                <a:ln w="0"/>
+                <a:solidFill>
+                  <a:schemeClr val="bg1"/>
+                </a:solidFill>
+                <a:effectLst>
+                  <a:outerShdw blurRad="38100" dist="19050" dir="2700000" algn="tl" rotWithShape="0">
+                    <a:schemeClr val="dk1">
+                      <a:alpha val="40000"/>
+                    </a:schemeClr>
+                  </a:outerShdw>
+                </a:effectLst>
+              </a:rPr>
+              <a:t>(Raft)</a:t>
+            </a:r>
+            <a:endParaRPr kumimoji="1" lang="zh-CN" altLang="en-US" sz="2000" dirty="0"/>
+          </a:p>
+        </p:txBody>
+      </p:sp>
+      <p:sp>
+        <p:nvSpPr>
+          <p:cNvPr id="26" name="圆角矩形 25">
+            <a:extLst>
+              <a:ext uri="{FF2B5EF4-FFF2-40B4-BE49-F238E27FC236}">
+                <a16:creationId xmlns:a16="http://schemas.microsoft.com/office/drawing/2014/main" id="{F88FDFD0-DC15-BB4F-AF24-55F8ABEEA5CF}"/>
+              </a:ext>
+            </a:extLst>
+          </p:cNvPr>
+          <p:cNvSpPr/>
+          <p:nvPr/>
+        </p:nvSpPr>
+        <p:spPr>
+          <a:xfrm>
+            <a:off x="4569731" y="5312368"/>
+            <a:ext cx="6769816" cy="738783"/>
+          </a:xfrm>
+          <a:prstGeom prst="roundRect">
+            <a:avLst>
+              <a:gd name="adj" fmla="val 7711"/>
+            </a:avLst>
+          </a:prstGeom>
+        </p:spPr>
+        <p:style>
+          <a:lnRef idx="2">
+            <a:schemeClr val="accent1">
+              <a:shade val="50000"/>
+            </a:schemeClr>
+          </a:lnRef>
+          <a:fillRef idx="1">
+            <a:schemeClr val="accent1"/>
+          </a:fillRef>
+          <a:effectRef idx="0">
+            <a:schemeClr val="accent1"/>
+          </a:effectRef>
+          <a:fontRef idx="minor">
+            <a:schemeClr val="lt1"/>
+          </a:fontRef>
+        </p:style>
+        <p:txBody>
+          <a:bodyPr rtlCol="0" anchor="ctr"/>
+          <a:lstStyle/>
+          <a:p>
+            <a:pPr algn="ctr"/>
+            <a:r>
+              <a:rPr kumimoji="1" lang="en-US" altLang="zh-CN" b="1" dirty="0"/>
+              <a:t>Supervisor</a:t>
+            </a:r>
+            <a:endParaRPr kumimoji="1" lang="zh-CN" altLang="en-US" b="1" dirty="0"/>
+          </a:p>
+        </p:txBody>
+      </p:sp>
+      <p:grpSp>
+        <p:nvGrpSpPr>
+          <p:cNvPr id="38" name="组合 37">
+            <a:extLst>
+              <a:ext uri="{FF2B5EF4-FFF2-40B4-BE49-F238E27FC236}">
+                <a16:creationId xmlns:a16="http://schemas.microsoft.com/office/drawing/2014/main" id="{E81E01D4-FA25-364F-ADDD-A33B5B9722E5}"/>
+              </a:ext>
+            </a:extLst>
+          </p:cNvPr>
+          <p:cNvGrpSpPr/>
+          <p:nvPr/>
+        </p:nvGrpSpPr>
+        <p:grpSpPr>
+          <a:xfrm>
+            <a:off x="4567231" y="1461316"/>
+            <a:ext cx="1232910" cy="2375650"/>
+            <a:chOff x="3878317" y="1615637"/>
+            <a:chExt cx="1232910" cy="2375650"/>
+          </a:xfrm>
+        </p:grpSpPr>
+        <p:sp>
+          <p:nvSpPr>
+            <p:cNvPr id="22" name="圆角矩形 173">
+              <a:extLst>
+                <a:ext uri="{FF2B5EF4-FFF2-40B4-BE49-F238E27FC236}">
+                  <a16:creationId xmlns:a16="http://schemas.microsoft.com/office/drawing/2014/main" id="{0DDE9BC8-5C95-2D42-9C01-56620D75B79C}"/>
+                </a:ext>
+              </a:extLst>
+            </p:cNvPr>
+            <p:cNvSpPr/>
+            <p:nvPr/>
+          </p:nvSpPr>
+          <p:spPr>
+            <a:xfrm>
+              <a:off x="3878317" y="1615637"/>
+              <a:ext cx="1232910" cy="2375650"/>
+            </a:xfrm>
+            <a:prstGeom prst="roundRect">
+              <a:avLst>
+                <a:gd name="adj" fmla="val 3557"/>
+              </a:avLst>
+            </a:prstGeom>
+          </p:spPr>
+          <p:style>
+            <a:lnRef idx="2">
+              <a:schemeClr val="accent1">
+                <a:shade val="50000"/>
+              </a:schemeClr>
+            </a:lnRef>
+            <a:fillRef idx="1">
+              <a:schemeClr val="accent1"/>
+            </a:fillRef>
+            <a:effectRef idx="0">
+              <a:schemeClr val="accent1"/>
+            </a:effectRef>
+            <a:fontRef idx="minor">
+              <a:schemeClr val="lt1"/>
+            </a:fontRef>
+          </p:style>
+          <p:txBody>
+            <a:bodyPr rtlCol="0" anchor="t"/>
+            <a:lstStyle/>
+            <a:p>
+              <a:pPr algn="ctr"/>
+              <a:r>
+                <a:rPr kumimoji="1" lang="en-US" altLang="zh-CN" sz="1600" b="1" dirty="0"/>
+                <a:t>Controller</a:t>
+              </a:r>
+            </a:p>
+            <a:p>
+              <a:pPr algn="ctr"/>
+              <a:r>
+                <a:rPr kumimoji="1" lang="en-US" altLang="zh-CN" sz="1200" dirty="0"/>
+                <a:t>(Business)</a:t>
+              </a:r>
+            </a:p>
+          </p:txBody>
+        </p:sp>
+        <p:sp>
+          <p:nvSpPr>
+            <p:cNvPr id="28" name="圆角矩形 173">
+              <a:extLst>
+                <a:ext uri="{FF2B5EF4-FFF2-40B4-BE49-F238E27FC236}">
+                  <a16:creationId xmlns:a16="http://schemas.microsoft.com/office/drawing/2014/main" id="{D8F4E19B-9E36-A84D-B5A4-8E8725D6931B}"/>
+                </a:ext>
+              </a:extLst>
+            </p:cNvPr>
+            <p:cNvSpPr/>
+            <p:nvPr/>
+          </p:nvSpPr>
+          <p:spPr>
+            <a:xfrm>
+              <a:off x="4047230" y="3535772"/>
+              <a:ext cx="899281" cy="381737"/>
+            </a:xfrm>
+            <a:prstGeom prst="roundRect">
+              <a:avLst/>
+            </a:prstGeom>
+            <a:ln/>
+          </p:spPr>
+          <p:style>
+            <a:lnRef idx="3">
+              <a:schemeClr val="lt1"/>
+            </a:lnRef>
+            <a:fillRef idx="1">
+              <a:schemeClr val="accent4"/>
+            </a:fillRef>
+            <a:effectRef idx="1">
+              <a:schemeClr val="accent4"/>
+            </a:effectRef>
+            <a:fontRef idx="minor">
+              <a:schemeClr val="lt1"/>
+            </a:fontRef>
+          </p:style>
+          <p:txBody>
+            <a:bodyPr rtlCol="0" anchor="ctr"/>
+            <a:lstStyle/>
+            <a:p>
+              <a:pPr algn="ctr"/>
+              <a:r>
+                <a:rPr kumimoji="1" lang="en-US" altLang="zh-CN" sz="1000" b="1" dirty="0">
+                  <a:solidFill>
+                    <a:schemeClr val="bg1"/>
+                  </a:solidFill>
+                  <a:latin typeface="+mj-lt"/>
+                </a:rPr>
+                <a:t>FaaS</a:t>
+              </a:r>
+            </a:p>
+            <a:p>
+              <a:pPr algn="ctr"/>
+              <a:r>
+                <a:rPr kumimoji="1" lang="en-US" altLang="zh-CN" sz="1000" b="1" dirty="0">
+                  <a:solidFill>
+                    <a:schemeClr val="bg1"/>
+                  </a:solidFill>
+                  <a:latin typeface="+mj-lt"/>
+                </a:rPr>
+                <a:t>Controller</a:t>
+              </a:r>
+            </a:p>
+          </p:txBody>
+        </p:sp>
+        <p:sp>
+          <p:nvSpPr>
+            <p:cNvPr id="29" name="圆角矩形 173">
+              <a:extLst>
+                <a:ext uri="{FF2B5EF4-FFF2-40B4-BE49-F238E27FC236}">
+                  <a16:creationId xmlns:a16="http://schemas.microsoft.com/office/drawing/2014/main" id="{4D43C40E-ADA8-A241-9A1E-A683D0D4F6A7}"/>
+                </a:ext>
+              </a:extLst>
+            </p:cNvPr>
+            <p:cNvSpPr/>
+            <p:nvPr/>
+          </p:nvSpPr>
+          <p:spPr>
+            <a:xfrm>
+              <a:off x="4047230" y="3082323"/>
+              <a:ext cx="899282" cy="381737"/>
+            </a:xfrm>
+            <a:prstGeom prst="roundRect">
+              <a:avLst/>
+            </a:prstGeom>
+            <a:ln/>
+          </p:spPr>
+          <p:style>
+            <a:lnRef idx="3">
+              <a:schemeClr val="lt1"/>
+            </a:lnRef>
+            <a:fillRef idx="1">
+              <a:schemeClr val="accent4"/>
+            </a:fillRef>
+            <a:effectRef idx="1">
+              <a:schemeClr val="accent4"/>
+            </a:effectRef>
+            <a:fontRef idx="minor">
+              <a:schemeClr val="lt1"/>
+            </a:fontRef>
+          </p:style>
+          <p:txBody>
+            <a:bodyPr rtlCol="0" anchor="ctr"/>
+            <a:lstStyle/>
+            <a:p>
+              <a:pPr algn="ctr"/>
+              <a:r>
+                <a:rPr kumimoji="1" lang="en-US" altLang="zh-CN" sz="1000" b="1" dirty="0">
+                  <a:solidFill>
+                    <a:schemeClr val="bg1"/>
+                  </a:solidFill>
+                  <a:latin typeface="+mj-lt"/>
+                </a:rPr>
+                <a:t>Mesh</a:t>
+              </a:r>
+            </a:p>
+            <a:p>
+              <a:pPr algn="ctr"/>
+              <a:r>
+                <a:rPr kumimoji="1" lang="en-US" altLang="zh-CN" sz="1000" b="1" dirty="0">
+                  <a:solidFill>
+                    <a:schemeClr val="bg1"/>
+                  </a:solidFill>
+                  <a:latin typeface="+mj-lt"/>
+                </a:rPr>
+                <a:t>Controller</a:t>
+              </a:r>
+            </a:p>
+          </p:txBody>
+        </p:sp>
+        <p:sp>
+          <p:nvSpPr>
+            <p:cNvPr id="30" name="圆角矩形 173">
+              <a:extLst>
+                <a:ext uri="{FF2B5EF4-FFF2-40B4-BE49-F238E27FC236}">
+                  <a16:creationId xmlns:a16="http://schemas.microsoft.com/office/drawing/2014/main" id="{7E9514D9-DC68-2845-93C9-CD13F876836C}"/>
+                </a:ext>
+              </a:extLst>
+            </p:cNvPr>
+            <p:cNvSpPr/>
+            <p:nvPr/>
+          </p:nvSpPr>
+          <p:spPr>
+            <a:xfrm>
+              <a:off x="4047230" y="2175425"/>
+              <a:ext cx="925254" cy="381737"/>
+            </a:xfrm>
+            <a:prstGeom prst="roundRect">
+              <a:avLst/>
+            </a:prstGeom>
+            <a:ln/>
+          </p:spPr>
+          <p:style>
+            <a:lnRef idx="3">
+              <a:schemeClr val="lt1"/>
+            </a:lnRef>
+            <a:fillRef idx="1">
+              <a:schemeClr val="accent4"/>
+            </a:fillRef>
+            <a:effectRef idx="1">
+              <a:schemeClr val="accent4"/>
+            </a:effectRef>
+            <a:fontRef idx="minor">
+              <a:schemeClr val="lt1"/>
+            </a:fontRef>
+          </p:style>
+          <p:txBody>
+            <a:bodyPr rtlCol="0" anchor="ctr"/>
+            <a:lstStyle/>
+            <a:p>
+              <a:pPr algn="ctr"/>
+              <a:r>
+                <a:rPr kumimoji="1" lang="en-US" altLang="zh-CN" sz="1000" b="1" dirty="0">
+                  <a:solidFill>
+                    <a:schemeClr val="bg1"/>
+                  </a:solidFill>
+                  <a:latin typeface="+mj-lt"/>
+                </a:rPr>
+                <a:t>Service</a:t>
+              </a:r>
+              <a:r>
+                <a:rPr kumimoji="1" lang="zh-CN" altLang="en-US" sz="1000" b="1" dirty="0">
+                  <a:solidFill>
+                    <a:schemeClr val="bg1"/>
+                  </a:solidFill>
+                  <a:latin typeface="+mj-lt"/>
+                </a:rPr>
+                <a:t> </a:t>
+              </a:r>
+              <a:r>
+                <a:rPr kumimoji="1" lang="en-US" altLang="zh-CN" sz="1000" b="1" dirty="0">
+                  <a:solidFill>
+                    <a:schemeClr val="bg1"/>
+                  </a:solidFill>
+                  <a:latin typeface="+mj-lt"/>
+                </a:rPr>
+                <a:t>Discovery</a:t>
+              </a:r>
+            </a:p>
+          </p:txBody>
+        </p:sp>
+        <p:sp>
+          <p:nvSpPr>
+            <p:cNvPr id="31" name="圆角矩形 173">
+              <a:extLst>
+                <a:ext uri="{FF2B5EF4-FFF2-40B4-BE49-F238E27FC236}">
+                  <a16:creationId xmlns:a16="http://schemas.microsoft.com/office/drawing/2014/main" id="{DC566803-B9DC-474E-B3DF-DD06B8366E8C}"/>
+                </a:ext>
+              </a:extLst>
+            </p:cNvPr>
+            <p:cNvSpPr/>
+            <p:nvPr/>
+          </p:nvSpPr>
+          <p:spPr>
+            <a:xfrm>
+              <a:off x="4047230" y="2628874"/>
+              <a:ext cx="914401" cy="381737"/>
+            </a:xfrm>
+            <a:prstGeom prst="roundRect">
+              <a:avLst/>
+            </a:prstGeom>
+            <a:ln/>
+          </p:spPr>
+          <p:style>
+            <a:lnRef idx="3">
+              <a:schemeClr val="lt1"/>
+            </a:lnRef>
+            <a:fillRef idx="1">
+              <a:schemeClr val="accent4"/>
+            </a:fillRef>
+            <a:effectRef idx="1">
+              <a:schemeClr val="accent4"/>
+            </a:effectRef>
+            <a:fontRef idx="minor">
+              <a:schemeClr val="lt1"/>
+            </a:fontRef>
+          </p:style>
+          <p:txBody>
+            <a:bodyPr rtlCol="0" anchor="ctr"/>
+            <a:lstStyle/>
+            <a:p>
+              <a:pPr algn="ctr"/>
+              <a:r>
+                <a:rPr kumimoji="1" lang="en-US" altLang="zh-CN" sz="1000" b="1" dirty="0">
+                  <a:solidFill>
+                    <a:schemeClr val="bg1"/>
+                  </a:solidFill>
+                  <a:latin typeface="+mj-lt"/>
+                </a:rPr>
+                <a:t>Monitor</a:t>
+              </a:r>
+            </a:p>
+            <a:p>
+              <a:pPr algn="ctr"/>
+              <a:r>
+                <a:rPr kumimoji="1" lang="en-US" altLang="zh-CN" sz="1000" b="1" dirty="0">
+                  <a:solidFill>
+                    <a:schemeClr val="bg1"/>
+                  </a:solidFill>
+                  <a:latin typeface="+mj-lt"/>
+                </a:rPr>
+                <a:t>Controller</a:t>
+              </a:r>
+            </a:p>
+          </p:txBody>
+        </p:sp>
+      </p:grpSp>
+      <p:grpSp>
+        <p:nvGrpSpPr>
+          <p:cNvPr id="37" name="组合 36">
+            <a:extLst>
+              <a:ext uri="{FF2B5EF4-FFF2-40B4-BE49-F238E27FC236}">
+                <a16:creationId xmlns:a16="http://schemas.microsoft.com/office/drawing/2014/main" id="{A60A3FF6-6514-944A-91C4-E4DCDCAA3503}"/>
+              </a:ext>
+            </a:extLst>
+          </p:cNvPr>
+          <p:cNvGrpSpPr/>
+          <p:nvPr/>
+        </p:nvGrpSpPr>
+        <p:grpSpPr>
+          <a:xfrm>
+            <a:off x="4568481" y="3901286"/>
+            <a:ext cx="1232910" cy="1043601"/>
+            <a:chOff x="3872382" y="3864727"/>
+            <a:chExt cx="1232910" cy="1043601"/>
+          </a:xfrm>
+        </p:grpSpPr>
+        <p:sp>
+          <p:nvSpPr>
+            <p:cNvPr id="36" name="圆角矩形 173">
+              <a:extLst>
+                <a:ext uri="{FF2B5EF4-FFF2-40B4-BE49-F238E27FC236}">
+                  <a16:creationId xmlns:a16="http://schemas.microsoft.com/office/drawing/2014/main" id="{008E2187-415E-AB4E-8832-0B3166F3C609}"/>
+                </a:ext>
+              </a:extLst>
+            </p:cNvPr>
+            <p:cNvSpPr/>
+            <p:nvPr/>
+          </p:nvSpPr>
+          <p:spPr>
+            <a:xfrm>
+              <a:off x="3872382" y="3864727"/>
+              <a:ext cx="1232910" cy="1043601"/>
+            </a:xfrm>
+            <a:prstGeom prst="roundRect">
+              <a:avLst>
+                <a:gd name="adj" fmla="val 3636"/>
+              </a:avLst>
+            </a:prstGeom>
+          </p:spPr>
+          <p:style>
+            <a:lnRef idx="2">
+              <a:schemeClr val="accent1">
+                <a:shade val="50000"/>
+              </a:schemeClr>
+            </a:lnRef>
+            <a:fillRef idx="1">
+              <a:schemeClr val="accent1"/>
+            </a:fillRef>
+            <a:effectRef idx="0">
+              <a:schemeClr val="accent1"/>
+            </a:effectRef>
+            <a:fontRef idx="minor">
+              <a:schemeClr val="lt1"/>
+            </a:fontRef>
+          </p:style>
+          <p:txBody>
+            <a:bodyPr rtlCol="0" anchor="t"/>
+            <a:lstStyle/>
+            <a:p>
+              <a:pPr algn="ctr"/>
+              <a:r>
+                <a:rPr kumimoji="1" lang="en-US" altLang="zh-CN" sz="1600" b="1" dirty="0"/>
+                <a:t>Controller</a:t>
+              </a:r>
+            </a:p>
+            <a:p>
+              <a:pPr algn="ctr"/>
+              <a:r>
+                <a:rPr kumimoji="1" lang="en-US" altLang="zh-CN" sz="1200" dirty="0"/>
+                <a:t>(System)</a:t>
+              </a:r>
+            </a:p>
+          </p:txBody>
+        </p:sp>
+        <p:sp>
+          <p:nvSpPr>
+            <p:cNvPr id="32" name="圆角矩形 173">
+              <a:extLst>
+                <a:ext uri="{FF2B5EF4-FFF2-40B4-BE49-F238E27FC236}">
+                  <a16:creationId xmlns:a16="http://schemas.microsoft.com/office/drawing/2014/main" id="{AF35FABF-86C1-CB48-81A1-A3C5B626C542}"/>
+                </a:ext>
+              </a:extLst>
+            </p:cNvPr>
+            <p:cNvSpPr/>
+            <p:nvPr/>
+          </p:nvSpPr>
+          <p:spPr>
+            <a:xfrm>
+              <a:off x="4005237" y="4424878"/>
+              <a:ext cx="982319" cy="345946"/>
+            </a:xfrm>
+            <a:prstGeom prst="roundRect">
+              <a:avLst/>
+            </a:prstGeom>
+            <a:ln/>
+          </p:spPr>
+          <p:style>
+            <a:lnRef idx="3">
+              <a:schemeClr val="lt1"/>
+            </a:lnRef>
+            <a:fillRef idx="1">
+              <a:schemeClr val="accent4"/>
+            </a:fillRef>
+            <a:effectRef idx="1">
+              <a:schemeClr val="accent4"/>
+            </a:effectRef>
+            <a:fontRef idx="minor">
+              <a:schemeClr val="lt1"/>
+            </a:fontRef>
+          </p:style>
+          <p:txBody>
+            <a:bodyPr rtlCol="0" anchor="ctr"/>
+            <a:lstStyle/>
+            <a:p>
+              <a:pPr algn="ctr"/>
+              <a:r>
+                <a:rPr kumimoji="1" lang="en-US" altLang="zh-CN" sz="1000" b="1" dirty="0">
+                  <a:solidFill>
+                    <a:schemeClr val="bg1"/>
+                  </a:solidFill>
+                  <a:latin typeface="+mj-lt"/>
+                </a:rPr>
+                <a:t>Status</a:t>
+              </a:r>
+              <a:r>
+                <a:rPr kumimoji="1" lang="zh-CN" altLang="en-US" sz="1000" b="1" dirty="0">
+                  <a:solidFill>
+                    <a:schemeClr val="bg1"/>
+                  </a:solidFill>
+                  <a:latin typeface="+mj-lt"/>
+                </a:rPr>
+                <a:t> </a:t>
+              </a:r>
+              <a:r>
+                <a:rPr kumimoji="1" lang="en-US" altLang="zh-CN" sz="1000" b="1" dirty="0">
+                  <a:solidFill>
+                    <a:schemeClr val="bg1"/>
+                  </a:solidFill>
+                  <a:latin typeface="+mj-lt"/>
+                </a:rPr>
+                <a:t>Sync</a:t>
+              </a:r>
+            </a:p>
+          </p:txBody>
+        </p:sp>
+      </p:grpSp>
+      <p:sp>
+        <p:nvSpPr>
+          <p:cNvPr id="33" name="圆角矩形 173">
+            <a:extLst>
+              <a:ext uri="{FF2B5EF4-FFF2-40B4-BE49-F238E27FC236}">
+                <a16:creationId xmlns:a16="http://schemas.microsoft.com/office/drawing/2014/main" id="{E81BC9E0-9043-0E42-9110-03B75BB82F0D}"/>
+              </a:ext>
+            </a:extLst>
+          </p:cNvPr>
+          <p:cNvSpPr/>
+          <p:nvPr/>
+        </p:nvSpPr>
+        <p:spPr>
+          <a:xfrm>
+            <a:off x="6736398" y="2000619"/>
+            <a:ext cx="1239456" cy="296403"/>
+          </a:xfrm>
+          <a:prstGeom prst="roundRect">
+            <a:avLst/>
+          </a:prstGeom>
+          <a:ln/>
+        </p:spPr>
+        <p:style>
+          <a:lnRef idx="3">
+            <a:schemeClr val="lt1"/>
+          </a:lnRef>
+          <a:fillRef idx="1">
+            <a:schemeClr val="accent4"/>
+          </a:fillRef>
+          <a:effectRef idx="1">
+            <a:schemeClr val="accent4"/>
+          </a:effectRef>
+          <a:fontRef idx="minor">
+            <a:schemeClr val="lt1"/>
+          </a:fontRef>
+        </p:style>
+        <p:txBody>
+          <a:bodyPr rtlCol="0" anchor="ctr"/>
+          <a:lstStyle/>
+          <a:p>
+            <a:pPr algn="ctr"/>
+            <a:r>
+              <a:rPr kumimoji="1" lang="en-US" altLang="zh-CN" sz="1200" b="1" dirty="0">
+                <a:solidFill>
+                  <a:schemeClr val="bg1"/>
+                </a:solidFill>
+                <a:latin typeface="+mj-lt"/>
+              </a:rPr>
+              <a:t>HTTP</a:t>
+            </a:r>
+            <a:r>
+              <a:rPr kumimoji="1" lang="zh-CN" altLang="en-US" sz="1200" b="1" dirty="0">
+                <a:solidFill>
+                  <a:schemeClr val="bg1"/>
+                </a:solidFill>
+                <a:latin typeface="+mj-lt"/>
+              </a:rPr>
+              <a:t> </a:t>
+            </a:r>
+            <a:r>
+              <a:rPr kumimoji="1" lang="en-US" altLang="zh-CN" sz="1200" b="1" dirty="0">
+                <a:solidFill>
+                  <a:schemeClr val="bg1"/>
+                </a:solidFill>
+                <a:latin typeface="+mj-lt"/>
+              </a:rPr>
+              <a:t>1/2/3</a:t>
+            </a:r>
+          </a:p>
+        </p:txBody>
+      </p:sp>
+      <p:sp>
+        <p:nvSpPr>
+          <p:cNvPr id="34" name="圆角矩形 173">
+            <a:extLst>
+              <a:ext uri="{FF2B5EF4-FFF2-40B4-BE49-F238E27FC236}">
+                <a16:creationId xmlns:a16="http://schemas.microsoft.com/office/drawing/2014/main" id="{CFC46DCB-9346-F140-AFB2-55E5AB7B74A7}"/>
+              </a:ext>
+            </a:extLst>
+          </p:cNvPr>
+          <p:cNvSpPr/>
+          <p:nvPr/>
+        </p:nvSpPr>
+        <p:spPr>
+          <a:xfrm>
+            <a:off x="8274701" y="2000619"/>
+            <a:ext cx="1239456" cy="296403"/>
+          </a:xfrm>
+          <a:prstGeom prst="roundRect">
+            <a:avLst/>
+          </a:prstGeom>
+          <a:ln/>
+        </p:spPr>
+        <p:style>
+          <a:lnRef idx="3">
+            <a:schemeClr val="lt1"/>
+          </a:lnRef>
+          <a:fillRef idx="1">
+            <a:schemeClr val="accent4"/>
+          </a:fillRef>
+          <a:effectRef idx="1">
+            <a:schemeClr val="accent4"/>
+          </a:effectRef>
+          <a:fontRef idx="minor">
+            <a:schemeClr val="lt1"/>
+          </a:fontRef>
+        </p:style>
+        <p:txBody>
+          <a:bodyPr rtlCol="0" anchor="ctr"/>
+          <a:lstStyle/>
+          <a:p>
+            <a:pPr algn="ctr"/>
+            <a:r>
+              <a:rPr kumimoji="1" lang="en-US" altLang="zh-CN" sz="1200" b="1" dirty="0">
+                <a:solidFill>
+                  <a:schemeClr val="bg1"/>
+                </a:solidFill>
+                <a:latin typeface="+mj-lt"/>
+              </a:rPr>
+              <a:t>MQTT</a:t>
+            </a:r>
+          </a:p>
+        </p:txBody>
+      </p:sp>
+      <p:sp>
+        <p:nvSpPr>
+          <p:cNvPr id="35" name="圆角矩形 173">
+            <a:extLst>
+              <a:ext uri="{FF2B5EF4-FFF2-40B4-BE49-F238E27FC236}">
+                <a16:creationId xmlns:a16="http://schemas.microsoft.com/office/drawing/2014/main" id="{733B91F9-B50B-7441-831F-C2FA1963F6F5}"/>
+              </a:ext>
+            </a:extLst>
+          </p:cNvPr>
+          <p:cNvSpPr/>
+          <p:nvPr/>
+        </p:nvSpPr>
+        <p:spPr>
+          <a:xfrm>
+            <a:off x="9813004" y="2000619"/>
+            <a:ext cx="1239456" cy="296403"/>
+          </a:xfrm>
+          <a:prstGeom prst="roundRect">
+            <a:avLst/>
+          </a:prstGeom>
+          <a:ln/>
+        </p:spPr>
+        <p:style>
+          <a:lnRef idx="3">
+            <a:schemeClr val="lt1"/>
+          </a:lnRef>
+          <a:fillRef idx="1">
+            <a:schemeClr val="accent4"/>
+          </a:fillRef>
+          <a:effectRef idx="1">
+            <a:schemeClr val="accent4"/>
+          </a:effectRef>
+          <a:fontRef idx="minor">
+            <a:schemeClr val="lt1"/>
+          </a:fontRef>
+        </p:style>
+        <p:txBody>
+          <a:bodyPr rtlCol="0" anchor="ctr"/>
+          <a:lstStyle/>
+          <a:p>
+            <a:pPr algn="ctr"/>
+            <a:r>
+              <a:rPr kumimoji="1" lang="en-US" altLang="zh-CN" sz="1200" b="1" dirty="0">
+                <a:solidFill>
+                  <a:schemeClr val="bg1"/>
+                </a:solidFill>
+                <a:latin typeface="+mj-lt"/>
+              </a:rPr>
+              <a:t>WebSocket</a:t>
+            </a:r>
+          </a:p>
+        </p:txBody>
+      </p:sp>
+      <p:grpSp>
+        <p:nvGrpSpPr>
+          <p:cNvPr id="64" name="组合 63">
+            <a:extLst>
+              <a:ext uri="{FF2B5EF4-FFF2-40B4-BE49-F238E27FC236}">
+                <a16:creationId xmlns:a16="http://schemas.microsoft.com/office/drawing/2014/main" id="{E08C2CDA-F24C-8B46-8C66-1CD4D7A235E5}"/>
+              </a:ext>
+            </a:extLst>
+          </p:cNvPr>
+          <p:cNvGrpSpPr/>
+          <p:nvPr/>
+        </p:nvGrpSpPr>
+        <p:grpSpPr>
+          <a:xfrm>
+            <a:off x="1152848" y="2506164"/>
+            <a:ext cx="1587583" cy="628946"/>
+            <a:chOff x="1245312" y="2448774"/>
+            <a:chExt cx="1587583" cy="628946"/>
+          </a:xfrm>
+        </p:grpSpPr>
+        <p:pic>
+          <p:nvPicPr>
+            <p:cNvPr id="45" name="图片 44">
+              <a:extLst>
+                <a:ext uri="{FF2B5EF4-FFF2-40B4-BE49-F238E27FC236}">
+                  <a16:creationId xmlns:a16="http://schemas.microsoft.com/office/drawing/2014/main" id="{11460B58-D64D-EE46-9BA5-2F925538F8C2}"/>
+                </a:ext>
+              </a:extLst>
+            </p:cNvPr>
+            <p:cNvPicPr>
+              <a:picLocks noChangeAspect="1"/>
+            </p:cNvPicPr>
+            <p:nvPr/>
+          </p:nvPicPr>
+          <p:blipFill>
+            <a:blip r:embed="rId2">
+              <a:extLst>
+                <a:ext uri="{BEBA8EAE-BF5A-486C-A8C5-ECC9F3942E4B}">
+                  <a14:imgProps xmlns:a14="http://schemas.microsoft.com/office/drawing/2010/main">
+                    <a14:imgLayer r:embed="rId3">
+                      <a14:imgEffect>
+                        <a14:backgroundRemoval t="10000" b="90000" l="10000" r="90000">
+                          <a14:foregroundMark x1="35556" y1="52000" x2="35556" y2="52000"/>
+                          <a14:foregroundMark x1="60444" y1="66667" x2="60444" y2="66667"/>
+                        </a14:backgroundRemoval>
+                      </a14:imgEffect>
+                    </a14:imgLayer>
+                  </a14:imgProps>
+                </a:ext>
+              </a:extLst>
+            </a:blip>
+            <a:stretch>
+              <a:fillRect/>
+            </a:stretch>
+          </p:blipFill>
+          <p:spPr>
+            <a:xfrm>
+              <a:off x="1245312" y="2448774"/>
+              <a:ext cx="628946" cy="628946"/>
+            </a:xfrm>
+            <a:prstGeom prst="rect">
+              <a:avLst/>
+            </a:prstGeom>
+          </p:spPr>
+        </p:pic>
+        <p:cxnSp>
+          <p:nvCxnSpPr>
+            <p:cNvPr id="51" name="直线箭头连接符 50">
+              <a:extLst>
+                <a:ext uri="{FF2B5EF4-FFF2-40B4-BE49-F238E27FC236}">
+                  <a16:creationId xmlns:a16="http://schemas.microsoft.com/office/drawing/2014/main" id="{C2CB63C6-41D6-2B4F-8115-03394F0140CA}"/>
+                </a:ext>
+              </a:extLst>
+            </p:cNvPr>
+            <p:cNvCxnSpPr/>
+            <p:nvPr/>
+          </p:nvCxnSpPr>
+          <p:spPr>
+            <a:xfrm>
+              <a:off x="2070410" y="2786162"/>
+              <a:ext cx="720000" cy="0"/>
+            </a:xfrm>
+            <a:prstGeom prst="straightConnector1">
+              <a:avLst/>
+            </a:prstGeom>
+            <a:ln w="19050">
+              <a:solidFill>
+                <a:schemeClr val="tx1">
+                  <a:lumMod val="50000"/>
+                  <a:lumOff val="50000"/>
+                </a:schemeClr>
+              </a:solidFill>
+              <a:prstDash val="dash"/>
+              <a:tailEnd type="triangle"/>
+            </a:ln>
+          </p:spPr>
+          <p:style>
+            <a:lnRef idx="1">
+              <a:schemeClr val="accent1"/>
+            </a:lnRef>
+            <a:fillRef idx="0">
+              <a:schemeClr val="accent1"/>
+            </a:fillRef>
+            <a:effectRef idx="0">
+              <a:schemeClr val="accent1"/>
+            </a:effectRef>
+            <a:fontRef idx="minor">
+              <a:schemeClr val="tx1"/>
+            </a:fontRef>
+          </p:style>
+        </p:cxnSp>
+        <p:sp>
+          <p:nvSpPr>
+            <p:cNvPr id="52" name="文本框 51">
+              <a:extLst>
+                <a:ext uri="{FF2B5EF4-FFF2-40B4-BE49-F238E27FC236}">
+                  <a16:creationId xmlns:a16="http://schemas.microsoft.com/office/drawing/2014/main" id="{EDA044CE-B804-9048-90A6-45777D7ADF68}"/>
+                </a:ext>
+              </a:extLst>
+            </p:cNvPr>
+            <p:cNvSpPr txBox="1"/>
+            <p:nvPr/>
+          </p:nvSpPr>
+          <p:spPr>
+            <a:xfrm>
+              <a:off x="2024660" y="2491664"/>
+              <a:ext cx="808235" cy="253916"/>
+            </a:xfrm>
+            <a:prstGeom prst="rect">
+              <a:avLst/>
+            </a:prstGeom>
+            <a:noFill/>
+          </p:spPr>
+          <p:txBody>
+            <a:bodyPr wrap="none" rtlCol="0">
+              <a:spAutoFit/>
+            </a:bodyPr>
+            <a:lstStyle/>
+            <a:p>
+              <a:r>
+                <a:rPr kumimoji="1" lang="en-US" altLang="zh-CN" sz="1050" dirty="0">
+                  <a:solidFill>
+                    <a:schemeClr val="tx1">
+                      <a:lumMod val="65000"/>
+                      <a:lumOff val="35000"/>
+                    </a:schemeClr>
+                  </a:solidFill>
+                  <a:latin typeface="+mj-lt"/>
+                </a:rPr>
+                <a:t>Command</a:t>
+              </a:r>
+              <a:endParaRPr kumimoji="1" lang="zh-CN" altLang="en-US" sz="1050" dirty="0">
+                <a:solidFill>
+                  <a:schemeClr val="tx1">
+                    <a:lumMod val="65000"/>
+                    <a:lumOff val="35000"/>
+                  </a:schemeClr>
+                </a:solidFill>
+                <a:latin typeface="+mj-lt"/>
+              </a:endParaRPr>
+            </a:p>
+          </p:txBody>
+        </p:sp>
+      </p:grpSp>
+      <p:grpSp>
+        <p:nvGrpSpPr>
+          <p:cNvPr id="63" name="组合 62">
+            <a:extLst>
+              <a:ext uri="{FF2B5EF4-FFF2-40B4-BE49-F238E27FC236}">
+                <a16:creationId xmlns:a16="http://schemas.microsoft.com/office/drawing/2014/main" id="{7C3EEF20-9190-F140-877C-B7B100AD628F}"/>
+              </a:ext>
+            </a:extLst>
+          </p:cNvPr>
+          <p:cNvGrpSpPr/>
+          <p:nvPr/>
+        </p:nvGrpSpPr>
+        <p:grpSpPr>
+          <a:xfrm>
+            <a:off x="1173182" y="4146964"/>
+            <a:ext cx="1630812" cy="628946"/>
+            <a:chOff x="1222582" y="4171743"/>
+            <a:chExt cx="1630812" cy="628946"/>
+          </a:xfrm>
+        </p:grpSpPr>
+        <p:pic>
+          <p:nvPicPr>
+            <p:cNvPr id="47" name="图片 46">
+              <a:extLst>
+                <a:ext uri="{FF2B5EF4-FFF2-40B4-BE49-F238E27FC236}">
+                  <a16:creationId xmlns:a16="http://schemas.microsoft.com/office/drawing/2014/main" id="{0272517A-49E0-D248-AAF4-1EAC0F3FE0EB}"/>
+                </a:ext>
+              </a:extLst>
+            </p:cNvPr>
+            <p:cNvPicPr>
+              <a:picLocks noChangeAspect="1"/>
+            </p:cNvPicPr>
+            <p:nvPr/>
+          </p:nvPicPr>
+          <p:blipFill>
+            <a:blip r:embed="rId4"/>
+            <a:stretch>
+              <a:fillRect/>
+            </a:stretch>
+          </p:blipFill>
+          <p:spPr>
+            <a:xfrm>
+              <a:off x="1222582" y="4171743"/>
+              <a:ext cx="628946" cy="628946"/>
+            </a:xfrm>
+            <a:prstGeom prst="rect">
+              <a:avLst/>
+            </a:prstGeom>
+          </p:spPr>
+        </p:pic>
+        <p:cxnSp>
+          <p:nvCxnSpPr>
+            <p:cNvPr id="50" name="直线箭头连接符 49">
+              <a:extLst>
+                <a:ext uri="{FF2B5EF4-FFF2-40B4-BE49-F238E27FC236}">
+                  <a16:creationId xmlns:a16="http://schemas.microsoft.com/office/drawing/2014/main" id="{97C82B59-41D1-1A47-B3AD-E88BBB218C25}"/>
+                </a:ext>
+              </a:extLst>
+            </p:cNvPr>
+            <p:cNvCxnSpPr/>
+            <p:nvPr/>
+          </p:nvCxnSpPr>
+          <p:spPr>
+            <a:xfrm>
+              <a:off x="2051398" y="4478469"/>
+              <a:ext cx="720000" cy="0"/>
+            </a:xfrm>
+            <a:prstGeom prst="straightConnector1">
+              <a:avLst/>
+            </a:prstGeom>
+            <a:ln w="19050">
+              <a:solidFill>
+                <a:schemeClr val="tx1">
+                  <a:lumMod val="50000"/>
+                  <a:lumOff val="50000"/>
+                </a:schemeClr>
+              </a:solidFill>
+              <a:prstDash val="dash"/>
+              <a:tailEnd type="triangle"/>
+            </a:ln>
+          </p:spPr>
+          <p:style>
+            <a:lnRef idx="1">
+              <a:schemeClr val="accent1"/>
+            </a:lnRef>
+            <a:fillRef idx="0">
+              <a:schemeClr val="accent1"/>
+            </a:fillRef>
+            <a:effectRef idx="0">
+              <a:schemeClr val="accent1"/>
+            </a:effectRef>
+            <a:fontRef idx="minor">
+              <a:schemeClr val="tx1"/>
+            </a:fontRef>
+          </p:style>
+        </p:cxnSp>
+        <p:sp>
+          <p:nvSpPr>
+            <p:cNvPr id="53" name="文本框 52">
+              <a:extLst>
+                <a:ext uri="{FF2B5EF4-FFF2-40B4-BE49-F238E27FC236}">
+                  <a16:creationId xmlns:a16="http://schemas.microsoft.com/office/drawing/2014/main" id="{B16AC1C8-DF8A-3A41-ACA0-4186C2C16239}"/>
+                </a:ext>
+              </a:extLst>
+            </p:cNvPr>
+            <p:cNvSpPr txBox="1"/>
+            <p:nvPr/>
+          </p:nvSpPr>
+          <p:spPr>
+            <a:xfrm>
+              <a:off x="1995467" y="4528813"/>
+              <a:ext cx="857927" cy="253916"/>
+            </a:xfrm>
+            <a:prstGeom prst="rect">
+              <a:avLst/>
+            </a:prstGeom>
+            <a:noFill/>
+          </p:spPr>
+          <p:txBody>
+            <a:bodyPr wrap="none" rtlCol="0">
+              <a:spAutoFit/>
+            </a:bodyPr>
+            <a:lstStyle/>
+            <a:p>
+              <a:r>
+                <a:rPr kumimoji="1" lang="en-US" altLang="zh-CN" sz="1050" dirty="0">
+                  <a:solidFill>
+                    <a:schemeClr val="tx1">
+                      <a:lumMod val="65000"/>
+                      <a:lumOff val="35000"/>
+                    </a:schemeClr>
+                  </a:solidFill>
+                  <a:latin typeface="+mj-lt"/>
+                </a:rPr>
+                <a:t>Restful</a:t>
+              </a:r>
+              <a:r>
+                <a:rPr kumimoji="1" lang="zh-CN" altLang="en-US" sz="1050" dirty="0">
+                  <a:solidFill>
+                    <a:schemeClr val="tx1">
+                      <a:lumMod val="65000"/>
+                      <a:lumOff val="35000"/>
+                    </a:schemeClr>
+                  </a:solidFill>
+                  <a:latin typeface="+mj-lt"/>
+                </a:rPr>
+                <a:t> </a:t>
+              </a:r>
+              <a:r>
+                <a:rPr kumimoji="1" lang="en-US" altLang="zh-CN" sz="1050" dirty="0">
+                  <a:solidFill>
+                    <a:schemeClr val="tx1">
+                      <a:lumMod val="65000"/>
+                      <a:lumOff val="35000"/>
+                    </a:schemeClr>
+                  </a:solidFill>
+                  <a:latin typeface="+mj-lt"/>
+                </a:rPr>
+                <a:t>API</a:t>
+              </a:r>
+              <a:endParaRPr kumimoji="1" lang="zh-CN" altLang="en-US" sz="1050" dirty="0">
+                <a:solidFill>
+                  <a:schemeClr val="tx1">
+                    <a:lumMod val="65000"/>
+                    <a:lumOff val="35000"/>
+                  </a:schemeClr>
+                </a:solidFill>
+                <a:latin typeface="+mj-lt"/>
+              </a:endParaRPr>
+            </a:p>
+          </p:txBody>
+        </p:sp>
+      </p:grpSp>
+      <p:sp>
+        <p:nvSpPr>
+          <p:cNvPr id="54" name="文本框 53">
+            <a:extLst>
+              <a:ext uri="{FF2B5EF4-FFF2-40B4-BE49-F238E27FC236}">
+                <a16:creationId xmlns:a16="http://schemas.microsoft.com/office/drawing/2014/main" id="{A78D7AD5-6CA8-BC45-BA39-4A8B9F8E5C85}"/>
+              </a:ext>
+            </a:extLst>
+          </p:cNvPr>
+          <p:cNvSpPr txBox="1"/>
+          <p:nvPr/>
+        </p:nvSpPr>
+        <p:spPr>
+          <a:xfrm>
+            <a:off x="695859" y="3290497"/>
+            <a:ext cx="1447832" cy="738664"/>
+          </a:xfrm>
+          <a:prstGeom prst="rect">
+            <a:avLst/>
+          </a:prstGeom>
+          <a:noFill/>
+        </p:spPr>
+        <p:style>
+          <a:lnRef idx="3">
+            <a:schemeClr val="lt1"/>
+          </a:lnRef>
+          <a:fillRef idx="1">
+            <a:schemeClr val="accent3"/>
+          </a:fillRef>
+          <a:effectRef idx="1">
+            <a:schemeClr val="accent3"/>
+          </a:effectRef>
+          <a:fontRef idx="minor">
+            <a:schemeClr val="lt1"/>
+          </a:fontRef>
+        </p:style>
+        <p:txBody>
+          <a:bodyPr wrap="none" rtlCol="0">
+            <a:spAutoFit/>
+          </a:bodyPr>
+          <a:lstStyle/>
+          <a:p>
+            <a:pPr algn="ctr"/>
+            <a:r>
+              <a:rPr kumimoji="1" lang="en-US" altLang="zh-CN" sz="1400" b="1" dirty="0">
+                <a:solidFill>
+                  <a:schemeClr val="tx1">
+                    <a:lumMod val="75000"/>
+                    <a:lumOff val="25000"/>
+                  </a:schemeClr>
+                </a:solidFill>
+                <a:latin typeface="+mj-lt"/>
+              </a:rPr>
+              <a:t>Administration</a:t>
+            </a:r>
+          </a:p>
+          <a:p>
+            <a:pPr algn="ctr"/>
+            <a:r>
+              <a:rPr kumimoji="1" lang="en-US" altLang="zh-CN" sz="1400" b="1" dirty="0">
+                <a:solidFill>
+                  <a:schemeClr val="tx1">
+                    <a:lumMod val="75000"/>
+                    <a:lumOff val="25000"/>
+                  </a:schemeClr>
+                </a:solidFill>
+                <a:latin typeface="+mj-lt"/>
+              </a:rPr>
+              <a:t>Monitoring</a:t>
+            </a:r>
+          </a:p>
+          <a:p>
+            <a:pPr algn="ctr"/>
+            <a:r>
+              <a:rPr kumimoji="1" lang="en-US" altLang="zh-CN" sz="1400" b="1" dirty="0">
+                <a:solidFill>
+                  <a:schemeClr val="tx1">
+                    <a:lumMod val="75000"/>
+                    <a:lumOff val="25000"/>
+                  </a:schemeClr>
+                </a:solidFill>
+                <a:latin typeface="+mj-lt"/>
+              </a:rPr>
+              <a:t>Operation</a:t>
+            </a:r>
+            <a:endParaRPr kumimoji="1" lang="zh-CN" altLang="en-US" sz="1000" b="1" dirty="0">
+              <a:solidFill>
+                <a:schemeClr val="tx1">
+                  <a:lumMod val="75000"/>
+                  <a:lumOff val="25000"/>
+                </a:schemeClr>
+              </a:solidFill>
+              <a:latin typeface="+mj-lt"/>
+            </a:endParaRPr>
+          </a:p>
+        </p:txBody>
+      </p:sp>
+      <p:sp>
+        <p:nvSpPr>
+          <p:cNvPr id="55" name="右箭头 54">
+            <a:extLst>
+              <a:ext uri="{FF2B5EF4-FFF2-40B4-BE49-F238E27FC236}">
+                <a16:creationId xmlns:a16="http://schemas.microsoft.com/office/drawing/2014/main" id="{F83BCAD4-7DBC-B445-9BB4-F824D59A6331}"/>
+              </a:ext>
+            </a:extLst>
+          </p:cNvPr>
+          <p:cNvSpPr/>
+          <p:nvPr/>
+        </p:nvSpPr>
+        <p:spPr>
+          <a:xfrm rot="16200000">
+            <a:off x="5098960" y="5024368"/>
+            <a:ext cx="252000" cy="180000"/>
+          </a:xfrm>
+          <a:prstGeom prst="rightArrow">
+            <a:avLst/>
+          </a:prstGeom>
+          <a:solidFill>
+            <a:schemeClr val="accent1">
+              <a:lumMod val="20000"/>
+              <a:lumOff val="80000"/>
+            </a:schemeClr>
+          </a:solidFill>
+          <a:ln>
+            <a:solidFill>
+              <a:schemeClr val="tx1"/>
+            </a:solidFill>
+          </a:ln>
+        </p:spPr>
+        <p:style>
+          <a:lnRef idx="2">
+            <a:schemeClr val="accent4">
+              <a:shade val="50000"/>
+            </a:schemeClr>
+          </a:lnRef>
+          <a:fillRef idx="1">
+            <a:schemeClr val="accent4"/>
+          </a:fillRef>
+          <a:effectRef idx="0">
+            <a:schemeClr val="accent4"/>
+          </a:effectRef>
+          <a:fontRef idx="minor">
+            <a:schemeClr val="lt1"/>
+          </a:fontRef>
+        </p:style>
+        <p:txBody>
+          <a:bodyPr rtlCol="0" anchor="ctr"/>
+          <a:lstStyle/>
+          <a:p>
+            <a:pPr algn="ctr"/>
+            <a:endParaRPr kumimoji="1" lang="zh-CN" altLang="en-US"/>
+          </a:p>
+        </p:txBody>
+      </p:sp>
+      <p:grpSp>
+        <p:nvGrpSpPr>
+          <p:cNvPr id="81" name="组合 80">
+            <a:extLst>
+              <a:ext uri="{FF2B5EF4-FFF2-40B4-BE49-F238E27FC236}">
+                <a16:creationId xmlns:a16="http://schemas.microsoft.com/office/drawing/2014/main" id="{32A751BF-ACAC-1542-AEC7-C426874AC113}"/>
+              </a:ext>
+            </a:extLst>
+          </p:cNvPr>
+          <p:cNvGrpSpPr/>
+          <p:nvPr/>
+        </p:nvGrpSpPr>
+        <p:grpSpPr>
+          <a:xfrm>
+            <a:off x="7556639" y="5010896"/>
+            <a:ext cx="2725011" cy="263529"/>
+            <a:chOff x="7792586" y="5029868"/>
+            <a:chExt cx="2725011" cy="263529"/>
+          </a:xfrm>
+        </p:grpSpPr>
+        <p:sp>
+          <p:nvSpPr>
+            <p:cNvPr id="56" name="右箭头 55">
+              <a:extLst>
+                <a:ext uri="{FF2B5EF4-FFF2-40B4-BE49-F238E27FC236}">
+                  <a16:creationId xmlns:a16="http://schemas.microsoft.com/office/drawing/2014/main" id="{DF7A7570-D5F2-3644-B5C2-A39833606302}"/>
+                </a:ext>
+              </a:extLst>
+            </p:cNvPr>
+            <p:cNvSpPr/>
+            <p:nvPr/>
+          </p:nvSpPr>
+          <p:spPr>
+            <a:xfrm rot="16200000">
+              <a:off x="7756586" y="5068976"/>
+              <a:ext cx="252000" cy="180000"/>
+            </a:xfrm>
+            <a:prstGeom prst="rightArrow">
+              <a:avLst/>
+            </a:prstGeom>
+            <a:solidFill>
+              <a:schemeClr val="accent1">
+                <a:lumMod val="20000"/>
+                <a:lumOff val="80000"/>
+              </a:schemeClr>
+            </a:solidFill>
+            <a:ln>
+              <a:solidFill>
+                <a:schemeClr val="tx1"/>
+              </a:solidFill>
+            </a:ln>
+          </p:spPr>
+          <p:style>
+            <a:lnRef idx="2">
+              <a:schemeClr val="accent4">
+                <a:shade val="50000"/>
+              </a:schemeClr>
+            </a:lnRef>
+            <a:fillRef idx="1">
+              <a:schemeClr val="accent4"/>
+            </a:fillRef>
+            <a:effectRef idx="0">
+              <a:schemeClr val="accent4"/>
+            </a:effectRef>
+            <a:fontRef idx="minor">
+              <a:schemeClr val="lt1"/>
+            </a:fontRef>
+          </p:style>
+          <p:txBody>
+            <a:bodyPr rtlCol="0" anchor="ctr"/>
+            <a:lstStyle/>
+            <a:p>
+              <a:pPr algn="ctr"/>
+              <a:endParaRPr kumimoji="1" lang="zh-CN" altLang="en-US"/>
+            </a:p>
+          </p:txBody>
+        </p:sp>
+        <p:sp>
+          <p:nvSpPr>
+            <p:cNvPr id="57" name="右箭头 56">
+              <a:extLst>
+                <a:ext uri="{FF2B5EF4-FFF2-40B4-BE49-F238E27FC236}">
+                  <a16:creationId xmlns:a16="http://schemas.microsoft.com/office/drawing/2014/main" id="{57952921-8211-5C44-8BB1-8D4282085108}"/>
+                </a:ext>
+              </a:extLst>
+            </p:cNvPr>
+            <p:cNvSpPr/>
+            <p:nvPr/>
+          </p:nvSpPr>
+          <p:spPr>
+            <a:xfrm rot="16200000">
+              <a:off x="10301597" y="5065868"/>
+              <a:ext cx="252000" cy="180000"/>
+            </a:xfrm>
+            <a:prstGeom prst="rightArrow">
+              <a:avLst/>
+            </a:prstGeom>
+            <a:solidFill>
+              <a:schemeClr val="accent1">
+                <a:lumMod val="20000"/>
+                <a:lumOff val="80000"/>
+              </a:schemeClr>
+            </a:solidFill>
+            <a:ln>
+              <a:solidFill>
+                <a:schemeClr val="tx1"/>
+              </a:solidFill>
+            </a:ln>
+          </p:spPr>
+          <p:style>
+            <a:lnRef idx="2">
+              <a:schemeClr val="accent4">
+                <a:shade val="50000"/>
+              </a:schemeClr>
+            </a:lnRef>
+            <a:fillRef idx="1">
+              <a:schemeClr val="accent4"/>
+            </a:fillRef>
+            <a:effectRef idx="0">
+              <a:schemeClr val="accent4"/>
+            </a:effectRef>
+            <a:fontRef idx="minor">
+              <a:schemeClr val="lt1"/>
+            </a:fontRef>
+          </p:style>
+          <p:txBody>
+            <a:bodyPr rtlCol="0" anchor="ctr"/>
+            <a:lstStyle/>
+            <a:p>
+              <a:pPr algn="ctr"/>
+              <a:endParaRPr kumimoji="1" lang="zh-CN" altLang="en-US"/>
+            </a:p>
+          </p:txBody>
+        </p:sp>
+        <p:sp>
+          <p:nvSpPr>
+            <p:cNvPr id="59" name="文本框 58">
+              <a:extLst>
+                <a:ext uri="{FF2B5EF4-FFF2-40B4-BE49-F238E27FC236}">
+                  <a16:creationId xmlns:a16="http://schemas.microsoft.com/office/drawing/2014/main" id="{A9EBD808-2380-3E48-A75B-591971E2AC41}"/>
+                </a:ext>
+              </a:extLst>
+            </p:cNvPr>
+            <p:cNvSpPr txBox="1"/>
+            <p:nvPr/>
+          </p:nvSpPr>
+          <p:spPr>
+            <a:xfrm>
+              <a:off x="8375071" y="5039481"/>
+              <a:ext cx="1560042" cy="253916"/>
+            </a:xfrm>
+            <a:prstGeom prst="rect">
+              <a:avLst/>
+            </a:prstGeom>
+            <a:noFill/>
+          </p:spPr>
+          <p:txBody>
+            <a:bodyPr wrap="none" rtlCol="0">
+              <a:spAutoFit/>
+            </a:bodyPr>
+            <a:lstStyle/>
+            <a:p>
+              <a:r>
+                <a:rPr kumimoji="1" lang="en-US" altLang="zh-CN" sz="1050" dirty="0">
+                  <a:solidFill>
+                    <a:schemeClr val="tx1">
+                      <a:lumMod val="65000"/>
+                      <a:lumOff val="35000"/>
+                    </a:schemeClr>
+                  </a:solidFill>
+                  <a:latin typeface="+mj-lt"/>
+                </a:rPr>
+                <a:t>Pipelines</a:t>
+              </a:r>
+              <a:r>
+                <a:rPr kumimoji="1" lang="zh-CN" altLang="en-US" sz="1050" dirty="0">
+                  <a:solidFill>
+                    <a:schemeClr val="tx1">
+                      <a:lumMod val="65000"/>
+                      <a:lumOff val="35000"/>
+                    </a:schemeClr>
+                  </a:solidFill>
+                  <a:latin typeface="+mj-lt"/>
+                </a:rPr>
+                <a:t> </a:t>
+              </a:r>
+              <a:r>
+                <a:rPr kumimoji="1" lang="en-US" altLang="zh-CN" sz="1050" dirty="0">
+                  <a:solidFill>
+                    <a:schemeClr val="tx1">
+                      <a:lumMod val="65000"/>
+                      <a:lumOff val="35000"/>
+                    </a:schemeClr>
+                  </a:solidFill>
+                  <a:latin typeface="+mj-lt"/>
+                </a:rPr>
+                <a:t>Management</a:t>
+              </a:r>
+              <a:endParaRPr kumimoji="1" lang="zh-CN" altLang="en-US" sz="1050" dirty="0">
+                <a:solidFill>
+                  <a:schemeClr val="tx1">
+                    <a:lumMod val="65000"/>
+                    <a:lumOff val="35000"/>
+                  </a:schemeClr>
+                </a:solidFill>
+                <a:latin typeface="+mj-lt"/>
+              </a:endParaRPr>
+            </a:p>
+          </p:txBody>
+        </p:sp>
+      </p:grpSp>
+      <p:cxnSp>
+        <p:nvCxnSpPr>
+          <p:cNvPr id="60" name="直线箭头连接符 59">
+            <a:extLst>
+              <a:ext uri="{FF2B5EF4-FFF2-40B4-BE49-F238E27FC236}">
+                <a16:creationId xmlns:a16="http://schemas.microsoft.com/office/drawing/2014/main" id="{2E00CBDF-8A2D-4349-910C-28A772B22C2A}"/>
+              </a:ext>
+            </a:extLst>
+          </p:cNvPr>
+          <p:cNvCxnSpPr>
+            <a:cxnSpLocks/>
+          </p:cNvCxnSpPr>
+          <p:nvPr/>
+        </p:nvCxnSpPr>
+        <p:spPr>
+          <a:xfrm>
+            <a:off x="3937372" y="4500297"/>
+            <a:ext cx="576000" cy="0"/>
+          </a:xfrm>
+          <a:prstGeom prst="straightConnector1">
+            <a:avLst/>
+          </a:prstGeom>
+          <a:ln w="28575">
+            <a:solidFill>
+              <a:schemeClr val="accent3"/>
+            </a:solidFill>
+            <a:headEnd type="triangle"/>
+            <a:tailEnd type="none"/>
+          </a:ln>
+        </p:spPr>
+        <p:style>
+          <a:lnRef idx="1">
+            <a:schemeClr val="accent1"/>
+          </a:lnRef>
+          <a:fillRef idx="0">
+            <a:schemeClr val="accent1"/>
+          </a:fillRef>
+          <a:effectRef idx="0">
+            <a:schemeClr val="accent1"/>
+          </a:effectRef>
+          <a:fontRef idx="minor">
+            <a:schemeClr val="tx1"/>
+          </a:fontRef>
+        </p:style>
+      </p:cxnSp>
+      <p:cxnSp>
+        <p:nvCxnSpPr>
+          <p:cNvPr id="61" name="直线箭头连接符 60">
+            <a:extLst>
+              <a:ext uri="{FF2B5EF4-FFF2-40B4-BE49-F238E27FC236}">
+                <a16:creationId xmlns:a16="http://schemas.microsoft.com/office/drawing/2014/main" id="{4FA8E81A-6057-024E-A531-66CCC1CE99EC}"/>
+              </a:ext>
+            </a:extLst>
+          </p:cNvPr>
+          <p:cNvCxnSpPr>
+            <a:cxnSpLocks/>
+          </p:cNvCxnSpPr>
+          <p:nvPr/>
+        </p:nvCxnSpPr>
+        <p:spPr>
+          <a:xfrm>
+            <a:off x="3937372" y="5754657"/>
+            <a:ext cx="576000" cy="0"/>
+          </a:xfrm>
+          <a:prstGeom prst="straightConnector1">
+            <a:avLst/>
+          </a:prstGeom>
+          <a:ln w="28575">
+            <a:solidFill>
+              <a:schemeClr val="accent3"/>
+            </a:solidFill>
+            <a:tailEnd type="triangle"/>
+          </a:ln>
+        </p:spPr>
+        <p:style>
+          <a:lnRef idx="1">
+            <a:schemeClr val="accent1"/>
+          </a:lnRef>
+          <a:fillRef idx="0">
+            <a:schemeClr val="accent1"/>
+          </a:fillRef>
+          <a:effectRef idx="0">
+            <a:schemeClr val="accent1"/>
+          </a:effectRef>
+          <a:fontRef idx="minor">
+            <a:schemeClr val="tx1"/>
+          </a:fontRef>
+        </p:style>
+      </p:cxnSp>
+      <p:grpSp>
+        <p:nvGrpSpPr>
+          <p:cNvPr id="82" name="组合 81">
+            <a:extLst>
+              <a:ext uri="{FF2B5EF4-FFF2-40B4-BE49-F238E27FC236}">
+                <a16:creationId xmlns:a16="http://schemas.microsoft.com/office/drawing/2014/main" id="{BDBACE2A-DA4A-B84D-9A83-BEA91345B348}"/>
+              </a:ext>
+            </a:extLst>
+          </p:cNvPr>
+          <p:cNvGrpSpPr/>
+          <p:nvPr/>
+        </p:nvGrpSpPr>
+        <p:grpSpPr>
+          <a:xfrm>
+            <a:off x="7539297" y="2544830"/>
+            <a:ext cx="2778103" cy="288000"/>
+            <a:chOff x="7739494" y="2574277"/>
+            <a:chExt cx="2778103" cy="288000"/>
+          </a:xfrm>
+        </p:grpSpPr>
+        <p:cxnSp>
+          <p:nvCxnSpPr>
+            <p:cNvPr id="66" name="直线箭头连接符 65">
+              <a:extLst>
+                <a:ext uri="{FF2B5EF4-FFF2-40B4-BE49-F238E27FC236}">
+                  <a16:creationId xmlns:a16="http://schemas.microsoft.com/office/drawing/2014/main" id="{31C622D1-CFDD-2F48-B15C-BBD7EDDABE10}"/>
+                </a:ext>
+              </a:extLst>
+            </p:cNvPr>
+            <p:cNvCxnSpPr>
+              <a:cxnSpLocks/>
+            </p:cNvCxnSpPr>
+            <p:nvPr/>
+          </p:nvCxnSpPr>
+          <p:spPr>
+            <a:xfrm flipV="1">
+              <a:off x="7779138" y="2574277"/>
+              <a:ext cx="0" cy="288000"/>
+            </a:xfrm>
+            <a:prstGeom prst="straightConnector1">
+              <a:avLst/>
+            </a:prstGeom>
+            <a:ln w="28575">
+              <a:solidFill>
+                <a:schemeClr val="accent3"/>
+              </a:solidFill>
+              <a:headEnd type="triangle"/>
+              <a:tailEnd type="none"/>
+            </a:ln>
+          </p:spPr>
+          <p:style>
+            <a:lnRef idx="1">
+              <a:schemeClr val="accent1"/>
+            </a:lnRef>
+            <a:fillRef idx="0">
+              <a:schemeClr val="accent1"/>
+            </a:fillRef>
+            <a:effectRef idx="0">
+              <a:schemeClr val="accent1"/>
+            </a:effectRef>
+            <a:fontRef idx="minor">
+              <a:schemeClr val="tx1"/>
+            </a:fontRef>
+          </p:style>
+        </p:cxnSp>
+        <p:cxnSp>
+          <p:nvCxnSpPr>
+            <p:cNvPr id="72" name="直线箭头连接符 71">
+              <a:extLst>
+                <a:ext uri="{FF2B5EF4-FFF2-40B4-BE49-F238E27FC236}">
+                  <a16:creationId xmlns:a16="http://schemas.microsoft.com/office/drawing/2014/main" id="{C2782DEA-C41A-DB45-933E-6FCB792286AC}"/>
+                </a:ext>
+              </a:extLst>
+            </p:cNvPr>
+            <p:cNvCxnSpPr>
+              <a:cxnSpLocks/>
+            </p:cNvCxnSpPr>
+            <p:nvPr/>
+          </p:nvCxnSpPr>
+          <p:spPr>
+            <a:xfrm flipV="1">
+              <a:off x="8669674" y="2574277"/>
+              <a:ext cx="0" cy="288000"/>
+            </a:xfrm>
+            <a:prstGeom prst="straightConnector1">
+              <a:avLst/>
+            </a:prstGeom>
+            <a:ln w="28575">
+              <a:solidFill>
+                <a:schemeClr val="accent3"/>
+              </a:solidFill>
+              <a:headEnd type="triangle"/>
+              <a:tailEnd type="none"/>
+            </a:ln>
+          </p:spPr>
+          <p:style>
+            <a:lnRef idx="1">
+              <a:schemeClr val="accent1"/>
+            </a:lnRef>
+            <a:fillRef idx="0">
+              <a:schemeClr val="accent1"/>
+            </a:fillRef>
+            <a:effectRef idx="0">
+              <a:schemeClr val="accent1"/>
+            </a:effectRef>
+            <a:fontRef idx="minor">
+              <a:schemeClr val="tx1"/>
+            </a:fontRef>
+          </p:style>
+        </p:cxnSp>
+        <p:cxnSp>
+          <p:nvCxnSpPr>
+            <p:cNvPr id="76" name="直线箭头连接符 75">
+              <a:extLst>
+                <a:ext uri="{FF2B5EF4-FFF2-40B4-BE49-F238E27FC236}">
+                  <a16:creationId xmlns:a16="http://schemas.microsoft.com/office/drawing/2014/main" id="{EB2474CF-2C3D-7C4E-AC12-C2006434836E}"/>
+                </a:ext>
+              </a:extLst>
+            </p:cNvPr>
+            <p:cNvCxnSpPr>
+              <a:cxnSpLocks/>
+            </p:cNvCxnSpPr>
+            <p:nvPr/>
+          </p:nvCxnSpPr>
+          <p:spPr>
+            <a:xfrm flipV="1">
+              <a:off x="9560210" y="2574277"/>
+              <a:ext cx="0" cy="288000"/>
+            </a:xfrm>
+            <a:prstGeom prst="straightConnector1">
+              <a:avLst/>
+            </a:prstGeom>
+            <a:ln w="28575">
+              <a:solidFill>
+                <a:schemeClr val="accent3"/>
+              </a:solidFill>
+              <a:headEnd type="triangle"/>
+              <a:tailEnd type="none"/>
+            </a:ln>
+          </p:spPr>
+          <p:style>
+            <a:lnRef idx="1">
+              <a:schemeClr val="accent1"/>
+            </a:lnRef>
+            <a:fillRef idx="0">
+              <a:schemeClr val="accent1"/>
+            </a:fillRef>
+            <a:effectRef idx="0">
+              <a:schemeClr val="accent1"/>
+            </a:effectRef>
+            <a:fontRef idx="minor">
+              <a:schemeClr val="tx1"/>
+            </a:fontRef>
+          </p:style>
+        </p:cxnSp>
+        <p:cxnSp>
+          <p:nvCxnSpPr>
+            <p:cNvPr id="78" name="直线箭头连接符 77">
+              <a:extLst>
+                <a:ext uri="{FF2B5EF4-FFF2-40B4-BE49-F238E27FC236}">
+                  <a16:creationId xmlns:a16="http://schemas.microsoft.com/office/drawing/2014/main" id="{774E4321-2841-8C47-A312-8F303FED2DD2}"/>
+                </a:ext>
+              </a:extLst>
+            </p:cNvPr>
+            <p:cNvCxnSpPr>
+              <a:cxnSpLocks/>
+            </p:cNvCxnSpPr>
+            <p:nvPr/>
+          </p:nvCxnSpPr>
+          <p:spPr>
+            <a:xfrm flipV="1">
+              <a:off x="10450745" y="2574277"/>
+              <a:ext cx="0" cy="288000"/>
+            </a:xfrm>
+            <a:prstGeom prst="straightConnector1">
+              <a:avLst/>
+            </a:prstGeom>
+            <a:ln w="28575">
+              <a:solidFill>
+                <a:schemeClr val="accent3"/>
+              </a:solidFill>
+              <a:headEnd type="triangle"/>
+              <a:tailEnd type="none"/>
+            </a:ln>
+          </p:spPr>
+          <p:style>
+            <a:lnRef idx="1">
+              <a:schemeClr val="accent1"/>
+            </a:lnRef>
+            <a:fillRef idx="0">
+              <a:schemeClr val="accent1"/>
+            </a:fillRef>
+            <a:effectRef idx="0">
+              <a:schemeClr val="accent1"/>
+            </a:effectRef>
+            <a:fontRef idx="minor">
+              <a:schemeClr val="tx1"/>
+            </a:fontRef>
+          </p:style>
+        </p:cxnSp>
+        <p:sp>
+          <p:nvSpPr>
+            <p:cNvPr id="79" name="文本框 78">
+              <a:extLst>
+                <a:ext uri="{FF2B5EF4-FFF2-40B4-BE49-F238E27FC236}">
+                  <a16:creationId xmlns:a16="http://schemas.microsoft.com/office/drawing/2014/main" id="{55BAB6C7-60D8-2641-AD9E-7BDC888BAFB7}"/>
+                </a:ext>
+              </a:extLst>
+            </p:cNvPr>
+            <p:cNvSpPr txBox="1"/>
+            <p:nvPr/>
+          </p:nvSpPr>
+          <p:spPr>
+            <a:xfrm>
+              <a:off x="7739494" y="2583229"/>
+              <a:ext cx="990977" cy="261610"/>
+            </a:xfrm>
+            <a:prstGeom prst="rect">
+              <a:avLst/>
+            </a:prstGeom>
+            <a:noFill/>
+          </p:spPr>
+          <p:txBody>
+            <a:bodyPr wrap="none" rtlCol="0">
+              <a:spAutoFit/>
+            </a:bodyPr>
+            <a:lstStyle/>
+            <a:p>
+              <a:r>
+                <a:rPr kumimoji="1" lang="en-US" altLang="zh-CN" sz="1050" dirty="0">
+                  <a:solidFill>
+                    <a:schemeClr val="tx1">
+                      <a:lumMod val="65000"/>
+                      <a:lumOff val="35000"/>
+                    </a:schemeClr>
+                  </a:solidFill>
+                  <a:latin typeface="+mj-lt"/>
+                </a:rPr>
+                <a:t>Traffic</a:t>
+              </a:r>
+              <a:r>
+                <a:rPr kumimoji="1" lang="zh-CN" altLang="en-US" sz="1050" dirty="0">
+                  <a:solidFill>
+                    <a:schemeClr val="tx1">
+                      <a:lumMod val="65000"/>
+                      <a:lumOff val="35000"/>
+                    </a:schemeClr>
+                  </a:solidFill>
+                  <a:latin typeface="+mj-lt"/>
+                </a:rPr>
+                <a:t> </a:t>
+              </a:r>
+              <a:r>
+                <a:rPr kumimoji="1" lang="en-US" altLang="zh-CN" sz="1050" dirty="0">
+                  <a:solidFill>
+                    <a:schemeClr val="tx1">
+                      <a:lumMod val="65000"/>
+                      <a:lumOff val="35000"/>
+                    </a:schemeClr>
+                  </a:solidFill>
+                  <a:latin typeface="+mj-lt"/>
+                </a:rPr>
+                <a:t>Route</a:t>
+              </a:r>
+              <a:endParaRPr kumimoji="1" lang="zh-CN" altLang="en-US" sz="700" dirty="0">
+                <a:solidFill>
+                  <a:schemeClr val="tx1">
+                    <a:lumMod val="65000"/>
+                    <a:lumOff val="35000"/>
+                  </a:schemeClr>
+                </a:solidFill>
+                <a:latin typeface="+mj-lt"/>
+              </a:endParaRPr>
+            </a:p>
+          </p:txBody>
+        </p:sp>
+        <p:sp>
+          <p:nvSpPr>
+            <p:cNvPr id="80" name="文本框 79">
+              <a:extLst>
+                <a:ext uri="{FF2B5EF4-FFF2-40B4-BE49-F238E27FC236}">
+                  <a16:creationId xmlns:a16="http://schemas.microsoft.com/office/drawing/2014/main" id="{2E82D574-8CB0-6B45-8CD8-9DEAB3FC824F}"/>
+                </a:ext>
+              </a:extLst>
+            </p:cNvPr>
+            <p:cNvSpPr txBox="1"/>
+            <p:nvPr/>
+          </p:nvSpPr>
+          <p:spPr>
+            <a:xfrm>
+              <a:off x="9526620" y="2583229"/>
+              <a:ext cx="990977" cy="261610"/>
+            </a:xfrm>
+            <a:prstGeom prst="rect">
+              <a:avLst/>
+            </a:prstGeom>
+            <a:noFill/>
+          </p:spPr>
+          <p:txBody>
+            <a:bodyPr wrap="none" rtlCol="0">
+              <a:spAutoFit/>
+            </a:bodyPr>
+            <a:lstStyle/>
+            <a:p>
+              <a:r>
+                <a:rPr kumimoji="1" lang="en-US" altLang="zh-CN" sz="1050" dirty="0">
+                  <a:solidFill>
+                    <a:schemeClr val="tx1">
+                      <a:lumMod val="65000"/>
+                      <a:lumOff val="35000"/>
+                    </a:schemeClr>
+                  </a:solidFill>
+                  <a:latin typeface="+mj-lt"/>
+                </a:rPr>
+                <a:t>Traffic</a:t>
+              </a:r>
+              <a:r>
+                <a:rPr kumimoji="1" lang="zh-CN" altLang="en-US" sz="1050" dirty="0">
+                  <a:solidFill>
+                    <a:schemeClr val="tx1">
+                      <a:lumMod val="65000"/>
+                      <a:lumOff val="35000"/>
+                    </a:schemeClr>
+                  </a:solidFill>
+                  <a:latin typeface="+mj-lt"/>
+                </a:rPr>
+                <a:t> </a:t>
+              </a:r>
+              <a:r>
+                <a:rPr kumimoji="1" lang="en-US" altLang="zh-CN" sz="1050" dirty="0">
+                  <a:solidFill>
+                    <a:schemeClr val="tx1">
+                      <a:lumMod val="65000"/>
+                      <a:lumOff val="35000"/>
+                    </a:schemeClr>
+                  </a:solidFill>
+                  <a:latin typeface="+mj-lt"/>
+                </a:rPr>
+                <a:t>Route</a:t>
+              </a:r>
+              <a:endParaRPr kumimoji="1" lang="zh-CN" altLang="en-US" sz="700" dirty="0">
+                <a:solidFill>
+                  <a:schemeClr val="tx1">
+                    <a:lumMod val="65000"/>
+                    <a:lumOff val="35000"/>
+                  </a:schemeClr>
+                </a:solidFill>
+                <a:latin typeface="+mj-lt"/>
+              </a:endParaRPr>
+            </a:p>
+          </p:txBody>
+        </p:sp>
+      </p:grpSp>
+      <p:grpSp>
+        <p:nvGrpSpPr>
+          <p:cNvPr id="93" name="组合 92">
+            <a:extLst>
+              <a:ext uri="{FF2B5EF4-FFF2-40B4-BE49-F238E27FC236}">
+                <a16:creationId xmlns:a16="http://schemas.microsoft.com/office/drawing/2014/main" id="{1655C09C-4D12-174A-9062-EA789F5DD95E}"/>
+              </a:ext>
+            </a:extLst>
+          </p:cNvPr>
+          <p:cNvGrpSpPr/>
+          <p:nvPr/>
+        </p:nvGrpSpPr>
+        <p:grpSpPr>
+          <a:xfrm>
+            <a:off x="5715530" y="1586051"/>
+            <a:ext cx="806631" cy="739273"/>
+            <a:chOff x="6020330" y="1617582"/>
+            <a:chExt cx="806631" cy="739273"/>
+          </a:xfrm>
+        </p:grpSpPr>
+        <p:sp>
+          <p:nvSpPr>
+            <p:cNvPr id="85" name="文本框 84">
+              <a:extLst>
+                <a:ext uri="{FF2B5EF4-FFF2-40B4-BE49-F238E27FC236}">
+                  <a16:creationId xmlns:a16="http://schemas.microsoft.com/office/drawing/2014/main" id="{4DD2CF17-7835-FC48-BB5F-6A5D14D95E80}"/>
+                </a:ext>
+              </a:extLst>
+            </p:cNvPr>
+            <p:cNvSpPr txBox="1"/>
+            <p:nvPr/>
+          </p:nvSpPr>
+          <p:spPr>
+            <a:xfrm>
+              <a:off x="6052632" y="1617582"/>
+              <a:ext cx="742511" cy="230832"/>
+            </a:xfrm>
+            <a:prstGeom prst="rect">
+              <a:avLst/>
+            </a:prstGeom>
+            <a:noFill/>
+          </p:spPr>
+          <p:txBody>
+            <a:bodyPr wrap="none" rtlCol="0">
+              <a:spAutoFit/>
+            </a:bodyPr>
+            <a:lstStyle/>
+            <a:p>
+              <a:pPr algn="ctr"/>
+              <a:r>
+                <a:rPr kumimoji="1" lang="en-US" altLang="zh-CN" sz="900" dirty="0">
+                  <a:solidFill>
+                    <a:schemeClr val="tx1">
+                      <a:lumMod val="65000"/>
+                      <a:lumOff val="35000"/>
+                    </a:schemeClr>
+                  </a:solidFill>
+                  <a:latin typeface="+mj-lt"/>
+                </a:rPr>
+                <a:t>Pull</a:t>
+              </a:r>
+              <a:r>
+                <a:rPr kumimoji="1" lang="zh-CN" altLang="en-US" sz="900" dirty="0">
+                  <a:solidFill>
+                    <a:schemeClr val="tx1">
+                      <a:lumMod val="65000"/>
+                      <a:lumOff val="35000"/>
+                    </a:schemeClr>
+                  </a:solidFill>
+                  <a:latin typeface="+mj-lt"/>
+                </a:rPr>
+                <a:t> </a:t>
+              </a:r>
+              <a:r>
+                <a:rPr kumimoji="1" lang="en-US" altLang="zh-CN" sz="900" dirty="0">
+                  <a:solidFill>
+                    <a:schemeClr val="tx1">
+                      <a:lumMod val="65000"/>
+                      <a:lumOff val="35000"/>
+                    </a:schemeClr>
+                  </a:solidFill>
+                  <a:latin typeface="+mj-lt"/>
+                </a:rPr>
+                <a:t>Config</a:t>
+              </a:r>
+              <a:endParaRPr kumimoji="1" lang="zh-CN" altLang="en-US" sz="900" dirty="0">
+                <a:solidFill>
+                  <a:schemeClr val="tx1">
+                    <a:lumMod val="65000"/>
+                    <a:lumOff val="35000"/>
+                  </a:schemeClr>
+                </a:solidFill>
+                <a:latin typeface="+mj-lt"/>
+              </a:endParaRPr>
+            </a:p>
+          </p:txBody>
+        </p:sp>
+        <p:cxnSp>
+          <p:nvCxnSpPr>
+            <p:cNvPr id="86" name="直线箭头连接符 85">
+              <a:extLst>
+                <a:ext uri="{FF2B5EF4-FFF2-40B4-BE49-F238E27FC236}">
+                  <a16:creationId xmlns:a16="http://schemas.microsoft.com/office/drawing/2014/main" id="{DE43ABF5-20C2-4842-AA68-790C7FC7DEB2}"/>
+                </a:ext>
+              </a:extLst>
+            </p:cNvPr>
+            <p:cNvCxnSpPr>
+              <a:cxnSpLocks/>
+            </p:cNvCxnSpPr>
+            <p:nvPr/>
+          </p:nvCxnSpPr>
+          <p:spPr>
+            <a:xfrm>
+              <a:off x="6139412" y="1895970"/>
+              <a:ext cx="576000" cy="0"/>
+            </a:xfrm>
+            <a:prstGeom prst="straightConnector1">
+              <a:avLst/>
+            </a:prstGeom>
+            <a:ln w="28575">
+              <a:solidFill>
+                <a:schemeClr val="accent3"/>
+              </a:solidFill>
+              <a:tailEnd type="triangle"/>
+            </a:ln>
+          </p:spPr>
+          <p:style>
+            <a:lnRef idx="1">
+              <a:schemeClr val="accent1"/>
+            </a:lnRef>
+            <a:fillRef idx="0">
+              <a:schemeClr val="accent1"/>
+            </a:fillRef>
+            <a:effectRef idx="0">
+              <a:schemeClr val="accent1"/>
+            </a:effectRef>
+            <a:fontRef idx="minor">
+              <a:schemeClr val="tx1"/>
+            </a:fontRef>
+          </p:style>
+        </p:cxnSp>
+        <p:sp>
+          <p:nvSpPr>
+            <p:cNvPr id="91" name="文本框 90">
+              <a:extLst>
+                <a:ext uri="{FF2B5EF4-FFF2-40B4-BE49-F238E27FC236}">
+                  <a16:creationId xmlns:a16="http://schemas.microsoft.com/office/drawing/2014/main" id="{F600C5B3-A0EF-944B-A90B-AA769B9D421A}"/>
+                </a:ext>
+              </a:extLst>
+            </p:cNvPr>
+            <p:cNvSpPr txBox="1"/>
+            <p:nvPr/>
+          </p:nvSpPr>
+          <p:spPr>
+            <a:xfrm>
+              <a:off x="6020330" y="2126023"/>
+              <a:ext cx="806631" cy="230832"/>
+            </a:xfrm>
+            <a:prstGeom prst="rect">
+              <a:avLst/>
+            </a:prstGeom>
+            <a:noFill/>
+          </p:spPr>
+          <p:txBody>
+            <a:bodyPr wrap="none" rtlCol="0">
+              <a:spAutoFit/>
+            </a:bodyPr>
+            <a:lstStyle/>
+            <a:p>
+              <a:pPr algn="ctr"/>
+              <a:r>
+                <a:rPr kumimoji="1" lang="en-US" altLang="zh-CN" sz="900" dirty="0">
+                  <a:solidFill>
+                    <a:schemeClr val="tx1">
+                      <a:lumMod val="65000"/>
+                      <a:lumOff val="35000"/>
+                    </a:schemeClr>
+                  </a:solidFill>
+                  <a:latin typeface="+mj-lt"/>
+                </a:rPr>
+                <a:t>Push</a:t>
+              </a:r>
+              <a:r>
+                <a:rPr kumimoji="1" lang="zh-CN" altLang="en-US" sz="900" dirty="0">
+                  <a:solidFill>
+                    <a:schemeClr val="tx1">
+                      <a:lumMod val="65000"/>
+                      <a:lumOff val="35000"/>
+                    </a:schemeClr>
+                  </a:solidFill>
+                  <a:latin typeface="+mj-lt"/>
+                </a:rPr>
+                <a:t> </a:t>
+              </a:r>
+              <a:r>
+                <a:rPr kumimoji="1" lang="en-US" altLang="zh-CN" sz="900" dirty="0">
+                  <a:solidFill>
+                    <a:schemeClr val="tx1">
+                      <a:lumMod val="65000"/>
+                      <a:lumOff val="35000"/>
+                    </a:schemeClr>
+                  </a:solidFill>
+                  <a:latin typeface="+mj-lt"/>
+                </a:rPr>
+                <a:t>Status</a:t>
+              </a:r>
+              <a:endParaRPr kumimoji="1" lang="zh-CN" altLang="en-US" sz="900" dirty="0">
+                <a:solidFill>
+                  <a:schemeClr val="tx1">
+                    <a:lumMod val="65000"/>
+                    <a:lumOff val="35000"/>
+                  </a:schemeClr>
+                </a:solidFill>
+                <a:latin typeface="+mj-lt"/>
+              </a:endParaRPr>
+            </a:p>
+          </p:txBody>
+        </p:sp>
+        <p:cxnSp>
+          <p:nvCxnSpPr>
+            <p:cNvPr id="92" name="直线箭头连接符 91">
+              <a:extLst>
+                <a:ext uri="{FF2B5EF4-FFF2-40B4-BE49-F238E27FC236}">
+                  <a16:creationId xmlns:a16="http://schemas.microsoft.com/office/drawing/2014/main" id="{6DA36FA8-C7DA-6F4D-BC18-DEF0BAB61761}"/>
+                </a:ext>
+              </a:extLst>
+            </p:cNvPr>
+            <p:cNvCxnSpPr>
+              <a:cxnSpLocks/>
+            </p:cNvCxnSpPr>
+            <p:nvPr/>
+          </p:nvCxnSpPr>
+          <p:spPr>
+            <a:xfrm>
+              <a:off x="6135645" y="2083716"/>
+              <a:ext cx="576000" cy="0"/>
+            </a:xfrm>
+            <a:prstGeom prst="straightConnector1">
+              <a:avLst/>
+            </a:prstGeom>
+            <a:ln w="28575">
+              <a:solidFill>
+                <a:schemeClr val="accent3"/>
+              </a:solidFill>
+              <a:headEnd type="triangle"/>
+              <a:tailEnd type="none"/>
+            </a:ln>
+          </p:spPr>
+          <p:style>
+            <a:lnRef idx="1">
+              <a:schemeClr val="accent1"/>
+            </a:lnRef>
+            <a:fillRef idx="0">
+              <a:schemeClr val="accent1"/>
+            </a:fillRef>
+            <a:effectRef idx="0">
+              <a:schemeClr val="accent1"/>
+            </a:effectRef>
+            <a:fontRef idx="minor">
+              <a:schemeClr val="tx1"/>
+            </a:fontRef>
+          </p:style>
+        </p:cxnSp>
+      </p:grpSp>
+      <p:grpSp>
+        <p:nvGrpSpPr>
+          <p:cNvPr id="94" name="组合 93">
+            <a:extLst>
+              <a:ext uri="{FF2B5EF4-FFF2-40B4-BE49-F238E27FC236}">
+                <a16:creationId xmlns:a16="http://schemas.microsoft.com/office/drawing/2014/main" id="{1A142958-A358-1040-B326-4864034B9158}"/>
+              </a:ext>
+            </a:extLst>
+          </p:cNvPr>
+          <p:cNvGrpSpPr/>
+          <p:nvPr/>
+        </p:nvGrpSpPr>
+        <p:grpSpPr>
+          <a:xfrm>
+            <a:off x="5747832" y="3011814"/>
+            <a:ext cx="742511" cy="278388"/>
+            <a:chOff x="6052632" y="1617582"/>
+            <a:chExt cx="742511" cy="278388"/>
+          </a:xfrm>
+        </p:grpSpPr>
+        <p:sp>
+          <p:nvSpPr>
+            <p:cNvPr id="95" name="文本框 94">
+              <a:extLst>
+                <a:ext uri="{FF2B5EF4-FFF2-40B4-BE49-F238E27FC236}">
+                  <a16:creationId xmlns:a16="http://schemas.microsoft.com/office/drawing/2014/main" id="{438A384B-A3C2-FC41-BCED-35C9A34EBE40}"/>
+                </a:ext>
+              </a:extLst>
+            </p:cNvPr>
+            <p:cNvSpPr txBox="1"/>
+            <p:nvPr/>
+          </p:nvSpPr>
+          <p:spPr>
+            <a:xfrm>
+              <a:off x="6052632" y="1617582"/>
+              <a:ext cx="742511" cy="230832"/>
+            </a:xfrm>
+            <a:prstGeom prst="rect">
+              <a:avLst/>
+            </a:prstGeom>
+            <a:noFill/>
+          </p:spPr>
+          <p:txBody>
+            <a:bodyPr wrap="none" rtlCol="0">
+              <a:spAutoFit/>
+            </a:bodyPr>
+            <a:lstStyle/>
+            <a:p>
+              <a:pPr algn="ctr"/>
+              <a:r>
+                <a:rPr kumimoji="1" lang="en-US" altLang="zh-CN" sz="900" dirty="0">
+                  <a:solidFill>
+                    <a:schemeClr val="tx1">
+                      <a:lumMod val="65000"/>
+                      <a:lumOff val="35000"/>
+                    </a:schemeClr>
+                  </a:solidFill>
+                  <a:latin typeface="+mj-lt"/>
+                </a:rPr>
+                <a:t>Pull</a:t>
+              </a:r>
+              <a:r>
+                <a:rPr kumimoji="1" lang="zh-CN" altLang="en-US" sz="900" dirty="0">
+                  <a:solidFill>
+                    <a:schemeClr val="tx1">
+                      <a:lumMod val="65000"/>
+                      <a:lumOff val="35000"/>
+                    </a:schemeClr>
+                  </a:solidFill>
+                  <a:latin typeface="+mj-lt"/>
+                </a:rPr>
+                <a:t> </a:t>
+              </a:r>
+              <a:r>
+                <a:rPr kumimoji="1" lang="en-US" altLang="zh-CN" sz="900" dirty="0">
+                  <a:solidFill>
+                    <a:schemeClr val="tx1">
+                      <a:lumMod val="65000"/>
+                      <a:lumOff val="35000"/>
+                    </a:schemeClr>
+                  </a:solidFill>
+                  <a:latin typeface="+mj-lt"/>
+                </a:rPr>
+                <a:t>Config</a:t>
+              </a:r>
+              <a:endParaRPr kumimoji="1" lang="zh-CN" altLang="en-US" sz="900" dirty="0">
+                <a:solidFill>
+                  <a:schemeClr val="tx1">
+                    <a:lumMod val="65000"/>
+                    <a:lumOff val="35000"/>
+                  </a:schemeClr>
+                </a:solidFill>
+                <a:latin typeface="+mj-lt"/>
+              </a:endParaRPr>
+            </a:p>
+          </p:txBody>
+        </p:sp>
+        <p:cxnSp>
+          <p:nvCxnSpPr>
+            <p:cNvPr id="96" name="直线箭头连接符 95">
+              <a:extLst>
+                <a:ext uri="{FF2B5EF4-FFF2-40B4-BE49-F238E27FC236}">
+                  <a16:creationId xmlns:a16="http://schemas.microsoft.com/office/drawing/2014/main" id="{17D899BC-16D2-124C-B607-C378C51BEF67}"/>
+                </a:ext>
+              </a:extLst>
+            </p:cNvPr>
+            <p:cNvCxnSpPr>
+              <a:cxnSpLocks/>
+            </p:cNvCxnSpPr>
+            <p:nvPr/>
+          </p:nvCxnSpPr>
+          <p:spPr>
+            <a:xfrm>
+              <a:off x="6139412" y="1895970"/>
+              <a:ext cx="576000" cy="0"/>
+            </a:xfrm>
+            <a:prstGeom prst="straightConnector1">
+              <a:avLst/>
+            </a:prstGeom>
+            <a:ln w="28575">
+              <a:solidFill>
+                <a:schemeClr val="accent3"/>
+              </a:solidFill>
+              <a:tailEnd type="triangle"/>
+            </a:ln>
+          </p:spPr>
+          <p:style>
+            <a:lnRef idx="1">
+              <a:schemeClr val="accent1"/>
+            </a:lnRef>
+            <a:fillRef idx="0">
+              <a:schemeClr val="accent1"/>
+            </a:fillRef>
+            <a:effectRef idx="0">
+              <a:schemeClr val="accent1"/>
+            </a:effectRef>
+            <a:fontRef idx="minor">
+              <a:schemeClr val="tx1"/>
+            </a:fontRef>
+          </p:style>
+        </p:cxnSp>
+      </p:grpSp>
+      <p:grpSp>
+        <p:nvGrpSpPr>
+          <p:cNvPr id="101" name="组合 100">
+            <a:extLst>
+              <a:ext uri="{FF2B5EF4-FFF2-40B4-BE49-F238E27FC236}">
+                <a16:creationId xmlns:a16="http://schemas.microsoft.com/office/drawing/2014/main" id="{8E89043F-5A09-6A4A-A4D7-6DD31C8AF4A5}"/>
+              </a:ext>
+            </a:extLst>
+          </p:cNvPr>
+          <p:cNvGrpSpPr/>
+          <p:nvPr/>
+        </p:nvGrpSpPr>
+        <p:grpSpPr>
+          <a:xfrm>
+            <a:off x="5715530" y="4224491"/>
+            <a:ext cx="806631" cy="281454"/>
+            <a:chOff x="6020330" y="4256022"/>
+            <a:chExt cx="806631" cy="281454"/>
+          </a:xfrm>
+        </p:grpSpPr>
+        <p:sp>
+          <p:nvSpPr>
+            <p:cNvPr id="99" name="文本框 98">
+              <a:extLst>
+                <a:ext uri="{FF2B5EF4-FFF2-40B4-BE49-F238E27FC236}">
+                  <a16:creationId xmlns:a16="http://schemas.microsoft.com/office/drawing/2014/main" id="{ADC5DBC7-22B4-C449-B57C-0DDFFAEA2A1D}"/>
+                </a:ext>
+              </a:extLst>
+            </p:cNvPr>
+            <p:cNvSpPr txBox="1"/>
+            <p:nvPr/>
+          </p:nvSpPr>
+          <p:spPr>
+            <a:xfrm>
+              <a:off x="6020330" y="4256022"/>
+              <a:ext cx="806631" cy="230832"/>
+            </a:xfrm>
+            <a:prstGeom prst="rect">
+              <a:avLst/>
+            </a:prstGeom>
+            <a:noFill/>
+          </p:spPr>
+          <p:txBody>
+            <a:bodyPr wrap="none" rtlCol="0">
+              <a:spAutoFit/>
+            </a:bodyPr>
+            <a:lstStyle/>
+            <a:p>
+              <a:pPr algn="ctr"/>
+              <a:r>
+                <a:rPr kumimoji="1" lang="en-US" altLang="zh-CN" sz="900" dirty="0">
+                  <a:solidFill>
+                    <a:schemeClr val="tx1">
+                      <a:lumMod val="65000"/>
+                      <a:lumOff val="35000"/>
+                    </a:schemeClr>
+                  </a:solidFill>
+                  <a:latin typeface="+mj-lt"/>
+                </a:rPr>
+                <a:t>Push</a:t>
+              </a:r>
+              <a:r>
+                <a:rPr kumimoji="1" lang="zh-CN" altLang="en-US" sz="900" dirty="0">
+                  <a:solidFill>
+                    <a:schemeClr val="tx1">
+                      <a:lumMod val="65000"/>
+                      <a:lumOff val="35000"/>
+                    </a:schemeClr>
+                  </a:solidFill>
+                  <a:latin typeface="+mj-lt"/>
+                </a:rPr>
+                <a:t> </a:t>
+              </a:r>
+              <a:r>
+                <a:rPr kumimoji="1" lang="en-US" altLang="zh-CN" sz="900" dirty="0">
+                  <a:solidFill>
+                    <a:schemeClr val="tx1">
+                      <a:lumMod val="65000"/>
+                      <a:lumOff val="35000"/>
+                    </a:schemeClr>
+                  </a:solidFill>
+                  <a:latin typeface="+mj-lt"/>
+                </a:rPr>
+                <a:t>Status</a:t>
+              </a:r>
+              <a:endParaRPr kumimoji="1" lang="zh-CN" altLang="en-US" sz="900" dirty="0">
+                <a:solidFill>
+                  <a:schemeClr val="tx1">
+                    <a:lumMod val="65000"/>
+                    <a:lumOff val="35000"/>
+                  </a:schemeClr>
+                </a:solidFill>
+                <a:latin typeface="+mj-lt"/>
+              </a:endParaRPr>
+            </a:p>
+          </p:txBody>
+        </p:sp>
+        <p:cxnSp>
+          <p:nvCxnSpPr>
+            <p:cNvPr id="100" name="直线箭头连接符 99">
+              <a:extLst>
+                <a:ext uri="{FF2B5EF4-FFF2-40B4-BE49-F238E27FC236}">
+                  <a16:creationId xmlns:a16="http://schemas.microsoft.com/office/drawing/2014/main" id="{F2363FD2-7445-F049-A9CD-CF7A390BE9C4}"/>
+                </a:ext>
+              </a:extLst>
+            </p:cNvPr>
+            <p:cNvCxnSpPr>
+              <a:cxnSpLocks/>
+            </p:cNvCxnSpPr>
+            <p:nvPr/>
+          </p:nvCxnSpPr>
+          <p:spPr>
+            <a:xfrm>
+              <a:off x="6122095" y="4537476"/>
+              <a:ext cx="576000" cy="0"/>
+            </a:xfrm>
+            <a:prstGeom prst="straightConnector1">
+              <a:avLst/>
+            </a:prstGeom>
+            <a:ln w="28575">
+              <a:solidFill>
+                <a:schemeClr val="accent3"/>
+              </a:solidFill>
+              <a:headEnd type="triangle"/>
+              <a:tailEnd type="none"/>
+            </a:ln>
+          </p:spPr>
+          <p:style>
+            <a:lnRef idx="1">
+              <a:schemeClr val="accent1"/>
+            </a:lnRef>
+            <a:fillRef idx="0">
+              <a:schemeClr val="accent1"/>
+            </a:fillRef>
+            <a:effectRef idx="0">
+              <a:schemeClr val="accent1"/>
+            </a:effectRef>
+            <a:fontRef idx="minor">
+              <a:schemeClr val="tx1"/>
+            </a:fontRef>
+          </p:style>
+        </p:cxnSp>
+      </p:grpSp>
+      <p:grpSp>
+        <p:nvGrpSpPr>
+          <p:cNvPr id="103" name="组合 102">
+            <a:extLst>
+              <a:ext uri="{FF2B5EF4-FFF2-40B4-BE49-F238E27FC236}">
+                <a16:creationId xmlns:a16="http://schemas.microsoft.com/office/drawing/2014/main" id="{096F6B05-1E2B-0440-8ECE-98251A0085B2}"/>
+              </a:ext>
+            </a:extLst>
+          </p:cNvPr>
+          <p:cNvGrpSpPr/>
+          <p:nvPr/>
+        </p:nvGrpSpPr>
+        <p:grpSpPr>
+          <a:xfrm>
+            <a:off x="3886101" y="2506164"/>
+            <a:ext cx="716863" cy="462682"/>
+            <a:chOff x="3886101" y="2506164"/>
+            <a:chExt cx="716863" cy="462682"/>
+          </a:xfrm>
+        </p:grpSpPr>
+        <p:sp>
+          <p:nvSpPr>
+            <p:cNvPr id="24" name="文本框 23">
+              <a:extLst>
+                <a:ext uri="{FF2B5EF4-FFF2-40B4-BE49-F238E27FC236}">
+                  <a16:creationId xmlns:a16="http://schemas.microsoft.com/office/drawing/2014/main" id="{D0520DC6-65A9-B442-9023-B4C87BF5AEEF}"/>
+                </a:ext>
+              </a:extLst>
+            </p:cNvPr>
+            <p:cNvSpPr txBox="1"/>
+            <p:nvPr/>
+          </p:nvSpPr>
+          <p:spPr>
+            <a:xfrm>
+              <a:off x="3886101" y="2622089"/>
+              <a:ext cx="716863" cy="230832"/>
+            </a:xfrm>
+            <a:prstGeom prst="rect">
+              <a:avLst/>
+            </a:prstGeom>
+            <a:noFill/>
+          </p:spPr>
+          <p:txBody>
+            <a:bodyPr wrap="none" rtlCol="0">
+              <a:spAutoFit/>
+            </a:bodyPr>
+            <a:lstStyle/>
+            <a:p>
+              <a:pPr algn="ctr"/>
+              <a:r>
+                <a:rPr kumimoji="1" lang="en-US" altLang="zh-CN" sz="900" dirty="0">
+                  <a:solidFill>
+                    <a:schemeClr val="tx1">
+                      <a:lumMod val="65000"/>
+                      <a:lumOff val="35000"/>
+                    </a:schemeClr>
+                  </a:solidFill>
+                  <a:latin typeface="+mj-lt"/>
+                </a:rPr>
+                <a:t>Sync</a:t>
+              </a:r>
+              <a:r>
+                <a:rPr kumimoji="1" lang="zh-CN" altLang="en-US" sz="900" dirty="0">
+                  <a:solidFill>
+                    <a:schemeClr val="tx1">
+                      <a:lumMod val="65000"/>
+                      <a:lumOff val="35000"/>
+                    </a:schemeClr>
+                  </a:solidFill>
+                  <a:latin typeface="+mj-lt"/>
+                </a:rPr>
+                <a:t> </a:t>
+              </a:r>
+              <a:r>
+                <a:rPr kumimoji="1" lang="en-US" altLang="zh-CN" sz="900" dirty="0">
+                  <a:solidFill>
+                    <a:schemeClr val="tx1">
+                      <a:lumMod val="65000"/>
+                      <a:lumOff val="35000"/>
+                    </a:schemeClr>
+                  </a:solidFill>
+                  <a:latin typeface="+mj-lt"/>
+                </a:rPr>
+                <a:t>Data</a:t>
+              </a:r>
+              <a:endParaRPr kumimoji="1" lang="zh-CN" altLang="en-US" sz="900" dirty="0">
+                <a:solidFill>
+                  <a:schemeClr val="tx1">
+                    <a:lumMod val="65000"/>
+                    <a:lumOff val="35000"/>
+                  </a:schemeClr>
+                </a:solidFill>
+                <a:latin typeface="+mj-lt"/>
+              </a:endParaRPr>
+            </a:p>
+          </p:txBody>
+        </p:sp>
+        <p:cxnSp>
+          <p:nvCxnSpPr>
+            <p:cNvPr id="62" name="直线箭头连接符 61">
+              <a:extLst>
+                <a:ext uri="{FF2B5EF4-FFF2-40B4-BE49-F238E27FC236}">
+                  <a16:creationId xmlns:a16="http://schemas.microsoft.com/office/drawing/2014/main" id="{F89F0BFA-68C8-A742-9A98-150BAF40CDD7}"/>
+                </a:ext>
+              </a:extLst>
+            </p:cNvPr>
+            <p:cNvCxnSpPr>
+              <a:cxnSpLocks/>
+            </p:cNvCxnSpPr>
+            <p:nvPr/>
+          </p:nvCxnSpPr>
+          <p:spPr>
+            <a:xfrm>
+              <a:off x="3956532" y="2968846"/>
+              <a:ext cx="576000" cy="0"/>
+            </a:xfrm>
+            <a:prstGeom prst="straightConnector1">
+              <a:avLst/>
+            </a:prstGeom>
+            <a:ln w="28575">
+              <a:solidFill>
+                <a:schemeClr val="accent3"/>
+              </a:solidFill>
+              <a:headEnd type="triangle"/>
+              <a:tailEnd type="triangle"/>
+            </a:ln>
+          </p:spPr>
+          <p:style>
+            <a:lnRef idx="1">
+              <a:schemeClr val="accent1"/>
+            </a:lnRef>
+            <a:fillRef idx="0">
+              <a:schemeClr val="accent1"/>
+            </a:fillRef>
+            <a:effectRef idx="0">
+              <a:schemeClr val="accent1"/>
+            </a:effectRef>
+            <a:fontRef idx="minor">
+              <a:schemeClr val="tx1"/>
+            </a:fontRef>
+          </p:style>
+        </p:cxnSp>
+        <p:cxnSp>
+          <p:nvCxnSpPr>
+            <p:cNvPr id="102" name="直线箭头连接符 101">
+              <a:extLst>
+                <a:ext uri="{FF2B5EF4-FFF2-40B4-BE49-F238E27FC236}">
+                  <a16:creationId xmlns:a16="http://schemas.microsoft.com/office/drawing/2014/main" id="{FF93D80F-50FF-244B-AE7F-EC846AD1A455}"/>
+                </a:ext>
+              </a:extLst>
+            </p:cNvPr>
+            <p:cNvCxnSpPr>
+              <a:cxnSpLocks/>
+            </p:cNvCxnSpPr>
+            <p:nvPr/>
+          </p:nvCxnSpPr>
+          <p:spPr>
+            <a:xfrm>
+              <a:off x="3956532" y="2506164"/>
+              <a:ext cx="576000" cy="0"/>
+            </a:xfrm>
+            <a:prstGeom prst="straightConnector1">
+              <a:avLst/>
+            </a:prstGeom>
+            <a:ln w="28575">
+              <a:solidFill>
+                <a:schemeClr val="accent3"/>
+              </a:solidFill>
+              <a:headEnd type="triangle"/>
+              <a:tailEnd type="triangle"/>
+            </a:ln>
+          </p:spPr>
+          <p:style>
+            <a:lnRef idx="1">
+              <a:schemeClr val="accent1"/>
+            </a:lnRef>
+            <a:fillRef idx="0">
+              <a:schemeClr val="accent1"/>
+            </a:fillRef>
+            <a:effectRef idx="0">
+              <a:schemeClr val="accent1"/>
+            </a:effectRef>
+            <a:fontRef idx="minor">
+              <a:schemeClr val="tx1"/>
+            </a:fontRef>
+          </p:style>
+        </p:cxnSp>
+      </p:grpSp>
+    </p:spTree>
+    <p:extLst>
+      <p:ext uri="{BB962C8B-B14F-4D97-AF65-F5344CB8AC3E}">
+        <p14:creationId xmlns:p14="http://schemas.microsoft.com/office/powerpoint/2010/main" val="487940257"/>
+      </p:ext>
+    </p:extLst>
+  </p:cSld>
+  <p:clrMapOvr>
+    <a:masterClrMapping/>
+  </p:clrMapOvr>
+</p:sld>
+</file>
+
+<file path=ppt/slides/slide4.xml><?xml version="1.0" encoding="utf-8"?>
+<p:sld xmlns:a="http://schemas.openxmlformats.org/drawingml/2006/main" xmlns:r="http://schemas.openxmlformats.org/officeDocument/2006/relationships" xmlns:p="http://schemas.openxmlformats.org/presentationml/2006/main">
+  <p:cSld>
+    <p:spTree>
+      <p:nvGrpSpPr>
+        <p:cNvPr id="1" name=""/>
+        <p:cNvGrpSpPr/>
+        <p:nvPr/>
+      </p:nvGrpSpPr>
+      <p:grpSpPr>
+        <a:xfrm>
+          <a:off x="0" y="0"/>
+          <a:ext cx="0" cy="0"/>
+          <a:chOff x="0" y="0"/>
+          <a:chExt cx="0" cy="0"/>
+        </a:xfrm>
+      </p:grpSpPr>
+      <p:sp>
+        <p:nvSpPr>
+          <p:cNvPr id="86" name="矩形 85">
+            <a:extLst>
+              <a:ext uri="{FF2B5EF4-FFF2-40B4-BE49-F238E27FC236}">
+                <a16:creationId xmlns:a16="http://schemas.microsoft.com/office/drawing/2014/main" id="{70D1B91B-09EB-6946-A1AC-C705F89DDBD8}"/>
+              </a:ext>
+            </a:extLst>
+          </p:cNvPr>
+          <p:cNvSpPr/>
+          <p:nvPr/>
+        </p:nvSpPr>
+        <p:spPr>
+          <a:xfrm>
+            <a:off x="4995319" y="5233785"/>
+            <a:ext cx="5129999" cy="1015153"/>
+          </a:xfrm>
+          <a:prstGeom prst="rect">
+            <a:avLst/>
+          </a:prstGeom>
+          <a:solidFill>
+            <a:schemeClr val="bg1"/>
+          </a:solidFill>
+          <a:ln>
+            <a:solidFill>
+              <a:schemeClr val="accent1">
+                <a:shade val="50000"/>
+                <a:alpha val="60451"/>
+              </a:schemeClr>
+            </a:solidFill>
+            <a:prstDash val="dash"/>
+          </a:ln>
+        </p:spPr>
+        <p:style>
+          <a:lnRef idx="2">
+            <a:schemeClr val="accent1">
+              <a:shade val="50000"/>
+            </a:schemeClr>
+          </a:lnRef>
+          <a:fillRef idx="1">
+            <a:schemeClr val="accent1"/>
+          </a:fillRef>
+          <a:effectRef idx="0">
+            <a:schemeClr val="accent1"/>
+          </a:effectRef>
+          <a:fontRef idx="minor">
+            <a:schemeClr val="lt1"/>
+          </a:fontRef>
+        </p:style>
+        <p:txBody>
+          <a:bodyPr rtlCol="0" anchor="ctr"/>
+          <a:lstStyle/>
+          <a:p>
+            <a:pPr algn="ctr"/>
+            <a:endParaRPr kumimoji="1" lang="zh-CN" altLang="en-US"/>
+          </a:p>
+        </p:txBody>
+      </p:sp>
+      <p:sp>
+        <p:nvSpPr>
+          <p:cNvPr id="79" name="矩形 78">
+            <a:extLst>
+              <a:ext uri="{FF2B5EF4-FFF2-40B4-BE49-F238E27FC236}">
+                <a16:creationId xmlns:a16="http://schemas.microsoft.com/office/drawing/2014/main" id="{E3F2A168-C65C-744F-80D1-E2A659533FF4}"/>
+              </a:ext>
+            </a:extLst>
+          </p:cNvPr>
+          <p:cNvSpPr/>
+          <p:nvPr/>
+        </p:nvSpPr>
+        <p:spPr>
+          <a:xfrm>
+            <a:off x="4951056" y="509285"/>
+            <a:ext cx="5174266" cy="1682345"/>
+          </a:xfrm>
+          <a:prstGeom prst="rect">
+            <a:avLst/>
+          </a:prstGeom>
+          <a:solidFill>
+            <a:schemeClr val="bg1"/>
+          </a:solidFill>
+          <a:ln>
+            <a:solidFill>
+              <a:schemeClr val="accent1">
+                <a:shade val="50000"/>
+                <a:alpha val="60451"/>
+              </a:schemeClr>
+            </a:solidFill>
+            <a:prstDash val="dash"/>
+          </a:ln>
+        </p:spPr>
+        <p:style>
+          <a:lnRef idx="2">
+            <a:schemeClr val="accent1">
+              <a:shade val="50000"/>
+            </a:schemeClr>
+          </a:lnRef>
+          <a:fillRef idx="1">
+            <a:schemeClr val="accent1"/>
+          </a:fillRef>
+          <a:effectRef idx="0">
+            <a:schemeClr val="accent1"/>
+          </a:effectRef>
+          <a:fontRef idx="minor">
+            <a:schemeClr val="lt1"/>
+          </a:fontRef>
+        </p:style>
+        <p:txBody>
+          <a:bodyPr rtlCol="0" anchor="ctr"/>
+          <a:lstStyle/>
+          <a:p>
+            <a:pPr algn="ctr"/>
+            <a:endParaRPr kumimoji="1" lang="zh-CN" altLang="en-US"/>
+          </a:p>
+        </p:txBody>
+      </p:sp>
+      <p:sp>
+        <p:nvSpPr>
+          <p:cNvPr id="23" name="矩形 22">
+            <a:extLst>
+              <a:ext uri="{FF2B5EF4-FFF2-40B4-BE49-F238E27FC236}">
+                <a16:creationId xmlns:a16="http://schemas.microsoft.com/office/drawing/2014/main" id="{28B4C09B-799E-A44E-842B-EB97B5DADDFE}"/>
+              </a:ext>
+            </a:extLst>
+          </p:cNvPr>
+          <p:cNvSpPr/>
+          <p:nvPr/>
+        </p:nvSpPr>
+        <p:spPr>
+          <a:xfrm>
+            <a:off x="4995320" y="3197299"/>
+            <a:ext cx="5129999" cy="1015153"/>
+          </a:xfrm>
+          <a:prstGeom prst="rect">
+            <a:avLst/>
+          </a:prstGeom>
+          <a:solidFill>
+            <a:schemeClr val="bg1"/>
+          </a:solidFill>
+          <a:ln>
+            <a:solidFill>
+              <a:schemeClr val="accent1">
+                <a:shade val="50000"/>
+                <a:alpha val="60451"/>
+              </a:schemeClr>
+            </a:solidFill>
+            <a:prstDash val="dash"/>
+          </a:ln>
+        </p:spPr>
+        <p:style>
+          <a:lnRef idx="2">
+            <a:schemeClr val="accent1">
+              <a:shade val="50000"/>
+            </a:schemeClr>
+          </a:lnRef>
+          <a:fillRef idx="1">
+            <a:schemeClr val="accent1"/>
+          </a:fillRef>
+          <a:effectRef idx="0">
+            <a:schemeClr val="accent1"/>
+          </a:effectRef>
+          <a:fontRef idx="minor">
+            <a:schemeClr val="lt1"/>
+          </a:fontRef>
+        </p:style>
+        <p:txBody>
+          <a:bodyPr rtlCol="0" anchor="ctr"/>
+          <a:lstStyle/>
+          <a:p>
+            <a:pPr algn="ctr"/>
+            <a:endParaRPr kumimoji="1" lang="zh-CN" altLang="en-US"/>
+          </a:p>
+        </p:txBody>
+      </p:sp>
+      <p:sp>
+        <p:nvSpPr>
+          <p:cNvPr id="254" name="矩形 253">
+            <a:extLst>
+              <a:ext uri="{FF2B5EF4-FFF2-40B4-BE49-F238E27FC236}">
+                <a16:creationId xmlns:a16="http://schemas.microsoft.com/office/drawing/2014/main" id="{F898DE4B-BF34-AD41-876E-410902B0AFCE}"/>
+              </a:ext>
+            </a:extLst>
+          </p:cNvPr>
+          <p:cNvSpPr/>
+          <p:nvPr/>
+        </p:nvSpPr>
+        <p:spPr>
+          <a:xfrm>
+            <a:off x="2427885" y="7036987"/>
+            <a:ext cx="7557848" cy="3334215"/>
+          </a:xfrm>
+          <a:prstGeom prst="rect">
+            <a:avLst/>
+          </a:prstGeom>
+          <a:solidFill>
+            <a:schemeClr val="accent1">
+              <a:alpha val="5000"/>
+            </a:schemeClr>
+          </a:solidFill>
+          <a:ln>
+            <a:solidFill>
+              <a:schemeClr val="tx1">
+                <a:alpha val="75000"/>
+              </a:schemeClr>
+            </a:solidFill>
+            <a:prstDash val="dash"/>
+          </a:ln>
+        </p:spPr>
+        <p:style>
+          <a:lnRef idx="2">
+            <a:schemeClr val="accent1">
+              <a:shade val="50000"/>
+            </a:schemeClr>
+          </a:lnRef>
+          <a:fillRef idx="1">
+            <a:schemeClr val="accent1"/>
+          </a:fillRef>
+          <a:effectRef idx="0">
+            <a:schemeClr val="accent1"/>
+          </a:effectRef>
+          <a:fontRef idx="minor">
+            <a:schemeClr val="lt1"/>
+          </a:fontRef>
+        </p:style>
+        <p:txBody>
+          <a:bodyPr rtlCol="0" anchor="ctr"/>
+          <a:lstStyle/>
+          <a:p>
+            <a:pPr algn="ctr"/>
+            <a:endParaRPr kumimoji="1" lang="zh-CN" altLang="en-US"/>
+          </a:p>
+        </p:txBody>
+      </p:sp>
+      <p:sp>
+        <p:nvSpPr>
+          <p:cNvPr id="16" name="矩形 15">
+            <a:extLst>
+              <a:ext uri="{FF2B5EF4-FFF2-40B4-BE49-F238E27FC236}">
+                <a16:creationId xmlns:a16="http://schemas.microsoft.com/office/drawing/2014/main" id="{65125DD4-F082-A246-B3E0-9273C5CD634B}"/>
+              </a:ext>
+            </a:extLst>
+          </p:cNvPr>
+          <p:cNvSpPr/>
+          <p:nvPr/>
+        </p:nvSpPr>
+        <p:spPr>
+          <a:xfrm>
+            <a:off x="5229536" y="3486875"/>
+            <a:ext cx="1218772" cy="487081"/>
+          </a:xfrm>
+          <a:prstGeom prst="rect">
+            <a:avLst/>
+          </a:prstGeom>
+          <a:solidFill>
+            <a:srgbClr val="FFC44E">
+              <a:alpha val="30000"/>
+            </a:srgbClr>
+          </a:solidFill>
+          <a:ln>
+            <a:noFill/>
+          </a:ln>
+        </p:spPr>
+        <p:style>
+          <a:lnRef idx="2">
+            <a:schemeClr val="accent1">
+              <a:shade val="50000"/>
+            </a:schemeClr>
+          </a:lnRef>
+          <a:fillRef idx="1">
+            <a:schemeClr val="accent1"/>
+          </a:fillRef>
+          <a:effectRef idx="0">
+            <a:schemeClr val="accent1"/>
+          </a:effectRef>
+          <a:fontRef idx="minor">
+            <a:schemeClr val="lt1"/>
+          </a:fontRef>
+        </p:style>
+        <p:txBody>
+          <a:bodyPr rtlCol="0" anchor="ctr">
+            <a:scene3d>
+              <a:camera prst="orthographicFront"/>
+              <a:lightRig rig="soft" dir="t">
+                <a:rot lat="0" lon="0" rev="15600000"/>
+              </a:lightRig>
+            </a:scene3d>
+            <a:sp3d extrusionH="57150" prstMaterial="softEdge">
+              <a:bevelT w="25400" h="38100"/>
+            </a:sp3d>
+          </a:bodyPr>
+          <a:lstStyle/>
+          <a:p>
+            <a:pPr algn="ctr"/>
+            <a:r>
+              <a:rPr kumimoji="1" lang="en-US" altLang="zh-CN" sz="1100" dirty="0">
+                <a:ln w="0"/>
+                <a:solidFill>
+                  <a:schemeClr val="tx1">
+                    <a:lumMod val="95000"/>
+                    <a:lumOff val="5000"/>
+                  </a:schemeClr>
+                </a:solidFill>
+                <a:effectLst>
+                  <a:outerShdw blurRad="38100" dist="19050" dir="2700000" algn="tl" rotWithShape="0">
+                    <a:schemeClr val="dk1">
+                      <a:alpha val="40000"/>
+                    </a:schemeClr>
+                  </a:outerShdw>
+                </a:effectLst>
+                <a:latin typeface="+mj-ea"/>
+                <a:ea typeface="+mj-ea"/>
+              </a:rPr>
+              <a:t>Writer1</a:t>
+            </a:r>
+            <a:endParaRPr kumimoji="1" lang="zh-CN" altLang="en-US" sz="1200" dirty="0">
+              <a:ln w="0"/>
+              <a:solidFill>
+                <a:schemeClr val="tx1">
+                  <a:lumMod val="95000"/>
+                  <a:lumOff val="5000"/>
+                </a:schemeClr>
+              </a:solidFill>
+              <a:effectLst>
+                <a:outerShdw blurRad="38100" dist="19050" dir="2700000" algn="tl" rotWithShape="0">
+                  <a:schemeClr val="dk1">
+                    <a:alpha val="40000"/>
+                  </a:schemeClr>
+                </a:outerShdw>
+              </a:effectLst>
+              <a:latin typeface="+mj-ea"/>
+              <a:ea typeface="+mj-ea"/>
+            </a:endParaRPr>
+          </a:p>
+        </p:txBody>
+      </p:sp>
+      <p:grpSp>
+        <p:nvGrpSpPr>
+          <p:cNvPr id="29" name="组合 28">
+            <a:extLst>
+              <a:ext uri="{FF2B5EF4-FFF2-40B4-BE49-F238E27FC236}">
+                <a16:creationId xmlns:a16="http://schemas.microsoft.com/office/drawing/2014/main" id="{4A5CEC4B-241D-FE4F-A898-5BA988ADA8F0}"/>
+              </a:ext>
+            </a:extLst>
+          </p:cNvPr>
+          <p:cNvGrpSpPr/>
+          <p:nvPr/>
+        </p:nvGrpSpPr>
+        <p:grpSpPr>
+          <a:xfrm>
+            <a:off x="7634247" y="1490965"/>
+            <a:ext cx="2271139" cy="546130"/>
+            <a:chOff x="2732849" y="119899"/>
+            <a:chExt cx="2271139" cy="546130"/>
+          </a:xfrm>
+        </p:grpSpPr>
+        <p:pic>
+          <p:nvPicPr>
+            <p:cNvPr id="1028" name="Picture 4" descr="Getting started with Bash scripting | by Uriel Rodriguez | Medium">
+              <a:extLst>
+                <a:ext uri="{FF2B5EF4-FFF2-40B4-BE49-F238E27FC236}">
+                  <a16:creationId xmlns:a16="http://schemas.microsoft.com/office/drawing/2014/main" id="{B98B27DB-DC7B-A64E-9915-23C6DC57FAC3}"/>
+                </a:ext>
+              </a:extLst>
+            </p:cNvPr>
+            <p:cNvPicPr>
+              <a:picLocks noChangeAspect="1" noChangeArrowheads="1"/>
+            </p:cNvPicPr>
+            <p:nvPr/>
+          </p:nvPicPr>
+          <p:blipFill>
+            <a:blip r:embed="rId3">
+              <a:extLst>
+                <a:ext uri="{28A0092B-C50C-407E-A947-70E740481C1C}">
+                  <a14:useLocalDpi xmlns:a14="http://schemas.microsoft.com/office/drawing/2010/main" val="0"/>
+                </a:ext>
+              </a:extLst>
+            </a:blip>
+            <a:srcRect/>
+            <a:stretch>
+              <a:fillRect/>
+            </a:stretch>
+          </p:blipFill>
+          <p:spPr bwMode="auto">
+            <a:xfrm>
+              <a:off x="2732849" y="119899"/>
+              <a:ext cx="477863" cy="546130"/>
+            </a:xfrm>
+            <a:prstGeom prst="rect">
+              <a:avLst/>
+            </a:prstGeom>
+            <a:noFill/>
+            <a:extLst>
+              <a:ext uri="{909E8E84-426E-40DD-AFC4-6F175D3DCCD1}">
+                <a14:hiddenFill xmlns:a14="http://schemas.microsoft.com/office/drawing/2010/main">
+                  <a:solidFill>
+                    <a:srgbClr val="FFFFFF"/>
+                  </a:solidFill>
+                </a14:hiddenFill>
+              </a:ext>
+            </a:extLst>
+          </p:spPr>
+        </p:pic>
+        <p:sp>
+          <p:nvSpPr>
+            <p:cNvPr id="153" name="文本框 152">
+              <a:extLst>
+                <a:ext uri="{FF2B5EF4-FFF2-40B4-BE49-F238E27FC236}">
+                  <a16:creationId xmlns:a16="http://schemas.microsoft.com/office/drawing/2014/main" id="{6C809678-1863-4342-9C0E-9C8196B85385}"/>
+                </a:ext>
+              </a:extLst>
+            </p:cNvPr>
+            <p:cNvSpPr txBox="1"/>
+            <p:nvPr/>
+          </p:nvSpPr>
+          <p:spPr>
+            <a:xfrm>
+              <a:off x="3310896" y="263027"/>
+              <a:ext cx="1693092" cy="276999"/>
+            </a:xfrm>
+            <a:prstGeom prst="rect">
+              <a:avLst/>
+            </a:prstGeom>
+            <a:noFill/>
+          </p:spPr>
+          <p:txBody>
+            <a:bodyPr wrap="none" rtlCol="0">
+              <a:spAutoFit/>
+            </a:bodyPr>
+            <a:lstStyle/>
+            <a:p>
+              <a:r>
+                <a:rPr kumimoji="1" lang="en-US" altLang="zh-CN" sz="1200" dirty="0"/>
+                <a:t>Command</a:t>
+              </a:r>
+              <a:r>
+                <a:rPr kumimoji="1" lang="zh-CN" altLang="en-US" sz="1200" dirty="0"/>
+                <a:t> </a:t>
+              </a:r>
+              <a:r>
+                <a:rPr kumimoji="1" lang="en-US" altLang="zh-CN" sz="1200" dirty="0"/>
+                <a:t>Line</a:t>
+              </a:r>
+              <a:r>
+                <a:rPr kumimoji="1" lang="zh-CN" altLang="en-US" sz="1200" dirty="0"/>
+                <a:t> </a:t>
+              </a:r>
+              <a:r>
+                <a:rPr kumimoji="1" lang="en-US" altLang="zh-CN" sz="1200" dirty="0"/>
+                <a:t>(egctl)</a:t>
+              </a:r>
+              <a:endParaRPr kumimoji="1" lang="zh-CN" altLang="en-US" sz="1200" dirty="0"/>
+            </a:p>
+          </p:txBody>
+        </p:sp>
+      </p:grpSp>
+      <p:grpSp>
+        <p:nvGrpSpPr>
+          <p:cNvPr id="28" name="组合 27">
+            <a:extLst>
+              <a:ext uri="{FF2B5EF4-FFF2-40B4-BE49-F238E27FC236}">
+                <a16:creationId xmlns:a16="http://schemas.microsoft.com/office/drawing/2014/main" id="{9020CAEF-F96D-D740-A5E4-F374671CAFCF}"/>
+              </a:ext>
+            </a:extLst>
+          </p:cNvPr>
+          <p:cNvGrpSpPr/>
+          <p:nvPr/>
+        </p:nvGrpSpPr>
+        <p:grpSpPr>
+          <a:xfrm>
+            <a:off x="7625372" y="779651"/>
+            <a:ext cx="2361736" cy="368630"/>
+            <a:chOff x="2695600" y="1055669"/>
+            <a:chExt cx="2361736" cy="368630"/>
+          </a:xfrm>
+        </p:grpSpPr>
+        <p:sp>
+          <p:nvSpPr>
+            <p:cNvPr id="159" name="文本框 158">
+              <a:extLst>
+                <a:ext uri="{FF2B5EF4-FFF2-40B4-BE49-F238E27FC236}">
+                  <a16:creationId xmlns:a16="http://schemas.microsoft.com/office/drawing/2014/main" id="{BA845995-25FC-3B46-892F-4E88D4703219}"/>
+                </a:ext>
+              </a:extLst>
+            </p:cNvPr>
+            <p:cNvSpPr txBox="1"/>
+            <p:nvPr/>
+          </p:nvSpPr>
+          <p:spPr>
+            <a:xfrm>
+              <a:off x="3310896" y="1101484"/>
+              <a:ext cx="1746440" cy="276999"/>
+            </a:xfrm>
+            <a:prstGeom prst="rect">
+              <a:avLst/>
+            </a:prstGeom>
+            <a:noFill/>
+          </p:spPr>
+          <p:txBody>
+            <a:bodyPr wrap="none" rtlCol="0">
+              <a:spAutoFit/>
+            </a:bodyPr>
+            <a:lstStyle/>
+            <a:p>
+              <a:r>
+                <a:rPr kumimoji="1" lang="en-US" altLang="zh-CN" sz="1200" dirty="0"/>
+                <a:t>HTTP</a:t>
+              </a:r>
+              <a:r>
+                <a:rPr kumimoji="1" lang="zh-CN" altLang="en-US" sz="1200" dirty="0"/>
+                <a:t> </a:t>
+              </a:r>
+              <a:r>
+                <a:rPr kumimoji="1" lang="en-US" altLang="zh-CN" sz="1200" dirty="0"/>
+                <a:t>Client</a:t>
+              </a:r>
+              <a:r>
+                <a:rPr kumimoji="1" lang="zh-CN" altLang="en-US" sz="1200" dirty="0"/>
+                <a:t> </a:t>
+              </a:r>
+              <a:r>
+                <a:rPr kumimoji="1" lang="en-US" altLang="zh-CN" sz="1200" dirty="0"/>
+                <a:t>(curl,</a:t>
+              </a:r>
+              <a:r>
+                <a:rPr kumimoji="1" lang="zh-CN" altLang="en-US" sz="1200" dirty="0"/>
+                <a:t> </a:t>
+              </a:r>
+              <a:r>
+                <a:rPr kumimoji="1" lang="en-US" altLang="zh-CN" sz="1200" dirty="0"/>
+                <a:t>etc.)</a:t>
+              </a:r>
+              <a:endParaRPr kumimoji="1" lang="zh-CN" altLang="en-US" sz="1200" dirty="0"/>
+            </a:p>
+          </p:txBody>
+        </p:sp>
+        <p:pic>
+          <p:nvPicPr>
+            <p:cNvPr id="67" name="图片 66">
+              <a:extLst>
+                <a:ext uri="{FF2B5EF4-FFF2-40B4-BE49-F238E27FC236}">
+                  <a16:creationId xmlns:a16="http://schemas.microsoft.com/office/drawing/2014/main" id="{5ECD4132-D491-9D4F-9BBB-B71E1F5190E4}"/>
+                </a:ext>
+              </a:extLst>
+            </p:cNvPr>
+            <p:cNvPicPr>
+              <a:picLocks noChangeAspect="1"/>
+            </p:cNvPicPr>
+            <p:nvPr/>
+          </p:nvPicPr>
+          <p:blipFill>
+            <a:blip r:embed="rId4"/>
+            <a:stretch>
+              <a:fillRect/>
+            </a:stretch>
+          </p:blipFill>
+          <p:spPr>
+            <a:xfrm>
+              <a:off x="2695600" y="1055669"/>
+              <a:ext cx="589085" cy="368630"/>
+            </a:xfrm>
+            <a:prstGeom prst="rect">
+              <a:avLst/>
+            </a:prstGeom>
+          </p:spPr>
+        </p:pic>
+      </p:grpSp>
+      <p:grpSp>
+        <p:nvGrpSpPr>
+          <p:cNvPr id="27" name="组合 26">
+            <a:extLst>
+              <a:ext uri="{FF2B5EF4-FFF2-40B4-BE49-F238E27FC236}">
+                <a16:creationId xmlns:a16="http://schemas.microsoft.com/office/drawing/2014/main" id="{FFC8A275-2521-AF49-B6E1-0842652D7106}"/>
+              </a:ext>
+            </a:extLst>
+          </p:cNvPr>
+          <p:cNvGrpSpPr/>
+          <p:nvPr/>
+        </p:nvGrpSpPr>
+        <p:grpSpPr>
+          <a:xfrm>
+            <a:off x="5161183" y="1462297"/>
+            <a:ext cx="1949500" cy="571679"/>
+            <a:chOff x="2639033" y="1705751"/>
+            <a:chExt cx="1949500" cy="571679"/>
+          </a:xfrm>
+        </p:grpSpPr>
+        <p:pic>
+          <p:nvPicPr>
+            <p:cNvPr id="1030" name="Picture 6" descr="MegaEase - 无涯远程工作- 远程工作者招聘网站">
+              <a:extLst>
+                <a:ext uri="{FF2B5EF4-FFF2-40B4-BE49-F238E27FC236}">
+                  <a16:creationId xmlns:a16="http://schemas.microsoft.com/office/drawing/2014/main" id="{30DF1C01-6774-6749-892B-A35FA346B05D}"/>
+                </a:ext>
+              </a:extLst>
+            </p:cNvPr>
+            <p:cNvPicPr>
+              <a:picLocks noChangeAspect="1" noChangeArrowheads="1"/>
+            </p:cNvPicPr>
+            <p:nvPr/>
+          </p:nvPicPr>
+          <p:blipFill>
+            <a:blip r:embed="rId5">
+              <a:extLst>
+                <a:ext uri="{28A0092B-C50C-407E-A947-70E740481C1C}">
+                  <a14:useLocalDpi xmlns:a14="http://schemas.microsoft.com/office/drawing/2010/main" val="0"/>
+                </a:ext>
+              </a:extLst>
+            </a:blip>
+            <a:srcRect/>
+            <a:stretch>
+              <a:fillRect/>
+            </a:stretch>
+          </p:blipFill>
+          <p:spPr bwMode="auto">
+            <a:xfrm>
+              <a:off x="2639033" y="1705751"/>
+              <a:ext cx="571679" cy="571679"/>
+            </a:xfrm>
+            <a:prstGeom prst="rect">
+              <a:avLst/>
+            </a:prstGeom>
+            <a:noFill/>
+            <a:extLst>
+              <a:ext uri="{909E8E84-426E-40DD-AFC4-6F175D3DCCD1}">
+                <a14:hiddenFill xmlns:a14="http://schemas.microsoft.com/office/drawing/2010/main">
+                  <a:solidFill>
+                    <a:srgbClr val="FFFFFF"/>
+                  </a:solidFill>
+                </a14:hiddenFill>
+              </a:ext>
+            </a:extLst>
+          </p:spPr>
+        </p:pic>
+        <p:sp>
+          <p:nvSpPr>
+            <p:cNvPr id="163" name="文本框 162">
+              <a:extLst>
+                <a:ext uri="{FF2B5EF4-FFF2-40B4-BE49-F238E27FC236}">
+                  <a16:creationId xmlns:a16="http://schemas.microsoft.com/office/drawing/2014/main" id="{66562826-DCEF-5140-A33D-9EAA82CB654F}"/>
+                </a:ext>
+              </a:extLst>
+            </p:cNvPr>
+            <p:cNvSpPr txBox="1"/>
+            <p:nvPr/>
+          </p:nvSpPr>
+          <p:spPr>
+            <a:xfrm>
+              <a:off x="3227263" y="1853090"/>
+              <a:ext cx="1361270" cy="276999"/>
+            </a:xfrm>
+            <a:prstGeom prst="rect">
+              <a:avLst/>
+            </a:prstGeom>
+            <a:noFill/>
+          </p:spPr>
+          <p:txBody>
+            <a:bodyPr wrap="none" rtlCol="0">
+              <a:spAutoFit/>
+            </a:bodyPr>
+            <a:lstStyle/>
+            <a:p>
+              <a:r>
+                <a:rPr kumimoji="1" lang="en-US" altLang="zh-CN" sz="1200" dirty="0"/>
+                <a:t>MegaEase</a:t>
+              </a:r>
+              <a:r>
+                <a:rPr kumimoji="1" lang="zh-CN" altLang="en-US" sz="1200" dirty="0"/>
+                <a:t> </a:t>
+              </a:r>
+              <a:r>
+                <a:rPr kumimoji="1" lang="en-US" altLang="zh-CN" sz="1200" dirty="0"/>
+                <a:t>Portal</a:t>
+              </a:r>
+              <a:endParaRPr kumimoji="1" lang="zh-CN" altLang="en-US" sz="1200" dirty="0"/>
+            </a:p>
+          </p:txBody>
+        </p:sp>
+      </p:grpSp>
+      <p:sp>
+        <p:nvSpPr>
+          <p:cNvPr id="56" name="矩形 55">
+            <a:extLst>
+              <a:ext uri="{FF2B5EF4-FFF2-40B4-BE49-F238E27FC236}">
+                <a16:creationId xmlns:a16="http://schemas.microsoft.com/office/drawing/2014/main" id="{3FB7D3F9-B4F7-7F40-87D7-F175A6A89166}"/>
+              </a:ext>
+            </a:extLst>
+          </p:cNvPr>
+          <p:cNvSpPr/>
+          <p:nvPr/>
+        </p:nvSpPr>
+        <p:spPr>
+          <a:xfrm>
+            <a:off x="6822936" y="3486874"/>
+            <a:ext cx="1218772" cy="487081"/>
+          </a:xfrm>
+          <a:prstGeom prst="rect">
+            <a:avLst/>
+          </a:prstGeom>
+          <a:solidFill>
+            <a:srgbClr val="FFC44E">
+              <a:alpha val="30000"/>
+            </a:srgbClr>
+          </a:solidFill>
+          <a:ln>
+            <a:noFill/>
+          </a:ln>
+        </p:spPr>
+        <p:style>
+          <a:lnRef idx="2">
+            <a:schemeClr val="accent1">
+              <a:shade val="50000"/>
+            </a:schemeClr>
+          </a:lnRef>
+          <a:fillRef idx="1">
+            <a:schemeClr val="accent1"/>
+          </a:fillRef>
+          <a:effectRef idx="0">
+            <a:schemeClr val="accent1"/>
+          </a:effectRef>
+          <a:fontRef idx="minor">
+            <a:schemeClr val="lt1"/>
+          </a:fontRef>
+        </p:style>
+        <p:txBody>
+          <a:bodyPr rtlCol="0" anchor="ctr">
+            <a:scene3d>
+              <a:camera prst="orthographicFront"/>
+              <a:lightRig rig="soft" dir="t">
+                <a:rot lat="0" lon="0" rev="15600000"/>
+              </a:lightRig>
+            </a:scene3d>
+            <a:sp3d extrusionH="57150" prstMaterial="softEdge">
+              <a:bevelT w="25400" h="38100"/>
+            </a:sp3d>
+          </a:bodyPr>
+          <a:lstStyle/>
+          <a:p>
+            <a:pPr algn="ctr"/>
+            <a:r>
+              <a:rPr kumimoji="1" lang="en-US" altLang="zh-CN" sz="1100" dirty="0">
+                <a:ln w="0"/>
+                <a:solidFill>
+                  <a:schemeClr val="tx1">
+                    <a:lumMod val="95000"/>
+                    <a:lumOff val="5000"/>
+                  </a:schemeClr>
+                </a:solidFill>
+                <a:effectLst>
+                  <a:outerShdw blurRad="38100" dist="19050" dir="2700000" algn="tl" rotWithShape="0">
+                    <a:schemeClr val="dk1">
+                      <a:alpha val="40000"/>
+                    </a:schemeClr>
+                  </a:outerShdw>
+                </a:effectLst>
+                <a:latin typeface="+mj-ea"/>
+                <a:ea typeface="+mj-ea"/>
+              </a:rPr>
+              <a:t>Writer2</a:t>
+            </a:r>
+            <a:endParaRPr kumimoji="1" lang="zh-CN" altLang="en-US" sz="1200" dirty="0">
+              <a:ln w="0"/>
+              <a:solidFill>
+                <a:schemeClr val="tx1">
+                  <a:lumMod val="95000"/>
+                  <a:lumOff val="5000"/>
+                </a:schemeClr>
+              </a:solidFill>
+              <a:effectLst>
+                <a:outerShdw blurRad="38100" dist="19050" dir="2700000" algn="tl" rotWithShape="0">
+                  <a:schemeClr val="dk1">
+                    <a:alpha val="40000"/>
+                  </a:schemeClr>
+                </a:outerShdw>
+              </a:effectLst>
+              <a:latin typeface="+mj-ea"/>
+              <a:ea typeface="+mj-ea"/>
+            </a:endParaRPr>
+          </a:p>
+        </p:txBody>
+      </p:sp>
+      <p:sp>
+        <p:nvSpPr>
+          <p:cNvPr id="57" name="矩形 56">
+            <a:extLst>
+              <a:ext uri="{FF2B5EF4-FFF2-40B4-BE49-F238E27FC236}">
+                <a16:creationId xmlns:a16="http://schemas.microsoft.com/office/drawing/2014/main" id="{D3F51B7A-CD1F-444C-99AC-A34B0DBEE81F}"/>
+              </a:ext>
+            </a:extLst>
+          </p:cNvPr>
+          <p:cNvSpPr/>
+          <p:nvPr/>
+        </p:nvSpPr>
+        <p:spPr>
+          <a:xfrm>
+            <a:off x="8650552" y="3486874"/>
+            <a:ext cx="1218772" cy="487081"/>
+          </a:xfrm>
+          <a:prstGeom prst="rect">
+            <a:avLst/>
+          </a:prstGeom>
+          <a:solidFill>
+            <a:srgbClr val="FFC44E">
+              <a:alpha val="30000"/>
+            </a:srgbClr>
+          </a:solidFill>
+          <a:ln>
+            <a:noFill/>
+          </a:ln>
+        </p:spPr>
+        <p:style>
+          <a:lnRef idx="2">
+            <a:schemeClr val="accent1">
+              <a:shade val="50000"/>
+            </a:schemeClr>
+          </a:lnRef>
+          <a:fillRef idx="1">
+            <a:schemeClr val="accent1"/>
+          </a:fillRef>
+          <a:effectRef idx="0">
+            <a:schemeClr val="accent1"/>
+          </a:effectRef>
+          <a:fontRef idx="minor">
+            <a:schemeClr val="lt1"/>
+          </a:fontRef>
+        </p:style>
+        <p:txBody>
+          <a:bodyPr rtlCol="0" anchor="ctr">
+            <a:scene3d>
+              <a:camera prst="orthographicFront"/>
+              <a:lightRig rig="soft" dir="t">
+                <a:rot lat="0" lon="0" rev="15600000"/>
+              </a:lightRig>
+            </a:scene3d>
+            <a:sp3d extrusionH="57150" prstMaterial="softEdge">
+              <a:bevelT w="25400" h="38100"/>
+            </a:sp3d>
+          </a:bodyPr>
+          <a:lstStyle/>
+          <a:p>
+            <a:pPr algn="ctr"/>
+            <a:r>
+              <a:rPr kumimoji="1" lang="en-US" altLang="zh-CN" sz="1100" dirty="0">
+                <a:ln w="0"/>
+                <a:solidFill>
+                  <a:schemeClr val="tx1">
+                    <a:lumMod val="95000"/>
+                    <a:lumOff val="5000"/>
+                  </a:schemeClr>
+                </a:solidFill>
+                <a:effectLst>
+                  <a:outerShdw blurRad="38100" dist="19050" dir="2700000" algn="tl" rotWithShape="0">
+                    <a:schemeClr val="dk1">
+                      <a:alpha val="40000"/>
+                    </a:schemeClr>
+                  </a:outerShdw>
+                </a:effectLst>
+                <a:latin typeface="+mj-ea"/>
+                <a:ea typeface="+mj-ea"/>
+              </a:rPr>
+              <a:t>Writer3</a:t>
+            </a:r>
+            <a:endParaRPr kumimoji="1" lang="zh-CN" altLang="en-US" sz="1200" dirty="0">
+              <a:ln w="0"/>
+              <a:solidFill>
+                <a:schemeClr val="tx1">
+                  <a:lumMod val="95000"/>
+                  <a:lumOff val="5000"/>
+                </a:schemeClr>
+              </a:solidFill>
+              <a:effectLst>
+                <a:outerShdw blurRad="38100" dist="19050" dir="2700000" algn="tl" rotWithShape="0">
+                  <a:schemeClr val="dk1">
+                    <a:alpha val="40000"/>
+                  </a:schemeClr>
+                </a:outerShdw>
+              </a:effectLst>
+              <a:latin typeface="+mj-ea"/>
+              <a:ea typeface="+mj-ea"/>
+            </a:endParaRPr>
+          </a:p>
+        </p:txBody>
+      </p:sp>
+      <p:sp>
+        <p:nvSpPr>
+          <p:cNvPr id="59" name="文本框 58">
+            <a:extLst>
+              <a:ext uri="{FF2B5EF4-FFF2-40B4-BE49-F238E27FC236}">
+                <a16:creationId xmlns:a16="http://schemas.microsoft.com/office/drawing/2014/main" id="{ADD483A5-88CF-144F-8B76-B8E9C94D529A}"/>
+              </a:ext>
+            </a:extLst>
+          </p:cNvPr>
+          <p:cNvSpPr txBox="1"/>
+          <p:nvPr/>
+        </p:nvSpPr>
+        <p:spPr>
+          <a:xfrm>
+            <a:off x="4951056" y="3212964"/>
+            <a:ext cx="952505" cy="276999"/>
+          </a:xfrm>
+          <a:prstGeom prst="rect">
+            <a:avLst/>
+          </a:prstGeom>
+          <a:noFill/>
+        </p:spPr>
+        <p:txBody>
+          <a:bodyPr wrap="none" rtlCol="0">
+            <a:spAutoFit/>
+          </a:bodyPr>
+          <a:lstStyle/>
+          <a:p>
+            <a:r>
+              <a:rPr kumimoji="1" lang="en-US" altLang="zh-CN" sz="1200" dirty="0">
+                <a:solidFill>
+                  <a:schemeClr val="tx1">
+                    <a:lumMod val="50000"/>
+                    <a:lumOff val="50000"/>
+                  </a:schemeClr>
+                </a:solidFill>
+                <a:latin typeface="+mj-lt"/>
+              </a:rPr>
+              <a:t>Raft</a:t>
+            </a:r>
+            <a:r>
+              <a:rPr kumimoji="1" lang="zh-CN" altLang="en-US" sz="1200" dirty="0">
+                <a:solidFill>
+                  <a:schemeClr val="tx1">
+                    <a:lumMod val="50000"/>
+                    <a:lumOff val="50000"/>
+                  </a:schemeClr>
+                </a:solidFill>
+                <a:latin typeface="+mj-lt"/>
+              </a:rPr>
+              <a:t> </a:t>
+            </a:r>
+            <a:r>
+              <a:rPr kumimoji="1" lang="en-US" altLang="zh-CN" sz="1200" dirty="0">
+                <a:solidFill>
+                  <a:schemeClr val="tx1">
+                    <a:lumMod val="50000"/>
+                    <a:lumOff val="50000"/>
+                  </a:schemeClr>
+                </a:solidFill>
+                <a:latin typeface="+mj-lt"/>
+              </a:rPr>
+              <a:t>Nodes</a:t>
+            </a:r>
+            <a:endParaRPr kumimoji="1" lang="zh-CN" altLang="en-US" sz="900" dirty="0">
+              <a:solidFill>
+                <a:schemeClr val="tx1">
+                  <a:lumMod val="50000"/>
+                  <a:lumOff val="50000"/>
+                </a:schemeClr>
+              </a:solidFill>
+              <a:latin typeface="+mj-lt"/>
+            </a:endParaRPr>
+          </a:p>
+        </p:txBody>
+      </p:sp>
+      <p:sp>
+        <p:nvSpPr>
+          <p:cNvPr id="62" name="矩形 61">
+            <a:extLst>
+              <a:ext uri="{FF2B5EF4-FFF2-40B4-BE49-F238E27FC236}">
+                <a16:creationId xmlns:a16="http://schemas.microsoft.com/office/drawing/2014/main" id="{3255B095-F0A5-C649-9E44-B7EEDDEB791E}"/>
+              </a:ext>
+            </a:extLst>
+          </p:cNvPr>
+          <p:cNvSpPr/>
+          <p:nvPr/>
+        </p:nvSpPr>
+        <p:spPr>
+          <a:xfrm>
+            <a:off x="5161183" y="5543264"/>
+            <a:ext cx="1218772" cy="487081"/>
+          </a:xfrm>
+          <a:prstGeom prst="rect">
+            <a:avLst/>
+          </a:prstGeom>
+          <a:solidFill>
+            <a:srgbClr val="92D050">
+              <a:alpha val="30346"/>
+            </a:srgbClr>
+          </a:solidFill>
+          <a:ln>
+            <a:noFill/>
+          </a:ln>
+        </p:spPr>
+        <p:style>
+          <a:lnRef idx="2">
+            <a:schemeClr val="accent1">
+              <a:shade val="50000"/>
+            </a:schemeClr>
+          </a:lnRef>
+          <a:fillRef idx="1">
+            <a:schemeClr val="accent1"/>
+          </a:fillRef>
+          <a:effectRef idx="0">
+            <a:schemeClr val="accent1"/>
+          </a:effectRef>
+          <a:fontRef idx="minor">
+            <a:schemeClr val="lt1"/>
+          </a:fontRef>
+        </p:style>
+        <p:txBody>
+          <a:bodyPr rtlCol="0" anchor="ctr">
+            <a:scene3d>
+              <a:camera prst="orthographicFront"/>
+              <a:lightRig rig="soft" dir="t">
+                <a:rot lat="0" lon="0" rev="15600000"/>
+              </a:lightRig>
+            </a:scene3d>
+            <a:sp3d extrusionH="57150" prstMaterial="softEdge">
+              <a:bevelT w="25400" h="38100"/>
+            </a:sp3d>
+          </a:bodyPr>
+          <a:lstStyle/>
+          <a:p>
+            <a:pPr algn="ctr"/>
+            <a:r>
+              <a:rPr kumimoji="1" lang="en-US" altLang="zh-CN" sz="1100" dirty="0">
+                <a:ln w="0"/>
+                <a:solidFill>
+                  <a:schemeClr val="tx1">
+                    <a:lumMod val="95000"/>
+                    <a:lumOff val="5000"/>
+                  </a:schemeClr>
+                </a:solidFill>
+                <a:effectLst>
+                  <a:outerShdw blurRad="38100" dist="19050" dir="2700000" algn="tl" rotWithShape="0">
+                    <a:schemeClr val="dk1">
+                      <a:alpha val="40000"/>
+                    </a:schemeClr>
+                  </a:outerShdw>
+                </a:effectLst>
+                <a:latin typeface="+mj-ea"/>
+              </a:rPr>
+              <a:t>Reader1</a:t>
+            </a:r>
+            <a:endParaRPr kumimoji="1" lang="zh-CN" altLang="en-US" sz="1200" dirty="0">
+              <a:ln w="0"/>
+              <a:solidFill>
+                <a:schemeClr val="tx1">
+                  <a:lumMod val="95000"/>
+                  <a:lumOff val="5000"/>
+                </a:schemeClr>
+              </a:solidFill>
+              <a:effectLst>
+                <a:outerShdw blurRad="38100" dist="19050" dir="2700000" algn="tl" rotWithShape="0">
+                  <a:schemeClr val="dk1">
+                    <a:alpha val="40000"/>
+                  </a:schemeClr>
+                </a:outerShdw>
+              </a:effectLst>
+              <a:latin typeface="+mj-ea"/>
+            </a:endParaRPr>
+          </a:p>
+        </p:txBody>
+      </p:sp>
+      <p:sp>
+        <p:nvSpPr>
+          <p:cNvPr id="63" name="矩形 62">
+            <a:extLst>
+              <a:ext uri="{FF2B5EF4-FFF2-40B4-BE49-F238E27FC236}">
+                <a16:creationId xmlns:a16="http://schemas.microsoft.com/office/drawing/2014/main" id="{BAF70157-9F48-694E-A0F2-4E3621D44928}"/>
+              </a:ext>
+            </a:extLst>
+          </p:cNvPr>
+          <p:cNvSpPr/>
+          <p:nvPr/>
+        </p:nvSpPr>
+        <p:spPr>
+          <a:xfrm>
+            <a:off x="6822936" y="5545183"/>
+            <a:ext cx="1218772" cy="487081"/>
+          </a:xfrm>
+          <a:prstGeom prst="rect">
+            <a:avLst/>
+          </a:prstGeom>
+          <a:solidFill>
+            <a:srgbClr val="92D050">
+              <a:alpha val="29897"/>
+            </a:srgbClr>
+          </a:solidFill>
+          <a:ln>
+            <a:noFill/>
+          </a:ln>
+        </p:spPr>
+        <p:style>
+          <a:lnRef idx="2">
+            <a:schemeClr val="accent1">
+              <a:shade val="50000"/>
+            </a:schemeClr>
+          </a:lnRef>
+          <a:fillRef idx="1">
+            <a:schemeClr val="accent1"/>
+          </a:fillRef>
+          <a:effectRef idx="0">
+            <a:schemeClr val="accent1"/>
+          </a:effectRef>
+          <a:fontRef idx="minor">
+            <a:schemeClr val="lt1"/>
+          </a:fontRef>
+        </p:style>
+        <p:txBody>
+          <a:bodyPr rtlCol="0" anchor="ctr">
+            <a:scene3d>
+              <a:camera prst="orthographicFront"/>
+              <a:lightRig rig="soft" dir="t">
+                <a:rot lat="0" lon="0" rev="15600000"/>
+              </a:lightRig>
+            </a:scene3d>
+            <a:sp3d extrusionH="57150" prstMaterial="softEdge">
+              <a:bevelT w="25400" h="38100"/>
+            </a:sp3d>
+          </a:bodyPr>
+          <a:lstStyle/>
+          <a:p>
+            <a:pPr algn="ctr"/>
+            <a:r>
+              <a:rPr kumimoji="1" lang="en-US" altLang="zh-CN" sz="1100" dirty="0">
+                <a:ln w="0"/>
+                <a:solidFill>
+                  <a:schemeClr val="tx1">
+                    <a:lumMod val="95000"/>
+                    <a:lumOff val="5000"/>
+                  </a:schemeClr>
+                </a:solidFill>
+                <a:effectLst>
+                  <a:outerShdw blurRad="38100" dist="19050" dir="2700000" algn="tl" rotWithShape="0">
+                    <a:schemeClr val="dk1">
+                      <a:alpha val="40000"/>
+                    </a:schemeClr>
+                  </a:outerShdw>
+                </a:effectLst>
+                <a:latin typeface="+mj-ea"/>
+                <a:ea typeface="+mj-ea"/>
+              </a:rPr>
+              <a:t>Reader2</a:t>
+            </a:r>
+            <a:endParaRPr kumimoji="1" lang="zh-CN" altLang="en-US" sz="1200" dirty="0">
+              <a:ln w="0"/>
+              <a:solidFill>
+                <a:schemeClr val="tx1">
+                  <a:lumMod val="95000"/>
+                  <a:lumOff val="5000"/>
+                </a:schemeClr>
+              </a:solidFill>
+              <a:effectLst>
+                <a:outerShdw blurRad="38100" dist="19050" dir="2700000" algn="tl" rotWithShape="0">
+                  <a:schemeClr val="dk1">
+                    <a:alpha val="40000"/>
+                  </a:schemeClr>
+                </a:outerShdw>
+              </a:effectLst>
+              <a:latin typeface="+mj-ea"/>
+              <a:ea typeface="+mj-ea"/>
+            </a:endParaRPr>
+          </a:p>
+        </p:txBody>
+      </p:sp>
+      <p:sp>
+        <p:nvSpPr>
+          <p:cNvPr id="64" name="矩形 63">
+            <a:extLst>
+              <a:ext uri="{FF2B5EF4-FFF2-40B4-BE49-F238E27FC236}">
+                <a16:creationId xmlns:a16="http://schemas.microsoft.com/office/drawing/2014/main" id="{E2B9E4CF-BC44-7E4C-9EFB-167EAF8784A5}"/>
+              </a:ext>
+            </a:extLst>
+          </p:cNvPr>
+          <p:cNvSpPr/>
+          <p:nvPr/>
+        </p:nvSpPr>
+        <p:spPr>
+          <a:xfrm>
+            <a:off x="8650552" y="5543264"/>
+            <a:ext cx="1218772" cy="487081"/>
+          </a:xfrm>
+          <a:prstGeom prst="rect">
+            <a:avLst/>
+          </a:prstGeom>
+          <a:solidFill>
+            <a:srgbClr val="92D050">
+              <a:alpha val="30375"/>
+            </a:srgbClr>
+          </a:solidFill>
+          <a:ln>
+            <a:noFill/>
+          </a:ln>
+        </p:spPr>
+        <p:style>
+          <a:lnRef idx="2">
+            <a:schemeClr val="accent1">
+              <a:shade val="50000"/>
+            </a:schemeClr>
+          </a:lnRef>
+          <a:fillRef idx="1">
+            <a:schemeClr val="accent1"/>
+          </a:fillRef>
+          <a:effectRef idx="0">
+            <a:schemeClr val="accent1"/>
+          </a:effectRef>
+          <a:fontRef idx="minor">
+            <a:schemeClr val="lt1"/>
+          </a:fontRef>
+        </p:style>
+        <p:txBody>
+          <a:bodyPr rtlCol="0" anchor="ctr">
+            <a:scene3d>
+              <a:camera prst="orthographicFront"/>
+              <a:lightRig rig="soft" dir="t">
+                <a:rot lat="0" lon="0" rev="15600000"/>
+              </a:lightRig>
+            </a:scene3d>
+            <a:sp3d extrusionH="57150" prstMaterial="softEdge">
+              <a:bevelT w="25400" h="38100"/>
+            </a:sp3d>
+          </a:bodyPr>
+          <a:lstStyle/>
+          <a:p>
+            <a:pPr algn="ctr"/>
+            <a:r>
+              <a:rPr kumimoji="1" lang="en-US" altLang="zh-CN" sz="1100" dirty="0">
+                <a:ln w="0"/>
+                <a:solidFill>
+                  <a:schemeClr val="tx1">
+                    <a:lumMod val="95000"/>
+                    <a:lumOff val="5000"/>
+                  </a:schemeClr>
+                </a:solidFill>
+                <a:effectLst>
+                  <a:outerShdw blurRad="38100" dist="19050" dir="2700000" algn="tl" rotWithShape="0">
+                    <a:schemeClr val="dk1">
+                      <a:alpha val="40000"/>
+                    </a:schemeClr>
+                  </a:outerShdw>
+                </a:effectLst>
+                <a:latin typeface="+mj-ea"/>
+                <a:ea typeface="+mj-ea"/>
+              </a:rPr>
+              <a:t>Reader3</a:t>
+            </a:r>
+            <a:endParaRPr kumimoji="1" lang="zh-CN" altLang="en-US" sz="1200" dirty="0">
+              <a:ln w="0"/>
+              <a:solidFill>
+                <a:schemeClr val="tx1">
+                  <a:lumMod val="95000"/>
+                  <a:lumOff val="5000"/>
+                </a:schemeClr>
+              </a:solidFill>
+              <a:effectLst>
+                <a:outerShdw blurRad="38100" dist="19050" dir="2700000" algn="tl" rotWithShape="0">
+                  <a:schemeClr val="dk1">
+                    <a:alpha val="40000"/>
+                  </a:schemeClr>
+                </a:outerShdw>
+              </a:effectLst>
+              <a:latin typeface="+mj-ea"/>
+              <a:ea typeface="+mj-ea"/>
+            </a:endParaRPr>
+          </a:p>
+        </p:txBody>
+      </p:sp>
+      <p:sp>
+        <p:nvSpPr>
+          <p:cNvPr id="65" name="文本框 64">
+            <a:extLst>
+              <a:ext uri="{FF2B5EF4-FFF2-40B4-BE49-F238E27FC236}">
+                <a16:creationId xmlns:a16="http://schemas.microsoft.com/office/drawing/2014/main" id="{C12C23E1-3A7F-324F-945F-A240D1FDC26F}"/>
+              </a:ext>
+            </a:extLst>
+          </p:cNvPr>
+          <p:cNvSpPr txBox="1"/>
+          <p:nvPr/>
+        </p:nvSpPr>
+        <p:spPr>
+          <a:xfrm>
+            <a:off x="4957749" y="5233785"/>
+            <a:ext cx="1249060" cy="276999"/>
+          </a:xfrm>
+          <a:prstGeom prst="rect">
+            <a:avLst/>
+          </a:prstGeom>
+          <a:noFill/>
+        </p:spPr>
+        <p:txBody>
+          <a:bodyPr wrap="none" rtlCol="0">
+            <a:spAutoFit/>
+          </a:bodyPr>
+          <a:lstStyle/>
+          <a:p>
+            <a:r>
+              <a:rPr kumimoji="1" lang="en-US" altLang="zh-CN" sz="1200" dirty="0">
+                <a:solidFill>
+                  <a:schemeClr val="tx1">
+                    <a:lumMod val="50000"/>
+                    <a:lumOff val="50000"/>
+                  </a:schemeClr>
+                </a:solidFill>
+                <a:latin typeface="+mj-lt"/>
+              </a:rPr>
+              <a:t>Follower</a:t>
+            </a:r>
+            <a:r>
+              <a:rPr kumimoji="1" lang="zh-CN" altLang="en-US" sz="1200" dirty="0">
+                <a:solidFill>
+                  <a:schemeClr val="tx1">
+                    <a:lumMod val="50000"/>
+                    <a:lumOff val="50000"/>
+                  </a:schemeClr>
+                </a:solidFill>
+                <a:latin typeface="+mj-lt"/>
+              </a:rPr>
+              <a:t> </a:t>
+            </a:r>
+            <a:r>
+              <a:rPr kumimoji="1" lang="en-US" altLang="zh-CN" sz="1200" dirty="0">
+                <a:solidFill>
+                  <a:schemeClr val="tx1">
+                    <a:lumMod val="50000"/>
+                    <a:lumOff val="50000"/>
+                  </a:schemeClr>
+                </a:solidFill>
+                <a:latin typeface="+mj-lt"/>
+              </a:rPr>
+              <a:t>Nodes</a:t>
+            </a:r>
+            <a:endParaRPr kumimoji="1" lang="zh-CN" altLang="en-US" sz="900" dirty="0">
+              <a:solidFill>
+                <a:schemeClr val="tx1">
+                  <a:lumMod val="50000"/>
+                  <a:lumOff val="50000"/>
+                </a:schemeClr>
+              </a:solidFill>
+              <a:latin typeface="+mj-lt"/>
+            </a:endParaRPr>
+          </a:p>
+        </p:txBody>
+      </p:sp>
+      <p:cxnSp>
+        <p:nvCxnSpPr>
+          <p:cNvPr id="25" name="直线箭头连接符 24">
+            <a:extLst>
+              <a:ext uri="{FF2B5EF4-FFF2-40B4-BE49-F238E27FC236}">
+                <a16:creationId xmlns:a16="http://schemas.microsoft.com/office/drawing/2014/main" id="{3C38FD77-1C63-F246-AA78-95A40E8ADA86}"/>
+              </a:ext>
+            </a:extLst>
+          </p:cNvPr>
+          <p:cNvCxnSpPr>
+            <a:cxnSpLocks/>
+          </p:cNvCxnSpPr>
+          <p:nvPr/>
+        </p:nvCxnSpPr>
+        <p:spPr>
+          <a:xfrm>
+            <a:off x="5732862" y="4398380"/>
+            <a:ext cx="6368" cy="692402"/>
+          </a:xfrm>
+          <a:prstGeom prst="straightConnector1">
+            <a:avLst/>
+          </a:prstGeom>
+          <a:ln w="19050">
+            <a:solidFill>
+              <a:schemeClr val="accent1">
+                <a:alpha val="50253"/>
+              </a:schemeClr>
+            </a:solidFill>
+            <a:headEnd type="triangle"/>
+            <a:tailEnd type="none"/>
+          </a:ln>
+        </p:spPr>
+        <p:style>
+          <a:lnRef idx="1">
+            <a:schemeClr val="accent1"/>
+          </a:lnRef>
+          <a:fillRef idx="0">
+            <a:schemeClr val="accent1"/>
+          </a:fillRef>
+          <a:effectRef idx="0">
+            <a:schemeClr val="accent1"/>
+          </a:effectRef>
+          <a:fontRef idx="minor">
+            <a:schemeClr val="tx1"/>
+          </a:fontRef>
+        </p:style>
+      </p:cxnSp>
+      <p:sp>
+        <p:nvSpPr>
+          <p:cNvPr id="70" name="文本框 69">
+            <a:extLst>
+              <a:ext uri="{FF2B5EF4-FFF2-40B4-BE49-F238E27FC236}">
+                <a16:creationId xmlns:a16="http://schemas.microsoft.com/office/drawing/2014/main" id="{BC9FBA6D-9478-5F41-BCA5-0A1806FB0DCF}"/>
+              </a:ext>
+            </a:extLst>
+          </p:cNvPr>
+          <p:cNvSpPr txBox="1"/>
+          <p:nvPr/>
+        </p:nvSpPr>
+        <p:spPr>
+          <a:xfrm>
+            <a:off x="5758767" y="4623504"/>
+            <a:ext cx="1100686" cy="276999"/>
+          </a:xfrm>
+          <a:prstGeom prst="rect">
+            <a:avLst/>
+          </a:prstGeom>
+          <a:noFill/>
+        </p:spPr>
+        <p:txBody>
+          <a:bodyPr wrap="none" rtlCol="0">
+            <a:spAutoFit/>
+          </a:bodyPr>
+          <a:lstStyle/>
+          <a:p>
+            <a:r>
+              <a:rPr kumimoji="1" lang="en-US" altLang="zh-CN" sz="1200" dirty="0">
+                <a:solidFill>
+                  <a:schemeClr val="tx1">
+                    <a:lumMod val="50000"/>
+                    <a:lumOff val="50000"/>
+                  </a:schemeClr>
+                </a:solidFill>
+                <a:latin typeface="+mj-lt"/>
+              </a:rPr>
+              <a:t>Watch</a:t>
+            </a:r>
+            <a:r>
+              <a:rPr kumimoji="1" lang="zh-CN" altLang="en-US" sz="1200" dirty="0">
+                <a:solidFill>
+                  <a:schemeClr val="tx1">
+                    <a:lumMod val="50000"/>
+                    <a:lumOff val="50000"/>
+                  </a:schemeClr>
+                </a:solidFill>
+                <a:latin typeface="+mj-lt"/>
+              </a:rPr>
+              <a:t> </a:t>
+            </a:r>
+            <a:r>
+              <a:rPr kumimoji="1" lang="en-US" altLang="zh-CN" sz="1200" dirty="0">
+                <a:solidFill>
+                  <a:schemeClr val="tx1">
+                    <a:lumMod val="50000"/>
+                    <a:lumOff val="50000"/>
+                  </a:schemeClr>
+                </a:solidFill>
+                <a:latin typeface="+mj-lt"/>
+              </a:rPr>
+              <a:t>Config</a:t>
+            </a:r>
+            <a:endParaRPr kumimoji="1" lang="zh-CN" altLang="en-US" sz="900" dirty="0">
+              <a:solidFill>
+                <a:schemeClr val="tx1">
+                  <a:lumMod val="50000"/>
+                  <a:lumOff val="50000"/>
+                </a:schemeClr>
+              </a:solidFill>
+              <a:latin typeface="+mj-lt"/>
+            </a:endParaRPr>
+          </a:p>
+        </p:txBody>
+      </p:sp>
+      <p:cxnSp>
+        <p:nvCxnSpPr>
+          <p:cNvPr id="31" name="直线箭头连接符 30">
+            <a:extLst>
+              <a:ext uri="{FF2B5EF4-FFF2-40B4-BE49-F238E27FC236}">
+                <a16:creationId xmlns:a16="http://schemas.microsoft.com/office/drawing/2014/main" id="{9A12AF45-CF4B-074D-B378-65823524232B}"/>
+              </a:ext>
+            </a:extLst>
+          </p:cNvPr>
+          <p:cNvCxnSpPr/>
+          <p:nvPr/>
+        </p:nvCxnSpPr>
+        <p:spPr>
+          <a:xfrm>
+            <a:off x="6287941" y="2345284"/>
+            <a:ext cx="0" cy="763929"/>
+          </a:xfrm>
+          <a:prstGeom prst="straightConnector1">
+            <a:avLst/>
+          </a:prstGeom>
+          <a:ln w="19050">
+            <a:tailEnd type="triangle"/>
+          </a:ln>
+        </p:spPr>
+        <p:style>
+          <a:lnRef idx="1">
+            <a:schemeClr val="accent1"/>
+          </a:lnRef>
+          <a:fillRef idx="0">
+            <a:schemeClr val="accent1"/>
+          </a:fillRef>
+          <a:effectRef idx="0">
+            <a:schemeClr val="accent1"/>
+          </a:effectRef>
+          <a:fontRef idx="minor">
+            <a:schemeClr val="tx1"/>
+          </a:fontRef>
+        </p:style>
+      </p:cxnSp>
+      <p:sp>
+        <p:nvSpPr>
+          <p:cNvPr id="80" name="文本框 79">
+            <a:extLst>
+              <a:ext uri="{FF2B5EF4-FFF2-40B4-BE49-F238E27FC236}">
+                <a16:creationId xmlns:a16="http://schemas.microsoft.com/office/drawing/2014/main" id="{AC564EA1-A394-0147-AC9C-2DFB5C9F4DDA}"/>
+              </a:ext>
+            </a:extLst>
+          </p:cNvPr>
+          <p:cNvSpPr txBox="1"/>
+          <p:nvPr/>
+        </p:nvSpPr>
+        <p:spPr>
+          <a:xfrm>
+            <a:off x="5181279" y="832461"/>
+            <a:ext cx="1354410" cy="276999"/>
+          </a:xfrm>
+          <a:prstGeom prst="rect">
+            <a:avLst/>
+          </a:prstGeom>
+          <a:noFill/>
+        </p:spPr>
+        <p:txBody>
+          <a:bodyPr wrap="none" rtlCol="0">
+            <a:spAutoFit/>
+          </a:bodyPr>
+          <a:lstStyle/>
+          <a:p>
+            <a:r>
+              <a:rPr kumimoji="1" lang="en-US" altLang="zh-CN" sz="1200" dirty="0">
+                <a:solidFill>
+                  <a:schemeClr val="tx1">
+                    <a:lumMod val="50000"/>
+                    <a:lumOff val="50000"/>
+                  </a:schemeClr>
+                </a:solidFill>
+                <a:latin typeface="+mj-lt"/>
+              </a:rPr>
+              <a:t>Open</a:t>
+            </a:r>
+            <a:r>
+              <a:rPr kumimoji="1" lang="zh-CN" altLang="en-US" sz="1200" dirty="0">
+                <a:solidFill>
+                  <a:schemeClr val="tx1">
+                    <a:lumMod val="50000"/>
+                    <a:lumOff val="50000"/>
+                  </a:schemeClr>
+                </a:solidFill>
+                <a:latin typeface="+mj-lt"/>
+              </a:rPr>
+              <a:t> </a:t>
+            </a:r>
+            <a:r>
+              <a:rPr kumimoji="1" lang="en-US" altLang="zh-CN" sz="1200" dirty="0">
+                <a:solidFill>
+                  <a:schemeClr val="tx1">
+                    <a:lumMod val="50000"/>
+                    <a:lumOff val="50000"/>
+                  </a:schemeClr>
+                </a:solidFill>
+                <a:latin typeface="+mj-lt"/>
+              </a:rPr>
+              <a:t>API</a:t>
+            </a:r>
+            <a:r>
+              <a:rPr kumimoji="1" lang="zh-CN" altLang="en-US" sz="1200" dirty="0">
+                <a:solidFill>
+                  <a:schemeClr val="tx1">
+                    <a:lumMod val="50000"/>
+                    <a:lumOff val="50000"/>
+                  </a:schemeClr>
+                </a:solidFill>
+                <a:latin typeface="+mj-lt"/>
+              </a:rPr>
+              <a:t> </a:t>
+            </a:r>
+            <a:r>
+              <a:rPr kumimoji="1" lang="en-US" altLang="zh-CN" sz="1200" dirty="0">
+                <a:solidFill>
+                  <a:schemeClr val="tx1">
+                    <a:lumMod val="50000"/>
+                    <a:lumOff val="50000"/>
+                  </a:schemeClr>
+                </a:solidFill>
+                <a:latin typeface="+mj-lt"/>
+              </a:rPr>
+              <a:t>Clients</a:t>
+            </a:r>
+            <a:endParaRPr kumimoji="1" lang="zh-CN" altLang="en-US" sz="900" dirty="0">
+              <a:solidFill>
+                <a:schemeClr val="tx1">
+                  <a:lumMod val="50000"/>
+                  <a:lumOff val="50000"/>
+                </a:schemeClr>
+              </a:solidFill>
+              <a:latin typeface="+mj-lt"/>
+            </a:endParaRPr>
+          </a:p>
+        </p:txBody>
+      </p:sp>
+      <p:sp>
+        <p:nvSpPr>
+          <p:cNvPr id="81" name="文本框 80">
+            <a:extLst>
+              <a:ext uri="{FF2B5EF4-FFF2-40B4-BE49-F238E27FC236}">
+                <a16:creationId xmlns:a16="http://schemas.microsoft.com/office/drawing/2014/main" id="{DB681CC8-2D81-1D4A-AF67-36D7E5B813B4}"/>
+              </a:ext>
+            </a:extLst>
+          </p:cNvPr>
+          <p:cNvSpPr txBox="1"/>
+          <p:nvPr/>
+        </p:nvSpPr>
+        <p:spPr>
+          <a:xfrm>
+            <a:off x="6659166" y="2450250"/>
+            <a:ext cx="1457002" cy="276999"/>
+          </a:xfrm>
+          <a:prstGeom prst="rect">
+            <a:avLst/>
+          </a:prstGeom>
+          <a:noFill/>
+        </p:spPr>
+        <p:txBody>
+          <a:bodyPr wrap="none" rtlCol="0">
+            <a:spAutoFit/>
+          </a:bodyPr>
+          <a:lstStyle/>
+          <a:p>
+            <a:r>
+              <a:rPr kumimoji="1" lang="en-US" altLang="zh-CN" sz="1200" dirty="0">
+                <a:solidFill>
+                  <a:schemeClr val="tx1">
+                    <a:lumMod val="50000"/>
+                    <a:lumOff val="50000"/>
+                  </a:schemeClr>
+                </a:solidFill>
+                <a:latin typeface="+mj-lt"/>
+              </a:rPr>
+              <a:t>Admin/Monitor</a:t>
+            </a:r>
+            <a:r>
+              <a:rPr kumimoji="1" lang="zh-CN" altLang="en-US" sz="1200" dirty="0">
+                <a:solidFill>
+                  <a:schemeClr val="tx1">
+                    <a:lumMod val="50000"/>
+                    <a:lumOff val="50000"/>
+                  </a:schemeClr>
+                </a:solidFill>
+                <a:latin typeface="+mj-lt"/>
+              </a:rPr>
+              <a:t> </a:t>
+            </a:r>
+            <a:r>
+              <a:rPr kumimoji="1" lang="en-US" altLang="zh-CN" sz="1200" dirty="0">
+                <a:solidFill>
+                  <a:schemeClr val="tx1">
+                    <a:lumMod val="50000"/>
+                    <a:lumOff val="50000"/>
+                  </a:schemeClr>
+                </a:solidFill>
+                <a:latin typeface="+mj-lt"/>
+              </a:rPr>
+              <a:t>API</a:t>
+            </a:r>
+            <a:endParaRPr kumimoji="1" lang="zh-CN" altLang="en-US" sz="900" dirty="0">
+              <a:solidFill>
+                <a:schemeClr val="tx1">
+                  <a:lumMod val="50000"/>
+                  <a:lumOff val="50000"/>
+                </a:schemeClr>
+              </a:solidFill>
+              <a:latin typeface="+mj-lt"/>
+            </a:endParaRPr>
+          </a:p>
+        </p:txBody>
+      </p:sp>
+      <p:cxnSp>
+        <p:nvCxnSpPr>
+          <p:cNvPr id="82" name="直线箭头连接符 81">
+            <a:extLst>
+              <a:ext uri="{FF2B5EF4-FFF2-40B4-BE49-F238E27FC236}">
+                <a16:creationId xmlns:a16="http://schemas.microsoft.com/office/drawing/2014/main" id="{1EE301EF-BBB9-6547-B8AB-808FD5529A9D}"/>
+              </a:ext>
+            </a:extLst>
+          </p:cNvPr>
+          <p:cNvCxnSpPr/>
+          <p:nvPr/>
+        </p:nvCxnSpPr>
+        <p:spPr>
+          <a:xfrm>
+            <a:off x="8454336" y="2345284"/>
+            <a:ext cx="0" cy="763929"/>
+          </a:xfrm>
+          <a:prstGeom prst="straightConnector1">
+            <a:avLst/>
+          </a:prstGeom>
+          <a:ln w="19050">
+            <a:tailEnd type="triangle"/>
+          </a:ln>
+        </p:spPr>
+        <p:style>
+          <a:lnRef idx="1">
+            <a:schemeClr val="accent1"/>
+          </a:lnRef>
+          <a:fillRef idx="0">
+            <a:schemeClr val="accent1"/>
+          </a:fillRef>
+          <a:effectRef idx="0">
+            <a:schemeClr val="accent1"/>
+          </a:effectRef>
+          <a:fontRef idx="minor">
+            <a:schemeClr val="tx1"/>
+          </a:fontRef>
+        </p:style>
+      </p:cxnSp>
+      <p:sp>
+        <p:nvSpPr>
+          <p:cNvPr id="83" name="矩形 82">
+            <a:extLst>
+              <a:ext uri="{FF2B5EF4-FFF2-40B4-BE49-F238E27FC236}">
+                <a16:creationId xmlns:a16="http://schemas.microsoft.com/office/drawing/2014/main" id="{F93C020D-C39F-7B47-8E87-0AA82ADD4052}"/>
+              </a:ext>
+            </a:extLst>
+          </p:cNvPr>
+          <p:cNvSpPr/>
+          <p:nvPr/>
+        </p:nvSpPr>
+        <p:spPr>
+          <a:xfrm>
+            <a:off x="2461100" y="3218044"/>
+            <a:ext cx="1249060" cy="2985431"/>
+          </a:xfrm>
+          <a:prstGeom prst="rect">
+            <a:avLst/>
+          </a:prstGeom>
+          <a:solidFill>
+            <a:srgbClr val="7030A0">
+              <a:alpha val="13000"/>
+            </a:srgbClr>
+          </a:solidFill>
+          <a:ln>
+            <a:noFill/>
+          </a:ln>
+        </p:spPr>
+        <p:style>
+          <a:lnRef idx="2">
+            <a:schemeClr val="accent1">
+              <a:shade val="50000"/>
+            </a:schemeClr>
+          </a:lnRef>
+          <a:fillRef idx="1">
+            <a:schemeClr val="accent1"/>
+          </a:fillRef>
+          <a:effectRef idx="0">
+            <a:schemeClr val="accent1"/>
+          </a:effectRef>
+          <a:fontRef idx="minor">
+            <a:schemeClr val="lt1"/>
+          </a:fontRef>
+        </p:style>
+        <p:txBody>
+          <a:bodyPr rtlCol="0" anchor="ctr">
+            <a:scene3d>
+              <a:camera prst="orthographicFront"/>
+              <a:lightRig rig="soft" dir="t">
+                <a:rot lat="0" lon="0" rev="15600000"/>
+              </a:lightRig>
+            </a:scene3d>
+            <a:sp3d extrusionH="57150" prstMaterial="softEdge">
+              <a:bevelT w="25400" h="38100"/>
+            </a:sp3d>
+          </a:bodyPr>
+          <a:lstStyle/>
+          <a:p>
+            <a:pPr algn="ctr"/>
+            <a:r>
+              <a:rPr kumimoji="1" lang="en-US" altLang="zh-CN" sz="1200" dirty="0">
+                <a:ln w="0"/>
+                <a:solidFill>
+                  <a:schemeClr val="tx1">
+                    <a:lumMod val="95000"/>
+                    <a:lumOff val="5000"/>
+                  </a:schemeClr>
+                </a:solidFill>
+                <a:effectLst>
+                  <a:outerShdw blurRad="38100" dist="19050" dir="2700000" algn="tl" rotWithShape="0">
+                    <a:schemeClr val="dk1">
+                      <a:alpha val="40000"/>
+                    </a:schemeClr>
+                  </a:outerShdw>
+                </a:effectLst>
+                <a:latin typeface="+mj-ea"/>
+                <a:ea typeface="+mj-ea"/>
+              </a:rPr>
+              <a:t>HTTP/MQTT</a:t>
+            </a:r>
+            <a:br>
+              <a:rPr kumimoji="1" lang="en-US" altLang="zh-CN" sz="1200" dirty="0">
+                <a:ln w="0"/>
+                <a:solidFill>
+                  <a:schemeClr val="tx1">
+                    <a:lumMod val="95000"/>
+                    <a:lumOff val="5000"/>
+                  </a:schemeClr>
+                </a:solidFill>
+                <a:effectLst>
+                  <a:outerShdw blurRad="38100" dist="19050" dir="2700000" algn="tl" rotWithShape="0">
+                    <a:schemeClr val="dk1">
+                      <a:alpha val="40000"/>
+                    </a:schemeClr>
+                  </a:outerShdw>
+                </a:effectLst>
+                <a:latin typeface="+mj-ea"/>
+                <a:ea typeface="+mj-ea"/>
+              </a:rPr>
+            </a:br>
+            <a:r>
+              <a:rPr kumimoji="1" lang="en-US" altLang="zh-CN" sz="1200" dirty="0">
+                <a:ln w="0"/>
+                <a:solidFill>
+                  <a:schemeClr val="tx1">
+                    <a:lumMod val="95000"/>
+                    <a:lumOff val="5000"/>
+                  </a:schemeClr>
+                </a:solidFill>
+                <a:effectLst>
+                  <a:outerShdw blurRad="38100" dist="19050" dir="2700000" algn="tl" rotWithShape="0">
+                    <a:schemeClr val="dk1">
+                      <a:alpha val="40000"/>
+                    </a:schemeClr>
+                  </a:outerShdw>
+                </a:effectLst>
+                <a:latin typeface="+mj-ea"/>
+                <a:ea typeface="+mj-ea"/>
+              </a:rPr>
+              <a:t>Traffic</a:t>
+            </a:r>
+            <a:endParaRPr kumimoji="1" lang="zh-CN" altLang="en-US" sz="1200" dirty="0">
+              <a:ln w="0"/>
+              <a:solidFill>
+                <a:schemeClr val="tx1">
+                  <a:lumMod val="95000"/>
+                  <a:lumOff val="5000"/>
+                </a:schemeClr>
+              </a:solidFill>
+              <a:effectLst>
+                <a:outerShdw blurRad="38100" dist="19050" dir="2700000" algn="tl" rotWithShape="0">
+                  <a:schemeClr val="dk1">
+                    <a:alpha val="40000"/>
+                  </a:schemeClr>
+                </a:outerShdw>
+              </a:effectLst>
+              <a:latin typeface="+mj-ea"/>
+              <a:ea typeface="+mj-ea"/>
+            </a:endParaRPr>
+          </a:p>
+        </p:txBody>
+      </p:sp>
+      <p:cxnSp>
+        <p:nvCxnSpPr>
+          <p:cNvPr id="89" name="直线箭头连接符 88">
+            <a:extLst>
+              <a:ext uri="{FF2B5EF4-FFF2-40B4-BE49-F238E27FC236}">
+                <a16:creationId xmlns:a16="http://schemas.microsoft.com/office/drawing/2014/main" id="{9A0B086F-A0A4-CA43-BC5B-084F6CE6D208}"/>
+              </a:ext>
+            </a:extLst>
+          </p:cNvPr>
+          <p:cNvCxnSpPr>
+            <a:cxnSpLocks/>
+          </p:cNvCxnSpPr>
+          <p:nvPr/>
+        </p:nvCxnSpPr>
+        <p:spPr>
+          <a:xfrm>
+            <a:off x="7434626" y="4398380"/>
+            <a:ext cx="6368" cy="692402"/>
+          </a:xfrm>
+          <a:prstGeom prst="straightConnector1">
+            <a:avLst/>
+          </a:prstGeom>
+          <a:ln w="19050">
+            <a:solidFill>
+              <a:schemeClr val="accent1">
+                <a:alpha val="50253"/>
+              </a:schemeClr>
+            </a:solidFill>
+            <a:headEnd type="triangle"/>
+            <a:tailEnd type="none"/>
+          </a:ln>
+        </p:spPr>
+        <p:style>
+          <a:lnRef idx="1">
+            <a:schemeClr val="accent1"/>
+          </a:lnRef>
+          <a:fillRef idx="0">
+            <a:schemeClr val="accent1"/>
+          </a:fillRef>
+          <a:effectRef idx="0">
+            <a:schemeClr val="accent1"/>
+          </a:effectRef>
+          <a:fontRef idx="minor">
+            <a:schemeClr val="tx1"/>
+          </a:fontRef>
+        </p:style>
+      </p:cxnSp>
+      <p:sp>
+        <p:nvSpPr>
+          <p:cNvPr id="90" name="文本框 89">
+            <a:extLst>
+              <a:ext uri="{FF2B5EF4-FFF2-40B4-BE49-F238E27FC236}">
+                <a16:creationId xmlns:a16="http://schemas.microsoft.com/office/drawing/2014/main" id="{AB9DDA73-7743-7A4F-8FA2-B64D943E6D34}"/>
+              </a:ext>
+            </a:extLst>
+          </p:cNvPr>
+          <p:cNvSpPr txBox="1"/>
+          <p:nvPr/>
+        </p:nvSpPr>
+        <p:spPr>
+          <a:xfrm>
+            <a:off x="7460531" y="4623504"/>
+            <a:ext cx="1013419" cy="276999"/>
+          </a:xfrm>
+          <a:prstGeom prst="rect">
+            <a:avLst/>
+          </a:prstGeom>
+          <a:noFill/>
+        </p:spPr>
+        <p:txBody>
+          <a:bodyPr wrap="none" rtlCol="0">
+            <a:spAutoFit/>
+          </a:bodyPr>
+          <a:lstStyle/>
+          <a:p>
+            <a:r>
+              <a:rPr kumimoji="1" lang="en-US" altLang="zh-CN" sz="1200" dirty="0">
+                <a:solidFill>
+                  <a:schemeClr val="tx1">
+                    <a:lumMod val="50000"/>
+                    <a:lumOff val="50000"/>
+                  </a:schemeClr>
+                </a:solidFill>
+                <a:latin typeface="+mj-lt"/>
+              </a:rPr>
+              <a:t>Push</a:t>
+            </a:r>
+            <a:r>
+              <a:rPr kumimoji="1" lang="zh-CN" altLang="en-US" sz="1200" dirty="0">
+                <a:solidFill>
+                  <a:schemeClr val="tx1">
+                    <a:lumMod val="50000"/>
+                    <a:lumOff val="50000"/>
+                  </a:schemeClr>
+                </a:solidFill>
+                <a:latin typeface="+mj-lt"/>
+              </a:rPr>
+              <a:t> </a:t>
+            </a:r>
+            <a:r>
+              <a:rPr kumimoji="1" lang="en-US" altLang="zh-CN" sz="1200" dirty="0">
+                <a:solidFill>
+                  <a:schemeClr val="tx1">
+                    <a:lumMod val="50000"/>
+                    <a:lumOff val="50000"/>
+                  </a:schemeClr>
+                </a:solidFill>
+                <a:latin typeface="+mj-lt"/>
+              </a:rPr>
+              <a:t>Status</a:t>
+            </a:r>
+            <a:endParaRPr kumimoji="1" lang="zh-CN" altLang="en-US" sz="900" dirty="0">
+              <a:solidFill>
+                <a:schemeClr val="tx1">
+                  <a:lumMod val="50000"/>
+                  <a:lumOff val="50000"/>
+                </a:schemeClr>
+              </a:solidFill>
+              <a:latin typeface="+mj-lt"/>
+            </a:endParaRPr>
+          </a:p>
+        </p:txBody>
+      </p:sp>
+      <p:cxnSp>
+        <p:nvCxnSpPr>
+          <p:cNvPr id="91" name="直线箭头连接符 90">
+            <a:extLst>
+              <a:ext uri="{FF2B5EF4-FFF2-40B4-BE49-F238E27FC236}">
+                <a16:creationId xmlns:a16="http://schemas.microsoft.com/office/drawing/2014/main" id="{5FA159D0-170D-9C4E-820A-9DB2FA243AC1}"/>
+              </a:ext>
+            </a:extLst>
+          </p:cNvPr>
+          <p:cNvCxnSpPr>
+            <a:cxnSpLocks/>
+          </p:cNvCxnSpPr>
+          <p:nvPr/>
+        </p:nvCxnSpPr>
+        <p:spPr>
+          <a:xfrm>
+            <a:off x="9313649" y="4398380"/>
+            <a:ext cx="6368" cy="692402"/>
+          </a:xfrm>
+          <a:prstGeom prst="straightConnector1">
+            <a:avLst/>
+          </a:prstGeom>
+          <a:ln w="19050">
+            <a:solidFill>
+              <a:schemeClr val="accent1">
+                <a:alpha val="50253"/>
+              </a:schemeClr>
+            </a:solidFill>
+            <a:headEnd type="triangle"/>
+            <a:tailEnd type="triangle"/>
+          </a:ln>
+        </p:spPr>
+        <p:style>
+          <a:lnRef idx="1">
+            <a:schemeClr val="accent1"/>
+          </a:lnRef>
+          <a:fillRef idx="0">
+            <a:schemeClr val="accent1"/>
+          </a:fillRef>
+          <a:effectRef idx="0">
+            <a:schemeClr val="accent1"/>
+          </a:effectRef>
+          <a:fontRef idx="minor">
+            <a:schemeClr val="tx1"/>
+          </a:fontRef>
+        </p:style>
+      </p:cxnSp>
+      <p:sp>
+        <p:nvSpPr>
+          <p:cNvPr id="92" name="文本框 91">
+            <a:extLst>
+              <a:ext uri="{FF2B5EF4-FFF2-40B4-BE49-F238E27FC236}">
+                <a16:creationId xmlns:a16="http://schemas.microsoft.com/office/drawing/2014/main" id="{228E0F50-921F-EB46-8A7A-623DB2FB7456}"/>
+              </a:ext>
+            </a:extLst>
+          </p:cNvPr>
+          <p:cNvSpPr txBox="1"/>
+          <p:nvPr/>
+        </p:nvSpPr>
+        <p:spPr>
+          <a:xfrm>
+            <a:off x="9279685" y="4640275"/>
+            <a:ext cx="893193" cy="276999"/>
+          </a:xfrm>
+          <a:prstGeom prst="rect">
+            <a:avLst/>
+          </a:prstGeom>
+          <a:noFill/>
+        </p:spPr>
+        <p:txBody>
+          <a:bodyPr wrap="none" rtlCol="0">
+            <a:spAutoFit/>
+          </a:bodyPr>
+          <a:lstStyle/>
+          <a:p>
+            <a:r>
+              <a:rPr kumimoji="1" lang="en-US" altLang="zh-CN" sz="1200" dirty="0">
+                <a:solidFill>
+                  <a:schemeClr val="tx1">
+                    <a:lumMod val="50000"/>
+                    <a:lumOff val="50000"/>
+                  </a:schemeClr>
+                </a:solidFill>
+                <a:latin typeface="+mj-lt"/>
+              </a:rPr>
+              <a:t>Sync</a:t>
+            </a:r>
+            <a:r>
+              <a:rPr kumimoji="1" lang="zh-CN" altLang="en-US" sz="1200" dirty="0">
+                <a:solidFill>
+                  <a:schemeClr val="tx1">
+                    <a:lumMod val="50000"/>
+                    <a:lumOff val="50000"/>
+                  </a:schemeClr>
+                </a:solidFill>
+                <a:latin typeface="+mj-lt"/>
+              </a:rPr>
+              <a:t> </a:t>
+            </a:r>
+            <a:r>
+              <a:rPr kumimoji="1" lang="en-US" altLang="zh-CN" sz="1200" dirty="0">
+                <a:solidFill>
+                  <a:schemeClr val="tx1">
+                    <a:lumMod val="50000"/>
+                    <a:lumOff val="50000"/>
+                  </a:schemeClr>
+                </a:solidFill>
+                <a:latin typeface="+mj-lt"/>
+              </a:rPr>
+              <a:t>Data</a:t>
+            </a:r>
+            <a:endParaRPr kumimoji="1" lang="zh-CN" altLang="en-US" sz="900" dirty="0">
+              <a:solidFill>
+                <a:schemeClr val="tx1">
+                  <a:lumMod val="50000"/>
+                  <a:lumOff val="50000"/>
+                </a:schemeClr>
+              </a:solidFill>
+              <a:latin typeface="+mj-lt"/>
+            </a:endParaRPr>
+          </a:p>
+        </p:txBody>
+      </p:sp>
+      <p:cxnSp>
+        <p:nvCxnSpPr>
+          <p:cNvPr id="35" name="直线箭头连接符 34">
+            <a:extLst>
+              <a:ext uri="{FF2B5EF4-FFF2-40B4-BE49-F238E27FC236}">
+                <a16:creationId xmlns:a16="http://schemas.microsoft.com/office/drawing/2014/main" id="{5E43557F-1722-F249-880D-BDD4C9DFAC3B}"/>
+              </a:ext>
+            </a:extLst>
+          </p:cNvPr>
+          <p:cNvCxnSpPr/>
+          <p:nvPr/>
+        </p:nvCxnSpPr>
+        <p:spPr>
+          <a:xfrm>
+            <a:off x="3831220" y="3704875"/>
+            <a:ext cx="983848" cy="0"/>
+          </a:xfrm>
+          <a:prstGeom prst="straightConnector1">
+            <a:avLst/>
+          </a:prstGeom>
+          <a:ln w="76200">
+            <a:solidFill>
+              <a:schemeClr val="accent1">
+                <a:alpha val="34291"/>
+              </a:schemeClr>
+            </a:solidFill>
+            <a:tailEnd type="triangle"/>
+          </a:ln>
+        </p:spPr>
+        <p:style>
+          <a:lnRef idx="1">
+            <a:schemeClr val="accent1"/>
+          </a:lnRef>
+          <a:fillRef idx="0">
+            <a:schemeClr val="accent1"/>
+          </a:fillRef>
+          <a:effectRef idx="0">
+            <a:schemeClr val="accent1"/>
+          </a:effectRef>
+          <a:fontRef idx="minor">
+            <a:schemeClr val="tx1"/>
+          </a:fontRef>
+        </p:style>
+      </p:cxnSp>
+      <p:cxnSp>
+        <p:nvCxnSpPr>
+          <p:cNvPr id="97" name="直线箭头连接符 96">
+            <a:extLst>
+              <a:ext uri="{FF2B5EF4-FFF2-40B4-BE49-F238E27FC236}">
+                <a16:creationId xmlns:a16="http://schemas.microsoft.com/office/drawing/2014/main" id="{1647E9D9-2C1B-7B46-824C-677646C70C0C}"/>
+              </a:ext>
+            </a:extLst>
+          </p:cNvPr>
+          <p:cNvCxnSpPr/>
+          <p:nvPr/>
+        </p:nvCxnSpPr>
+        <p:spPr>
+          <a:xfrm>
+            <a:off x="3831220" y="5744266"/>
+            <a:ext cx="983848" cy="0"/>
+          </a:xfrm>
+          <a:prstGeom prst="straightConnector1">
+            <a:avLst/>
+          </a:prstGeom>
+          <a:ln w="76200">
+            <a:solidFill>
+              <a:schemeClr val="accent1">
+                <a:alpha val="34291"/>
+              </a:schemeClr>
+            </a:solidFill>
+            <a:tailEnd type="triangle"/>
+          </a:ln>
+        </p:spPr>
+        <p:style>
+          <a:lnRef idx="1">
+            <a:schemeClr val="accent1"/>
+          </a:lnRef>
+          <a:fillRef idx="0">
+            <a:schemeClr val="accent1"/>
+          </a:fillRef>
+          <a:effectRef idx="0">
+            <a:schemeClr val="accent1"/>
+          </a:effectRef>
+          <a:fontRef idx="minor">
+            <a:schemeClr val="tx1"/>
+          </a:fontRef>
+        </p:style>
+      </p:cxnSp>
+    </p:spTree>
+    <p:extLst>
+      <p:ext uri="{BB962C8B-B14F-4D97-AF65-F5344CB8AC3E}">
+        <p14:creationId xmlns:p14="http://schemas.microsoft.com/office/powerpoint/2010/main" val="997052786"/>
+      </p:ext>
+    </p:extLst>
+  </p:cSld>
+  <p:clrMapOvr>
+    <a:masterClrMapping/>
+  </p:clrMapOvr>
+</p:sld>
+</file>
+
+<file path=ppt/slides/slide5.xml><?xml version="1.0" encoding="utf-8"?>
+<p:sld xmlns:a="http://schemas.openxmlformats.org/drawingml/2006/main" xmlns:r="http://schemas.openxmlformats.org/officeDocument/2006/relationships" xmlns:p="http://schemas.openxmlformats.org/presentationml/2006/main">
+  <p:cSld>
+    <p:spTree>
+      <p:nvGrpSpPr>
+        <p:cNvPr id="1" name=""/>
+        <p:cNvGrpSpPr/>
+        <p:nvPr/>
+      </p:nvGrpSpPr>
+      <p:grpSpPr>
+        <a:xfrm>
+          <a:off x="0" y="0"/>
+          <a:ext cx="0" cy="0"/>
+          <a:chOff x="0" y="0"/>
+          <a:chExt cx="0" cy="0"/>
+        </a:xfrm>
+      </p:grpSpPr>
+      <p:sp>
+        <p:nvSpPr>
+          <p:cNvPr id="150" name="文本框 149">
+            <a:extLst>
+              <a:ext uri="{FF2B5EF4-FFF2-40B4-BE49-F238E27FC236}">
+                <a16:creationId xmlns:a16="http://schemas.microsoft.com/office/drawing/2014/main" id="{C54303B5-F8BA-264A-9C3E-FA627FFC5B14}"/>
+              </a:ext>
+            </a:extLst>
+          </p:cNvPr>
+          <p:cNvSpPr txBox="1"/>
+          <p:nvPr/>
+        </p:nvSpPr>
+        <p:spPr>
+          <a:xfrm>
+            <a:off x="2044171" y="877042"/>
+            <a:ext cx="3344057" cy="338554"/>
+          </a:xfrm>
+          <a:prstGeom prst="rect">
+            <a:avLst/>
+          </a:prstGeom>
+          <a:noFill/>
+        </p:spPr>
+        <p:txBody>
+          <a:bodyPr wrap="none" rtlCol="0">
+            <a:spAutoFit/>
+          </a:bodyPr>
+          <a:lstStyle/>
+          <a:p>
+            <a:r>
+              <a:rPr kumimoji="1" lang="en-US" altLang="zh-CN" sz="1600" dirty="0"/>
+              <a:t>EaseGateway</a:t>
+            </a:r>
+            <a:r>
+              <a:rPr kumimoji="1" lang="zh-CN" altLang="en-US" sz="1600" dirty="0"/>
+              <a:t> </a:t>
+            </a:r>
+            <a:r>
+              <a:rPr kumimoji="1" lang="en-US" altLang="zh-CN" sz="1600" dirty="0"/>
+              <a:t>Internal</a:t>
+            </a:r>
+            <a:r>
+              <a:rPr kumimoji="1" lang="zh-CN" altLang="en-US" sz="1600" dirty="0"/>
+              <a:t> </a:t>
+            </a:r>
+            <a:r>
+              <a:rPr kumimoji="1" lang="en-US" altLang="zh-CN" sz="1600" dirty="0"/>
+              <a:t>Architecture</a:t>
+            </a:r>
+            <a:endParaRPr kumimoji="1" lang="zh-CN" altLang="en-US" sz="1600" dirty="0"/>
+          </a:p>
+        </p:txBody>
+      </p:sp>
+      <p:sp>
+        <p:nvSpPr>
+          <p:cNvPr id="6" name="矩形 5">
+            <a:extLst>
+              <a:ext uri="{FF2B5EF4-FFF2-40B4-BE49-F238E27FC236}">
+                <a16:creationId xmlns:a16="http://schemas.microsoft.com/office/drawing/2014/main" id="{4776D84B-792E-CC4B-A0DC-7B84FDEEC1C9}"/>
+              </a:ext>
+            </a:extLst>
+          </p:cNvPr>
+          <p:cNvSpPr/>
+          <p:nvPr/>
+        </p:nvSpPr>
+        <p:spPr>
+          <a:xfrm>
+            <a:off x="2132499" y="1736804"/>
+            <a:ext cx="1001760" cy="3577452"/>
+          </a:xfrm>
+          <a:prstGeom prst="rect">
+            <a:avLst/>
+          </a:prstGeom>
+          <a:solidFill>
+            <a:srgbClr val="FFC000">
+              <a:alpha val="20000"/>
+            </a:srgbClr>
+          </a:solidFill>
+          <a:ln w="15875">
+            <a:noFill/>
+          </a:ln>
+        </p:spPr>
+        <p:style>
+          <a:lnRef idx="2">
+            <a:schemeClr val="accent1">
+              <a:shade val="50000"/>
+            </a:schemeClr>
+          </a:lnRef>
+          <a:fillRef idx="1">
+            <a:schemeClr val="accent1"/>
+          </a:fillRef>
+          <a:effectRef idx="0">
+            <a:schemeClr val="accent1"/>
+          </a:effectRef>
+          <a:fontRef idx="minor">
+            <a:schemeClr val="lt1"/>
+          </a:fontRef>
+        </p:style>
+        <p:txBody>
+          <a:bodyPr rtlCol="0" anchor="ctr"/>
+          <a:lstStyle/>
+          <a:p>
+            <a:pPr algn="ctr"/>
+            <a:r>
+              <a:rPr kumimoji="1" lang="en-US" altLang="zh-CN" sz="1200" dirty="0">
+                <a:ln w="0"/>
+                <a:solidFill>
+                  <a:schemeClr val="tx1"/>
+                </a:solidFill>
+                <a:effectLst>
+                  <a:outerShdw blurRad="38100" dist="19050" dir="2700000" algn="tl" rotWithShape="0">
+                    <a:schemeClr val="dk1">
+                      <a:alpha val="40000"/>
+                    </a:schemeClr>
+                  </a:outerShdw>
+                </a:effectLst>
+                <a:latin typeface="+mj-ea"/>
+              </a:rPr>
+              <a:t>Cluster</a:t>
+            </a:r>
+          </a:p>
+          <a:p>
+            <a:pPr algn="ctr"/>
+            <a:endParaRPr kumimoji="1" lang="zh-CN" altLang="en-US" sz="1200" dirty="0">
+              <a:ln w="0"/>
+              <a:solidFill>
+                <a:schemeClr val="tx1">
+                  <a:lumMod val="95000"/>
+                  <a:lumOff val="5000"/>
+                </a:schemeClr>
+              </a:solidFill>
+              <a:effectLst>
+                <a:outerShdw blurRad="38100" dist="19050" dir="2700000" algn="tl" rotWithShape="0">
+                  <a:schemeClr val="dk1">
+                    <a:alpha val="40000"/>
+                  </a:schemeClr>
+                </a:outerShdw>
+              </a:effectLst>
+              <a:latin typeface="+mj-ea"/>
+            </a:endParaRPr>
+          </a:p>
+        </p:txBody>
+      </p:sp>
+      <p:sp>
+        <p:nvSpPr>
+          <p:cNvPr id="52" name="圆角矩形 173">
+            <a:extLst>
+              <a:ext uri="{FF2B5EF4-FFF2-40B4-BE49-F238E27FC236}">
+                <a16:creationId xmlns:a16="http://schemas.microsoft.com/office/drawing/2014/main" id="{165D60FB-7F7E-984C-869F-52E2255E6777}"/>
+              </a:ext>
+            </a:extLst>
+          </p:cNvPr>
+          <p:cNvSpPr/>
+          <p:nvPr/>
+        </p:nvSpPr>
+        <p:spPr>
+          <a:xfrm>
+            <a:off x="5159035" y="1816710"/>
+            <a:ext cx="4996775" cy="690370"/>
+          </a:xfrm>
+          <a:prstGeom prst="roundRect">
+            <a:avLst/>
+          </a:prstGeom>
+          <a:solidFill>
+            <a:srgbClr val="C00000">
+              <a:alpha val="14000"/>
+            </a:srgbClr>
+          </a:solidFill>
+          <a:ln>
+            <a:noFill/>
+          </a:ln>
+        </p:spPr>
+        <p:style>
+          <a:lnRef idx="2">
+            <a:schemeClr val="accent1">
+              <a:shade val="50000"/>
+            </a:schemeClr>
+          </a:lnRef>
+          <a:fillRef idx="1">
+            <a:schemeClr val="accent1"/>
+          </a:fillRef>
+          <a:effectRef idx="0">
+            <a:schemeClr val="accent1"/>
+          </a:effectRef>
+          <a:fontRef idx="minor">
+            <a:schemeClr val="lt1"/>
+          </a:fontRef>
+        </p:style>
+        <p:txBody>
+          <a:bodyPr rtlCol="0" anchor="ctr"/>
+          <a:lstStyle/>
+          <a:p>
+            <a:pPr algn="ctr"/>
+            <a:r>
+              <a:rPr kumimoji="1" lang="en-US" altLang="zh-CN" sz="1400" dirty="0">
+                <a:ln w="0"/>
+                <a:solidFill>
+                  <a:schemeClr val="tx1"/>
+                </a:solidFill>
+                <a:effectLst>
+                  <a:outerShdw blurRad="38100" dist="19050" dir="2700000" algn="tl" rotWithShape="0">
+                    <a:schemeClr val="dk1">
+                      <a:alpha val="40000"/>
+                    </a:schemeClr>
+                  </a:outerShdw>
+                </a:effectLst>
+                <a:latin typeface="+mj-ea"/>
+                <a:ea typeface="+mj-ea"/>
+              </a:rPr>
+              <a:t>Traffic</a:t>
+            </a:r>
+            <a:r>
+              <a:rPr kumimoji="1" lang="zh-CN" altLang="en-US" sz="1400" dirty="0">
+                <a:ln w="0"/>
+                <a:solidFill>
+                  <a:schemeClr val="tx1"/>
+                </a:solidFill>
+                <a:effectLst>
+                  <a:outerShdw blurRad="38100" dist="19050" dir="2700000" algn="tl" rotWithShape="0">
+                    <a:schemeClr val="dk1">
+                      <a:alpha val="40000"/>
+                    </a:schemeClr>
+                  </a:outerShdw>
+                </a:effectLst>
+                <a:latin typeface="+mj-ea"/>
+                <a:ea typeface="+mj-ea"/>
+              </a:rPr>
+              <a:t> </a:t>
+            </a:r>
+            <a:r>
+              <a:rPr kumimoji="1" lang="en-US" altLang="zh-CN" sz="1400" dirty="0">
+                <a:ln w="0"/>
+                <a:solidFill>
+                  <a:schemeClr val="tx1"/>
+                </a:solidFill>
+                <a:effectLst>
+                  <a:outerShdw blurRad="38100" dist="19050" dir="2700000" algn="tl" rotWithShape="0">
+                    <a:schemeClr val="dk1">
+                      <a:alpha val="40000"/>
+                    </a:schemeClr>
+                  </a:outerShdw>
+                </a:effectLst>
+                <a:latin typeface="+mj-ea"/>
+                <a:ea typeface="+mj-ea"/>
+              </a:rPr>
+              <a:t>Gate(HTTP/MQTT)</a:t>
+            </a:r>
+            <a:endParaRPr kumimoji="1" lang="en-US" altLang="zh-CN" sz="1050" dirty="0">
+              <a:ln w="0"/>
+              <a:solidFill>
+                <a:schemeClr val="tx1"/>
+              </a:solidFill>
+              <a:effectLst>
+                <a:outerShdw blurRad="38100" dist="19050" dir="2700000" algn="tl" rotWithShape="0">
+                  <a:schemeClr val="dk1">
+                    <a:alpha val="40000"/>
+                  </a:schemeClr>
+                </a:outerShdw>
+              </a:effectLst>
+              <a:latin typeface="+mj-ea"/>
+              <a:ea typeface="+mj-ea"/>
+            </a:endParaRPr>
+          </a:p>
+        </p:txBody>
+      </p:sp>
+      <p:sp>
+        <p:nvSpPr>
+          <p:cNvPr id="62" name="圆角矩形 173">
+            <a:extLst>
+              <a:ext uri="{FF2B5EF4-FFF2-40B4-BE49-F238E27FC236}">
+                <a16:creationId xmlns:a16="http://schemas.microsoft.com/office/drawing/2014/main" id="{3777EF82-1BE9-B241-A291-8388A5A7B0D7}"/>
+              </a:ext>
+            </a:extLst>
+          </p:cNvPr>
+          <p:cNvSpPr/>
+          <p:nvPr/>
+        </p:nvSpPr>
+        <p:spPr>
+          <a:xfrm>
+            <a:off x="5476272" y="2983330"/>
+            <a:ext cx="1239456" cy="403838"/>
+          </a:xfrm>
+          <a:prstGeom prst="roundRect">
+            <a:avLst/>
+          </a:prstGeom>
+          <a:solidFill>
+            <a:schemeClr val="accent5">
+              <a:lumMod val="60000"/>
+              <a:lumOff val="40000"/>
+              <a:alpha val="15000"/>
+            </a:schemeClr>
+          </a:solidFill>
+          <a:ln>
+            <a:noFill/>
+          </a:ln>
+        </p:spPr>
+        <p:style>
+          <a:lnRef idx="2">
+            <a:schemeClr val="accent1">
+              <a:shade val="50000"/>
+            </a:schemeClr>
+          </a:lnRef>
+          <a:fillRef idx="1">
+            <a:schemeClr val="accent1"/>
+          </a:fillRef>
+          <a:effectRef idx="0">
+            <a:schemeClr val="accent1"/>
+          </a:effectRef>
+          <a:fontRef idx="minor">
+            <a:schemeClr val="lt1"/>
+          </a:fontRef>
+        </p:style>
+        <p:txBody>
+          <a:bodyPr rtlCol="0" anchor="ctr"/>
+          <a:lstStyle/>
+          <a:p>
+            <a:pPr algn="ctr"/>
+            <a:r>
+              <a:rPr kumimoji="1" lang="en-US" altLang="zh-CN" sz="1000" b="1" dirty="0">
+                <a:solidFill>
+                  <a:sysClr val="windowText" lastClr="000000"/>
+                </a:solidFill>
+                <a:latin typeface="+mn-ea"/>
+              </a:rPr>
+              <a:t>Validator</a:t>
+            </a:r>
+          </a:p>
+        </p:txBody>
+      </p:sp>
+      <p:sp>
+        <p:nvSpPr>
+          <p:cNvPr id="27" name="矩形 26">
+            <a:extLst>
+              <a:ext uri="{FF2B5EF4-FFF2-40B4-BE49-F238E27FC236}">
+                <a16:creationId xmlns:a16="http://schemas.microsoft.com/office/drawing/2014/main" id="{13A3E5D4-680B-FF49-8559-AEA24B941CE3}"/>
+              </a:ext>
+            </a:extLst>
+          </p:cNvPr>
+          <p:cNvSpPr/>
+          <p:nvPr/>
+        </p:nvSpPr>
+        <p:spPr>
+          <a:xfrm>
+            <a:off x="4059511" y="4745582"/>
+            <a:ext cx="6096299" cy="568674"/>
+          </a:xfrm>
+          <a:prstGeom prst="rect">
+            <a:avLst/>
+          </a:prstGeom>
+          <a:solidFill>
+            <a:schemeClr val="accent3">
+              <a:lumMod val="60000"/>
+              <a:lumOff val="40000"/>
+              <a:alpha val="20000"/>
+            </a:schemeClr>
+          </a:solidFill>
+          <a:ln w="15875">
+            <a:noFill/>
+          </a:ln>
+        </p:spPr>
+        <p:style>
+          <a:lnRef idx="2">
+            <a:schemeClr val="accent1">
+              <a:shade val="50000"/>
+            </a:schemeClr>
+          </a:lnRef>
+          <a:fillRef idx="1">
+            <a:schemeClr val="accent1"/>
+          </a:fillRef>
+          <a:effectRef idx="0">
+            <a:schemeClr val="accent1"/>
+          </a:effectRef>
+          <a:fontRef idx="minor">
+            <a:schemeClr val="lt1"/>
+          </a:fontRef>
+        </p:style>
+        <p:txBody>
+          <a:bodyPr rtlCol="0" anchor="ctr"/>
+          <a:lstStyle/>
+          <a:p>
+            <a:pPr algn="ctr"/>
+            <a:r>
+              <a:rPr kumimoji="1" lang="en-US" altLang="zh-CN" sz="1200" dirty="0">
+                <a:ln w="0"/>
+                <a:solidFill>
+                  <a:schemeClr val="tx1"/>
+                </a:solidFill>
+                <a:effectLst>
+                  <a:outerShdw blurRad="38100" dist="19050" dir="2700000" algn="tl" rotWithShape="0">
+                    <a:schemeClr val="dk1">
+                      <a:alpha val="40000"/>
+                    </a:schemeClr>
+                  </a:outerShdw>
+                </a:effectLst>
+                <a:latin typeface="+mj-ea"/>
+              </a:rPr>
+              <a:t>Supervisor</a:t>
+            </a:r>
+          </a:p>
+        </p:txBody>
+      </p:sp>
+      <p:cxnSp>
+        <p:nvCxnSpPr>
+          <p:cNvPr id="30" name="直线箭头连接符 29">
+            <a:extLst>
+              <a:ext uri="{FF2B5EF4-FFF2-40B4-BE49-F238E27FC236}">
+                <a16:creationId xmlns:a16="http://schemas.microsoft.com/office/drawing/2014/main" id="{B03EF34A-0E9D-604C-B6ED-7BBAC3AAC0F8}"/>
+              </a:ext>
+            </a:extLst>
+          </p:cNvPr>
+          <p:cNvCxnSpPr>
+            <a:cxnSpLocks/>
+          </p:cNvCxnSpPr>
+          <p:nvPr/>
+        </p:nvCxnSpPr>
+        <p:spPr>
+          <a:xfrm flipH="1">
+            <a:off x="3238070" y="5064644"/>
+            <a:ext cx="717630" cy="0"/>
+          </a:xfrm>
+          <a:prstGeom prst="straightConnector1">
+            <a:avLst/>
+          </a:prstGeom>
+          <a:ln w="19050">
+            <a:solidFill>
+              <a:schemeClr val="accent1">
+                <a:alpha val="50253"/>
+              </a:schemeClr>
+            </a:solidFill>
+            <a:headEnd type="triangle"/>
+            <a:tailEnd type="none"/>
+          </a:ln>
+        </p:spPr>
+        <p:style>
+          <a:lnRef idx="1">
+            <a:schemeClr val="accent1"/>
+          </a:lnRef>
+          <a:fillRef idx="0">
+            <a:schemeClr val="accent1"/>
+          </a:fillRef>
+          <a:effectRef idx="0">
+            <a:schemeClr val="accent1"/>
+          </a:effectRef>
+          <a:fontRef idx="minor">
+            <a:schemeClr val="tx1"/>
+          </a:fontRef>
+        </p:style>
+      </p:cxnSp>
+      <p:sp>
+        <p:nvSpPr>
+          <p:cNvPr id="33" name="文本框 32">
+            <a:extLst>
+              <a:ext uri="{FF2B5EF4-FFF2-40B4-BE49-F238E27FC236}">
+                <a16:creationId xmlns:a16="http://schemas.microsoft.com/office/drawing/2014/main" id="{2329D471-628A-0B4B-AF8F-F1CE28928CA5}"/>
+              </a:ext>
+            </a:extLst>
+          </p:cNvPr>
+          <p:cNvSpPr txBox="1"/>
+          <p:nvPr/>
+        </p:nvSpPr>
+        <p:spPr>
+          <a:xfrm>
+            <a:off x="3134259" y="4727501"/>
+            <a:ext cx="925253" cy="276999"/>
+          </a:xfrm>
+          <a:prstGeom prst="rect">
+            <a:avLst/>
+          </a:prstGeom>
+          <a:noFill/>
+        </p:spPr>
+        <p:txBody>
+          <a:bodyPr wrap="none" rtlCol="0">
+            <a:spAutoFit/>
+          </a:bodyPr>
+          <a:lstStyle/>
+          <a:p>
+            <a:r>
+              <a:rPr kumimoji="1" lang="en-US" altLang="zh-CN" sz="1200" dirty="0">
+                <a:solidFill>
+                  <a:schemeClr val="tx1">
+                    <a:lumMod val="50000"/>
+                    <a:lumOff val="50000"/>
+                  </a:schemeClr>
+                </a:solidFill>
+                <a:latin typeface="+mj-lt"/>
+              </a:rPr>
+              <a:t>Pull</a:t>
+            </a:r>
+            <a:r>
+              <a:rPr kumimoji="1" lang="zh-CN" altLang="en-US" sz="1200" dirty="0">
+                <a:solidFill>
+                  <a:schemeClr val="tx1">
+                    <a:lumMod val="50000"/>
+                    <a:lumOff val="50000"/>
+                  </a:schemeClr>
+                </a:solidFill>
+                <a:latin typeface="+mj-lt"/>
+              </a:rPr>
+              <a:t> </a:t>
+            </a:r>
+            <a:r>
+              <a:rPr kumimoji="1" lang="en-US" altLang="zh-CN" sz="1200" dirty="0">
+                <a:solidFill>
+                  <a:schemeClr val="tx1">
+                    <a:lumMod val="50000"/>
+                    <a:lumOff val="50000"/>
+                  </a:schemeClr>
+                </a:solidFill>
+                <a:latin typeface="+mj-lt"/>
+              </a:rPr>
+              <a:t>Config</a:t>
+            </a:r>
+            <a:endParaRPr kumimoji="1" lang="zh-CN" altLang="en-US" sz="900" dirty="0">
+              <a:solidFill>
+                <a:schemeClr val="tx1">
+                  <a:lumMod val="50000"/>
+                  <a:lumOff val="50000"/>
+                </a:schemeClr>
+              </a:solidFill>
+              <a:latin typeface="+mj-lt"/>
+            </a:endParaRPr>
+          </a:p>
+        </p:txBody>
+      </p:sp>
+      <p:sp>
+        <p:nvSpPr>
+          <p:cNvPr id="34" name="矩形 33">
+            <a:extLst>
+              <a:ext uri="{FF2B5EF4-FFF2-40B4-BE49-F238E27FC236}">
+                <a16:creationId xmlns:a16="http://schemas.microsoft.com/office/drawing/2014/main" id="{291473D8-07A1-AB49-B3A1-3A31AB04231D}"/>
+              </a:ext>
+            </a:extLst>
+          </p:cNvPr>
+          <p:cNvSpPr/>
+          <p:nvPr/>
+        </p:nvSpPr>
+        <p:spPr>
+          <a:xfrm>
+            <a:off x="4059512" y="3727056"/>
+            <a:ext cx="925253" cy="918023"/>
+          </a:xfrm>
+          <a:prstGeom prst="rect">
+            <a:avLst/>
+          </a:prstGeom>
+          <a:solidFill>
+            <a:srgbClr val="00B050">
+              <a:alpha val="8417"/>
+            </a:srgbClr>
+          </a:solidFill>
+          <a:ln w="15875">
+            <a:noFill/>
+          </a:ln>
+        </p:spPr>
+        <p:style>
+          <a:lnRef idx="2">
+            <a:schemeClr val="accent1">
+              <a:shade val="50000"/>
+            </a:schemeClr>
+          </a:lnRef>
+          <a:fillRef idx="1">
+            <a:schemeClr val="accent1"/>
+          </a:fillRef>
+          <a:effectRef idx="0">
+            <a:schemeClr val="accent1"/>
+          </a:effectRef>
+          <a:fontRef idx="minor">
+            <a:schemeClr val="lt1"/>
+          </a:fontRef>
+        </p:style>
+        <p:txBody>
+          <a:bodyPr rtlCol="0" anchor="ctr"/>
+          <a:lstStyle/>
+          <a:p>
+            <a:pPr algn="ctr"/>
+            <a:r>
+              <a:rPr kumimoji="1" lang="en-US" altLang="zh-CN" sz="1200" dirty="0">
+                <a:ln w="0"/>
+                <a:solidFill>
+                  <a:schemeClr val="tx1"/>
+                </a:solidFill>
+                <a:effectLst>
+                  <a:outerShdw blurRad="38100" dist="19050" dir="2700000" algn="tl" rotWithShape="0">
+                    <a:schemeClr val="dk1">
+                      <a:alpha val="40000"/>
+                    </a:schemeClr>
+                  </a:outerShdw>
+                </a:effectLst>
+                <a:latin typeface="+mj-ea"/>
+              </a:rPr>
+              <a:t>System</a:t>
+            </a:r>
+            <a:br>
+              <a:rPr kumimoji="1" lang="en-US" altLang="zh-CN" sz="1200" dirty="0">
+                <a:ln w="0"/>
+                <a:solidFill>
+                  <a:schemeClr val="tx1"/>
+                </a:solidFill>
+                <a:effectLst>
+                  <a:outerShdw blurRad="38100" dist="19050" dir="2700000" algn="tl" rotWithShape="0">
+                    <a:schemeClr val="dk1">
+                      <a:alpha val="40000"/>
+                    </a:schemeClr>
+                  </a:outerShdw>
+                </a:effectLst>
+                <a:latin typeface="+mj-ea"/>
+              </a:rPr>
+            </a:br>
+            <a:r>
+              <a:rPr kumimoji="1" lang="en-US" altLang="zh-CN" sz="1200" dirty="0">
+                <a:ln w="0"/>
+                <a:solidFill>
+                  <a:schemeClr val="tx1"/>
+                </a:solidFill>
+                <a:effectLst>
+                  <a:outerShdw blurRad="38100" dist="19050" dir="2700000" algn="tl" rotWithShape="0">
+                    <a:schemeClr val="dk1">
+                      <a:alpha val="40000"/>
+                    </a:schemeClr>
+                  </a:outerShdw>
+                </a:effectLst>
+                <a:latin typeface="+mj-ea"/>
+              </a:rPr>
+              <a:t>Controller</a:t>
+            </a:r>
+            <a:endParaRPr kumimoji="1" lang="zh-CN" altLang="en-US" sz="1200" dirty="0">
+              <a:ln w="0"/>
+              <a:solidFill>
+                <a:schemeClr val="tx1">
+                  <a:lumMod val="95000"/>
+                  <a:lumOff val="5000"/>
+                </a:schemeClr>
+              </a:solidFill>
+              <a:effectLst>
+                <a:outerShdw blurRad="38100" dist="19050" dir="2700000" algn="tl" rotWithShape="0">
+                  <a:schemeClr val="dk1">
+                    <a:alpha val="40000"/>
+                  </a:schemeClr>
+                </a:outerShdw>
+              </a:effectLst>
+              <a:latin typeface="+mj-ea"/>
+            </a:endParaRPr>
+          </a:p>
+        </p:txBody>
+      </p:sp>
+      <p:cxnSp>
+        <p:nvCxnSpPr>
+          <p:cNvPr id="35" name="直线箭头连接符 34">
+            <a:extLst>
+              <a:ext uri="{FF2B5EF4-FFF2-40B4-BE49-F238E27FC236}">
+                <a16:creationId xmlns:a16="http://schemas.microsoft.com/office/drawing/2014/main" id="{61D06975-BB3F-1D4D-BF03-9FF4573C72B9}"/>
+              </a:ext>
+            </a:extLst>
+          </p:cNvPr>
+          <p:cNvCxnSpPr>
+            <a:cxnSpLocks/>
+          </p:cNvCxnSpPr>
+          <p:nvPr/>
+        </p:nvCxnSpPr>
+        <p:spPr>
+          <a:xfrm flipH="1">
+            <a:off x="3238070" y="4247293"/>
+            <a:ext cx="717630" cy="0"/>
+          </a:xfrm>
+          <a:prstGeom prst="straightConnector1">
+            <a:avLst/>
+          </a:prstGeom>
+          <a:ln w="19050">
+            <a:solidFill>
+              <a:schemeClr val="accent1">
+                <a:alpha val="50253"/>
+              </a:schemeClr>
+            </a:solidFill>
+            <a:headEnd type="none"/>
+            <a:tailEnd type="triangle" w="med" len="med"/>
+          </a:ln>
+        </p:spPr>
+        <p:style>
+          <a:lnRef idx="1">
+            <a:schemeClr val="accent1"/>
+          </a:lnRef>
+          <a:fillRef idx="0">
+            <a:schemeClr val="accent1"/>
+          </a:fillRef>
+          <a:effectRef idx="0">
+            <a:schemeClr val="accent1"/>
+          </a:effectRef>
+          <a:fontRef idx="minor">
+            <a:schemeClr val="tx1"/>
+          </a:fontRef>
+        </p:style>
+      </p:cxnSp>
+      <p:sp>
+        <p:nvSpPr>
+          <p:cNvPr id="36" name="文本框 35">
+            <a:extLst>
+              <a:ext uri="{FF2B5EF4-FFF2-40B4-BE49-F238E27FC236}">
+                <a16:creationId xmlns:a16="http://schemas.microsoft.com/office/drawing/2014/main" id="{6318ECE6-D71F-704C-95F6-0D55EEDC5DA5}"/>
+              </a:ext>
+            </a:extLst>
+          </p:cNvPr>
+          <p:cNvSpPr txBox="1"/>
+          <p:nvPr/>
+        </p:nvSpPr>
+        <p:spPr>
+          <a:xfrm>
+            <a:off x="3103161" y="3886068"/>
+            <a:ext cx="1013419" cy="276999"/>
+          </a:xfrm>
+          <a:prstGeom prst="rect">
+            <a:avLst/>
+          </a:prstGeom>
+          <a:noFill/>
+        </p:spPr>
+        <p:txBody>
+          <a:bodyPr wrap="none" rtlCol="0">
+            <a:spAutoFit/>
+          </a:bodyPr>
+          <a:lstStyle/>
+          <a:p>
+            <a:r>
+              <a:rPr kumimoji="1" lang="en-US" altLang="zh-CN" sz="1200" dirty="0">
+                <a:solidFill>
+                  <a:schemeClr val="tx1">
+                    <a:lumMod val="50000"/>
+                    <a:lumOff val="50000"/>
+                  </a:schemeClr>
+                </a:solidFill>
+                <a:latin typeface="+mj-lt"/>
+              </a:rPr>
+              <a:t>Push</a:t>
+            </a:r>
+            <a:r>
+              <a:rPr kumimoji="1" lang="zh-CN" altLang="en-US" sz="1200" dirty="0">
+                <a:solidFill>
+                  <a:schemeClr val="tx1">
+                    <a:lumMod val="50000"/>
+                    <a:lumOff val="50000"/>
+                  </a:schemeClr>
+                </a:solidFill>
+                <a:latin typeface="+mj-lt"/>
+              </a:rPr>
+              <a:t> </a:t>
+            </a:r>
+            <a:r>
+              <a:rPr kumimoji="1" lang="en-US" altLang="zh-CN" sz="1200" dirty="0">
+                <a:solidFill>
+                  <a:schemeClr val="tx1">
+                    <a:lumMod val="50000"/>
+                    <a:lumOff val="50000"/>
+                  </a:schemeClr>
+                </a:solidFill>
+                <a:latin typeface="+mj-lt"/>
+              </a:rPr>
+              <a:t>Status</a:t>
+            </a:r>
+            <a:endParaRPr kumimoji="1" lang="zh-CN" altLang="en-US" sz="900" dirty="0">
+              <a:solidFill>
+                <a:schemeClr val="tx1">
+                  <a:lumMod val="50000"/>
+                  <a:lumOff val="50000"/>
+                </a:schemeClr>
+              </a:solidFill>
+              <a:latin typeface="+mj-lt"/>
+            </a:endParaRPr>
+          </a:p>
+        </p:txBody>
+      </p:sp>
+      <p:sp>
+        <p:nvSpPr>
+          <p:cNvPr id="37" name="文本框 36">
+            <a:extLst>
+              <a:ext uri="{FF2B5EF4-FFF2-40B4-BE49-F238E27FC236}">
+                <a16:creationId xmlns:a16="http://schemas.microsoft.com/office/drawing/2014/main" id="{EEF4C7C9-488F-C743-A0D5-F6F16BEDA1A3}"/>
+              </a:ext>
+            </a:extLst>
+          </p:cNvPr>
+          <p:cNvSpPr txBox="1"/>
+          <p:nvPr/>
+        </p:nvSpPr>
+        <p:spPr>
+          <a:xfrm>
+            <a:off x="5298832" y="2627235"/>
+            <a:ext cx="1734770" cy="276999"/>
+          </a:xfrm>
+          <a:prstGeom prst="rect">
+            <a:avLst/>
+          </a:prstGeom>
+          <a:noFill/>
+        </p:spPr>
+        <p:txBody>
+          <a:bodyPr wrap="none" rtlCol="0">
+            <a:spAutoFit/>
+          </a:bodyPr>
+          <a:lstStyle/>
+          <a:p>
+            <a:r>
+              <a:rPr kumimoji="1" lang="en-US" altLang="zh-CN" sz="1200" dirty="0">
+                <a:solidFill>
+                  <a:schemeClr val="tx1">
+                    <a:lumMod val="50000"/>
+                    <a:lumOff val="50000"/>
+                  </a:schemeClr>
+                </a:solidFill>
+                <a:latin typeface="+mj-lt"/>
+              </a:rPr>
+              <a:t>Pipelines</a:t>
+            </a:r>
+            <a:r>
+              <a:rPr kumimoji="1" lang="zh-CN" altLang="en-US" sz="1200" dirty="0">
+                <a:solidFill>
+                  <a:schemeClr val="tx1">
+                    <a:lumMod val="50000"/>
+                    <a:lumOff val="50000"/>
+                  </a:schemeClr>
+                </a:solidFill>
+                <a:latin typeface="+mj-lt"/>
+              </a:rPr>
+              <a:t> </a:t>
+            </a:r>
+            <a:r>
+              <a:rPr kumimoji="1" lang="en-US" altLang="zh-CN" sz="1200" dirty="0">
+                <a:solidFill>
+                  <a:schemeClr val="tx1">
+                    <a:lumMod val="50000"/>
+                    <a:lumOff val="50000"/>
+                  </a:schemeClr>
+                </a:solidFill>
+                <a:latin typeface="+mj-lt"/>
+              </a:rPr>
+              <a:t>(Filter</a:t>
+            </a:r>
+            <a:r>
+              <a:rPr kumimoji="1" lang="zh-CN" altLang="en-US" sz="1200" dirty="0">
+                <a:solidFill>
+                  <a:schemeClr val="tx1">
+                    <a:lumMod val="50000"/>
+                    <a:lumOff val="50000"/>
+                  </a:schemeClr>
+                </a:solidFill>
+                <a:latin typeface="+mj-lt"/>
+              </a:rPr>
+              <a:t> </a:t>
+            </a:r>
+            <a:r>
+              <a:rPr kumimoji="1" lang="en-US" altLang="zh-CN" sz="1200" dirty="0">
+                <a:solidFill>
+                  <a:schemeClr val="tx1">
+                    <a:lumMod val="50000"/>
+                    <a:lumOff val="50000"/>
+                  </a:schemeClr>
+                </a:solidFill>
+                <a:latin typeface="+mj-lt"/>
+              </a:rPr>
+              <a:t>Chain)</a:t>
+            </a:r>
+            <a:endParaRPr kumimoji="1" lang="zh-CN" altLang="en-US" sz="900" dirty="0">
+              <a:solidFill>
+                <a:schemeClr val="tx1">
+                  <a:lumMod val="50000"/>
+                  <a:lumOff val="50000"/>
+                </a:schemeClr>
+              </a:solidFill>
+              <a:latin typeface="+mj-lt"/>
+            </a:endParaRPr>
+          </a:p>
+        </p:txBody>
+      </p:sp>
+      <p:sp>
+        <p:nvSpPr>
+          <p:cNvPr id="76" name="圆角矩形 173">
+            <a:extLst>
+              <a:ext uri="{FF2B5EF4-FFF2-40B4-BE49-F238E27FC236}">
+                <a16:creationId xmlns:a16="http://schemas.microsoft.com/office/drawing/2014/main" id="{75A84478-61FF-7C44-82F4-7404572E94D2}"/>
+              </a:ext>
+            </a:extLst>
+          </p:cNvPr>
+          <p:cNvSpPr/>
+          <p:nvPr/>
+        </p:nvSpPr>
+        <p:spPr>
+          <a:xfrm>
+            <a:off x="5177424" y="2617889"/>
+            <a:ext cx="4978386" cy="2027192"/>
+          </a:xfrm>
+          <a:prstGeom prst="roundRect">
+            <a:avLst/>
+          </a:prstGeom>
+          <a:noFill/>
+          <a:ln>
+            <a:solidFill>
+              <a:schemeClr val="accent1">
+                <a:shade val="50000"/>
+                <a:alpha val="21000"/>
+              </a:schemeClr>
+            </a:solidFill>
+            <a:prstDash val="dash"/>
+          </a:ln>
+        </p:spPr>
+        <p:style>
+          <a:lnRef idx="2">
+            <a:schemeClr val="accent1">
+              <a:shade val="50000"/>
+            </a:schemeClr>
+          </a:lnRef>
+          <a:fillRef idx="1">
+            <a:schemeClr val="accent1"/>
+          </a:fillRef>
+          <a:effectRef idx="0">
+            <a:schemeClr val="accent1"/>
+          </a:effectRef>
+          <a:fontRef idx="minor">
+            <a:schemeClr val="lt1"/>
+          </a:fontRef>
+        </p:style>
+        <p:txBody>
+          <a:bodyPr rtlCol="0" anchor="ctr"/>
+          <a:lstStyle/>
+          <a:p>
+            <a:pPr algn="ctr"/>
+            <a:endParaRPr kumimoji="1" lang="en-US" altLang="zh-CN" sz="1200" dirty="0">
+              <a:ln w="0"/>
+              <a:solidFill>
+                <a:schemeClr val="tx1"/>
+              </a:solidFill>
+              <a:effectLst>
+                <a:outerShdw blurRad="38100" dist="19050" dir="2700000" algn="tl" rotWithShape="0">
+                  <a:schemeClr val="dk1">
+                    <a:alpha val="40000"/>
+                  </a:schemeClr>
+                </a:outerShdw>
+              </a:effectLst>
+            </a:endParaRPr>
+          </a:p>
+        </p:txBody>
+      </p:sp>
+      <p:sp>
+        <p:nvSpPr>
+          <p:cNvPr id="77" name="圆角矩形 173">
+            <a:extLst>
+              <a:ext uri="{FF2B5EF4-FFF2-40B4-BE49-F238E27FC236}">
+                <a16:creationId xmlns:a16="http://schemas.microsoft.com/office/drawing/2014/main" id="{F909F6C2-CF8F-F74C-8EC9-854CA48549C4}"/>
+              </a:ext>
+            </a:extLst>
+          </p:cNvPr>
+          <p:cNvSpPr/>
+          <p:nvPr/>
+        </p:nvSpPr>
+        <p:spPr>
+          <a:xfrm>
+            <a:off x="5476272" y="3550460"/>
+            <a:ext cx="1239456" cy="403838"/>
+          </a:xfrm>
+          <a:prstGeom prst="roundRect">
+            <a:avLst/>
+          </a:prstGeom>
+          <a:solidFill>
+            <a:schemeClr val="accent5">
+              <a:lumMod val="60000"/>
+              <a:lumOff val="40000"/>
+              <a:alpha val="15000"/>
+            </a:schemeClr>
+          </a:solidFill>
+          <a:ln>
+            <a:noFill/>
+          </a:ln>
+        </p:spPr>
+        <p:style>
+          <a:lnRef idx="2">
+            <a:schemeClr val="accent1">
+              <a:shade val="50000"/>
+            </a:schemeClr>
+          </a:lnRef>
+          <a:fillRef idx="1">
+            <a:schemeClr val="accent1"/>
+          </a:fillRef>
+          <a:effectRef idx="0">
+            <a:schemeClr val="accent1"/>
+          </a:effectRef>
+          <a:fontRef idx="minor">
+            <a:schemeClr val="lt1"/>
+          </a:fontRef>
+        </p:style>
+        <p:txBody>
+          <a:bodyPr rtlCol="0" anchor="ctr"/>
+          <a:lstStyle/>
+          <a:p>
+            <a:pPr algn="ctr"/>
+            <a:r>
+              <a:rPr kumimoji="1" lang="en-US" altLang="zh-CN" sz="1000" b="1" dirty="0">
+                <a:solidFill>
+                  <a:sysClr val="windowText" lastClr="000000"/>
+                </a:solidFill>
+                <a:latin typeface="+mn-ea"/>
+              </a:rPr>
+              <a:t>TimeLimiter</a:t>
+            </a:r>
+          </a:p>
+        </p:txBody>
+      </p:sp>
+      <p:sp>
+        <p:nvSpPr>
+          <p:cNvPr id="78" name="圆角矩形 173">
+            <a:extLst>
+              <a:ext uri="{FF2B5EF4-FFF2-40B4-BE49-F238E27FC236}">
+                <a16:creationId xmlns:a16="http://schemas.microsoft.com/office/drawing/2014/main" id="{9DC0090A-8B00-F14D-BB05-D9587A65A140}"/>
+              </a:ext>
+            </a:extLst>
+          </p:cNvPr>
+          <p:cNvSpPr/>
+          <p:nvPr/>
+        </p:nvSpPr>
+        <p:spPr>
+          <a:xfrm>
+            <a:off x="5476272" y="4121546"/>
+            <a:ext cx="1239456" cy="403838"/>
+          </a:xfrm>
+          <a:prstGeom prst="roundRect">
+            <a:avLst/>
+          </a:prstGeom>
+          <a:solidFill>
+            <a:schemeClr val="accent5">
+              <a:lumMod val="60000"/>
+              <a:lumOff val="40000"/>
+              <a:alpha val="15000"/>
+            </a:schemeClr>
+          </a:solidFill>
+          <a:ln>
+            <a:noFill/>
+          </a:ln>
+        </p:spPr>
+        <p:style>
+          <a:lnRef idx="2">
+            <a:schemeClr val="accent1">
+              <a:shade val="50000"/>
+            </a:schemeClr>
+          </a:lnRef>
+          <a:fillRef idx="1">
+            <a:schemeClr val="accent1"/>
+          </a:fillRef>
+          <a:effectRef idx="0">
+            <a:schemeClr val="accent1"/>
+          </a:effectRef>
+          <a:fontRef idx="minor">
+            <a:schemeClr val="lt1"/>
+          </a:fontRef>
+        </p:style>
+        <p:txBody>
+          <a:bodyPr rtlCol="0" anchor="ctr"/>
+          <a:lstStyle/>
+          <a:p>
+            <a:pPr algn="ctr"/>
+            <a:r>
+              <a:rPr kumimoji="1" lang="en-US" altLang="zh-CN" sz="900" b="1" dirty="0">
+                <a:solidFill>
+                  <a:sysClr val="windowText" lastClr="000000"/>
+                </a:solidFill>
+                <a:latin typeface="+mn-ea"/>
+              </a:rPr>
+              <a:t>ResponseAdaptor</a:t>
+            </a:r>
+          </a:p>
+        </p:txBody>
+      </p:sp>
+      <p:sp>
+        <p:nvSpPr>
+          <p:cNvPr id="79" name="圆角矩形 173">
+            <a:extLst>
+              <a:ext uri="{FF2B5EF4-FFF2-40B4-BE49-F238E27FC236}">
+                <a16:creationId xmlns:a16="http://schemas.microsoft.com/office/drawing/2014/main" id="{0897345A-5B51-7F40-9B66-B6784F96C684}"/>
+              </a:ext>
+            </a:extLst>
+          </p:cNvPr>
+          <p:cNvSpPr/>
+          <p:nvPr/>
+        </p:nvSpPr>
+        <p:spPr>
+          <a:xfrm>
+            <a:off x="7014575" y="2961531"/>
+            <a:ext cx="1239456" cy="403838"/>
+          </a:xfrm>
+          <a:prstGeom prst="roundRect">
+            <a:avLst/>
+          </a:prstGeom>
+          <a:solidFill>
+            <a:schemeClr val="accent5">
+              <a:lumMod val="60000"/>
+              <a:lumOff val="40000"/>
+              <a:alpha val="15000"/>
+            </a:schemeClr>
+          </a:solidFill>
+          <a:ln>
+            <a:noFill/>
+          </a:ln>
+        </p:spPr>
+        <p:style>
+          <a:lnRef idx="2">
+            <a:schemeClr val="accent1">
+              <a:shade val="50000"/>
+            </a:schemeClr>
+          </a:lnRef>
+          <a:fillRef idx="1">
+            <a:schemeClr val="accent1"/>
+          </a:fillRef>
+          <a:effectRef idx="0">
+            <a:schemeClr val="accent1"/>
+          </a:effectRef>
+          <a:fontRef idx="minor">
+            <a:schemeClr val="lt1"/>
+          </a:fontRef>
+        </p:style>
+        <p:txBody>
+          <a:bodyPr rtlCol="0" anchor="ctr"/>
+          <a:lstStyle/>
+          <a:p>
+            <a:pPr algn="ctr"/>
+            <a:r>
+              <a:rPr kumimoji="1" lang="en-US" altLang="zh-CN" sz="1000" b="1" dirty="0">
+                <a:solidFill>
+                  <a:sysClr val="windowText" lastClr="000000"/>
+                </a:solidFill>
+                <a:latin typeface="+mn-ea"/>
+              </a:rPr>
+              <a:t>RateLimiter</a:t>
+            </a:r>
+          </a:p>
+        </p:txBody>
+      </p:sp>
+      <p:sp>
+        <p:nvSpPr>
+          <p:cNvPr id="80" name="圆角矩形 173">
+            <a:extLst>
+              <a:ext uri="{FF2B5EF4-FFF2-40B4-BE49-F238E27FC236}">
+                <a16:creationId xmlns:a16="http://schemas.microsoft.com/office/drawing/2014/main" id="{413D3215-82C1-E742-8C04-0F6EB978F8C7}"/>
+              </a:ext>
+            </a:extLst>
+          </p:cNvPr>
+          <p:cNvSpPr/>
+          <p:nvPr/>
+        </p:nvSpPr>
+        <p:spPr>
+          <a:xfrm>
+            <a:off x="7014575" y="3550460"/>
+            <a:ext cx="1239456" cy="403838"/>
+          </a:xfrm>
+          <a:prstGeom prst="roundRect">
+            <a:avLst/>
+          </a:prstGeom>
+          <a:solidFill>
+            <a:schemeClr val="accent5">
+              <a:lumMod val="60000"/>
+              <a:lumOff val="40000"/>
+              <a:alpha val="15000"/>
+            </a:schemeClr>
+          </a:solidFill>
+          <a:ln>
+            <a:noFill/>
+          </a:ln>
+        </p:spPr>
+        <p:style>
+          <a:lnRef idx="2">
+            <a:schemeClr val="accent1">
+              <a:shade val="50000"/>
+            </a:schemeClr>
+          </a:lnRef>
+          <a:fillRef idx="1">
+            <a:schemeClr val="accent1"/>
+          </a:fillRef>
+          <a:effectRef idx="0">
+            <a:schemeClr val="accent1"/>
+          </a:effectRef>
+          <a:fontRef idx="minor">
+            <a:schemeClr val="lt1"/>
+          </a:fontRef>
+        </p:style>
+        <p:txBody>
+          <a:bodyPr rtlCol="0" anchor="ctr"/>
+          <a:lstStyle/>
+          <a:p>
+            <a:pPr algn="ctr"/>
+            <a:r>
+              <a:rPr kumimoji="1" lang="en-US" altLang="zh-CN" sz="1000" b="1" dirty="0">
+                <a:solidFill>
+                  <a:sysClr val="windowText" lastClr="000000"/>
+                </a:solidFill>
+                <a:latin typeface="+mn-ea"/>
+              </a:rPr>
+              <a:t>CircuitBreaker</a:t>
+            </a:r>
+          </a:p>
+        </p:txBody>
+      </p:sp>
+      <p:sp>
+        <p:nvSpPr>
+          <p:cNvPr id="81" name="圆角矩形 173">
+            <a:extLst>
+              <a:ext uri="{FF2B5EF4-FFF2-40B4-BE49-F238E27FC236}">
+                <a16:creationId xmlns:a16="http://schemas.microsoft.com/office/drawing/2014/main" id="{E97DA793-5A6A-EB4E-8524-A5AE69B93C93}"/>
+              </a:ext>
+            </a:extLst>
+          </p:cNvPr>
+          <p:cNvSpPr/>
+          <p:nvPr/>
+        </p:nvSpPr>
+        <p:spPr>
+          <a:xfrm>
+            <a:off x="7014575" y="4105042"/>
+            <a:ext cx="1239456" cy="403838"/>
+          </a:xfrm>
+          <a:prstGeom prst="roundRect">
+            <a:avLst/>
+          </a:prstGeom>
+          <a:solidFill>
+            <a:schemeClr val="accent5">
+              <a:lumMod val="60000"/>
+              <a:lumOff val="40000"/>
+              <a:alpha val="15000"/>
+            </a:schemeClr>
+          </a:solidFill>
+          <a:ln>
+            <a:noFill/>
+          </a:ln>
+        </p:spPr>
+        <p:style>
+          <a:lnRef idx="2">
+            <a:schemeClr val="accent1">
+              <a:shade val="50000"/>
+            </a:schemeClr>
+          </a:lnRef>
+          <a:fillRef idx="1">
+            <a:schemeClr val="accent1"/>
+          </a:fillRef>
+          <a:effectRef idx="0">
+            <a:schemeClr val="accent1"/>
+          </a:effectRef>
+          <a:fontRef idx="minor">
+            <a:schemeClr val="lt1"/>
+          </a:fontRef>
+        </p:style>
+        <p:txBody>
+          <a:bodyPr rtlCol="0" anchor="ctr"/>
+          <a:lstStyle/>
+          <a:p>
+            <a:pPr algn="ctr"/>
+            <a:r>
+              <a:rPr kumimoji="1" lang="en-US" altLang="zh-CN" sz="1000" b="1" dirty="0">
+                <a:solidFill>
+                  <a:sysClr val="windowText" lastClr="000000"/>
+                </a:solidFill>
+                <a:latin typeface="+mn-ea"/>
+              </a:rPr>
+              <a:t>CORSAdaptor</a:t>
+            </a:r>
+          </a:p>
+        </p:txBody>
+      </p:sp>
+      <p:sp>
+        <p:nvSpPr>
+          <p:cNvPr id="82" name="圆角矩形 173">
+            <a:extLst>
+              <a:ext uri="{FF2B5EF4-FFF2-40B4-BE49-F238E27FC236}">
+                <a16:creationId xmlns:a16="http://schemas.microsoft.com/office/drawing/2014/main" id="{3B3F1BA3-55DA-CB4E-88A9-B7EF03974154}"/>
+              </a:ext>
+            </a:extLst>
+          </p:cNvPr>
+          <p:cNvSpPr/>
+          <p:nvPr/>
+        </p:nvSpPr>
+        <p:spPr>
+          <a:xfrm>
+            <a:off x="8552878" y="2961531"/>
+            <a:ext cx="1239456" cy="403838"/>
+          </a:xfrm>
+          <a:prstGeom prst="roundRect">
+            <a:avLst/>
+          </a:prstGeom>
+          <a:solidFill>
+            <a:schemeClr val="accent5">
+              <a:lumMod val="60000"/>
+              <a:lumOff val="40000"/>
+              <a:alpha val="15000"/>
+            </a:schemeClr>
+          </a:solidFill>
+          <a:ln>
+            <a:noFill/>
+          </a:ln>
+        </p:spPr>
+        <p:style>
+          <a:lnRef idx="2">
+            <a:schemeClr val="accent1">
+              <a:shade val="50000"/>
+            </a:schemeClr>
+          </a:lnRef>
+          <a:fillRef idx="1">
+            <a:schemeClr val="accent1"/>
+          </a:fillRef>
+          <a:effectRef idx="0">
+            <a:schemeClr val="accent1"/>
+          </a:effectRef>
+          <a:fontRef idx="minor">
+            <a:schemeClr val="lt1"/>
+          </a:fontRef>
+        </p:style>
+        <p:txBody>
+          <a:bodyPr rtlCol="0" anchor="ctr"/>
+          <a:lstStyle/>
+          <a:p>
+            <a:pPr algn="ctr"/>
+            <a:r>
+              <a:rPr kumimoji="1" lang="en-US" altLang="zh-CN" sz="1000" b="1" dirty="0">
+                <a:solidFill>
+                  <a:sysClr val="windowText" lastClr="000000"/>
+                </a:solidFill>
+                <a:latin typeface="+mn-ea"/>
+              </a:rPr>
+              <a:t>Retryer</a:t>
+            </a:r>
+          </a:p>
+        </p:txBody>
+      </p:sp>
+      <p:sp>
+        <p:nvSpPr>
+          <p:cNvPr id="83" name="圆角矩形 173">
+            <a:extLst>
+              <a:ext uri="{FF2B5EF4-FFF2-40B4-BE49-F238E27FC236}">
+                <a16:creationId xmlns:a16="http://schemas.microsoft.com/office/drawing/2014/main" id="{5C189B50-BB2B-2C42-A806-59E69F91EEFB}"/>
+              </a:ext>
+            </a:extLst>
+          </p:cNvPr>
+          <p:cNvSpPr/>
+          <p:nvPr/>
+        </p:nvSpPr>
+        <p:spPr>
+          <a:xfrm>
+            <a:off x="8552878" y="3562862"/>
+            <a:ext cx="1239456" cy="403838"/>
+          </a:xfrm>
+          <a:prstGeom prst="roundRect">
+            <a:avLst/>
+          </a:prstGeom>
+          <a:solidFill>
+            <a:schemeClr val="accent5">
+              <a:lumMod val="60000"/>
+              <a:lumOff val="40000"/>
+              <a:alpha val="15000"/>
+            </a:schemeClr>
+          </a:solidFill>
+          <a:ln>
+            <a:noFill/>
+          </a:ln>
+        </p:spPr>
+        <p:style>
+          <a:lnRef idx="2">
+            <a:schemeClr val="accent1">
+              <a:shade val="50000"/>
+            </a:schemeClr>
+          </a:lnRef>
+          <a:fillRef idx="1">
+            <a:schemeClr val="accent1"/>
+          </a:fillRef>
+          <a:effectRef idx="0">
+            <a:schemeClr val="accent1"/>
+          </a:effectRef>
+          <a:fontRef idx="minor">
+            <a:schemeClr val="lt1"/>
+          </a:fontRef>
+        </p:style>
+        <p:txBody>
+          <a:bodyPr rtlCol="0" anchor="ctr"/>
+          <a:lstStyle/>
+          <a:p>
+            <a:pPr algn="ctr"/>
+            <a:r>
+              <a:rPr kumimoji="1" lang="en-US" altLang="zh-CN" sz="1000" b="1" dirty="0">
+                <a:solidFill>
+                  <a:sysClr val="windowText" lastClr="000000"/>
+                </a:solidFill>
+                <a:latin typeface="+mn-ea"/>
+              </a:rPr>
+              <a:t>Proxy</a:t>
+            </a:r>
+          </a:p>
+        </p:txBody>
+      </p:sp>
+      <p:sp>
+        <p:nvSpPr>
+          <p:cNvPr id="84" name="圆角矩形 173">
+            <a:extLst>
+              <a:ext uri="{FF2B5EF4-FFF2-40B4-BE49-F238E27FC236}">
+                <a16:creationId xmlns:a16="http://schemas.microsoft.com/office/drawing/2014/main" id="{7507BDCE-DF29-434A-89B0-F48C97FF79C0}"/>
+              </a:ext>
+            </a:extLst>
+          </p:cNvPr>
+          <p:cNvSpPr/>
+          <p:nvPr/>
+        </p:nvSpPr>
+        <p:spPr>
+          <a:xfrm>
+            <a:off x="8552878" y="4109356"/>
+            <a:ext cx="1239456" cy="403838"/>
+          </a:xfrm>
+          <a:prstGeom prst="roundRect">
+            <a:avLst/>
+          </a:prstGeom>
+          <a:solidFill>
+            <a:schemeClr val="accent5">
+              <a:lumMod val="60000"/>
+              <a:lumOff val="40000"/>
+              <a:alpha val="15000"/>
+            </a:schemeClr>
+          </a:solidFill>
+          <a:ln>
+            <a:noFill/>
+          </a:ln>
+        </p:spPr>
+        <p:style>
+          <a:lnRef idx="2">
+            <a:schemeClr val="accent1">
+              <a:shade val="50000"/>
+            </a:schemeClr>
+          </a:lnRef>
+          <a:fillRef idx="1">
+            <a:schemeClr val="accent1"/>
+          </a:fillRef>
+          <a:effectRef idx="0">
+            <a:schemeClr val="accent1"/>
+          </a:effectRef>
+          <a:fontRef idx="minor">
+            <a:schemeClr val="lt1"/>
+          </a:fontRef>
+        </p:style>
+        <p:txBody>
+          <a:bodyPr rtlCol="0" anchor="ctr"/>
+          <a:lstStyle/>
+          <a:p>
+            <a:pPr algn="ctr"/>
+            <a:r>
+              <a:rPr kumimoji="1" lang="en-US" altLang="zh-CN" sz="1000" b="1" dirty="0">
+                <a:solidFill>
+                  <a:sysClr val="windowText" lastClr="000000"/>
+                </a:solidFill>
+                <a:latin typeface="+mn-ea"/>
+              </a:rPr>
+              <a:t>APIAggregator</a:t>
+            </a:r>
+          </a:p>
+        </p:txBody>
+      </p:sp>
+      <p:sp>
+        <p:nvSpPr>
+          <p:cNvPr id="85" name="圆角矩形 173">
+            <a:extLst>
+              <a:ext uri="{FF2B5EF4-FFF2-40B4-BE49-F238E27FC236}">
+                <a16:creationId xmlns:a16="http://schemas.microsoft.com/office/drawing/2014/main" id="{9F41CF8F-F6A0-EC4B-A7BD-A9C60BCCBBD1}"/>
+              </a:ext>
+            </a:extLst>
+          </p:cNvPr>
+          <p:cNvSpPr/>
+          <p:nvPr/>
+        </p:nvSpPr>
+        <p:spPr>
+          <a:xfrm>
+            <a:off x="4059511" y="1736804"/>
+            <a:ext cx="925254" cy="1906025"/>
+          </a:xfrm>
+          <a:prstGeom prst="roundRect">
+            <a:avLst/>
+          </a:prstGeom>
+          <a:solidFill>
+            <a:srgbClr val="7030A0">
+              <a:alpha val="14000"/>
+            </a:srgbClr>
+          </a:solidFill>
+          <a:ln>
+            <a:noFill/>
+          </a:ln>
+        </p:spPr>
+        <p:style>
+          <a:lnRef idx="2">
+            <a:schemeClr val="accent1">
+              <a:shade val="50000"/>
+            </a:schemeClr>
+          </a:lnRef>
+          <a:fillRef idx="1">
+            <a:schemeClr val="accent1"/>
+          </a:fillRef>
+          <a:effectRef idx="0">
+            <a:schemeClr val="accent1"/>
+          </a:effectRef>
+          <a:fontRef idx="minor">
+            <a:schemeClr val="lt1"/>
+          </a:fontRef>
+        </p:style>
+        <p:txBody>
+          <a:bodyPr rtlCol="0" anchor="ctr"/>
+          <a:lstStyle/>
+          <a:p>
+            <a:pPr algn="ctr"/>
+            <a:r>
+              <a:rPr kumimoji="1" lang="en-US" altLang="zh-CN" sz="1100" dirty="0">
+                <a:ln w="0"/>
+                <a:solidFill>
+                  <a:schemeClr val="tx1"/>
+                </a:solidFill>
+                <a:effectLst>
+                  <a:outerShdw blurRad="38100" dist="19050" dir="2700000" algn="tl" rotWithShape="0">
+                    <a:schemeClr val="dk1">
+                      <a:alpha val="40000"/>
+                    </a:schemeClr>
+                  </a:outerShdw>
+                </a:effectLst>
+              </a:rPr>
+              <a:t>Business</a:t>
+            </a:r>
+            <a:br>
+              <a:rPr kumimoji="1" lang="en-US" altLang="zh-CN" sz="1100" dirty="0">
+                <a:ln w="0"/>
+                <a:solidFill>
+                  <a:schemeClr val="tx1"/>
+                </a:solidFill>
+                <a:effectLst>
+                  <a:outerShdw blurRad="38100" dist="19050" dir="2700000" algn="tl" rotWithShape="0">
+                    <a:schemeClr val="dk1">
+                      <a:alpha val="40000"/>
+                    </a:schemeClr>
+                  </a:outerShdw>
+                </a:effectLst>
+              </a:rPr>
+            </a:br>
+            <a:r>
+              <a:rPr kumimoji="1" lang="en-US" altLang="zh-CN" sz="1100" dirty="0">
+                <a:ln w="0"/>
+                <a:solidFill>
+                  <a:schemeClr val="tx1"/>
+                </a:solidFill>
+                <a:effectLst>
+                  <a:outerShdw blurRad="38100" dist="19050" dir="2700000" algn="tl" rotWithShape="0">
+                    <a:schemeClr val="dk1">
+                      <a:alpha val="40000"/>
+                    </a:schemeClr>
+                  </a:outerShdw>
+                </a:effectLst>
+              </a:rPr>
+              <a:t>Controller</a:t>
+            </a:r>
+          </a:p>
+        </p:txBody>
+      </p:sp>
+      <p:cxnSp>
+        <p:nvCxnSpPr>
+          <p:cNvPr id="86" name="直线箭头连接符 85">
+            <a:extLst>
+              <a:ext uri="{FF2B5EF4-FFF2-40B4-BE49-F238E27FC236}">
+                <a16:creationId xmlns:a16="http://schemas.microsoft.com/office/drawing/2014/main" id="{9E93BCA1-3D8B-3D4F-8496-771AC58F5588}"/>
+              </a:ext>
+            </a:extLst>
+          </p:cNvPr>
+          <p:cNvCxnSpPr>
+            <a:cxnSpLocks/>
+          </p:cNvCxnSpPr>
+          <p:nvPr/>
+        </p:nvCxnSpPr>
+        <p:spPr>
+          <a:xfrm flipH="1">
+            <a:off x="3238070" y="2711461"/>
+            <a:ext cx="717630" cy="0"/>
+          </a:xfrm>
+          <a:prstGeom prst="straightConnector1">
+            <a:avLst/>
+          </a:prstGeom>
+          <a:ln w="19050">
+            <a:solidFill>
+              <a:schemeClr val="accent1">
+                <a:alpha val="50253"/>
+              </a:schemeClr>
+            </a:solidFill>
+            <a:headEnd type="triangle"/>
+            <a:tailEnd type="triangle" w="med" len="med"/>
+          </a:ln>
+        </p:spPr>
+        <p:style>
+          <a:lnRef idx="1">
+            <a:schemeClr val="accent1"/>
+          </a:lnRef>
+          <a:fillRef idx="0">
+            <a:schemeClr val="accent1"/>
+          </a:fillRef>
+          <a:effectRef idx="0">
+            <a:schemeClr val="accent1"/>
+          </a:effectRef>
+          <a:fontRef idx="minor">
+            <a:schemeClr val="tx1"/>
+          </a:fontRef>
+        </p:style>
+      </p:cxnSp>
+      <p:sp>
+        <p:nvSpPr>
+          <p:cNvPr id="87" name="文本框 86">
+            <a:extLst>
+              <a:ext uri="{FF2B5EF4-FFF2-40B4-BE49-F238E27FC236}">
+                <a16:creationId xmlns:a16="http://schemas.microsoft.com/office/drawing/2014/main" id="{9CE5A190-3572-7746-80D7-8A99AC05D035}"/>
+              </a:ext>
+            </a:extLst>
+          </p:cNvPr>
+          <p:cNvSpPr txBox="1"/>
+          <p:nvPr/>
+        </p:nvSpPr>
+        <p:spPr>
+          <a:xfrm>
+            <a:off x="3177296" y="2350235"/>
+            <a:ext cx="893193" cy="276999"/>
+          </a:xfrm>
+          <a:prstGeom prst="rect">
+            <a:avLst/>
+          </a:prstGeom>
+          <a:noFill/>
+        </p:spPr>
+        <p:txBody>
+          <a:bodyPr wrap="none" rtlCol="0">
+            <a:spAutoFit/>
+          </a:bodyPr>
+          <a:lstStyle/>
+          <a:p>
+            <a:r>
+              <a:rPr kumimoji="1" lang="en-US" altLang="zh-CN" sz="1200" dirty="0">
+                <a:solidFill>
+                  <a:schemeClr val="tx1">
+                    <a:lumMod val="50000"/>
+                    <a:lumOff val="50000"/>
+                  </a:schemeClr>
+                </a:solidFill>
+                <a:latin typeface="+mj-lt"/>
+              </a:rPr>
+              <a:t>Sync</a:t>
+            </a:r>
+            <a:r>
+              <a:rPr kumimoji="1" lang="zh-CN" altLang="en-US" sz="1200" dirty="0">
+                <a:solidFill>
+                  <a:schemeClr val="tx1">
+                    <a:lumMod val="50000"/>
+                    <a:lumOff val="50000"/>
+                  </a:schemeClr>
+                </a:solidFill>
+                <a:latin typeface="+mj-lt"/>
+              </a:rPr>
+              <a:t> </a:t>
+            </a:r>
+            <a:r>
+              <a:rPr kumimoji="1" lang="en-US" altLang="zh-CN" sz="1200" dirty="0">
+                <a:solidFill>
+                  <a:schemeClr val="tx1">
+                    <a:lumMod val="50000"/>
+                    <a:lumOff val="50000"/>
+                  </a:schemeClr>
+                </a:solidFill>
+                <a:latin typeface="+mj-lt"/>
+              </a:rPr>
+              <a:t>Data</a:t>
+            </a:r>
+            <a:endParaRPr kumimoji="1" lang="zh-CN" altLang="en-US" sz="900" dirty="0">
+              <a:solidFill>
+                <a:schemeClr val="tx1">
+                  <a:lumMod val="50000"/>
+                  <a:lumOff val="50000"/>
+                </a:schemeClr>
+              </a:solidFill>
+              <a:latin typeface="+mj-lt"/>
+            </a:endParaRPr>
+          </a:p>
+        </p:txBody>
+      </p:sp>
+    </p:spTree>
+    <p:extLst>
+      <p:ext uri="{BB962C8B-B14F-4D97-AF65-F5344CB8AC3E}">
+        <p14:creationId xmlns:p14="http://schemas.microsoft.com/office/powerpoint/2010/main" val="405113830"/>
+      </p:ext>
+    </p:extLst>
+  </p:cSld>
+  <p:clrMapOvr>
+    <a:masterClrMapping/>
+  </p:clrMapOvr>
+</p:sld>
+</file>
+
 <file path=ppt/theme/theme1.xml><?xml version="1.0" encoding="utf-8"?>
 <a:theme xmlns:a="http://schemas.openxmlformats.org/drawingml/2006/main" name="Office 主题​​">
   <a:themeElements>

--- a/docs/architecture.pptx
+++ b/docs/architecture.pptx
@@ -5,10 +5,10 @@
     <p:sldMasterId id="2147483648" r:id="rId1"/>
   </p:sldMasterIdLst>
   <p:notesMasterIdLst>
-    <p:notesMasterId r:id="rId7"/>
+    <p:notesMasterId r:id="rId8"/>
   </p:notesMasterIdLst>
   <p:handoutMasterIdLst>
-    <p:handoutMasterId r:id="rId8"/>
+    <p:handoutMasterId r:id="rId9"/>
   </p:handoutMasterIdLst>
   <p:sldIdLst>
     <p:sldId id="256" r:id="rId2"/>
@@ -16,6 +16,7 @@
     <p:sldId id="258" r:id="rId4"/>
     <p:sldId id="260" r:id="rId5"/>
     <p:sldId id="259" r:id="rId6"/>
+    <p:sldId id="261" r:id="rId7"/>
   </p:sldIdLst>
   <p:sldSz cx="12192000" cy="6858000"/>
   <p:notesSz cx="6858000" cy="9144000"/>
@@ -242,7 +243,7 @@
           <a:p>
             <a:fld id="{80386BBC-71F7-C440-ACC3-F0F595527C6C}" type="datetimeFigureOut">
               <a:rPr kumimoji="1" lang="zh-CN" altLang="en-US" smtClean="0"/>
-              <a:t>2021/4/24</a:t>
+              <a:t>2021/4/27</a:t>
             </a:fld>
             <a:endParaRPr kumimoji="1" lang="zh-CN" altLang="en-US"/>
           </a:p>
@@ -419,7 +420,7 @@
           <a:p>
             <a:fld id="{044E383A-B265-4935-8168-671F3DE2F894}" type="datetimeFigureOut">
               <a:rPr lang="zh-CN" altLang="en-US" smtClean="0"/>
-              <a:t>2021/4/24</a:t>
+              <a:t>2021/4/27</a:t>
             </a:fld>
             <a:endParaRPr lang="zh-CN" altLang="en-US"/>
           </a:p>
@@ -1551,7 +1552,7 @@
           <a:p>
             <a:fld id="{BBAAF37F-568A-4C76-B0A5-177AFDC2BD4C}" type="datetimeFigureOut">
               <a:rPr lang="zh-CN" altLang="en-US" smtClean="0"/>
-              <a:t>2021/4/24</a:t>
+              <a:t>2021/4/27</a:t>
             </a:fld>
             <a:endParaRPr lang="zh-CN" altLang="en-US"/>
           </a:p>
@@ -19499,6 +19500,3604 @@
 </p:sld>
 </file>
 
+<file path=ppt/slides/slide6.xml><?xml version="1.0" encoding="utf-8"?>
+<p:sld xmlns:a="http://schemas.openxmlformats.org/drawingml/2006/main" xmlns:r="http://schemas.openxmlformats.org/officeDocument/2006/relationships" xmlns:p="http://schemas.openxmlformats.org/presentationml/2006/main">
+  <p:cSld>
+    <p:spTree>
+      <p:nvGrpSpPr>
+        <p:cNvPr id="1" name=""/>
+        <p:cNvGrpSpPr/>
+        <p:nvPr/>
+      </p:nvGrpSpPr>
+      <p:grpSpPr>
+        <a:xfrm>
+          <a:off x="0" y="0"/>
+          <a:ext cx="0" cy="0"/>
+          <a:chOff x="0" y="0"/>
+          <a:chExt cx="0" cy="0"/>
+        </a:xfrm>
+      </p:grpSpPr>
+      <p:sp>
+        <p:nvSpPr>
+          <p:cNvPr id="115" name="矩形 114">
+            <a:extLst>
+              <a:ext uri="{FF2B5EF4-FFF2-40B4-BE49-F238E27FC236}">
+                <a16:creationId xmlns:a16="http://schemas.microsoft.com/office/drawing/2014/main" id="{FF7BDACC-64F5-3348-8346-5530153CB683}"/>
+              </a:ext>
+            </a:extLst>
+          </p:cNvPr>
+          <p:cNvSpPr/>
+          <p:nvPr/>
+        </p:nvSpPr>
+        <p:spPr>
+          <a:xfrm>
+            <a:off x="1153481" y="-50267"/>
+            <a:ext cx="11038519" cy="6858000"/>
+          </a:xfrm>
+          <a:prstGeom prst="rect">
+            <a:avLst/>
+          </a:prstGeom>
+          <a:solidFill>
+            <a:schemeClr val="accent1">
+              <a:alpha val="5000"/>
+            </a:schemeClr>
+          </a:solidFill>
+          <a:ln>
+            <a:noFill/>
+          </a:ln>
+        </p:spPr>
+        <p:style>
+          <a:lnRef idx="2">
+            <a:schemeClr val="accent1">
+              <a:shade val="50000"/>
+            </a:schemeClr>
+          </a:lnRef>
+          <a:fillRef idx="1">
+            <a:schemeClr val="accent1"/>
+          </a:fillRef>
+          <a:effectRef idx="0">
+            <a:schemeClr val="accent1"/>
+          </a:effectRef>
+          <a:fontRef idx="minor">
+            <a:schemeClr val="lt1"/>
+          </a:fontRef>
+        </p:style>
+        <p:txBody>
+          <a:bodyPr rtlCol="0" anchor="ctr"/>
+          <a:lstStyle/>
+          <a:p>
+            <a:pPr algn="ctr"/>
+            <a:endParaRPr kumimoji="1" lang="zh-CN" altLang="en-US"/>
+          </a:p>
+        </p:txBody>
+      </p:sp>
+      <p:grpSp>
+        <p:nvGrpSpPr>
+          <p:cNvPr id="138" name="组合 137">
+            <a:extLst>
+              <a:ext uri="{FF2B5EF4-FFF2-40B4-BE49-F238E27FC236}">
+                <a16:creationId xmlns:a16="http://schemas.microsoft.com/office/drawing/2014/main" id="{5F356116-ACEB-8C4C-A98A-82BCA1B50EE7}"/>
+              </a:ext>
+            </a:extLst>
+          </p:cNvPr>
+          <p:cNvGrpSpPr/>
+          <p:nvPr/>
+        </p:nvGrpSpPr>
+        <p:grpSpPr>
+          <a:xfrm>
+            <a:off x="5412602" y="593235"/>
+            <a:ext cx="5795005" cy="4773712"/>
+            <a:chOff x="5224491" y="451229"/>
+            <a:chExt cx="5795005" cy="4773712"/>
+          </a:xfrm>
+        </p:grpSpPr>
+        <p:cxnSp>
+          <p:nvCxnSpPr>
+            <p:cNvPr id="148" name="直线箭头连接符 44">
+              <a:extLst>
+                <a:ext uri="{FF2B5EF4-FFF2-40B4-BE49-F238E27FC236}">
+                  <a16:creationId xmlns:a16="http://schemas.microsoft.com/office/drawing/2014/main" id="{0B7C3567-0355-184E-A853-7581D3E8AEC6}"/>
+                </a:ext>
+              </a:extLst>
+            </p:cNvPr>
+            <p:cNvCxnSpPr>
+              <a:cxnSpLocks/>
+              <a:stCxn id="155" idx="2"/>
+              <a:endCxn id="237" idx="3"/>
+            </p:cNvCxnSpPr>
+            <p:nvPr/>
+          </p:nvCxnSpPr>
+          <p:spPr>
+            <a:xfrm rot="16200000" flipH="1">
+              <a:off x="8185301" y="1750921"/>
+              <a:ext cx="500132" cy="645628"/>
+            </a:xfrm>
+            <a:prstGeom prst="bentConnector3">
+              <a:avLst>
+                <a:gd name="adj1" fmla="val 50000"/>
+              </a:avLst>
+            </a:prstGeom>
+            <a:ln>
+              <a:tailEnd type="triangle"/>
+            </a:ln>
+          </p:spPr>
+          <p:style>
+            <a:lnRef idx="1">
+              <a:schemeClr val="accent1"/>
+            </a:lnRef>
+            <a:fillRef idx="0">
+              <a:schemeClr val="accent1"/>
+            </a:fillRef>
+            <a:effectRef idx="0">
+              <a:schemeClr val="accent1"/>
+            </a:effectRef>
+            <a:fontRef idx="minor">
+              <a:schemeClr val="tx1"/>
+            </a:fontRef>
+          </p:style>
+        </p:cxnSp>
+        <p:grpSp>
+          <p:nvGrpSpPr>
+            <p:cNvPr id="149" name="Google Shape;11526;p68">
+              <a:extLst>
+                <a:ext uri="{FF2B5EF4-FFF2-40B4-BE49-F238E27FC236}">
+                  <a16:creationId xmlns:a16="http://schemas.microsoft.com/office/drawing/2014/main" id="{CE7EF993-BC44-4946-A61F-1D37BE5607CD}"/>
+                </a:ext>
+              </a:extLst>
+            </p:cNvPr>
+            <p:cNvGrpSpPr/>
+            <p:nvPr/>
+          </p:nvGrpSpPr>
+          <p:grpSpPr>
+            <a:xfrm>
+              <a:off x="8846042" y="451229"/>
+              <a:ext cx="599235" cy="546844"/>
+              <a:chOff x="1958520" y="2302574"/>
+              <a:chExt cx="359213" cy="327807"/>
+            </a:xfrm>
+            <a:solidFill>
+              <a:srgbClr val="E95429"/>
+            </a:solidFill>
+          </p:grpSpPr>
+          <p:sp>
+            <p:nvSpPr>
+              <p:cNvPr id="240" name="Google Shape;11527;p68">
+                <a:extLst>
+                  <a:ext uri="{FF2B5EF4-FFF2-40B4-BE49-F238E27FC236}">
+                    <a16:creationId xmlns:a16="http://schemas.microsoft.com/office/drawing/2014/main" id="{F8B6913E-8D24-B444-A6C0-D7417B888A83}"/>
+                  </a:ext>
+                </a:extLst>
+              </p:cNvPr>
+              <p:cNvSpPr/>
+              <p:nvPr/>
+            </p:nvSpPr>
+            <p:spPr>
+              <a:xfrm>
+                <a:off x="1958520" y="2302574"/>
+                <a:ext cx="359213" cy="327807"/>
+              </a:xfrm>
+              <a:custGeom>
+                <a:avLst/>
+                <a:gdLst/>
+                <a:ahLst/>
+                <a:cxnLst/>
+                <a:rect l="l" t="t" r="r" b="b"/>
+                <a:pathLst>
+                  <a:path w="11312" h="10323" extrusionOk="0">
+                    <a:moveTo>
+                      <a:pt x="7168" y="8132"/>
+                    </a:moveTo>
+                    <a:lnTo>
+                      <a:pt x="7501" y="9204"/>
+                    </a:lnTo>
+                    <a:lnTo>
+                      <a:pt x="3799" y="9204"/>
+                    </a:lnTo>
+                    <a:lnTo>
+                      <a:pt x="4120" y="8132"/>
+                    </a:lnTo>
+                    <a:close/>
+                    <a:moveTo>
+                      <a:pt x="8466" y="9537"/>
+                    </a:moveTo>
+                    <a:cubicBezTo>
+                      <a:pt x="8597" y="9537"/>
+                      <a:pt x="8704" y="9656"/>
+                      <a:pt x="8704" y="9775"/>
+                    </a:cubicBezTo>
+                    <a:cubicBezTo>
+                      <a:pt x="8704" y="9906"/>
+                      <a:pt x="8597" y="10013"/>
+                      <a:pt x="8466" y="10013"/>
+                    </a:cubicBezTo>
+                    <a:lnTo>
+                      <a:pt x="2810" y="10013"/>
+                    </a:lnTo>
+                    <a:cubicBezTo>
+                      <a:pt x="2679" y="10013"/>
+                      <a:pt x="2572" y="9906"/>
+                      <a:pt x="2572" y="9775"/>
+                    </a:cubicBezTo>
+                    <a:cubicBezTo>
+                      <a:pt x="2572" y="9644"/>
+                      <a:pt x="2679" y="9537"/>
+                      <a:pt x="2810" y="9537"/>
+                    </a:cubicBezTo>
+                    <a:close/>
+                    <a:moveTo>
+                      <a:pt x="1072" y="0"/>
+                    </a:moveTo>
+                    <a:cubicBezTo>
+                      <a:pt x="477" y="0"/>
+                      <a:pt x="0" y="476"/>
+                      <a:pt x="0" y="1072"/>
+                    </a:cubicBezTo>
+                    <a:lnTo>
+                      <a:pt x="0" y="7049"/>
+                    </a:lnTo>
+                    <a:cubicBezTo>
+                      <a:pt x="0" y="7644"/>
+                      <a:pt x="477" y="8120"/>
+                      <a:pt x="1072" y="8120"/>
+                    </a:cubicBezTo>
+                    <a:lnTo>
+                      <a:pt x="3763" y="8120"/>
+                    </a:lnTo>
+                    <a:lnTo>
+                      <a:pt x="3441" y="9192"/>
+                    </a:lnTo>
+                    <a:lnTo>
+                      <a:pt x="2822" y="9192"/>
+                    </a:lnTo>
+                    <a:cubicBezTo>
+                      <a:pt x="2513" y="9192"/>
+                      <a:pt x="2263" y="9442"/>
+                      <a:pt x="2263" y="9751"/>
+                    </a:cubicBezTo>
+                    <a:cubicBezTo>
+                      <a:pt x="2263" y="10073"/>
+                      <a:pt x="2513" y="10323"/>
+                      <a:pt x="2822" y="10323"/>
+                    </a:cubicBezTo>
+                    <a:lnTo>
+                      <a:pt x="8478" y="10323"/>
+                    </a:lnTo>
+                    <a:cubicBezTo>
+                      <a:pt x="8799" y="10323"/>
+                      <a:pt x="9049" y="10073"/>
+                      <a:pt x="9049" y="9751"/>
+                    </a:cubicBezTo>
+                    <a:cubicBezTo>
+                      <a:pt x="9049" y="9442"/>
+                      <a:pt x="8799" y="9192"/>
+                      <a:pt x="8478" y="9192"/>
+                    </a:cubicBezTo>
+                    <a:lnTo>
+                      <a:pt x="7870" y="9192"/>
+                    </a:lnTo>
+                    <a:lnTo>
+                      <a:pt x="7549" y="8120"/>
+                    </a:lnTo>
+                    <a:lnTo>
+                      <a:pt x="10240" y="8120"/>
+                    </a:lnTo>
+                    <a:cubicBezTo>
+                      <a:pt x="10835" y="8120"/>
+                      <a:pt x="11311" y="7644"/>
+                      <a:pt x="11311" y="7049"/>
+                    </a:cubicBezTo>
+                    <a:lnTo>
+                      <a:pt x="11311" y="1072"/>
+                    </a:lnTo>
+                    <a:cubicBezTo>
+                      <a:pt x="11299" y="488"/>
+                      <a:pt x="10823" y="0"/>
+                      <a:pt x="10228" y="0"/>
+                    </a:cubicBezTo>
+                    <a:lnTo>
+                      <a:pt x="2786" y="0"/>
+                    </a:lnTo>
+                    <a:cubicBezTo>
+                      <a:pt x="2691" y="0"/>
+                      <a:pt x="2620" y="72"/>
+                      <a:pt x="2620" y="155"/>
+                    </a:cubicBezTo>
+                    <a:cubicBezTo>
+                      <a:pt x="2620" y="250"/>
+                      <a:pt x="2691" y="322"/>
+                      <a:pt x="2786" y="322"/>
+                    </a:cubicBezTo>
+                    <a:lnTo>
+                      <a:pt x="10228" y="322"/>
+                    </a:lnTo>
+                    <a:cubicBezTo>
+                      <a:pt x="10621" y="322"/>
+                      <a:pt x="10966" y="655"/>
+                      <a:pt x="10966" y="1072"/>
+                    </a:cubicBezTo>
+                    <a:lnTo>
+                      <a:pt x="10966" y="7049"/>
+                    </a:lnTo>
+                    <a:cubicBezTo>
+                      <a:pt x="10966" y="7453"/>
+                      <a:pt x="10645" y="7799"/>
+                      <a:pt x="10228" y="7799"/>
+                    </a:cubicBezTo>
+                    <a:lnTo>
+                      <a:pt x="1072" y="7799"/>
+                    </a:lnTo>
+                    <a:cubicBezTo>
+                      <a:pt x="667" y="7799"/>
+                      <a:pt x="322" y="7465"/>
+                      <a:pt x="322" y="7049"/>
+                    </a:cubicBezTo>
+                    <a:lnTo>
+                      <a:pt x="322" y="1072"/>
+                    </a:lnTo>
+                    <a:cubicBezTo>
+                      <a:pt x="322" y="667"/>
+                      <a:pt x="655" y="322"/>
+                      <a:pt x="1072" y="322"/>
+                    </a:cubicBezTo>
+                    <a:lnTo>
+                      <a:pt x="2108" y="322"/>
+                    </a:lnTo>
+                    <a:cubicBezTo>
+                      <a:pt x="2203" y="322"/>
+                      <a:pt x="2275" y="250"/>
+                      <a:pt x="2275" y="155"/>
+                    </a:cubicBezTo>
+                    <a:cubicBezTo>
+                      <a:pt x="2275" y="72"/>
+                      <a:pt x="2203" y="0"/>
+                      <a:pt x="2108" y="0"/>
+                    </a:cubicBezTo>
+                    <a:close/>
+                  </a:path>
+                </a:pathLst>
+              </a:custGeom>
+              <a:grpFill/>
+              <a:ln w="3175">
+                <a:solidFill>
+                  <a:srgbClr val="E95429"/>
+                </a:solidFill>
+              </a:ln>
+            </p:spPr>
+            <p:style>
+              <a:lnRef idx="2">
+                <a:schemeClr val="accent5">
+                  <a:shade val="50000"/>
+                </a:schemeClr>
+              </a:lnRef>
+              <a:fillRef idx="1">
+                <a:schemeClr val="accent5"/>
+              </a:fillRef>
+              <a:effectRef idx="0">
+                <a:schemeClr val="accent5"/>
+              </a:effectRef>
+              <a:fontRef idx="minor">
+                <a:schemeClr val="lt1"/>
+              </a:fontRef>
+            </p:style>
+            <p:txBody>
+              <a:bodyPr spcFirstLastPara="1" wrap="square" lIns="91425" tIns="91425" rIns="91425" bIns="91425" anchor="ctr" anchorCtr="0">
+                <a:noAutofit/>
+              </a:bodyPr>
+              <a:lstStyle/>
+              <a:p>
+                <a:pPr marL="0" lvl="0" indent="0" algn="l" rtl="0">
+                  <a:spcBef>
+                    <a:spcPts val="0"/>
+                  </a:spcBef>
+                  <a:spcAft>
+                    <a:spcPts val="0"/>
+                  </a:spcAft>
+                  <a:buNone/>
+                </a:pPr>
+                <a:endParaRPr/>
+              </a:p>
+            </p:txBody>
+          </p:sp>
+          <p:sp>
+            <p:nvSpPr>
+              <p:cNvPr id="241" name="Google Shape;11528;p68">
+                <a:extLst>
+                  <a:ext uri="{FF2B5EF4-FFF2-40B4-BE49-F238E27FC236}">
+                    <a16:creationId xmlns:a16="http://schemas.microsoft.com/office/drawing/2014/main" id="{B496029A-9E51-4F40-B71C-F2C91FCC23A6}"/>
+                  </a:ext>
+                </a:extLst>
+              </p:cNvPr>
+              <p:cNvSpPr/>
+              <p:nvPr/>
+            </p:nvSpPr>
+            <p:spPr>
+              <a:xfrm>
+                <a:off x="1986877" y="2331313"/>
+                <a:ext cx="302117" cy="184909"/>
+              </a:xfrm>
+              <a:custGeom>
+                <a:avLst/>
+                <a:gdLst/>
+                <a:ahLst/>
+                <a:cxnLst/>
+                <a:rect l="l" t="t" r="r" b="b"/>
+                <a:pathLst>
+                  <a:path w="9514" h="5823" extrusionOk="0">
+                    <a:moveTo>
+                      <a:pt x="179" y="0"/>
+                    </a:moveTo>
+                    <a:cubicBezTo>
+                      <a:pt x="72" y="0"/>
+                      <a:pt x="0" y="71"/>
+                      <a:pt x="0" y="179"/>
+                    </a:cubicBezTo>
+                    <a:lnTo>
+                      <a:pt x="0" y="5656"/>
+                    </a:lnTo>
+                    <a:cubicBezTo>
+                      <a:pt x="0" y="5739"/>
+                      <a:pt x="72" y="5822"/>
+                      <a:pt x="167" y="5822"/>
+                    </a:cubicBezTo>
+                    <a:lnTo>
+                      <a:pt x="9347" y="5822"/>
+                    </a:lnTo>
+                    <a:cubicBezTo>
+                      <a:pt x="9430" y="5822"/>
+                      <a:pt x="9513" y="5739"/>
+                      <a:pt x="9513" y="5656"/>
+                    </a:cubicBezTo>
+                    <a:lnTo>
+                      <a:pt x="9513" y="5072"/>
+                    </a:lnTo>
+                    <a:cubicBezTo>
+                      <a:pt x="9513" y="4989"/>
+                      <a:pt x="9430" y="4905"/>
+                      <a:pt x="9347" y="4905"/>
+                    </a:cubicBezTo>
+                    <a:cubicBezTo>
+                      <a:pt x="9252" y="4905"/>
+                      <a:pt x="9180" y="4989"/>
+                      <a:pt x="9180" y="5072"/>
+                    </a:cubicBezTo>
+                    <a:lnTo>
+                      <a:pt x="9180" y="5489"/>
+                    </a:lnTo>
+                    <a:lnTo>
+                      <a:pt x="346" y="5489"/>
+                    </a:lnTo>
+                    <a:lnTo>
+                      <a:pt x="346" y="345"/>
+                    </a:lnTo>
+                    <a:lnTo>
+                      <a:pt x="9180" y="345"/>
+                    </a:lnTo>
+                    <a:lnTo>
+                      <a:pt x="9180" y="4405"/>
+                    </a:lnTo>
+                    <a:cubicBezTo>
+                      <a:pt x="9168" y="4489"/>
+                      <a:pt x="9240" y="4572"/>
+                      <a:pt x="9347" y="4572"/>
+                    </a:cubicBezTo>
+                    <a:cubicBezTo>
+                      <a:pt x="9430" y="4572"/>
+                      <a:pt x="9513" y="4489"/>
+                      <a:pt x="9513" y="4405"/>
+                    </a:cubicBezTo>
+                    <a:lnTo>
+                      <a:pt x="9513" y="179"/>
+                    </a:lnTo>
+                    <a:cubicBezTo>
+                      <a:pt x="9513" y="71"/>
+                      <a:pt x="9430" y="0"/>
+                      <a:pt x="9335" y="0"/>
+                    </a:cubicBezTo>
+                    <a:close/>
+                  </a:path>
+                </a:pathLst>
+              </a:custGeom>
+              <a:grpFill/>
+              <a:ln w="3175">
+                <a:solidFill>
+                  <a:srgbClr val="E95429"/>
+                </a:solidFill>
+              </a:ln>
+            </p:spPr>
+            <p:style>
+              <a:lnRef idx="2">
+                <a:schemeClr val="accent5">
+                  <a:shade val="50000"/>
+                </a:schemeClr>
+              </a:lnRef>
+              <a:fillRef idx="1">
+                <a:schemeClr val="accent5"/>
+              </a:fillRef>
+              <a:effectRef idx="0">
+                <a:schemeClr val="accent5"/>
+              </a:effectRef>
+              <a:fontRef idx="minor">
+                <a:schemeClr val="lt1"/>
+              </a:fontRef>
+            </p:style>
+            <p:txBody>
+              <a:bodyPr spcFirstLastPara="1" wrap="square" lIns="91425" tIns="91425" rIns="91425" bIns="91425" anchor="ctr" anchorCtr="0">
+                <a:noAutofit/>
+              </a:bodyPr>
+              <a:lstStyle/>
+              <a:p>
+                <a:pPr marL="0" lvl="0" indent="0" algn="l" rtl="0">
+                  <a:spcBef>
+                    <a:spcPts val="0"/>
+                  </a:spcBef>
+                  <a:spcAft>
+                    <a:spcPts val="0"/>
+                  </a:spcAft>
+                  <a:buNone/>
+                </a:pPr>
+                <a:endParaRPr/>
+              </a:p>
+            </p:txBody>
+          </p:sp>
+          <p:sp>
+            <p:nvSpPr>
+              <p:cNvPr id="242" name="Google Shape;11529;p68">
+                <a:extLst>
+                  <a:ext uri="{FF2B5EF4-FFF2-40B4-BE49-F238E27FC236}">
+                    <a16:creationId xmlns:a16="http://schemas.microsoft.com/office/drawing/2014/main" id="{4498D10C-EC3E-924A-A4E5-0EC99E8FB6A5}"/>
+                  </a:ext>
+                </a:extLst>
+              </p:cNvPr>
+              <p:cNvSpPr/>
+              <p:nvPr/>
+            </p:nvSpPr>
+            <p:spPr>
+              <a:xfrm>
+                <a:off x="2131521" y="2526701"/>
+                <a:ext cx="11908" cy="10638"/>
+              </a:xfrm>
+              <a:custGeom>
+                <a:avLst/>
+                <a:gdLst/>
+                <a:ahLst/>
+                <a:cxnLst/>
+                <a:rect l="l" t="t" r="r" b="b"/>
+                <a:pathLst>
+                  <a:path w="375" h="335" extrusionOk="0">
+                    <a:moveTo>
+                      <a:pt x="176" y="0"/>
+                    </a:moveTo>
+                    <a:cubicBezTo>
+                      <a:pt x="167" y="0"/>
+                      <a:pt x="158" y="1"/>
+                      <a:pt x="148" y="3"/>
+                    </a:cubicBezTo>
+                    <a:cubicBezTo>
+                      <a:pt x="77" y="26"/>
+                      <a:pt x="17" y="86"/>
+                      <a:pt x="17" y="157"/>
+                    </a:cubicBezTo>
+                    <a:cubicBezTo>
+                      <a:pt x="1" y="258"/>
+                      <a:pt x="95" y="334"/>
+                      <a:pt x="186" y="334"/>
+                    </a:cubicBezTo>
+                    <a:cubicBezTo>
+                      <a:pt x="225" y="334"/>
+                      <a:pt x="263" y="320"/>
+                      <a:pt x="291" y="288"/>
+                    </a:cubicBezTo>
+                    <a:cubicBezTo>
+                      <a:pt x="375" y="229"/>
+                      <a:pt x="375" y="145"/>
+                      <a:pt x="327" y="86"/>
+                    </a:cubicBezTo>
+                    <a:cubicBezTo>
+                      <a:pt x="296" y="34"/>
+                      <a:pt x="238" y="0"/>
+                      <a:pt x="176" y="0"/>
+                    </a:cubicBezTo>
+                    <a:close/>
+                  </a:path>
+                </a:pathLst>
+              </a:custGeom>
+              <a:grpFill/>
+              <a:ln w="3175">
+                <a:solidFill>
+                  <a:srgbClr val="E95429"/>
+                </a:solidFill>
+              </a:ln>
+            </p:spPr>
+            <p:style>
+              <a:lnRef idx="2">
+                <a:schemeClr val="accent5">
+                  <a:shade val="50000"/>
+                </a:schemeClr>
+              </a:lnRef>
+              <a:fillRef idx="1">
+                <a:schemeClr val="accent5"/>
+              </a:fillRef>
+              <a:effectRef idx="0">
+                <a:schemeClr val="accent5"/>
+              </a:effectRef>
+              <a:fontRef idx="minor">
+                <a:schemeClr val="lt1"/>
+              </a:fontRef>
+            </p:style>
+            <p:txBody>
+              <a:bodyPr spcFirstLastPara="1" wrap="square" lIns="91425" tIns="91425" rIns="91425" bIns="91425" anchor="ctr" anchorCtr="0">
+                <a:noAutofit/>
+              </a:bodyPr>
+              <a:lstStyle/>
+              <a:p>
+                <a:pPr marL="0" lvl="0" indent="0" algn="l" rtl="0">
+                  <a:spcBef>
+                    <a:spcPts val="0"/>
+                  </a:spcBef>
+                  <a:spcAft>
+                    <a:spcPts val="0"/>
+                  </a:spcAft>
+                  <a:buNone/>
+                </a:pPr>
+                <a:endParaRPr/>
+              </a:p>
+            </p:txBody>
+          </p:sp>
+        </p:grpSp>
+        <p:grpSp>
+          <p:nvGrpSpPr>
+            <p:cNvPr id="150" name="组合 149">
+              <a:extLst>
+                <a:ext uri="{FF2B5EF4-FFF2-40B4-BE49-F238E27FC236}">
+                  <a16:creationId xmlns:a16="http://schemas.microsoft.com/office/drawing/2014/main" id="{9FE24C2C-DA9F-BE42-AF88-6B1C12DFAE50}"/>
+                </a:ext>
+              </a:extLst>
+            </p:cNvPr>
+            <p:cNvGrpSpPr/>
+            <p:nvPr/>
+          </p:nvGrpSpPr>
+          <p:grpSpPr>
+            <a:xfrm>
+              <a:off x="7344000" y="2243123"/>
+              <a:ext cx="1636054" cy="779925"/>
+              <a:chOff x="6750426" y="1963272"/>
+              <a:chExt cx="1636054" cy="779925"/>
+            </a:xfrm>
+          </p:grpSpPr>
+          <p:sp>
+            <p:nvSpPr>
+              <p:cNvPr id="234" name="圆角矩形 233">
+                <a:extLst>
+                  <a:ext uri="{FF2B5EF4-FFF2-40B4-BE49-F238E27FC236}">
+                    <a16:creationId xmlns:a16="http://schemas.microsoft.com/office/drawing/2014/main" id="{8646DBFA-CB0F-AD42-BB48-9BAB3C3662EB}"/>
+                  </a:ext>
+                </a:extLst>
+              </p:cNvPr>
+              <p:cNvSpPr/>
+              <p:nvPr/>
+            </p:nvSpPr>
+            <p:spPr>
+              <a:xfrm>
+                <a:off x="6750426" y="1963272"/>
+                <a:ext cx="1636054" cy="779925"/>
+              </a:xfrm>
+              <a:prstGeom prst="roundRect">
+                <a:avLst>
+                  <a:gd name="adj" fmla="val 7143"/>
+                </a:avLst>
+              </a:prstGeom>
+              <a:noFill/>
+              <a:ln>
+                <a:prstDash val="dash"/>
+              </a:ln>
+            </p:spPr>
+            <p:style>
+              <a:lnRef idx="2">
+                <a:schemeClr val="accent1">
+                  <a:shade val="50000"/>
+                </a:schemeClr>
+              </a:lnRef>
+              <a:fillRef idx="1">
+                <a:schemeClr val="accent1"/>
+              </a:fillRef>
+              <a:effectRef idx="0">
+                <a:schemeClr val="accent1"/>
+              </a:effectRef>
+              <a:fontRef idx="minor">
+                <a:schemeClr val="lt1"/>
+              </a:fontRef>
+            </p:style>
+            <p:txBody>
+              <a:bodyPr rtlCol="0" anchor="ctr"/>
+              <a:lstStyle/>
+              <a:p>
+                <a:pPr algn="ctr"/>
+                <a:endParaRPr kumimoji="1" lang="zh-CN" altLang="en-US"/>
+              </a:p>
+            </p:txBody>
+          </p:sp>
+          <p:sp>
+            <p:nvSpPr>
+              <p:cNvPr id="235" name="圆角矩形 234">
+                <a:extLst>
+                  <a:ext uri="{FF2B5EF4-FFF2-40B4-BE49-F238E27FC236}">
+                    <a16:creationId xmlns:a16="http://schemas.microsoft.com/office/drawing/2014/main" id="{B1F3EA7E-84ED-3C42-8AA9-E6D2F8762534}"/>
+                  </a:ext>
+                </a:extLst>
+              </p:cNvPr>
+              <p:cNvSpPr/>
+              <p:nvPr/>
+            </p:nvSpPr>
+            <p:spPr>
+              <a:xfrm>
+                <a:off x="6817659" y="2043950"/>
+                <a:ext cx="1102659" cy="640975"/>
+              </a:xfrm>
+              <a:prstGeom prst="roundRect">
+                <a:avLst>
+                  <a:gd name="adj" fmla="val 6877"/>
+                </a:avLst>
+              </a:prstGeom>
+            </p:spPr>
+            <p:style>
+              <a:lnRef idx="2">
+                <a:schemeClr val="accent3"/>
+              </a:lnRef>
+              <a:fillRef idx="1">
+                <a:schemeClr val="lt1"/>
+              </a:fillRef>
+              <a:effectRef idx="0">
+                <a:schemeClr val="accent3"/>
+              </a:effectRef>
+              <a:fontRef idx="minor">
+                <a:schemeClr val="dk1"/>
+              </a:fontRef>
+            </p:style>
+            <p:txBody>
+              <a:bodyPr tIns="36000" rtlCol="0" anchor="t"/>
+              <a:lstStyle/>
+              <a:p>
+                <a:pPr algn="ctr"/>
+                <a:r>
+                  <a:rPr kumimoji="1" lang="en-US" altLang="zh-CN" sz="1050" dirty="0"/>
+                  <a:t>Web</a:t>
+                </a:r>
+                <a:r>
+                  <a:rPr kumimoji="1" lang="zh-CN" altLang="en-US" sz="1050" dirty="0"/>
+                  <a:t> </a:t>
+                </a:r>
+                <a:r>
+                  <a:rPr kumimoji="1" lang="en-US" altLang="zh-CN" sz="1050" dirty="0"/>
+                  <a:t>UI</a:t>
+                </a:r>
+              </a:p>
+              <a:p>
+                <a:pPr algn="ctr"/>
+                <a:r>
+                  <a:rPr kumimoji="1" lang="en-US" altLang="zh-CN" sz="1050" dirty="0"/>
+                  <a:t>API</a:t>
+                </a:r>
+                <a:r>
+                  <a:rPr kumimoji="1" lang="zh-CN" altLang="en-US" sz="1050" dirty="0"/>
+                  <a:t> </a:t>
+                </a:r>
+                <a:r>
+                  <a:rPr kumimoji="1" lang="en-US" altLang="zh-CN" sz="1050" dirty="0"/>
+                  <a:t>Gateway</a:t>
+                </a:r>
+                <a:endParaRPr kumimoji="1" lang="zh-CN" altLang="en-US" sz="1050" dirty="0"/>
+              </a:p>
+            </p:txBody>
+          </p:sp>
+          <p:sp>
+            <p:nvSpPr>
+              <p:cNvPr id="236" name="圆角矩形 235">
+                <a:extLst>
+                  <a:ext uri="{FF2B5EF4-FFF2-40B4-BE49-F238E27FC236}">
+                    <a16:creationId xmlns:a16="http://schemas.microsoft.com/office/drawing/2014/main" id="{BDBC95BA-D8E9-7D46-9311-AE53691B966C}"/>
+                  </a:ext>
+                </a:extLst>
+              </p:cNvPr>
+              <p:cNvSpPr/>
+              <p:nvPr/>
+            </p:nvSpPr>
+            <p:spPr>
+              <a:xfrm>
+                <a:off x="6817659" y="2433913"/>
+                <a:ext cx="1102659" cy="251012"/>
+              </a:xfrm>
+              <a:prstGeom prst="roundRect">
+                <a:avLst/>
+              </a:prstGeom>
+            </p:spPr>
+            <p:style>
+              <a:lnRef idx="2">
+                <a:schemeClr val="accent1">
+                  <a:shade val="50000"/>
+                </a:schemeClr>
+              </a:lnRef>
+              <a:fillRef idx="1">
+                <a:schemeClr val="accent1"/>
+              </a:fillRef>
+              <a:effectRef idx="0">
+                <a:schemeClr val="accent1"/>
+              </a:effectRef>
+              <a:fontRef idx="minor">
+                <a:schemeClr val="lt1"/>
+              </a:fontRef>
+            </p:style>
+            <p:txBody>
+              <a:bodyPr rtlCol="0" anchor="ctr"/>
+              <a:lstStyle/>
+              <a:p>
+                <a:pPr algn="ctr"/>
+                <a:r>
+                  <a:rPr kumimoji="1" lang="en-US" altLang="zh-CN" sz="1100" b="1" dirty="0"/>
+                  <a:t>JavaAgent</a:t>
+                </a:r>
+                <a:endParaRPr kumimoji="1" lang="zh-CN" altLang="en-US" sz="1100" b="1" dirty="0"/>
+              </a:p>
+            </p:txBody>
+          </p:sp>
+          <p:sp>
+            <p:nvSpPr>
+              <p:cNvPr id="237" name="圆角矩形 236">
+                <a:extLst>
+                  <a:ext uri="{FF2B5EF4-FFF2-40B4-BE49-F238E27FC236}">
+                    <a16:creationId xmlns:a16="http://schemas.microsoft.com/office/drawing/2014/main" id="{100F0DBE-8104-0242-B688-347F8919350C}"/>
+                  </a:ext>
+                </a:extLst>
+              </p:cNvPr>
+              <p:cNvSpPr/>
+              <p:nvPr/>
+            </p:nvSpPr>
+            <p:spPr>
+              <a:xfrm rot="16200000">
+                <a:off x="7844119" y="2227431"/>
+                <a:ext cx="640975" cy="274013"/>
+              </a:xfrm>
+              <a:prstGeom prst="roundRect">
+                <a:avLst/>
+              </a:prstGeom>
+            </p:spPr>
+            <p:style>
+              <a:lnRef idx="2">
+                <a:schemeClr val="accent1">
+                  <a:shade val="50000"/>
+                </a:schemeClr>
+              </a:lnRef>
+              <a:fillRef idx="1">
+                <a:schemeClr val="accent1"/>
+              </a:fillRef>
+              <a:effectRef idx="0">
+                <a:schemeClr val="accent1"/>
+              </a:effectRef>
+              <a:fontRef idx="minor">
+                <a:schemeClr val="lt1"/>
+              </a:fontRef>
+            </p:style>
+            <p:txBody>
+              <a:bodyPr lIns="0" rIns="0" rtlCol="0" anchor="ctr"/>
+              <a:lstStyle/>
+              <a:p>
+                <a:pPr algn="ctr"/>
+                <a:r>
+                  <a:rPr kumimoji="1" lang="en-US" altLang="zh-CN" sz="1100" b="1" dirty="0"/>
+                  <a:t>Side</a:t>
+                </a:r>
+                <a:r>
+                  <a:rPr kumimoji="1" lang="zh-CN" altLang="en-US" sz="1100" b="1" dirty="0"/>
+                  <a:t> </a:t>
+                </a:r>
+                <a:r>
+                  <a:rPr kumimoji="1" lang="en-US" altLang="zh-CN" sz="1100" b="1" dirty="0"/>
+                  <a:t>Car</a:t>
+                </a:r>
+                <a:endParaRPr kumimoji="1" lang="zh-CN" altLang="en-US" sz="1100" b="1" dirty="0"/>
+              </a:p>
+            </p:txBody>
+          </p:sp>
+          <p:cxnSp>
+            <p:nvCxnSpPr>
+              <p:cNvPr id="238" name="直线箭头连接符 237">
+                <a:extLst>
+                  <a:ext uri="{FF2B5EF4-FFF2-40B4-BE49-F238E27FC236}">
+                    <a16:creationId xmlns:a16="http://schemas.microsoft.com/office/drawing/2014/main" id="{ABE9EFB4-9E85-CB46-8467-5778DCCA294F}"/>
+                  </a:ext>
+                </a:extLst>
+              </p:cNvPr>
+              <p:cNvCxnSpPr>
+                <a:cxnSpLocks/>
+              </p:cNvCxnSpPr>
+              <p:nvPr/>
+            </p:nvCxnSpPr>
+            <p:spPr>
+              <a:xfrm>
+                <a:off x="7920318" y="2213264"/>
+                <a:ext cx="107282" cy="0"/>
+              </a:xfrm>
+              <a:prstGeom prst="straightConnector1">
+                <a:avLst/>
+              </a:prstGeom>
+              <a:ln>
+                <a:headEnd type="none" w="sm" len="med"/>
+                <a:tailEnd type="triangle" w="sm" len="med"/>
+              </a:ln>
+            </p:spPr>
+            <p:style>
+              <a:lnRef idx="1">
+                <a:schemeClr val="accent1"/>
+              </a:lnRef>
+              <a:fillRef idx="0">
+                <a:schemeClr val="accent1"/>
+              </a:fillRef>
+              <a:effectRef idx="0">
+                <a:schemeClr val="accent1"/>
+              </a:effectRef>
+              <a:fontRef idx="minor">
+                <a:schemeClr val="tx1"/>
+              </a:fontRef>
+            </p:style>
+          </p:cxnSp>
+          <p:cxnSp>
+            <p:nvCxnSpPr>
+              <p:cNvPr id="239" name="直线箭头连接符 238">
+                <a:extLst>
+                  <a:ext uri="{FF2B5EF4-FFF2-40B4-BE49-F238E27FC236}">
+                    <a16:creationId xmlns:a16="http://schemas.microsoft.com/office/drawing/2014/main" id="{0361D9F0-2267-514E-8640-A7784DB234E8}"/>
+                  </a:ext>
+                </a:extLst>
+              </p:cNvPr>
+              <p:cNvCxnSpPr>
+                <a:cxnSpLocks/>
+                <a:stCxn id="237" idx="0"/>
+                <a:endCxn id="235" idx="3"/>
+              </p:cNvCxnSpPr>
+              <p:nvPr/>
+            </p:nvCxnSpPr>
+            <p:spPr>
+              <a:xfrm flipH="1">
+                <a:off x="7920318" y="2364437"/>
+                <a:ext cx="107282" cy="1"/>
+              </a:xfrm>
+              <a:prstGeom prst="straightConnector1">
+                <a:avLst/>
+              </a:prstGeom>
+              <a:ln>
+                <a:headEnd type="none" w="sm" len="med"/>
+                <a:tailEnd type="triangle" w="sm" len="med"/>
+              </a:ln>
+            </p:spPr>
+            <p:style>
+              <a:lnRef idx="1">
+                <a:schemeClr val="accent1"/>
+              </a:lnRef>
+              <a:fillRef idx="0">
+                <a:schemeClr val="accent1"/>
+              </a:fillRef>
+              <a:effectRef idx="0">
+                <a:schemeClr val="accent1"/>
+              </a:effectRef>
+              <a:fontRef idx="minor">
+                <a:schemeClr val="tx1"/>
+              </a:fontRef>
+            </p:style>
+          </p:cxnSp>
+        </p:grpSp>
+        <p:grpSp>
+          <p:nvGrpSpPr>
+            <p:cNvPr id="151" name="组合 150">
+              <a:extLst>
+                <a:ext uri="{FF2B5EF4-FFF2-40B4-BE49-F238E27FC236}">
+                  <a16:creationId xmlns:a16="http://schemas.microsoft.com/office/drawing/2014/main" id="{0FE69785-862A-0D46-B634-3F9021CCF8EF}"/>
+                </a:ext>
+              </a:extLst>
+            </p:cNvPr>
+            <p:cNvGrpSpPr/>
+            <p:nvPr/>
+          </p:nvGrpSpPr>
+          <p:grpSpPr>
+            <a:xfrm>
+              <a:off x="9383442" y="3513919"/>
+              <a:ext cx="1636054" cy="779925"/>
+              <a:chOff x="6750426" y="1963272"/>
+              <a:chExt cx="1636054" cy="779925"/>
+            </a:xfrm>
+          </p:grpSpPr>
+          <p:sp>
+            <p:nvSpPr>
+              <p:cNvPr id="227" name="圆角矩形 226">
+                <a:extLst>
+                  <a:ext uri="{FF2B5EF4-FFF2-40B4-BE49-F238E27FC236}">
+                    <a16:creationId xmlns:a16="http://schemas.microsoft.com/office/drawing/2014/main" id="{CD7C03CE-9FDD-784A-8C7A-D837E5526CA1}"/>
+                  </a:ext>
+                </a:extLst>
+              </p:cNvPr>
+              <p:cNvSpPr/>
+              <p:nvPr/>
+            </p:nvSpPr>
+            <p:spPr>
+              <a:xfrm>
+                <a:off x="6750426" y="1963272"/>
+                <a:ext cx="1636054" cy="779925"/>
+              </a:xfrm>
+              <a:prstGeom prst="roundRect">
+                <a:avLst>
+                  <a:gd name="adj" fmla="val 7143"/>
+                </a:avLst>
+              </a:prstGeom>
+              <a:noFill/>
+              <a:ln>
+                <a:prstDash val="dash"/>
+              </a:ln>
+            </p:spPr>
+            <p:style>
+              <a:lnRef idx="2">
+                <a:schemeClr val="accent1">
+                  <a:shade val="50000"/>
+                </a:schemeClr>
+              </a:lnRef>
+              <a:fillRef idx="1">
+                <a:schemeClr val="accent1"/>
+              </a:fillRef>
+              <a:effectRef idx="0">
+                <a:schemeClr val="accent1"/>
+              </a:effectRef>
+              <a:fontRef idx="minor">
+                <a:schemeClr val="lt1"/>
+              </a:fontRef>
+            </p:style>
+            <p:txBody>
+              <a:bodyPr rtlCol="0" anchor="ctr"/>
+              <a:lstStyle/>
+              <a:p>
+                <a:pPr algn="ctr"/>
+                <a:endParaRPr kumimoji="1" lang="zh-CN" altLang="en-US"/>
+              </a:p>
+            </p:txBody>
+          </p:sp>
+          <p:sp>
+            <p:nvSpPr>
+              <p:cNvPr id="229" name="圆角矩形 228">
+                <a:extLst>
+                  <a:ext uri="{FF2B5EF4-FFF2-40B4-BE49-F238E27FC236}">
+                    <a16:creationId xmlns:a16="http://schemas.microsoft.com/office/drawing/2014/main" id="{7DB26055-DE5E-6E46-90AB-F6DDEB069641}"/>
+                  </a:ext>
+                </a:extLst>
+              </p:cNvPr>
+              <p:cNvSpPr/>
+              <p:nvPr/>
+            </p:nvSpPr>
+            <p:spPr>
+              <a:xfrm>
+                <a:off x="6817659" y="2043950"/>
+                <a:ext cx="1102659" cy="640975"/>
+              </a:xfrm>
+              <a:prstGeom prst="roundRect">
+                <a:avLst>
+                  <a:gd name="adj" fmla="val 6877"/>
+                </a:avLst>
+              </a:prstGeom>
+            </p:spPr>
+            <p:style>
+              <a:lnRef idx="2">
+                <a:schemeClr val="accent3"/>
+              </a:lnRef>
+              <a:fillRef idx="1">
+                <a:schemeClr val="lt1"/>
+              </a:fillRef>
+              <a:effectRef idx="0">
+                <a:schemeClr val="accent3"/>
+              </a:effectRef>
+              <a:fontRef idx="minor">
+                <a:schemeClr val="dk1"/>
+              </a:fontRef>
+            </p:style>
+            <p:txBody>
+              <a:bodyPr tIns="36000" rtlCol="0" anchor="t"/>
+              <a:lstStyle/>
+              <a:p>
+                <a:pPr algn="ctr"/>
+                <a:r>
+                  <a:rPr kumimoji="1" lang="en-US" altLang="zh-CN" sz="1050" dirty="0"/>
+                  <a:t>Customer</a:t>
+                </a:r>
+              </a:p>
+              <a:p>
+                <a:pPr algn="ctr"/>
+                <a:r>
+                  <a:rPr kumimoji="1" lang="en-US" altLang="zh-CN" sz="1050" dirty="0"/>
+                  <a:t>Service</a:t>
+                </a:r>
+                <a:r>
+                  <a:rPr kumimoji="1" lang="zh-CN" altLang="en-US" sz="1050" dirty="0"/>
+                  <a:t> </a:t>
+                </a:r>
+                <a:r>
+                  <a:rPr kumimoji="1" lang="en-US" altLang="zh-CN" sz="1050" dirty="0"/>
+                  <a:t>(v1)</a:t>
+                </a:r>
+                <a:endParaRPr kumimoji="1" lang="zh-CN" altLang="en-US" sz="1050" dirty="0"/>
+              </a:p>
+            </p:txBody>
+          </p:sp>
+          <p:sp>
+            <p:nvSpPr>
+              <p:cNvPr id="230" name="圆角矩形 229">
+                <a:extLst>
+                  <a:ext uri="{FF2B5EF4-FFF2-40B4-BE49-F238E27FC236}">
+                    <a16:creationId xmlns:a16="http://schemas.microsoft.com/office/drawing/2014/main" id="{B360C216-9469-C041-BFB0-CDCCB8090D37}"/>
+                  </a:ext>
+                </a:extLst>
+              </p:cNvPr>
+              <p:cNvSpPr/>
+              <p:nvPr/>
+            </p:nvSpPr>
+            <p:spPr>
+              <a:xfrm>
+                <a:off x="6817659" y="2433913"/>
+                <a:ext cx="1102659" cy="251012"/>
+              </a:xfrm>
+              <a:prstGeom prst="roundRect">
+                <a:avLst/>
+              </a:prstGeom>
+            </p:spPr>
+            <p:style>
+              <a:lnRef idx="2">
+                <a:schemeClr val="accent1">
+                  <a:shade val="50000"/>
+                </a:schemeClr>
+              </a:lnRef>
+              <a:fillRef idx="1">
+                <a:schemeClr val="accent1"/>
+              </a:fillRef>
+              <a:effectRef idx="0">
+                <a:schemeClr val="accent1"/>
+              </a:effectRef>
+              <a:fontRef idx="minor">
+                <a:schemeClr val="lt1"/>
+              </a:fontRef>
+            </p:style>
+            <p:txBody>
+              <a:bodyPr rtlCol="0" anchor="ctr"/>
+              <a:lstStyle/>
+              <a:p>
+                <a:pPr algn="ctr"/>
+                <a:r>
+                  <a:rPr kumimoji="1" lang="en-US" altLang="zh-CN" sz="1100" b="1" dirty="0"/>
+                  <a:t>JavaAgent</a:t>
+                </a:r>
+                <a:endParaRPr kumimoji="1" lang="zh-CN" altLang="en-US" sz="1100" b="1" dirty="0"/>
+              </a:p>
+            </p:txBody>
+          </p:sp>
+          <p:sp>
+            <p:nvSpPr>
+              <p:cNvPr id="231" name="圆角矩形 230">
+                <a:extLst>
+                  <a:ext uri="{FF2B5EF4-FFF2-40B4-BE49-F238E27FC236}">
+                    <a16:creationId xmlns:a16="http://schemas.microsoft.com/office/drawing/2014/main" id="{8A59BAFC-FCA4-FA4B-A789-0F536D02661B}"/>
+                  </a:ext>
+                </a:extLst>
+              </p:cNvPr>
+              <p:cNvSpPr/>
+              <p:nvPr/>
+            </p:nvSpPr>
+            <p:spPr>
+              <a:xfrm rot="16200000">
+                <a:off x="7844119" y="2227431"/>
+                <a:ext cx="640975" cy="274013"/>
+              </a:xfrm>
+              <a:prstGeom prst="roundRect">
+                <a:avLst/>
+              </a:prstGeom>
+            </p:spPr>
+            <p:style>
+              <a:lnRef idx="2">
+                <a:schemeClr val="accent1">
+                  <a:shade val="50000"/>
+                </a:schemeClr>
+              </a:lnRef>
+              <a:fillRef idx="1">
+                <a:schemeClr val="accent1"/>
+              </a:fillRef>
+              <a:effectRef idx="0">
+                <a:schemeClr val="accent1"/>
+              </a:effectRef>
+              <a:fontRef idx="minor">
+                <a:schemeClr val="lt1"/>
+              </a:fontRef>
+            </p:style>
+            <p:txBody>
+              <a:bodyPr lIns="0" rIns="0" rtlCol="0" anchor="ctr"/>
+              <a:lstStyle/>
+              <a:p>
+                <a:pPr algn="ctr"/>
+                <a:r>
+                  <a:rPr kumimoji="1" lang="en-US" altLang="zh-CN" sz="1100" b="1" dirty="0"/>
+                  <a:t>Side</a:t>
+                </a:r>
+                <a:r>
+                  <a:rPr kumimoji="1" lang="zh-CN" altLang="en-US" sz="1100" b="1" dirty="0"/>
+                  <a:t> </a:t>
+                </a:r>
+                <a:r>
+                  <a:rPr kumimoji="1" lang="en-US" altLang="zh-CN" sz="1100" b="1" dirty="0"/>
+                  <a:t>Car</a:t>
+                </a:r>
+                <a:endParaRPr kumimoji="1" lang="zh-CN" altLang="en-US" sz="1100" b="1" dirty="0"/>
+              </a:p>
+            </p:txBody>
+          </p:sp>
+          <p:cxnSp>
+            <p:nvCxnSpPr>
+              <p:cNvPr id="232" name="直线箭头连接符 231">
+                <a:extLst>
+                  <a:ext uri="{FF2B5EF4-FFF2-40B4-BE49-F238E27FC236}">
+                    <a16:creationId xmlns:a16="http://schemas.microsoft.com/office/drawing/2014/main" id="{F78099F8-C804-6449-8145-6D3215325045}"/>
+                  </a:ext>
+                </a:extLst>
+              </p:cNvPr>
+              <p:cNvCxnSpPr>
+                <a:cxnSpLocks/>
+              </p:cNvCxnSpPr>
+              <p:nvPr/>
+            </p:nvCxnSpPr>
+            <p:spPr>
+              <a:xfrm>
+                <a:off x="7920318" y="2213264"/>
+                <a:ext cx="107282" cy="0"/>
+              </a:xfrm>
+              <a:prstGeom prst="straightConnector1">
+                <a:avLst/>
+              </a:prstGeom>
+              <a:ln>
+                <a:headEnd type="none" w="sm" len="med"/>
+                <a:tailEnd type="triangle" w="sm" len="med"/>
+              </a:ln>
+            </p:spPr>
+            <p:style>
+              <a:lnRef idx="1">
+                <a:schemeClr val="accent1"/>
+              </a:lnRef>
+              <a:fillRef idx="0">
+                <a:schemeClr val="accent1"/>
+              </a:fillRef>
+              <a:effectRef idx="0">
+                <a:schemeClr val="accent1"/>
+              </a:effectRef>
+              <a:fontRef idx="minor">
+                <a:schemeClr val="tx1"/>
+              </a:fontRef>
+            </p:style>
+          </p:cxnSp>
+          <p:cxnSp>
+            <p:nvCxnSpPr>
+              <p:cNvPr id="233" name="直线箭头连接符 232">
+                <a:extLst>
+                  <a:ext uri="{FF2B5EF4-FFF2-40B4-BE49-F238E27FC236}">
+                    <a16:creationId xmlns:a16="http://schemas.microsoft.com/office/drawing/2014/main" id="{86D4ECF7-4B69-BC43-92C4-4390C418BFCF}"/>
+                  </a:ext>
+                </a:extLst>
+              </p:cNvPr>
+              <p:cNvCxnSpPr>
+                <a:cxnSpLocks/>
+                <a:stCxn id="231" idx="0"/>
+                <a:endCxn id="229" idx="3"/>
+              </p:cNvCxnSpPr>
+              <p:nvPr/>
+            </p:nvCxnSpPr>
+            <p:spPr>
+              <a:xfrm flipH="1">
+                <a:off x="7920318" y="2364437"/>
+                <a:ext cx="107282" cy="1"/>
+              </a:xfrm>
+              <a:prstGeom prst="straightConnector1">
+                <a:avLst/>
+              </a:prstGeom>
+              <a:ln>
+                <a:headEnd type="none" w="sm" len="med"/>
+                <a:tailEnd type="triangle" w="sm" len="med"/>
+              </a:ln>
+            </p:spPr>
+            <p:style>
+              <a:lnRef idx="1">
+                <a:schemeClr val="accent1"/>
+              </a:lnRef>
+              <a:fillRef idx="0">
+                <a:schemeClr val="accent1"/>
+              </a:fillRef>
+              <a:effectRef idx="0">
+                <a:schemeClr val="accent1"/>
+              </a:effectRef>
+              <a:fontRef idx="minor">
+                <a:schemeClr val="tx1"/>
+              </a:fontRef>
+            </p:style>
+          </p:cxnSp>
+        </p:grpSp>
+        <p:grpSp>
+          <p:nvGrpSpPr>
+            <p:cNvPr id="152" name="组合 151">
+              <a:extLst>
+                <a:ext uri="{FF2B5EF4-FFF2-40B4-BE49-F238E27FC236}">
+                  <a16:creationId xmlns:a16="http://schemas.microsoft.com/office/drawing/2014/main" id="{E80DFEEE-0B02-E24B-8232-FE968CC9B27A}"/>
+                </a:ext>
+              </a:extLst>
+            </p:cNvPr>
+            <p:cNvGrpSpPr/>
+            <p:nvPr/>
+          </p:nvGrpSpPr>
+          <p:grpSpPr>
+            <a:xfrm>
+              <a:off x="5224491" y="3493246"/>
+              <a:ext cx="1636054" cy="779925"/>
+              <a:chOff x="6750426" y="1963272"/>
+              <a:chExt cx="1636054" cy="779925"/>
+            </a:xfrm>
+          </p:grpSpPr>
+          <p:sp>
+            <p:nvSpPr>
+              <p:cNvPr id="220" name="圆角矩形 219">
+                <a:extLst>
+                  <a:ext uri="{FF2B5EF4-FFF2-40B4-BE49-F238E27FC236}">
+                    <a16:creationId xmlns:a16="http://schemas.microsoft.com/office/drawing/2014/main" id="{B36F19CD-273B-3B47-AAD0-31A9708BC897}"/>
+                  </a:ext>
+                </a:extLst>
+              </p:cNvPr>
+              <p:cNvSpPr/>
+              <p:nvPr/>
+            </p:nvSpPr>
+            <p:spPr>
+              <a:xfrm>
+                <a:off x="6750426" y="1963272"/>
+                <a:ext cx="1636054" cy="779925"/>
+              </a:xfrm>
+              <a:prstGeom prst="roundRect">
+                <a:avLst>
+                  <a:gd name="adj" fmla="val 7143"/>
+                </a:avLst>
+              </a:prstGeom>
+              <a:noFill/>
+              <a:ln>
+                <a:prstDash val="dash"/>
+              </a:ln>
+            </p:spPr>
+            <p:style>
+              <a:lnRef idx="2">
+                <a:schemeClr val="accent1">
+                  <a:shade val="50000"/>
+                </a:schemeClr>
+              </a:lnRef>
+              <a:fillRef idx="1">
+                <a:schemeClr val="accent1"/>
+              </a:fillRef>
+              <a:effectRef idx="0">
+                <a:schemeClr val="accent1"/>
+              </a:effectRef>
+              <a:fontRef idx="minor">
+                <a:schemeClr val="lt1"/>
+              </a:fontRef>
+            </p:style>
+            <p:txBody>
+              <a:bodyPr rtlCol="0" anchor="ctr"/>
+              <a:lstStyle/>
+              <a:p>
+                <a:pPr algn="ctr"/>
+                <a:endParaRPr kumimoji="1" lang="zh-CN" altLang="en-US"/>
+              </a:p>
+            </p:txBody>
+          </p:sp>
+          <p:sp>
+            <p:nvSpPr>
+              <p:cNvPr id="221" name="圆角矩形 220">
+                <a:extLst>
+                  <a:ext uri="{FF2B5EF4-FFF2-40B4-BE49-F238E27FC236}">
+                    <a16:creationId xmlns:a16="http://schemas.microsoft.com/office/drawing/2014/main" id="{E76CCCAF-C159-CA4D-B62D-6896B05DA551}"/>
+                  </a:ext>
+                </a:extLst>
+              </p:cNvPr>
+              <p:cNvSpPr/>
+              <p:nvPr/>
+            </p:nvSpPr>
+            <p:spPr>
+              <a:xfrm>
+                <a:off x="6817659" y="2043950"/>
+                <a:ext cx="1102659" cy="640975"/>
+              </a:xfrm>
+              <a:prstGeom prst="roundRect">
+                <a:avLst>
+                  <a:gd name="adj" fmla="val 6877"/>
+                </a:avLst>
+              </a:prstGeom>
+            </p:spPr>
+            <p:style>
+              <a:lnRef idx="2">
+                <a:schemeClr val="accent3"/>
+              </a:lnRef>
+              <a:fillRef idx="1">
+                <a:schemeClr val="lt1"/>
+              </a:fillRef>
+              <a:effectRef idx="0">
+                <a:schemeClr val="accent3"/>
+              </a:effectRef>
+              <a:fontRef idx="minor">
+                <a:schemeClr val="dk1"/>
+              </a:fontRef>
+            </p:style>
+            <p:txBody>
+              <a:bodyPr tIns="36000" rtlCol="0" anchor="t"/>
+              <a:lstStyle/>
+              <a:p>
+                <a:pPr algn="ctr"/>
+                <a:r>
+                  <a:rPr kumimoji="1" lang="en-US" altLang="zh-CN" sz="1050" dirty="0"/>
+                  <a:t>Visits</a:t>
+                </a:r>
+              </a:p>
+              <a:p>
+                <a:pPr algn="ctr"/>
+                <a:r>
+                  <a:rPr kumimoji="1" lang="en-US" altLang="zh-CN" sz="1050" dirty="0"/>
+                  <a:t>Service</a:t>
+                </a:r>
+                <a:endParaRPr kumimoji="1" lang="zh-CN" altLang="en-US" sz="1050" dirty="0"/>
+              </a:p>
+            </p:txBody>
+          </p:sp>
+          <p:sp>
+            <p:nvSpPr>
+              <p:cNvPr id="222" name="圆角矩形 221">
+                <a:extLst>
+                  <a:ext uri="{FF2B5EF4-FFF2-40B4-BE49-F238E27FC236}">
+                    <a16:creationId xmlns:a16="http://schemas.microsoft.com/office/drawing/2014/main" id="{5CFB684B-29C3-694D-A149-7325F35492CA}"/>
+                  </a:ext>
+                </a:extLst>
+              </p:cNvPr>
+              <p:cNvSpPr/>
+              <p:nvPr/>
+            </p:nvSpPr>
+            <p:spPr>
+              <a:xfrm>
+                <a:off x="6817659" y="2433913"/>
+                <a:ext cx="1102659" cy="251012"/>
+              </a:xfrm>
+              <a:prstGeom prst="roundRect">
+                <a:avLst/>
+              </a:prstGeom>
+            </p:spPr>
+            <p:style>
+              <a:lnRef idx="2">
+                <a:schemeClr val="accent1">
+                  <a:shade val="50000"/>
+                </a:schemeClr>
+              </a:lnRef>
+              <a:fillRef idx="1">
+                <a:schemeClr val="accent1"/>
+              </a:fillRef>
+              <a:effectRef idx="0">
+                <a:schemeClr val="accent1"/>
+              </a:effectRef>
+              <a:fontRef idx="minor">
+                <a:schemeClr val="lt1"/>
+              </a:fontRef>
+            </p:style>
+            <p:txBody>
+              <a:bodyPr rtlCol="0" anchor="ctr"/>
+              <a:lstStyle/>
+              <a:p>
+                <a:pPr algn="ctr"/>
+                <a:r>
+                  <a:rPr kumimoji="1" lang="en-US" altLang="zh-CN" sz="1100" b="1" dirty="0"/>
+                  <a:t>JavaAgent</a:t>
+                </a:r>
+                <a:endParaRPr kumimoji="1" lang="zh-CN" altLang="en-US" sz="1100" b="1" dirty="0"/>
+              </a:p>
+            </p:txBody>
+          </p:sp>
+          <p:sp>
+            <p:nvSpPr>
+              <p:cNvPr id="223" name="圆角矩形 222">
+                <a:extLst>
+                  <a:ext uri="{FF2B5EF4-FFF2-40B4-BE49-F238E27FC236}">
+                    <a16:creationId xmlns:a16="http://schemas.microsoft.com/office/drawing/2014/main" id="{782C9FE7-080A-FD41-9338-F6CC04F0EFD0}"/>
+                  </a:ext>
+                </a:extLst>
+              </p:cNvPr>
+              <p:cNvSpPr/>
+              <p:nvPr/>
+            </p:nvSpPr>
+            <p:spPr>
+              <a:xfrm rot="16200000">
+                <a:off x="7844119" y="2227431"/>
+                <a:ext cx="640975" cy="274013"/>
+              </a:xfrm>
+              <a:prstGeom prst="roundRect">
+                <a:avLst/>
+              </a:prstGeom>
+            </p:spPr>
+            <p:style>
+              <a:lnRef idx="2">
+                <a:schemeClr val="accent1">
+                  <a:shade val="50000"/>
+                </a:schemeClr>
+              </a:lnRef>
+              <a:fillRef idx="1">
+                <a:schemeClr val="accent1"/>
+              </a:fillRef>
+              <a:effectRef idx="0">
+                <a:schemeClr val="accent1"/>
+              </a:effectRef>
+              <a:fontRef idx="minor">
+                <a:schemeClr val="lt1"/>
+              </a:fontRef>
+            </p:style>
+            <p:txBody>
+              <a:bodyPr lIns="0" rIns="0" rtlCol="0" anchor="ctr"/>
+              <a:lstStyle/>
+              <a:p>
+                <a:pPr algn="ctr"/>
+                <a:r>
+                  <a:rPr kumimoji="1" lang="en-US" altLang="zh-CN" sz="1100" b="1" dirty="0"/>
+                  <a:t>Side</a:t>
+                </a:r>
+                <a:r>
+                  <a:rPr kumimoji="1" lang="zh-CN" altLang="en-US" sz="1100" b="1" dirty="0"/>
+                  <a:t> </a:t>
+                </a:r>
+                <a:r>
+                  <a:rPr kumimoji="1" lang="en-US" altLang="zh-CN" sz="1100" b="1" dirty="0"/>
+                  <a:t>Car</a:t>
+                </a:r>
+                <a:endParaRPr kumimoji="1" lang="zh-CN" altLang="en-US" sz="1100" b="1" dirty="0"/>
+              </a:p>
+            </p:txBody>
+          </p:sp>
+          <p:cxnSp>
+            <p:nvCxnSpPr>
+              <p:cNvPr id="224" name="直线箭头连接符 223">
+                <a:extLst>
+                  <a:ext uri="{FF2B5EF4-FFF2-40B4-BE49-F238E27FC236}">
+                    <a16:creationId xmlns:a16="http://schemas.microsoft.com/office/drawing/2014/main" id="{53CDA6EA-36DE-4F41-B715-B11909F107CF}"/>
+                  </a:ext>
+                </a:extLst>
+              </p:cNvPr>
+              <p:cNvCxnSpPr>
+                <a:cxnSpLocks/>
+              </p:cNvCxnSpPr>
+              <p:nvPr/>
+            </p:nvCxnSpPr>
+            <p:spPr>
+              <a:xfrm>
+                <a:off x="7920318" y="2213264"/>
+                <a:ext cx="107282" cy="0"/>
+              </a:xfrm>
+              <a:prstGeom prst="straightConnector1">
+                <a:avLst/>
+              </a:prstGeom>
+              <a:ln>
+                <a:headEnd type="none" w="sm" len="med"/>
+                <a:tailEnd type="triangle" w="sm" len="med"/>
+              </a:ln>
+            </p:spPr>
+            <p:style>
+              <a:lnRef idx="1">
+                <a:schemeClr val="accent1"/>
+              </a:lnRef>
+              <a:fillRef idx="0">
+                <a:schemeClr val="accent1"/>
+              </a:fillRef>
+              <a:effectRef idx="0">
+                <a:schemeClr val="accent1"/>
+              </a:effectRef>
+              <a:fontRef idx="minor">
+                <a:schemeClr val="tx1"/>
+              </a:fontRef>
+            </p:style>
+          </p:cxnSp>
+          <p:cxnSp>
+            <p:nvCxnSpPr>
+              <p:cNvPr id="226" name="直线箭头连接符 225">
+                <a:extLst>
+                  <a:ext uri="{FF2B5EF4-FFF2-40B4-BE49-F238E27FC236}">
+                    <a16:creationId xmlns:a16="http://schemas.microsoft.com/office/drawing/2014/main" id="{A71DCE54-2986-1A47-9B7C-2AA3C71B891E}"/>
+                  </a:ext>
+                </a:extLst>
+              </p:cNvPr>
+              <p:cNvCxnSpPr>
+                <a:cxnSpLocks/>
+                <a:stCxn id="223" idx="0"/>
+                <a:endCxn id="221" idx="3"/>
+              </p:cNvCxnSpPr>
+              <p:nvPr/>
+            </p:nvCxnSpPr>
+            <p:spPr>
+              <a:xfrm flipH="1">
+                <a:off x="7920318" y="2364437"/>
+                <a:ext cx="107282" cy="1"/>
+              </a:xfrm>
+              <a:prstGeom prst="straightConnector1">
+                <a:avLst/>
+              </a:prstGeom>
+              <a:ln>
+                <a:headEnd type="none" w="sm" len="med"/>
+                <a:tailEnd type="triangle" w="sm" len="med"/>
+              </a:ln>
+            </p:spPr>
+            <p:style>
+              <a:lnRef idx="1">
+                <a:schemeClr val="accent1"/>
+              </a:lnRef>
+              <a:fillRef idx="0">
+                <a:schemeClr val="accent1"/>
+              </a:fillRef>
+              <a:effectRef idx="0">
+                <a:schemeClr val="accent1"/>
+              </a:effectRef>
+              <a:fontRef idx="minor">
+                <a:schemeClr val="tx1"/>
+              </a:fontRef>
+            </p:style>
+          </p:cxnSp>
+        </p:grpSp>
+        <p:grpSp>
+          <p:nvGrpSpPr>
+            <p:cNvPr id="153" name="组合 152">
+              <a:extLst>
+                <a:ext uri="{FF2B5EF4-FFF2-40B4-BE49-F238E27FC236}">
+                  <a16:creationId xmlns:a16="http://schemas.microsoft.com/office/drawing/2014/main" id="{89CD5C63-9190-2247-A710-C1E670F7B6CE}"/>
+                </a:ext>
+              </a:extLst>
+            </p:cNvPr>
+            <p:cNvGrpSpPr/>
+            <p:nvPr/>
+          </p:nvGrpSpPr>
+          <p:grpSpPr>
+            <a:xfrm>
+              <a:off x="7344000" y="3513920"/>
+              <a:ext cx="1636054" cy="779925"/>
+              <a:chOff x="6750426" y="1963272"/>
+              <a:chExt cx="1636054" cy="779925"/>
+            </a:xfrm>
+          </p:grpSpPr>
+          <p:sp>
+            <p:nvSpPr>
+              <p:cNvPr id="213" name="圆角矩形 212">
+                <a:extLst>
+                  <a:ext uri="{FF2B5EF4-FFF2-40B4-BE49-F238E27FC236}">
+                    <a16:creationId xmlns:a16="http://schemas.microsoft.com/office/drawing/2014/main" id="{B9BDE067-7B1D-A545-8F81-45373FB75F7B}"/>
+                  </a:ext>
+                </a:extLst>
+              </p:cNvPr>
+              <p:cNvSpPr/>
+              <p:nvPr/>
+            </p:nvSpPr>
+            <p:spPr>
+              <a:xfrm>
+                <a:off x="6750426" y="1963272"/>
+                <a:ext cx="1636054" cy="779925"/>
+              </a:xfrm>
+              <a:prstGeom prst="roundRect">
+                <a:avLst>
+                  <a:gd name="adj" fmla="val 7143"/>
+                </a:avLst>
+              </a:prstGeom>
+              <a:noFill/>
+              <a:ln>
+                <a:prstDash val="dash"/>
+              </a:ln>
+            </p:spPr>
+            <p:style>
+              <a:lnRef idx="2">
+                <a:schemeClr val="accent1">
+                  <a:shade val="50000"/>
+                </a:schemeClr>
+              </a:lnRef>
+              <a:fillRef idx="1">
+                <a:schemeClr val="accent1"/>
+              </a:fillRef>
+              <a:effectRef idx="0">
+                <a:schemeClr val="accent1"/>
+              </a:effectRef>
+              <a:fontRef idx="minor">
+                <a:schemeClr val="lt1"/>
+              </a:fontRef>
+            </p:style>
+            <p:txBody>
+              <a:bodyPr rtlCol="0" anchor="ctr"/>
+              <a:lstStyle/>
+              <a:p>
+                <a:pPr algn="ctr"/>
+                <a:endParaRPr kumimoji="1" lang="zh-CN" altLang="en-US"/>
+              </a:p>
+            </p:txBody>
+          </p:sp>
+          <p:sp>
+            <p:nvSpPr>
+              <p:cNvPr id="214" name="圆角矩形 213">
+                <a:extLst>
+                  <a:ext uri="{FF2B5EF4-FFF2-40B4-BE49-F238E27FC236}">
+                    <a16:creationId xmlns:a16="http://schemas.microsoft.com/office/drawing/2014/main" id="{EEE825B4-EACF-3943-95C6-4344D40EC393}"/>
+                  </a:ext>
+                </a:extLst>
+              </p:cNvPr>
+              <p:cNvSpPr/>
+              <p:nvPr/>
+            </p:nvSpPr>
+            <p:spPr>
+              <a:xfrm>
+                <a:off x="6817659" y="2043950"/>
+                <a:ext cx="1102659" cy="640975"/>
+              </a:xfrm>
+              <a:prstGeom prst="roundRect">
+                <a:avLst>
+                  <a:gd name="adj" fmla="val 6877"/>
+                </a:avLst>
+              </a:prstGeom>
+            </p:spPr>
+            <p:style>
+              <a:lnRef idx="2">
+                <a:schemeClr val="accent3"/>
+              </a:lnRef>
+              <a:fillRef idx="1">
+                <a:schemeClr val="lt1"/>
+              </a:fillRef>
+              <a:effectRef idx="0">
+                <a:schemeClr val="accent3"/>
+              </a:effectRef>
+              <a:fontRef idx="minor">
+                <a:schemeClr val="dk1"/>
+              </a:fontRef>
+            </p:style>
+            <p:txBody>
+              <a:bodyPr tIns="36000" rtlCol="0" anchor="t"/>
+              <a:lstStyle/>
+              <a:p>
+                <a:pPr algn="ctr"/>
+                <a:r>
+                  <a:rPr kumimoji="1" lang="en-US" altLang="zh-CN" sz="1050" dirty="0"/>
+                  <a:t>Vets</a:t>
+                </a:r>
+              </a:p>
+              <a:p>
+                <a:pPr algn="ctr"/>
+                <a:r>
+                  <a:rPr kumimoji="1" lang="en-US" altLang="zh-CN" sz="1050" dirty="0"/>
+                  <a:t>Service</a:t>
+                </a:r>
+                <a:endParaRPr kumimoji="1" lang="zh-CN" altLang="en-US" sz="1050" dirty="0"/>
+              </a:p>
+            </p:txBody>
+          </p:sp>
+          <p:sp>
+            <p:nvSpPr>
+              <p:cNvPr id="215" name="圆角矩形 214">
+                <a:extLst>
+                  <a:ext uri="{FF2B5EF4-FFF2-40B4-BE49-F238E27FC236}">
+                    <a16:creationId xmlns:a16="http://schemas.microsoft.com/office/drawing/2014/main" id="{3CBC313F-D376-0A4D-87CA-D8E48232727F}"/>
+                  </a:ext>
+                </a:extLst>
+              </p:cNvPr>
+              <p:cNvSpPr/>
+              <p:nvPr/>
+            </p:nvSpPr>
+            <p:spPr>
+              <a:xfrm>
+                <a:off x="6817659" y="2433913"/>
+                <a:ext cx="1102659" cy="251012"/>
+              </a:xfrm>
+              <a:prstGeom prst="roundRect">
+                <a:avLst/>
+              </a:prstGeom>
+            </p:spPr>
+            <p:style>
+              <a:lnRef idx="2">
+                <a:schemeClr val="accent1">
+                  <a:shade val="50000"/>
+                </a:schemeClr>
+              </a:lnRef>
+              <a:fillRef idx="1">
+                <a:schemeClr val="accent1"/>
+              </a:fillRef>
+              <a:effectRef idx="0">
+                <a:schemeClr val="accent1"/>
+              </a:effectRef>
+              <a:fontRef idx="minor">
+                <a:schemeClr val="lt1"/>
+              </a:fontRef>
+            </p:style>
+            <p:txBody>
+              <a:bodyPr rtlCol="0" anchor="ctr"/>
+              <a:lstStyle/>
+              <a:p>
+                <a:pPr algn="ctr"/>
+                <a:r>
+                  <a:rPr kumimoji="1" lang="en-US" altLang="zh-CN" sz="1100" b="1" dirty="0"/>
+                  <a:t>JavaAgent</a:t>
+                </a:r>
+                <a:endParaRPr kumimoji="1" lang="zh-CN" altLang="en-US" sz="1100" b="1" dirty="0"/>
+              </a:p>
+            </p:txBody>
+          </p:sp>
+          <p:sp>
+            <p:nvSpPr>
+              <p:cNvPr id="216" name="圆角矩形 215">
+                <a:extLst>
+                  <a:ext uri="{FF2B5EF4-FFF2-40B4-BE49-F238E27FC236}">
+                    <a16:creationId xmlns:a16="http://schemas.microsoft.com/office/drawing/2014/main" id="{312D8950-9C2B-2D44-B255-140BABA498C0}"/>
+                  </a:ext>
+                </a:extLst>
+              </p:cNvPr>
+              <p:cNvSpPr/>
+              <p:nvPr/>
+            </p:nvSpPr>
+            <p:spPr>
+              <a:xfrm rot="16200000">
+                <a:off x="7844119" y="2227431"/>
+                <a:ext cx="640975" cy="274013"/>
+              </a:xfrm>
+              <a:prstGeom prst="roundRect">
+                <a:avLst/>
+              </a:prstGeom>
+            </p:spPr>
+            <p:style>
+              <a:lnRef idx="2">
+                <a:schemeClr val="accent1">
+                  <a:shade val="50000"/>
+                </a:schemeClr>
+              </a:lnRef>
+              <a:fillRef idx="1">
+                <a:schemeClr val="accent1"/>
+              </a:fillRef>
+              <a:effectRef idx="0">
+                <a:schemeClr val="accent1"/>
+              </a:effectRef>
+              <a:fontRef idx="minor">
+                <a:schemeClr val="lt1"/>
+              </a:fontRef>
+            </p:style>
+            <p:txBody>
+              <a:bodyPr lIns="0" rIns="0" rtlCol="0" anchor="ctr"/>
+              <a:lstStyle/>
+              <a:p>
+                <a:pPr algn="ctr"/>
+                <a:r>
+                  <a:rPr kumimoji="1" lang="en-US" altLang="zh-CN" sz="1100" b="1" dirty="0"/>
+                  <a:t>Side</a:t>
+                </a:r>
+                <a:r>
+                  <a:rPr kumimoji="1" lang="zh-CN" altLang="en-US" sz="1100" b="1" dirty="0"/>
+                  <a:t> </a:t>
+                </a:r>
+                <a:r>
+                  <a:rPr kumimoji="1" lang="en-US" altLang="zh-CN" sz="1100" b="1" dirty="0"/>
+                  <a:t>Car</a:t>
+                </a:r>
+                <a:endParaRPr kumimoji="1" lang="zh-CN" altLang="en-US" sz="1100" b="1" dirty="0"/>
+              </a:p>
+            </p:txBody>
+          </p:sp>
+          <p:cxnSp>
+            <p:nvCxnSpPr>
+              <p:cNvPr id="218" name="直线箭头连接符 217">
+                <a:extLst>
+                  <a:ext uri="{FF2B5EF4-FFF2-40B4-BE49-F238E27FC236}">
+                    <a16:creationId xmlns:a16="http://schemas.microsoft.com/office/drawing/2014/main" id="{1E81F889-A2A0-AD4C-9B8B-6366A1805CB1}"/>
+                  </a:ext>
+                </a:extLst>
+              </p:cNvPr>
+              <p:cNvCxnSpPr>
+                <a:cxnSpLocks/>
+              </p:cNvCxnSpPr>
+              <p:nvPr/>
+            </p:nvCxnSpPr>
+            <p:spPr>
+              <a:xfrm>
+                <a:off x="7920318" y="2213264"/>
+                <a:ext cx="107282" cy="0"/>
+              </a:xfrm>
+              <a:prstGeom prst="straightConnector1">
+                <a:avLst/>
+              </a:prstGeom>
+              <a:ln>
+                <a:headEnd type="none" w="sm" len="med"/>
+                <a:tailEnd type="triangle" w="sm" len="med"/>
+              </a:ln>
+            </p:spPr>
+            <p:style>
+              <a:lnRef idx="1">
+                <a:schemeClr val="accent1"/>
+              </a:lnRef>
+              <a:fillRef idx="0">
+                <a:schemeClr val="accent1"/>
+              </a:fillRef>
+              <a:effectRef idx="0">
+                <a:schemeClr val="accent1"/>
+              </a:effectRef>
+              <a:fontRef idx="minor">
+                <a:schemeClr val="tx1"/>
+              </a:fontRef>
+            </p:style>
+          </p:cxnSp>
+          <p:cxnSp>
+            <p:nvCxnSpPr>
+              <p:cNvPr id="219" name="直线箭头连接符 218">
+                <a:extLst>
+                  <a:ext uri="{FF2B5EF4-FFF2-40B4-BE49-F238E27FC236}">
+                    <a16:creationId xmlns:a16="http://schemas.microsoft.com/office/drawing/2014/main" id="{CA89904F-DBDD-BA44-94FB-25A3A0D3A037}"/>
+                  </a:ext>
+                </a:extLst>
+              </p:cNvPr>
+              <p:cNvCxnSpPr>
+                <a:cxnSpLocks/>
+                <a:stCxn id="216" idx="0"/>
+                <a:endCxn id="214" idx="3"/>
+              </p:cNvCxnSpPr>
+              <p:nvPr/>
+            </p:nvCxnSpPr>
+            <p:spPr>
+              <a:xfrm flipH="1">
+                <a:off x="7920318" y="2364437"/>
+                <a:ext cx="107282" cy="1"/>
+              </a:xfrm>
+              <a:prstGeom prst="straightConnector1">
+                <a:avLst/>
+              </a:prstGeom>
+              <a:ln>
+                <a:headEnd type="none" w="sm" len="med"/>
+                <a:tailEnd type="triangle" w="sm" len="med"/>
+              </a:ln>
+            </p:spPr>
+            <p:style>
+              <a:lnRef idx="1">
+                <a:schemeClr val="accent1"/>
+              </a:lnRef>
+              <a:fillRef idx="0">
+                <a:schemeClr val="accent1"/>
+              </a:fillRef>
+              <a:effectRef idx="0">
+                <a:schemeClr val="accent1"/>
+              </a:effectRef>
+              <a:fontRef idx="minor">
+                <a:schemeClr val="tx1"/>
+              </a:fontRef>
+            </p:style>
+          </p:cxnSp>
+        </p:grpSp>
+        <p:grpSp>
+          <p:nvGrpSpPr>
+            <p:cNvPr id="154" name="Google Shape;11526;p68">
+              <a:extLst>
+                <a:ext uri="{FF2B5EF4-FFF2-40B4-BE49-F238E27FC236}">
+                  <a16:creationId xmlns:a16="http://schemas.microsoft.com/office/drawing/2014/main" id="{36AB5681-C0EE-8D47-823A-84372A279DF7}"/>
+                </a:ext>
+              </a:extLst>
+            </p:cNvPr>
+            <p:cNvGrpSpPr/>
+            <p:nvPr/>
+          </p:nvGrpSpPr>
+          <p:grpSpPr>
+            <a:xfrm>
+              <a:off x="6794883" y="462933"/>
+              <a:ext cx="599235" cy="546844"/>
+              <a:chOff x="1958520" y="2302574"/>
+              <a:chExt cx="359213" cy="327807"/>
+            </a:xfrm>
+          </p:grpSpPr>
+          <p:sp>
+            <p:nvSpPr>
+              <p:cNvPr id="210" name="Google Shape;11527;p68">
+                <a:extLst>
+                  <a:ext uri="{FF2B5EF4-FFF2-40B4-BE49-F238E27FC236}">
+                    <a16:creationId xmlns:a16="http://schemas.microsoft.com/office/drawing/2014/main" id="{795CEC51-9766-7947-BA52-0C387C370035}"/>
+                  </a:ext>
+                </a:extLst>
+              </p:cNvPr>
+              <p:cNvSpPr/>
+              <p:nvPr/>
+            </p:nvSpPr>
+            <p:spPr>
+              <a:xfrm>
+                <a:off x="1958520" y="2302574"/>
+                <a:ext cx="359213" cy="327807"/>
+              </a:xfrm>
+              <a:custGeom>
+                <a:avLst/>
+                <a:gdLst/>
+                <a:ahLst/>
+                <a:cxnLst/>
+                <a:rect l="l" t="t" r="r" b="b"/>
+                <a:pathLst>
+                  <a:path w="11312" h="10323" extrusionOk="0">
+                    <a:moveTo>
+                      <a:pt x="7168" y="8132"/>
+                    </a:moveTo>
+                    <a:lnTo>
+                      <a:pt x="7501" y="9204"/>
+                    </a:lnTo>
+                    <a:lnTo>
+                      <a:pt x="3799" y="9204"/>
+                    </a:lnTo>
+                    <a:lnTo>
+                      <a:pt x="4120" y="8132"/>
+                    </a:lnTo>
+                    <a:close/>
+                    <a:moveTo>
+                      <a:pt x="8466" y="9537"/>
+                    </a:moveTo>
+                    <a:cubicBezTo>
+                      <a:pt x="8597" y="9537"/>
+                      <a:pt x="8704" y="9656"/>
+                      <a:pt x="8704" y="9775"/>
+                    </a:cubicBezTo>
+                    <a:cubicBezTo>
+                      <a:pt x="8704" y="9906"/>
+                      <a:pt x="8597" y="10013"/>
+                      <a:pt x="8466" y="10013"/>
+                    </a:cubicBezTo>
+                    <a:lnTo>
+                      <a:pt x="2810" y="10013"/>
+                    </a:lnTo>
+                    <a:cubicBezTo>
+                      <a:pt x="2679" y="10013"/>
+                      <a:pt x="2572" y="9906"/>
+                      <a:pt x="2572" y="9775"/>
+                    </a:cubicBezTo>
+                    <a:cubicBezTo>
+                      <a:pt x="2572" y="9644"/>
+                      <a:pt x="2679" y="9537"/>
+                      <a:pt x="2810" y="9537"/>
+                    </a:cubicBezTo>
+                    <a:close/>
+                    <a:moveTo>
+                      <a:pt x="1072" y="0"/>
+                    </a:moveTo>
+                    <a:cubicBezTo>
+                      <a:pt x="477" y="0"/>
+                      <a:pt x="0" y="476"/>
+                      <a:pt x="0" y="1072"/>
+                    </a:cubicBezTo>
+                    <a:lnTo>
+                      <a:pt x="0" y="7049"/>
+                    </a:lnTo>
+                    <a:cubicBezTo>
+                      <a:pt x="0" y="7644"/>
+                      <a:pt x="477" y="8120"/>
+                      <a:pt x="1072" y="8120"/>
+                    </a:cubicBezTo>
+                    <a:lnTo>
+                      <a:pt x="3763" y="8120"/>
+                    </a:lnTo>
+                    <a:lnTo>
+                      <a:pt x="3441" y="9192"/>
+                    </a:lnTo>
+                    <a:lnTo>
+                      <a:pt x="2822" y="9192"/>
+                    </a:lnTo>
+                    <a:cubicBezTo>
+                      <a:pt x="2513" y="9192"/>
+                      <a:pt x="2263" y="9442"/>
+                      <a:pt x="2263" y="9751"/>
+                    </a:cubicBezTo>
+                    <a:cubicBezTo>
+                      <a:pt x="2263" y="10073"/>
+                      <a:pt x="2513" y="10323"/>
+                      <a:pt x="2822" y="10323"/>
+                    </a:cubicBezTo>
+                    <a:lnTo>
+                      <a:pt x="8478" y="10323"/>
+                    </a:lnTo>
+                    <a:cubicBezTo>
+                      <a:pt x="8799" y="10323"/>
+                      <a:pt x="9049" y="10073"/>
+                      <a:pt x="9049" y="9751"/>
+                    </a:cubicBezTo>
+                    <a:cubicBezTo>
+                      <a:pt x="9049" y="9442"/>
+                      <a:pt x="8799" y="9192"/>
+                      <a:pt x="8478" y="9192"/>
+                    </a:cubicBezTo>
+                    <a:lnTo>
+                      <a:pt x="7870" y="9192"/>
+                    </a:lnTo>
+                    <a:lnTo>
+                      <a:pt x="7549" y="8120"/>
+                    </a:lnTo>
+                    <a:lnTo>
+                      <a:pt x="10240" y="8120"/>
+                    </a:lnTo>
+                    <a:cubicBezTo>
+                      <a:pt x="10835" y="8120"/>
+                      <a:pt x="11311" y="7644"/>
+                      <a:pt x="11311" y="7049"/>
+                    </a:cubicBezTo>
+                    <a:lnTo>
+                      <a:pt x="11311" y="1072"/>
+                    </a:lnTo>
+                    <a:cubicBezTo>
+                      <a:pt x="11299" y="488"/>
+                      <a:pt x="10823" y="0"/>
+                      <a:pt x="10228" y="0"/>
+                    </a:cubicBezTo>
+                    <a:lnTo>
+                      <a:pt x="2786" y="0"/>
+                    </a:lnTo>
+                    <a:cubicBezTo>
+                      <a:pt x="2691" y="0"/>
+                      <a:pt x="2620" y="72"/>
+                      <a:pt x="2620" y="155"/>
+                    </a:cubicBezTo>
+                    <a:cubicBezTo>
+                      <a:pt x="2620" y="250"/>
+                      <a:pt x="2691" y="322"/>
+                      <a:pt x="2786" y="322"/>
+                    </a:cubicBezTo>
+                    <a:lnTo>
+                      <a:pt x="10228" y="322"/>
+                    </a:lnTo>
+                    <a:cubicBezTo>
+                      <a:pt x="10621" y="322"/>
+                      <a:pt x="10966" y="655"/>
+                      <a:pt x="10966" y="1072"/>
+                    </a:cubicBezTo>
+                    <a:lnTo>
+                      <a:pt x="10966" y="7049"/>
+                    </a:lnTo>
+                    <a:cubicBezTo>
+                      <a:pt x="10966" y="7453"/>
+                      <a:pt x="10645" y="7799"/>
+                      <a:pt x="10228" y="7799"/>
+                    </a:cubicBezTo>
+                    <a:lnTo>
+                      <a:pt x="1072" y="7799"/>
+                    </a:lnTo>
+                    <a:cubicBezTo>
+                      <a:pt x="667" y="7799"/>
+                      <a:pt x="322" y="7465"/>
+                      <a:pt x="322" y="7049"/>
+                    </a:cubicBezTo>
+                    <a:lnTo>
+                      <a:pt x="322" y="1072"/>
+                    </a:lnTo>
+                    <a:cubicBezTo>
+                      <a:pt x="322" y="667"/>
+                      <a:pt x="655" y="322"/>
+                      <a:pt x="1072" y="322"/>
+                    </a:cubicBezTo>
+                    <a:lnTo>
+                      <a:pt x="2108" y="322"/>
+                    </a:lnTo>
+                    <a:cubicBezTo>
+                      <a:pt x="2203" y="322"/>
+                      <a:pt x="2275" y="250"/>
+                      <a:pt x="2275" y="155"/>
+                    </a:cubicBezTo>
+                    <a:cubicBezTo>
+                      <a:pt x="2275" y="72"/>
+                      <a:pt x="2203" y="0"/>
+                      <a:pt x="2108" y="0"/>
+                    </a:cubicBezTo>
+                    <a:close/>
+                  </a:path>
+                </a:pathLst>
+              </a:custGeom>
+              <a:ln w="3175"/>
+            </p:spPr>
+            <p:style>
+              <a:lnRef idx="2">
+                <a:schemeClr val="accent5">
+                  <a:shade val="50000"/>
+                </a:schemeClr>
+              </a:lnRef>
+              <a:fillRef idx="1">
+                <a:schemeClr val="accent5"/>
+              </a:fillRef>
+              <a:effectRef idx="0">
+                <a:schemeClr val="accent5"/>
+              </a:effectRef>
+              <a:fontRef idx="minor">
+                <a:schemeClr val="lt1"/>
+              </a:fontRef>
+            </p:style>
+            <p:txBody>
+              <a:bodyPr spcFirstLastPara="1" wrap="square" lIns="91425" tIns="91425" rIns="91425" bIns="91425" anchor="ctr" anchorCtr="0">
+                <a:noAutofit/>
+              </a:bodyPr>
+              <a:lstStyle/>
+              <a:p>
+                <a:pPr marL="0" lvl="0" indent="0" algn="l" rtl="0">
+                  <a:spcBef>
+                    <a:spcPts val="0"/>
+                  </a:spcBef>
+                  <a:spcAft>
+                    <a:spcPts val="0"/>
+                  </a:spcAft>
+                  <a:buNone/>
+                </a:pPr>
+                <a:endParaRPr/>
+              </a:p>
+            </p:txBody>
+          </p:sp>
+          <p:sp>
+            <p:nvSpPr>
+              <p:cNvPr id="211" name="Google Shape;11528;p68">
+                <a:extLst>
+                  <a:ext uri="{FF2B5EF4-FFF2-40B4-BE49-F238E27FC236}">
+                    <a16:creationId xmlns:a16="http://schemas.microsoft.com/office/drawing/2014/main" id="{CA39E1D6-76D0-BA41-8C0F-80523D19984C}"/>
+                  </a:ext>
+                </a:extLst>
+              </p:cNvPr>
+              <p:cNvSpPr/>
+              <p:nvPr/>
+            </p:nvSpPr>
+            <p:spPr>
+              <a:xfrm>
+                <a:off x="1986877" y="2331313"/>
+                <a:ext cx="302117" cy="184909"/>
+              </a:xfrm>
+              <a:custGeom>
+                <a:avLst/>
+                <a:gdLst/>
+                <a:ahLst/>
+                <a:cxnLst/>
+                <a:rect l="l" t="t" r="r" b="b"/>
+                <a:pathLst>
+                  <a:path w="9514" h="5823" extrusionOk="0">
+                    <a:moveTo>
+                      <a:pt x="179" y="0"/>
+                    </a:moveTo>
+                    <a:cubicBezTo>
+                      <a:pt x="72" y="0"/>
+                      <a:pt x="0" y="71"/>
+                      <a:pt x="0" y="179"/>
+                    </a:cubicBezTo>
+                    <a:lnTo>
+                      <a:pt x="0" y="5656"/>
+                    </a:lnTo>
+                    <a:cubicBezTo>
+                      <a:pt x="0" y="5739"/>
+                      <a:pt x="72" y="5822"/>
+                      <a:pt x="167" y="5822"/>
+                    </a:cubicBezTo>
+                    <a:lnTo>
+                      <a:pt x="9347" y="5822"/>
+                    </a:lnTo>
+                    <a:cubicBezTo>
+                      <a:pt x="9430" y="5822"/>
+                      <a:pt x="9513" y="5739"/>
+                      <a:pt x="9513" y="5656"/>
+                    </a:cubicBezTo>
+                    <a:lnTo>
+                      <a:pt x="9513" y="5072"/>
+                    </a:lnTo>
+                    <a:cubicBezTo>
+                      <a:pt x="9513" y="4989"/>
+                      <a:pt x="9430" y="4905"/>
+                      <a:pt x="9347" y="4905"/>
+                    </a:cubicBezTo>
+                    <a:cubicBezTo>
+                      <a:pt x="9252" y="4905"/>
+                      <a:pt x="9180" y="4989"/>
+                      <a:pt x="9180" y="5072"/>
+                    </a:cubicBezTo>
+                    <a:lnTo>
+                      <a:pt x="9180" y="5489"/>
+                    </a:lnTo>
+                    <a:lnTo>
+                      <a:pt x="346" y="5489"/>
+                    </a:lnTo>
+                    <a:lnTo>
+                      <a:pt x="346" y="345"/>
+                    </a:lnTo>
+                    <a:lnTo>
+                      <a:pt x="9180" y="345"/>
+                    </a:lnTo>
+                    <a:lnTo>
+                      <a:pt x="9180" y="4405"/>
+                    </a:lnTo>
+                    <a:cubicBezTo>
+                      <a:pt x="9168" y="4489"/>
+                      <a:pt x="9240" y="4572"/>
+                      <a:pt x="9347" y="4572"/>
+                    </a:cubicBezTo>
+                    <a:cubicBezTo>
+                      <a:pt x="9430" y="4572"/>
+                      <a:pt x="9513" y="4489"/>
+                      <a:pt x="9513" y="4405"/>
+                    </a:cubicBezTo>
+                    <a:lnTo>
+                      <a:pt x="9513" y="179"/>
+                    </a:lnTo>
+                    <a:cubicBezTo>
+                      <a:pt x="9513" y="71"/>
+                      <a:pt x="9430" y="0"/>
+                      <a:pt x="9335" y="0"/>
+                    </a:cubicBezTo>
+                    <a:close/>
+                  </a:path>
+                </a:pathLst>
+              </a:custGeom>
+              <a:ln w="3175"/>
+            </p:spPr>
+            <p:style>
+              <a:lnRef idx="2">
+                <a:schemeClr val="accent5">
+                  <a:shade val="50000"/>
+                </a:schemeClr>
+              </a:lnRef>
+              <a:fillRef idx="1">
+                <a:schemeClr val="accent5"/>
+              </a:fillRef>
+              <a:effectRef idx="0">
+                <a:schemeClr val="accent5"/>
+              </a:effectRef>
+              <a:fontRef idx="minor">
+                <a:schemeClr val="lt1"/>
+              </a:fontRef>
+            </p:style>
+            <p:txBody>
+              <a:bodyPr spcFirstLastPara="1" wrap="square" lIns="91425" tIns="91425" rIns="91425" bIns="91425" anchor="ctr" anchorCtr="0">
+                <a:noAutofit/>
+              </a:bodyPr>
+              <a:lstStyle/>
+              <a:p>
+                <a:pPr marL="0" lvl="0" indent="0" algn="l" rtl="0">
+                  <a:spcBef>
+                    <a:spcPts val="0"/>
+                  </a:spcBef>
+                  <a:spcAft>
+                    <a:spcPts val="0"/>
+                  </a:spcAft>
+                  <a:buNone/>
+                </a:pPr>
+                <a:endParaRPr/>
+              </a:p>
+            </p:txBody>
+          </p:sp>
+          <p:sp>
+            <p:nvSpPr>
+              <p:cNvPr id="212" name="Google Shape;11529;p68">
+                <a:extLst>
+                  <a:ext uri="{FF2B5EF4-FFF2-40B4-BE49-F238E27FC236}">
+                    <a16:creationId xmlns:a16="http://schemas.microsoft.com/office/drawing/2014/main" id="{8A585C0C-94B7-7A4F-B6FD-B3DCA026E44C}"/>
+                  </a:ext>
+                </a:extLst>
+              </p:cNvPr>
+              <p:cNvSpPr/>
+              <p:nvPr/>
+            </p:nvSpPr>
+            <p:spPr>
+              <a:xfrm>
+                <a:off x="2131521" y="2526701"/>
+                <a:ext cx="11908" cy="10638"/>
+              </a:xfrm>
+              <a:custGeom>
+                <a:avLst/>
+                <a:gdLst/>
+                <a:ahLst/>
+                <a:cxnLst/>
+                <a:rect l="l" t="t" r="r" b="b"/>
+                <a:pathLst>
+                  <a:path w="375" h="335" extrusionOk="0">
+                    <a:moveTo>
+                      <a:pt x="176" y="0"/>
+                    </a:moveTo>
+                    <a:cubicBezTo>
+                      <a:pt x="167" y="0"/>
+                      <a:pt x="158" y="1"/>
+                      <a:pt x="148" y="3"/>
+                    </a:cubicBezTo>
+                    <a:cubicBezTo>
+                      <a:pt x="77" y="26"/>
+                      <a:pt x="17" y="86"/>
+                      <a:pt x="17" y="157"/>
+                    </a:cubicBezTo>
+                    <a:cubicBezTo>
+                      <a:pt x="1" y="258"/>
+                      <a:pt x="95" y="334"/>
+                      <a:pt x="186" y="334"/>
+                    </a:cubicBezTo>
+                    <a:cubicBezTo>
+                      <a:pt x="225" y="334"/>
+                      <a:pt x="263" y="320"/>
+                      <a:pt x="291" y="288"/>
+                    </a:cubicBezTo>
+                    <a:cubicBezTo>
+                      <a:pt x="375" y="229"/>
+                      <a:pt x="375" y="145"/>
+                      <a:pt x="327" y="86"/>
+                    </a:cubicBezTo>
+                    <a:cubicBezTo>
+                      <a:pt x="296" y="34"/>
+                      <a:pt x="238" y="0"/>
+                      <a:pt x="176" y="0"/>
+                    </a:cubicBezTo>
+                    <a:close/>
+                  </a:path>
+                </a:pathLst>
+              </a:custGeom>
+              <a:ln w="3175"/>
+            </p:spPr>
+            <p:style>
+              <a:lnRef idx="2">
+                <a:schemeClr val="accent5">
+                  <a:shade val="50000"/>
+                </a:schemeClr>
+              </a:lnRef>
+              <a:fillRef idx="1">
+                <a:schemeClr val="accent5"/>
+              </a:fillRef>
+              <a:effectRef idx="0">
+                <a:schemeClr val="accent5"/>
+              </a:effectRef>
+              <a:fontRef idx="minor">
+                <a:schemeClr val="lt1"/>
+              </a:fontRef>
+            </p:style>
+            <p:txBody>
+              <a:bodyPr spcFirstLastPara="1" wrap="square" lIns="91425" tIns="91425" rIns="91425" bIns="91425" anchor="ctr" anchorCtr="0">
+                <a:noAutofit/>
+              </a:bodyPr>
+              <a:lstStyle/>
+              <a:p>
+                <a:pPr marL="0" lvl="0" indent="0" algn="l" rtl="0">
+                  <a:spcBef>
+                    <a:spcPts val="0"/>
+                  </a:spcBef>
+                  <a:spcAft>
+                    <a:spcPts val="0"/>
+                  </a:spcAft>
+                  <a:buNone/>
+                </a:pPr>
+                <a:endParaRPr/>
+              </a:p>
+            </p:txBody>
+          </p:sp>
+        </p:grpSp>
+        <p:sp>
+          <p:nvSpPr>
+            <p:cNvPr id="155" name="圆角矩形 154">
+              <a:extLst>
+                <a:ext uri="{FF2B5EF4-FFF2-40B4-BE49-F238E27FC236}">
+                  <a16:creationId xmlns:a16="http://schemas.microsoft.com/office/drawing/2014/main" id="{1298E4CD-4E46-7B48-AD19-974DE4F2EC0E}"/>
+                </a:ext>
+              </a:extLst>
+            </p:cNvPr>
+            <p:cNvSpPr/>
+            <p:nvPr/>
+          </p:nvSpPr>
+          <p:spPr>
+            <a:xfrm>
+              <a:off x="7346873" y="1401058"/>
+              <a:ext cx="1531360" cy="422611"/>
+            </a:xfrm>
+            <a:prstGeom prst="roundRect">
+              <a:avLst/>
+            </a:prstGeom>
+          </p:spPr>
+          <p:style>
+            <a:lnRef idx="2">
+              <a:schemeClr val="accent1">
+                <a:shade val="50000"/>
+              </a:schemeClr>
+            </a:lnRef>
+            <a:fillRef idx="1">
+              <a:schemeClr val="accent1"/>
+            </a:fillRef>
+            <a:effectRef idx="0">
+              <a:schemeClr val="accent1"/>
+            </a:effectRef>
+            <a:fontRef idx="minor">
+              <a:schemeClr val="lt1"/>
+            </a:fontRef>
+          </p:style>
+          <p:txBody>
+            <a:bodyPr rtlCol="0" anchor="ctr"/>
+            <a:lstStyle/>
+            <a:p>
+              <a:pPr algn="ctr"/>
+              <a:r>
+                <a:rPr kumimoji="1" lang="en-US" altLang="zh-CN" sz="1200" b="1" dirty="0"/>
+                <a:t>Mesh</a:t>
+              </a:r>
+              <a:r>
+                <a:rPr kumimoji="1" lang="zh-CN" altLang="en-US" sz="1200" b="1" dirty="0"/>
+                <a:t> </a:t>
+              </a:r>
+              <a:r>
+                <a:rPr kumimoji="1" lang="en-US" altLang="zh-CN" sz="1200" b="1" dirty="0"/>
+                <a:t>Ingress</a:t>
+              </a:r>
+              <a:endParaRPr kumimoji="1" lang="zh-CN" altLang="en-US" sz="1200" b="1" dirty="0"/>
+            </a:p>
+          </p:txBody>
+        </p:sp>
+        <p:grpSp>
+          <p:nvGrpSpPr>
+            <p:cNvPr id="156" name="组合 155">
+              <a:extLst>
+                <a:ext uri="{FF2B5EF4-FFF2-40B4-BE49-F238E27FC236}">
+                  <a16:creationId xmlns:a16="http://schemas.microsoft.com/office/drawing/2014/main" id="{CE27B638-CC32-9C42-9EDB-CE621FF86D40}"/>
+                </a:ext>
+              </a:extLst>
+            </p:cNvPr>
+            <p:cNvGrpSpPr/>
+            <p:nvPr/>
+          </p:nvGrpSpPr>
+          <p:grpSpPr>
+            <a:xfrm>
+              <a:off x="9383442" y="4445016"/>
+              <a:ext cx="1636054" cy="779925"/>
+              <a:chOff x="6750426" y="1963272"/>
+              <a:chExt cx="1636054" cy="779925"/>
+            </a:xfrm>
+          </p:grpSpPr>
+          <p:sp>
+            <p:nvSpPr>
+              <p:cNvPr id="202" name="圆角矩形 201">
+                <a:extLst>
+                  <a:ext uri="{FF2B5EF4-FFF2-40B4-BE49-F238E27FC236}">
+                    <a16:creationId xmlns:a16="http://schemas.microsoft.com/office/drawing/2014/main" id="{59C3008A-2348-5A4E-B4C3-4494841C809F}"/>
+                  </a:ext>
+                </a:extLst>
+              </p:cNvPr>
+              <p:cNvSpPr/>
+              <p:nvPr/>
+            </p:nvSpPr>
+            <p:spPr>
+              <a:xfrm>
+                <a:off x="6750426" y="1963272"/>
+                <a:ext cx="1636054" cy="779925"/>
+              </a:xfrm>
+              <a:prstGeom prst="roundRect">
+                <a:avLst>
+                  <a:gd name="adj" fmla="val 7143"/>
+                </a:avLst>
+              </a:prstGeom>
+              <a:noFill/>
+              <a:ln>
+                <a:prstDash val="dash"/>
+              </a:ln>
+            </p:spPr>
+            <p:style>
+              <a:lnRef idx="2">
+                <a:schemeClr val="accent1">
+                  <a:shade val="50000"/>
+                </a:schemeClr>
+              </a:lnRef>
+              <a:fillRef idx="1">
+                <a:schemeClr val="accent1"/>
+              </a:fillRef>
+              <a:effectRef idx="0">
+                <a:schemeClr val="accent1"/>
+              </a:effectRef>
+              <a:fontRef idx="minor">
+                <a:schemeClr val="lt1"/>
+              </a:fontRef>
+            </p:style>
+            <p:txBody>
+              <a:bodyPr rtlCol="0" anchor="ctr"/>
+              <a:lstStyle/>
+              <a:p>
+                <a:pPr algn="ctr"/>
+                <a:endParaRPr kumimoji="1" lang="zh-CN" altLang="en-US"/>
+              </a:p>
+            </p:txBody>
+          </p:sp>
+          <p:sp>
+            <p:nvSpPr>
+              <p:cNvPr id="204" name="圆角矩形 203">
+                <a:extLst>
+                  <a:ext uri="{FF2B5EF4-FFF2-40B4-BE49-F238E27FC236}">
+                    <a16:creationId xmlns:a16="http://schemas.microsoft.com/office/drawing/2014/main" id="{3693224C-E61A-7041-9108-49CEE499610F}"/>
+                  </a:ext>
+                </a:extLst>
+              </p:cNvPr>
+              <p:cNvSpPr/>
+              <p:nvPr/>
+            </p:nvSpPr>
+            <p:spPr>
+              <a:xfrm>
+                <a:off x="6817659" y="2043950"/>
+                <a:ext cx="1102659" cy="640975"/>
+              </a:xfrm>
+              <a:prstGeom prst="roundRect">
+                <a:avLst>
+                  <a:gd name="adj" fmla="val 6877"/>
+                </a:avLst>
+              </a:prstGeom>
+              <a:ln>
+                <a:solidFill>
+                  <a:srgbClr val="E95429"/>
+                </a:solidFill>
+              </a:ln>
+            </p:spPr>
+            <p:style>
+              <a:lnRef idx="2">
+                <a:schemeClr val="accent3"/>
+              </a:lnRef>
+              <a:fillRef idx="1">
+                <a:schemeClr val="lt1"/>
+              </a:fillRef>
+              <a:effectRef idx="0">
+                <a:schemeClr val="accent3"/>
+              </a:effectRef>
+              <a:fontRef idx="minor">
+                <a:schemeClr val="dk1"/>
+              </a:fontRef>
+            </p:style>
+            <p:txBody>
+              <a:bodyPr tIns="36000" rtlCol="0" anchor="t"/>
+              <a:lstStyle/>
+              <a:p>
+                <a:pPr algn="ctr"/>
+                <a:r>
+                  <a:rPr kumimoji="1" lang="en-US" altLang="zh-CN" sz="1050" dirty="0">
+                    <a:solidFill>
+                      <a:srgbClr val="E95429"/>
+                    </a:solidFill>
+                  </a:rPr>
+                  <a:t>Customer</a:t>
+                </a:r>
+              </a:p>
+              <a:p>
+                <a:pPr algn="ctr"/>
+                <a:r>
+                  <a:rPr kumimoji="1" lang="en-US" altLang="zh-CN" sz="1050" dirty="0">
+                    <a:solidFill>
+                      <a:srgbClr val="E95429"/>
+                    </a:solidFill>
+                  </a:rPr>
+                  <a:t>Service</a:t>
+                </a:r>
+                <a:r>
+                  <a:rPr kumimoji="1" lang="zh-CN" altLang="en-US" sz="1050" dirty="0">
+                    <a:solidFill>
+                      <a:srgbClr val="E95429"/>
+                    </a:solidFill>
+                  </a:rPr>
+                  <a:t> </a:t>
+                </a:r>
+                <a:r>
+                  <a:rPr kumimoji="1" lang="en-US" altLang="zh-CN" sz="1050" dirty="0">
+                    <a:solidFill>
+                      <a:srgbClr val="E95429"/>
+                    </a:solidFill>
+                  </a:rPr>
+                  <a:t>(v2)</a:t>
+                </a:r>
+                <a:endParaRPr kumimoji="1" lang="zh-CN" altLang="en-US" sz="1050" dirty="0">
+                  <a:solidFill>
+                    <a:srgbClr val="E95429"/>
+                  </a:solidFill>
+                </a:endParaRPr>
+              </a:p>
+            </p:txBody>
+          </p:sp>
+          <p:sp>
+            <p:nvSpPr>
+              <p:cNvPr id="205" name="圆角矩形 204">
+                <a:extLst>
+                  <a:ext uri="{FF2B5EF4-FFF2-40B4-BE49-F238E27FC236}">
+                    <a16:creationId xmlns:a16="http://schemas.microsoft.com/office/drawing/2014/main" id="{C2BC4D04-359E-4248-9684-D234973402F7}"/>
+                  </a:ext>
+                </a:extLst>
+              </p:cNvPr>
+              <p:cNvSpPr/>
+              <p:nvPr/>
+            </p:nvSpPr>
+            <p:spPr>
+              <a:xfrm>
+                <a:off x="6817659" y="2433913"/>
+                <a:ext cx="1102659" cy="251012"/>
+              </a:xfrm>
+              <a:prstGeom prst="roundRect">
+                <a:avLst/>
+              </a:prstGeom>
+            </p:spPr>
+            <p:style>
+              <a:lnRef idx="2">
+                <a:schemeClr val="accent1">
+                  <a:shade val="50000"/>
+                </a:schemeClr>
+              </a:lnRef>
+              <a:fillRef idx="1">
+                <a:schemeClr val="accent1"/>
+              </a:fillRef>
+              <a:effectRef idx="0">
+                <a:schemeClr val="accent1"/>
+              </a:effectRef>
+              <a:fontRef idx="minor">
+                <a:schemeClr val="lt1"/>
+              </a:fontRef>
+            </p:style>
+            <p:txBody>
+              <a:bodyPr rtlCol="0" anchor="ctr"/>
+              <a:lstStyle/>
+              <a:p>
+                <a:pPr algn="ctr"/>
+                <a:r>
+                  <a:rPr kumimoji="1" lang="en-US" altLang="zh-CN" sz="1100" b="1" dirty="0"/>
+                  <a:t>JavaAgent</a:t>
+                </a:r>
+                <a:endParaRPr kumimoji="1" lang="zh-CN" altLang="en-US" sz="1100" b="1" dirty="0"/>
+              </a:p>
+            </p:txBody>
+          </p:sp>
+          <p:sp>
+            <p:nvSpPr>
+              <p:cNvPr id="207" name="圆角矩形 206">
+                <a:extLst>
+                  <a:ext uri="{FF2B5EF4-FFF2-40B4-BE49-F238E27FC236}">
+                    <a16:creationId xmlns:a16="http://schemas.microsoft.com/office/drawing/2014/main" id="{480084B7-A766-9D4E-B18C-4B501113C7B7}"/>
+                  </a:ext>
+                </a:extLst>
+              </p:cNvPr>
+              <p:cNvSpPr/>
+              <p:nvPr/>
+            </p:nvSpPr>
+            <p:spPr>
+              <a:xfrm rot="16200000">
+                <a:off x="7844119" y="2227431"/>
+                <a:ext cx="640975" cy="274013"/>
+              </a:xfrm>
+              <a:prstGeom prst="roundRect">
+                <a:avLst/>
+              </a:prstGeom>
+            </p:spPr>
+            <p:style>
+              <a:lnRef idx="2">
+                <a:schemeClr val="accent1">
+                  <a:shade val="50000"/>
+                </a:schemeClr>
+              </a:lnRef>
+              <a:fillRef idx="1">
+                <a:schemeClr val="accent1"/>
+              </a:fillRef>
+              <a:effectRef idx="0">
+                <a:schemeClr val="accent1"/>
+              </a:effectRef>
+              <a:fontRef idx="minor">
+                <a:schemeClr val="lt1"/>
+              </a:fontRef>
+            </p:style>
+            <p:txBody>
+              <a:bodyPr lIns="0" rIns="0" rtlCol="0" anchor="ctr"/>
+              <a:lstStyle/>
+              <a:p>
+                <a:pPr algn="ctr"/>
+                <a:r>
+                  <a:rPr kumimoji="1" lang="en-US" altLang="zh-CN" sz="1100" b="1" dirty="0"/>
+                  <a:t>Side</a:t>
+                </a:r>
+                <a:r>
+                  <a:rPr kumimoji="1" lang="zh-CN" altLang="en-US" sz="1100" b="1" dirty="0"/>
+                  <a:t> </a:t>
+                </a:r>
+                <a:r>
+                  <a:rPr kumimoji="1" lang="en-US" altLang="zh-CN" sz="1100" b="1" dirty="0"/>
+                  <a:t>Car</a:t>
+                </a:r>
+                <a:endParaRPr kumimoji="1" lang="zh-CN" altLang="en-US" sz="1100" b="1" dirty="0"/>
+              </a:p>
+            </p:txBody>
+          </p:sp>
+          <p:cxnSp>
+            <p:nvCxnSpPr>
+              <p:cNvPr id="208" name="直线箭头连接符 207">
+                <a:extLst>
+                  <a:ext uri="{FF2B5EF4-FFF2-40B4-BE49-F238E27FC236}">
+                    <a16:creationId xmlns:a16="http://schemas.microsoft.com/office/drawing/2014/main" id="{CFF541BD-F2D6-F84B-9126-FD22353DDB52}"/>
+                  </a:ext>
+                </a:extLst>
+              </p:cNvPr>
+              <p:cNvCxnSpPr>
+                <a:cxnSpLocks/>
+              </p:cNvCxnSpPr>
+              <p:nvPr/>
+            </p:nvCxnSpPr>
+            <p:spPr>
+              <a:xfrm>
+                <a:off x="7920318" y="2213264"/>
+                <a:ext cx="107282" cy="0"/>
+              </a:xfrm>
+              <a:prstGeom prst="straightConnector1">
+                <a:avLst/>
+              </a:prstGeom>
+              <a:ln>
+                <a:headEnd type="none" w="sm" len="med"/>
+                <a:tailEnd type="triangle" w="sm" len="med"/>
+              </a:ln>
+            </p:spPr>
+            <p:style>
+              <a:lnRef idx="1">
+                <a:schemeClr val="accent1"/>
+              </a:lnRef>
+              <a:fillRef idx="0">
+                <a:schemeClr val="accent1"/>
+              </a:fillRef>
+              <a:effectRef idx="0">
+                <a:schemeClr val="accent1"/>
+              </a:effectRef>
+              <a:fontRef idx="minor">
+                <a:schemeClr val="tx1"/>
+              </a:fontRef>
+            </p:style>
+          </p:cxnSp>
+          <p:cxnSp>
+            <p:nvCxnSpPr>
+              <p:cNvPr id="209" name="直线箭头连接符 208">
+                <a:extLst>
+                  <a:ext uri="{FF2B5EF4-FFF2-40B4-BE49-F238E27FC236}">
+                    <a16:creationId xmlns:a16="http://schemas.microsoft.com/office/drawing/2014/main" id="{D3A82FF2-EFE3-5349-88C1-DAA8DEC38D9C}"/>
+                  </a:ext>
+                </a:extLst>
+              </p:cNvPr>
+              <p:cNvCxnSpPr>
+                <a:cxnSpLocks/>
+                <a:stCxn id="207" idx="0"/>
+                <a:endCxn id="204" idx="3"/>
+              </p:cNvCxnSpPr>
+              <p:nvPr/>
+            </p:nvCxnSpPr>
+            <p:spPr>
+              <a:xfrm flipH="1">
+                <a:off x="7920318" y="2364437"/>
+                <a:ext cx="107282" cy="1"/>
+              </a:xfrm>
+              <a:prstGeom prst="straightConnector1">
+                <a:avLst/>
+              </a:prstGeom>
+              <a:ln>
+                <a:headEnd type="none" w="sm" len="med"/>
+                <a:tailEnd type="triangle" w="sm" len="med"/>
+              </a:ln>
+            </p:spPr>
+            <p:style>
+              <a:lnRef idx="1">
+                <a:schemeClr val="accent1"/>
+              </a:lnRef>
+              <a:fillRef idx="0">
+                <a:schemeClr val="accent1"/>
+              </a:fillRef>
+              <a:effectRef idx="0">
+                <a:schemeClr val="accent1"/>
+              </a:effectRef>
+              <a:fontRef idx="minor">
+                <a:schemeClr val="tx1"/>
+              </a:fontRef>
+            </p:style>
+          </p:cxnSp>
+        </p:grpSp>
+        <p:cxnSp>
+          <p:nvCxnSpPr>
+            <p:cNvPr id="157" name="肘形连接符 156">
+              <a:extLst>
+                <a:ext uri="{FF2B5EF4-FFF2-40B4-BE49-F238E27FC236}">
+                  <a16:creationId xmlns:a16="http://schemas.microsoft.com/office/drawing/2014/main" id="{73A34D9D-053D-2E4D-9C88-786388813FA7}"/>
+                </a:ext>
+              </a:extLst>
+            </p:cNvPr>
+            <p:cNvCxnSpPr>
+              <a:cxnSpLocks/>
+              <a:stCxn id="237" idx="2"/>
+              <a:endCxn id="231" idx="2"/>
+            </p:cNvCxnSpPr>
+            <p:nvPr/>
+          </p:nvCxnSpPr>
+          <p:spPr>
+            <a:xfrm>
+              <a:off x="8895187" y="2644288"/>
+              <a:ext cx="2039442" cy="1270796"/>
+            </a:xfrm>
+            <a:prstGeom prst="bentConnector3">
+              <a:avLst>
+                <a:gd name="adj1" fmla="val 120206"/>
+              </a:avLst>
+            </a:prstGeom>
+            <a:ln>
+              <a:tailEnd type="triangle"/>
+            </a:ln>
+          </p:spPr>
+          <p:style>
+            <a:lnRef idx="1">
+              <a:schemeClr val="accent1"/>
+            </a:lnRef>
+            <a:fillRef idx="0">
+              <a:schemeClr val="accent1"/>
+            </a:fillRef>
+            <a:effectRef idx="0">
+              <a:schemeClr val="accent1"/>
+            </a:effectRef>
+            <a:fontRef idx="minor">
+              <a:schemeClr val="tx1"/>
+            </a:fontRef>
+          </p:style>
+        </p:cxnSp>
+        <p:cxnSp>
+          <p:nvCxnSpPr>
+            <p:cNvPr id="158" name="肘形连接符 157">
+              <a:extLst>
+                <a:ext uri="{FF2B5EF4-FFF2-40B4-BE49-F238E27FC236}">
+                  <a16:creationId xmlns:a16="http://schemas.microsoft.com/office/drawing/2014/main" id="{4E97DFAA-27E8-DB42-85F9-D1CB6C3D8F39}"/>
+                </a:ext>
+              </a:extLst>
+            </p:cNvPr>
+            <p:cNvCxnSpPr>
+              <a:cxnSpLocks/>
+              <a:stCxn id="237" idx="1"/>
+              <a:endCxn id="223" idx="3"/>
+            </p:cNvCxnSpPr>
+            <p:nvPr/>
+          </p:nvCxnSpPr>
+          <p:spPr>
+            <a:xfrm rot="5400000">
+              <a:off x="7393853" y="2209596"/>
+              <a:ext cx="609148" cy="2119509"/>
+            </a:xfrm>
+            <a:prstGeom prst="bentConnector3">
+              <a:avLst>
+                <a:gd name="adj1" fmla="val 50000"/>
+              </a:avLst>
+            </a:prstGeom>
+            <a:ln>
+              <a:tailEnd type="triangle"/>
+            </a:ln>
+          </p:spPr>
+          <p:style>
+            <a:lnRef idx="1">
+              <a:schemeClr val="accent1"/>
+            </a:lnRef>
+            <a:fillRef idx="0">
+              <a:schemeClr val="accent1"/>
+            </a:fillRef>
+            <a:effectRef idx="0">
+              <a:schemeClr val="accent1"/>
+            </a:effectRef>
+            <a:fontRef idx="minor">
+              <a:schemeClr val="tx1"/>
+            </a:fontRef>
+          </p:style>
+        </p:cxnSp>
+        <p:cxnSp>
+          <p:nvCxnSpPr>
+            <p:cNvPr id="159" name="肘形连接符 112">
+              <a:extLst>
+                <a:ext uri="{FF2B5EF4-FFF2-40B4-BE49-F238E27FC236}">
+                  <a16:creationId xmlns:a16="http://schemas.microsoft.com/office/drawing/2014/main" id="{55FD660E-505C-6C4F-BE2A-76CA3F5D357E}"/>
+                </a:ext>
+              </a:extLst>
+            </p:cNvPr>
+            <p:cNvCxnSpPr>
+              <a:cxnSpLocks/>
+              <a:stCxn id="237" idx="1"/>
+              <a:endCxn id="216" idx="3"/>
+            </p:cNvCxnSpPr>
+            <p:nvPr/>
+          </p:nvCxnSpPr>
+          <p:spPr>
+            <a:xfrm>
+              <a:off x="8758181" y="2964776"/>
+              <a:ext cx="0" cy="629822"/>
+            </a:xfrm>
+            <a:prstGeom prst="straightConnector1">
+              <a:avLst/>
+            </a:prstGeom>
+            <a:ln>
+              <a:tailEnd type="triangle"/>
+            </a:ln>
+          </p:spPr>
+          <p:style>
+            <a:lnRef idx="1">
+              <a:schemeClr val="accent1"/>
+            </a:lnRef>
+            <a:fillRef idx="0">
+              <a:schemeClr val="accent1"/>
+            </a:fillRef>
+            <a:effectRef idx="0">
+              <a:schemeClr val="accent1"/>
+            </a:effectRef>
+            <a:fontRef idx="minor">
+              <a:schemeClr val="tx1"/>
+            </a:fontRef>
+          </p:style>
+        </p:cxnSp>
+        <p:cxnSp>
+          <p:nvCxnSpPr>
+            <p:cNvPr id="160" name="直线箭头连接符 44">
+              <a:extLst>
+                <a:ext uri="{FF2B5EF4-FFF2-40B4-BE49-F238E27FC236}">
+                  <a16:creationId xmlns:a16="http://schemas.microsoft.com/office/drawing/2014/main" id="{78953D65-9967-C744-B643-1F6C10775B9E}"/>
+                </a:ext>
+              </a:extLst>
+            </p:cNvPr>
+            <p:cNvCxnSpPr>
+              <a:cxnSpLocks/>
+              <a:endCxn id="155" idx="1"/>
+            </p:cNvCxnSpPr>
+            <p:nvPr/>
+          </p:nvCxnSpPr>
+          <p:spPr>
+            <a:xfrm rot="16200000" flipH="1">
+              <a:off x="6923342" y="1188833"/>
+              <a:ext cx="583672" cy="263390"/>
+            </a:xfrm>
+            <a:prstGeom prst="bentConnector2">
+              <a:avLst/>
+            </a:prstGeom>
+            <a:ln>
+              <a:tailEnd type="triangle"/>
+            </a:ln>
+          </p:spPr>
+          <p:style>
+            <a:lnRef idx="1">
+              <a:schemeClr val="accent1"/>
+            </a:lnRef>
+            <a:fillRef idx="0">
+              <a:schemeClr val="accent1"/>
+            </a:fillRef>
+            <a:effectRef idx="0">
+              <a:schemeClr val="accent1"/>
+            </a:effectRef>
+            <a:fontRef idx="minor">
+              <a:schemeClr val="tx1"/>
+            </a:fontRef>
+          </p:style>
+        </p:cxnSp>
+        <p:cxnSp>
+          <p:nvCxnSpPr>
+            <p:cNvPr id="161" name="直线箭头连接符 44">
+              <a:extLst>
+                <a:ext uri="{FF2B5EF4-FFF2-40B4-BE49-F238E27FC236}">
+                  <a16:creationId xmlns:a16="http://schemas.microsoft.com/office/drawing/2014/main" id="{257FA622-0662-F445-B97D-C5DC27A13E8D}"/>
+                </a:ext>
+              </a:extLst>
+            </p:cNvPr>
+            <p:cNvCxnSpPr>
+              <a:cxnSpLocks/>
+              <a:endCxn id="155" idx="3"/>
+            </p:cNvCxnSpPr>
+            <p:nvPr/>
+          </p:nvCxnSpPr>
+          <p:spPr>
+            <a:xfrm rot="5400000">
+              <a:off x="8709224" y="1167082"/>
+              <a:ext cx="614291" cy="276272"/>
+            </a:xfrm>
+            <a:prstGeom prst="bentConnector2">
+              <a:avLst/>
+            </a:prstGeom>
+            <a:ln>
+              <a:solidFill>
+                <a:srgbClr val="E95429"/>
+              </a:solidFill>
+              <a:tailEnd type="triangle"/>
+            </a:ln>
+          </p:spPr>
+          <p:style>
+            <a:lnRef idx="1">
+              <a:schemeClr val="accent1"/>
+            </a:lnRef>
+            <a:fillRef idx="0">
+              <a:schemeClr val="accent1"/>
+            </a:fillRef>
+            <a:effectRef idx="0">
+              <a:schemeClr val="accent1"/>
+            </a:effectRef>
+            <a:fontRef idx="minor">
+              <a:schemeClr val="tx1"/>
+            </a:fontRef>
+          </p:style>
+        </p:cxnSp>
+        <p:cxnSp>
+          <p:nvCxnSpPr>
+            <p:cNvPr id="162" name="直线箭头连接符 44">
+              <a:extLst>
+                <a:ext uri="{FF2B5EF4-FFF2-40B4-BE49-F238E27FC236}">
+                  <a16:creationId xmlns:a16="http://schemas.microsoft.com/office/drawing/2014/main" id="{5D67AB9A-1DB4-6D41-9940-42501EEF16C4}"/>
+                </a:ext>
+              </a:extLst>
+            </p:cNvPr>
+            <p:cNvCxnSpPr>
+              <a:cxnSpLocks/>
+            </p:cNvCxnSpPr>
+            <p:nvPr/>
+          </p:nvCxnSpPr>
+          <p:spPr>
+            <a:xfrm rot="16200000" flipH="1">
+              <a:off x="8234026" y="1764988"/>
+              <a:ext cx="500132" cy="632734"/>
+            </a:xfrm>
+            <a:prstGeom prst="bentConnector3">
+              <a:avLst>
+                <a:gd name="adj1" fmla="val 38055"/>
+              </a:avLst>
+            </a:prstGeom>
+            <a:ln>
+              <a:solidFill>
+                <a:srgbClr val="E95429"/>
+              </a:solidFill>
+              <a:tailEnd type="triangle"/>
+            </a:ln>
+          </p:spPr>
+          <p:style>
+            <a:lnRef idx="1">
+              <a:schemeClr val="accent1"/>
+            </a:lnRef>
+            <a:fillRef idx="0">
+              <a:schemeClr val="accent1"/>
+            </a:fillRef>
+            <a:effectRef idx="0">
+              <a:schemeClr val="accent1"/>
+            </a:effectRef>
+            <a:fontRef idx="minor">
+              <a:schemeClr val="tx1"/>
+            </a:fontRef>
+          </p:style>
+        </p:cxnSp>
+        <p:cxnSp>
+          <p:nvCxnSpPr>
+            <p:cNvPr id="163" name="直线箭头连接符 44">
+              <a:extLst>
+                <a:ext uri="{FF2B5EF4-FFF2-40B4-BE49-F238E27FC236}">
+                  <a16:creationId xmlns:a16="http://schemas.microsoft.com/office/drawing/2014/main" id="{677C6CCB-F19C-6C41-941D-4C29227A8AE8}"/>
+                </a:ext>
+              </a:extLst>
+            </p:cNvPr>
+            <p:cNvCxnSpPr>
+              <a:cxnSpLocks/>
+            </p:cNvCxnSpPr>
+            <p:nvPr/>
+          </p:nvCxnSpPr>
+          <p:spPr>
+            <a:xfrm>
+              <a:off x="8882293" y="2575708"/>
+              <a:ext cx="2052336" cy="2201893"/>
+            </a:xfrm>
+            <a:prstGeom prst="bentConnector3">
+              <a:avLst>
+                <a:gd name="adj1" fmla="val 123421"/>
+              </a:avLst>
+            </a:prstGeom>
+            <a:ln>
+              <a:solidFill>
+                <a:srgbClr val="E95429"/>
+              </a:solidFill>
+              <a:tailEnd type="triangle"/>
+            </a:ln>
+          </p:spPr>
+          <p:style>
+            <a:lnRef idx="1">
+              <a:schemeClr val="accent1"/>
+            </a:lnRef>
+            <a:fillRef idx="0">
+              <a:schemeClr val="accent1"/>
+            </a:fillRef>
+            <a:effectRef idx="0">
+              <a:schemeClr val="accent1"/>
+            </a:effectRef>
+            <a:fontRef idx="minor">
+              <a:schemeClr val="tx1"/>
+            </a:fontRef>
+          </p:style>
+        </p:cxnSp>
+        <p:sp>
+          <p:nvSpPr>
+            <p:cNvPr id="164" name="文本框 163">
+              <a:extLst>
+                <a:ext uri="{FF2B5EF4-FFF2-40B4-BE49-F238E27FC236}">
+                  <a16:creationId xmlns:a16="http://schemas.microsoft.com/office/drawing/2014/main" id="{4F292D2D-BEE0-8C46-BDA3-15F324AEE85D}"/>
+                </a:ext>
+              </a:extLst>
+            </p:cNvPr>
+            <p:cNvSpPr txBox="1"/>
+            <p:nvPr/>
+          </p:nvSpPr>
+          <p:spPr>
+            <a:xfrm>
+              <a:off x="5327568" y="3236727"/>
+              <a:ext cx="1268296" cy="261610"/>
+            </a:xfrm>
+            <a:prstGeom prst="rect">
+              <a:avLst/>
+            </a:prstGeom>
+            <a:noFill/>
+          </p:spPr>
+          <p:txBody>
+            <a:bodyPr wrap="none" rtlCol="0">
+              <a:spAutoFit/>
+            </a:bodyPr>
+            <a:lstStyle/>
+            <a:p>
+              <a:r>
+                <a:rPr kumimoji="1" lang="en-US" altLang="zh-CN" sz="1100" b="1" dirty="0">
+                  <a:solidFill>
+                    <a:schemeClr val="accent5"/>
+                  </a:solidFill>
+                </a:rPr>
+                <a:t>Kubernetes</a:t>
+              </a:r>
+              <a:r>
+                <a:rPr kumimoji="1" lang="zh-CN" altLang="en-US" sz="1100" b="1" dirty="0">
+                  <a:solidFill>
+                    <a:schemeClr val="accent5"/>
+                  </a:solidFill>
+                </a:rPr>
+                <a:t> </a:t>
+              </a:r>
+              <a:r>
+                <a:rPr kumimoji="1" lang="en-US" altLang="zh-CN" sz="1100" b="1" dirty="0">
+                  <a:solidFill>
+                    <a:schemeClr val="accent5"/>
+                  </a:solidFill>
+                </a:rPr>
+                <a:t>Pod</a:t>
+              </a:r>
+              <a:endParaRPr kumimoji="1" lang="zh-CN" altLang="en-US" sz="1100" b="1" dirty="0">
+                <a:solidFill>
+                  <a:schemeClr val="accent5"/>
+                </a:solidFill>
+              </a:endParaRPr>
+            </a:p>
+          </p:txBody>
+        </p:sp>
+        <p:sp>
+          <p:nvSpPr>
+            <p:cNvPr id="165" name="文本框 164">
+              <a:extLst>
+                <a:ext uri="{FF2B5EF4-FFF2-40B4-BE49-F238E27FC236}">
+                  <a16:creationId xmlns:a16="http://schemas.microsoft.com/office/drawing/2014/main" id="{FD70C18C-E176-AD4C-A175-4408E3D97B40}"/>
+                </a:ext>
+              </a:extLst>
+            </p:cNvPr>
+            <p:cNvSpPr txBox="1"/>
+            <p:nvPr/>
+          </p:nvSpPr>
+          <p:spPr>
+            <a:xfrm>
+              <a:off x="7485904" y="3252309"/>
+              <a:ext cx="1268296" cy="261610"/>
+            </a:xfrm>
+            <a:prstGeom prst="rect">
+              <a:avLst/>
+            </a:prstGeom>
+            <a:noFill/>
+          </p:spPr>
+          <p:txBody>
+            <a:bodyPr wrap="none" rtlCol="0">
+              <a:spAutoFit/>
+            </a:bodyPr>
+            <a:lstStyle/>
+            <a:p>
+              <a:r>
+                <a:rPr kumimoji="1" lang="en-US" altLang="zh-CN" sz="1100" b="1" dirty="0">
+                  <a:solidFill>
+                    <a:schemeClr val="accent5"/>
+                  </a:solidFill>
+                </a:rPr>
+                <a:t>Kubernetes</a:t>
+              </a:r>
+              <a:r>
+                <a:rPr kumimoji="1" lang="zh-CN" altLang="en-US" sz="1100" b="1" dirty="0">
+                  <a:solidFill>
+                    <a:schemeClr val="accent5"/>
+                  </a:solidFill>
+                </a:rPr>
+                <a:t> </a:t>
+              </a:r>
+              <a:r>
+                <a:rPr kumimoji="1" lang="en-US" altLang="zh-CN" sz="1100" b="1" dirty="0">
+                  <a:solidFill>
+                    <a:schemeClr val="accent5"/>
+                  </a:solidFill>
+                </a:rPr>
+                <a:t>Pod</a:t>
+              </a:r>
+              <a:endParaRPr kumimoji="1" lang="zh-CN" altLang="en-US" sz="1100" b="1" dirty="0">
+                <a:solidFill>
+                  <a:schemeClr val="accent5"/>
+                </a:solidFill>
+              </a:endParaRPr>
+            </a:p>
+          </p:txBody>
+        </p:sp>
+        <p:sp>
+          <p:nvSpPr>
+            <p:cNvPr id="166" name="文本框 165">
+              <a:extLst>
+                <a:ext uri="{FF2B5EF4-FFF2-40B4-BE49-F238E27FC236}">
+                  <a16:creationId xmlns:a16="http://schemas.microsoft.com/office/drawing/2014/main" id="{92111F0E-8576-0240-8241-6485138C6130}"/>
+                </a:ext>
+              </a:extLst>
+            </p:cNvPr>
+            <p:cNvSpPr txBox="1"/>
+            <p:nvPr/>
+          </p:nvSpPr>
+          <p:spPr>
+            <a:xfrm>
+              <a:off x="9518971" y="3256656"/>
+              <a:ext cx="1268296" cy="261610"/>
+            </a:xfrm>
+            <a:prstGeom prst="rect">
+              <a:avLst/>
+            </a:prstGeom>
+            <a:noFill/>
+          </p:spPr>
+          <p:txBody>
+            <a:bodyPr wrap="none" rtlCol="0">
+              <a:spAutoFit/>
+            </a:bodyPr>
+            <a:lstStyle/>
+            <a:p>
+              <a:r>
+                <a:rPr kumimoji="1" lang="en-US" altLang="zh-CN" sz="1100" b="1" dirty="0">
+                  <a:solidFill>
+                    <a:schemeClr val="accent5"/>
+                  </a:solidFill>
+                </a:rPr>
+                <a:t>Kubernetes</a:t>
+              </a:r>
+              <a:r>
+                <a:rPr kumimoji="1" lang="zh-CN" altLang="en-US" sz="1100" b="1" dirty="0">
+                  <a:solidFill>
+                    <a:schemeClr val="accent5"/>
+                  </a:solidFill>
+                </a:rPr>
+                <a:t> </a:t>
+              </a:r>
+              <a:r>
+                <a:rPr kumimoji="1" lang="en-US" altLang="zh-CN" sz="1100" b="1" dirty="0">
+                  <a:solidFill>
+                    <a:schemeClr val="accent5"/>
+                  </a:solidFill>
+                </a:rPr>
+                <a:t>Pod</a:t>
+              </a:r>
+              <a:endParaRPr kumimoji="1" lang="zh-CN" altLang="en-US" sz="1100" b="1" dirty="0">
+                <a:solidFill>
+                  <a:schemeClr val="accent5"/>
+                </a:solidFill>
+              </a:endParaRPr>
+            </a:p>
+          </p:txBody>
+        </p:sp>
+        <p:sp>
+          <p:nvSpPr>
+            <p:cNvPr id="167" name="文本框 166">
+              <a:extLst>
+                <a:ext uri="{FF2B5EF4-FFF2-40B4-BE49-F238E27FC236}">
+                  <a16:creationId xmlns:a16="http://schemas.microsoft.com/office/drawing/2014/main" id="{E546A156-581C-1B46-B72F-FD82C46A1D2E}"/>
+                </a:ext>
+              </a:extLst>
+            </p:cNvPr>
+            <p:cNvSpPr txBox="1"/>
+            <p:nvPr/>
+          </p:nvSpPr>
+          <p:spPr>
+            <a:xfrm>
+              <a:off x="7415167" y="2012233"/>
+              <a:ext cx="1268296" cy="261610"/>
+            </a:xfrm>
+            <a:prstGeom prst="rect">
+              <a:avLst/>
+            </a:prstGeom>
+            <a:noFill/>
+          </p:spPr>
+          <p:txBody>
+            <a:bodyPr wrap="none" rtlCol="0">
+              <a:spAutoFit/>
+            </a:bodyPr>
+            <a:lstStyle/>
+            <a:p>
+              <a:r>
+                <a:rPr kumimoji="1" lang="en-US" altLang="zh-CN" sz="1100" b="1" dirty="0">
+                  <a:solidFill>
+                    <a:schemeClr val="accent5"/>
+                  </a:solidFill>
+                </a:rPr>
+                <a:t>Kubernetes</a:t>
+              </a:r>
+              <a:r>
+                <a:rPr kumimoji="1" lang="zh-CN" altLang="en-US" sz="1100" b="1" dirty="0">
+                  <a:solidFill>
+                    <a:schemeClr val="accent5"/>
+                  </a:solidFill>
+                </a:rPr>
+                <a:t> </a:t>
+              </a:r>
+              <a:r>
+                <a:rPr kumimoji="1" lang="en-US" altLang="zh-CN" sz="1100" b="1" dirty="0">
+                  <a:solidFill>
+                    <a:schemeClr val="accent5"/>
+                  </a:solidFill>
+                </a:rPr>
+                <a:t>Pod</a:t>
+              </a:r>
+              <a:endParaRPr kumimoji="1" lang="zh-CN" altLang="en-US" sz="1100" b="1" dirty="0">
+                <a:solidFill>
+                  <a:schemeClr val="accent5"/>
+                </a:solidFill>
+              </a:endParaRPr>
+            </a:p>
+          </p:txBody>
+        </p:sp>
+        <p:sp>
+          <p:nvSpPr>
+            <p:cNvPr id="192" name="矩形 191">
+              <a:extLst>
+                <a:ext uri="{FF2B5EF4-FFF2-40B4-BE49-F238E27FC236}">
+                  <a16:creationId xmlns:a16="http://schemas.microsoft.com/office/drawing/2014/main" id="{1E90B9A1-92C8-6445-9295-57F536B79613}"/>
+                </a:ext>
+              </a:extLst>
+            </p:cNvPr>
+            <p:cNvSpPr/>
+            <p:nvPr/>
+          </p:nvSpPr>
+          <p:spPr>
+            <a:xfrm>
+              <a:off x="8844886" y="2448060"/>
+              <a:ext cx="45719" cy="64101"/>
+            </a:xfrm>
+            <a:prstGeom prst="rect">
+              <a:avLst/>
+            </a:prstGeom>
+            <a:noFill/>
+            <a:ln>
+              <a:noFill/>
+            </a:ln>
+          </p:spPr>
+          <p:style>
+            <a:lnRef idx="2">
+              <a:schemeClr val="accent1">
+                <a:shade val="50000"/>
+              </a:schemeClr>
+            </a:lnRef>
+            <a:fillRef idx="1">
+              <a:schemeClr val="accent1"/>
+            </a:fillRef>
+            <a:effectRef idx="0">
+              <a:schemeClr val="accent1"/>
+            </a:effectRef>
+            <a:fontRef idx="minor">
+              <a:schemeClr val="lt1"/>
+            </a:fontRef>
+          </p:style>
+          <p:txBody>
+            <a:bodyPr rtlCol="0" anchor="ctr"/>
+            <a:lstStyle/>
+            <a:p>
+              <a:pPr algn="ctr"/>
+              <a:endParaRPr kumimoji="1" lang="zh-CN" altLang="en-US"/>
+            </a:p>
+          </p:txBody>
+        </p:sp>
+        <p:sp>
+          <p:nvSpPr>
+            <p:cNvPr id="197" name="矩形 196">
+              <a:extLst>
+                <a:ext uri="{FF2B5EF4-FFF2-40B4-BE49-F238E27FC236}">
+                  <a16:creationId xmlns:a16="http://schemas.microsoft.com/office/drawing/2014/main" id="{904C249B-6E8E-444A-B655-EB34287D2CD9}"/>
+                </a:ext>
+              </a:extLst>
+            </p:cNvPr>
+            <p:cNvSpPr/>
+            <p:nvPr/>
+          </p:nvSpPr>
+          <p:spPr>
+            <a:xfrm>
+              <a:off x="8848327" y="3691474"/>
+              <a:ext cx="45719" cy="82663"/>
+            </a:xfrm>
+            <a:prstGeom prst="rect">
+              <a:avLst/>
+            </a:prstGeom>
+            <a:ln>
+              <a:noFill/>
+            </a:ln>
+          </p:spPr>
+          <p:style>
+            <a:lnRef idx="2">
+              <a:schemeClr val="accent1">
+                <a:shade val="50000"/>
+              </a:schemeClr>
+            </a:lnRef>
+            <a:fillRef idx="1">
+              <a:schemeClr val="accent1"/>
+            </a:fillRef>
+            <a:effectRef idx="0">
+              <a:schemeClr val="accent1"/>
+            </a:effectRef>
+            <a:fontRef idx="minor">
+              <a:schemeClr val="lt1"/>
+            </a:fontRef>
+          </p:style>
+          <p:txBody>
+            <a:bodyPr rtlCol="0" anchor="ctr"/>
+            <a:lstStyle/>
+            <a:p>
+              <a:pPr algn="ctr"/>
+              <a:endParaRPr kumimoji="1" lang="zh-CN" altLang="en-US"/>
+            </a:p>
+          </p:txBody>
+        </p:sp>
+      </p:grpSp>
+      <p:sp>
+        <p:nvSpPr>
+          <p:cNvPr id="244" name="文本框 243">
+            <a:extLst>
+              <a:ext uri="{FF2B5EF4-FFF2-40B4-BE49-F238E27FC236}">
+                <a16:creationId xmlns:a16="http://schemas.microsoft.com/office/drawing/2014/main" id="{A6A68698-4F72-514D-8374-F696FCAD45A2}"/>
+              </a:ext>
+            </a:extLst>
+          </p:cNvPr>
+          <p:cNvSpPr txBox="1"/>
+          <p:nvPr/>
+        </p:nvSpPr>
+        <p:spPr>
+          <a:xfrm rot="5400000">
+            <a:off x="11404618" y="3388978"/>
+            <a:ext cx="1204176" cy="230832"/>
+          </a:xfrm>
+          <a:prstGeom prst="rect">
+            <a:avLst/>
+          </a:prstGeom>
+          <a:noFill/>
+        </p:spPr>
+        <p:txBody>
+          <a:bodyPr wrap="none" rtlCol="0">
+            <a:spAutoFit/>
+          </a:bodyPr>
+          <a:lstStyle/>
+          <a:p>
+            <a:r>
+              <a:rPr kumimoji="1" lang="en-US" altLang="zh-CN" sz="900" dirty="0">
+                <a:solidFill>
+                  <a:srgbClr val="E95429"/>
+                </a:solidFill>
+                <a:latin typeface="+mj-lt"/>
+              </a:rPr>
+              <a:t>Canary</a:t>
+            </a:r>
+            <a:r>
+              <a:rPr kumimoji="1" lang="zh-CN" altLang="en-US" sz="900" dirty="0">
+                <a:solidFill>
+                  <a:srgbClr val="E95429"/>
+                </a:solidFill>
+                <a:latin typeface="+mj-lt"/>
+              </a:rPr>
+              <a:t> </a:t>
+            </a:r>
+            <a:r>
+              <a:rPr kumimoji="1" lang="en-US" altLang="zh-CN" sz="900" dirty="0">
+                <a:solidFill>
+                  <a:srgbClr val="E95429"/>
+                </a:solidFill>
+                <a:latin typeface="+mj-lt"/>
+              </a:rPr>
+              <a:t>Deployment</a:t>
+            </a:r>
+            <a:endParaRPr kumimoji="1" lang="zh-CN" altLang="en-US" sz="900" dirty="0">
+              <a:solidFill>
+                <a:srgbClr val="E95429"/>
+              </a:solidFill>
+              <a:latin typeface="+mj-lt"/>
+            </a:endParaRPr>
+          </a:p>
+        </p:txBody>
+      </p:sp>
+    </p:spTree>
+    <p:extLst>
+      <p:ext uri="{BB962C8B-B14F-4D97-AF65-F5344CB8AC3E}">
+        <p14:creationId xmlns:p14="http://schemas.microsoft.com/office/powerpoint/2010/main" val="733364920"/>
+      </p:ext>
+    </p:extLst>
+  </p:cSld>
+  <p:clrMapOvr>
+    <a:masterClrMapping/>
+  </p:clrMapOvr>
+</p:sld>
+</file>
+
 <file path=ppt/theme/theme1.xml><?xml version="1.0" encoding="utf-8"?>
 <a:theme xmlns:a="http://schemas.openxmlformats.org/drawingml/2006/main" name="Office 主题​​">
   <a:themeElements>

--- a/docs/architecture.pptx
+++ b/docs/architecture.pptx
@@ -243,7 +243,7 @@
           <a:p>
             <a:fld id="{80386BBC-71F7-C440-ACC3-F0F595527C6C}" type="datetimeFigureOut">
               <a:rPr kumimoji="1" lang="zh-CN" altLang="en-US" smtClean="0"/>
-              <a:t>2021/4/27</a:t>
+              <a:t>2021/5/26</a:t>
             </a:fld>
             <a:endParaRPr kumimoji="1" lang="zh-CN" altLang="en-US"/>
           </a:p>
@@ -420,7 +420,7 @@
           <a:p>
             <a:fld id="{044E383A-B265-4935-8168-671F3DE2F894}" type="datetimeFigureOut">
               <a:rPr lang="zh-CN" altLang="en-US" smtClean="0"/>
-              <a:t>2021/4/27</a:t>
+              <a:t>2021/5/26</a:t>
             </a:fld>
             <a:endParaRPr lang="zh-CN" altLang="en-US"/>
           </a:p>
@@ -1552,7 +1552,7 @@
           <a:p>
             <a:fld id="{BBAAF37F-568A-4C76-B0A5-177AFDC2BD4C}" type="datetimeFigureOut">
               <a:rPr lang="zh-CN" altLang="en-US" smtClean="0"/>
-              <a:t>2021/4/27</a:t>
+              <a:t>2021/5/26</a:t>
             </a:fld>
             <a:endParaRPr lang="zh-CN" altLang="en-US"/>
           </a:p>
@@ -10368,7 +10368,7 @@
                   </a:solidFill>
                   <a:latin typeface="+mj-lt"/>
                 </a:rPr>
-                <a:t>EaseGateway</a:t>
+                <a:t>Easegress</a:t>
               </a:r>
               <a:r>
                 <a:rPr lang="zh-CN" altLang="en-US" sz="2000" b="1" dirty="0">
@@ -10406,7 +10406,7 @@
                 </a:rPr>
                 <a:t>Master</a:t>
               </a:r>
-              <a:endParaRPr lang="en-CN" altLang="zh-CN" sz="2000" b="1">
+              <a:endParaRPr lang="en-CN" altLang="zh-CN" sz="2000" b="1" dirty="0">
                 <a:solidFill>
                   <a:schemeClr val="bg1"/>
                 </a:solidFill>
@@ -11158,15 +11158,7 @@
             <a:pPr algn="ctr"/>
             <a:r>
               <a:rPr kumimoji="1" lang="en-US" altLang="zh-CN" sz="1200" b="1" dirty="0"/>
-              <a:t>(Ease</a:t>
-            </a:r>
-            <a:r>
-              <a:rPr kumimoji="1" lang="zh-CN" altLang="en-US" sz="1200" b="1" dirty="0"/>
-              <a:t> </a:t>
-            </a:r>
-            <a:r>
-              <a:rPr kumimoji="1" lang="en-US" altLang="zh-CN" sz="1200" b="1" dirty="0"/>
-              <a:t>Gateway)</a:t>
+              <a:t>(Easegress)</a:t>
             </a:r>
           </a:p>
         </p:txBody>
@@ -12022,7 +12014,7 @@
         <p:spPr>
           <a:xfrm>
             <a:off x="803250" y="247026"/>
-            <a:ext cx="5254772" cy="461665"/>
+            <a:ext cx="4810741" cy="461665"/>
           </a:xfrm>
           <a:prstGeom prst="rect">
             <a:avLst/>
@@ -12045,7 +12037,7 @@
                 </a:solidFill>
                 <a:latin typeface="+mj-lt"/>
               </a:rPr>
-              <a:t>EaseGateway</a:t>
+              <a:t>Easegress</a:t>
             </a:r>
             <a:r>
               <a:rPr kumimoji="1" lang="zh-CN" altLang="en-US" sz="2400" b="1" dirty="0">
@@ -17833,7 +17825,7 @@
         <p:spPr>
           <a:xfrm>
             <a:off x="2044171" y="877042"/>
-            <a:ext cx="3344057" cy="338554"/>
+            <a:ext cx="3036280" cy="338554"/>
           </a:xfrm>
           <a:prstGeom prst="rect">
             <a:avLst/>
@@ -17848,7 +17840,7 @@
           <a:p>
             <a:r>
               <a:rPr kumimoji="1" lang="en-US" altLang="zh-CN" sz="1600" dirty="0"/>
-              <a:t>EaseGateway</a:t>
+              <a:t>Easegress</a:t>
             </a:r>
             <a:r>
               <a:rPr kumimoji="1" lang="zh-CN" altLang="en-US" sz="1600" dirty="0"/>

--- a/docs/architecture.pptx
+++ b/docs/architecture.pptx
@@ -5,18 +5,19 @@
     <p:sldMasterId id="2147483648" r:id="rId1"/>
   </p:sldMasterIdLst>
   <p:notesMasterIdLst>
-    <p:notesMasterId r:id="rId8"/>
+    <p:notesMasterId r:id="rId9"/>
   </p:notesMasterIdLst>
   <p:handoutMasterIdLst>
-    <p:handoutMasterId r:id="rId9"/>
+    <p:handoutMasterId r:id="rId10"/>
   </p:handoutMasterIdLst>
   <p:sldIdLst>
     <p:sldId id="256" r:id="rId2"/>
-    <p:sldId id="257" r:id="rId3"/>
-    <p:sldId id="258" r:id="rId4"/>
-    <p:sldId id="260" r:id="rId5"/>
-    <p:sldId id="259" r:id="rId6"/>
-    <p:sldId id="261" r:id="rId7"/>
+    <p:sldId id="2441" r:id="rId3"/>
+    <p:sldId id="257" r:id="rId4"/>
+    <p:sldId id="258" r:id="rId5"/>
+    <p:sldId id="260" r:id="rId6"/>
+    <p:sldId id="259" r:id="rId7"/>
+    <p:sldId id="261" r:id="rId8"/>
   </p:sldIdLst>
   <p:sldSz cx="12192000" cy="6858000"/>
   <p:notesSz cx="6858000" cy="9144000"/>
@@ -243,7 +244,7 @@
           <a:p>
             <a:fld id="{80386BBC-71F7-C440-ACC3-F0F595527C6C}" type="datetimeFigureOut">
               <a:rPr kumimoji="1" lang="zh-CN" altLang="en-US" smtClean="0"/>
-              <a:t>2021/5/26</a:t>
+              <a:t>2021/6/7</a:t>
             </a:fld>
             <a:endParaRPr kumimoji="1" lang="zh-CN" altLang="en-US"/>
           </a:p>
@@ -420,7 +421,7 @@
           <a:p>
             <a:fld id="{044E383A-B265-4935-8168-671F3DE2F894}" type="datetimeFigureOut">
               <a:rPr lang="zh-CN" altLang="en-US" smtClean="0"/>
-              <a:t>2021/5/26</a:t>
+              <a:t>2021/6/7</a:t>
             </a:fld>
             <a:endParaRPr lang="zh-CN" altLang="en-US"/>
           </a:p>
@@ -752,7 +753,7 @@
           <a:p>
             <a:fld id="{6A28E5CD-C188-4EE7-A618-C84A2D3EB466}" type="slidenum">
               <a:rPr lang="zh-CN" altLang="en-US" smtClean="0"/>
-              <a:t>2</a:t>
+              <a:t>3</a:t>
             </a:fld>
             <a:endParaRPr lang="zh-CN" altLang="en-US"/>
           </a:p>
@@ -836,7 +837,7 @@
           <a:p>
             <a:fld id="{6A28E5CD-C188-4EE7-A618-C84A2D3EB466}" type="slidenum">
               <a:rPr lang="zh-CN" altLang="en-US" smtClean="0"/>
-              <a:t>4</a:t>
+              <a:t>5</a:t>
             </a:fld>
             <a:endParaRPr lang="zh-CN" altLang="en-US"/>
           </a:p>
@@ -920,7 +921,7 @@
           <a:p>
             <a:fld id="{6A28E5CD-C188-4EE7-A618-C84A2D3EB466}" type="slidenum">
               <a:rPr lang="zh-CN" altLang="en-US" smtClean="0"/>
-              <a:t>5</a:t>
+              <a:t>6</a:t>
             </a:fld>
             <a:endParaRPr lang="zh-CN" altLang="en-US"/>
           </a:p>
@@ -1552,7 +1553,7 @@
           <a:p>
             <a:fld id="{BBAAF37F-568A-4C76-B0A5-177AFDC2BD4C}" type="datetimeFigureOut">
               <a:rPr lang="zh-CN" altLang="en-US" smtClean="0"/>
-              <a:t>2021/5/26</a:t>
+              <a:t>2021/6/7</a:t>
             </a:fld>
             <a:endParaRPr lang="zh-CN" altLang="en-US"/>
           </a:p>
@@ -8671,6 +8672,3129 @@
       </p:grpSpPr>
       <p:sp>
         <p:nvSpPr>
+          <p:cNvPr id="2" name="内容占位符 2">
+            <a:extLst>
+              <a:ext uri="{FF2B5EF4-FFF2-40B4-BE49-F238E27FC236}">
+                <a16:creationId xmlns:a16="http://schemas.microsoft.com/office/drawing/2014/main" id="{113E68F0-2396-D04C-A5CD-53A6DC527C7D}"/>
+              </a:ext>
+            </a:extLst>
+          </p:cNvPr>
+          <p:cNvSpPr txBox="1">
+            <a:spLocks/>
+          </p:cNvSpPr>
+          <p:nvPr/>
+        </p:nvSpPr>
+        <p:spPr>
+          <a:xfrm>
+            <a:off x="1739152" y="4636503"/>
+            <a:ext cx="9152965" cy="1754771"/>
+          </a:xfrm>
+          <a:prstGeom prst="rect">
+            <a:avLst/>
+          </a:prstGeom>
+        </p:spPr>
+        <p:txBody>
+          <a:bodyPr/>
+          <a:lstStyle>
+            <a:lvl1pPr marL="228600" indent="-228600" algn="l" defTabSz="914400" rtl="0" eaLnBrk="1" latinLnBrk="0" hangingPunct="1">
+              <a:lnSpc>
+                <a:spcPct val="90000"/>
+              </a:lnSpc>
+              <a:spcBef>
+                <a:spcPts val="1000"/>
+              </a:spcBef>
+              <a:buFont typeface="Arial" panose="020B0604020202020204" pitchFamily="34" charset="0"/>
+              <a:buChar char="•"/>
+              <a:defRPr sz="2800" kern="1200">
+                <a:solidFill>
+                  <a:schemeClr val="tx1"/>
+                </a:solidFill>
+                <a:latin typeface="+mn-lt"/>
+                <a:ea typeface="+mn-ea"/>
+                <a:cs typeface="+mn-cs"/>
+              </a:defRPr>
+            </a:lvl1pPr>
+            <a:lvl2pPr marL="685800" marR="0" indent="-228600" algn="l" defTabSz="914400" rtl="0" eaLnBrk="1" fontAlgn="auto" latinLnBrk="0" hangingPunct="1">
+              <a:lnSpc>
+                <a:spcPct val="90000"/>
+              </a:lnSpc>
+              <a:spcBef>
+                <a:spcPts val="500"/>
+              </a:spcBef>
+              <a:spcAft>
+                <a:spcPts val="0"/>
+              </a:spcAft>
+              <a:buClrTx/>
+              <a:buSzTx/>
+              <a:buFont typeface="Arial" panose="020B0604020202020204" pitchFamily="34" charset="0"/>
+              <a:buChar char="•"/>
+              <a:tabLst/>
+              <a:defRPr sz="2400" kern="1200">
+                <a:solidFill>
+                  <a:schemeClr val="tx1"/>
+                </a:solidFill>
+                <a:latin typeface="+mn-lt"/>
+                <a:ea typeface="+mn-ea"/>
+                <a:cs typeface="+mn-cs"/>
+              </a:defRPr>
+            </a:lvl2pPr>
+            <a:lvl3pPr marL="1143000" indent="-228600" algn="l" defTabSz="914400" rtl="0" eaLnBrk="1" latinLnBrk="0" hangingPunct="1">
+              <a:lnSpc>
+                <a:spcPct val="90000"/>
+              </a:lnSpc>
+              <a:spcBef>
+                <a:spcPts val="500"/>
+              </a:spcBef>
+              <a:buFont typeface="Arial" panose="020B0604020202020204" pitchFamily="34" charset="0"/>
+              <a:buChar char="•"/>
+              <a:defRPr sz="2000" kern="1200">
+                <a:solidFill>
+                  <a:schemeClr val="tx1"/>
+                </a:solidFill>
+                <a:latin typeface="+mn-lt"/>
+                <a:ea typeface="+mn-ea"/>
+                <a:cs typeface="+mn-cs"/>
+              </a:defRPr>
+            </a:lvl3pPr>
+            <a:lvl4pPr marL="1600200" indent="-228600" algn="l" defTabSz="914400" rtl="0" eaLnBrk="1" latinLnBrk="0" hangingPunct="1">
+              <a:lnSpc>
+                <a:spcPct val="90000"/>
+              </a:lnSpc>
+              <a:spcBef>
+                <a:spcPts val="500"/>
+              </a:spcBef>
+              <a:buFont typeface="Arial" panose="020B0604020202020204" pitchFamily="34" charset="0"/>
+              <a:buChar char="•"/>
+              <a:defRPr sz="1800" kern="1200">
+                <a:solidFill>
+                  <a:schemeClr val="tx1"/>
+                </a:solidFill>
+                <a:latin typeface="+mn-lt"/>
+                <a:ea typeface="+mn-ea"/>
+                <a:cs typeface="+mn-cs"/>
+              </a:defRPr>
+            </a:lvl4pPr>
+            <a:lvl5pPr marL="2057400" indent="-228600" algn="l" defTabSz="914400" rtl="0" eaLnBrk="1" latinLnBrk="0" hangingPunct="1">
+              <a:lnSpc>
+                <a:spcPct val="90000"/>
+              </a:lnSpc>
+              <a:spcBef>
+                <a:spcPts val="500"/>
+              </a:spcBef>
+              <a:buFont typeface="Arial" panose="020B0604020202020204" pitchFamily="34" charset="0"/>
+              <a:buChar char="•"/>
+              <a:defRPr sz="1800" kern="1200">
+                <a:solidFill>
+                  <a:schemeClr val="tx1"/>
+                </a:solidFill>
+                <a:latin typeface="+mn-lt"/>
+                <a:ea typeface="+mn-ea"/>
+                <a:cs typeface="+mn-cs"/>
+              </a:defRPr>
+            </a:lvl5pPr>
+            <a:lvl6pPr marL="2514600" indent="-228600" algn="l" defTabSz="914400" rtl="0" eaLnBrk="1" latinLnBrk="0" hangingPunct="1">
+              <a:lnSpc>
+                <a:spcPct val="90000"/>
+              </a:lnSpc>
+              <a:spcBef>
+                <a:spcPts val="500"/>
+              </a:spcBef>
+              <a:buFont typeface="Arial" panose="020B0604020202020204" pitchFamily="34" charset="0"/>
+              <a:buChar char="•"/>
+              <a:defRPr sz="1800" kern="1200">
+                <a:solidFill>
+                  <a:schemeClr val="tx1"/>
+                </a:solidFill>
+                <a:latin typeface="+mn-lt"/>
+                <a:ea typeface="+mn-ea"/>
+                <a:cs typeface="+mn-cs"/>
+              </a:defRPr>
+            </a:lvl6pPr>
+            <a:lvl7pPr marL="2971800" indent="-228600" algn="l" defTabSz="914400" rtl="0" eaLnBrk="1" latinLnBrk="0" hangingPunct="1">
+              <a:lnSpc>
+                <a:spcPct val="90000"/>
+              </a:lnSpc>
+              <a:spcBef>
+                <a:spcPts val="500"/>
+              </a:spcBef>
+              <a:buFont typeface="Arial" panose="020B0604020202020204" pitchFamily="34" charset="0"/>
+              <a:buChar char="•"/>
+              <a:defRPr sz="1800" kern="1200">
+                <a:solidFill>
+                  <a:schemeClr val="tx1"/>
+                </a:solidFill>
+                <a:latin typeface="+mn-lt"/>
+                <a:ea typeface="+mn-ea"/>
+                <a:cs typeface="+mn-cs"/>
+              </a:defRPr>
+            </a:lvl7pPr>
+            <a:lvl8pPr marL="3429000" indent="-228600" algn="l" defTabSz="914400" rtl="0" eaLnBrk="1" latinLnBrk="0" hangingPunct="1">
+              <a:lnSpc>
+                <a:spcPct val="90000"/>
+              </a:lnSpc>
+              <a:spcBef>
+                <a:spcPts val="500"/>
+              </a:spcBef>
+              <a:buFont typeface="Arial" panose="020B0604020202020204" pitchFamily="34" charset="0"/>
+              <a:buChar char="•"/>
+              <a:defRPr sz="1800" kern="1200">
+                <a:solidFill>
+                  <a:schemeClr val="tx1"/>
+                </a:solidFill>
+                <a:latin typeface="+mn-lt"/>
+                <a:ea typeface="+mn-ea"/>
+                <a:cs typeface="+mn-cs"/>
+              </a:defRPr>
+            </a:lvl8pPr>
+            <a:lvl9pPr marL="3886200" indent="-228600" algn="l" defTabSz="914400" rtl="0" eaLnBrk="1" latinLnBrk="0" hangingPunct="1">
+              <a:lnSpc>
+                <a:spcPct val="90000"/>
+              </a:lnSpc>
+              <a:spcBef>
+                <a:spcPts val="500"/>
+              </a:spcBef>
+              <a:buFont typeface="Arial" panose="020B0604020202020204" pitchFamily="34" charset="0"/>
+              <a:buChar char="•"/>
+              <a:defRPr sz="1800" kern="1200">
+                <a:solidFill>
+                  <a:schemeClr val="tx1"/>
+                </a:solidFill>
+                <a:latin typeface="+mn-lt"/>
+                <a:ea typeface="+mn-ea"/>
+                <a:cs typeface="+mn-cs"/>
+              </a:defRPr>
+            </a:lvl9pPr>
+          </a:lstStyle>
+          <a:p>
+            <a:r>
+              <a:rPr kumimoji="1" lang="zh-CN" altLang="en-US" sz="1600" dirty="0"/>
+              <a:t>通过在老服务机器上安装一个</a:t>
+            </a:r>
+            <a:r>
+              <a:rPr kumimoji="1" lang="en-US" altLang="zh-CN" sz="1600" dirty="0"/>
+              <a:t>Side</a:t>
+            </a:r>
+            <a:r>
+              <a:rPr kumimoji="1" lang="zh-CN" altLang="en-US" sz="1600" dirty="0"/>
+              <a:t> </a:t>
+            </a:r>
+            <a:r>
+              <a:rPr kumimoji="1" lang="en-US" altLang="zh-CN" sz="1600" dirty="0"/>
+              <a:t>Car</a:t>
+            </a:r>
+            <a:r>
+              <a:rPr kumimoji="1" lang="zh-CN" altLang="en-US" sz="1600" dirty="0"/>
+              <a:t>边车服务。把</a:t>
+            </a:r>
+            <a:r>
+              <a:rPr kumimoji="1" lang="en-US" altLang="zh-CN" sz="1600" dirty="0"/>
+              <a:t>【</a:t>
+            </a:r>
+            <a:r>
+              <a:rPr kumimoji="1" lang="zh-CN" altLang="en-US" sz="1600" dirty="0"/>
+              <a:t>服务</a:t>
+            </a:r>
+            <a:r>
+              <a:rPr kumimoji="1" lang="en-US" altLang="zh-CN" sz="1600" dirty="0"/>
+              <a:t>A】</a:t>
+            </a:r>
+            <a:r>
+              <a:rPr kumimoji="1" lang="zh-CN" altLang="en-US" sz="1600" dirty="0"/>
+              <a:t>对外的流量全部劫持到</a:t>
+            </a:r>
+            <a:r>
+              <a:rPr kumimoji="1" lang="en-US" altLang="zh-CN" sz="1600" dirty="0"/>
+              <a:t>Side</a:t>
+            </a:r>
+            <a:r>
+              <a:rPr kumimoji="1" lang="zh-CN" altLang="en-US" sz="1600" dirty="0"/>
+              <a:t> </a:t>
+            </a:r>
+            <a:r>
+              <a:rPr kumimoji="1" lang="en-US" altLang="zh-CN" sz="1600" dirty="0"/>
+              <a:t>Car</a:t>
+            </a:r>
+            <a:r>
+              <a:rPr kumimoji="1" lang="zh-CN" altLang="en-US" sz="1600" dirty="0"/>
+              <a:t>上。</a:t>
+            </a:r>
+            <a:endParaRPr kumimoji="1" lang="en-US" altLang="zh-CN" sz="1600" dirty="0"/>
+          </a:p>
+          <a:p>
+            <a:r>
+              <a:rPr kumimoji="1" lang="zh-CN" altLang="en-US" sz="1600" dirty="0"/>
+              <a:t>并通过</a:t>
+            </a:r>
+            <a:r>
+              <a:rPr kumimoji="1" lang="en-US" altLang="zh-CN" sz="1600" dirty="0"/>
+              <a:t>Java</a:t>
+            </a:r>
+            <a:r>
+              <a:rPr kumimoji="1" lang="zh-CN" altLang="en-US" sz="1600" dirty="0"/>
+              <a:t> </a:t>
+            </a:r>
+            <a:r>
+              <a:rPr kumimoji="1" lang="en-US" altLang="zh-CN" sz="1600" dirty="0"/>
+              <a:t>Agent</a:t>
+            </a:r>
+            <a:r>
+              <a:rPr kumimoji="1" lang="zh-CN" altLang="en-US" sz="1600" dirty="0"/>
+              <a:t>的字节码注入技术，采集</a:t>
+            </a:r>
+            <a:r>
+              <a:rPr kumimoji="1" lang="en-US" altLang="zh-CN" sz="1600" dirty="0"/>
+              <a:t>【</a:t>
+            </a:r>
+            <a:r>
+              <a:rPr kumimoji="1" lang="zh-CN" altLang="en-US" sz="1600" dirty="0"/>
+              <a:t>服务</a:t>
+            </a:r>
+            <a:r>
+              <a:rPr kumimoji="1" lang="en-US" altLang="zh-CN" sz="1600" dirty="0"/>
+              <a:t>A】</a:t>
+            </a:r>
+            <a:r>
+              <a:rPr kumimoji="1" lang="zh-CN" altLang="en-US" sz="1600" dirty="0"/>
+              <a:t>的调用链和指标数据。</a:t>
+            </a:r>
+            <a:endParaRPr kumimoji="1" lang="en-US" altLang="zh-CN" sz="1600" dirty="0"/>
+          </a:p>
+          <a:p>
+            <a:r>
+              <a:rPr kumimoji="1" lang="zh-CN" altLang="en-US" sz="1600" dirty="0"/>
+              <a:t>这样就可以把一个老旧的服务改造成新的服务，并接纳入新型的服务框架中。</a:t>
+            </a:r>
+            <a:endParaRPr kumimoji="1" lang="en-US" altLang="zh-CN" sz="1600" dirty="0"/>
+          </a:p>
+          <a:p>
+            <a:r>
+              <a:rPr kumimoji="1" lang="zh-CN" altLang="en-US" sz="1600" dirty="0"/>
+              <a:t>这个方法对老架构和新架构都完全透明。</a:t>
+            </a:r>
+            <a:endParaRPr kumimoji="1" lang="en-US" altLang="zh-CN" sz="1600" dirty="0"/>
+          </a:p>
+          <a:p>
+            <a:endParaRPr kumimoji="1" lang="en-US" altLang="zh-CN" sz="1600" dirty="0"/>
+          </a:p>
+          <a:p>
+            <a:endParaRPr kumimoji="1" lang="en-US" altLang="zh-CN" sz="1600" dirty="0"/>
+          </a:p>
+          <a:p>
+            <a:endParaRPr kumimoji="1" lang="en-US" altLang="zh-CN" sz="1600" dirty="0"/>
+          </a:p>
+        </p:txBody>
+      </p:sp>
+      <p:grpSp>
+        <p:nvGrpSpPr>
+          <p:cNvPr id="3" name="组合 2">
+            <a:extLst>
+              <a:ext uri="{FF2B5EF4-FFF2-40B4-BE49-F238E27FC236}">
+                <a16:creationId xmlns:a16="http://schemas.microsoft.com/office/drawing/2014/main" id="{5F8C2E39-4890-E946-A1CD-9810D3AA7876}"/>
+              </a:ext>
+            </a:extLst>
+          </p:cNvPr>
+          <p:cNvGrpSpPr/>
+          <p:nvPr/>
+        </p:nvGrpSpPr>
+        <p:grpSpPr>
+          <a:xfrm>
+            <a:off x="2900259" y="2922327"/>
+            <a:ext cx="2268754" cy="735291"/>
+            <a:chOff x="5191811" y="3378497"/>
+            <a:chExt cx="2142243" cy="735291"/>
+          </a:xfrm>
+        </p:grpSpPr>
+        <p:sp>
+          <p:nvSpPr>
+            <p:cNvPr id="4" name="圆角矩形 3">
+              <a:extLst>
+                <a:ext uri="{FF2B5EF4-FFF2-40B4-BE49-F238E27FC236}">
+                  <a16:creationId xmlns:a16="http://schemas.microsoft.com/office/drawing/2014/main" id="{F0F5D29E-CB1F-BE42-9F58-C8A446A1CE04}"/>
+                </a:ext>
+              </a:extLst>
+            </p:cNvPr>
+            <p:cNvSpPr/>
+            <p:nvPr/>
+          </p:nvSpPr>
+          <p:spPr>
+            <a:xfrm>
+              <a:off x="5191811" y="3378497"/>
+              <a:ext cx="2142243" cy="735291"/>
+            </a:xfrm>
+            <a:prstGeom prst="roundRect">
+              <a:avLst/>
+            </a:prstGeom>
+            <a:solidFill>
+              <a:schemeClr val="bg1"/>
+            </a:solidFill>
+            <a:ln/>
+          </p:spPr>
+          <p:style>
+            <a:lnRef idx="2">
+              <a:schemeClr val="dk1">
+                <a:shade val="50000"/>
+              </a:schemeClr>
+            </a:lnRef>
+            <a:fillRef idx="1">
+              <a:schemeClr val="dk1"/>
+            </a:fillRef>
+            <a:effectRef idx="0">
+              <a:schemeClr val="dk1"/>
+            </a:effectRef>
+            <a:fontRef idx="minor">
+              <a:schemeClr val="lt1"/>
+            </a:fontRef>
+          </p:style>
+          <p:txBody>
+            <a:bodyPr rot="0" spcFirstLastPara="0" vertOverflow="overflow" horzOverflow="overflow" vert="horz" wrap="square" lIns="91440" tIns="45720" rIns="91440" bIns="45720" numCol="1" spcCol="0" rtlCol="0" fromWordArt="0" anchor="ctr" anchorCtr="0" forceAA="0" compatLnSpc="1">
+              <a:prstTxWarp prst="textNoShape">
+                <a:avLst/>
+              </a:prstTxWarp>
+              <a:noAutofit/>
+            </a:bodyPr>
+            <a:lstStyle/>
+            <a:p>
+              <a:r>
+                <a:rPr kumimoji="1" lang="zh-CN" altLang="en-US" sz="1400" b="1" dirty="0">
+                  <a:solidFill>
+                    <a:schemeClr val="accent6"/>
+                  </a:solidFill>
+                  <a:latin typeface="+mj-ea"/>
+                  <a:ea typeface="+mj-ea"/>
+                </a:rPr>
+                <a:t>服务</a:t>
+              </a:r>
+              <a:r>
+                <a:rPr kumimoji="1" lang="en-US" altLang="zh-CN" sz="1400" b="1" dirty="0">
+                  <a:solidFill>
+                    <a:schemeClr val="accent6"/>
+                  </a:solidFill>
+                  <a:latin typeface="+mj-ea"/>
+                  <a:ea typeface="+mj-ea"/>
+                </a:rPr>
+                <a:t>B</a:t>
+              </a:r>
+            </a:p>
+          </p:txBody>
+        </p:sp>
+        <p:sp>
+          <p:nvSpPr>
+            <p:cNvPr id="5" name="圆角矩形 4">
+              <a:extLst>
+                <a:ext uri="{FF2B5EF4-FFF2-40B4-BE49-F238E27FC236}">
+                  <a16:creationId xmlns:a16="http://schemas.microsoft.com/office/drawing/2014/main" id="{D9FFA7CF-5652-A041-A00D-02A2498585EF}"/>
+                </a:ext>
+              </a:extLst>
+            </p:cNvPr>
+            <p:cNvSpPr/>
+            <p:nvPr/>
+          </p:nvSpPr>
+          <p:spPr>
+            <a:xfrm>
+              <a:off x="5885740" y="3498968"/>
+              <a:ext cx="1325766" cy="494348"/>
+            </a:xfrm>
+            <a:prstGeom prst="roundRect">
+              <a:avLst/>
+            </a:prstGeom>
+            <a:ln/>
+          </p:spPr>
+          <p:style>
+            <a:lnRef idx="2">
+              <a:schemeClr val="accent4">
+                <a:shade val="50000"/>
+              </a:schemeClr>
+            </a:lnRef>
+            <a:fillRef idx="1">
+              <a:schemeClr val="accent4"/>
+            </a:fillRef>
+            <a:effectRef idx="0">
+              <a:schemeClr val="accent4"/>
+            </a:effectRef>
+            <a:fontRef idx="minor">
+              <a:schemeClr val="lt1"/>
+            </a:fontRef>
+          </p:style>
+          <p:txBody>
+            <a:bodyPr rot="0" spcFirstLastPara="0" vertOverflow="overflow" horzOverflow="overflow" vert="horz" wrap="square" lIns="91440" tIns="45720" rIns="91440" bIns="45720" numCol="1" spcCol="0" rtlCol="0" fromWordArt="0" anchor="ctr" anchorCtr="0" forceAA="0" compatLnSpc="1">
+              <a:prstTxWarp prst="textNoShape">
+                <a:avLst/>
+              </a:prstTxWarp>
+              <a:noAutofit/>
+            </a:bodyPr>
+            <a:lstStyle/>
+            <a:p>
+              <a:pPr algn="ctr"/>
+              <a:r>
+                <a:rPr kumimoji="1" lang="en-US" altLang="zh-CN" sz="1000" dirty="0">
+                  <a:solidFill>
+                    <a:schemeClr val="bg1"/>
+                  </a:solidFill>
+                  <a:latin typeface="+mj-ea"/>
+                  <a:ea typeface="+mj-ea"/>
+                </a:rPr>
+                <a:t>Service</a:t>
+              </a:r>
+              <a:r>
+                <a:rPr kumimoji="1" lang="zh-CN" altLang="en-US" sz="1000" dirty="0">
+                  <a:solidFill>
+                    <a:schemeClr val="bg1"/>
+                  </a:solidFill>
+                  <a:latin typeface="+mj-ea"/>
+                  <a:ea typeface="+mj-ea"/>
+                </a:rPr>
+                <a:t> </a:t>
+              </a:r>
+              <a:r>
+                <a:rPr kumimoji="1" lang="en-US" altLang="zh-CN" sz="1000" dirty="0">
+                  <a:solidFill>
+                    <a:schemeClr val="bg1"/>
+                  </a:solidFill>
+                  <a:latin typeface="+mj-ea"/>
+                  <a:ea typeface="+mj-ea"/>
+                </a:rPr>
+                <a:t>Framework</a:t>
+              </a:r>
+            </a:p>
+            <a:p>
+              <a:pPr algn="ctr"/>
+              <a:r>
+                <a:rPr kumimoji="1" lang="en-US" altLang="zh-CN" sz="1000" dirty="0">
+                  <a:solidFill>
+                    <a:schemeClr val="bg1"/>
+                  </a:solidFill>
+                  <a:latin typeface="+mj-ea"/>
+                  <a:ea typeface="+mj-ea"/>
+                </a:rPr>
+                <a:t>(SDK</a:t>
+              </a:r>
+              <a:r>
+                <a:rPr kumimoji="1" lang="zh-CN" altLang="en-US" sz="1000" dirty="0">
+                  <a:solidFill>
+                    <a:schemeClr val="bg1"/>
+                  </a:solidFill>
+                  <a:latin typeface="+mj-ea"/>
+                  <a:ea typeface="+mj-ea"/>
+                </a:rPr>
+                <a:t>内嵌</a:t>
+              </a:r>
+              <a:r>
+                <a:rPr kumimoji="1" lang="en-US" altLang="zh-CN" sz="1000" dirty="0">
+                  <a:solidFill>
+                    <a:schemeClr val="bg1"/>
+                  </a:solidFill>
+                  <a:latin typeface="+mj-ea"/>
+                  <a:ea typeface="+mj-ea"/>
+                </a:rPr>
+                <a:t>)</a:t>
+              </a:r>
+              <a:endParaRPr kumimoji="1" lang="zh-CN" altLang="en-US" sz="1000" dirty="0">
+                <a:solidFill>
+                  <a:schemeClr val="bg1"/>
+                </a:solidFill>
+                <a:latin typeface="+mj-ea"/>
+                <a:ea typeface="+mj-ea"/>
+              </a:endParaRPr>
+            </a:p>
+          </p:txBody>
+        </p:sp>
+      </p:grpSp>
+      <p:grpSp>
+        <p:nvGrpSpPr>
+          <p:cNvPr id="6" name="组合 5">
+            <a:extLst>
+              <a:ext uri="{FF2B5EF4-FFF2-40B4-BE49-F238E27FC236}">
+                <a16:creationId xmlns:a16="http://schemas.microsoft.com/office/drawing/2014/main" id="{B2B03D98-B0C4-814B-9241-B0EEC8C648B2}"/>
+              </a:ext>
+            </a:extLst>
+          </p:cNvPr>
+          <p:cNvGrpSpPr/>
+          <p:nvPr/>
+        </p:nvGrpSpPr>
+        <p:grpSpPr>
+          <a:xfrm>
+            <a:off x="2830818" y="1565106"/>
+            <a:ext cx="2407637" cy="830153"/>
+            <a:chOff x="1109595" y="1574071"/>
+            <a:chExt cx="2407637" cy="830153"/>
+          </a:xfrm>
+        </p:grpSpPr>
+        <p:sp>
+          <p:nvSpPr>
+            <p:cNvPr id="7" name="圆角矩形 6">
+              <a:extLst>
+                <a:ext uri="{FF2B5EF4-FFF2-40B4-BE49-F238E27FC236}">
+                  <a16:creationId xmlns:a16="http://schemas.microsoft.com/office/drawing/2014/main" id="{347CFD2D-770D-704B-AA37-F8DFB8997E8F}"/>
+                </a:ext>
+              </a:extLst>
+            </p:cNvPr>
+            <p:cNvSpPr/>
+            <p:nvPr/>
+          </p:nvSpPr>
+          <p:spPr>
+            <a:xfrm>
+              <a:off x="1109595" y="1574071"/>
+              <a:ext cx="2407637" cy="830153"/>
+            </a:xfrm>
+            <a:prstGeom prst="roundRect">
+              <a:avLst/>
+            </a:prstGeom>
+            <a:noFill/>
+            <a:ln w="19050">
+              <a:solidFill>
+                <a:schemeClr val="tx1">
+                  <a:lumMod val="50000"/>
+                  <a:lumOff val="50000"/>
+                </a:schemeClr>
+              </a:solidFill>
+              <a:prstDash val="dash"/>
+            </a:ln>
+          </p:spPr>
+          <p:style>
+            <a:lnRef idx="2">
+              <a:schemeClr val="accent1">
+                <a:shade val="50000"/>
+              </a:schemeClr>
+            </a:lnRef>
+            <a:fillRef idx="1">
+              <a:schemeClr val="accent1"/>
+            </a:fillRef>
+            <a:effectRef idx="0">
+              <a:schemeClr val="accent1"/>
+            </a:effectRef>
+            <a:fontRef idx="minor">
+              <a:schemeClr val="lt1"/>
+            </a:fontRef>
+          </p:style>
+          <p:txBody>
+            <a:bodyPr rot="0" spcFirstLastPara="0" vertOverflow="overflow" horzOverflow="overflow" vert="horz" wrap="square" lIns="91440" tIns="45720" rIns="91440" bIns="45720" numCol="1" spcCol="0" rtlCol="0" fromWordArt="0" anchor="ctr" anchorCtr="0" forceAA="0" compatLnSpc="1">
+              <a:prstTxWarp prst="textNoShape">
+                <a:avLst/>
+              </a:prstTxWarp>
+              <a:noAutofit/>
+            </a:bodyPr>
+            <a:lstStyle/>
+            <a:p>
+              <a:pPr algn="ctr"/>
+              <a:endParaRPr kumimoji="1" lang="zh-CN" altLang="en-US" sz="1400" b="1" dirty="0">
+                <a:solidFill>
+                  <a:schemeClr val="tx1"/>
+                </a:solidFill>
+                <a:latin typeface="微软雅黑" panose="020B0503020204020204" pitchFamily="34" charset="-122"/>
+                <a:ea typeface="微软雅黑" panose="020B0503020204020204" pitchFamily="34" charset="-122"/>
+              </a:endParaRPr>
+            </a:p>
+          </p:txBody>
+        </p:sp>
+        <p:grpSp>
+          <p:nvGrpSpPr>
+            <p:cNvPr id="8" name="组合 7">
+              <a:extLst>
+                <a:ext uri="{FF2B5EF4-FFF2-40B4-BE49-F238E27FC236}">
+                  <a16:creationId xmlns:a16="http://schemas.microsoft.com/office/drawing/2014/main" id="{7D2A3489-1B0B-ED48-AF4B-758BD59A2A3B}"/>
+                </a:ext>
+              </a:extLst>
+            </p:cNvPr>
+            <p:cNvGrpSpPr/>
+            <p:nvPr/>
+          </p:nvGrpSpPr>
+          <p:grpSpPr>
+            <a:xfrm>
+              <a:off x="1179036" y="1621501"/>
+              <a:ext cx="2268753" cy="735291"/>
+              <a:chOff x="5225555" y="3258024"/>
+              <a:chExt cx="2268753" cy="735291"/>
+            </a:xfrm>
+          </p:grpSpPr>
+          <p:sp>
+            <p:nvSpPr>
+              <p:cNvPr id="9" name="圆角矩形 8">
+                <a:extLst>
+                  <a:ext uri="{FF2B5EF4-FFF2-40B4-BE49-F238E27FC236}">
+                    <a16:creationId xmlns:a16="http://schemas.microsoft.com/office/drawing/2014/main" id="{F217B325-6309-0742-9D17-765CD1DE9873}"/>
+                  </a:ext>
+                </a:extLst>
+              </p:cNvPr>
+              <p:cNvSpPr/>
+              <p:nvPr/>
+            </p:nvSpPr>
+            <p:spPr>
+              <a:xfrm>
+                <a:off x="5225555" y="3258024"/>
+                <a:ext cx="800344" cy="735291"/>
+              </a:xfrm>
+              <a:prstGeom prst="roundRect">
+                <a:avLst/>
+              </a:prstGeom>
+              <a:solidFill>
+                <a:schemeClr val="bg1"/>
+              </a:solidFill>
+              <a:ln/>
+            </p:spPr>
+            <p:style>
+              <a:lnRef idx="2">
+                <a:schemeClr val="dk1">
+                  <a:shade val="50000"/>
+                </a:schemeClr>
+              </a:lnRef>
+              <a:fillRef idx="1">
+                <a:schemeClr val="dk1"/>
+              </a:fillRef>
+              <a:effectRef idx="0">
+                <a:schemeClr val="dk1"/>
+              </a:effectRef>
+              <a:fontRef idx="minor">
+                <a:schemeClr val="lt1"/>
+              </a:fontRef>
+            </p:style>
+            <p:txBody>
+              <a:bodyPr rot="0" spcFirstLastPara="0" vertOverflow="overflow" horzOverflow="overflow" vert="horz" wrap="square" lIns="91440" tIns="45720" rIns="91440" bIns="45720" numCol="1" spcCol="0" rtlCol="0" fromWordArt="0" anchor="t" anchorCtr="0" forceAA="0" compatLnSpc="1">
+                <a:prstTxWarp prst="textNoShape">
+                  <a:avLst/>
+                </a:prstTxWarp>
+                <a:noAutofit/>
+              </a:bodyPr>
+              <a:lstStyle/>
+              <a:p>
+                <a:pPr algn="ctr"/>
+                <a:r>
+                  <a:rPr kumimoji="1" lang="zh-CN" altLang="en-US" sz="1400" b="1" dirty="0">
+                    <a:solidFill>
+                      <a:schemeClr val="accent6"/>
+                    </a:solidFill>
+                    <a:latin typeface="+mj-ea"/>
+                    <a:ea typeface="+mj-ea"/>
+                  </a:rPr>
+                  <a:t>服务</a:t>
+                </a:r>
+                <a:r>
+                  <a:rPr kumimoji="1" lang="en-US" altLang="zh-CN" sz="1400" b="1" dirty="0">
+                    <a:solidFill>
+                      <a:schemeClr val="accent6"/>
+                    </a:solidFill>
+                    <a:latin typeface="+mj-ea"/>
+                    <a:ea typeface="+mj-ea"/>
+                  </a:rPr>
+                  <a:t>A</a:t>
+                </a:r>
+              </a:p>
+            </p:txBody>
+          </p:sp>
+          <p:sp>
+            <p:nvSpPr>
+              <p:cNvPr id="10" name="圆角矩形 9">
+                <a:extLst>
+                  <a:ext uri="{FF2B5EF4-FFF2-40B4-BE49-F238E27FC236}">
+                    <a16:creationId xmlns:a16="http://schemas.microsoft.com/office/drawing/2014/main" id="{37943D5C-D9C4-7249-A652-0C7AD71B9DE5}"/>
+                  </a:ext>
+                </a:extLst>
+              </p:cNvPr>
+              <p:cNvSpPr/>
+              <p:nvPr/>
+            </p:nvSpPr>
+            <p:spPr>
+              <a:xfrm>
+                <a:off x="6212263" y="3258024"/>
+                <a:ext cx="1282045" cy="735291"/>
+              </a:xfrm>
+              <a:prstGeom prst="roundRect">
+                <a:avLst/>
+              </a:prstGeom>
+              <a:ln/>
+            </p:spPr>
+            <p:style>
+              <a:lnRef idx="2">
+                <a:schemeClr val="accent4">
+                  <a:shade val="50000"/>
+                </a:schemeClr>
+              </a:lnRef>
+              <a:fillRef idx="1">
+                <a:schemeClr val="accent4"/>
+              </a:fillRef>
+              <a:effectRef idx="0">
+                <a:schemeClr val="accent4"/>
+              </a:effectRef>
+              <a:fontRef idx="minor">
+                <a:schemeClr val="lt1"/>
+              </a:fontRef>
+            </p:style>
+            <p:txBody>
+              <a:bodyPr rot="0" spcFirstLastPara="0" vertOverflow="overflow" horzOverflow="overflow" vert="horz" wrap="square" lIns="91440" tIns="45720" rIns="91440" bIns="45720" numCol="1" spcCol="0" rtlCol="0" fromWordArt="0" anchor="ctr" anchorCtr="0" forceAA="0" compatLnSpc="1">
+                <a:prstTxWarp prst="textNoShape">
+                  <a:avLst/>
+                </a:prstTxWarp>
+                <a:noAutofit/>
+              </a:bodyPr>
+              <a:lstStyle/>
+              <a:p>
+                <a:pPr algn="ctr"/>
+                <a:r>
+                  <a:rPr kumimoji="1" lang="en-US" altLang="zh-CN" sz="1600" dirty="0">
+                    <a:solidFill>
+                      <a:schemeClr val="bg1"/>
+                    </a:solidFill>
+                    <a:latin typeface="+mj-ea"/>
+                    <a:ea typeface="+mj-ea"/>
+                  </a:rPr>
+                  <a:t>Side</a:t>
+                </a:r>
+                <a:r>
+                  <a:rPr kumimoji="1" lang="zh-CN" altLang="en-US" sz="1600" dirty="0">
+                    <a:solidFill>
+                      <a:schemeClr val="bg1"/>
+                    </a:solidFill>
+                    <a:latin typeface="+mj-ea"/>
+                    <a:ea typeface="+mj-ea"/>
+                  </a:rPr>
+                  <a:t> </a:t>
+                </a:r>
+                <a:r>
+                  <a:rPr kumimoji="1" lang="en-US" altLang="zh-CN" sz="1600" dirty="0">
+                    <a:solidFill>
+                      <a:schemeClr val="bg1"/>
+                    </a:solidFill>
+                    <a:latin typeface="+mj-ea"/>
+                    <a:ea typeface="+mj-ea"/>
+                  </a:rPr>
+                  <a:t>Car</a:t>
+                </a:r>
+              </a:p>
+              <a:p>
+                <a:pPr algn="ctr"/>
+                <a:r>
+                  <a:rPr kumimoji="1" lang="en-US" altLang="zh-CN" sz="1200" dirty="0">
+                    <a:solidFill>
+                      <a:schemeClr val="bg1"/>
+                    </a:solidFill>
+                    <a:latin typeface="+mj-ea"/>
+                    <a:ea typeface="+mj-ea"/>
+                  </a:rPr>
+                  <a:t>(</a:t>
+                </a:r>
+                <a:r>
+                  <a:rPr kumimoji="1" lang="zh-CN" altLang="en-US" sz="1200" dirty="0">
+                    <a:solidFill>
+                      <a:schemeClr val="bg1"/>
+                    </a:solidFill>
+                    <a:latin typeface="+mj-ea"/>
+                    <a:ea typeface="+mj-ea"/>
+                  </a:rPr>
+                  <a:t>本机部署</a:t>
+                </a:r>
+                <a:r>
+                  <a:rPr kumimoji="1" lang="en-US" altLang="zh-CN" sz="1200" dirty="0">
+                    <a:solidFill>
+                      <a:schemeClr val="bg1"/>
+                    </a:solidFill>
+                    <a:latin typeface="+mj-ea"/>
+                    <a:ea typeface="+mj-ea"/>
+                  </a:rPr>
+                  <a:t>)</a:t>
+                </a:r>
+                <a:endParaRPr kumimoji="1" lang="zh-CN" altLang="en-US" sz="1200" dirty="0">
+                  <a:solidFill>
+                    <a:schemeClr val="bg1"/>
+                  </a:solidFill>
+                  <a:latin typeface="+mj-ea"/>
+                  <a:ea typeface="+mj-ea"/>
+                </a:endParaRPr>
+              </a:p>
+            </p:txBody>
+          </p:sp>
+          <p:cxnSp>
+            <p:nvCxnSpPr>
+              <p:cNvPr id="11" name="直线箭头连接符 10">
+                <a:extLst>
+                  <a:ext uri="{FF2B5EF4-FFF2-40B4-BE49-F238E27FC236}">
+                    <a16:creationId xmlns:a16="http://schemas.microsoft.com/office/drawing/2014/main" id="{061ED091-2C98-0D43-B860-B12618205E18}"/>
+                  </a:ext>
+                </a:extLst>
+              </p:cNvPr>
+              <p:cNvCxnSpPr>
+                <a:cxnSpLocks/>
+                <a:stCxn id="9" idx="3"/>
+                <a:endCxn id="10" idx="1"/>
+              </p:cNvCxnSpPr>
+              <p:nvPr/>
+            </p:nvCxnSpPr>
+            <p:spPr>
+              <a:xfrm>
+                <a:off x="6025899" y="3625670"/>
+                <a:ext cx="186364" cy="0"/>
+              </a:xfrm>
+              <a:prstGeom prst="straightConnector1">
+                <a:avLst/>
+              </a:prstGeom>
+              <a:ln w="28575">
+                <a:solidFill>
+                  <a:schemeClr val="tx1"/>
+                </a:solidFill>
+                <a:prstDash val="solid"/>
+                <a:tailEnd type="triangle"/>
+              </a:ln>
+            </p:spPr>
+            <p:style>
+              <a:lnRef idx="1">
+                <a:schemeClr val="accent1"/>
+              </a:lnRef>
+              <a:fillRef idx="0">
+                <a:schemeClr val="accent1"/>
+              </a:fillRef>
+              <a:effectRef idx="0">
+                <a:schemeClr val="accent1"/>
+              </a:effectRef>
+              <a:fontRef idx="minor">
+                <a:schemeClr val="tx1"/>
+              </a:fontRef>
+            </p:style>
+          </p:cxnSp>
+        </p:grpSp>
+      </p:grpSp>
+      <p:sp>
+        <p:nvSpPr>
+          <p:cNvPr id="12" name="圆角矩形 11">
+            <a:extLst>
+              <a:ext uri="{FF2B5EF4-FFF2-40B4-BE49-F238E27FC236}">
+                <a16:creationId xmlns:a16="http://schemas.microsoft.com/office/drawing/2014/main" id="{0B25671E-642C-4B47-9F26-61A34D98B00F}"/>
+              </a:ext>
+            </a:extLst>
+          </p:cNvPr>
+          <p:cNvSpPr/>
+          <p:nvPr/>
+        </p:nvSpPr>
+        <p:spPr>
+          <a:xfrm>
+            <a:off x="9192289" y="1525237"/>
+            <a:ext cx="935754" cy="589178"/>
+          </a:xfrm>
+          <a:prstGeom prst="roundRect">
+            <a:avLst/>
+          </a:prstGeom>
+          <a:ln/>
+        </p:spPr>
+        <p:style>
+          <a:lnRef idx="2">
+            <a:schemeClr val="accent4"/>
+          </a:lnRef>
+          <a:fillRef idx="1">
+            <a:schemeClr val="lt1"/>
+          </a:fillRef>
+          <a:effectRef idx="0">
+            <a:schemeClr val="accent4"/>
+          </a:effectRef>
+          <a:fontRef idx="minor">
+            <a:schemeClr val="dk1"/>
+          </a:fontRef>
+        </p:style>
+        <p:txBody>
+          <a:bodyPr rot="0" spcFirstLastPara="0" vertOverflow="overflow" horzOverflow="overflow" vert="horz" wrap="square" lIns="91440" tIns="45720" rIns="91440" bIns="45720" numCol="1" spcCol="0" rtlCol="0" fromWordArt="0" anchor="ctr" anchorCtr="0" forceAA="0" compatLnSpc="1">
+            <a:prstTxWarp prst="textNoShape">
+              <a:avLst/>
+            </a:prstTxWarp>
+            <a:noAutofit/>
+          </a:bodyPr>
+          <a:lstStyle/>
+          <a:p>
+            <a:pPr algn="ctr"/>
+            <a:r>
+              <a:rPr kumimoji="1" lang="zh-CN" altLang="en-US" sz="1400" b="1" dirty="0">
+                <a:solidFill>
+                  <a:schemeClr val="accent6"/>
+                </a:solidFill>
+                <a:latin typeface="微软雅黑" panose="020B0503020204020204" pitchFamily="34" charset="-122"/>
+                <a:ea typeface="微软雅黑" panose="020B0503020204020204" pitchFamily="34" charset="-122"/>
+              </a:rPr>
+              <a:t>微服务</a:t>
+            </a:r>
+            <a:r>
+              <a:rPr kumimoji="1" lang="en-US" altLang="zh-CN" sz="1400" b="1" dirty="0">
+                <a:solidFill>
+                  <a:schemeClr val="accent6"/>
+                </a:solidFill>
+                <a:latin typeface="微软雅黑" panose="020B0503020204020204" pitchFamily="34" charset="-122"/>
+                <a:ea typeface="微软雅黑" panose="020B0503020204020204" pitchFamily="34" charset="-122"/>
+              </a:rPr>
+              <a:t>A</a:t>
+            </a:r>
+            <a:endParaRPr kumimoji="1" lang="zh-CN" altLang="en-US" sz="1400" b="1" dirty="0">
+              <a:solidFill>
+                <a:schemeClr val="accent6"/>
+              </a:solidFill>
+              <a:latin typeface="微软雅黑" panose="020B0503020204020204" pitchFamily="34" charset="-122"/>
+              <a:ea typeface="微软雅黑" panose="020B0503020204020204" pitchFamily="34" charset="-122"/>
+            </a:endParaRPr>
+          </a:p>
+        </p:txBody>
+      </p:sp>
+      <p:sp>
+        <p:nvSpPr>
+          <p:cNvPr id="13" name="圆角矩形 12">
+            <a:extLst>
+              <a:ext uri="{FF2B5EF4-FFF2-40B4-BE49-F238E27FC236}">
+                <a16:creationId xmlns:a16="http://schemas.microsoft.com/office/drawing/2014/main" id="{A0D401D9-BB1E-A446-A746-D887ED6ADB9B}"/>
+              </a:ext>
+            </a:extLst>
+          </p:cNvPr>
+          <p:cNvSpPr/>
+          <p:nvPr/>
+        </p:nvSpPr>
+        <p:spPr>
+          <a:xfrm>
+            <a:off x="9192289" y="2296839"/>
+            <a:ext cx="935754" cy="589178"/>
+          </a:xfrm>
+          <a:prstGeom prst="roundRect">
+            <a:avLst/>
+          </a:prstGeom>
+          <a:ln/>
+        </p:spPr>
+        <p:style>
+          <a:lnRef idx="2">
+            <a:schemeClr val="accent4"/>
+          </a:lnRef>
+          <a:fillRef idx="1">
+            <a:schemeClr val="lt1"/>
+          </a:fillRef>
+          <a:effectRef idx="0">
+            <a:schemeClr val="accent4"/>
+          </a:effectRef>
+          <a:fontRef idx="minor">
+            <a:schemeClr val="dk1"/>
+          </a:fontRef>
+        </p:style>
+        <p:txBody>
+          <a:bodyPr rot="0" spcFirstLastPara="0" vertOverflow="overflow" horzOverflow="overflow" vert="horz" wrap="square" lIns="91440" tIns="45720" rIns="91440" bIns="45720" numCol="1" spcCol="0" rtlCol="0" fromWordArt="0" anchor="ctr" anchorCtr="0" forceAA="0" compatLnSpc="1">
+            <a:prstTxWarp prst="textNoShape">
+              <a:avLst/>
+            </a:prstTxWarp>
+            <a:noAutofit/>
+          </a:bodyPr>
+          <a:lstStyle/>
+          <a:p>
+            <a:pPr algn="ctr"/>
+            <a:r>
+              <a:rPr kumimoji="1" lang="zh-CN" altLang="en-US" sz="1400" b="1" dirty="0">
+                <a:solidFill>
+                  <a:schemeClr val="accent6"/>
+                </a:solidFill>
+                <a:latin typeface="微软雅黑" panose="020B0503020204020204" pitchFamily="34" charset="-122"/>
+                <a:ea typeface="微软雅黑" panose="020B0503020204020204" pitchFamily="34" charset="-122"/>
+              </a:rPr>
+              <a:t>微服务</a:t>
+            </a:r>
+            <a:r>
+              <a:rPr kumimoji="1" lang="en-US" altLang="zh-CN" sz="1400" b="1" dirty="0">
+                <a:solidFill>
+                  <a:schemeClr val="accent6"/>
+                </a:solidFill>
+                <a:latin typeface="微软雅黑" panose="020B0503020204020204" pitchFamily="34" charset="-122"/>
+                <a:ea typeface="微软雅黑" panose="020B0503020204020204" pitchFamily="34" charset="-122"/>
+              </a:rPr>
+              <a:t>B</a:t>
+            </a:r>
+            <a:endParaRPr kumimoji="1" lang="zh-CN" altLang="en-US" sz="1400" b="1" dirty="0">
+              <a:solidFill>
+                <a:schemeClr val="accent6"/>
+              </a:solidFill>
+              <a:latin typeface="微软雅黑" panose="020B0503020204020204" pitchFamily="34" charset="-122"/>
+              <a:ea typeface="微软雅黑" panose="020B0503020204020204" pitchFamily="34" charset="-122"/>
+            </a:endParaRPr>
+          </a:p>
+        </p:txBody>
+      </p:sp>
+      <p:sp>
+        <p:nvSpPr>
+          <p:cNvPr id="14" name="圆角矩形 13">
+            <a:extLst>
+              <a:ext uri="{FF2B5EF4-FFF2-40B4-BE49-F238E27FC236}">
+                <a16:creationId xmlns:a16="http://schemas.microsoft.com/office/drawing/2014/main" id="{A61B9FBF-7063-3045-8D56-EBFBE95462F2}"/>
+              </a:ext>
+            </a:extLst>
+          </p:cNvPr>
+          <p:cNvSpPr/>
+          <p:nvPr/>
+        </p:nvSpPr>
+        <p:spPr>
+          <a:xfrm>
+            <a:off x="9192289" y="3068440"/>
+            <a:ext cx="935754" cy="589178"/>
+          </a:xfrm>
+          <a:prstGeom prst="roundRect">
+            <a:avLst/>
+          </a:prstGeom>
+          <a:ln/>
+        </p:spPr>
+        <p:style>
+          <a:lnRef idx="2">
+            <a:schemeClr val="accent4"/>
+          </a:lnRef>
+          <a:fillRef idx="1">
+            <a:schemeClr val="lt1"/>
+          </a:fillRef>
+          <a:effectRef idx="0">
+            <a:schemeClr val="accent4"/>
+          </a:effectRef>
+          <a:fontRef idx="minor">
+            <a:schemeClr val="dk1"/>
+          </a:fontRef>
+        </p:style>
+        <p:txBody>
+          <a:bodyPr rot="0" spcFirstLastPara="0" vertOverflow="overflow" horzOverflow="overflow" vert="horz" wrap="square" lIns="91440" tIns="45720" rIns="91440" bIns="45720" numCol="1" spcCol="0" rtlCol="0" fromWordArt="0" anchor="ctr" anchorCtr="0" forceAA="0" compatLnSpc="1">
+            <a:prstTxWarp prst="textNoShape">
+              <a:avLst/>
+            </a:prstTxWarp>
+            <a:noAutofit/>
+          </a:bodyPr>
+          <a:lstStyle/>
+          <a:p>
+            <a:pPr algn="ctr"/>
+            <a:r>
+              <a:rPr kumimoji="1" lang="zh-CN" altLang="en-US" sz="1400" b="1" dirty="0">
+                <a:solidFill>
+                  <a:schemeClr val="accent6"/>
+                </a:solidFill>
+                <a:latin typeface="微软雅黑" panose="020B0503020204020204" pitchFamily="34" charset="-122"/>
+                <a:ea typeface="微软雅黑" panose="020B0503020204020204" pitchFamily="34" charset="-122"/>
+              </a:rPr>
+              <a:t>微服务</a:t>
+            </a:r>
+            <a:r>
+              <a:rPr kumimoji="1" lang="en-US" altLang="zh-CN" sz="1400" b="1" dirty="0">
+                <a:solidFill>
+                  <a:schemeClr val="accent6"/>
+                </a:solidFill>
+                <a:latin typeface="微软雅黑" panose="020B0503020204020204" pitchFamily="34" charset="-122"/>
+                <a:ea typeface="微软雅黑" panose="020B0503020204020204" pitchFamily="34" charset="-122"/>
+              </a:rPr>
+              <a:t>C</a:t>
+            </a:r>
+            <a:endParaRPr kumimoji="1" lang="zh-CN" altLang="en-US" sz="1400" b="1" dirty="0">
+              <a:solidFill>
+                <a:schemeClr val="accent6"/>
+              </a:solidFill>
+              <a:latin typeface="微软雅黑" panose="020B0503020204020204" pitchFamily="34" charset="-122"/>
+              <a:ea typeface="微软雅黑" panose="020B0503020204020204" pitchFamily="34" charset="-122"/>
+            </a:endParaRPr>
+          </a:p>
+        </p:txBody>
+      </p:sp>
+      <p:sp>
+        <p:nvSpPr>
+          <p:cNvPr id="15" name="圆角矩形 14">
+            <a:extLst>
+              <a:ext uri="{FF2B5EF4-FFF2-40B4-BE49-F238E27FC236}">
+                <a16:creationId xmlns:a16="http://schemas.microsoft.com/office/drawing/2014/main" id="{7DD5F001-C382-BD4F-B972-6FCD365CFAE7}"/>
+              </a:ext>
+            </a:extLst>
+          </p:cNvPr>
+          <p:cNvSpPr/>
+          <p:nvPr/>
+        </p:nvSpPr>
+        <p:spPr>
+          <a:xfrm>
+            <a:off x="6191298" y="1035748"/>
+            <a:ext cx="1344860" cy="471340"/>
+          </a:xfrm>
+          <a:prstGeom prst="roundRect">
+            <a:avLst/>
+          </a:prstGeom>
+          <a:ln/>
+        </p:spPr>
+        <p:style>
+          <a:lnRef idx="2">
+            <a:schemeClr val="accent6">
+              <a:shade val="50000"/>
+            </a:schemeClr>
+          </a:lnRef>
+          <a:fillRef idx="1">
+            <a:schemeClr val="accent6"/>
+          </a:fillRef>
+          <a:effectRef idx="0">
+            <a:schemeClr val="accent6"/>
+          </a:effectRef>
+          <a:fontRef idx="minor">
+            <a:schemeClr val="lt1"/>
+          </a:fontRef>
+        </p:style>
+        <p:txBody>
+          <a:bodyPr rot="0" spcFirstLastPara="0" vertOverflow="overflow" horzOverflow="overflow" vert="horz" wrap="square" lIns="91440" tIns="45720" rIns="91440" bIns="45720" numCol="1" spcCol="0" rtlCol="0" fromWordArt="0" anchor="ctr" anchorCtr="0" forceAA="0" compatLnSpc="1">
+            <a:prstTxWarp prst="textNoShape">
+              <a:avLst/>
+            </a:prstTxWarp>
+            <a:noAutofit/>
+          </a:bodyPr>
+          <a:lstStyle/>
+          <a:p>
+            <a:pPr algn="ctr"/>
+            <a:r>
+              <a:rPr kumimoji="1" lang="zh-CN" altLang="en-US" sz="1400" b="1" dirty="0">
+                <a:solidFill>
+                  <a:schemeClr val="bg1"/>
+                </a:solidFill>
+                <a:latin typeface="微软雅黑" panose="020B0503020204020204" pitchFamily="34" charset="-122"/>
+                <a:ea typeface="微软雅黑" panose="020B0503020204020204" pitchFamily="34" charset="-122"/>
+              </a:rPr>
+              <a:t>服务发现</a:t>
+            </a:r>
+          </a:p>
+        </p:txBody>
+      </p:sp>
+      <p:cxnSp>
+        <p:nvCxnSpPr>
+          <p:cNvPr id="16" name="肘形连接符 15">
+            <a:extLst>
+              <a:ext uri="{FF2B5EF4-FFF2-40B4-BE49-F238E27FC236}">
+                <a16:creationId xmlns:a16="http://schemas.microsoft.com/office/drawing/2014/main" id="{EAA5C80C-C87A-F844-88FE-D165E2D2B00C}"/>
+              </a:ext>
+            </a:extLst>
+          </p:cNvPr>
+          <p:cNvCxnSpPr>
+            <a:cxnSpLocks/>
+            <a:stCxn id="12" idx="1"/>
+            <a:endCxn id="15" idx="3"/>
+          </p:cNvCxnSpPr>
+          <p:nvPr/>
+        </p:nvCxnSpPr>
+        <p:spPr>
+          <a:xfrm rot="10800000">
+            <a:off x="7536159" y="1271418"/>
+            <a:ext cx="1656131" cy="548408"/>
+          </a:xfrm>
+          <a:prstGeom prst="bentConnector3">
+            <a:avLst>
+              <a:gd name="adj1" fmla="val 50000"/>
+            </a:avLst>
+          </a:prstGeom>
+          <a:ln w="9525">
+            <a:solidFill>
+              <a:schemeClr val="tx1">
+                <a:lumMod val="50000"/>
+                <a:lumOff val="50000"/>
+              </a:schemeClr>
+            </a:solidFill>
+            <a:prstDash val="dash"/>
+            <a:tailEnd type="triangle"/>
+          </a:ln>
+        </p:spPr>
+        <p:style>
+          <a:lnRef idx="1">
+            <a:schemeClr val="accent1"/>
+          </a:lnRef>
+          <a:fillRef idx="0">
+            <a:schemeClr val="accent1"/>
+          </a:fillRef>
+          <a:effectRef idx="0">
+            <a:schemeClr val="accent1"/>
+          </a:effectRef>
+          <a:fontRef idx="minor">
+            <a:schemeClr val="tx1"/>
+          </a:fontRef>
+        </p:style>
+      </p:cxnSp>
+      <p:cxnSp>
+        <p:nvCxnSpPr>
+          <p:cNvPr id="17" name="肘形连接符 16">
+            <a:extLst>
+              <a:ext uri="{FF2B5EF4-FFF2-40B4-BE49-F238E27FC236}">
+                <a16:creationId xmlns:a16="http://schemas.microsoft.com/office/drawing/2014/main" id="{506525EF-6BE2-C14C-80CE-899DB6C8482E}"/>
+              </a:ext>
+            </a:extLst>
+          </p:cNvPr>
+          <p:cNvCxnSpPr>
+            <a:cxnSpLocks/>
+            <a:stCxn id="13" idx="1"/>
+            <a:endCxn id="15" idx="3"/>
+          </p:cNvCxnSpPr>
+          <p:nvPr/>
+        </p:nvCxnSpPr>
+        <p:spPr>
+          <a:xfrm rot="10800000">
+            <a:off x="7536159" y="1271418"/>
+            <a:ext cx="1656131" cy="1320010"/>
+          </a:xfrm>
+          <a:prstGeom prst="bentConnector3">
+            <a:avLst>
+              <a:gd name="adj1" fmla="val 50000"/>
+            </a:avLst>
+          </a:prstGeom>
+          <a:ln w="9525">
+            <a:solidFill>
+              <a:schemeClr val="tx1">
+                <a:lumMod val="50000"/>
+                <a:lumOff val="50000"/>
+              </a:schemeClr>
+            </a:solidFill>
+            <a:prstDash val="dash"/>
+            <a:tailEnd type="triangle"/>
+          </a:ln>
+        </p:spPr>
+        <p:style>
+          <a:lnRef idx="1">
+            <a:schemeClr val="accent1"/>
+          </a:lnRef>
+          <a:fillRef idx="0">
+            <a:schemeClr val="accent1"/>
+          </a:fillRef>
+          <a:effectRef idx="0">
+            <a:schemeClr val="accent1"/>
+          </a:effectRef>
+          <a:fontRef idx="minor">
+            <a:schemeClr val="tx1"/>
+          </a:fontRef>
+        </p:style>
+      </p:cxnSp>
+      <p:cxnSp>
+        <p:nvCxnSpPr>
+          <p:cNvPr id="18" name="肘形连接符 17">
+            <a:extLst>
+              <a:ext uri="{FF2B5EF4-FFF2-40B4-BE49-F238E27FC236}">
+                <a16:creationId xmlns:a16="http://schemas.microsoft.com/office/drawing/2014/main" id="{9950AF1F-D809-F241-9A8B-0F7B71058CB8}"/>
+              </a:ext>
+            </a:extLst>
+          </p:cNvPr>
+          <p:cNvCxnSpPr>
+            <a:cxnSpLocks/>
+            <a:stCxn id="14" idx="1"/>
+            <a:endCxn id="15" idx="3"/>
+          </p:cNvCxnSpPr>
+          <p:nvPr/>
+        </p:nvCxnSpPr>
+        <p:spPr>
+          <a:xfrm rot="10800000">
+            <a:off x="7536159" y="1271419"/>
+            <a:ext cx="1656131" cy="2091611"/>
+          </a:xfrm>
+          <a:prstGeom prst="bentConnector3">
+            <a:avLst>
+              <a:gd name="adj1" fmla="val 50000"/>
+            </a:avLst>
+          </a:prstGeom>
+          <a:ln w="9525">
+            <a:solidFill>
+              <a:schemeClr val="tx1">
+                <a:lumMod val="50000"/>
+                <a:lumOff val="50000"/>
+              </a:schemeClr>
+            </a:solidFill>
+            <a:prstDash val="dash"/>
+            <a:tailEnd type="triangle"/>
+          </a:ln>
+        </p:spPr>
+        <p:style>
+          <a:lnRef idx="1">
+            <a:schemeClr val="accent1"/>
+          </a:lnRef>
+          <a:fillRef idx="0">
+            <a:schemeClr val="accent1"/>
+          </a:fillRef>
+          <a:effectRef idx="0">
+            <a:schemeClr val="accent1"/>
+          </a:effectRef>
+          <a:fontRef idx="minor">
+            <a:schemeClr val="tx1"/>
+          </a:fontRef>
+        </p:style>
+      </p:cxnSp>
+      <p:cxnSp>
+        <p:nvCxnSpPr>
+          <p:cNvPr id="19" name="肘形连接符 18">
+            <a:extLst>
+              <a:ext uri="{FF2B5EF4-FFF2-40B4-BE49-F238E27FC236}">
+                <a16:creationId xmlns:a16="http://schemas.microsoft.com/office/drawing/2014/main" id="{87AA8803-20AC-504C-91CD-3D0B16489C79}"/>
+              </a:ext>
+            </a:extLst>
+          </p:cNvPr>
+          <p:cNvCxnSpPr>
+            <a:cxnSpLocks/>
+            <a:stCxn id="10" idx="3"/>
+            <a:endCxn id="15" idx="1"/>
+          </p:cNvCxnSpPr>
+          <p:nvPr/>
+        </p:nvCxnSpPr>
+        <p:spPr>
+          <a:xfrm flipV="1">
+            <a:off x="5169012" y="1271418"/>
+            <a:ext cx="1022286" cy="708764"/>
+          </a:xfrm>
+          <a:prstGeom prst="bentConnector3">
+            <a:avLst>
+              <a:gd name="adj1" fmla="val 50000"/>
+            </a:avLst>
+          </a:prstGeom>
+          <a:ln w="9525">
+            <a:solidFill>
+              <a:schemeClr val="tx1">
+                <a:lumMod val="50000"/>
+                <a:lumOff val="50000"/>
+              </a:schemeClr>
+            </a:solidFill>
+            <a:prstDash val="dash"/>
+            <a:tailEnd type="triangle"/>
+          </a:ln>
+        </p:spPr>
+        <p:style>
+          <a:lnRef idx="1">
+            <a:schemeClr val="accent1"/>
+          </a:lnRef>
+          <a:fillRef idx="0">
+            <a:schemeClr val="accent1"/>
+          </a:fillRef>
+          <a:effectRef idx="0">
+            <a:schemeClr val="accent1"/>
+          </a:effectRef>
+          <a:fontRef idx="minor">
+            <a:schemeClr val="tx1"/>
+          </a:fontRef>
+        </p:style>
+      </p:cxnSp>
+      <p:cxnSp>
+        <p:nvCxnSpPr>
+          <p:cNvPr id="20" name="肘形连接符 19">
+            <a:extLst>
+              <a:ext uri="{FF2B5EF4-FFF2-40B4-BE49-F238E27FC236}">
+                <a16:creationId xmlns:a16="http://schemas.microsoft.com/office/drawing/2014/main" id="{A2AB19DF-F7D0-C24C-AEAE-32FB7B9659B9}"/>
+              </a:ext>
+            </a:extLst>
+          </p:cNvPr>
+          <p:cNvCxnSpPr>
+            <a:cxnSpLocks/>
+            <a:stCxn id="4" idx="3"/>
+            <a:endCxn id="15" idx="1"/>
+          </p:cNvCxnSpPr>
+          <p:nvPr/>
+        </p:nvCxnSpPr>
+        <p:spPr>
+          <a:xfrm flipV="1">
+            <a:off x="5169013" y="1271418"/>
+            <a:ext cx="1022285" cy="2018555"/>
+          </a:xfrm>
+          <a:prstGeom prst="bentConnector3">
+            <a:avLst>
+              <a:gd name="adj1" fmla="val 50000"/>
+            </a:avLst>
+          </a:prstGeom>
+          <a:ln w="9525">
+            <a:solidFill>
+              <a:schemeClr val="tx1">
+                <a:lumMod val="50000"/>
+                <a:lumOff val="50000"/>
+              </a:schemeClr>
+            </a:solidFill>
+            <a:prstDash val="dash"/>
+            <a:tailEnd type="triangle"/>
+          </a:ln>
+        </p:spPr>
+        <p:style>
+          <a:lnRef idx="1">
+            <a:schemeClr val="accent1"/>
+          </a:lnRef>
+          <a:fillRef idx="0">
+            <a:schemeClr val="accent1"/>
+          </a:fillRef>
+          <a:effectRef idx="0">
+            <a:schemeClr val="accent1"/>
+          </a:effectRef>
+          <a:fontRef idx="minor">
+            <a:schemeClr val="tx1"/>
+          </a:fontRef>
+        </p:style>
+      </p:cxnSp>
+      <p:sp>
+        <p:nvSpPr>
+          <p:cNvPr id="21" name="文本框 20">
+            <a:extLst>
+              <a:ext uri="{FF2B5EF4-FFF2-40B4-BE49-F238E27FC236}">
+                <a16:creationId xmlns:a16="http://schemas.microsoft.com/office/drawing/2014/main" id="{82678B32-3B2F-0046-B2AB-8257CC940D96}"/>
+              </a:ext>
+            </a:extLst>
+          </p:cNvPr>
+          <p:cNvSpPr txBox="1"/>
+          <p:nvPr/>
+        </p:nvSpPr>
+        <p:spPr>
+          <a:xfrm>
+            <a:off x="7745357" y="1040915"/>
+            <a:ext cx="615553" cy="427809"/>
+          </a:xfrm>
+          <a:prstGeom prst="rect">
+            <a:avLst/>
+          </a:prstGeom>
+          <a:noFill/>
+        </p:spPr>
+        <p:txBody>
+          <a:bodyPr wrap="none" lIns="0" tIns="36576" rIns="0" bIns="0" rtlCol="0">
+            <a:spAutoFit/>
+          </a:bodyPr>
+          <a:lstStyle/>
+          <a:p>
+            <a:pPr>
+              <a:lnSpc>
+                <a:spcPct val="85000"/>
+              </a:lnSpc>
+              <a:spcAft>
+                <a:spcPts val="600"/>
+              </a:spcAft>
+              <a:buClr>
+                <a:schemeClr val="accent2"/>
+              </a:buClr>
+              <a:buSzPct val="70000"/>
+            </a:pPr>
+            <a:r>
+              <a:rPr kumimoji="1" lang="zh-CN" altLang="en-US" sz="1200" dirty="0">
+                <a:latin typeface="+mj-ea"/>
+                <a:ea typeface="+mj-ea"/>
+              </a:rPr>
+              <a:t>服务注册</a:t>
+            </a:r>
+            <a:endParaRPr kumimoji="1" lang="en-US" altLang="zh-CN" sz="1200" dirty="0">
+              <a:latin typeface="+mj-ea"/>
+              <a:ea typeface="+mj-ea"/>
+            </a:endParaRPr>
+          </a:p>
+          <a:p>
+            <a:pPr>
+              <a:lnSpc>
+                <a:spcPct val="85000"/>
+              </a:lnSpc>
+              <a:spcAft>
+                <a:spcPts val="600"/>
+              </a:spcAft>
+              <a:buClr>
+                <a:schemeClr val="accent2"/>
+              </a:buClr>
+              <a:buSzPct val="70000"/>
+            </a:pPr>
+            <a:r>
+              <a:rPr kumimoji="1" lang="zh-CN" altLang="en-US" sz="1200" dirty="0">
+                <a:latin typeface="+mj-ea"/>
+                <a:ea typeface="+mj-ea"/>
+              </a:rPr>
+              <a:t>服务寻址</a:t>
+            </a:r>
+          </a:p>
+        </p:txBody>
+      </p:sp>
+      <p:sp>
+        <p:nvSpPr>
+          <p:cNvPr id="22" name="文本框 21">
+            <a:extLst>
+              <a:ext uri="{FF2B5EF4-FFF2-40B4-BE49-F238E27FC236}">
+                <a16:creationId xmlns:a16="http://schemas.microsoft.com/office/drawing/2014/main" id="{8B1B4E8B-BC6B-2044-8FBE-2C7779F86130}"/>
+              </a:ext>
+            </a:extLst>
+          </p:cNvPr>
+          <p:cNvSpPr txBox="1"/>
+          <p:nvPr/>
+        </p:nvSpPr>
+        <p:spPr>
+          <a:xfrm>
+            <a:off x="5392008" y="1063010"/>
+            <a:ext cx="615553" cy="427809"/>
+          </a:xfrm>
+          <a:prstGeom prst="rect">
+            <a:avLst/>
+          </a:prstGeom>
+          <a:noFill/>
+        </p:spPr>
+        <p:txBody>
+          <a:bodyPr wrap="none" lIns="0" tIns="36576" rIns="0" bIns="0" rtlCol="0">
+            <a:spAutoFit/>
+          </a:bodyPr>
+          <a:lstStyle/>
+          <a:p>
+            <a:pPr>
+              <a:lnSpc>
+                <a:spcPct val="85000"/>
+              </a:lnSpc>
+              <a:spcAft>
+                <a:spcPts val="600"/>
+              </a:spcAft>
+              <a:buClr>
+                <a:schemeClr val="accent2"/>
+              </a:buClr>
+              <a:buSzPct val="70000"/>
+            </a:pPr>
+            <a:r>
+              <a:rPr kumimoji="1" lang="zh-CN" altLang="en-US" sz="1200" dirty="0">
+                <a:latin typeface="+mj-ea"/>
+                <a:ea typeface="+mj-ea"/>
+              </a:rPr>
+              <a:t>服务注册</a:t>
+            </a:r>
+            <a:endParaRPr kumimoji="1" lang="en-US" altLang="zh-CN" sz="1200" dirty="0">
+              <a:latin typeface="+mj-ea"/>
+              <a:ea typeface="+mj-ea"/>
+            </a:endParaRPr>
+          </a:p>
+          <a:p>
+            <a:pPr>
+              <a:lnSpc>
+                <a:spcPct val="85000"/>
+              </a:lnSpc>
+              <a:spcAft>
+                <a:spcPts val="600"/>
+              </a:spcAft>
+              <a:buClr>
+                <a:schemeClr val="accent2"/>
+              </a:buClr>
+              <a:buSzPct val="70000"/>
+            </a:pPr>
+            <a:r>
+              <a:rPr kumimoji="1" lang="zh-CN" altLang="en-US" sz="1200" dirty="0">
+                <a:latin typeface="+mj-ea"/>
+                <a:ea typeface="+mj-ea"/>
+              </a:rPr>
+              <a:t>服务寻址</a:t>
+            </a:r>
+          </a:p>
+        </p:txBody>
+      </p:sp>
+      <p:cxnSp>
+        <p:nvCxnSpPr>
+          <p:cNvPr id="23" name="直线箭头连接符 22">
+            <a:extLst>
+              <a:ext uri="{FF2B5EF4-FFF2-40B4-BE49-F238E27FC236}">
+                <a16:creationId xmlns:a16="http://schemas.microsoft.com/office/drawing/2014/main" id="{F721DAD6-E2B4-754F-B5D8-4C18821300B0}"/>
+              </a:ext>
+            </a:extLst>
+          </p:cNvPr>
+          <p:cNvCxnSpPr>
+            <a:cxnSpLocks/>
+            <a:endCxn id="14" idx="1"/>
+          </p:cNvCxnSpPr>
+          <p:nvPr/>
+        </p:nvCxnSpPr>
+        <p:spPr>
+          <a:xfrm>
+            <a:off x="5197303" y="2105637"/>
+            <a:ext cx="3994986" cy="1257392"/>
+          </a:xfrm>
+          <a:prstGeom prst="straightConnector1">
+            <a:avLst/>
+          </a:prstGeom>
+          <a:ln w="28575">
+            <a:solidFill>
+              <a:schemeClr val="tx1"/>
+            </a:solidFill>
+            <a:prstDash val="solid"/>
+            <a:tailEnd type="triangle"/>
+          </a:ln>
+        </p:spPr>
+        <p:style>
+          <a:lnRef idx="1">
+            <a:schemeClr val="accent1"/>
+          </a:lnRef>
+          <a:fillRef idx="0">
+            <a:schemeClr val="accent1"/>
+          </a:fillRef>
+          <a:effectRef idx="0">
+            <a:schemeClr val="accent1"/>
+          </a:effectRef>
+          <a:fontRef idx="minor">
+            <a:schemeClr val="tx1"/>
+          </a:fontRef>
+        </p:style>
+      </p:cxnSp>
+      <p:cxnSp>
+        <p:nvCxnSpPr>
+          <p:cNvPr id="24" name="直线箭头连接符 23">
+            <a:extLst>
+              <a:ext uri="{FF2B5EF4-FFF2-40B4-BE49-F238E27FC236}">
+                <a16:creationId xmlns:a16="http://schemas.microsoft.com/office/drawing/2014/main" id="{D57D951A-F697-5042-87B2-68AB4F770430}"/>
+              </a:ext>
+            </a:extLst>
+          </p:cNvPr>
+          <p:cNvCxnSpPr>
+            <a:cxnSpLocks/>
+            <a:stCxn id="13" idx="1"/>
+          </p:cNvCxnSpPr>
+          <p:nvPr/>
+        </p:nvCxnSpPr>
+        <p:spPr>
+          <a:xfrm flipH="1">
+            <a:off x="5039228" y="2591428"/>
+            <a:ext cx="4153061" cy="838718"/>
+          </a:xfrm>
+          <a:prstGeom prst="straightConnector1">
+            <a:avLst/>
+          </a:prstGeom>
+          <a:ln w="28575">
+            <a:solidFill>
+              <a:schemeClr val="tx1"/>
+            </a:solidFill>
+            <a:prstDash val="solid"/>
+            <a:tailEnd type="triangle"/>
+          </a:ln>
+        </p:spPr>
+        <p:style>
+          <a:lnRef idx="1">
+            <a:schemeClr val="accent1"/>
+          </a:lnRef>
+          <a:fillRef idx="0">
+            <a:schemeClr val="accent1"/>
+          </a:fillRef>
+          <a:effectRef idx="0">
+            <a:schemeClr val="accent1"/>
+          </a:effectRef>
+          <a:fontRef idx="minor">
+            <a:schemeClr val="tx1"/>
+          </a:fontRef>
+        </p:style>
+      </p:cxnSp>
+      <p:sp>
+        <p:nvSpPr>
+          <p:cNvPr id="25" name="文本框 24">
+            <a:extLst>
+              <a:ext uri="{FF2B5EF4-FFF2-40B4-BE49-F238E27FC236}">
+                <a16:creationId xmlns:a16="http://schemas.microsoft.com/office/drawing/2014/main" id="{15125AAE-85EC-174A-8806-F4F66A905B00}"/>
+              </a:ext>
+            </a:extLst>
+          </p:cNvPr>
+          <p:cNvSpPr txBox="1"/>
+          <p:nvPr/>
+        </p:nvSpPr>
+        <p:spPr>
+          <a:xfrm rot="20999357">
+            <a:off x="6822214" y="2988518"/>
+            <a:ext cx="615553" cy="193899"/>
+          </a:xfrm>
+          <a:prstGeom prst="rect">
+            <a:avLst/>
+          </a:prstGeom>
+          <a:noFill/>
+        </p:spPr>
+        <p:txBody>
+          <a:bodyPr wrap="none" lIns="0" tIns="36576" rIns="0" bIns="0" rtlCol="0">
+            <a:spAutoFit/>
+          </a:bodyPr>
+          <a:lstStyle/>
+          <a:p>
+            <a:pPr>
+              <a:lnSpc>
+                <a:spcPct val="85000"/>
+              </a:lnSpc>
+              <a:spcAft>
+                <a:spcPts val="600"/>
+              </a:spcAft>
+              <a:buClr>
+                <a:schemeClr val="accent2"/>
+              </a:buClr>
+              <a:buSzPct val="70000"/>
+            </a:pPr>
+            <a:r>
+              <a:rPr kumimoji="1" lang="zh-CN" altLang="en-US" sz="1200" dirty="0">
+                <a:latin typeface="+mj-ea"/>
+                <a:ea typeface="+mj-ea"/>
+              </a:rPr>
+              <a:t>服务调用</a:t>
+            </a:r>
+            <a:endParaRPr kumimoji="1" lang="en-US" altLang="zh-CN" sz="1200" dirty="0">
+              <a:latin typeface="+mj-ea"/>
+              <a:ea typeface="+mj-ea"/>
+            </a:endParaRPr>
+          </a:p>
+        </p:txBody>
+      </p:sp>
+      <p:sp>
+        <p:nvSpPr>
+          <p:cNvPr id="26" name="文本框 25">
+            <a:extLst>
+              <a:ext uri="{FF2B5EF4-FFF2-40B4-BE49-F238E27FC236}">
+                <a16:creationId xmlns:a16="http://schemas.microsoft.com/office/drawing/2014/main" id="{BD72C0CB-1152-4D4D-85EA-F18087F4C1B2}"/>
+              </a:ext>
+            </a:extLst>
+          </p:cNvPr>
+          <p:cNvSpPr txBox="1"/>
+          <p:nvPr/>
+        </p:nvSpPr>
+        <p:spPr>
+          <a:xfrm rot="1257880">
+            <a:off x="6820069" y="2412465"/>
+            <a:ext cx="615553" cy="193899"/>
+          </a:xfrm>
+          <a:prstGeom prst="rect">
+            <a:avLst/>
+          </a:prstGeom>
+          <a:noFill/>
+        </p:spPr>
+        <p:txBody>
+          <a:bodyPr wrap="none" lIns="0" tIns="36576" rIns="0" bIns="0" rtlCol="0">
+            <a:spAutoFit/>
+          </a:bodyPr>
+          <a:lstStyle/>
+          <a:p>
+            <a:pPr>
+              <a:lnSpc>
+                <a:spcPct val="85000"/>
+              </a:lnSpc>
+              <a:spcAft>
+                <a:spcPts val="600"/>
+              </a:spcAft>
+              <a:buClr>
+                <a:schemeClr val="accent2"/>
+              </a:buClr>
+              <a:buSzPct val="70000"/>
+            </a:pPr>
+            <a:r>
+              <a:rPr kumimoji="1" lang="zh-CN" altLang="en-US" sz="1200" dirty="0">
+                <a:latin typeface="+mj-ea"/>
+                <a:ea typeface="+mj-ea"/>
+              </a:rPr>
+              <a:t>服务调用</a:t>
+            </a:r>
+            <a:endParaRPr kumimoji="1" lang="en-US" altLang="zh-CN" sz="1200" dirty="0">
+              <a:latin typeface="+mj-ea"/>
+              <a:ea typeface="+mj-ea"/>
+            </a:endParaRPr>
+          </a:p>
+        </p:txBody>
+      </p:sp>
+      <p:sp>
+        <p:nvSpPr>
+          <p:cNvPr id="27" name="圆角矩形 26">
+            <a:extLst>
+              <a:ext uri="{FF2B5EF4-FFF2-40B4-BE49-F238E27FC236}">
+                <a16:creationId xmlns:a16="http://schemas.microsoft.com/office/drawing/2014/main" id="{873D4007-9CFC-654E-8872-29953D890F4B}"/>
+              </a:ext>
+            </a:extLst>
+          </p:cNvPr>
+          <p:cNvSpPr/>
+          <p:nvPr/>
+        </p:nvSpPr>
+        <p:spPr>
+          <a:xfrm>
+            <a:off x="6220975" y="1609151"/>
+            <a:ext cx="1344860" cy="471340"/>
+          </a:xfrm>
+          <a:prstGeom prst="roundRect">
+            <a:avLst/>
+          </a:prstGeom>
+          <a:ln/>
+        </p:spPr>
+        <p:style>
+          <a:lnRef idx="2">
+            <a:schemeClr val="accent6">
+              <a:shade val="50000"/>
+            </a:schemeClr>
+          </a:lnRef>
+          <a:fillRef idx="1">
+            <a:schemeClr val="accent6"/>
+          </a:fillRef>
+          <a:effectRef idx="0">
+            <a:schemeClr val="accent6"/>
+          </a:effectRef>
+          <a:fontRef idx="minor">
+            <a:schemeClr val="lt1"/>
+          </a:fontRef>
+        </p:style>
+        <p:txBody>
+          <a:bodyPr rot="0" spcFirstLastPara="0" vertOverflow="overflow" horzOverflow="overflow" vert="horz" wrap="square" lIns="91440" tIns="45720" rIns="91440" bIns="45720" numCol="1" spcCol="0" rtlCol="0" fromWordArt="0" anchor="ctr" anchorCtr="0" forceAA="0" compatLnSpc="1">
+            <a:prstTxWarp prst="textNoShape">
+              <a:avLst/>
+            </a:prstTxWarp>
+            <a:noAutofit/>
+          </a:bodyPr>
+          <a:lstStyle/>
+          <a:p>
+            <a:pPr algn="ctr"/>
+            <a:r>
+              <a:rPr kumimoji="1" lang="zh-CN" altLang="en-US" sz="1400" b="1" dirty="0">
+                <a:solidFill>
+                  <a:schemeClr val="bg1"/>
+                </a:solidFill>
+                <a:latin typeface="微软雅黑" panose="020B0503020204020204" pitchFamily="34" charset="-122"/>
+                <a:ea typeface="微软雅黑" panose="020B0503020204020204" pitchFamily="34" charset="-122"/>
+              </a:rPr>
+              <a:t>服务治理</a:t>
+            </a:r>
+          </a:p>
+        </p:txBody>
+      </p:sp>
+      <p:sp>
+        <p:nvSpPr>
+          <p:cNvPr id="28" name="圆角矩形 27">
+            <a:extLst>
+              <a:ext uri="{FF2B5EF4-FFF2-40B4-BE49-F238E27FC236}">
+                <a16:creationId xmlns:a16="http://schemas.microsoft.com/office/drawing/2014/main" id="{C3813BCB-2216-8747-AB9A-35AB90C84D11}"/>
+              </a:ext>
+            </a:extLst>
+          </p:cNvPr>
+          <p:cNvSpPr/>
+          <p:nvPr/>
+        </p:nvSpPr>
+        <p:spPr>
+          <a:xfrm>
+            <a:off x="6220975" y="3623695"/>
+            <a:ext cx="1583696" cy="555046"/>
+          </a:xfrm>
+          <a:prstGeom prst="roundRect">
+            <a:avLst/>
+          </a:prstGeom>
+          <a:solidFill>
+            <a:schemeClr val="accent5">
+              <a:lumMod val="75000"/>
+            </a:schemeClr>
+          </a:solidFill>
+          <a:ln/>
+        </p:spPr>
+        <p:style>
+          <a:lnRef idx="2">
+            <a:schemeClr val="accent5">
+              <a:shade val="50000"/>
+            </a:schemeClr>
+          </a:lnRef>
+          <a:fillRef idx="1">
+            <a:schemeClr val="accent5"/>
+          </a:fillRef>
+          <a:effectRef idx="0">
+            <a:schemeClr val="accent5"/>
+          </a:effectRef>
+          <a:fontRef idx="minor">
+            <a:schemeClr val="lt1"/>
+          </a:fontRef>
+        </p:style>
+        <p:txBody>
+          <a:bodyPr rot="0" spcFirstLastPara="0" vertOverflow="overflow" horzOverflow="overflow" vert="horz" wrap="square" lIns="91440" tIns="45720" rIns="91440" bIns="45720" numCol="1" spcCol="0" rtlCol="0" fromWordArt="0" anchor="ctr" anchorCtr="0" forceAA="0" compatLnSpc="1">
+            <a:prstTxWarp prst="textNoShape">
+              <a:avLst/>
+            </a:prstTxWarp>
+            <a:noAutofit/>
+          </a:bodyPr>
+          <a:lstStyle/>
+          <a:p>
+            <a:pPr algn="ctr"/>
+            <a:r>
+              <a:rPr kumimoji="1" lang="zh-CN" altLang="en-US" sz="1400" b="1" dirty="0">
+                <a:solidFill>
+                  <a:schemeClr val="bg1"/>
+                </a:solidFill>
+                <a:latin typeface="微软雅黑" panose="020B0503020204020204" pitchFamily="34" charset="-122"/>
+                <a:ea typeface="微软雅黑" panose="020B0503020204020204" pitchFamily="34" charset="-122"/>
+              </a:rPr>
+              <a:t>服务监控</a:t>
+            </a:r>
+          </a:p>
+        </p:txBody>
+      </p:sp>
+      <p:cxnSp>
+        <p:nvCxnSpPr>
+          <p:cNvPr id="29" name="肘形连接符 28">
+            <a:extLst>
+              <a:ext uri="{FF2B5EF4-FFF2-40B4-BE49-F238E27FC236}">
+                <a16:creationId xmlns:a16="http://schemas.microsoft.com/office/drawing/2014/main" id="{B26C30FB-CFDF-D04D-9CD1-CCF91B2FD47C}"/>
+              </a:ext>
+            </a:extLst>
+          </p:cNvPr>
+          <p:cNvCxnSpPr>
+            <a:cxnSpLocks/>
+            <a:stCxn id="10" idx="2"/>
+            <a:endCxn id="28" idx="1"/>
+          </p:cNvCxnSpPr>
+          <p:nvPr/>
+        </p:nvCxnSpPr>
+        <p:spPr>
+          <a:xfrm rot="16200000" flipH="1">
+            <a:off x="4597787" y="2278029"/>
+            <a:ext cx="1553391" cy="1692985"/>
+          </a:xfrm>
+          <a:prstGeom prst="bentConnector2">
+            <a:avLst/>
+          </a:prstGeom>
+          <a:ln w="9525">
+            <a:solidFill>
+              <a:schemeClr val="tx1">
+                <a:lumMod val="50000"/>
+                <a:lumOff val="50000"/>
+              </a:schemeClr>
+            </a:solidFill>
+            <a:prstDash val="dash"/>
+            <a:tailEnd type="triangle"/>
+          </a:ln>
+        </p:spPr>
+        <p:style>
+          <a:lnRef idx="1">
+            <a:schemeClr val="accent1"/>
+          </a:lnRef>
+          <a:fillRef idx="0">
+            <a:schemeClr val="accent1"/>
+          </a:fillRef>
+          <a:effectRef idx="0">
+            <a:schemeClr val="accent1"/>
+          </a:effectRef>
+          <a:fontRef idx="minor">
+            <a:schemeClr val="tx1"/>
+          </a:fontRef>
+        </p:style>
+      </p:cxnSp>
+      <p:cxnSp>
+        <p:nvCxnSpPr>
+          <p:cNvPr id="30" name="肘形连接符 29">
+            <a:extLst>
+              <a:ext uri="{FF2B5EF4-FFF2-40B4-BE49-F238E27FC236}">
+                <a16:creationId xmlns:a16="http://schemas.microsoft.com/office/drawing/2014/main" id="{F7516275-92E9-124F-B1A1-0B77449CD66A}"/>
+              </a:ext>
+            </a:extLst>
+          </p:cNvPr>
+          <p:cNvCxnSpPr>
+            <a:cxnSpLocks/>
+            <a:stCxn id="5" idx="2"/>
+            <a:endCxn id="28" idx="1"/>
+          </p:cNvCxnSpPr>
+          <p:nvPr/>
+        </p:nvCxnSpPr>
+        <p:spPr>
+          <a:xfrm rot="16200000" flipH="1">
+            <a:off x="5097050" y="2777293"/>
+            <a:ext cx="364072" cy="1883777"/>
+          </a:xfrm>
+          <a:prstGeom prst="bentConnector2">
+            <a:avLst/>
+          </a:prstGeom>
+          <a:ln w="9525">
+            <a:solidFill>
+              <a:schemeClr val="tx1">
+                <a:lumMod val="50000"/>
+                <a:lumOff val="50000"/>
+              </a:schemeClr>
+            </a:solidFill>
+            <a:prstDash val="dash"/>
+            <a:tailEnd type="triangle"/>
+          </a:ln>
+        </p:spPr>
+        <p:style>
+          <a:lnRef idx="1">
+            <a:schemeClr val="accent1"/>
+          </a:lnRef>
+          <a:fillRef idx="0">
+            <a:schemeClr val="accent1"/>
+          </a:fillRef>
+          <a:effectRef idx="0">
+            <a:schemeClr val="accent1"/>
+          </a:effectRef>
+          <a:fontRef idx="minor">
+            <a:schemeClr val="tx1"/>
+          </a:fontRef>
+        </p:style>
+      </p:cxnSp>
+      <p:cxnSp>
+        <p:nvCxnSpPr>
+          <p:cNvPr id="31" name="肘形连接符 30">
+            <a:extLst>
+              <a:ext uri="{FF2B5EF4-FFF2-40B4-BE49-F238E27FC236}">
+                <a16:creationId xmlns:a16="http://schemas.microsoft.com/office/drawing/2014/main" id="{A5471857-6283-4A4C-8CA8-06B3761035D0}"/>
+              </a:ext>
+            </a:extLst>
+          </p:cNvPr>
+          <p:cNvCxnSpPr>
+            <a:cxnSpLocks/>
+            <a:stCxn id="12" idx="3"/>
+            <a:endCxn id="28" idx="3"/>
+          </p:cNvCxnSpPr>
+          <p:nvPr/>
+        </p:nvCxnSpPr>
+        <p:spPr>
+          <a:xfrm flipH="1">
+            <a:off x="7804671" y="1819826"/>
+            <a:ext cx="2323372" cy="2081392"/>
+          </a:xfrm>
+          <a:prstGeom prst="bentConnector3">
+            <a:avLst>
+              <a:gd name="adj1" fmla="val -9839"/>
+            </a:avLst>
+          </a:prstGeom>
+          <a:ln w="9525">
+            <a:solidFill>
+              <a:schemeClr val="tx1">
+                <a:lumMod val="50000"/>
+                <a:lumOff val="50000"/>
+              </a:schemeClr>
+            </a:solidFill>
+            <a:prstDash val="dash"/>
+            <a:tailEnd type="triangle"/>
+          </a:ln>
+        </p:spPr>
+        <p:style>
+          <a:lnRef idx="1">
+            <a:schemeClr val="accent1"/>
+          </a:lnRef>
+          <a:fillRef idx="0">
+            <a:schemeClr val="accent1"/>
+          </a:fillRef>
+          <a:effectRef idx="0">
+            <a:schemeClr val="accent1"/>
+          </a:effectRef>
+          <a:fontRef idx="minor">
+            <a:schemeClr val="tx1"/>
+          </a:fontRef>
+        </p:style>
+      </p:cxnSp>
+      <p:cxnSp>
+        <p:nvCxnSpPr>
+          <p:cNvPr id="32" name="肘形连接符 31">
+            <a:extLst>
+              <a:ext uri="{FF2B5EF4-FFF2-40B4-BE49-F238E27FC236}">
+                <a16:creationId xmlns:a16="http://schemas.microsoft.com/office/drawing/2014/main" id="{51C56299-4177-9342-9846-25B06D99820C}"/>
+              </a:ext>
+            </a:extLst>
+          </p:cNvPr>
+          <p:cNvCxnSpPr>
+            <a:cxnSpLocks/>
+            <a:stCxn id="13" idx="3"/>
+            <a:endCxn id="28" idx="3"/>
+          </p:cNvCxnSpPr>
+          <p:nvPr/>
+        </p:nvCxnSpPr>
+        <p:spPr>
+          <a:xfrm flipH="1">
+            <a:off x="7804671" y="2591428"/>
+            <a:ext cx="2323372" cy="1309790"/>
+          </a:xfrm>
+          <a:prstGeom prst="bentConnector3">
+            <a:avLst>
+              <a:gd name="adj1" fmla="val -9839"/>
+            </a:avLst>
+          </a:prstGeom>
+          <a:ln w="9525">
+            <a:solidFill>
+              <a:schemeClr val="tx1">
+                <a:lumMod val="50000"/>
+                <a:lumOff val="50000"/>
+              </a:schemeClr>
+            </a:solidFill>
+            <a:prstDash val="dash"/>
+            <a:tailEnd type="triangle"/>
+          </a:ln>
+        </p:spPr>
+        <p:style>
+          <a:lnRef idx="1">
+            <a:schemeClr val="accent1"/>
+          </a:lnRef>
+          <a:fillRef idx="0">
+            <a:schemeClr val="accent1"/>
+          </a:fillRef>
+          <a:effectRef idx="0">
+            <a:schemeClr val="accent1"/>
+          </a:effectRef>
+          <a:fontRef idx="minor">
+            <a:schemeClr val="tx1"/>
+          </a:fontRef>
+        </p:style>
+      </p:cxnSp>
+      <p:cxnSp>
+        <p:nvCxnSpPr>
+          <p:cNvPr id="33" name="肘形连接符 32">
+            <a:extLst>
+              <a:ext uri="{FF2B5EF4-FFF2-40B4-BE49-F238E27FC236}">
+                <a16:creationId xmlns:a16="http://schemas.microsoft.com/office/drawing/2014/main" id="{C40A8C9A-CC25-384D-A780-A00CD42FCCFF}"/>
+              </a:ext>
+            </a:extLst>
+          </p:cNvPr>
+          <p:cNvCxnSpPr>
+            <a:cxnSpLocks/>
+            <a:stCxn id="14" idx="3"/>
+            <a:endCxn id="28" idx="3"/>
+          </p:cNvCxnSpPr>
+          <p:nvPr/>
+        </p:nvCxnSpPr>
+        <p:spPr>
+          <a:xfrm flipH="1">
+            <a:off x="7804671" y="3363029"/>
+            <a:ext cx="2323372" cy="538189"/>
+          </a:xfrm>
+          <a:prstGeom prst="bentConnector3">
+            <a:avLst>
+              <a:gd name="adj1" fmla="val -9839"/>
+            </a:avLst>
+          </a:prstGeom>
+          <a:ln w="9525">
+            <a:solidFill>
+              <a:schemeClr val="tx1">
+                <a:lumMod val="50000"/>
+                <a:lumOff val="50000"/>
+              </a:schemeClr>
+            </a:solidFill>
+            <a:prstDash val="dash"/>
+            <a:tailEnd type="triangle"/>
+          </a:ln>
+        </p:spPr>
+        <p:style>
+          <a:lnRef idx="1">
+            <a:schemeClr val="accent1"/>
+          </a:lnRef>
+          <a:fillRef idx="0">
+            <a:schemeClr val="accent1"/>
+          </a:fillRef>
+          <a:effectRef idx="0">
+            <a:schemeClr val="accent1"/>
+          </a:effectRef>
+          <a:fontRef idx="minor">
+            <a:schemeClr val="tx1"/>
+          </a:fontRef>
+        </p:style>
+      </p:cxnSp>
+      <p:sp>
+        <p:nvSpPr>
+          <p:cNvPr id="34" name="圆角矩形 33">
+            <a:extLst>
+              <a:ext uri="{FF2B5EF4-FFF2-40B4-BE49-F238E27FC236}">
+                <a16:creationId xmlns:a16="http://schemas.microsoft.com/office/drawing/2014/main" id="{DE59215D-7B05-BC4A-A3E8-554F6AF9B026}"/>
+              </a:ext>
+            </a:extLst>
+          </p:cNvPr>
+          <p:cNvSpPr/>
+          <p:nvPr/>
+        </p:nvSpPr>
+        <p:spPr>
+          <a:xfrm>
+            <a:off x="2900258" y="2032227"/>
+            <a:ext cx="800345" cy="315595"/>
+          </a:xfrm>
+          <a:prstGeom prst="roundRect">
+            <a:avLst>
+              <a:gd name="adj" fmla="val 25652"/>
+            </a:avLst>
+          </a:prstGeom>
+          <a:ln/>
+        </p:spPr>
+        <p:style>
+          <a:lnRef idx="2">
+            <a:schemeClr val="accent4">
+              <a:shade val="50000"/>
+            </a:schemeClr>
+          </a:lnRef>
+          <a:fillRef idx="1">
+            <a:schemeClr val="accent4"/>
+          </a:fillRef>
+          <a:effectRef idx="0">
+            <a:schemeClr val="accent4"/>
+          </a:effectRef>
+          <a:fontRef idx="minor">
+            <a:schemeClr val="lt1"/>
+          </a:fontRef>
+        </p:style>
+        <p:txBody>
+          <a:bodyPr rot="0" spcFirstLastPara="0" vertOverflow="overflow" horzOverflow="overflow" vert="horz" wrap="square" lIns="91440" tIns="45720" rIns="91440" bIns="45720" numCol="1" spcCol="0" rtlCol="0" fromWordArt="0" anchor="ctr" anchorCtr="0" forceAA="0" compatLnSpc="1">
+            <a:prstTxWarp prst="textNoShape">
+              <a:avLst/>
+            </a:prstTxWarp>
+            <a:noAutofit/>
+          </a:bodyPr>
+          <a:lstStyle/>
+          <a:p>
+            <a:pPr algn="ctr"/>
+            <a:r>
+              <a:rPr kumimoji="1" lang="en-US" altLang="zh-CN" sz="800" dirty="0">
+                <a:solidFill>
+                  <a:schemeClr val="bg1"/>
+                </a:solidFill>
+                <a:latin typeface="+mj-ea"/>
+                <a:ea typeface="+mj-ea"/>
+              </a:rPr>
+              <a:t>JavaAgent</a:t>
+            </a:r>
+          </a:p>
+          <a:p>
+            <a:pPr algn="ctr"/>
+            <a:r>
+              <a:rPr kumimoji="1" lang="en-US" altLang="zh-CN" sz="800" dirty="0">
+                <a:solidFill>
+                  <a:schemeClr val="bg1"/>
+                </a:solidFill>
+                <a:latin typeface="+mj-ea"/>
+                <a:ea typeface="+mj-ea"/>
+              </a:rPr>
+              <a:t>(</a:t>
+            </a:r>
+            <a:r>
+              <a:rPr kumimoji="1" lang="zh-CN" altLang="en-US" sz="800" dirty="0">
+                <a:solidFill>
+                  <a:schemeClr val="bg1"/>
+                </a:solidFill>
+                <a:latin typeface="+mj-ea"/>
+                <a:ea typeface="+mj-ea"/>
+              </a:rPr>
+              <a:t>本机部署</a:t>
+            </a:r>
+            <a:r>
+              <a:rPr kumimoji="1" lang="en-US" altLang="zh-CN" sz="800" dirty="0">
+                <a:solidFill>
+                  <a:schemeClr val="bg1"/>
+                </a:solidFill>
+                <a:latin typeface="+mj-ea"/>
+                <a:ea typeface="+mj-ea"/>
+              </a:rPr>
+              <a:t>)</a:t>
+            </a:r>
+            <a:endParaRPr kumimoji="1" lang="zh-CN" altLang="en-US" sz="800" dirty="0">
+              <a:solidFill>
+                <a:schemeClr val="bg1"/>
+              </a:solidFill>
+              <a:latin typeface="+mj-ea"/>
+              <a:ea typeface="+mj-ea"/>
+            </a:endParaRPr>
+          </a:p>
+        </p:txBody>
+      </p:sp>
+      <p:cxnSp>
+        <p:nvCxnSpPr>
+          <p:cNvPr id="35" name="肘形连接符 34">
+            <a:extLst>
+              <a:ext uri="{FF2B5EF4-FFF2-40B4-BE49-F238E27FC236}">
+                <a16:creationId xmlns:a16="http://schemas.microsoft.com/office/drawing/2014/main" id="{79B8C5BE-865B-1841-99F8-F915DCF408C3}"/>
+              </a:ext>
+            </a:extLst>
+          </p:cNvPr>
+          <p:cNvCxnSpPr>
+            <a:cxnSpLocks/>
+            <a:stCxn id="34" idx="2"/>
+            <a:endCxn id="28" idx="1"/>
+          </p:cNvCxnSpPr>
+          <p:nvPr/>
+        </p:nvCxnSpPr>
+        <p:spPr>
+          <a:xfrm rot="16200000" flipH="1">
+            <a:off x="3984005" y="1664248"/>
+            <a:ext cx="1553396" cy="2920544"/>
+          </a:xfrm>
+          <a:prstGeom prst="bentConnector2">
+            <a:avLst/>
+          </a:prstGeom>
+          <a:ln w="9525">
+            <a:solidFill>
+              <a:schemeClr val="tx1">
+                <a:lumMod val="50000"/>
+                <a:lumOff val="50000"/>
+              </a:schemeClr>
+            </a:solidFill>
+            <a:prstDash val="dash"/>
+            <a:tailEnd type="triangle"/>
+          </a:ln>
+        </p:spPr>
+        <p:style>
+          <a:lnRef idx="1">
+            <a:schemeClr val="accent1"/>
+          </a:lnRef>
+          <a:fillRef idx="0">
+            <a:schemeClr val="accent1"/>
+          </a:fillRef>
+          <a:effectRef idx="0">
+            <a:schemeClr val="accent1"/>
+          </a:effectRef>
+          <a:fontRef idx="minor">
+            <a:schemeClr val="tx1"/>
+          </a:fontRef>
+        </p:style>
+      </p:cxnSp>
+      <p:sp>
+        <p:nvSpPr>
+          <p:cNvPr id="40" name="文本框 39">
+            <a:extLst>
+              <a:ext uri="{FF2B5EF4-FFF2-40B4-BE49-F238E27FC236}">
+                <a16:creationId xmlns:a16="http://schemas.microsoft.com/office/drawing/2014/main" id="{E7930F28-01E5-3E4E-9944-B6536290B874}"/>
+              </a:ext>
+            </a:extLst>
+          </p:cNvPr>
+          <p:cNvSpPr txBox="1"/>
+          <p:nvPr/>
+        </p:nvSpPr>
+        <p:spPr>
+          <a:xfrm>
+            <a:off x="3115153" y="1208704"/>
+            <a:ext cx="1838965" cy="369332"/>
+          </a:xfrm>
+          <a:prstGeom prst="rect">
+            <a:avLst/>
+          </a:prstGeom>
+          <a:noFill/>
+        </p:spPr>
+        <p:txBody>
+          <a:bodyPr wrap="none" rtlCol="0">
+            <a:spAutoFit/>
+          </a:bodyPr>
+          <a:lstStyle/>
+          <a:p>
+            <a:r>
+              <a:rPr kumimoji="1" lang="en-US" altLang="zh-CN" dirty="0"/>
+              <a:t>Kubernetes</a:t>
+            </a:r>
+            <a:r>
+              <a:rPr kumimoji="1" lang="zh-CN" altLang="en-US" dirty="0"/>
+              <a:t> </a:t>
+            </a:r>
+            <a:r>
+              <a:rPr kumimoji="1" lang="en-US" altLang="zh-CN" dirty="0"/>
+              <a:t>Pod</a:t>
+            </a:r>
+            <a:endParaRPr kumimoji="1" lang="zh-CN" altLang="en-US" dirty="0"/>
+          </a:p>
+        </p:txBody>
+      </p:sp>
+      <p:cxnSp>
+        <p:nvCxnSpPr>
+          <p:cNvPr id="42" name="直线箭头连接符 41">
+            <a:extLst>
+              <a:ext uri="{FF2B5EF4-FFF2-40B4-BE49-F238E27FC236}">
+                <a16:creationId xmlns:a16="http://schemas.microsoft.com/office/drawing/2014/main" id="{286CF62C-8324-CC4D-9BDC-38723EC7CC8B}"/>
+              </a:ext>
+            </a:extLst>
+          </p:cNvPr>
+          <p:cNvCxnSpPr>
+            <a:cxnSpLocks/>
+            <a:stCxn id="27" idx="1"/>
+          </p:cNvCxnSpPr>
+          <p:nvPr/>
+        </p:nvCxnSpPr>
+        <p:spPr>
+          <a:xfrm rot="10800000" flipV="1">
+            <a:off x="5175639" y="1844820"/>
+            <a:ext cx="1045336" cy="51953"/>
+          </a:xfrm>
+          <a:prstGeom prst="curvedConnector3">
+            <a:avLst>
+              <a:gd name="adj1" fmla="val 50000"/>
+            </a:avLst>
+          </a:prstGeom>
+          <a:ln w="28575">
+            <a:solidFill>
+              <a:schemeClr val="accent4"/>
+            </a:solidFill>
+            <a:prstDash val="sysDash"/>
+            <a:tailEnd type="triangle"/>
+          </a:ln>
+        </p:spPr>
+        <p:style>
+          <a:lnRef idx="1">
+            <a:schemeClr val="accent1"/>
+          </a:lnRef>
+          <a:fillRef idx="0">
+            <a:schemeClr val="accent1"/>
+          </a:fillRef>
+          <a:effectRef idx="0">
+            <a:schemeClr val="accent1"/>
+          </a:effectRef>
+          <a:fontRef idx="minor">
+            <a:schemeClr val="tx1"/>
+          </a:fontRef>
+        </p:style>
+      </p:cxnSp>
+      <p:cxnSp>
+        <p:nvCxnSpPr>
+          <p:cNvPr id="43" name="直线箭头连接符 42">
+            <a:extLst>
+              <a:ext uri="{FF2B5EF4-FFF2-40B4-BE49-F238E27FC236}">
+                <a16:creationId xmlns:a16="http://schemas.microsoft.com/office/drawing/2014/main" id="{10894CE8-5C4D-FA4C-9603-A66DF7CB1DE1}"/>
+              </a:ext>
+            </a:extLst>
+          </p:cNvPr>
+          <p:cNvCxnSpPr>
+            <a:cxnSpLocks/>
+            <a:stCxn id="27" idx="1"/>
+            <a:endCxn id="5" idx="3"/>
+          </p:cNvCxnSpPr>
+          <p:nvPr/>
+        </p:nvCxnSpPr>
+        <p:spPr>
+          <a:xfrm rot="10800000" flipV="1">
+            <a:off x="5039229" y="1844820"/>
+            <a:ext cx="1181747" cy="1445151"/>
+          </a:xfrm>
+          <a:prstGeom prst="curvedConnector3">
+            <a:avLst/>
+          </a:prstGeom>
+          <a:ln w="28575">
+            <a:solidFill>
+              <a:schemeClr val="accent4"/>
+            </a:solidFill>
+            <a:prstDash val="sysDash"/>
+            <a:tailEnd type="triangle"/>
+          </a:ln>
+        </p:spPr>
+        <p:style>
+          <a:lnRef idx="1">
+            <a:schemeClr val="accent1"/>
+          </a:lnRef>
+          <a:fillRef idx="0">
+            <a:schemeClr val="accent1"/>
+          </a:fillRef>
+          <a:effectRef idx="0">
+            <a:schemeClr val="accent1"/>
+          </a:effectRef>
+          <a:fontRef idx="minor">
+            <a:schemeClr val="tx1"/>
+          </a:fontRef>
+        </p:style>
+      </p:cxnSp>
+      <p:cxnSp>
+        <p:nvCxnSpPr>
+          <p:cNvPr id="48" name="直线箭头连接符 41">
+            <a:extLst>
+              <a:ext uri="{FF2B5EF4-FFF2-40B4-BE49-F238E27FC236}">
+                <a16:creationId xmlns:a16="http://schemas.microsoft.com/office/drawing/2014/main" id="{349CE30F-2F3D-CE4F-A630-43AC2003F63C}"/>
+              </a:ext>
+            </a:extLst>
+          </p:cNvPr>
+          <p:cNvCxnSpPr>
+            <a:cxnSpLocks/>
+            <a:stCxn id="27" idx="3"/>
+          </p:cNvCxnSpPr>
+          <p:nvPr/>
+        </p:nvCxnSpPr>
+        <p:spPr>
+          <a:xfrm flipV="1">
+            <a:off x="7565835" y="1785523"/>
+            <a:ext cx="1626454" cy="59298"/>
+          </a:xfrm>
+          <a:prstGeom prst="curvedConnector3">
+            <a:avLst>
+              <a:gd name="adj1" fmla="val 50000"/>
+            </a:avLst>
+          </a:prstGeom>
+          <a:ln w="28575">
+            <a:solidFill>
+              <a:schemeClr val="accent4"/>
+            </a:solidFill>
+            <a:prstDash val="sysDash"/>
+            <a:tailEnd type="triangle"/>
+          </a:ln>
+        </p:spPr>
+        <p:style>
+          <a:lnRef idx="1">
+            <a:schemeClr val="accent1"/>
+          </a:lnRef>
+          <a:fillRef idx="0">
+            <a:schemeClr val="accent1"/>
+          </a:fillRef>
+          <a:effectRef idx="0">
+            <a:schemeClr val="accent1"/>
+          </a:effectRef>
+          <a:fontRef idx="minor">
+            <a:schemeClr val="tx1"/>
+          </a:fontRef>
+        </p:style>
+      </p:cxnSp>
+      <p:cxnSp>
+        <p:nvCxnSpPr>
+          <p:cNvPr id="51" name="直线箭头连接符 41">
+            <a:extLst>
+              <a:ext uri="{FF2B5EF4-FFF2-40B4-BE49-F238E27FC236}">
+                <a16:creationId xmlns:a16="http://schemas.microsoft.com/office/drawing/2014/main" id="{AC32EEBD-2290-B04C-8F0F-84C993B11BC5}"/>
+              </a:ext>
+            </a:extLst>
+          </p:cNvPr>
+          <p:cNvCxnSpPr>
+            <a:cxnSpLocks/>
+            <a:stCxn id="27" idx="3"/>
+          </p:cNvCxnSpPr>
+          <p:nvPr/>
+        </p:nvCxnSpPr>
+        <p:spPr>
+          <a:xfrm>
+            <a:off x="7565835" y="1844821"/>
+            <a:ext cx="1662758" cy="667390"/>
+          </a:xfrm>
+          <a:prstGeom prst="curvedConnector3">
+            <a:avLst>
+              <a:gd name="adj1" fmla="val 50000"/>
+            </a:avLst>
+          </a:prstGeom>
+          <a:ln w="28575">
+            <a:solidFill>
+              <a:schemeClr val="accent4"/>
+            </a:solidFill>
+            <a:prstDash val="sysDash"/>
+            <a:tailEnd type="triangle"/>
+          </a:ln>
+        </p:spPr>
+        <p:style>
+          <a:lnRef idx="1">
+            <a:schemeClr val="accent1"/>
+          </a:lnRef>
+          <a:fillRef idx="0">
+            <a:schemeClr val="accent1"/>
+          </a:fillRef>
+          <a:effectRef idx="0">
+            <a:schemeClr val="accent1"/>
+          </a:effectRef>
+          <a:fontRef idx="minor">
+            <a:schemeClr val="tx1"/>
+          </a:fontRef>
+        </p:style>
+      </p:cxnSp>
+      <p:cxnSp>
+        <p:nvCxnSpPr>
+          <p:cNvPr id="55" name="直线箭头连接符 41">
+            <a:extLst>
+              <a:ext uri="{FF2B5EF4-FFF2-40B4-BE49-F238E27FC236}">
+                <a16:creationId xmlns:a16="http://schemas.microsoft.com/office/drawing/2014/main" id="{FD1AC9BE-CE2D-6946-9846-B1A0ACD6223D}"/>
+              </a:ext>
+            </a:extLst>
+          </p:cNvPr>
+          <p:cNvCxnSpPr>
+            <a:cxnSpLocks/>
+            <a:stCxn id="27" idx="3"/>
+          </p:cNvCxnSpPr>
+          <p:nvPr/>
+        </p:nvCxnSpPr>
+        <p:spPr>
+          <a:xfrm>
+            <a:off x="7565835" y="1844821"/>
+            <a:ext cx="1669386" cy="1421926"/>
+          </a:xfrm>
+          <a:prstGeom prst="curvedConnector3">
+            <a:avLst>
+              <a:gd name="adj1" fmla="val 50000"/>
+            </a:avLst>
+          </a:prstGeom>
+          <a:ln w="28575">
+            <a:solidFill>
+              <a:schemeClr val="accent4"/>
+            </a:solidFill>
+            <a:prstDash val="sysDash"/>
+            <a:tailEnd type="triangle"/>
+          </a:ln>
+        </p:spPr>
+        <p:style>
+          <a:lnRef idx="1">
+            <a:schemeClr val="accent1"/>
+          </a:lnRef>
+          <a:fillRef idx="0">
+            <a:schemeClr val="accent1"/>
+          </a:fillRef>
+          <a:effectRef idx="0">
+            <a:schemeClr val="accent1"/>
+          </a:effectRef>
+          <a:fontRef idx="minor">
+            <a:schemeClr val="tx1"/>
+          </a:fontRef>
+        </p:style>
+      </p:cxnSp>
+      <p:sp>
+        <p:nvSpPr>
+          <p:cNvPr id="63" name="文本框 62">
+            <a:extLst>
+              <a:ext uri="{FF2B5EF4-FFF2-40B4-BE49-F238E27FC236}">
+                <a16:creationId xmlns:a16="http://schemas.microsoft.com/office/drawing/2014/main" id="{40BEE96B-4F50-8B43-961A-23D6D3086101}"/>
+              </a:ext>
+            </a:extLst>
+          </p:cNvPr>
+          <p:cNvSpPr txBox="1"/>
+          <p:nvPr/>
+        </p:nvSpPr>
+        <p:spPr>
+          <a:xfrm>
+            <a:off x="1590541" y="3149524"/>
+            <a:ext cx="1120820" cy="369332"/>
+          </a:xfrm>
+          <a:prstGeom prst="rect">
+            <a:avLst/>
+          </a:prstGeom>
+          <a:noFill/>
+        </p:spPr>
+        <p:txBody>
+          <a:bodyPr wrap="none" rtlCol="0">
+            <a:spAutoFit/>
+          </a:bodyPr>
+          <a:lstStyle/>
+          <a:p>
+            <a:r>
+              <a:rPr kumimoji="1" lang="en-US" altLang="zh-CN" dirty="0"/>
+              <a:t>SDK</a:t>
+            </a:r>
+            <a:r>
+              <a:rPr kumimoji="1" lang="zh-CN" altLang="en-US" dirty="0"/>
+              <a:t>方式</a:t>
+            </a:r>
+          </a:p>
+        </p:txBody>
+      </p:sp>
+      <p:sp>
+        <p:nvSpPr>
+          <p:cNvPr id="64" name="文本框 63">
+            <a:extLst>
+              <a:ext uri="{FF2B5EF4-FFF2-40B4-BE49-F238E27FC236}">
+                <a16:creationId xmlns:a16="http://schemas.microsoft.com/office/drawing/2014/main" id="{7E8275BF-0320-494F-B60C-D7335D7961F7}"/>
+              </a:ext>
+            </a:extLst>
+          </p:cNvPr>
+          <p:cNvSpPr txBox="1"/>
+          <p:nvPr/>
+        </p:nvSpPr>
+        <p:spPr>
+          <a:xfrm>
+            <a:off x="1488398" y="1825912"/>
+            <a:ext cx="1210588" cy="369332"/>
+          </a:xfrm>
+          <a:prstGeom prst="rect">
+            <a:avLst/>
+          </a:prstGeom>
+          <a:noFill/>
+        </p:spPr>
+        <p:txBody>
+          <a:bodyPr wrap="none" rtlCol="0">
+            <a:spAutoFit/>
+          </a:bodyPr>
+          <a:lstStyle/>
+          <a:p>
+            <a:r>
+              <a:rPr kumimoji="1" lang="en-US" altLang="zh-CN" dirty="0"/>
+              <a:t>Mesh</a:t>
+            </a:r>
+            <a:r>
+              <a:rPr kumimoji="1" lang="zh-CN" altLang="en-US" dirty="0"/>
+              <a:t>方式</a:t>
+            </a:r>
+          </a:p>
+        </p:txBody>
+      </p:sp>
+      <p:sp>
+        <p:nvSpPr>
+          <p:cNvPr id="65" name="文本框 64">
+            <a:extLst>
+              <a:ext uri="{FF2B5EF4-FFF2-40B4-BE49-F238E27FC236}">
+                <a16:creationId xmlns:a16="http://schemas.microsoft.com/office/drawing/2014/main" id="{309572DE-57AD-5047-88E7-96380B3F59CE}"/>
+              </a:ext>
+            </a:extLst>
+          </p:cNvPr>
+          <p:cNvSpPr txBox="1"/>
+          <p:nvPr/>
+        </p:nvSpPr>
+        <p:spPr>
+          <a:xfrm>
+            <a:off x="4833357" y="3944412"/>
+            <a:ext cx="1202252" cy="193899"/>
+          </a:xfrm>
+          <a:prstGeom prst="rect">
+            <a:avLst/>
+          </a:prstGeom>
+          <a:noFill/>
+        </p:spPr>
+        <p:txBody>
+          <a:bodyPr wrap="none" lIns="0" tIns="36576" rIns="0" bIns="0" rtlCol="0">
+            <a:spAutoFit/>
+          </a:bodyPr>
+          <a:lstStyle/>
+          <a:p>
+            <a:pPr>
+              <a:lnSpc>
+                <a:spcPct val="85000"/>
+              </a:lnSpc>
+              <a:spcAft>
+                <a:spcPts val="600"/>
+              </a:spcAft>
+              <a:buClr>
+                <a:schemeClr val="accent2"/>
+              </a:buClr>
+              <a:buSzPct val="70000"/>
+            </a:pPr>
+            <a:r>
+              <a:rPr kumimoji="1" lang="zh-CN" altLang="en-US" sz="1200" dirty="0">
+                <a:latin typeface="+mj-ea"/>
+                <a:ea typeface="+mj-ea"/>
+              </a:rPr>
+              <a:t>调用链</a:t>
+            </a:r>
+            <a:r>
+              <a:rPr kumimoji="1" lang="en-US" altLang="zh-CN" sz="1200" dirty="0">
+                <a:latin typeface="+mj-ea"/>
+                <a:ea typeface="+mj-ea"/>
+              </a:rPr>
+              <a:t>/</a:t>
+            </a:r>
+            <a:r>
+              <a:rPr kumimoji="1" lang="zh-CN" altLang="en-US" sz="1200" dirty="0">
+                <a:latin typeface="+mj-ea"/>
+                <a:ea typeface="+mj-ea"/>
+              </a:rPr>
+              <a:t>指标</a:t>
+            </a:r>
+            <a:r>
+              <a:rPr kumimoji="1" lang="en-US" altLang="zh-CN" sz="1200" dirty="0">
+                <a:latin typeface="+mj-ea"/>
+                <a:ea typeface="+mj-ea"/>
+              </a:rPr>
+              <a:t>/</a:t>
+            </a:r>
+            <a:r>
+              <a:rPr kumimoji="1" lang="zh-CN" altLang="en-US" sz="1200" dirty="0">
+                <a:latin typeface="+mj-ea"/>
+                <a:ea typeface="+mj-ea"/>
+              </a:rPr>
+              <a:t>日志</a:t>
+            </a:r>
+            <a:endParaRPr kumimoji="1" lang="en-US" altLang="zh-CN" sz="1200" dirty="0">
+              <a:latin typeface="+mj-ea"/>
+              <a:ea typeface="+mj-ea"/>
+            </a:endParaRPr>
+          </a:p>
+        </p:txBody>
+      </p:sp>
+      <p:sp>
+        <p:nvSpPr>
+          <p:cNvPr id="66" name="文本框 65">
+            <a:extLst>
+              <a:ext uri="{FF2B5EF4-FFF2-40B4-BE49-F238E27FC236}">
+                <a16:creationId xmlns:a16="http://schemas.microsoft.com/office/drawing/2014/main" id="{5F7D3F13-3265-464D-97A7-7735CA2D0B4F}"/>
+              </a:ext>
+            </a:extLst>
+          </p:cNvPr>
+          <p:cNvSpPr txBox="1"/>
+          <p:nvPr/>
+        </p:nvSpPr>
+        <p:spPr>
+          <a:xfrm>
+            <a:off x="7897354" y="3942854"/>
+            <a:ext cx="1202252" cy="193899"/>
+          </a:xfrm>
+          <a:prstGeom prst="rect">
+            <a:avLst/>
+          </a:prstGeom>
+          <a:noFill/>
+        </p:spPr>
+        <p:txBody>
+          <a:bodyPr wrap="none" lIns="0" tIns="36576" rIns="0" bIns="0" rtlCol="0">
+            <a:spAutoFit/>
+          </a:bodyPr>
+          <a:lstStyle/>
+          <a:p>
+            <a:pPr>
+              <a:lnSpc>
+                <a:spcPct val="85000"/>
+              </a:lnSpc>
+              <a:spcAft>
+                <a:spcPts val="600"/>
+              </a:spcAft>
+              <a:buClr>
+                <a:schemeClr val="accent2"/>
+              </a:buClr>
+              <a:buSzPct val="70000"/>
+            </a:pPr>
+            <a:r>
+              <a:rPr kumimoji="1" lang="zh-CN" altLang="en-US" sz="1200" dirty="0">
+                <a:latin typeface="+mj-ea"/>
+                <a:ea typeface="+mj-ea"/>
+              </a:rPr>
+              <a:t>调用链</a:t>
+            </a:r>
+            <a:r>
+              <a:rPr kumimoji="1" lang="en-US" altLang="zh-CN" sz="1200" dirty="0">
+                <a:latin typeface="+mj-ea"/>
+                <a:ea typeface="+mj-ea"/>
+              </a:rPr>
+              <a:t>/</a:t>
+            </a:r>
+            <a:r>
+              <a:rPr kumimoji="1" lang="zh-CN" altLang="en-US" sz="1200" dirty="0">
+                <a:latin typeface="+mj-ea"/>
+                <a:ea typeface="+mj-ea"/>
+              </a:rPr>
+              <a:t>指标</a:t>
+            </a:r>
+            <a:r>
+              <a:rPr kumimoji="1" lang="en-US" altLang="zh-CN" sz="1200" dirty="0">
+                <a:latin typeface="+mj-ea"/>
+                <a:ea typeface="+mj-ea"/>
+              </a:rPr>
+              <a:t>/</a:t>
+            </a:r>
+            <a:r>
+              <a:rPr kumimoji="1" lang="zh-CN" altLang="en-US" sz="1200" dirty="0">
+                <a:latin typeface="+mj-ea"/>
+                <a:ea typeface="+mj-ea"/>
+              </a:rPr>
+              <a:t>日志</a:t>
+            </a:r>
+            <a:endParaRPr kumimoji="1" lang="en-US" altLang="zh-CN" sz="1200" dirty="0">
+              <a:latin typeface="+mj-ea"/>
+              <a:ea typeface="+mj-ea"/>
+            </a:endParaRPr>
+          </a:p>
+        </p:txBody>
+      </p:sp>
+      <p:sp>
+        <p:nvSpPr>
+          <p:cNvPr id="46" name="文本框 45">
+            <a:extLst>
+              <a:ext uri="{FF2B5EF4-FFF2-40B4-BE49-F238E27FC236}">
+                <a16:creationId xmlns:a16="http://schemas.microsoft.com/office/drawing/2014/main" id="{8B0D6A5B-A8F7-854D-A37F-551879EFA743}"/>
+              </a:ext>
+            </a:extLst>
+          </p:cNvPr>
+          <p:cNvSpPr txBox="1"/>
+          <p:nvPr/>
+        </p:nvSpPr>
+        <p:spPr>
+          <a:xfrm>
+            <a:off x="166226" y="202786"/>
+            <a:ext cx="4002362" cy="811248"/>
+          </a:xfrm>
+          <a:prstGeom prst="rect">
+            <a:avLst/>
+          </a:prstGeom>
+          <a:noFill/>
+        </p:spPr>
+        <p:txBody>
+          <a:bodyPr wrap="square" rtlCol="0">
+            <a:spAutoFit/>
+          </a:bodyPr>
+          <a:lstStyle/>
+          <a:p>
+            <a:pPr>
+              <a:lnSpc>
+                <a:spcPct val="120000"/>
+              </a:lnSpc>
+            </a:pPr>
+            <a:r>
+              <a:rPr lang="en-US" altLang="zh-CN" sz="2400" b="1" dirty="0">
+                <a:solidFill>
+                  <a:srgbClr val="04396B"/>
+                </a:solidFill>
+                <a:latin typeface="微软雅黑" panose="020B0503020204020204" pitchFamily="34" charset="-122"/>
+                <a:ea typeface="微软雅黑" panose="020B0503020204020204" pitchFamily="34" charset="-122"/>
+              </a:rPr>
+              <a:t>Ease</a:t>
+            </a:r>
+            <a:r>
+              <a:rPr lang="zh-CN" altLang="en-US" sz="2400" b="1" dirty="0">
+                <a:solidFill>
+                  <a:srgbClr val="04396B"/>
+                </a:solidFill>
+                <a:latin typeface="微软雅黑" panose="020B0503020204020204" pitchFamily="34" charset="-122"/>
+                <a:ea typeface="微软雅黑" panose="020B0503020204020204" pitchFamily="34" charset="-122"/>
+              </a:rPr>
+              <a:t> </a:t>
+            </a:r>
+            <a:r>
+              <a:rPr lang="en-US" altLang="zh-CN" sz="2400" b="1" dirty="0">
+                <a:solidFill>
+                  <a:srgbClr val="04396B"/>
+                </a:solidFill>
+                <a:latin typeface="微软雅黑" panose="020B0503020204020204" pitchFamily="34" charset="-122"/>
+                <a:ea typeface="微软雅黑" panose="020B0503020204020204" pitchFamily="34" charset="-122"/>
+              </a:rPr>
+              <a:t>Service</a:t>
+            </a:r>
+            <a:r>
+              <a:rPr lang="zh-CN" altLang="en-US" sz="2400" b="1" dirty="0">
+                <a:solidFill>
+                  <a:srgbClr val="04396B"/>
+                </a:solidFill>
+                <a:latin typeface="微软雅黑" panose="020B0503020204020204" pitchFamily="34" charset="-122"/>
+                <a:ea typeface="微软雅黑" panose="020B0503020204020204" pitchFamily="34" charset="-122"/>
+              </a:rPr>
+              <a:t> 工作原理</a:t>
+            </a:r>
+            <a:endParaRPr lang="en-US" altLang="zh-CN" sz="2400" b="1" dirty="0">
+              <a:solidFill>
+                <a:srgbClr val="04396B"/>
+              </a:solidFill>
+              <a:latin typeface="微软雅黑" panose="020B0503020204020204" pitchFamily="34" charset="-122"/>
+              <a:ea typeface="微软雅黑" panose="020B0503020204020204" pitchFamily="34" charset="-122"/>
+            </a:endParaRPr>
+          </a:p>
+          <a:p>
+            <a:pPr>
+              <a:lnSpc>
+                <a:spcPct val="120000"/>
+              </a:lnSpc>
+            </a:pPr>
+            <a:r>
+              <a:rPr lang="en-US" altLang="zh-CN" sz="1600" i="1" dirty="0">
+                <a:solidFill>
+                  <a:schemeClr val="tx1">
+                    <a:lumMod val="65000"/>
+                    <a:lumOff val="35000"/>
+                  </a:schemeClr>
+                </a:solidFill>
+                <a:latin typeface="Calibri Light" panose="020F0302020204030204" pitchFamily="34" charset="0"/>
+              </a:rPr>
+              <a:t>The</a:t>
+            </a:r>
+            <a:r>
+              <a:rPr lang="zh-CN" altLang="en-US" sz="1600" i="1" dirty="0">
+                <a:solidFill>
+                  <a:schemeClr val="tx1">
+                    <a:lumMod val="65000"/>
+                    <a:lumOff val="35000"/>
+                  </a:schemeClr>
+                </a:solidFill>
+                <a:latin typeface="Calibri Light" panose="020F0302020204030204" pitchFamily="34" charset="0"/>
+              </a:rPr>
+              <a:t> </a:t>
+            </a:r>
+            <a:r>
+              <a:rPr lang="en-US" altLang="zh-CN" sz="1600" i="1" dirty="0">
+                <a:solidFill>
+                  <a:schemeClr val="tx1">
+                    <a:lumMod val="65000"/>
+                    <a:lumOff val="35000"/>
+                  </a:schemeClr>
+                </a:solidFill>
+                <a:latin typeface="Calibri Light" panose="020F0302020204030204" pitchFamily="34" charset="0"/>
+              </a:rPr>
+              <a:t>mechanism</a:t>
+            </a:r>
+            <a:r>
+              <a:rPr lang="zh-CN" altLang="en-US" sz="1600" i="1" dirty="0">
+                <a:solidFill>
+                  <a:schemeClr val="tx1">
+                    <a:lumMod val="65000"/>
+                    <a:lumOff val="35000"/>
+                  </a:schemeClr>
+                </a:solidFill>
+                <a:latin typeface="Calibri Light" panose="020F0302020204030204" pitchFamily="34" charset="0"/>
+              </a:rPr>
+              <a:t> </a:t>
+            </a:r>
+            <a:r>
+              <a:rPr lang="en-US" altLang="zh-CN" sz="1600" i="1" dirty="0">
+                <a:solidFill>
+                  <a:schemeClr val="tx1">
+                    <a:lumMod val="65000"/>
+                    <a:lumOff val="35000"/>
+                  </a:schemeClr>
+                </a:solidFill>
+                <a:latin typeface="Calibri Light" panose="020F0302020204030204" pitchFamily="34" charset="0"/>
+              </a:rPr>
+              <a:t>of</a:t>
+            </a:r>
+            <a:r>
+              <a:rPr lang="zh-CN" altLang="en-US" sz="1600" i="1" dirty="0">
+                <a:solidFill>
+                  <a:schemeClr val="tx1">
+                    <a:lumMod val="65000"/>
+                    <a:lumOff val="35000"/>
+                  </a:schemeClr>
+                </a:solidFill>
+                <a:latin typeface="Calibri Light" panose="020F0302020204030204" pitchFamily="34" charset="0"/>
+              </a:rPr>
+              <a:t> </a:t>
+            </a:r>
+            <a:r>
+              <a:rPr lang="en-US" altLang="zh-CN" sz="1600" i="1" dirty="0">
+                <a:solidFill>
+                  <a:schemeClr val="tx1">
+                    <a:lumMod val="65000"/>
+                    <a:lumOff val="35000"/>
+                  </a:schemeClr>
+                </a:solidFill>
+                <a:latin typeface="Calibri Light" panose="020F0302020204030204" pitchFamily="34" charset="0"/>
+              </a:rPr>
+              <a:t>Ease</a:t>
+            </a:r>
+            <a:r>
+              <a:rPr lang="zh-CN" altLang="en-US" sz="1600" i="1" dirty="0">
+                <a:solidFill>
+                  <a:schemeClr val="tx1">
+                    <a:lumMod val="65000"/>
+                    <a:lumOff val="35000"/>
+                  </a:schemeClr>
+                </a:solidFill>
+                <a:latin typeface="Calibri Light" panose="020F0302020204030204" pitchFamily="34" charset="0"/>
+              </a:rPr>
+              <a:t> </a:t>
+            </a:r>
+            <a:r>
+              <a:rPr lang="en-US" altLang="zh-CN" sz="1600" i="1" dirty="0">
+                <a:solidFill>
+                  <a:schemeClr val="tx1">
+                    <a:lumMod val="65000"/>
+                    <a:lumOff val="35000"/>
+                  </a:schemeClr>
+                </a:solidFill>
+                <a:latin typeface="Calibri Light" panose="020F0302020204030204" pitchFamily="34" charset="0"/>
+              </a:rPr>
+              <a:t>Service</a:t>
+            </a:r>
+          </a:p>
+        </p:txBody>
+      </p:sp>
+      <p:sp>
+        <p:nvSpPr>
+          <p:cNvPr id="47" name="等腰三角形 5">
+            <a:extLst>
+              <a:ext uri="{FF2B5EF4-FFF2-40B4-BE49-F238E27FC236}">
+                <a16:creationId xmlns:a16="http://schemas.microsoft.com/office/drawing/2014/main" id="{19F40D9D-5FE9-4841-AD3A-223DA45CD0F4}"/>
+              </a:ext>
+            </a:extLst>
+          </p:cNvPr>
+          <p:cNvSpPr/>
+          <p:nvPr/>
+        </p:nvSpPr>
+        <p:spPr>
+          <a:xfrm rot="5400000">
+            <a:off x="3535010" y="409083"/>
+            <a:ext cx="215900" cy="115287"/>
+          </a:xfrm>
+          <a:prstGeom prst="triangle">
+            <a:avLst/>
+          </a:prstGeom>
+          <a:solidFill>
+            <a:schemeClr val="tx1">
+              <a:lumMod val="65000"/>
+              <a:lumOff val="35000"/>
+            </a:schemeClr>
+          </a:solidFill>
+          <a:ln>
+            <a:noFill/>
+          </a:ln>
+        </p:spPr>
+        <p:style>
+          <a:lnRef idx="2">
+            <a:schemeClr val="accent1">
+              <a:shade val="50000"/>
+            </a:schemeClr>
+          </a:lnRef>
+          <a:fillRef idx="1">
+            <a:schemeClr val="accent1"/>
+          </a:fillRef>
+          <a:effectRef idx="0">
+            <a:schemeClr val="accent1"/>
+          </a:effectRef>
+          <a:fontRef idx="minor">
+            <a:schemeClr val="lt1"/>
+          </a:fontRef>
+        </p:style>
+        <p:txBody>
+          <a:bodyPr rtlCol="0" anchor="ctr"/>
+          <a:lstStyle/>
+          <a:p>
+            <a:pPr algn="ctr"/>
+            <a:endParaRPr lang="zh-CN" altLang="en-US"/>
+          </a:p>
+        </p:txBody>
+      </p:sp>
+    </p:spTree>
+    <p:extLst>
+      <p:ext uri="{BB962C8B-B14F-4D97-AF65-F5344CB8AC3E}">
+        <p14:creationId xmlns:p14="http://schemas.microsoft.com/office/powerpoint/2010/main" val="188871156"/>
+      </p:ext>
+    </p:extLst>
+  </p:cSld>
+  <p:clrMapOvr>
+    <a:masterClrMapping/>
+  </p:clrMapOvr>
+</p:sld>
+</file>
+
+<file path=ppt/slides/slide3.xml><?xml version="1.0" encoding="utf-8"?>
+<p:sld xmlns:a="http://schemas.openxmlformats.org/drawingml/2006/main" xmlns:r="http://schemas.openxmlformats.org/officeDocument/2006/relationships" xmlns:p="http://schemas.openxmlformats.org/presentationml/2006/main">
+  <p:cSld>
+    <p:spTree>
+      <p:nvGrpSpPr>
+        <p:cNvPr id="1" name=""/>
+        <p:cNvGrpSpPr/>
+        <p:nvPr/>
+      </p:nvGrpSpPr>
+      <p:grpSpPr>
+        <a:xfrm>
+          <a:off x="0" y="0"/>
+          <a:ext cx="0" cy="0"/>
+          <a:chOff x="0" y="0"/>
+          <a:chExt cx="0" cy="0"/>
+        </a:xfrm>
+      </p:grpSpPr>
+      <p:sp>
+        <p:nvSpPr>
           <p:cNvPr id="120" name="矩形 253">
             <a:extLst>
               <a:ext uri="{FF2B5EF4-FFF2-40B4-BE49-F238E27FC236}">
@@ -11775,7 +14899,7 @@
 </p:sld>
 </file>
 
-<file path=ppt/slides/slide3.xml><?xml version="1.0" encoding="utf-8"?>
+<file path=ppt/slides/slide4.xml><?xml version="1.0" encoding="utf-8"?>
 <p:sld xmlns:a="http://schemas.openxmlformats.org/drawingml/2006/main" xmlns:r="http://schemas.openxmlformats.org/officeDocument/2006/relationships" xmlns:p="http://schemas.openxmlformats.org/presentationml/2006/main">
   <p:cSld>
     <p:spTree>
@@ -15571,7 +18695,7 @@
 </p:sld>
 </file>
 
-<file path=ppt/slides/slide4.xml><?xml version="1.0" encoding="utf-8"?>
+<file path=ppt/slides/slide5.xml><?xml version="1.0" encoding="utf-8"?>
 <p:sld xmlns:a="http://schemas.openxmlformats.org/drawingml/2006/main" xmlns:r="http://schemas.openxmlformats.org/officeDocument/2006/relationships" xmlns:p="http://schemas.openxmlformats.org/presentationml/2006/main">
   <p:cSld>
     <p:spTree>
@@ -17793,7 +20917,7 @@
 </p:sld>
 </file>
 
-<file path=ppt/slides/slide5.xml><?xml version="1.0" encoding="utf-8"?>
+<file path=ppt/slides/slide6.xml><?xml version="1.0" encoding="utf-8"?>
 <p:sld xmlns:a="http://schemas.openxmlformats.org/drawingml/2006/main" xmlns:r="http://schemas.openxmlformats.org/officeDocument/2006/relationships" xmlns:p="http://schemas.openxmlformats.org/presentationml/2006/main">
   <p:cSld>
     <p:spTree>
@@ -19492,7 +22616,7 @@
 </p:sld>
 </file>
 
-<file path=ppt/slides/slide6.xml><?xml version="1.0" encoding="utf-8"?>
+<file path=ppt/slides/slide7.xml><?xml version="1.0" encoding="utf-8"?>
 <p:sld xmlns:a="http://schemas.openxmlformats.org/drawingml/2006/main" xmlns:r="http://schemas.openxmlformats.org/officeDocument/2006/relationships" xmlns:p="http://schemas.openxmlformats.org/presentationml/2006/main">
   <p:cSld>
     <p:spTree>

--- a/docs/architecture.pptx
+++ b/docs/architecture.pptx
@@ -5,16 +5,18 @@
     <p:sldMasterId id="2147483648" r:id="rId1"/>
   </p:sldMasterIdLst>
   <p:notesMasterIdLst>
-    <p:notesMasterId r:id="rId6"/>
+    <p:notesMasterId r:id="rId13"/>
   </p:notesMasterIdLst>
   <p:handoutMasterIdLst>
-    <p:handoutMasterId r:id="rId13"/>
+    <p:handoutMasterId r:id="rId14"/>
   </p:handoutMasterIdLst>
   <p:sldIdLst>
-    <p:sldId id="256" r:id="rId3"/>
-    <p:sldId id="2441" r:id="rId4"/>
-    <p:sldId id="257" r:id="rId5"/>
-    <p:sldId id="258" r:id="rId7"/>
+    <p:sldId id="256" r:id="rId2"/>
+    <p:sldId id="2441" r:id="rId3"/>
+    <p:sldId id="257" r:id="rId4"/>
+    <p:sldId id="258" r:id="rId5"/>
+    <p:sldId id="2449" r:id="rId6"/>
+    <p:sldId id="2450" r:id="rId7"/>
     <p:sldId id="260" r:id="rId8"/>
     <p:sldId id="259" r:id="rId9"/>
     <p:sldId id="261" r:id="rId10"/>
@@ -118,6 +120,25 @@
       </a:defRPr>
     </a:lvl9pPr>
   </p:defaultTextStyle>
+  <p:extLst>
+    <p:ext uri="{EFAFB233-063F-42B5-8137-9DF3F51BA10A}">
+      <p15:sldGuideLst xmlns:p15="http://schemas.microsoft.com/office/powerpoint/2012/main">
+        <p15:guide id="1" orient="horz" pos="2183">
+          <p15:clr>
+            <a:srgbClr val="A4A3A4"/>
+          </p15:clr>
+        </p15:guide>
+        <p15:guide id="2" pos="778">
+          <p15:clr>
+            <a:srgbClr val="A4A3A4"/>
+          </p15:clr>
+        </p15:guide>
+      </p15:sldGuideLst>
+    </p:ext>
+    <p:ext uri="{2D200454-40CA-4A62-9FC3-DE9A4176ACB9}">
+      <p15:notesGuideLst xmlns:p15="http://schemas.microsoft.com/office/powerpoint/2012/main"/>
+    </p:ext>
+  </p:extLst>
 </p:presentation>
 </file>
 
@@ -153,7 +174,7 @@
         <p:nvSpPr>
           <p:cNvPr id="2" name="页眉占位符 1"/>
           <p:cNvSpPr>
-            <a:spLocks noGrp="true"/>
+            <a:spLocks noGrp="1"/>
           </p:cNvSpPr>
           <p:nvPr>
             <p:ph type="hdr" sz="quarter"/>
@@ -184,7 +205,7 @@
         <p:nvSpPr>
           <p:cNvPr id="3" name="日期占位符 2"/>
           <p:cNvSpPr>
-            <a:spLocks noGrp="true"/>
+            <a:spLocks noGrp="1"/>
           </p:cNvSpPr>
           <p:nvPr>
             <p:ph type="dt" sz="quarter" idx="1"/>
@@ -209,6 +230,7 @@
           <a:p>
             <a:fld id="{80386BBC-71F7-C440-ACC3-F0F595527C6C}" type="datetimeFigureOut">
               <a:rPr kumimoji="1" lang="zh-CN" altLang="en-US" smtClean="0"/>
+              <a:t>2021/7/9</a:t>
             </a:fld>
             <a:endParaRPr kumimoji="1" lang="zh-CN" altLang="en-US"/>
           </a:p>
@@ -218,7 +240,7 @@
         <p:nvSpPr>
           <p:cNvPr id="4" name="页脚占位符 3"/>
           <p:cNvSpPr>
-            <a:spLocks noGrp="true"/>
+            <a:spLocks noGrp="1"/>
           </p:cNvSpPr>
           <p:nvPr>
             <p:ph type="ftr" sz="quarter" idx="2"/>
@@ -249,7 +271,7 @@
         <p:nvSpPr>
           <p:cNvPr id="5" name="灯片编号占位符 4"/>
           <p:cNvSpPr>
-            <a:spLocks noGrp="true"/>
+            <a:spLocks noGrp="1"/>
           </p:cNvSpPr>
           <p:nvPr>
             <p:ph type="sldNum" sz="quarter" idx="3"/>
@@ -274,12 +296,18 @@
           <a:p>
             <a:fld id="{A7861A08-452E-C14B-AF9F-6658E5EF1D3F}" type="slidenum">
               <a:rPr kumimoji="1" lang="zh-CN" altLang="en-US" smtClean="0"/>
+              <a:t>‹#›</a:t>
             </a:fld>
             <a:endParaRPr kumimoji="1" lang="zh-CN" altLang="en-US"/>
           </a:p>
         </p:txBody>
       </p:sp>
     </p:spTree>
+    <p:extLst>
+      <p:ext uri="{BB962C8B-B14F-4D97-AF65-F5344CB8AC3E}">
+        <p14:creationId xmlns:p14="http://schemas.microsoft.com/office/powerpoint/2010/main" val="1"/>
+      </p:ext>
+    </p:extLst>
   </p:cSld>
   <p:clrMap bg1="lt1" tx1="dk1" bg2="lt2" tx2="dk2" accent1="accent1" accent2="accent2" accent3="accent3" accent4="accent4" accent5="accent5" accent6="accent6" hlink="hlink" folHlink="folHlink"/>
 </p:handoutMaster>
@@ -311,7 +339,7 @@
         <p:nvSpPr>
           <p:cNvPr id="2" name="页眉占位符 1"/>
           <p:cNvSpPr>
-            <a:spLocks noGrp="true"/>
+            <a:spLocks noGrp="1"/>
           </p:cNvSpPr>
           <p:nvPr>
             <p:ph type="hdr" sz="quarter"/>
@@ -342,7 +370,7 @@
         <p:nvSpPr>
           <p:cNvPr id="3" name="日期占位符 2"/>
           <p:cNvSpPr>
-            <a:spLocks noGrp="true"/>
+            <a:spLocks noGrp="1"/>
           </p:cNvSpPr>
           <p:nvPr>
             <p:ph type="dt" idx="1"/>
@@ -367,6 +395,7 @@
           <a:p>
             <a:fld id="{044E383A-B265-4935-8168-671F3DE2F894}" type="datetimeFigureOut">
               <a:rPr lang="zh-CN" altLang="en-US" smtClean="0"/>
+              <a:t>2021/7/9</a:t>
             </a:fld>
             <a:endParaRPr lang="zh-CN" altLang="en-US"/>
           </a:p>
@@ -376,7 +405,7 @@
         <p:nvSpPr>
           <p:cNvPr id="4" name="幻灯片图像占位符 3"/>
           <p:cNvSpPr>
-            <a:spLocks noGrp="true" noRot="true" noChangeAspect="true"/>
+            <a:spLocks noGrp="1" noRot="1" noChangeAspect="1"/>
           </p:cNvSpPr>
           <p:nvPr>
             <p:ph type="sldImg" idx="2"/>
@@ -409,7 +438,7 @@
         <p:nvSpPr>
           <p:cNvPr id="5" name="备注占位符 4"/>
           <p:cNvSpPr>
-            <a:spLocks noGrp="true"/>
+            <a:spLocks noGrp="1"/>
           </p:cNvSpPr>
           <p:nvPr>
             <p:ph type="body" sz="quarter" idx="3"/>
@@ -433,7 +462,6 @@
               <a:rPr lang="zh-CN" altLang="en-US"/>
               <a:t>编辑母版文本样式</a:t>
             </a:r>
-            <a:endParaRPr lang="zh-CN" altLang="en-US"/>
           </a:p>
           <a:p>
             <a:pPr lvl="1"/>
@@ -441,7 +469,6 @@
               <a:rPr lang="zh-CN" altLang="en-US"/>
               <a:t>第二级</a:t>
             </a:r>
-            <a:endParaRPr lang="zh-CN" altLang="en-US"/>
           </a:p>
           <a:p>
             <a:pPr lvl="2"/>
@@ -449,7 +476,6 @@
               <a:rPr lang="zh-CN" altLang="en-US"/>
               <a:t>第三级</a:t>
             </a:r>
-            <a:endParaRPr lang="zh-CN" altLang="en-US"/>
           </a:p>
           <a:p>
             <a:pPr lvl="3"/>
@@ -457,7 +483,6 @@
               <a:rPr lang="zh-CN" altLang="en-US"/>
               <a:t>第四级</a:t>
             </a:r>
-            <a:endParaRPr lang="zh-CN" altLang="en-US"/>
           </a:p>
           <a:p>
             <a:pPr lvl="4"/>
@@ -465,7 +490,6 @@
               <a:rPr lang="zh-CN" altLang="en-US"/>
               <a:t>第五级</a:t>
             </a:r>
-            <a:endParaRPr lang="zh-CN" altLang="en-US"/>
           </a:p>
         </p:txBody>
       </p:sp>
@@ -473,7 +497,7 @@
         <p:nvSpPr>
           <p:cNvPr id="6" name="页脚占位符 5"/>
           <p:cNvSpPr>
-            <a:spLocks noGrp="true"/>
+            <a:spLocks noGrp="1"/>
           </p:cNvSpPr>
           <p:nvPr>
             <p:ph type="ftr" sz="quarter" idx="4"/>
@@ -504,7 +528,7 @@
         <p:nvSpPr>
           <p:cNvPr id="7" name="灯片编号占位符 6"/>
           <p:cNvSpPr>
-            <a:spLocks noGrp="true"/>
+            <a:spLocks noGrp="1"/>
           </p:cNvSpPr>
           <p:nvPr>
             <p:ph type="sldNum" sz="quarter" idx="5"/>
@@ -529,6 +553,7 @@
           <a:p>
             <a:fld id="{6A28E5CD-C188-4EE7-A618-C84A2D3EB466}" type="slidenum">
               <a:rPr lang="zh-CN" altLang="en-US" smtClean="0"/>
+              <a:t>‹#›</a:t>
             </a:fld>
             <a:endParaRPr lang="zh-CN" altLang="en-US"/>
           </a:p>
@@ -653,7 +678,7 @@
         <p:nvSpPr>
           <p:cNvPr id="2" name="幻灯片图像占位符 1"/>
           <p:cNvSpPr>
-            <a:spLocks noGrp="true" noRot="true" noChangeAspect="true"/>
+            <a:spLocks noGrp="1" noRot="1" noChangeAspect="1"/>
           </p:cNvSpPr>
           <p:nvPr>
             <p:ph type="sldImg"/>
@@ -665,7 +690,7 @@
         <p:nvSpPr>
           <p:cNvPr id="3" name="备注占位符 2"/>
           <p:cNvSpPr>
-            <a:spLocks noGrp="true"/>
+            <a:spLocks noGrp="1"/>
           </p:cNvSpPr>
           <p:nvPr>
             <p:ph type="body" idx="1"/>
@@ -684,7 +709,7 @@
         <p:nvSpPr>
           <p:cNvPr id="4" name="灯片编号占位符 3"/>
           <p:cNvSpPr>
-            <a:spLocks noGrp="true"/>
+            <a:spLocks noGrp="1"/>
           </p:cNvSpPr>
           <p:nvPr>
             <p:ph type="sldNum" sz="quarter" idx="5"/>
@@ -697,6 +722,7 @@
           <a:p>
             <a:fld id="{6A28E5CD-C188-4EE7-A618-C84A2D3EB466}" type="slidenum">
               <a:rPr lang="zh-CN" altLang="en-US" smtClean="0"/>
+              <a:t>3</a:t>
             </a:fld>
             <a:endParaRPr lang="zh-CN" altLang="en-US"/>
           </a:p>
@@ -731,7 +757,7 @@
         <p:nvSpPr>
           <p:cNvPr id="2" name="幻灯片图像占位符 1"/>
           <p:cNvSpPr>
-            <a:spLocks noGrp="true" noRot="true" noChangeAspect="true"/>
+            <a:spLocks noGrp="1" noRot="1" noChangeAspect="1"/>
           </p:cNvSpPr>
           <p:nvPr>
             <p:ph type="sldImg"/>
@@ -743,7 +769,7 @@
         <p:nvSpPr>
           <p:cNvPr id="3" name="备注占位符 2"/>
           <p:cNvSpPr>
-            <a:spLocks noGrp="true"/>
+            <a:spLocks noGrp="1"/>
           </p:cNvSpPr>
           <p:nvPr>
             <p:ph type="body" idx="1"/>
@@ -762,7 +788,7 @@
         <p:nvSpPr>
           <p:cNvPr id="4" name="灯片编号占位符 3"/>
           <p:cNvSpPr>
-            <a:spLocks noGrp="true"/>
+            <a:spLocks noGrp="1"/>
           </p:cNvSpPr>
           <p:nvPr>
             <p:ph type="sldNum" sz="quarter" idx="5"/>
@@ -775,12 +801,18 @@
           <a:p>
             <a:fld id="{6A28E5CD-C188-4EE7-A618-C84A2D3EB466}" type="slidenum">
               <a:rPr lang="zh-CN" altLang="en-US" smtClean="0"/>
+              <a:t>5</a:t>
             </a:fld>
             <a:endParaRPr lang="zh-CN" altLang="en-US"/>
           </a:p>
         </p:txBody>
       </p:sp>
     </p:spTree>
+    <p:extLst>
+      <p:ext uri="{BB962C8B-B14F-4D97-AF65-F5344CB8AC3E}">
+        <p14:creationId xmlns:p14="http://schemas.microsoft.com/office/powerpoint/2010/main" val="3730666083"/>
+      </p:ext>
+    </p:extLst>
   </p:cSld>
   <p:clrMapOvr>
     <a:masterClrMapping/>
@@ -809,7 +841,7 @@
         <p:nvSpPr>
           <p:cNvPr id="2" name="幻灯片图像占位符 1"/>
           <p:cNvSpPr>
-            <a:spLocks noGrp="true" noRot="true" noChangeAspect="true"/>
+            <a:spLocks noGrp="1" noRot="1" noChangeAspect="1"/>
           </p:cNvSpPr>
           <p:nvPr>
             <p:ph type="sldImg"/>
@@ -821,7 +853,7 @@
         <p:nvSpPr>
           <p:cNvPr id="3" name="备注占位符 2"/>
           <p:cNvSpPr>
-            <a:spLocks noGrp="true"/>
+            <a:spLocks noGrp="1"/>
           </p:cNvSpPr>
           <p:nvPr>
             <p:ph type="body" idx="1"/>
@@ -840,7 +872,7 @@
         <p:nvSpPr>
           <p:cNvPr id="4" name="灯片编号占位符 3"/>
           <p:cNvSpPr>
-            <a:spLocks noGrp="true"/>
+            <a:spLocks noGrp="1"/>
           </p:cNvSpPr>
           <p:nvPr>
             <p:ph type="sldNum" sz="quarter" idx="5"/>
@@ -853,6 +885,170 @@
           <a:p>
             <a:fld id="{6A28E5CD-C188-4EE7-A618-C84A2D3EB466}" type="slidenum">
               <a:rPr lang="zh-CN" altLang="en-US" smtClean="0"/>
+              <a:t>6</a:t>
+            </a:fld>
+            <a:endParaRPr lang="zh-CN" altLang="en-US"/>
+          </a:p>
+        </p:txBody>
+      </p:sp>
+    </p:spTree>
+    <p:extLst>
+      <p:ext uri="{BB962C8B-B14F-4D97-AF65-F5344CB8AC3E}">
+        <p14:creationId xmlns:p14="http://schemas.microsoft.com/office/powerpoint/2010/main" val="3583750860"/>
+      </p:ext>
+    </p:extLst>
+  </p:cSld>
+  <p:clrMapOvr>
+    <a:masterClrMapping/>
+  </p:clrMapOvr>
+</p:notes>
+</file>
+
+<file path=ppt/notesSlides/notesSlide4.xml><?xml version="1.0" encoding="utf-8"?>
+<p:notes xmlns:a="http://schemas.openxmlformats.org/drawingml/2006/main" xmlns:r="http://schemas.openxmlformats.org/officeDocument/2006/relationships" xmlns:p="http://schemas.openxmlformats.org/presentationml/2006/main">
+  <p:cSld>
+    <p:spTree>
+      <p:nvGrpSpPr>
+        <p:cNvPr id="1" name=""/>
+        <p:cNvGrpSpPr/>
+        <p:nvPr/>
+      </p:nvGrpSpPr>
+      <p:grpSpPr>
+        <a:xfrm>
+          <a:off x="0" y="0"/>
+          <a:ext cx="0" cy="0"/>
+          <a:chOff x="0" y="0"/>
+          <a:chExt cx="0" cy="0"/>
+        </a:xfrm>
+      </p:grpSpPr>
+      <p:sp>
+        <p:nvSpPr>
+          <p:cNvPr id="2" name="幻灯片图像占位符 1"/>
+          <p:cNvSpPr>
+            <a:spLocks noGrp="1" noRot="1" noChangeAspect="1"/>
+          </p:cNvSpPr>
+          <p:nvPr>
+            <p:ph type="sldImg"/>
+          </p:nvPr>
+        </p:nvSpPr>
+        <p:spPr/>
+      </p:sp>
+      <p:sp>
+        <p:nvSpPr>
+          <p:cNvPr id="3" name="备注占位符 2"/>
+          <p:cNvSpPr>
+            <a:spLocks noGrp="1"/>
+          </p:cNvSpPr>
+          <p:nvPr>
+            <p:ph type="body" idx="1"/>
+          </p:nvPr>
+        </p:nvSpPr>
+        <p:spPr/>
+        <p:txBody>
+          <a:bodyPr/>
+          <a:lstStyle/>
+          <a:p>
+            <a:endParaRPr kumimoji="1" lang="zh-CN" altLang="en-US" dirty="0"/>
+          </a:p>
+        </p:txBody>
+      </p:sp>
+      <p:sp>
+        <p:nvSpPr>
+          <p:cNvPr id="4" name="灯片编号占位符 3"/>
+          <p:cNvSpPr>
+            <a:spLocks noGrp="1"/>
+          </p:cNvSpPr>
+          <p:nvPr>
+            <p:ph type="sldNum" sz="quarter" idx="5"/>
+          </p:nvPr>
+        </p:nvSpPr>
+        <p:spPr/>
+        <p:txBody>
+          <a:bodyPr/>
+          <a:lstStyle/>
+          <a:p>
+            <a:fld id="{6A28E5CD-C188-4EE7-A618-C84A2D3EB466}" type="slidenum">
+              <a:rPr lang="zh-CN" altLang="en-US" smtClean="0"/>
+              <a:t>7</a:t>
+            </a:fld>
+            <a:endParaRPr lang="zh-CN" altLang="en-US"/>
+          </a:p>
+        </p:txBody>
+      </p:sp>
+    </p:spTree>
+  </p:cSld>
+  <p:clrMapOvr>
+    <a:masterClrMapping/>
+  </p:clrMapOvr>
+</p:notes>
+</file>
+
+<file path=ppt/notesSlides/notesSlide5.xml><?xml version="1.0" encoding="utf-8"?>
+<p:notes xmlns:a="http://schemas.openxmlformats.org/drawingml/2006/main" xmlns:r="http://schemas.openxmlformats.org/officeDocument/2006/relationships" xmlns:p="http://schemas.openxmlformats.org/presentationml/2006/main">
+  <p:cSld>
+    <p:spTree>
+      <p:nvGrpSpPr>
+        <p:cNvPr id="1" name=""/>
+        <p:cNvGrpSpPr/>
+        <p:nvPr/>
+      </p:nvGrpSpPr>
+      <p:grpSpPr>
+        <a:xfrm>
+          <a:off x="0" y="0"/>
+          <a:ext cx="0" cy="0"/>
+          <a:chOff x="0" y="0"/>
+          <a:chExt cx="0" cy="0"/>
+        </a:xfrm>
+      </p:grpSpPr>
+      <p:sp>
+        <p:nvSpPr>
+          <p:cNvPr id="2" name="幻灯片图像占位符 1"/>
+          <p:cNvSpPr>
+            <a:spLocks noGrp="1" noRot="1" noChangeAspect="1"/>
+          </p:cNvSpPr>
+          <p:nvPr>
+            <p:ph type="sldImg"/>
+          </p:nvPr>
+        </p:nvSpPr>
+        <p:spPr/>
+      </p:sp>
+      <p:sp>
+        <p:nvSpPr>
+          <p:cNvPr id="3" name="备注占位符 2"/>
+          <p:cNvSpPr>
+            <a:spLocks noGrp="1"/>
+          </p:cNvSpPr>
+          <p:nvPr>
+            <p:ph type="body" idx="1"/>
+          </p:nvPr>
+        </p:nvSpPr>
+        <p:spPr/>
+        <p:txBody>
+          <a:bodyPr/>
+          <a:lstStyle/>
+          <a:p>
+            <a:endParaRPr kumimoji="1" lang="zh-CN" altLang="en-US" dirty="0"/>
+          </a:p>
+        </p:txBody>
+      </p:sp>
+      <p:sp>
+        <p:nvSpPr>
+          <p:cNvPr id="4" name="灯片编号占位符 3"/>
+          <p:cNvSpPr>
+            <a:spLocks noGrp="1"/>
+          </p:cNvSpPr>
+          <p:nvPr>
+            <p:ph type="sldNum" sz="quarter" idx="5"/>
+          </p:nvPr>
+        </p:nvSpPr>
+        <p:spPr/>
+        <p:txBody>
+          <a:bodyPr/>
+          <a:lstStyle/>
+          <a:p>
+            <a:fld id="{6A28E5CD-C188-4EE7-A618-C84A2D3EB466}" type="slidenum">
+              <a:rPr lang="zh-CN" altLang="en-US" smtClean="0"/>
+              <a:t>8</a:t>
             </a:fld>
             <a:endParaRPr lang="zh-CN" altLang="en-US"/>
           </a:p>
@@ -912,7 +1108,7 @@
         <p:nvCxnSpPr>
           <p:cNvPr id="11" name="直接连接符 10"/>
           <p:cNvCxnSpPr/>
-          <p:nvPr userDrawn="true"/>
+          <p:nvPr userDrawn="1"/>
         </p:nvCxnSpPr>
         <p:spPr>
           <a:xfrm>
@@ -948,8 +1144,8 @@
       <p:sp>
         <p:nvSpPr>
           <p:cNvPr id="6" name="文本框 5"/>
-          <p:cNvSpPr txBox="true"/>
-          <p:nvPr userDrawn="true"/>
+          <p:cNvSpPr txBox="1"/>
+          <p:nvPr userDrawn="1"/>
         </p:nvSpPr>
         <p:spPr>
           <a:xfrm>
@@ -1005,15 +1201,6 @@
               </a:rPr>
               <a:t>用技术推动商业进步</a:t>
             </a:r>
-            <a:endParaRPr lang="zh-CN" altLang="en-US" sz="1200" dirty="0">
-              <a:solidFill>
-                <a:schemeClr val="bg1">
-                  <a:lumMod val="50000"/>
-                </a:schemeClr>
-              </a:solidFill>
-              <a:latin typeface="微软雅黑 Light" panose="020B0502040204020203" pitchFamily="34" charset="-122"/>
-              <a:ea typeface="微软雅黑 Light" panose="020B0502040204020203" pitchFamily="34" charset="-122"/>
-            </a:endParaRPr>
           </a:p>
         </p:txBody>
       </p:sp>
@@ -1021,7 +1208,7 @@
         <p:nvGrpSpPr>
           <p:cNvPr id="8" name="组合 7"/>
           <p:cNvGrpSpPr/>
-          <p:nvPr userDrawn="true"/>
+          <p:nvPr userDrawn="1"/>
         </p:nvGrpSpPr>
         <p:grpSpPr>
           <a:xfrm>
@@ -1035,7 +1222,7 @@
           <p:nvPicPr>
             <p:cNvPr id="10" name="图片 9"/>
             <p:cNvPicPr>
-              <a:picLocks noChangeAspect="true"/>
+              <a:picLocks noChangeAspect="1"/>
             </p:cNvPicPr>
             <p:nvPr/>
           </p:nvPicPr>
@@ -1044,7 +1231,7 @@
               <a:alphaModFix amt="70000"/>
               <a:extLst>
                 <a:ext uri="{28A0092B-C50C-407E-A947-70E740481C1C}">
-                  <a14:useLocalDpi xmlns:a14="http://schemas.microsoft.com/office/drawing/2010/main" val="false"/>
+                  <a14:useLocalDpi xmlns:a14="http://schemas.microsoft.com/office/drawing/2010/main" val="0"/>
                 </a:ext>
               </a:extLst>
             </a:blip>
@@ -1065,7 +1252,7 @@
         <p:sp>
           <p:nvSpPr>
             <p:cNvPr id="13" name="文本框 12"/>
-            <p:cNvSpPr txBox="true"/>
+            <p:cNvSpPr txBox="1"/>
             <p:nvPr/>
           </p:nvSpPr>
           <p:spPr>
@@ -1150,7 +1337,7 @@
         <p:sp>
           <p:nvSpPr>
             <p:cNvPr id="15" name="文本框 14"/>
-            <p:cNvSpPr txBox="true"/>
+            <p:cNvSpPr txBox="1"/>
             <p:nvPr/>
           </p:nvSpPr>
           <p:spPr>
@@ -1182,15 +1369,6 @@
                 </a:rPr>
                 <a:t>企业云化架构提供商</a:t>
               </a:r>
-              <a:endParaRPr kumimoji="1" lang="zh-CN" altLang="en-US" sz="1000" dirty="0">
-                <a:solidFill>
-                  <a:schemeClr val="bg1">
-                    <a:lumMod val="50000"/>
-                  </a:schemeClr>
-                </a:solidFill>
-                <a:latin typeface="Microsoft YaHei" panose="020B0503020204020204" pitchFamily="34" charset="-122"/>
-                <a:ea typeface="Microsoft YaHei" panose="020B0503020204020204" pitchFamily="34" charset="-122"/>
-              </a:endParaRPr>
             </a:p>
           </p:txBody>
         </p:sp>
@@ -1254,7 +1432,7 @@
         <p:nvSpPr>
           <p:cNvPr id="2" name="标题占位符 1"/>
           <p:cNvSpPr>
-            <a:spLocks noGrp="true"/>
+            <a:spLocks noGrp="1"/>
           </p:cNvSpPr>
           <p:nvPr>
             <p:ph type="title"/>
@@ -1279,7 +1457,6 @@
               <a:rPr lang="zh-CN" altLang="en-US"/>
               <a:t>单击此处编辑母版标题样式</a:t>
             </a:r>
-            <a:endParaRPr lang="zh-CN" altLang="en-US"/>
           </a:p>
         </p:txBody>
       </p:sp>
@@ -1287,7 +1464,7 @@
         <p:nvSpPr>
           <p:cNvPr id="3" name="文本占位符 2"/>
           <p:cNvSpPr>
-            <a:spLocks noGrp="true"/>
+            <a:spLocks noGrp="1"/>
           </p:cNvSpPr>
           <p:nvPr>
             <p:ph type="body" idx="1"/>
@@ -1313,7 +1490,6 @@
               <a:rPr lang="zh-CN" altLang="en-US" dirty="0"/>
               <a:t>编辑母版文本样式</a:t>
             </a:r>
-            <a:endParaRPr lang="zh-CN" altLang="en-US" dirty="0"/>
           </a:p>
           <a:p>
             <a:pPr marL="685800" marR="0" lvl="1" indent="-228600" algn="l" defTabSz="914400" rtl="0" eaLnBrk="1" fontAlgn="auto" latinLnBrk="0" hangingPunct="1">
@@ -1358,25 +1534,6 @@
               </a:rPr>
               <a:t> </a:t>
             </a:r>
-            <a:endParaRPr lang="zh-CN" altLang="en-US" sz="2400" b="1" cap="none" spc="0" dirty="0">
-              <a:ln w="9525">
-                <a:solidFill>
-                  <a:schemeClr val="bg1"/>
-                </a:solidFill>
-                <a:prstDash val="solid"/>
-              </a:ln>
-              <a:solidFill>
-                <a:schemeClr val="accent5"/>
-              </a:solidFill>
-              <a:effectLst>
-                <a:outerShdw blurRad="12700" dist="38100" dir="2700000" algn="tl" rotWithShape="0">
-                  <a:schemeClr val="accent5">
-                    <a:lumMod val="60000"/>
-                    <a:lumOff val="40000"/>
-                  </a:schemeClr>
-                </a:outerShdw>
-              </a:effectLst>
-            </a:endParaRPr>
           </a:p>
           <a:p>
             <a:pPr lvl="1"/>
@@ -1388,7 +1545,6 @@
               <a:rPr lang="zh-CN" altLang="en-US" dirty="0"/>
               <a:t>第三级</a:t>
             </a:r>
-            <a:endParaRPr lang="zh-CN" altLang="en-US" dirty="0"/>
           </a:p>
           <a:p>
             <a:pPr lvl="3"/>
@@ -1396,7 +1552,6 @@
               <a:rPr lang="zh-CN" altLang="en-US" dirty="0"/>
               <a:t>第四级</a:t>
             </a:r>
-            <a:endParaRPr lang="zh-CN" altLang="en-US" dirty="0"/>
           </a:p>
           <a:p>
             <a:pPr lvl="4"/>
@@ -1404,7 +1559,6 @@
               <a:rPr lang="zh-CN" altLang="en-US" dirty="0"/>
               <a:t>第五级</a:t>
             </a:r>
-            <a:endParaRPr lang="zh-CN" altLang="en-US" dirty="0"/>
           </a:p>
         </p:txBody>
       </p:sp>
@@ -1412,7 +1566,7 @@
         <p:nvSpPr>
           <p:cNvPr id="4" name="日期占位符 3"/>
           <p:cNvSpPr>
-            <a:spLocks noGrp="true"/>
+            <a:spLocks noGrp="1"/>
           </p:cNvSpPr>
           <p:nvPr>
             <p:ph type="dt" sz="half" idx="2"/>
@@ -1443,6 +1597,7 @@
           <a:p>
             <a:fld id="{BBAAF37F-568A-4C76-B0A5-177AFDC2BD4C}" type="datetimeFigureOut">
               <a:rPr lang="zh-CN" altLang="en-US" smtClean="0"/>
+              <a:t>2021/7/9</a:t>
             </a:fld>
             <a:endParaRPr lang="zh-CN" altLang="en-US"/>
           </a:p>
@@ -1452,7 +1607,7 @@
         <p:nvSpPr>
           <p:cNvPr id="5" name="页脚占位符 4"/>
           <p:cNvSpPr>
-            <a:spLocks noGrp="true"/>
+            <a:spLocks noGrp="1"/>
           </p:cNvSpPr>
           <p:nvPr>
             <p:ph type="ftr" sz="quarter" idx="3"/>
@@ -1489,7 +1644,7 @@
         <p:nvSpPr>
           <p:cNvPr id="6" name="灯片编号占位符 5"/>
           <p:cNvSpPr>
-            <a:spLocks noGrp="true"/>
+            <a:spLocks noGrp="1"/>
           </p:cNvSpPr>
           <p:nvPr>
             <p:ph type="sldNum" sz="quarter" idx="4"/>
@@ -1520,6 +1675,7 @@
           <a:p>
             <a:fld id="{E0035B8E-6542-43B8-BCC0-47DC5187274D}" type="slidenum">
               <a:rPr lang="zh-CN" altLang="en-US" smtClean="0"/>
+              <a:t>‹#›</a:t>
             </a:fld>
             <a:endParaRPr lang="zh-CN" altLang="en-US"/>
           </a:p>
@@ -1529,7 +1685,7 @@
         <p:nvSpPr>
           <p:cNvPr id="7" name="矩形 6"/>
           <p:cNvSpPr/>
-          <p:nvPr userDrawn="true"/>
+          <p:nvPr userDrawn="1"/>
         </p:nvSpPr>
         <p:spPr>
           <a:xfrm>
@@ -1928,7 +2084,7 @@
           <p:nvPr/>
         </p:nvCxnSpPr>
         <p:spPr>
-          <a:xfrm flipH="true">
+          <a:xfrm flipH="1">
             <a:off x="9375791" y="1911920"/>
             <a:ext cx="931598" cy="553516"/>
           </a:xfrm>
@@ -1964,7 +2120,7 @@
           <p:nvPr/>
         </p:nvCxnSpPr>
         <p:spPr>
-          <a:xfrm flipH="true">
+          <a:xfrm flipH="1">
             <a:off x="9375790" y="1902395"/>
             <a:ext cx="1310865" cy="1801325"/>
           </a:xfrm>
@@ -2002,7 +2158,7 @@
           <p:nvPr/>
         </p:nvCxnSpPr>
         <p:spPr>
-          <a:xfrm flipH="true" flipV="true">
+          <a:xfrm flipH="1" flipV="1">
             <a:off x="6324635" y="1936161"/>
             <a:ext cx="675111" cy="1629410"/>
           </a:xfrm>
@@ -2038,7 +2194,7 @@
           <p:nvPr/>
         </p:nvCxnSpPr>
         <p:spPr>
-          <a:xfrm flipH="true" flipV="true">
+          <a:xfrm flipH="1" flipV="1">
             <a:off x="7061337" y="1951789"/>
             <a:ext cx="2055378" cy="1688957"/>
           </a:xfrm>
@@ -2175,7 +2331,6 @@
                 <a:rPr kumimoji="1" lang="en-US" altLang="zh-CN" sz="1100" dirty="0"/>
                 <a:t>UI</a:t>
               </a:r>
-              <a:endParaRPr kumimoji="1" lang="en-US" altLang="zh-CN" sz="1100" dirty="0"/>
             </a:p>
             <a:p>
               <a:pPr algn="ctr"/>
@@ -2233,7 +2388,6 @@
                 <a:rPr kumimoji="1" lang="en-US" altLang="zh-CN" sz="1100" dirty="0"/>
                 <a:t>Visits</a:t>
               </a:r>
-              <a:endParaRPr kumimoji="1" lang="en-US" altLang="zh-CN" sz="1100" dirty="0"/>
             </a:p>
             <a:p>
               <a:pPr algn="ctr"/>
@@ -2283,7 +2437,6 @@
                 <a:rPr kumimoji="1" lang="en-US" altLang="zh-CN" sz="1100" dirty="0"/>
                 <a:t>Customer</a:t>
               </a:r>
-              <a:endParaRPr kumimoji="1" lang="en-US" altLang="zh-CN" sz="1100" dirty="0"/>
             </a:p>
             <a:p>
               <a:pPr algn="ctr"/>
@@ -2333,7 +2486,6 @@
                 <a:rPr kumimoji="1" lang="en-US" altLang="zh-CN" sz="1100" dirty="0"/>
                 <a:t>Vets</a:t>
               </a:r>
-              <a:endParaRPr kumimoji="1" lang="en-US" altLang="zh-CN" sz="1100" dirty="0"/>
             </a:p>
             <a:p>
               <a:pPr algn="ctr"/>
@@ -2355,7 +2507,7 @@
             <p:nvPr/>
           </p:nvCxnSpPr>
           <p:spPr>
-            <a:xfrm rot="10800000" flipV="true">
+            <a:xfrm rot="10800000" flipV="1">
               <a:off x="756199" y="2716448"/>
               <a:ext cx="833716" cy="779926"/>
             </a:xfrm>
@@ -2748,7 +2900,7 @@
                 <a:cxnLst/>
                 <a:rect l="l" t="t" r="r" b="b"/>
                 <a:pathLst>
-                  <a:path w="11312" h="10323" extrusionOk="false">
+                  <a:path w="11312" h="10323" extrusionOk="0">
                     <a:moveTo>
                       <a:pt x="7168" y="8132"/>
                     </a:moveTo>
@@ -2940,7 +3092,7 @@
               </a:fontRef>
             </p:style>
             <p:txBody>
-              <a:bodyPr spcFirstLastPara="1" wrap="square" lIns="91425" tIns="91425" rIns="91425" bIns="91425" anchor="ctr" anchorCtr="false">
+              <a:bodyPr spcFirstLastPara="1" wrap="square" lIns="91425" tIns="91425" rIns="91425" bIns="91425" anchor="ctr" anchorCtr="0">
                 <a:noAutofit/>
               </a:bodyPr>
               <a:lstStyle/>
@@ -2954,6 +3106,7 @@
                   </a:spcAft>
                   <a:buNone/>
                 </a:pPr>
+                <a:endParaRPr/>
               </a:p>
             </p:txBody>
           </p:sp>
@@ -2975,7 +3128,7 @@
                 <a:cxnLst/>
                 <a:rect l="l" t="t" r="r" b="b"/>
                 <a:pathLst>
-                  <a:path w="9514" h="5823" extrusionOk="false">
+                  <a:path w="9514" h="5823" extrusionOk="0">
                     <a:moveTo>
                       <a:pt x="179" y="0"/>
                     </a:moveTo>
@@ -3069,7 +3222,7 @@
               </a:fontRef>
             </p:style>
             <p:txBody>
-              <a:bodyPr spcFirstLastPara="1" wrap="square" lIns="91425" tIns="91425" rIns="91425" bIns="91425" anchor="ctr" anchorCtr="false">
+              <a:bodyPr spcFirstLastPara="1" wrap="square" lIns="91425" tIns="91425" rIns="91425" bIns="91425" anchor="ctr" anchorCtr="0">
                 <a:noAutofit/>
               </a:bodyPr>
               <a:lstStyle/>
@@ -3083,6 +3236,7 @@
                   </a:spcAft>
                   <a:buNone/>
                 </a:pPr>
+                <a:endParaRPr/>
               </a:p>
             </p:txBody>
           </p:sp>
@@ -3104,7 +3258,7 @@
                 <a:cxnLst/>
                 <a:rect l="l" t="t" r="r" b="b"/>
                 <a:pathLst>
-                  <a:path w="375" h="335" extrusionOk="false">
+                  <a:path w="375" h="335" extrusionOk="0">
                     <a:moveTo>
                       <a:pt x="176" y="0"/>
                     </a:moveTo>
@@ -3161,7 +3315,7 @@
               </a:fontRef>
             </p:style>
             <p:txBody>
-              <a:bodyPr spcFirstLastPara="1" wrap="square" lIns="91425" tIns="91425" rIns="91425" bIns="91425" anchor="ctr" anchorCtr="false">
+              <a:bodyPr spcFirstLastPara="1" wrap="square" lIns="91425" tIns="91425" rIns="91425" bIns="91425" anchor="ctr" anchorCtr="0">
                 <a:noAutofit/>
               </a:bodyPr>
               <a:lstStyle/>
@@ -3175,6 +3329,7 @@
                   </a:spcAft>
                   <a:buNone/>
                 </a:pPr>
+                <a:endParaRPr/>
               </a:p>
             </p:txBody>
           </p:sp>
@@ -3510,7 +3665,7 @@
             <p:nvPr/>
           </p:nvCxnSpPr>
           <p:spPr>
-            <a:xfrm rot="16200000" flipH="true">
+            <a:xfrm rot="16200000" flipH="1">
               <a:off x="8185301" y="1750921"/>
               <a:ext cx="500132" cy="645628"/>
             </a:xfrm>
@@ -3573,7 +3728,7 @@
                 <a:cxnLst/>
                 <a:rect l="l" t="t" r="r" b="b"/>
                 <a:pathLst>
-                  <a:path w="11312" h="10323" extrusionOk="false">
+                  <a:path w="11312" h="10323" extrusionOk="0">
                     <a:moveTo>
                       <a:pt x="7168" y="8132"/>
                     </a:moveTo>
@@ -3770,7 +3925,7 @@
               </a:fontRef>
             </p:style>
             <p:txBody>
-              <a:bodyPr spcFirstLastPara="1" wrap="square" lIns="91425" tIns="91425" rIns="91425" bIns="91425" anchor="ctr" anchorCtr="false">
+              <a:bodyPr spcFirstLastPara="1" wrap="square" lIns="91425" tIns="91425" rIns="91425" bIns="91425" anchor="ctr" anchorCtr="0">
                 <a:noAutofit/>
               </a:bodyPr>
               <a:lstStyle/>
@@ -3784,6 +3939,7 @@
                   </a:spcAft>
                   <a:buNone/>
                 </a:pPr>
+                <a:endParaRPr/>
               </a:p>
             </p:txBody>
           </p:sp>
@@ -3805,7 +3961,7 @@
                 <a:cxnLst/>
                 <a:rect l="l" t="t" r="r" b="b"/>
                 <a:pathLst>
-                  <a:path w="9514" h="5823" extrusionOk="false">
+                  <a:path w="9514" h="5823" extrusionOk="0">
                     <a:moveTo>
                       <a:pt x="179" y="0"/>
                     </a:moveTo>
@@ -3904,7 +4060,7 @@
               </a:fontRef>
             </p:style>
             <p:txBody>
-              <a:bodyPr spcFirstLastPara="1" wrap="square" lIns="91425" tIns="91425" rIns="91425" bIns="91425" anchor="ctr" anchorCtr="false">
+              <a:bodyPr spcFirstLastPara="1" wrap="square" lIns="91425" tIns="91425" rIns="91425" bIns="91425" anchor="ctr" anchorCtr="0">
                 <a:noAutofit/>
               </a:bodyPr>
               <a:lstStyle/>
@@ -3918,6 +4074,7 @@
                   </a:spcAft>
                   <a:buNone/>
                 </a:pPr>
+                <a:endParaRPr/>
               </a:p>
             </p:txBody>
           </p:sp>
@@ -3939,7 +4096,7 @@
                 <a:cxnLst/>
                 <a:rect l="l" t="t" r="r" b="b"/>
                 <a:pathLst>
-                  <a:path w="375" h="335" extrusionOk="false">
+                  <a:path w="375" h="335" extrusionOk="0">
                     <a:moveTo>
                       <a:pt x="176" y="0"/>
                     </a:moveTo>
@@ -4001,7 +4158,7 @@
               </a:fontRef>
             </p:style>
             <p:txBody>
-              <a:bodyPr spcFirstLastPara="1" wrap="square" lIns="91425" tIns="91425" rIns="91425" bIns="91425" anchor="ctr" anchorCtr="false">
+              <a:bodyPr spcFirstLastPara="1" wrap="square" lIns="91425" tIns="91425" rIns="91425" bIns="91425" anchor="ctr" anchorCtr="0">
                 <a:noAutofit/>
               </a:bodyPr>
               <a:lstStyle/>
@@ -4015,6 +4172,7 @@
                   </a:spcAft>
                   <a:buNone/>
                 </a:pPr>
+                <a:endParaRPr/>
               </a:p>
             </p:txBody>
           </p:sp>
@@ -4127,7 +4285,6 @@
                   <a:rPr kumimoji="1" lang="en-US" altLang="zh-CN" sz="1050" dirty="0"/>
                   <a:t>UI</a:t>
                 </a:r>
-                <a:endParaRPr kumimoji="1" lang="en-US" altLang="zh-CN" sz="1050" dirty="0"/>
               </a:p>
               <a:p>
                 <a:pPr algn="ctr"/>
@@ -4287,7 +4444,7 @@
               <p:nvPr/>
             </p:nvCxnSpPr>
             <p:spPr>
-              <a:xfrm flipH="true">
+              <a:xfrm flipH="1">
                 <a:off x="7920318" y="2364437"/>
                 <a:ext cx="107282" cy="1"/>
               </a:xfrm>
@@ -4415,7 +4572,6 @@
                   <a:rPr kumimoji="1" lang="en-US" altLang="zh-CN" sz="1050" dirty="0"/>
                   <a:t>Customer</a:t>
                 </a:r>
-                <a:endParaRPr kumimoji="1" lang="en-US" altLang="zh-CN" sz="1050" dirty="0"/>
               </a:p>
               <a:p>
                 <a:pPr algn="ctr"/>
@@ -4575,7 +4731,7 @@
               <p:nvPr/>
             </p:nvCxnSpPr>
             <p:spPr>
-              <a:xfrm flipH="true">
+              <a:xfrm flipH="1">
                 <a:off x="7920318" y="2364437"/>
                 <a:ext cx="107282" cy="1"/>
               </a:xfrm>
@@ -4703,7 +4859,6 @@
                   <a:rPr kumimoji="1" lang="en-US" altLang="zh-CN" sz="1050" dirty="0"/>
                   <a:t>Visits</a:t>
                 </a:r>
-                <a:endParaRPr kumimoji="1" lang="en-US" altLang="zh-CN" sz="1050" dirty="0"/>
               </a:p>
               <a:p>
                 <a:pPr algn="ctr"/>
@@ -4855,7 +5010,7 @@
               <p:nvPr/>
             </p:nvCxnSpPr>
             <p:spPr>
-              <a:xfrm flipH="true">
+              <a:xfrm flipH="1">
                 <a:off x="7920318" y="2364437"/>
                 <a:ext cx="107282" cy="1"/>
               </a:xfrm>
@@ -4983,7 +5138,6 @@
                   <a:rPr kumimoji="1" lang="en-US" altLang="zh-CN" sz="1050" dirty="0"/>
                   <a:t>Vets</a:t>
                 </a:r>
-                <a:endParaRPr kumimoji="1" lang="en-US" altLang="zh-CN" sz="1050" dirty="0"/>
               </a:p>
               <a:p>
                 <a:pPr algn="ctr"/>
@@ -5135,7 +5289,7 @@
               <p:nvPr/>
             </p:nvCxnSpPr>
             <p:spPr>
-              <a:xfrm flipH="true">
+              <a:xfrm flipH="1">
                 <a:off x="7920318" y="2364437"/>
                 <a:ext cx="107282" cy="1"/>
               </a:xfrm>
@@ -5195,7 +5349,7 @@
                 <a:cxnLst/>
                 <a:rect l="l" t="t" r="r" b="b"/>
                 <a:pathLst>
-                  <a:path w="11312" h="10323" extrusionOk="false">
+                  <a:path w="11312" h="10323" extrusionOk="0">
                     <a:moveTo>
                       <a:pt x="7168" y="8132"/>
                     </a:moveTo>
@@ -5387,7 +5541,7 @@
               </a:fontRef>
             </p:style>
             <p:txBody>
-              <a:bodyPr spcFirstLastPara="1" wrap="square" lIns="91425" tIns="91425" rIns="91425" bIns="91425" anchor="ctr" anchorCtr="false">
+              <a:bodyPr spcFirstLastPara="1" wrap="square" lIns="91425" tIns="91425" rIns="91425" bIns="91425" anchor="ctr" anchorCtr="0">
                 <a:noAutofit/>
               </a:bodyPr>
               <a:lstStyle/>
@@ -5401,6 +5555,7 @@
                   </a:spcAft>
                   <a:buNone/>
                 </a:pPr>
+                <a:endParaRPr/>
               </a:p>
             </p:txBody>
           </p:sp>
@@ -5422,7 +5577,7 @@
                 <a:cxnLst/>
                 <a:rect l="l" t="t" r="r" b="b"/>
                 <a:pathLst>
-                  <a:path w="9514" h="5823" extrusionOk="false">
+                  <a:path w="9514" h="5823" extrusionOk="0">
                     <a:moveTo>
                       <a:pt x="179" y="0"/>
                     </a:moveTo>
@@ -5516,7 +5671,7 @@
               </a:fontRef>
             </p:style>
             <p:txBody>
-              <a:bodyPr spcFirstLastPara="1" wrap="square" lIns="91425" tIns="91425" rIns="91425" bIns="91425" anchor="ctr" anchorCtr="false">
+              <a:bodyPr spcFirstLastPara="1" wrap="square" lIns="91425" tIns="91425" rIns="91425" bIns="91425" anchor="ctr" anchorCtr="0">
                 <a:noAutofit/>
               </a:bodyPr>
               <a:lstStyle/>
@@ -5530,6 +5685,7 @@
                   </a:spcAft>
                   <a:buNone/>
                 </a:pPr>
+                <a:endParaRPr/>
               </a:p>
             </p:txBody>
           </p:sp>
@@ -5551,7 +5707,7 @@
                 <a:cxnLst/>
                 <a:rect l="l" t="t" r="r" b="b"/>
                 <a:pathLst>
-                  <a:path w="375" h="335" extrusionOk="false">
+                  <a:path w="375" h="335" extrusionOk="0">
                     <a:moveTo>
                       <a:pt x="176" y="0"/>
                     </a:moveTo>
@@ -5608,7 +5764,7 @@
               </a:fontRef>
             </p:style>
             <p:txBody>
-              <a:bodyPr spcFirstLastPara="1" wrap="square" lIns="91425" tIns="91425" rIns="91425" bIns="91425" anchor="ctr" anchorCtr="false">
+              <a:bodyPr spcFirstLastPara="1" wrap="square" lIns="91425" tIns="91425" rIns="91425" bIns="91425" anchor="ctr" anchorCtr="0">
                 <a:noAutofit/>
               </a:bodyPr>
               <a:lstStyle/>
@@ -5622,6 +5778,7 @@
                   </a:spcAft>
                   <a:buNone/>
                 </a:pPr>
+                <a:endParaRPr/>
               </a:p>
             </p:txBody>
           </p:sp>
@@ -5787,11 +5944,6 @@
                   </a:rPr>
                   <a:t>Customer</a:t>
                 </a:r>
-                <a:endParaRPr kumimoji="1" lang="en-US" altLang="zh-CN" sz="1050" dirty="0">
-                  <a:solidFill>
-                    <a:srgbClr val="E95429"/>
-                  </a:solidFill>
-                </a:endParaRPr>
               </a:p>
               <a:p>
                 <a:pPr algn="ctr"/>
@@ -5967,7 +6119,7 @@
               <p:nvPr/>
             </p:nvCxnSpPr>
             <p:spPr>
-              <a:xfrm flipH="true">
+              <a:xfrm flipH="1">
                 <a:off x="7920318" y="2364437"/>
                 <a:ext cx="107282" cy="1"/>
               </a:xfrm>
@@ -6116,7 +6268,7 @@
             <p:nvPr/>
           </p:nvCxnSpPr>
           <p:spPr>
-            <a:xfrm rot="16200000" flipH="true">
+            <a:xfrm rot="16200000" flipH="1">
               <a:off x="6923342" y="1188833"/>
               <a:ext cx="583672" cy="263390"/>
             </a:xfrm>
@@ -6187,7 +6339,7 @@
             <p:nvPr/>
           </p:nvCxnSpPr>
           <p:spPr>
-            <a:xfrm rot="16200000" flipH="true">
+            <a:xfrm rot="16200000" flipH="1">
               <a:off x="8234026" y="1764988"/>
               <a:ext cx="500132" cy="632734"/>
             </a:xfrm>
@@ -6259,7 +6411,7 @@
         <p:sp>
           <p:nvSpPr>
             <p:cNvPr id="164" name="文本框 163"/>
-            <p:cNvSpPr txBox="true"/>
+            <p:cNvSpPr txBox="1"/>
             <p:nvPr/>
           </p:nvSpPr>
           <p:spPr>
@@ -6313,7 +6465,7 @@
         <p:sp>
           <p:nvSpPr>
             <p:cNvPr id="165" name="文本框 164"/>
-            <p:cNvSpPr txBox="true"/>
+            <p:cNvSpPr txBox="1"/>
             <p:nvPr/>
           </p:nvSpPr>
           <p:spPr>
@@ -6367,7 +6519,7 @@
         <p:sp>
           <p:nvSpPr>
             <p:cNvPr id="166" name="文本框 165"/>
-            <p:cNvSpPr txBox="true"/>
+            <p:cNvSpPr txBox="1"/>
             <p:nvPr/>
           </p:nvSpPr>
           <p:spPr>
@@ -6421,7 +6573,7 @@
         <p:sp>
           <p:nvSpPr>
             <p:cNvPr id="167" name="文本框 166"/>
-            <p:cNvSpPr txBox="true"/>
+            <p:cNvSpPr txBox="1"/>
             <p:nvPr/>
           </p:nvSpPr>
           <p:spPr>
@@ -6682,7 +6834,7 @@
             <p:nvPr/>
           </p:nvCxnSpPr>
           <p:spPr>
-            <a:xfrm rot="10800000" flipV="true">
+            <a:xfrm rot="10800000" flipV="1">
               <a:off x="5286084" y="4089392"/>
               <a:ext cx="5641" cy="1774809"/>
             </a:xfrm>
@@ -6726,7 +6878,7 @@
             <p:nvPr/>
           </p:nvCxnSpPr>
           <p:spPr>
-            <a:xfrm rot="10800000" flipV="true">
+            <a:xfrm rot="10800000" flipV="1">
               <a:off x="5286083" y="2839270"/>
               <a:ext cx="2125150" cy="3024932"/>
             </a:xfrm>
@@ -6770,7 +6922,7 @@
             <p:nvPr/>
           </p:nvCxnSpPr>
           <p:spPr>
-            <a:xfrm rot="10800000" flipV="true">
+            <a:xfrm rot="10800000" flipV="1">
               <a:off x="6817443" y="4110066"/>
               <a:ext cx="593790" cy="1754135"/>
             </a:xfrm>
@@ -6814,7 +6966,7 @@
             <p:nvPr/>
           </p:nvCxnSpPr>
           <p:spPr>
-            <a:xfrm rot="10800000" flipV="true">
+            <a:xfrm rot="10800000" flipV="1">
               <a:off x="6051763" y="4110065"/>
               <a:ext cx="3398912" cy="2064865"/>
             </a:xfrm>
@@ -6859,7 +7011,7 @@
             <p:nvPr/>
           </p:nvCxnSpPr>
           <p:spPr>
-            <a:xfrm rot="10800000" flipV="true">
+            <a:xfrm rot="10800000" flipV="1">
               <a:off x="6051763" y="5041163"/>
               <a:ext cx="3398912" cy="1133768"/>
             </a:xfrm>
@@ -6897,7 +7049,7 @@
         <p:sp>
           <p:nvSpPr>
             <p:cNvPr id="184" name="文本框 183"/>
-            <p:cNvSpPr txBox="true"/>
+            <p:cNvSpPr txBox="1"/>
             <p:nvPr/>
           </p:nvSpPr>
           <p:spPr>
@@ -7039,7 +7191,7 @@
         <p:sp>
           <p:nvSpPr>
             <p:cNvPr id="186" name="文本框 185"/>
-            <p:cNvSpPr txBox="true"/>
+            <p:cNvSpPr txBox="1"/>
             <p:nvPr/>
           </p:nvSpPr>
           <p:spPr>
@@ -7181,7 +7333,7 @@
         <p:sp>
           <p:nvSpPr>
             <p:cNvPr id="187" name="文本框 186"/>
-            <p:cNvSpPr txBox="true"/>
+            <p:cNvSpPr txBox="1"/>
             <p:nvPr/>
           </p:nvSpPr>
           <p:spPr>
@@ -7592,7 +7744,7 @@
         <p:sp>
           <p:nvSpPr>
             <p:cNvPr id="199" name="文本框 198"/>
-            <p:cNvSpPr txBox="true"/>
+            <p:cNvSpPr txBox="1"/>
             <p:nvPr/>
           </p:nvSpPr>
           <p:spPr>
@@ -7646,7 +7798,7 @@
         <p:sp>
           <p:nvSpPr>
             <p:cNvPr id="201" name="文本框 200"/>
-            <p:cNvSpPr txBox="true"/>
+            <p:cNvSpPr txBox="1"/>
             <p:nvPr/>
           </p:nvSpPr>
           <p:spPr>
@@ -7744,7 +7896,7 @@
       <p:sp>
         <p:nvSpPr>
           <p:cNvPr id="244" name="文本框 243"/>
-          <p:cNvSpPr txBox="true"/>
+          <p:cNvSpPr txBox="1"/>
           <p:nvPr/>
         </p:nvSpPr>
         <p:spPr>
@@ -7807,6 +7959,974 @@
 </p:sld>
 </file>
 
+<file path=ppt/slides/slide10.xml><?xml version="1.0" encoding="utf-8"?>
+<p:sld xmlns:a="http://schemas.openxmlformats.org/drawingml/2006/main" xmlns:r="http://schemas.openxmlformats.org/officeDocument/2006/relationships" xmlns:p="http://schemas.openxmlformats.org/presentationml/2006/main">
+  <p:cSld>
+    <p:spTree>
+      <p:nvGrpSpPr>
+        <p:cNvPr id="1" name=""/>
+        <p:cNvGrpSpPr/>
+        <p:nvPr/>
+      </p:nvGrpSpPr>
+      <p:grpSpPr>
+        <a:xfrm>
+          <a:off x="0" y="0"/>
+          <a:ext cx="0" cy="0"/>
+          <a:chOff x="0" y="0"/>
+          <a:chExt cx="0" cy="0"/>
+        </a:xfrm>
+      </p:grpSpPr>
+      <p:sp>
+        <p:nvSpPr>
+          <p:cNvPr id="220" name="圆角矩形 219"/>
+          <p:cNvSpPr/>
+          <p:nvPr/>
+        </p:nvSpPr>
+        <p:spPr>
+          <a:xfrm>
+            <a:off x="6799580" y="3290570"/>
+            <a:ext cx="1824355" cy="779780"/>
+          </a:xfrm>
+          <a:prstGeom prst="roundRect">
+            <a:avLst>
+              <a:gd name="adj" fmla="val 7143"/>
+            </a:avLst>
+          </a:prstGeom>
+          <a:noFill/>
+          <a:ln>
+            <a:prstDash val="dash"/>
+          </a:ln>
+        </p:spPr>
+        <p:style>
+          <a:lnRef idx="2">
+            <a:schemeClr val="accent1">
+              <a:shade val="50000"/>
+            </a:schemeClr>
+          </a:lnRef>
+          <a:fillRef idx="1">
+            <a:schemeClr val="accent1"/>
+          </a:fillRef>
+          <a:effectRef idx="0">
+            <a:schemeClr val="accent1"/>
+          </a:effectRef>
+          <a:fontRef idx="minor">
+            <a:schemeClr val="lt1"/>
+          </a:fontRef>
+        </p:style>
+        <p:txBody>
+          <a:bodyPr rtlCol="0" anchor="ctr"/>
+          <a:lstStyle/>
+          <a:p>
+            <a:pPr algn="ctr"/>
+            <a:endParaRPr kumimoji="1" lang="zh-CN" altLang="en-US"/>
+          </a:p>
+        </p:txBody>
+      </p:sp>
+      <p:sp>
+        <p:nvSpPr>
+          <p:cNvPr id="221" name="圆角矩形 220"/>
+          <p:cNvSpPr/>
+          <p:nvPr/>
+        </p:nvSpPr>
+        <p:spPr>
+          <a:xfrm>
+            <a:off x="7461885" y="3366135"/>
+            <a:ext cx="1102360" cy="640715"/>
+          </a:xfrm>
+          <a:prstGeom prst="roundRect">
+            <a:avLst>
+              <a:gd name="adj" fmla="val 6877"/>
+            </a:avLst>
+          </a:prstGeom>
+        </p:spPr>
+        <p:style>
+          <a:lnRef idx="2">
+            <a:schemeClr val="accent3"/>
+          </a:lnRef>
+          <a:fillRef idx="1">
+            <a:schemeClr val="lt1"/>
+          </a:fillRef>
+          <a:effectRef idx="0">
+            <a:schemeClr val="accent3"/>
+          </a:effectRef>
+          <a:fontRef idx="minor">
+            <a:schemeClr val="dk1"/>
+          </a:fontRef>
+        </p:style>
+        <p:txBody>
+          <a:bodyPr tIns="36000" rtlCol="0" anchor="t"/>
+          <a:lstStyle/>
+          <a:p>
+            <a:pPr algn="ctr"/>
+            <a:r>
+              <a:rPr kumimoji="1" lang="en-US" altLang="zh-CN" sz="1050" dirty="0"/>
+              <a:t>Visits</a:t>
+            </a:r>
+          </a:p>
+          <a:p>
+            <a:pPr algn="ctr"/>
+            <a:r>
+              <a:rPr kumimoji="1" lang="en-US" altLang="zh-CN" sz="1050" dirty="0"/>
+              <a:t>Service</a:t>
+            </a:r>
+            <a:endParaRPr kumimoji="1" lang="zh-CN" altLang="en-US" sz="1050" dirty="0"/>
+          </a:p>
+        </p:txBody>
+      </p:sp>
+      <p:sp>
+        <p:nvSpPr>
+          <p:cNvPr id="222" name="圆角矩形 221"/>
+          <p:cNvSpPr/>
+          <p:nvPr/>
+        </p:nvSpPr>
+        <p:spPr>
+          <a:xfrm>
+            <a:off x="7461885" y="3756025"/>
+            <a:ext cx="1102360" cy="250825"/>
+          </a:xfrm>
+          <a:prstGeom prst="roundRect">
+            <a:avLst/>
+          </a:prstGeom>
+        </p:spPr>
+        <p:style>
+          <a:lnRef idx="2">
+            <a:schemeClr val="accent1">
+              <a:shade val="50000"/>
+            </a:schemeClr>
+          </a:lnRef>
+          <a:fillRef idx="1">
+            <a:schemeClr val="accent1"/>
+          </a:fillRef>
+          <a:effectRef idx="0">
+            <a:schemeClr val="accent1"/>
+          </a:effectRef>
+          <a:fontRef idx="minor">
+            <a:schemeClr val="lt1"/>
+          </a:fontRef>
+        </p:style>
+        <p:txBody>
+          <a:bodyPr rtlCol="0" anchor="ctr"/>
+          <a:lstStyle/>
+          <a:p>
+            <a:pPr algn="ctr"/>
+            <a:r>
+              <a:rPr kumimoji="1" lang="en-US" altLang="zh-CN" sz="1100" b="1" dirty="0"/>
+              <a:t>JavaAgent</a:t>
+            </a:r>
+            <a:endParaRPr kumimoji="1" lang="zh-CN" altLang="en-US" sz="1100" b="1" dirty="0"/>
+          </a:p>
+        </p:txBody>
+      </p:sp>
+      <p:sp>
+        <p:nvSpPr>
+          <p:cNvPr id="223" name="圆角矩形 222"/>
+          <p:cNvSpPr/>
+          <p:nvPr/>
+        </p:nvSpPr>
+        <p:spPr>
+          <a:xfrm rot="16200000">
+            <a:off x="6680835" y="3550285"/>
+            <a:ext cx="640715" cy="273685"/>
+          </a:xfrm>
+          <a:prstGeom prst="roundRect">
+            <a:avLst/>
+          </a:prstGeom>
+        </p:spPr>
+        <p:style>
+          <a:lnRef idx="2">
+            <a:schemeClr val="accent1">
+              <a:shade val="50000"/>
+            </a:schemeClr>
+          </a:lnRef>
+          <a:fillRef idx="1">
+            <a:schemeClr val="accent1"/>
+          </a:fillRef>
+          <a:effectRef idx="0">
+            <a:schemeClr val="accent1"/>
+          </a:effectRef>
+          <a:fontRef idx="minor">
+            <a:schemeClr val="lt1"/>
+          </a:fontRef>
+        </p:style>
+        <p:txBody>
+          <a:bodyPr lIns="0" rIns="0" rtlCol="0" anchor="ctr"/>
+          <a:lstStyle/>
+          <a:p>
+            <a:pPr algn="ctr"/>
+            <a:r>
+              <a:rPr kumimoji="1" lang="en-US" altLang="zh-CN" sz="1100" b="1" dirty="0"/>
+              <a:t>Side</a:t>
+            </a:r>
+            <a:r>
+              <a:rPr kumimoji="1" lang="zh-CN" altLang="en-US" sz="1100" b="1" dirty="0"/>
+              <a:t> </a:t>
+            </a:r>
+            <a:r>
+              <a:rPr kumimoji="1" lang="en-US" altLang="zh-CN" sz="1100" b="1" dirty="0"/>
+              <a:t>Car</a:t>
+            </a:r>
+            <a:endParaRPr kumimoji="1" lang="zh-CN" altLang="en-US" sz="1100" b="1" dirty="0"/>
+          </a:p>
+        </p:txBody>
+      </p:sp>
+      <p:cxnSp>
+        <p:nvCxnSpPr>
+          <p:cNvPr id="226" name="直线箭头连接符 225"/>
+          <p:cNvCxnSpPr>
+            <a:stCxn id="223" idx="0"/>
+          </p:cNvCxnSpPr>
+          <p:nvPr/>
+        </p:nvCxnSpPr>
+        <p:spPr>
+          <a:xfrm>
+            <a:off x="6864350" y="3686810"/>
+            <a:ext cx="586105" cy="635"/>
+          </a:xfrm>
+          <a:prstGeom prst="straightConnector1">
+            <a:avLst/>
+          </a:prstGeom>
+          <a:ln>
+            <a:headEnd type="none" w="sm" len="med"/>
+            <a:tailEnd type="triangle" w="sm" len="med"/>
+          </a:ln>
+        </p:spPr>
+        <p:style>
+          <a:lnRef idx="1">
+            <a:schemeClr val="accent1"/>
+          </a:lnRef>
+          <a:fillRef idx="0">
+            <a:schemeClr val="accent1"/>
+          </a:fillRef>
+          <a:effectRef idx="0">
+            <a:schemeClr val="accent1"/>
+          </a:effectRef>
+          <a:fontRef idx="minor">
+            <a:schemeClr val="tx1"/>
+          </a:fontRef>
+        </p:style>
+      </p:cxnSp>
+      <p:sp>
+        <p:nvSpPr>
+          <p:cNvPr id="164" name="文本框 163"/>
+          <p:cNvSpPr txBox="1"/>
+          <p:nvPr/>
+        </p:nvSpPr>
+        <p:spPr>
+          <a:xfrm>
+            <a:off x="7077710" y="3028950"/>
+            <a:ext cx="1268095" cy="261620"/>
+          </a:xfrm>
+          <a:prstGeom prst="rect">
+            <a:avLst/>
+          </a:prstGeom>
+          <a:noFill/>
+        </p:spPr>
+        <p:txBody>
+          <a:bodyPr wrap="none" rtlCol="0">
+            <a:spAutoFit/>
+          </a:bodyPr>
+          <a:lstStyle/>
+          <a:p>
+            <a:r>
+              <a:rPr kumimoji="1" lang="en-US" altLang="zh-CN" sz="1100" b="1" dirty="0">
+                <a:solidFill>
+                  <a:schemeClr val="accent5"/>
+                </a:solidFill>
+              </a:rPr>
+              <a:t>Kubernetes</a:t>
+            </a:r>
+            <a:r>
+              <a:rPr kumimoji="1" lang="zh-CN" altLang="en-US" sz="1100" b="1" dirty="0">
+                <a:solidFill>
+                  <a:schemeClr val="accent5"/>
+                </a:solidFill>
+              </a:rPr>
+              <a:t> </a:t>
+            </a:r>
+            <a:r>
+              <a:rPr kumimoji="1" lang="en-US" altLang="zh-CN" sz="1100" b="1" dirty="0">
+                <a:solidFill>
+                  <a:schemeClr val="accent5"/>
+                </a:solidFill>
+              </a:rPr>
+              <a:t>Pod</a:t>
+            </a:r>
+            <a:endParaRPr kumimoji="1" lang="zh-CN" altLang="en-US" sz="1100" b="1" dirty="0">
+              <a:solidFill>
+                <a:schemeClr val="accent5"/>
+              </a:solidFill>
+            </a:endParaRPr>
+          </a:p>
+        </p:txBody>
+      </p:sp>
+      <p:cxnSp>
+        <p:nvCxnSpPr>
+          <p:cNvPr id="2" name="直线箭头连接符 225"/>
+          <p:cNvCxnSpPr>
+            <a:stCxn id="44" idx="3"/>
+          </p:cNvCxnSpPr>
+          <p:nvPr/>
+        </p:nvCxnSpPr>
+        <p:spPr>
+          <a:xfrm>
+            <a:off x="5718810" y="2892425"/>
+            <a:ext cx="1073785" cy="609600"/>
+          </a:xfrm>
+          <a:prstGeom prst="bentConnector3">
+            <a:avLst>
+              <a:gd name="adj1" fmla="val 50030"/>
+            </a:avLst>
+          </a:prstGeom>
+          <a:ln>
+            <a:headEnd type="none" w="sm" len="med"/>
+            <a:tailEnd type="triangle" w="sm" len="med"/>
+          </a:ln>
+        </p:spPr>
+        <p:style>
+          <a:lnRef idx="1">
+            <a:schemeClr val="accent1"/>
+          </a:lnRef>
+          <a:fillRef idx="0">
+            <a:schemeClr val="accent1"/>
+          </a:fillRef>
+          <a:effectRef idx="0">
+            <a:schemeClr val="accent1"/>
+          </a:effectRef>
+          <a:fontRef idx="minor">
+            <a:schemeClr val="tx1"/>
+          </a:fontRef>
+        </p:style>
+      </p:cxnSp>
+      <p:sp>
+        <p:nvSpPr>
+          <p:cNvPr id="44" name="圆角矩形 173"/>
+          <p:cNvSpPr/>
+          <p:nvPr/>
+        </p:nvSpPr>
+        <p:spPr>
+          <a:xfrm>
+            <a:off x="3895090" y="2493645"/>
+            <a:ext cx="1823720" cy="796925"/>
+          </a:xfrm>
+          <a:prstGeom prst="roundRect">
+            <a:avLst/>
+          </a:prstGeom>
+        </p:spPr>
+        <p:style>
+          <a:lnRef idx="2">
+            <a:schemeClr val="accent4">
+              <a:shade val="50000"/>
+            </a:schemeClr>
+          </a:lnRef>
+          <a:fillRef idx="1">
+            <a:schemeClr val="accent4"/>
+          </a:fillRef>
+          <a:effectRef idx="0">
+            <a:schemeClr val="accent4"/>
+          </a:effectRef>
+          <a:fontRef idx="minor">
+            <a:schemeClr val="lt1"/>
+          </a:fontRef>
+        </p:style>
+        <p:txBody>
+          <a:bodyPr rtlCol="0" anchor="ctr"/>
+          <a:lstStyle/>
+          <a:p>
+            <a:pPr algn="ctr"/>
+            <a:r>
+              <a:rPr kumimoji="1" lang="" altLang="en-US" b="1" dirty="0"/>
+              <a:t>Ingress</a:t>
+            </a:r>
+            <a:endParaRPr kumimoji="1" lang="zh-CN" altLang="en-US" sz="1200" b="1" dirty="0"/>
+          </a:p>
+        </p:txBody>
+      </p:sp>
+      <p:sp>
+        <p:nvSpPr>
+          <p:cNvPr id="3" name="圆角矩形 2"/>
+          <p:cNvSpPr/>
+          <p:nvPr/>
+        </p:nvSpPr>
+        <p:spPr>
+          <a:xfrm>
+            <a:off x="3895090" y="4006850"/>
+            <a:ext cx="1824355" cy="779780"/>
+          </a:xfrm>
+          <a:prstGeom prst="roundRect">
+            <a:avLst>
+              <a:gd name="adj" fmla="val 7143"/>
+            </a:avLst>
+          </a:prstGeom>
+          <a:noFill/>
+          <a:ln>
+            <a:prstDash val="dash"/>
+          </a:ln>
+        </p:spPr>
+        <p:style>
+          <a:lnRef idx="2">
+            <a:schemeClr val="accent1">
+              <a:shade val="50000"/>
+            </a:schemeClr>
+          </a:lnRef>
+          <a:fillRef idx="1">
+            <a:schemeClr val="accent1"/>
+          </a:fillRef>
+          <a:effectRef idx="0">
+            <a:schemeClr val="accent1"/>
+          </a:effectRef>
+          <a:fontRef idx="minor">
+            <a:schemeClr val="lt1"/>
+          </a:fontRef>
+        </p:style>
+        <p:txBody>
+          <a:bodyPr rtlCol="0" anchor="ctr"/>
+          <a:lstStyle/>
+          <a:p>
+            <a:pPr algn="ctr"/>
+            <a:endParaRPr kumimoji="1" lang="zh-CN" altLang="en-US"/>
+          </a:p>
+        </p:txBody>
+      </p:sp>
+      <p:sp>
+        <p:nvSpPr>
+          <p:cNvPr id="4" name="文本框 163"/>
+          <p:cNvSpPr txBox="1"/>
+          <p:nvPr/>
+        </p:nvSpPr>
+        <p:spPr>
+          <a:xfrm>
+            <a:off x="4172585" y="3686810"/>
+            <a:ext cx="1268095" cy="261620"/>
+          </a:xfrm>
+          <a:prstGeom prst="rect">
+            <a:avLst/>
+          </a:prstGeom>
+          <a:noFill/>
+        </p:spPr>
+        <p:txBody>
+          <a:bodyPr wrap="none" rtlCol="0">
+            <a:spAutoFit/>
+          </a:bodyPr>
+          <a:lstStyle/>
+          <a:p>
+            <a:r>
+              <a:rPr kumimoji="1" lang="en-US" altLang="zh-CN" sz="1100" b="1" dirty="0">
+                <a:solidFill>
+                  <a:schemeClr val="accent5"/>
+                </a:solidFill>
+              </a:rPr>
+              <a:t>Kubernetes</a:t>
+            </a:r>
+            <a:r>
+              <a:rPr kumimoji="1" lang="zh-CN" altLang="en-US" sz="1100" b="1" dirty="0">
+                <a:solidFill>
+                  <a:schemeClr val="accent5"/>
+                </a:solidFill>
+              </a:rPr>
+              <a:t> </a:t>
+            </a:r>
+            <a:r>
+              <a:rPr kumimoji="1" lang="en-US" altLang="zh-CN" sz="1100" b="1" dirty="0">
+                <a:solidFill>
+                  <a:schemeClr val="accent5"/>
+                </a:solidFill>
+              </a:rPr>
+              <a:t>Pod</a:t>
+            </a:r>
+            <a:endParaRPr kumimoji="1" lang="zh-CN" altLang="en-US" sz="1100" b="1" dirty="0">
+              <a:solidFill>
+                <a:schemeClr val="accent5"/>
+              </a:solidFill>
+            </a:endParaRPr>
+          </a:p>
+        </p:txBody>
+      </p:sp>
+      <p:cxnSp>
+        <p:nvCxnSpPr>
+          <p:cNvPr id="5" name="直线箭头连接符 225"/>
+          <p:cNvCxnSpPr>
+            <a:stCxn id="3" idx="3"/>
+          </p:cNvCxnSpPr>
+          <p:nvPr/>
+        </p:nvCxnSpPr>
+        <p:spPr>
+          <a:xfrm flipV="1">
+            <a:off x="5719445" y="3841750"/>
+            <a:ext cx="1066165" cy="554990"/>
+          </a:xfrm>
+          <a:prstGeom prst="bentConnector3">
+            <a:avLst>
+              <a:gd name="adj1" fmla="val 50030"/>
+            </a:avLst>
+          </a:prstGeom>
+          <a:ln>
+            <a:headEnd type="none" w="sm" len="med"/>
+            <a:tailEnd type="triangle" w="sm" len="med"/>
+          </a:ln>
+        </p:spPr>
+        <p:style>
+          <a:lnRef idx="1">
+            <a:schemeClr val="accent1"/>
+          </a:lnRef>
+          <a:fillRef idx="0">
+            <a:schemeClr val="accent1"/>
+          </a:fillRef>
+          <a:effectRef idx="0">
+            <a:schemeClr val="accent1"/>
+          </a:effectRef>
+          <a:fontRef idx="minor">
+            <a:schemeClr val="tx1"/>
+          </a:fontRef>
+        </p:style>
+      </p:cxnSp>
+    </p:spTree>
+  </p:cSld>
+  <p:clrMapOvr>
+    <a:masterClrMapping/>
+  </p:clrMapOvr>
+</p:sld>
+</file>
+
+<file path=ppt/slides/slide11.xml><?xml version="1.0" encoding="utf-8"?>
+<p:sld xmlns:a="http://schemas.openxmlformats.org/drawingml/2006/main" xmlns:r="http://schemas.openxmlformats.org/officeDocument/2006/relationships" xmlns:p="http://schemas.openxmlformats.org/presentationml/2006/main">
+  <p:cSld>
+    <p:spTree>
+      <p:nvGrpSpPr>
+        <p:cNvPr id="1" name=""/>
+        <p:cNvGrpSpPr/>
+        <p:nvPr/>
+      </p:nvGrpSpPr>
+      <p:grpSpPr>
+        <a:xfrm>
+          <a:off x="0" y="0"/>
+          <a:ext cx="0" cy="0"/>
+          <a:chOff x="0" y="0"/>
+          <a:chExt cx="0" cy="0"/>
+        </a:xfrm>
+      </p:grpSpPr>
+      <p:sp>
+        <p:nvSpPr>
+          <p:cNvPr id="220" name="圆角矩形 219"/>
+          <p:cNvSpPr/>
+          <p:nvPr/>
+        </p:nvSpPr>
+        <p:spPr>
+          <a:xfrm>
+            <a:off x="3787775" y="3197860"/>
+            <a:ext cx="1824355" cy="779780"/>
+          </a:xfrm>
+          <a:prstGeom prst="roundRect">
+            <a:avLst>
+              <a:gd name="adj" fmla="val 7143"/>
+            </a:avLst>
+          </a:prstGeom>
+          <a:noFill/>
+          <a:ln>
+            <a:prstDash val="dash"/>
+          </a:ln>
+        </p:spPr>
+        <p:style>
+          <a:lnRef idx="2">
+            <a:schemeClr val="accent1">
+              <a:shade val="50000"/>
+            </a:schemeClr>
+          </a:lnRef>
+          <a:fillRef idx="1">
+            <a:schemeClr val="accent1"/>
+          </a:fillRef>
+          <a:effectRef idx="0">
+            <a:schemeClr val="accent1"/>
+          </a:effectRef>
+          <a:fontRef idx="minor">
+            <a:schemeClr val="lt1"/>
+          </a:fontRef>
+        </p:style>
+        <p:txBody>
+          <a:bodyPr rtlCol="0" anchor="ctr"/>
+          <a:lstStyle/>
+          <a:p>
+            <a:pPr algn="ctr"/>
+            <a:endParaRPr kumimoji="1" lang="zh-CN" altLang="en-US"/>
+          </a:p>
+        </p:txBody>
+      </p:sp>
+      <p:sp>
+        <p:nvSpPr>
+          <p:cNvPr id="221" name="圆角矩形 220"/>
+          <p:cNvSpPr/>
+          <p:nvPr/>
+        </p:nvSpPr>
+        <p:spPr>
+          <a:xfrm>
+            <a:off x="3852545" y="3267710"/>
+            <a:ext cx="1102360" cy="640715"/>
+          </a:xfrm>
+          <a:prstGeom prst="roundRect">
+            <a:avLst>
+              <a:gd name="adj" fmla="val 6877"/>
+            </a:avLst>
+          </a:prstGeom>
+        </p:spPr>
+        <p:style>
+          <a:lnRef idx="2">
+            <a:schemeClr val="accent3"/>
+          </a:lnRef>
+          <a:fillRef idx="1">
+            <a:schemeClr val="lt1"/>
+          </a:fillRef>
+          <a:effectRef idx="0">
+            <a:schemeClr val="accent3"/>
+          </a:effectRef>
+          <a:fontRef idx="minor">
+            <a:schemeClr val="dk1"/>
+          </a:fontRef>
+        </p:style>
+        <p:txBody>
+          <a:bodyPr tIns="36000" rtlCol="0" anchor="t"/>
+          <a:lstStyle/>
+          <a:p>
+            <a:pPr algn="ctr"/>
+            <a:r>
+              <a:rPr kumimoji="1" lang="en-US" altLang="zh-CN" sz="1050" dirty="0"/>
+              <a:t>Visits</a:t>
+            </a:r>
+          </a:p>
+          <a:p>
+            <a:pPr algn="ctr"/>
+            <a:r>
+              <a:rPr kumimoji="1" lang="en-US" altLang="zh-CN" sz="1050" dirty="0"/>
+              <a:t>Service</a:t>
+            </a:r>
+            <a:endParaRPr kumimoji="1" lang="zh-CN" altLang="en-US" sz="1050" dirty="0"/>
+          </a:p>
+        </p:txBody>
+      </p:sp>
+      <p:sp>
+        <p:nvSpPr>
+          <p:cNvPr id="222" name="圆角矩形 221"/>
+          <p:cNvSpPr/>
+          <p:nvPr/>
+        </p:nvSpPr>
+        <p:spPr>
+          <a:xfrm>
+            <a:off x="3852545" y="3657600"/>
+            <a:ext cx="1102360" cy="250825"/>
+          </a:xfrm>
+          <a:prstGeom prst="roundRect">
+            <a:avLst/>
+          </a:prstGeom>
+        </p:spPr>
+        <p:style>
+          <a:lnRef idx="2">
+            <a:schemeClr val="accent1">
+              <a:shade val="50000"/>
+            </a:schemeClr>
+          </a:lnRef>
+          <a:fillRef idx="1">
+            <a:schemeClr val="accent1"/>
+          </a:fillRef>
+          <a:effectRef idx="0">
+            <a:schemeClr val="accent1"/>
+          </a:effectRef>
+          <a:fontRef idx="minor">
+            <a:schemeClr val="lt1"/>
+          </a:fontRef>
+        </p:style>
+        <p:txBody>
+          <a:bodyPr rtlCol="0" anchor="ctr"/>
+          <a:lstStyle/>
+          <a:p>
+            <a:pPr algn="ctr"/>
+            <a:r>
+              <a:rPr kumimoji="1" lang="en-US" altLang="zh-CN" sz="1100" b="1" dirty="0"/>
+              <a:t>JavaAgent</a:t>
+            </a:r>
+            <a:endParaRPr kumimoji="1" lang="zh-CN" altLang="en-US" sz="1100" b="1" dirty="0"/>
+          </a:p>
+        </p:txBody>
+      </p:sp>
+      <p:sp>
+        <p:nvSpPr>
+          <p:cNvPr id="223" name="圆角矩形 222"/>
+          <p:cNvSpPr/>
+          <p:nvPr/>
+        </p:nvSpPr>
+        <p:spPr>
+          <a:xfrm rot="16200000">
+            <a:off x="5083810" y="3451225"/>
+            <a:ext cx="640715" cy="273685"/>
+          </a:xfrm>
+          <a:prstGeom prst="roundRect">
+            <a:avLst/>
+          </a:prstGeom>
+        </p:spPr>
+        <p:style>
+          <a:lnRef idx="2">
+            <a:schemeClr val="accent1">
+              <a:shade val="50000"/>
+            </a:schemeClr>
+          </a:lnRef>
+          <a:fillRef idx="1">
+            <a:schemeClr val="accent1"/>
+          </a:fillRef>
+          <a:effectRef idx="0">
+            <a:schemeClr val="accent1"/>
+          </a:effectRef>
+          <a:fontRef idx="minor">
+            <a:schemeClr val="lt1"/>
+          </a:fontRef>
+        </p:style>
+        <p:txBody>
+          <a:bodyPr lIns="0" rIns="0" rtlCol="0" anchor="ctr"/>
+          <a:lstStyle/>
+          <a:p>
+            <a:pPr algn="ctr"/>
+            <a:r>
+              <a:rPr kumimoji="1" lang="en-US" altLang="zh-CN" sz="1100" b="1" dirty="0"/>
+              <a:t>Side</a:t>
+            </a:r>
+            <a:r>
+              <a:rPr kumimoji="1" lang="zh-CN" altLang="en-US" sz="1100" b="1" dirty="0"/>
+              <a:t> </a:t>
+            </a:r>
+            <a:r>
+              <a:rPr kumimoji="1" lang="en-US" altLang="zh-CN" sz="1100" b="1" dirty="0"/>
+              <a:t>Car</a:t>
+            </a:r>
+            <a:endParaRPr kumimoji="1" lang="zh-CN" altLang="en-US" sz="1100" b="1" dirty="0"/>
+          </a:p>
+        </p:txBody>
+      </p:sp>
+      <p:cxnSp>
+        <p:nvCxnSpPr>
+          <p:cNvPr id="226" name="直线箭头连接符 225"/>
+          <p:cNvCxnSpPr/>
+          <p:nvPr/>
+        </p:nvCxnSpPr>
+        <p:spPr>
+          <a:xfrm>
+            <a:off x="4954905" y="3587115"/>
+            <a:ext cx="320040" cy="635"/>
+          </a:xfrm>
+          <a:prstGeom prst="straightConnector1">
+            <a:avLst/>
+          </a:prstGeom>
+          <a:ln>
+            <a:headEnd type="none" w="sm" len="med"/>
+            <a:tailEnd type="triangle" w="sm" len="med"/>
+          </a:ln>
+        </p:spPr>
+        <p:style>
+          <a:lnRef idx="1">
+            <a:schemeClr val="accent1"/>
+          </a:lnRef>
+          <a:fillRef idx="0">
+            <a:schemeClr val="accent1"/>
+          </a:fillRef>
+          <a:effectRef idx="0">
+            <a:schemeClr val="accent1"/>
+          </a:effectRef>
+          <a:fontRef idx="minor">
+            <a:schemeClr val="tx1"/>
+          </a:fontRef>
+        </p:style>
+      </p:cxnSp>
+      <p:sp>
+        <p:nvSpPr>
+          <p:cNvPr id="164" name="文本框 163"/>
+          <p:cNvSpPr txBox="1"/>
+          <p:nvPr/>
+        </p:nvSpPr>
+        <p:spPr>
+          <a:xfrm>
+            <a:off x="4065905" y="2846070"/>
+            <a:ext cx="1268095" cy="261620"/>
+          </a:xfrm>
+          <a:prstGeom prst="rect">
+            <a:avLst/>
+          </a:prstGeom>
+          <a:noFill/>
+        </p:spPr>
+        <p:txBody>
+          <a:bodyPr wrap="none" rtlCol="0">
+            <a:spAutoFit/>
+          </a:bodyPr>
+          <a:lstStyle/>
+          <a:p>
+            <a:r>
+              <a:rPr kumimoji="1" lang="en-US" altLang="zh-CN" sz="1100" b="1" dirty="0">
+                <a:solidFill>
+                  <a:schemeClr val="accent5"/>
+                </a:solidFill>
+              </a:rPr>
+              <a:t>Kubernetes</a:t>
+            </a:r>
+            <a:r>
+              <a:rPr kumimoji="1" lang="zh-CN" altLang="en-US" sz="1100" b="1" dirty="0">
+                <a:solidFill>
+                  <a:schemeClr val="accent5"/>
+                </a:solidFill>
+              </a:rPr>
+              <a:t> </a:t>
+            </a:r>
+            <a:r>
+              <a:rPr kumimoji="1" lang="en-US" altLang="zh-CN" sz="1100" b="1" dirty="0">
+                <a:solidFill>
+                  <a:schemeClr val="accent5"/>
+                </a:solidFill>
+              </a:rPr>
+              <a:t>Pod</a:t>
+            </a:r>
+            <a:endParaRPr kumimoji="1" lang="zh-CN" altLang="en-US" sz="1100" b="1" dirty="0">
+              <a:solidFill>
+                <a:schemeClr val="accent5"/>
+              </a:solidFill>
+            </a:endParaRPr>
+          </a:p>
+        </p:txBody>
+      </p:sp>
+      <p:sp>
+        <p:nvSpPr>
+          <p:cNvPr id="3" name="圆角矩形 2"/>
+          <p:cNvSpPr/>
+          <p:nvPr/>
+        </p:nvSpPr>
+        <p:spPr>
+          <a:xfrm>
+            <a:off x="6101080" y="3198495"/>
+            <a:ext cx="1824355" cy="779780"/>
+          </a:xfrm>
+          <a:prstGeom prst="roundRect">
+            <a:avLst>
+              <a:gd name="adj" fmla="val 7143"/>
+            </a:avLst>
+          </a:prstGeom>
+          <a:noFill/>
+          <a:ln>
+            <a:prstDash val="dash"/>
+          </a:ln>
+        </p:spPr>
+        <p:style>
+          <a:lnRef idx="2">
+            <a:schemeClr val="accent1">
+              <a:shade val="50000"/>
+            </a:schemeClr>
+          </a:lnRef>
+          <a:fillRef idx="1">
+            <a:schemeClr val="accent1"/>
+          </a:fillRef>
+          <a:effectRef idx="0">
+            <a:schemeClr val="accent1"/>
+          </a:effectRef>
+          <a:fontRef idx="minor">
+            <a:schemeClr val="lt1"/>
+          </a:fontRef>
+        </p:style>
+        <p:txBody>
+          <a:bodyPr rtlCol="0" anchor="ctr"/>
+          <a:lstStyle/>
+          <a:p>
+            <a:pPr algn="ctr"/>
+            <a:endParaRPr kumimoji="1" lang="zh-CN" altLang="en-US"/>
+          </a:p>
+        </p:txBody>
+      </p:sp>
+      <p:sp>
+        <p:nvSpPr>
+          <p:cNvPr id="4" name="文本框 163"/>
+          <p:cNvSpPr txBox="1"/>
+          <p:nvPr/>
+        </p:nvSpPr>
+        <p:spPr>
+          <a:xfrm>
+            <a:off x="6379210" y="2846070"/>
+            <a:ext cx="1268095" cy="261620"/>
+          </a:xfrm>
+          <a:prstGeom prst="rect">
+            <a:avLst/>
+          </a:prstGeom>
+          <a:noFill/>
+        </p:spPr>
+        <p:txBody>
+          <a:bodyPr wrap="none" rtlCol="0">
+            <a:spAutoFit/>
+          </a:bodyPr>
+          <a:lstStyle/>
+          <a:p>
+            <a:r>
+              <a:rPr kumimoji="1" lang="en-US" altLang="zh-CN" sz="1100" b="1" dirty="0">
+                <a:solidFill>
+                  <a:schemeClr val="accent5"/>
+                </a:solidFill>
+              </a:rPr>
+              <a:t>Kubernetes</a:t>
+            </a:r>
+            <a:r>
+              <a:rPr kumimoji="1" lang="zh-CN" altLang="en-US" sz="1100" b="1" dirty="0">
+                <a:solidFill>
+                  <a:schemeClr val="accent5"/>
+                </a:solidFill>
+              </a:rPr>
+              <a:t> </a:t>
+            </a:r>
+            <a:r>
+              <a:rPr kumimoji="1" lang="en-US" altLang="zh-CN" sz="1100" b="1" dirty="0">
+                <a:solidFill>
+                  <a:schemeClr val="accent5"/>
+                </a:solidFill>
+              </a:rPr>
+              <a:t>Pod</a:t>
+            </a:r>
+            <a:endParaRPr kumimoji="1" lang="zh-CN" altLang="en-US" sz="1100" b="1" dirty="0">
+              <a:solidFill>
+                <a:schemeClr val="accent5"/>
+              </a:solidFill>
+            </a:endParaRPr>
+          </a:p>
+        </p:txBody>
+      </p:sp>
+      <p:cxnSp>
+        <p:nvCxnSpPr>
+          <p:cNvPr id="6" name="直线箭头连接符 225"/>
+          <p:cNvCxnSpPr/>
+          <p:nvPr/>
+        </p:nvCxnSpPr>
+        <p:spPr>
+          <a:xfrm>
+            <a:off x="5541010" y="3588385"/>
+            <a:ext cx="566928" cy="635"/>
+          </a:xfrm>
+          <a:prstGeom prst="straightConnector1">
+            <a:avLst/>
+          </a:prstGeom>
+          <a:ln>
+            <a:headEnd type="none" w="sm" len="med"/>
+            <a:tailEnd type="triangle" w="sm" len="med"/>
+          </a:ln>
+        </p:spPr>
+        <p:style>
+          <a:lnRef idx="1">
+            <a:schemeClr val="accent1"/>
+          </a:lnRef>
+          <a:fillRef idx="0">
+            <a:schemeClr val="accent1"/>
+          </a:fillRef>
+          <a:effectRef idx="0">
+            <a:schemeClr val="accent1"/>
+          </a:effectRef>
+          <a:fontRef idx="minor">
+            <a:schemeClr val="tx1"/>
+          </a:fontRef>
+        </p:style>
+      </p:cxnSp>
+    </p:spTree>
+  </p:cSld>
+  <p:clrMapOvr>
+    <a:masterClrMapping/>
+  </p:clrMapOvr>
+</p:sld>
+</file>
+
 <file path=ppt/slides/slide2.xml><?xml version="1.0" encoding="utf-8"?>
 <p:sld xmlns:a="http://schemas.openxmlformats.org/drawingml/2006/main" xmlns:r="http://schemas.openxmlformats.org/officeDocument/2006/relationships" xmlns:p="http://schemas.openxmlformats.org/presentationml/2006/main">
   <p:cSld>
@@ -7827,7 +8947,7 @@
       <p:sp>
         <p:nvSpPr>
           <p:cNvPr id="2" name="内容占位符 2"/>
-          <p:cNvSpPr txBox="true"/>
+          <p:cNvSpPr txBox="1"/>
           <p:nvPr/>
         </p:nvSpPr>
         <p:spPr>
@@ -8178,7 +9298,7 @@
             </a:fontRef>
           </p:style>
           <p:txBody>
-            <a:bodyPr rot="0" spcFirstLastPara="0" vertOverflow="overflow" horzOverflow="overflow" vert="horz" wrap="square" lIns="91440" tIns="45720" rIns="91440" bIns="45720" numCol="1" spcCol="0" rtlCol="0" fromWordArt="false" anchor="ctr" anchorCtr="false" forceAA="false" compatLnSpc="true">
+            <a:bodyPr rot="0" spcFirstLastPara="0" vertOverflow="overflow" horzOverflow="overflow" vert="horz" wrap="square" lIns="91440" tIns="45720" rIns="91440" bIns="45720" numCol="1" spcCol="0" rtlCol="0" fromWordArt="0" anchor="ctr" anchorCtr="0" forceAA="0" compatLnSpc="1">
               <a:noAutofit/>
             </a:bodyPr>
             <a:lstStyle/>
@@ -8203,13 +9323,6 @@
                 </a:rPr>
                 <a:t>B</a:t>
               </a:r>
-              <a:endParaRPr kumimoji="1" lang="en-US" altLang="zh-CN" sz="1400" b="1" dirty="0">
-                <a:solidFill>
-                  <a:schemeClr val="accent6"/>
-                </a:solidFill>
-                <a:latin typeface="+mj-ea"/>
-                <a:ea typeface="+mj-ea"/>
-              </a:endParaRPr>
             </a:p>
           </p:txBody>
         </p:sp>
@@ -8245,7 +9358,7 @@
             </a:fontRef>
           </p:style>
           <p:txBody>
-            <a:bodyPr rot="0" spcFirstLastPara="0" vertOverflow="overflow" horzOverflow="overflow" vert="horz" wrap="square" lIns="91440" tIns="45720" rIns="91440" bIns="45720" numCol="1" spcCol="0" rtlCol="0" fromWordArt="false" anchor="ctr" anchorCtr="false" forceAA="false" compatLnSpc="true">
+            <a:bodyPr rot="0" spcFirstLastPara="0" vertOverflow="overflow" horzOverflow="overflow" vert="horz" wrap="square" lIns="91440" tIns="45720" rIns="91440" bIns="45720" numCol="1" spcCol="0" rtlCol="0" fromWordArt="0" anchor="ctr" anchorCtr="0" forceAA="0" compatLnSpc="1">
               <a:noAutofit/>
             </a:bodyPr>
             <a:lstStyle/>
@@ -8281,13 +9394,6 @@
                 </a:rPr>
                 <a:t>Framework</a:t>
               </a:r>
-              <a:endParaRPr kumimoji="1" lang="en-US" altLang="zh-CN" sz="1000" dirty="0">
-                <a:solidFill>
-                  <a:schemeClr val="bg1"/>
-                </a:solidFill>
-                <a:latin typeface="+mj-ea"/>
-                <a:ea typeface="+mj-ea"/>
-              </a:endParaRPr>
             </a:p>
             <a:p>
               <a:pPr algn="ctr"/>
@@ -8388,7 +9494,7 @@
             </a:fontRef>
           </p:style>
           <p:txBody>
-            <a:bodyPr rot="0" spcFirstLastPara="0" vertOverflow="overflow" horzOverflow="overflow" vert="horz" wrap="square" lIns="91440" tIns="45720" rIns="91440" bIns="45720" numCol="1" spcCol="0" rtlCol="0" fromWordArt="false" anchor="ctr" anchorCtr="false" forceAA="false" compatLnSpc="true">
+            <a:bodyPr rot="0" spcFirstLastPara="0" vertOverflow="overflow" horzOverflow="overflow" vert="horz" wrap="square" lIns="91440" tIns="45720" rIns="91440" bIns="45720" numCol="1" spcCol="0" rtlCol="0" fromWordArt="0" anchor="ctr" anchorCtr="0" forceAA="0" compatLnSpc="1">
               <a:noAutofit/>
             </a:bodyPr>
             <a:lstStyle/>
@@ -8453,7 +9559,7 @@
               </a:fontRef>
             </p:style>
             <p:txBody>
-              <a:bodyPr rot="0" spcFirstLastPara="0" vertOverflow="overflow" horzOverflow="overflow" vert="horz" wrap="square" lIns="91440" tIns="45720" rIns="91440" bIns="45720" numCol="1" spcCol="0" rtlCol="0" fromWordArt="false" anchor="t" anchorCtr="false" forceAA="false" compatLnSpc="true">
+              <a:bodyPr rot="0" spcFirstLastPara="0" vertOverflow="overflow" horzOverflow="overflow" vert="horz" wrap="square" lIns="91440" tIns="45720" rIns="91440" bIns="45720" numCol="1" spcCol="0" rtlCol="0" fromWordArt="0" anchor="t" anchorCtr="0" forceAA="0" compatLnSpc="1">
                 <a:noAutofit/>
               </a:bodyPr>
               <a:lstStyle/>
@@ -8479,13 +9585,6 @@
                   </a:rPr>
                   <a:t>A</a:t>
                 </a:r>
-                <a:endParaRPr kumimoji="1" lang="en-US" altLang="zh-CN" sz="1400" b="1" dirty="0">
-                  <a:solidFill>
-                    <a:schemeClr val="accent6"/>
-                  </a:solidFill>
-                  <a:latin typeface="+mj-ea"/>
-                  <a:ea typeface="+mj-ea"/>
-                </a:endParaRPr>
               </a:p>
             </p:txBody>
           </p:sp>
@@ -8521,7 +9620,7 @@
               </a:fontRef>
             </p:style>
             <p:txBody>
-              <a:bodyPr rot="0" spcFirstLastPara="0" vertOverflow="overflow" horzOverflow="overflow" vert="horz" wrap="square" lIns="91440" tIns="45720" rIns="91440" bIns="45720" numCol="1" spcCol="0" rtlCol="0" fromWordArt="false" anchor="ctr" anchorCtr="false" forceAA="false" compatLnSpc="true">
+              <a:bodyPr rot="0" spcFirstLastPara="0" vertOverflow="overflow" horzOverflow="overflow" vert="horz" wrap="square" lIns="91440" tIns="45720" rIns="91440" bIns="45720" numCol="1" spcCol="0" rtlCol="0" fromWordArt="0" anchor="ctr" anchorCtr="0" forceAA="0" compatLnSpc="1">
                 <a:noAutofit/>
               </a:bodyPr>
               <a:lstStyle/>
@@ -8557,13 +9656,6 @@
                   </a:rPr>
                   <a:t>Car</a:t>
                 </a:r>
-                <a:endParaRPr kumimoji="1" lang="en-US" altLang="zh-CN" sz="1600" dirty="0">
-                  <a:solidFill>
-                    <a:schemeClr val="bg1"/>
-                  </a:solidFill>
-                  <a:latin typeface="+mj-ea"/>
-                  <a:ea typeface="+mj-ea"/>
-                </a:endParaRPr>
               </a:p>
               <a:p>
                 <a:pPr algn="ctr"/>
@@ -8679,7 +9771,7 @@
           </a:fontRef>
         </p:style>
         <p:txBody>
-          <a:bodyPr rot="0" spcFirstLastPara="0" vertOverflow="overflow" horzOverflow="overflow" vert="horz" wrap="square" lIns="91440" tIns="45720" rIns="91440" bIns="45720" numCol="1" spcCol="0" rtlCol="0" fromWordArt="false" anchor="ctr" anchorCtr="false" forceAA="false" compatLnSpc="true">
+          <a:bodyPr rot="0" spcFirstLastPara="0" vertOverflow="overflow" horzOverflow="overflow" vert="horz" wrap="square" lIns="91440" tIns="45720" rIns="91440" bIns="45720" numCol="1" spcCol="0" rtlCol="0" fromWordArt="0" anchor="ctr" anchorCtr="0" forceAA="0" compatLnSpc="1">
             <a:noAutofit/>
           </a:bodyPr>
           <a:lstStyle/>
@@ -8745,7 +9837,7 @@
           </a:fontRef>
         </p:style>
         <p:txBody>
-          <a:bodyPr rot="0" spcFirstLastPara="0" vertOverflow="overflow" horzOverflow="overflow" vert="horz" wrap="square" lIns="91440" tIns="45720" rIns="91440" bIns="45720" numCol="1" spcCol="0" rtlCol="0" fromWordArt="false" anchor="ctr" anchorCtr="false" forceAA="false" compatLnSpc="true">
+          <a:bodyPr rot="0" spcFirstLastPara="0" vertOverflow="overflow" horzOverflow="overflow" vert="horz" wrap="square" lIns="91440" tIns="45720" rIns="91440" bIns="45720" numCol="1" spcCol="0" rtlCol="0" fromWordArt="0" anchor="ctr" anchorCtr="0" forceAA="0" compatLnSpc="1">
             <a:noAutofit/>
           </a:bodyPr>
           <a:lstStyle/>
@@ -8811,7 +9903,7 @@
           </a:fontRef>
         </p:style>
         <p:txBody>
-          <a:bodyPr rot="0" spcFirstLastPara="0" vertOverflow="overflow" horzOverflow="overflow" vert="horz" wrap="square" lIns="91440" tIns="45720" rIns="91440" bIns="45720" numCol="1" spcCol="0" rtlCol="0" fromWordArt="false" anchor="ctr" anchorCtr="false" forceAA="false" compatLnSpc="true">
+          <a:bodyPr rot="0" spcFirstLastPara="0" vertOverflow="overflow" horzOverflow="overflow" vert="horz" wrap="square" lIns="91440" tIns="45720" rIns="91440" bIns="45720" numCol="1" spcCol="0" rtlCol="0" fromWordArt="0" anchor="ctr" anchorCtr="0" forceAA="0" compatLnSpc="1">
             <a:noAutofit/>
           </a:bodyPr>
           <a:lstStyle/>
@@ -8879,7 +9971,7 @@
           </a:fontRef>
         </p:style>
         <p:txBody>
-          <a:bodyPr rot="0" spcFirstLastPara="0" vertOverflow="overflow" horzOverflow="overflow" vert="horz" wrap="square" lIns="91440" tIns="45720" rIns="91440" bIns="45720" numCol="1" spcCol="0" rtlCol="0" fromWordArt="false" anchor="ctr" anchorCtr="false" forceAA="false" compatLnSpc="true">
+          <a:bodyPr rot="0" spcFirstLastPara="0" vertOverflow="overflow" horzOverflow="overflow" vert="horz" wrap="square" lIns="91440" tIns="45720" rIns="91440" bIns="45720" numCol="1" spcCol="0" rtlCol="0" fromWordArt="0" anchor="ctr" anchorCtr="0" forceAA="0" compatLnSpc="1">
             <a:noAutofit/>
           </a:bodyPr>
           <a:lstStyle/>
@@ -8895,13 +9987,6 @@
               </a:rPr>
               <a:t>服务发现</a:t>
             </a:r>
-            <a:endParaRPr kumimoji="1" lang="zh-CN" altLang="en-US" sz="1400" b="1" dirty="0">
-              <a:solidFill>
-                <a:schemeClr val="bg1"/>
-              </a:solidFill>
-              <a:latin typeface="微软雅黑" panose="020B0503020204020204" pitchFamily="34" charset="-122"/>
-              <a:ea typeface="微软雅黑" panose="020B0503020204020204" pitchFamily="34" charset="-122"/>
-            </a:endParaRPr>
           </a:p>
         </p:txBody>
       </p:sp>
@@ -9050,7 +10135,7 @@
           <p:nvPr/>
         </p:nvCxnSpPr>
         <p:spPr>
-          <a:xfrm flipV="true">
+          <a:xfrm flipV="1">
             <a:off x="5169012" y="1271418"/>
             <a:ext cx="1022286" cy="708764"/>
           </a:xfrm>
@@ -9095,7 +10180,7 @@
           <p:nvPr/>
         </p:nvCxnSpPr>
         <p:spPr>
-          <a:xfrm flipV="true">
+          <a:xfrm flipV="1">
             <a:off x="5169013" y="1271418"/>
             <a:ext cx="1022285" cy="2018555"/>
           </a:xfrm>
@@ -9133,7 +10218,7 @@
       <p:sp>
         <p:nvSpPr>
           <p:cNvPr id="21" name="文本框 20"/>
-          <p:cNvSpPr txBox="true"/>
+          <p:cNvSpPr txBox="1"/>
           <p:nvPr/>
         </p:nvSpPr>
         <p:spPr>
@@ -9196,17 +10281,13 @@
               </a:rPr>
               <a:t>服务寻址</a:t>
             </a:r>
-            <a:endParaRPr kumimoji="1" lang="zh-CN" altLang="en-US" sz="1200" dirty="0">
-              <a:latin typeface="+mj-ea"/>
-              <a:ea typeface="+mj-ea"/>
-            </a:endParaRPr>
           </a:p>
         </p:txBody>
       </p:sp>
       <p:sp>
         <p:nvSpPr>
           <p:cNvPr id="22" name="文本框 21"/>
-          <p:cNvSpPr txBox="true"/>
+          <p:cNvSpPr txBox="1"/>
           <p:nvPr/>
         </p:nvSpPr>
         <p:spPr>
@@ -9269,10 +10350,6 @@
               </a:rPr>
               <a:t>服务寻址</a:t>
             </a:r>
-            <a:endParaRPr kumimoji="1" lang="zh-CN" altLang="en-US" sz="1200" dirty="0">
-              <a:latin typeface="+mj-ea"/>
-              <a:ea typeface="+mj-ea"/>
-            </a:endParaRPr>
           </a:p>
         </p:txBody>
       </p:sp>
@@ -9324,7 +10401,7 @@
           <p:nvPr/>
         </p:nvCxnSpPr>
         <p:spPr>
-          <a:xfrm flipH="true">
+          <a:xfrm flipH="1">
             <a:off x="5039228" y="2591428"/>
             <a:ext cx="4153061" cy="838718"/>
           </a:xfrm>
@@ -9357,7 +10434,7 @@
       <p:sp>
         <p:nvSpPr>
           <p:cNvPr id="25" name="文本框 24"/>
-          <p:cNvSpPr txBox="true"/>
+          <p:cNvSpPr txBox="1"/>
           <p:nvPr/>
         </p:nvSpPr>
         <p:spPr>
@@ -9405,7 +10482,7 @@
       <p:sp>
         <p:nvSpPr>
           <p:cNvPr id="26" name="文本框 25"/>
-          <p:cNvSpPr txBox="true"/>
+          <p:cNvSpPr txBox="1"/>
           <p:nvPr/>
         </p:nvSpPr>
         <p:spPr>
@@ -9482,7 +10559,7 @@
           </a:fontRef>
         </p:style>
         <p:txBody>
-          <a:bodyPr rot="0" spcFirstLastPara="0" vertOverflow="overflow" horzOverflow="overflow" vert="horz" wrap="square" lIns="91440" tIns="45720" rIns="91440" bIns="45720" numCol="1" spcCol="0" rtlCol="0" fromWordArt="false" anchor="ctr" anchorCtr="false" forceAA="false" compatLnSpc="true">
+          <a:bodyPr rot="0" spcFirstLastPara="0" vertOverflow="overflow" horzOverflow="overflow" vert="horz" wrap="square" lIns="91440" tIns="45720" rIns="91440" bIns="45720" numCol="1" spcCol="0" rtlCol="0" fromWordArt="0" anchor="ctr" anchorCtr="0" forceAA="0" compatLnSpc="1">
             <a:noAutofit/>
           </a:bodyPr>
           <a:lstStyle/>
@@ -9498,13 +10575,6 @@
               </a:rPr>
               <a:t>服务治理</a:t>
             </a:r>
-            <a:endParaRPr kumimoji="1" lang="zh-CN" altLang="en-US" sz="1400" b="1" dirty="0">
-              <a:solidFill>
-                <a:schemeClr val="bg1"/>
-              </a:solidFill>
-              <a:latin typeface="微软雅黑" panose="020B0503020204020204" pitchFamily="34" charset="-122"/>
-              <a:ea typeface="微软雅黑" panose="020B0503020204020204" pitchFamily="34" charset="-122"/>
-            </a:endParaRPr>
           </a:p>
         </p:txBody>
       </p:sp>
@@ -9545,7 +10615,7 @@
           </a:fontRef>
         </p:style>
         <p:txBody>
-          <a:bodyPr rot="0" spcFirstLastPara="0" vertOverflow="overflow" horzOverflow="overflow" vert="horz" wrap="square" lIns="91440" tIns="45720" rIns="91440" bIns="45720" numCol="1" spcCol="0" rtlCol="0" fromWordArt="false" anchor="ctr" anchorCtr="false" forceAA="false" compatLnSpc="true">
+          <a:bodyPr rot="0" spcFirstLastPara="0" vertOverflow="overflow" horzOverflow="overflow" vert="horz" wrap="square" lIns="91440" tIns="45720" rIns="91440" bIns="45720" numCol="1" spcCol="0" rtlCol="0" fromWordArt="0" anchor="ctr" anchorCtr="0" forceAA="0" compatLnSpc="1">
             <a:noAutofit/>
           </a:bodyPr>
           <a:lstStyle/>
@@ -9561,13 +10631,6 @@
               </a:rPr>
               <a:t>服务监控</a:t>
             </a:r>
-            <a:endParaRPr kumimoji="1" lang="zh-CN" altLang="en-US" sz="1400" b="1" dirty="0">
-              <a:solidFill>
-                <a:schemeClr val="bg1"/>
-              </a:solidFill>
-              <a:latin typeface="微软雅黑" panose="020B0503020204020204" pitchFamily="34" charset="-122"/>
-              <a:ea typeface="微软雅黑" panose="020B0503020204020204" pitchFamily="34" charset="-122"/>
-            </a:endParaRPr>
           </a:p>
         </p:txBody>
       </p:sp>
@@ -9581,7 +10644,7 @@
           <p:nvPr/>
         </p:nvCxnSpPr>
         <p:spPr>
-          <a:xfrm rot="16200000" flipH="true">
+          <a:xfrm rot="16200000" flipH="1">
             <a:off x="4597787" y="2278029"/>
             <a:ext cx="1553391" cy="1692985"/>
           </a:xfrm>
@@ -9624,7 +10687,7 @@
           <p:nvPr/>
         </p:nvCxnSpPr>
         <p:spPr>
-          <a:xfrm rot="16200000" flipH="true">
+          <a:xfrm rot="16200000" flipH="1">
             <a:off x="5097050" y="2777293"/>
             <a:ext cx="364072" cy="1883777"/>
           </a:xfrm>
@@ -9667,7 +10730,7 @@
           <p:nvPr/>
         </p:nvCxnSpPr>
         <p:spPr>
-          <a:xfrm flipH="true">
+          <a:xfrm flipH="1">
             <a:off x="7804671" y="1819826"/>
             <a:ext cx="2323372" cy="2081392"/>
           </a:xfrm>
@@ -9712,7 +10775,7 @@
           <p:nvPr/>
         </p:nvCxnSpPr>
         <p:spPr>
-          <a:xfrm flipH="true">
+          <a:xfrm flipH="1">
             <a:off x="7804671" y="2591428"/>
             <a:ext cx="2323372" cy="1309790"/>
           </a:xfrm>
@@ -9757,7 +10820,7 @@
           <p:nvPr/>
         </p:nvCxnSpPr>
         <p:spPr>
-          <a:xfrm flipH="true">
+          <a:xfrm flipH="1">
             <a:off x="7804671" y="3363029"/>
             <a:ext cx="2323372" cy="538189"/>
           </a:xfrm>
@@ -9826,7 +10889,7 @@
           </a:fontRef>
         </p:style>
         <p:txBody>
-          <a:bodyPr rot="0" spcFirstLastPara="0" vertOverflow="overflow" horzOverflow="overflow" vert="horz" wrap="square" lIns="91440" tIns="45720" rIns="91440" bIns="45720" numCol="1" spcCol="0" rtlCol="0" fromWordArt="false" anchor="ctr" anchorCtr="false" forceAA="false" compatLnSpc="true">
+          <a:bodyPr rot="0" spcFirstLastPara="0" vertOverflow="overflow" horzOverflow="overflow" vert="horz" wrap="square" lIns="91440" tIns="45720" rIns="91440" bIns="45720" numCol="1" spcCol="0" rtlCol="0" fromWordArt="0" anchor="ctr" anchorCtr="0" forceAA="0" compatLnSpc="1">
             <a:noAutofit/>
           </a:bodyPr>
           <a:lstStyle/>
@@ -9842,13 +10905,6 @@
               </a:rPr>
               <a:t>JavaAgent</a:t>
             </a:r>
-            <a:endParaRPr kumimoji="1" lang="en-US" altLang="zh-CN" sz="800" dirty="0">
-              <a:solidFill>
-                <a:schemeClr val="bg1"/>
-              </a:solidFill>
-              <a:latin typeface="+mj-ea"/>
-              <a:ea typeface="+mj-ea"/>
-            </a:endParaRPr>
           </a:p>
           <a:p>
             <a:pPr algn="ctr"/>
@@ -9902,7 +10958,7 @@
           <p:nvPr/>
         </p:nvCxnSpPr>
         <p:spPr>
-          <a:xfrm rot="16200000" flipH="true">
+          <a:xfrm rot="16200000" flipH="1">
             <a:off x="3984005" y="1664248"/>
             <a:ext cx="1553396" cy="2920544"/>
           </a:xfrm>
@@ -9938,7 +10994,7 @@
       <p:sp>
         <p:nvSpPr>
           <p:cNvPr id="40" name="文本框 39"/>
-          <p:cNvSpPr txBox="true"/>
+          <p:cNvSpPr txBox="1"/>
           <p:nvPr/>
         </p:nvSpPr>
         <p:spPr>
@@ -9982,7 +11038,7 @@
           <p:nvPr/>
         </p:nvCxnSpPr>
         <p:spPr>
-          <a:xfrm rot="10800000" flipV="true">
+          <a:xfrm rot="10800000" flipV="1">
             <a:off x="5175639" y="1844820"/>
             <a:ext cx="1045336" cy="51953"/>
           </a:xfrm>
@@ -10024,7 +11080,7 @@
           <p:nvPr/>
         </p:nvCxnSpPr>
         <p:spPr>
-          <a:xfrm rot="10800000" flipV="true">
+          <a:xfrm rot="10800000" flipV="1">
             <a:off x="5039229" y="1844820"/>
             <a:ext cx="1181747" cy="1445151"/>
           </a:xfrm>
@@ -10063,7 +11119,7 @@
           <p:nvPr/>
         </p:nvCxnSpPr>
         <p:spPr>
-          <a:xfrm flipV="true">
+          <a:xfrm flipV="1">
             <a:off x="7565835" y="1785523"/>
             <a:ext cx="1626454" cy="59298"/>
           </a:xfrm>
@@ -10180,7 +11236,7 @@
       <p:sp>
         <p:nvSpPr>
           <p:cNvPr id="63" name="文本框 62"/>
-          <p:cNvSpPr txBox="true"/>
+          <p:cNvSpPr txBox="1"/>
           <p:nvPr/>
         </p:nvSpPr>
         <p:spPr>
@@ -10207,14 +11263,13 @@
               <a:rPr kumimoji="1" lang="zh-CN" altLang="en-US" dirty="0"/>
               <a:t>方式</a:t>
             </a:r>
-            <a:endParaRPr kumimoji="1" lang="zh-CN" altLang="en-US" dirty="0"/>
           </a:p>
         </p:txBody>
       </p:sp>
       <p:sp>
         <p:nvSpPr>
           <p:cNvPr id="64" name="文本框 63"/>
-          <p:cNvSpPr txBox="true"/>
+          <p:cNvSpPr txBox="1"/>
           <p:nvPr/>
         </p:nvSpPr>
         <p:spPr>
@@ -10241,14 +11296,13 @@
               <a:rPr kumimoji="1" lang="zh-CN" altLang="en-US" dirty="0"/>
               <a:t>方式</a:t>
             </a:r>
-            <a:endParaRPr kumimoji="1" lang="zh-CN" altLang="en-US" dirty="0"/>
           </a:p>
         </p:txBody>
       </p:sp>
       <p:sp>
         <p:nvSpPr>
           <p:cNvPr id="65" name="文本框 64"/>
-          <p:cNvSpPr txBox="true"/>
+          <p:cNvSpPr txBox="1"/>
           <p:nvPr/>
         </p:nvSpPr>
         <p:spPr>
@@ -10324,7 +11378,7 @@
       <p:sp>
         <p:nvSpPr>
           <p:cNvPr id="66" name="文本框 65"/>
-          <p:cNvSpPr txBox="true"/>
+          <p:cNvSpPr txBox="1"/>
           <p:nvPr/>
         </p:nvSpPr>
         <p:spPr>
@@ -10400,7 +11454,7 @@
       <p:sp>
         <p:nvSpPr>
           <p:cNvPr id="46" name="文本框 45"/>
-          <p:cNvSpPr txBox="true"/>
+          <p:cNvSpPr txBox="1"/>
           <p:nvPr/>
         </p:nvSpPr>
         <p:spPr>
@@ -10586,15 +11640,6 @@
               </a:rPr>
               <a:t>Service</a:t>
             </a:r>
-            <a:endParaRPr lang="en-US" altLang="zh-CN" sz="1600" i="1" dirty="0">
-              <a:solidFill>
-                <a:schemeClr val="tx1">
-                  <a:lumMod val="65000"/>
-                  <a:lumOff val="35000"/>
-                </a:schemeClr>
-              </a:solidFill>
-              <a:latin typeface="Calibri Light" panose="020F0302020204030204" pitchFamily="34" charset="0"/>
-            </a:endParaRPr>
           </a:p>
         </p:txBody>
       </p:sp>
@@ -10679,7 +11724,7 @@
           <p:nvPr/>
         </p:nvSpPr>
         <p:spPr>
-          <a:xfrm flipH="true">
+          <a:xfrm flipH="1">
             <a:off x="7865" y="2718184"/>
             <a:ext cx="9500839" cy="4136869"/>
           </a:xfrm>
@@ -10727,7 +11772,7 @@
           <p:nvPr/>
         </p:nvSpPr>
         <p:spPr>
-          <a:xfrm flipH="true">
+          <a:xfrm flipH="1">
             <a:off x="-2" y="2"/>
             <a:ext cx="9500839" cy="2710865"/>
           </a:xfrm>
@@ -10816,7 +11861,6 @@
               <a:rPr kumimoji="1" lang="en-US" altLang="zh-CN" b="1" dirty="0"/>
               <a:t>Deployment Operator</a:t>
             </a:r>
-            <a:endParaRPr kumimoji="1" lang="en-US" altLang="zh-CN" b="1" dirty="0"/>
           </a:p>
           <a:p>
             <a:pPr algn="ctr"/>
@@ -10824,7 +11868,6 @@
               <a:rPr kumimoji="1" lang="en-US" altLang="zh-CN" sz="1200" b="1" dirty="0"/>
               <a:t>(Kubernetes CRD)</a:t>
             </a:r>
-            <a:endParaRPr kumimoji="1" lang="en-US" altLang="zh-CN" sz="1200" b="1" dirty="0"/>
           </a:p>
         </p:txBody>
       </p:sp>
@@ -10835,7 +11878,7 @@
           <p:nvPr/>
         </p:nvCxnSpPr>
         <p:spPr>
-          <a:xfrm flipV="true">
+          <a:xfrm flipV="1">
             <a:off x="-13170" y="2716713"/>
             <a:ext cx="9500839" cy="1471"/>
           </a:xfrm>
@@ -10864,7 +11907,7 @@
       <p:sp>
         <p:nvSpPr>
           <p:cNvPr id="18" name="文本框 250"/>
-          <p:cNvSpPr txBox="true"/>
+          <p:cNvSpPr txBox="1"/>
           <p:nvPr/>
         </p:nvSpPr>
         <p:spPr>
@@ -10903,7 +11946,7 @@
       <p:sp>
         <p:nvSpPr>
           <p:cNvPr id="19" name="文本框 250"/>
-          <p:cNvSpPr txBox="true"/>
+          <p:cNvSpPr txBox="1"/>
           <p:nvPr/>
         </p:nvSpPr>
         <p:spPr>
@@ -10948,7 +11991,7 @@
           <p:nvPr/>
         </p:nvCxnSpPr>
         <p:spPr>
-          <a:xfrm flipV="true">
+          <a:xfrm flipV="1">
             <a:off x="3876254" y="4726173"/>
             <a:ext cx="0" cy="600994"/>
           </a:xfrm>
@@ -10981,7 +12024,7 @@
       <p:sp>
         <p:nvSpPr>
           <p:cNvPr id="26" name="文本框 194"/>
-          <p:cNvSpPr txBox="true"/>
+          <p:cNvSpPr txBox="1"/>
           <p:nvPr/>
         </p:nvSpPr>
         <p:spPr>
@@ -11276,7 +12319,7 @@
             <p:nvPr/>
           </p:nvCxnSpPr>
           <p:spPr>
-            <a:xfrm flipH="true">
+            <a:xfrm flipH="1">
               <a:off x="4432491" y="4245893"/>
               <a:ext cx="176778" cy="0"/>
             </a:xfrm>
@@ -11306,7 +12349,7 @@
         <p:sp>
           <p:nvSpPr>
             <p:cNvPr id="29" name="文本框 169"/>
-            <p:cNvSpPr txBox="true"/>
+            <p:cNvSpPr txBox="1"/>
             <p:nvPr/>
           </p:nvSpPr>
           <p:spPr>
@@ -11398,7 +12441,6 @@
               <a:rPr kumimoji="1" lang="en-US" altLang="zh-CN" b="1" dirty="0"/>
               <a:t>Monitor</a:t>
             </a:r>
-            <a:endParaRPr kumimoji="1" lang="en-US" altLang="zh-CN" b="1" dirty="0"/>
           </a:p>
           <a:p>
             <a:pPr algn="ctr"/>
@@ -11490,7 +12532,7 @@
           <p:nvPr/>
         </p:nvCxnSpPr>
         <p:spPr>
-          <a:xfrm flipV="true">
+          <a:xfrm flipV="1">
             <a:off x="4066407" y="4408991"/>
             <a:ext cx="2479792" cy="1"/>
           </a:xfrm>
@@ -11526,7 +12568,7 @@
           <p:nvPr/>
         </p:nvCxnSpPr>
         <p:spPr>
-          <a:xfrm flipV="true">
+          <a:xfrm flipV="1">
             <a:off x="8379759" y="4022195"/>
             <a:ext cx="1665987" cy="492927"/>
           </a:xfrm>
@@ -11575,7 +12617,7 @@
         <p:sp>
           <p:nvSpPr>
             <p:cNvPr id="36" name="文本框 169"/>
-            <p:cNvSpPr txBox="true"/>
+            <p:cNvSpPr txBox="1"/>
             <p:nvPr/>
           </p:nvSpPr>
           <p:spPr>
@@ -11870,7 +12912,7 @@
             <p:nvPr/>
           </p:nvCxnSpPr>
           <p:spPr>
-            <a:xfrm flipH="true">
+            <a:xfrm flipH="1">
               <a:off x="6727663" y="4252610"/>
               <a:ext cx="176778" cy="0"/>
             </a:xfrm>
@@ -11905,7 +12947,7 @@
           <p:nvPr/>
         </p:nvCxnSpPr>
         <p:spPr>
-          <a:xfrm flipV="true">
+          <a:xfrm flipV="1">
             <a:off x="2862337" y="4726173"/>
             <a:ext cx="0" cy="600993"/>
           </a:xfrm>
@@ -11942,7 +12984,7 @@
           <p:nvPr/>
         </p:nvCxnSpPr>
         <p:spPr>
-          <a:xfrm flipV="true">
+          <a:xfrm flipV="1">
             <a:off x="7689772" y="4712284"/>
             <a:ext cx="0" cy="600993"/>
           </a:xfrm>
@@ -11979,7 +13021,7 @@
           <p:nvPr/>
         </p:nvCxnSpPr>
         <p:spPr>
-          <a:xfrm flipV="true">
+          <a:xfrm flipV="1">
             <a:off x="6681621" y="4712283"/>
             <a:ext cx="0" cy="600993"/>
           </a:xfrm>
@@ -12012,7 +13054,7 @@
       <p:sp>
         <p:nvSpPr>
           <p:cNvPr id="72" name="文本框 194"/>
-          <p:cNvSpPr txBox="true"/>
+          <p:cNvSpPr txBox="1"/>
           <p:nvPr/>
         </p:nvSpPr>
         <p:spPr>
@@ -12056,7 +13098,7 @@
           <p:nvPr/>
         </p:nvCxnSpPr>
         <p:spPr>
-          <a:xfrm flipH="true" flipV="true">
+          <a:xfrm flipH="1" flipV="1">
             <a:off x="4038307" y="4013476"/>
             <a:ext cx="2507892" cy="3810"/>
           </a:xfrm>
@@ -12179,12 +13221,6 @@
                 </a:rPr>
                 <a:t>Master</a:t>
               </a:r>
-              <a:endParaRPr lang="en-US" altLang="zh-CN" sz="2000" b="1" dirty="0">
-                <a:solidFill>
-                  <a:schemeClr val="bg1"/>
-                </a:solidFill>
-                <a:latin typeface="+mj-lt"/>
-              </a:endParaRPr>
             </a:p>
           </p:txBody>
         </p:sp>
@@ -12248,11 +13284,6 @@
                 </a:rPr>
                 <a:t>Discovery</a:t>
               </a:r>
-              <a:endParaRPr kumimoji="1" lang="en-US" altLang="zh-CN" sz="1200" b="1" dirty="0">
-                <a:solidFill>
-                  <a:schemeClr val="bg1"/>
-                </a:solidFill>
-              </a:endParaRPr>
             </a:p>
             <a:p>
               <a:pPr algn="ctr"/>
@@ -12324,11 +13355,6 @@
                 </a:rPr>
                 <a:t>Control</a:t>
               </a:r>
-              <a:endParaRPr kumimoji="1" lang="en-US" altLang="zh-CN" sz="1200" b="1" dirty="0">
-                <a:solidFill>
-                  <a:schemeClr val="bg1"/>
-                </a:solidFill>
-              </a:endParaRPr>
             </a:p>
             <a:p>
               <a:pPr algn="ctr"/>
@@ -12504,11 +13530,6 @@
                 </a:rPr>
                 <a:t>Control</a:t>
               </a:r>
-              <a:endParaRPr kumimoji="1" lang="en-US" altLang="zh-CN" sz="1200" b="1" dirty="0">
-                <a:solidFill>
-                  <a:schemeClr val="bg1"/>
-                </a:solidFill>
-              </a:endParaRPr>
             </a:p>
             <a:p>
               <a:pPr algn="ctr"/>
@@ -12595,7 +13616,7 @@
           <p:nvPr/>
         </p:nvCxnSpPr>
         <p:spPr>
-          <a:xfrm rot="10800000" flipV="true">
+          <a:xfrm rot="10800000" flipV="1">
             <a:off x="3876255" y="3238785"/>
             <a:ext cx="648827" cy="464280"/>
           </a:xfrm>
@@ -12666,7 +13687,7 @@
           <p:nvPr/>
         </p:nvCxnSpPr>
         <p:spPr>
-          <a:xfrm flipH="true">
+          <a:xfrm flipH="1">
             <a:off x="6867481" y="2157488"/>
             <a:ext cx="124959" cy="1545174"/>
           </a:xfrm>
@@ -12750,7 +13771,7 @@
           <p:nvPr/>
         </p:nvCxnSpPr>
         <p:spPr>
-          <a:xfrm flipH="true" flipV="true">
+          <a:xfrm flipH="1" flipV="1">
             <a:off x="3053439" y="2143931"/>
             <a:ext cx="675592" cy="1558731"/>
           </a:xfrm>
@@ -12790,7 +13811,7 @@
           <p:nvPr/>
         </p:nvCxnSpPr>
         <p:spPr>
-          <a:xfrm flipH="true" flipV="true">
+          <a:xfrm flipH="1" flipV="1">
             <a:off x="3391235" y="2167809"/>
             <a:ext cx="3110010" cy="1625462"/>
           </a:xfrm>
@@ -12871,7 +13892,6 @@
               <a:rPr kumimoji="1" lang="en-US" altLang="zh-CN" b="1" dirty="0"/>
               <a:t>Ingress</a:t>
             </a:r>
-            <a:endParaRPr kumimoji="1" lang="en-US" altLang="zh-CN" b="1" dirty="0"/>
           </a:p>
           <a:p>
             <a:pPr algn="ctr"/>
@@ -12879,7 +13899,6 @@
               <a:rPr kumimoji="1" lang="en-US" altLang="zh-CN" sz="1200" b="1" dirty="0"/>
               <a:t>(Easegress)</a:t>
             </a:r>
-            <a:endParaRPr kumimoji="1" lang="en-US" altLang="zh-CN" sz="1200" b="1" dirty="0"/>
           </a:p>
         </p:txBody>
       </p:sp>
@@ -12893,7 +13912,7 @@
           <p:nvPr/>
         </p:nvCxnSpPr>
         <p:spPr>
-          <a:xfrm rot="5400000" flipH="true" flipV="true">
+          <a:xfrm rot="5400000" flipH="1" flipV="1">
             <a:off x="8681145" y="2490203"/>
             <a:ext cx="282958" cy="4188979"/>
           </a:xfrm>
@@ -12930,7 +13949,7 @@
       <p:sp>
         <p:nvSpPr>
           <p:cNvPr id="132" name="文本框 192"/>
-          <p:cNvSpPr txBox="true"/>
+          <p:cNvSpPr txBox="1"/>
           <p:nvPr/>
         </p:nvSpPr>
         <p:spPr>
@@ -13072,7 +14091,7 @@
       <p:sp>
         <p:nvSpPr>
           <p:cNvPr id="133" name="文本框 192"/>
-          <p:cNvSpPr txBox="true"/>
+          <p:cNvSpPr txBox="1"/>
           <p:nvPr/>
         </p:nvSpPr>
         <p:spPr>
@@ -13259,7 +14278,6 @@
               <a:rPr kumimoji="1" lang="en-US" altLang="zh-CN" b="1" dirty="0"/>
               <a:t>Governance</a:t>
             </a:r>
-            <a:endParaRPr kumimoji="1" lang="en-US" altLang="zh-CN" b="1" dirty="0"/>
           </a:p>
         </p:txBody>
       </p:sp>
@@ -13273,7 +14291,7 @@
           <p:nvPr/>
         </p:nvCxnSpPr>
         <p:spPr>
-          <a:xfrm flipH="true">
+          <a:xfrm flipH="1">
             <a:off x="8500611" y="1736469"/>
             <a:ext cx="1545135" cy="20310"/>
           </a:xfrm>
@@ -13346,7 +14364,6 @@
               <a:rPr kumimoji="1" lang="en-US" altLang="zh-CN" b="1" dirty="0"/>
               <a:t>Operation</a:t>
             </a:r>
-            <a:endParaRPr kumimoji="1" lang="en-US" altLang="zh-CN" b="1" dirty="0"/>
           </a:p>
         </p:txBody>
       </p:sp>
@@ -13360,7 +14377,7 @@
           <p:nvPr/>
         </p:nvCxnSpPr>
         <p:spPr>
-          <a:xfrm flipH="true" flipV="true">
+          <a:xfrm flipH="1" flipV="1">
             <a:off x="8500610" y="5698822"/>
             <a:ext cx="1574316" cy="4"/>
           </a:xfrm>
@@ -13459,7 +14476,7 @@
       <p:sp>
         <p:nvSpPr>
           <p:cNvPr id="58" name="文本框 57"/>
-          <p:cNvSpPr txBox="true"/>
+          <p:cNvSpPr txBox="1"/>
           <p:nvPr/>
         </p:nvSpPr>
         <p:spPr>
@@ -13653,13 +14670,13 @@
       <p:sp>
         <p:nvSpPr>
           <p:cNvPr id="2" name="文本框 1"/>
-          <p:cNvSpPr txBox="true"/>
+          <p:cNvSpPr txBox="1"/>
           <p:nvPr/>
         </p:nvSpPr>
         <p:spPr>
           <a:xfrm>
             <a:off x="803250" y="247026"/>
-            <a:ext cx="4810741" cy="461665"/>
+            <a:ext cx="5580182" cy="461665"/>
           </a:xfrm>
           <a:prstGeom prst="rect">
             <a:avLst/>
@@ -13731,6 +14748,30 @@
                 <a:latin typeface="+mj-lt"/>
               </a:rPr>
               <a:t>Architecture</a:t>
+            </a:r>
+            <a:r>
+              <a:rPr kumimoji="1" lang="zh-CN" altLang="en-US" sz="2400" b="1" dirty="0">
+                <a:solidFill>
+                  <a:schemeClr val="tx1">
+                    <a:lumMod val="65000"/>
+                    <a:lumOff val="35000"/>
+                  </a:schemeClr>
+                </a:solidFill>
+                <a:latin typeface="+mj-lt"/>
+              </a:rPr>
+              <a:t>  </a:t>
+            </a:r>
+            <a:r>
+              <a:rPr kumimoji="1" lang="en-US" altLang="zh-CN" sz="2400" b="1" dirty="0">
+                <a:solidFill>
+                  <a:schemeClr val="tx1">
+                    <a:lumMod val="65000"/>
+                    <a:lumOff val="35000"/>
+                  </a:schemeClr>
+                </a:solidFill>
+                <a:latin typeface="+mj-lt"/>
+              </a:rPr>
+              <a:t>v1.0</a:t>
             </a:r>
             <a:endParaRPr kumimoji="1" lang="zh-CN" altLang="en-US" sz="2400" b="1" dirty="0">
               <a:solidFill>
@@ -13860,19 +14901,13 @@
               </a:rPr>
               <a:t>Validator</a:t>
             </a:r>
-            <a:endParaRPr kumimoji="1" lang="en-US" altLang="zh-CN" sz="1000" b="1" dirty="0">
-              <a:solidFill>
-                <a:schemeClr val="bg1"/>
-              </a:solidFill>
-              <a:latin typeface="+mj-lt"/>
-            </a:endParaRPr>
           </a:p>
         </p:txBody>
       </p:sp>
       <p:sp>
         <p:nvSpPr>
           <p:cNvPr id="8" name="文本框 7"/>
-          <p:cNvSpPr txBox="true"/>
+          <p:cNvSpPr txBox="1"/>
           <p:nvPr/>
         </p:nvSpPr>
         <p:spPr>
@@ -13943,7 +14978,7 @@
       <p:sp>
         <p:nvSpPr>
           <p:cNvPr id="11" name="文本框 10"/>
-          <p:cNvSpPr txBox="true"/>
+          <p:cNvSpPr txBox="1"/>
           <p:nvPr/>
         </p:nvSpPr>
         <p:spPr>
@@ -14057,12 +15092,6 @@
               </a:rPr>
               <a:t>TimeLimiter</a:t>
             </a:r>
-            <a:endParaRPr kumimoji="1" lang="en-US" altLang="zh-CN" sz="1000" b="1" dirty="0">
-              <a:solidFill>
-                <a:schemeClr val="bg1"/>
-              </a:solidFill>
-              <a:latin typeface="+mj-lt"/>
-            </a:endParaRPr>
           </a:p>
         </p:txBody>
       </p:sp>
@@ -14148,12 +15177,6 @@
               </a:rPr>
               <a:t>HMAC</a:t>
             </a:r>
-            <a:endParaRPr kumimoji="1" lang="en-US" altLang="zh-CN" sz="900" b="1" dirty="0">
-              <a:solidFill>
-                <a:schemeClr val="bg1"/>
-              </a:solidFill>
-              <a:latin typeface="+mj-lt"/>
-            </a:endParaRPr>
           </a:p>
         </p:txBody>
       </p:sp>
@@ -14203,12 +15226,6 @@
               </a:rPr>
               <a:t>RateLimiter</a:t>
             </a:r>
-            <a:endParaRPr kumimoji="1" lang="en-US" altLang="zh-CN" sz="1000" b="1" dirty="0">
-              <a:solidFill>
-                <a:schemeClr val="bg1"/>
-              </a:solidFill>
-              <a:latin typeface="+mj-lt"/>
-            </a:endParaRPr>
           </a:p>
         </p:txBody>
       </p:sp>
@@ -14258,12 +15275,6 @@
               </a:rPr>
               <a:t>CircuitBreaker</a:t>
             </a:r>
-            <a:endParaRPr kumimoji="1" lang="en-US" altLang="zh-CN" sz="1000" b="1" dirty="0">
-              <a:solidFill>
-                <a:schemeClr val="bg1"/>
-              </a:solidFill>
-              <a:latin typeface="+mj-lt"/>
-            </a:endParaRPr>
           </a:p>
         </p:txBody>
       </p:sp>
@@ -14313,12 +15324,6 @@
               </a:rPr>
               <a:t>CORSAdaptor</a:t>
             </a:r>
-            <a:endParaRPr kumimoji="1" lang="en-US" altLang="zh-CN" sz="1000" b="1" dirty="0">
-              <a:solidFill>
-                <a:schemeClr val="bg1"/>
-              </a:solidFill>
-              <a:latin typeface="+mj-lt"/>
-            </a:endParaRPr>
           </a:p>
         </p:txBody>
       </p:sp>
@@ -14368,12 +15373,6 @@
               </a:rPr>
               <a:t>Retryer</a:t>
             </a:r>
-            <a:endParaRPr kumimoji="1" lang="en-US" altLang="zh-CN" sz="1000" b="1" dirty="0">
-              <a:solidFill>
-                <a:schemeClr val="bg1"/>
-              </a:solidFill>
-              <a:latin typeface="+mj-lt"/>
-            </a:endParaRPr>
           </a:p>
         </p:txBody>
       </p:sp>
@@ -14423,12 +15422,6 @@
               </a:rPr>
               <a:t>Proxy</a:t>
             </a:r>
-            <a:endParaRPr kumimoji="1" lang="en-US" altLang="zh-CN" sz="1000" b="1" dirty="0">
-              <a:solidFill>
-                <a:schemeClr val="bg1"/>
-              </a:solidFill>
-              <a:latin typeface="+mj-lt"/>
-            </a:endParaRPr>
           </a:p>
         </p:txBody>
       </p:sp>
@@ -14478,12 +15471,6 @@
               </a:rPr>
               <a:t>APIAggregator</a:t>
             </a:r>
-            <a:endParaRPr kumimoji="1" lang="en-US" altLang="zh-CN" sz="1000" b="1" dirty="0">
-              <a:solidFill>
-                <a:schemeClr val="bg1"/>
-              </a:solidFill>
-              <a:latin typeface="+mj-lt"/>
-            </a:endParaRPr>
           </a:p>
         </p:txBody>
       </p:sp>
@@ -14541,19 +15528,6 @@
               </a:rPr>
               <a:t>Cluster</a:t>
             </a:r>
-            <a:endParaRPr kumimoji="1" lang="en-US" altLang="zh-CN" sz="2000" b="1" dirty="0">
-              <a:ln w="0"/>
-              <a:solidFill>
-                <a:schemeClr val="bg1"/>
-              </a:solidFill>
-              <a:effectLst>
-                <a:outerShdw blurRad="38100" dist="19050" dir="2700000" algn="tl" rotWithShape="0">
-                  <a:schemeClr val="dk1">
-                    <a:alpha val="40000"/>
-                  </a:schemeClr>
-                </a:outerShdw>
-              </a:effectLst>
-            </a:endParaRPr>
           </a:p>
           <a:p>
             <a:pPr algn="ctr"/>
@@ -14679,7 +15653,6 @@
                 <a:rPr kumimoji="1" lang="en-US" altLang="zh-CN" sz="1600" b="1" dirty="0"/>
                 <a:t>Controller</a:t>
               </a:r>
-              <a:endParaRPr kumimoji="1" lang="en-US" altLang="zh-CN" sz="1600" b="1" dirty="0"/>
             </a:p>
             <a:p>
               <a:pPr algn="ctr"/>
@@ -14687,7 +15660,6 @@
                 <a:rPr kumimoji="1" lang="en-US" altLang="zh-CN" sz="1200" dirty="0"/>
                 <a:t>(Business)</a:t>
               </a:r>
-              <a:endParaRPr kumimoji="1" lang="en-US" altLang="zh-CN" sz="1200" dirty="0"/>
             </a:p>
           </p:txBody>
         </p:sp>
@@ -14734,12 +15706,6 @@
                 </a:rPr>
                 <a:t>FaaS</a:t>
               </a:r>
-              <a:endParaRPr kumimoji="1" lang="en-US" altLang="zh-CN" sz="1000" b="1" dirty="0">
-                <a:solidFill>
-                  <a:schemeClr val="bg1"/>
-                </a:solidFill>
-                <a:latin typeface="+mj-lt"/>
-              </a:endParaRPr>
             </a:p>
             <a:p>
               <a:pPr algn="ctr"/>
@@ -14752,12 +15718,6 @@
                 </a:rPr>
                 <a:t>Controller</a:t>
               </a:r>
-              <a:endParaRPr kumimoji="1" lang="en-US" altLang="zh-CN" sz="1000" b="1" dirty="0">
-                <a:solidFill>
-                  <a:schemeClr val="bg1"/>
-                </a:solidFill>
-                <a:latin typeface="+mj-lt"/>
-              </a:endParaRPr>
             </a:p>
           </p:txBody>
         </p:sp>
@@ -14804,12 +15764,6 @@
                 </a:rPr>
                 <a:t>Mesh</a:t>
               </a:r>
-              <a:endParaRPr kumimoji="1" lang="en-US" altLang="zh-CN" sz="1000" b="1" dirty="0">
-                <a:solidFill>
-                  <a:schemeClr val="bg1"/>
-                </a:solidFill>
-                <a:latin typeface="+mj-lt"/>
-              </a:endParaRPr>
             </a:p>
             <a:p>
               <a:pPr algn="ctr"/>
@@ -14822,12 +15776,6 @@
                 </a:rPr>
                 <a:t>Controller</a:t>
               </a:r>
-              <a:endParaRPr kumimoji="1" lang="en-US" altLang="zh-CN" sz="1000" b="1" dirty="0">
-                <a:solidFill>
-                  <a:schemeClr val="bg1"/>
-                </a:solidFill>
-                <a:latin typeface="+mj-lt"/>
-              </a:endParaRPr>
             </a:p>
           </p:txBody>
         </p:sp>
@@ -14892,12 +15840,6 @@
                 </a:rPr>
                 <a:t>Discovery</a:t>
               </a:r>
-              <a:endParaRPr kumimoji="1" lang="en-US" altLang="zh-CN" sz="1000" b="1" dirty="0">
-                <a:solidFill>
-                  <a:schemeClr val="bg1"/>
-                </a:solidFill>
-                <a:latin typeface="+mj-lt"/>
-              </a:endParaRPr>
             </a:p>
           </p:txBody>
         </p:sp>
@@ -14944,12 +15886,6 @@
                 </a:rPr>
                 <a:t>Monitor</a:t>
               </a:r>
-              <a:endParaRPr kumimoji="1" lang="en-US" altLang="zh-CN" sz="1000" b="1" dirty="0">
-                <a:solidFill>
-                  <a:schemeClr val="bg1"/>
-                </a:solidFill>
-                <a:latin typeface="+mj-lt"/>
-              </a:endParaRPr>
             </a:p>
             <a:p>
               <a:pPr algn="ctr"/>
@@ -14962,12 +15898,6 @@
                 </a:rPr>
                 <a:t>Controller</a:t>
               </a:r>
-              <a:endParaRPr kumimoji="1" lang="en-US" altLang="zh-CN" sz="1000" b="1" dirty="0">
-                <a:solidFill>
-                  <a:schemeClr val="bg1"/>
-                </a:solidFill>
-                <a:latin typeface="+mj-lt"/>
-              </a:endParaRPr>
             </a:p>
           </p:txBody>
         </p:sp>
@@ -15028,7 +15958,6 @@
                 <a:rPr kumimoji="1" lang="en-US" altLang="zh-CN" sz="1600" b="1" dirty="0"/>
                 <a:t>Controller</a:t>
               </a:r>
-              <a:endParaRPr kumimoji="1" lang="en-US" altLang="zh-CN" sz="1600" b="1" dirty="0"/>
             </a:p>
             <a:p>
               <a:pPr algn="ctr"/>
@@ -15036,7 +15965,6 @@
                 <a:rPr kumimoji="1" lang="en-US" altLang="zh-CN" sz="1200" dirty="0"/>
                 <a:t>(System)</a:t>
               </a:r>
-              <a:endParaRPr kumimoji="1" lang="en-US" altLang="zh-CN" sz="1200" dirty="0"/>
             </a:p>
           </p:txBody>
         </p:sp>
@@ -15101,12 +16029,6 @@
                 </a:rPr>
                 <a:t>Sync</a:t>
               </a:r>
-              <a:endParaRPr kumimoji="1" lang="en-US" altLang="zh-CN" sz="1000" b="1" dirty="0">
-                <a:solidFill>
-                  <a:schemeClr val="bg1"/>
-                </a:solidFill>
-                <a:latin typeface="+mj-lt"/>
-              </a:endParaRPr>
             </a:p>
           </p:txBody>
         </p:sp>
@@ -15172,12 +16094,6 @@
               </a:rPr>
               <a:t>1/2/3</a:t>
             </a:r>
-            <a:endParaRPr kumimoji="1" lang="en-US" altLang="zh-CN" sz="1200" b="1" dirty="0">
-              <a:solidFill>
-                <a:schemeClr val="bg1"/>
-              </a:solidFill>
-              <a:latin typeface="+mj-lt"/>
-            </a:endParaRPr>
           </a:p>
         </p:txBody>
       </p:sp>
@@ -15224,12 +16140,6 @@
               </a:rPr>
               <a:t>MQTT</a:t>
             </a:r>
-            <a:endParaRPr kumimoji="1" lang="en-US" altLang="zh-CN" sz="1200" b="1" dirty="0">
-              <a:solidFill>
-                <a:schemeClr val="bg1"/>
-              </a:solidFill>
-              <a:latin typeface="+mj-lt"/>
-            </a:endParaRPr>
           </a:p>
         </p:txBody>
       </p:sp>
@@ -15276,12 +16186,6 @@
               </a:rPr>
               <a:t>WebSocket</a:t>
             </a:r>
-            <a:endParaRPr kumimoji="1" lang="en-US" altLang="zh-CN" sz="1200" b="1" dirty="0">
-              <a:solidFill>
-                <a:schemeClr val="bg1"/>
-              </a:solidFill>
-              <a:latin typeface="+mj-lt"/>
-            </a:endParaRPr>
           </a:p>
         </p:txBody>
       </p:sp>
@@ -15303,16 +16207,16 @@
           <p:nvPicPr>
             <p:cNvPr id="45" name="图片 44"/>
             <p:cNvPicPr>
-              <a:picLocks noChangeAspect="true"/>
+              <a:picLocks noChangeAspect="1"/>
             </p:cNvPicPr>
             <p:nvPr/>
           </p:nvPicPr>
           <p:blipFill>
-            <a:blip r:embed="rId1">
+            <a:blip r:embed="rId2">
               <a:extLst>
                 <a:ext uri="{BEBA8EAE-BF5A-486C-A8C5-ECC9F3942E4B}">
                   <a14:imgProps xmlns:a14="http://schemas.microsoft.com/office/drawing/2010/main">
-                    <a14:imgLayer r:embed="rId2">
+                    <a14:imgLayer r:embed="rId3">
                       <a14:imgEffect>
                         <a14:backgroundRemoval t="10000" b="90000" l="10000" r="90000">
                           <a14:foregroundMark x1="35556" y1="52000" x2="35556" y2="52000"/>
@@ -15381,7 +16285,7 @@
         <p:sp>
           <p:nvSpPr>
             <p:cNvPr id="52" name="文本框 51"/>
-            <p:cNvSpPr txBox="true"/>
+            <p:cNvSpPr txBox="1"/>
             <p:nvPr/>
           </p:nvSpPr>
           <p:spPr>
@@ -15443,12 +16347,12 @@
           <p:nvPicPr>
             <p:cNvPr id="47" name="图片 46"/>
             <p:cNvPicPr>
-              <a:picLocks noChangeAspect="true"/>
+              <a:picLocks noChangeAspect="1"/>
             </p:cNvPicPr>
             <p:nvPr/>
           </p:nvPicPr>
           <p:blipFill>
-            <a:blip r:embed="rId3"/>
+            <a:blip r:embed="rId4"/>
             <a:stretch>
               <a:fillRect/>
             </a:stretch>
@@ -15506,7 +16410,7 @@
         <p:sp>
           <p:nvSpPr>
             <p:cNvPr id="53" name="文本框 52"/>
-            <p:cNvSpPr txBox="true"/>
+            <p:cNvSpPr txBox="1"/>
             <p:nvPr/>
           </p:nvSpPr>
           <p:spPr>
@@ -15577,7 +16481,7 @@
       <p:sp>
         <p:nvSpPr>
           <p:cNvPr id="54" name="文本框 53"/>
-          <p:cNvSpPr txBox="true"/>
+          <p:cNvSpPr txBox="1"/>
           <p:nvPr/>
         </p:nvSpPr>
         <p:spPr>
@@ -15623,15 +16527,6 @@
               </a:rPr>
               <a:t>Administration</a:t>
             </a:r>
-            <a:endParaRPr kumimoji="1" lang="en-US" altLang="zh-CN" sz="1400" b="1" dirty="0">
-              <a:solidFill>
-                <a:schemeClr val="tx1">
-                  <a:lumMod val="75000"/>
-                  <a:lumOff val="25000"/>
-                </a:schemeClr>
-              </a:solidFill>
-              <a:latin typeface="+mj-lt"/>
-            </a:endParaRPr>
           </a:p>
           <a:p>
             <a:pPr algn="ctr"/>
@@ -15647,15 +16542,6 @@
               </a:rPr>
               <a:t>Monitoring</a:t>
             </a:r>
-            <a:endParaRPr kumimoji="1" lang="en-US" altLang="zh-CN" sz="1400" b="1" dirty="0">
-              <a:solidFill>
-                <a:schemeClr val="tx1">
-                  <a:lumMod val="75000"/>
-                  <a:lumOff val="25000"/>
-                </a:schemeClr>
-              </a:solidFill>
-              <a:latin typeface="+mj-lt"/>
-            </a:endParaRPr>
           </a:p>
           <a:p>
             <a:pPr algn="ctr"/>
@@ -15853,7 +16739,7 @@
         <p:sp>
           <p:nvSpPr>
             <p:cNvPr id="59" name="文本框 58"/>
-            <p:cNvSpPr txBox="true"/>
+            <p:cNvSpPr txBox="1"/>
             <p:nvPr/>
           </p:nvSpPr>
           <p:spPr>
@@ -16015,7 +16901,7 @@
             <p:nvPr/>
           </p:nvCxnSpPr>
           <p:spPr>
-            <a:xfrm flipV="true">
+            <a:xfrm flipV="1">
               <a:off x="7779138" y="2574277"/>
               <a:ext cx="0" cy="288000"/>
             </a:xfrm>
@@ -16052,7 +16938,7 @@
             <p:nvPr/>
           </p:nvCxnSpPr>
           <p:spPr>
-            <a:xfrm flipV="true">
+            <a:xfrm flipV="1">
               <a:off x="8669674" y="2574277"/>
               <a:ext cx="0" cy="288000"/>
             </a:xfrm>
@@ -16089,7 +16975,7 @@
             <p:nvPr/>
           </p:nvCxnSpPr>
           <p:spPr>
-            <a:xfrm flipV="true">
+            <a:xfrm flipV="1">
               <a:off x="9560210" y="2574277"/>
               <a:ext cx="0" cy="288000"/>
             </a:xfrm>
@@ -16126,7 +17012,7 @@
             <p:nvPr/>
           </p:nvCxnSpPr>
           <p:spPr>
-            <a:xfrm flipV="true">
+            <a:xfrm flipV="1">
               <a:off x="10450745" y="2574277"/>
               <a:ext cx="0" cy="288000"/>
             </a:xfrm>
@@ -16159,7 +17045,7 @@
         <p:sp>
           <p:nvSpPr>
             <p:cNvPr id="79" name="文本框 78"/>
-            <p:cNvSpPr txBox="true"/>
+            <p:cNvSpPr txBox="1"/>
             <p:nvPr/>
           </p:nvSpPr>
           <p:spPr>
@@ -16229,7 +17115,7 @@
         <p:sp>
           <p:nvSpPr>
             <p:cNvPr id="80" name="文本框 79"/>
-            <p:cNvSpPr txBox="true"/>
+            <p:cNvSpPr txBox="1"/>
             <p:nvPr/>
           </p:nvSpPr>
           <p:spPr>
@@ -16314,7 +17200,7 @@
         <p:sp>
           <p:nvSpPr>
             <p:cNvPr id="85" name="文本框 84"/>
-            <p:cNvSpPr txBox="true"/>
+            <p:cNvSpPr txBox="1"/>
             <p:nvPr/>
           </p:nvSpPr>
           <p:spPr>
@@ -16421,7 +17307,7 @@
         <p:sp>
           <p:nvSpPr>
             <p:cNvPr id="91" name="文本框 90"/>
-            <p:cNvSpPr txBox="true"/>
+            <p:cNvSpPr txBox="1"/>
             <p:nvPr/>
           </p:nvSpPr>
           <p:spPr>
@@ -16544,7 +17430,7 @@
         <p:sp>
           <p:nvSpPr>
             <p:cNvPr id="95" name="文本框 94"/>
-            <p:cNvSpPr txBox="true"/>
+            <p:cNvSpPr txBox="1"/>
             <p:nvPr/>
           </p:nvSpPr>
           <p:spPr>
@@ -16666,7 +17552,7 @@
         <p:sp>
           <p:nvSpPr>
             <p:cNvPr id="99" name="文本框 98"/>
-            <p:cNvSpPr txBox="true"/>
+            <p:cNvSpPr txBox="1"/>
             <p:nvPr/>
           </p:nvSpPr>
           <p:spPr>
@@ -16789,7 +17675,7 @@
         <p:sp>
           <p:nvSpPr>
             <p:cNvPr id="24" name="文本框 23"/>
-            <p:cNvSpPr txBox="true"/>
+            <p:cNvSpPr txBox="1"/>
             <p:nvPr/>
           </p:nvSpPr>
           <p:spPr>
@@ -16941,6 +17827,4149 @@
 </file>
 
 <file path=ppt/slides/slide5.xml><?xml version="1.0" encoding="utf-8"?>
+<p:sld xmlns:a="http://schemas.openxmlformats.org/drawingml/2006/main" xmlns:r="http://schemas.openxmlformats.org/officeDocument/2006/relationships" xmlns:p="http://schemas.openxmlformats.org/presentationml/2006/main">
+  <p:cSld>
+    <p:spTree>
+      <p:nvGrpSpPr>
+        <p:cNvPr id="1" name=""/>
+        <p:cNvGrpSpPr/>
+        <p:nvPr/>
+      </p:nvGrpSpPr>
+      <p:grpSpPr>
+        <a:xfrm>
+          <a:off x="0" y="0"/>
+          <a:ext cx="0" cy="0"/>
+          <a:chOff x="0" y="0"/>
+          <a:chExt cx="0" cy="0"/>
+        </a:xfrm>
+      </p:grpSpPr>
+      <p:sp>
+        <p:nvSpPr>
+          <p:cNvPr id="2" name="文本框 1">
+            <a:extLst>
+              <a:ext uri="{FF2B5EF4-FFF2-40B4-BE49-F238E27FC236}">
+                <a16:creationId xmlns:a16="http://schemas.microsoft.com/office/drawing/2014/main" id="{BEDFA2C6-E5B1-AD48-A96C-4D0BEA8D03C4}"/>
+              </a:ext>
+            </a:extLst>
+          </p:cNvPr>
+          <p:cNvSpPr txBox="1"/>
+          <p:nvPr/>
+        </p:nvSpPr>
+        <p:spPr>
+          <a:xfrm>
+            <a:off x="244563" y="134084"/>
+            <a:ext cx="4299382" cy="461665"/>
+          </a:xfrm>
+          <a:prstGeom prst="rect">
+            <a:avLst/>
+          </a:prstGeom>
+          <a:noFill/>
+        </p:spPr>
+        <p:txBody>
+          <a:bodyPr wrap="none" rtlCol="0">
+            <a:spAutoFit/>
+          </a:bodyPr>
+          <a:lstStyle/>
+          <a:p>
+            <a:r>
+              <a:rPr kumimoji="1" lang="en-US" altLang="zh-CN" sz="2400" b="1" dirty="0" err="1">
+                <a:solidFill>
+                  <a:schemeClr val="tx1">
+                    <a:lumMod val="65000"/>
+                    <a:lumOff val="35000"/>
+                  </a:schemeClr>
+                </a:solidFill>
+                <a:latin typeface="+mj-lt"/>
+              </a:rPr>
+              <a:t>Easegress</a:t>
+            </a:r>
+            <a:r>
+              <a:rPr kumimoji="1" lang="zh-CN" altLang="en-US" sz="2400" b="1" dirty="0">
+                <a:solidFill>
+                  <a:schemeClr val="tx1">
+                    <a:lumMod val="65000"/>
+                    <a:lumOff val="35000"/>
+                  </a:schemeClr>
+                </a:solidFill>
+                <a:latin typeface="+mj-lt"/>
+              </a:rPr>
+              <a:t> </a:t>
+            </a:r>
+            <a:r>
+              <a:rPr kumimoji="1" lang="en-US" altLang="zh-CN" sz="2400" b="1" dirty="0">
+                <a:solidFill>
+                  <a:schemeClr val="tx1">
+                    <a:lumMod val="65000"/>
+                    <a:lumOff val="35000"/>
+                  </a:schemeClr>
+                </a:solidFill>
+                <a:latin typeface="+mj-lt"/>
+              </a:rPr>
+              <a:t>Architecture</a:t>
+            </a:r>
+            <a:r>
+              <a:rPr kumimoji="1" lang="zh-CN" altLang="en-US" sz="2400" b="1" dirty="0">
+                <a:solidFill>
+                  <a:schemeClr val="tx1">
+                    <a:lumMod val="65000"/>
+                    <a:lumOff val="35000"/>
+                  </a:schemeClr>
+                </a:solidFill>
+                <a:latin typeface="+mj-lt"/>
+              </a:rPr>
+              <a:t> </a:t>
+            </a:r>
+            <a:r>
+              <a:rPr kumimoji="1" lang="en-US" altLang="zh-CN" sz="2400" b="1" dirty="0">
+                <a:solidFill>
+                  <a:schemeClr val="tx1">
+                    <a:lumMod val="65000"/>
+                    <a:lumOff val="35000"/>
+                  </a:schemeClr>
+                </a:solidFill>
+                <a:latin typeface="+mj-lt"/>
+              </a:rPr>
+              <a:t>v1.1</a:t>
+            </a:r>
+            <a:endParaRPr kumimoji="1" lang="zh-CN" altLang="en-US" sz="2400" b="1" dirty="0">
+              <a:solidFill>
+                <a:schemeClr val="tx1">
+                  <a:lumMod val="65000"/>
+                  <a:lumOff val="35000"/>
+                </a:schemeClr>
+              </a:solidFill>
+              <a:latin typeface="+mj-lt"/>
+            </a:endParaRPr>
+          </a:p>
+        </p:txBody>
+      </p:sp>
+      <p:grpSp>
+        <p:nvGrpSpPr>
+          <p:cNvPr id="9" name="组合 8">
+            <a:extLst>
+              <a:ext uri="{FF2B5EF4-FFF2-40B4-BE49-F238E27FC236}">
+                <a16:creationId xmlns:a16="http://schemas.microsoft.com/office/drawing/2014/main" id="{CD8D6A9D-5900-6C45-9270-A2827063CB53}"/>
+              </a:ext>
+            </a:extLst>
+          </p:cNvPr>
+          <p:cNvGrpSpPr/>
+          <p:nvPr/>
+        </p:nvGrpSpPr>
+        <p:grpSpPr>
+          <a:xfrm>
+            <a:off x="206266" y="1249370"/>
+            <a:ext cx="11478012" cy="4567978"/>
+            <a:chOff x="206266" y="1249370"/>
+            <a:chExt cx="11478012" cy="4567978"/>
+          </a:xfrm>
+        </p:grpSpPr>
+        <p:sp>
+          <p:nvSpPr>
+            <p:cNvPr id="8" name="文本框 7">
+              <a:extLst>
+                <a:ext uri="{FF2B5EF4-FFF2-40B4-BE49-F238E27FC236}">
+                  <a16:creationId xmlns:a16="http://schemas.microsoft.com/office/drawing/2014/main" id="{EE8CBD6A-1FCA-474F-BB05-D2EBC48A8109}"/>
+                </a:ext>
+              </a:extLst>
+            </p:cNvPr>
+            <p:cNvSpPr txBox="1"/>
+            <p:nvPr/>
+          </p:nvSpPr>
+          <p:spPr>
+            <a:xfrm>
+              <a:off x="3440118" y="5306021"/>
+              <a:ext cx="838691" cy="253916"/>
+            </a:xfrm>
+            <a:prstGeom prst="rect">
+              <a:avLst/>
+            </a:prstGeom>
+            <a:noFill/>
+          </p:spPr>
+          <p:txBody>
+            <a:bodyPr wrap="none" rtlCol="0">
+              <a:spAutoFit/>
+            </a:bodyPr>
+            <a:lstStyle/>
+            <a:p>
+              <a:pPr algn="ctr"/>
+              <a:r>
+                <a:rPr kumimoji="1" lang="en-US" altLang="zh-CN" sz="1050" dirty="0">
+                  <a:solidFill>
+                    <a:schemeClr val="tx1">
+                      <a:lumMod val="65000"/>
+                      <a:lumOff val="35000"/>
+                    </a:schemeClr>
+                  </a:solidFill>
+                  <a:latin typeface="+mj-lt"/>
+                </a:rPr>
+                <a:t>Pull</a:t>
+              </a:r>
+              <a:r>
+                <a:rPr kumimoji="1" lang="zh-CN" altLang="en-US" sz="1050" dirty="0">
+                  <a:solidFill>
+                    <a:schemeClr val="tx1">
+                      <a:lumMod val="65000"/>
+                      <a:lumOff val="35000"/>
+                    </a:schemeClr>
+                  </a:solidFill>
+                  <a:latin typeface="+mj-lt"/>
+                </a:rPr>
+                <a:t> </a:t>
+              </a:r>
+              <a:r>
+                <a:rPr kumimoji="1" lang="en-US" altLang="zh-CN" sz="1050" dirty="0">
+                  <a:solidFill>
+                    <a:schemeClr val="tx1">
+                      <a:lumMod val="65000"/>
+                      <a:lumOff val="35000"/>
+                    </a:schemeClr>
+                  </a:solidFill>
+                  <a:latin typeface="+mj-lt"/>
+                </a:rPr>
+                <a:t>Config</a:t>
+              </a:r>
+              <a:endParaRPr kumimoji="1" lang="zh-CN" altLang="en-US" sz="1050" dirty="0">
+                <a:solidFill>
+                  <a:schemeClr val="tx1">
+                    <a:lumMod val="65000"/>
+                    <a:lumOff val="35000"/>
+                  </a:schemeClr>
+                </a:solidFill>
+                <a:latin typeface="+mj-lt"/>
+              </a:endParaRPr>
+            </a:p>
+          </p:txBody>
+        </p:sp>
+        <p:sp>
+          <p:nvSpPr>
+            <p:cNvPr id="11" name="文本框 10">
+              <a:extLst>
+                <a:ext uri="{FF2B5EF4-FFF2-40B4-BE49-F238E27FC236}">
+                  <a16:creationId xmlns:a16="http://schemas.microsoft.com/office/drawing/2014/main" id="{363C8DB4-78CA-BD4C-A531-CAC745EED969}"/>
+                </a:ext>
+              </a:extLst>
+            </p:cNvPr>
+            <p:cNvSpPr txBox="1"/>
+            <p:nvPr/>
+          </p:nvSpPr>
+          <p:spPr>
+            <a:xfrm>
+              <a:off x="3387219" y="2370387"/>
+              <a:ext cx="944489" cy="261610"/>
+            </a:xfrm>
+            <a:prstGeom prst="rect">
+              <a:avLst/>
+            </a:prstGeom>
+            <a:noFill/>
+          </p:spPr>
+          <p:txBody>
+            <a:bodyPr wrap="none" rtlCol="0">
+              <a:spAutoFit/>
+            </a:bodyPr>
+            <a:lstStyle/>
+            <a:p>
+              <a:pPr algn="ctr"/>
+              <a:r>
+                <a:rPr kumimoji="1" lang="en-US" altLang="zh-CN" sz="1050" dirty="0">
+                  <a:solidFill>
+                    <a:schemeClr val="tx1">
+                      <a:lumMod val="65000"/>
+                      <a:lumOff val="35000"/>
+                    </a:schemeClr>
+                  </a:solidFill>
+                  <a:latin typeface="+mj-lt"/>
+                </a:rPr>
+                <a:t>Push</a:t>
+              </a:r>
+              <a:r>
+                <a:rPr kumimoji="1" lang="zh-CN" altLang="en-US" sz="1050" dirty="0">
+                  <a:solidFill>
+                    <a:schemeClr val="tx1">
+                      <a:lumMod val="65000"/>
+                      <a:lumOff val="35000"/>
+                    </a:schemeClr>
+                  </a:solidFill>
+                  <a:latin typeface="+mj-lt"/>
+                </a:rPr>
+                <a:t> </a:t>
+              </a:r>
+              <a:r>
+                <a:rPr kumimoji="1" lang="en-US" altLang="zh-CN" sz="1050" dirty="0">
+                  <a:solidFill>
+                    <a:schemeClr val="tx1">
+                      <a:lumMod val="65000"/>
+                      <a:lumOff val="35000"/>
+                    </a:schemeClr>
+                  </a:solidFill>
+                  <a:latin typeface="+mj-lt"/>
+                </a:rPr>
+                <a:t>Status</a:t>
+              </a:r>
+              <a:endParaRPr kumimoji="1" lang="zh-CN" altLang="en-US" sz="1050" dirty="0">
+                <a:solidFill>
+                  <a:schemeClr val="tx1">
+                    <a:lumMod val="65000"/>
+                    <a:lumOff val="35000"/>
+                  </a:schemeClr>
+                </a:solidFill>
+                <a:latin typeface="+mj-lt"/>
+              </a:endParaRPr>
+            </a:p>
+          </p:txBody>
+        </p:sp>
+        <p:sp>
+          <p:nvSpPr>
+            <p:cNvPr id="25" name="圆角矩形 24">
+              <a:extLst>
+                <a:ext uri="{FF2B5EF4-FFF2-40B4-BE49-F238E27FC236}">
+                  <a16:creationId xmlns:a16="http://schemas.microsoft.com/office/drawing/2014/main" id="{29031689-1C31-7942-B1CE-09BE1F2A0B25}"/>
+                </a:ext>
+              </a:extLst>
+            </p:cNvPr>
+            <p:cNvSpPr/>
+            <p:nvPr/>
+          </p:nvSpPr>
+          <p:spPr>
+            <a:xfrm>
+              <a:off x="2310439" y="1249370"/>
+              <a:ext cx="1128445" cy="4567978"/>
+            </a:xfrm>
+            <a:prstGeom prst="roundRect">
+              <a:avLst>
+                <a:gd name="adj" fmla="val 5490"/>
+              </a:avLst>
+            </a:prstGeom>
+          </p:spPr>
+          <p:style>
+            <a:lnRef idx="2">
+              <a:schemeClr val="accent1">
+                <a:shade val="50000"/>
+              </a:schemeClr>
+            </a:lnRef>
+            <a:fillRef idx="1">
+              <a:schemeClr val="accent1"/>
+            </a:fillRef>
+            <a:effectRef idx="0">
+              <a:schemeClr val="accent1"/>
+            </a:effectRef>
+            <a:fontRef idx="minor">
+              <a:schemeClr val="lt1"/>
+            </a:fontRef>
+          </p:style>
+          <p:txBody>
+            <a:bodyPr rtlCol="0" anchor="ctr"/>
+            <a:lstStyle/>
+            <a:p>
+              <a:pPr algn="ctr"/>
+              <a:r>
+                <a:rPr kumimoji="1" lang="en-US" altLang="zh-CN" sz="2000" b="1" dirty="0">
+                  <a:ln w="0"/>
+                  <a:solidFill>
+                    <a:schemeClr val="bg1"/>
+                  </a:solidFill>
+                  <a:effectLst>
+                    <a:outerShdw blurRad="38100" dist="19050" dir="2700000" algn="tl" rotWithShape="0">
+                      <a:schemeClr val="dk1">
+                        <a:alpha val="40000"/>
+                      </a:schemeClr>
+                    </a:outerShdw>
+                  </a:effectLst>
+                </a:rPr>
+                <a:t>Cluster</a:t>
+              </a:r>
+            </a:p>
+            <a:p>
+              <a:pPr algn="ctr"/>
+              <a:r>
+                <a:rPr kumimoji="1" lang="en-US" altLang="zh-CN" sz="1200" dirty="0">
+                  <a:ln w="0"/>
+                  <a:solidFill>
+                    <a:schemeClr val="bg1"/>
+                  </a:solidFill>
+                  <a:effectLst>
+                    <a:outerShdw blurRad="38100" dist="19050" dir="2700000" algn="tl" rotWithShape="0">
+                      <a:schemeClr val="dk1">
+                        <a:alpha val="40000"/>
+                      </a:schemeClr>
+                    </a:outerShdw>
+                  </a:effectLst>
+                </a:rPr>
+                <a:t>(Raft)</a:t>
+              </a:r>
+              <a:endParaRPr kumimoji="1" lang="zh-CN" altLang="en-US" sz="2000" dirty="0"/>
+            </a:p>
+          </p:txBody>
+        </p:sp>
+        <p:sp>
+          <p:nvSpPr>
+            <p:cNvPr id="26" name="圆角矩形 25">
+              <a:extLst>
+                <a:ext uri="{FF2B5EF4-FFF2-40B4-BE49-F238E27FC236}">
+                  <a16:creationId xmlns:a16="http://schemas.microsoft.com/office/drawing/2014/main" id="{F88FDFD0-DC15-BB4F-AF24-55F8ABEEA5CF}"/>
+                </a:ext>
+              </a:extLst>
+            </p:cNvPr>
+            <p:cNvSpPr/>
+            <p:nvPr/>
+          </p:nvSpPr>
+          <p:spPr>
+            <a:xfrm>
+              <a:off x="4263225" y="5201246"/>
+              <a:ext cx="7421053" cy="616101"/>
+            </a:xfrm>
+            <a:prstGeom prst="roundRect">
+              <a:avLst>
+                <a:gd name="adj" fmla="val 7711"/>
+              </a:avLst>
+            </a:prstGeom>
+          </p:spPr>
+          <p:style>
+            <a:lnRef idx="2">
+              <a:schemeClr val="accent1">
+                <a:shade val="50000"/>
+              </a:schemeClr>
+            </a:lnRef>
+            <a:fillRef idx="1">
+              <a:schemeClr val="accent1"/>
+            </a:fillRef>
+            <a:effectRef idx="0">
+              <a:schemeClr val="accent1"/>
+            </a:effectRef>
+            <a:fontRef idx="minor">
+              <a:schemeClr val="lt1"/>
+            </a:fontRef>
+          </p:style>
+          <p:txBody>
+            <a:bodyPr rtlCol="0" anchor="ctr"/>
+            <a:lstStyle/>
+            <a:p>
+              <a:pPr algn="ctr"/>
+              <a:r>
+                <a:rPr kumimoji="1" lang="en-US" altLang="zh-CN" b="1" dirty="0"/>
+                <a:t>Supervisor</a:t>
+              </a:r>
+              <a:endParaRPr kumimoji="1" lang="zh-CN" altLang="en-US" b="1" dirty="0"/>
+            </a:p>
+          </p:txBody>
+        </p:sp>
+        <p:sp>
+          <p:nvSpPr>
+            <p:cNvPr id="22" name="圆角矩形 173">
+              <a:extLst>
+                <a:ext uri="{FF2B5EF4-FFF2-40B4-BE49-F238E27FC236}">
+                  <a16:creationId xmlns:a16="http://schemas.microsoft.com/office/drawing/2014/main" id="{0DDE9BC8-5C95-2D42-9C01-56620D75B79C}"/>
+                </a:ext>
+              </a:extLst>
+            </p:cNvPr>
+            <p:cNvSpPr/>
+            <p:nvPr/>
+          </p:nvSpPr>
+          <p:spPr>
+            <a:xfrm>
+              <a:off x="5789503" y="4322870"/>
+              <a:ext cx="5894775" cy="630138"/>
+            </a:xfrm>
+            <a:prstGeom prst="roundRect">
+              <a:avLst>
+                <a:gd name="adj" fmla="val 7867"/>
+              </a:avLst>
+            </a:prstGeom>
+          </p:spPr>
+          <p:style>
+            <a:lnRef idx="2">
+              <a:schemeClr val="accent1">
+                <a:shade val="50000"/>
+              </a:schemeClr>
+            </a:lnRef>
+            <a:fillRef idx="1">
+              <a:schemeClr val="accent1"/>
+            </a:fillRef>
+            <a:effectRef idx="0">
+              <a:schemeClr val="accent1"/>
+            </a:effectRef>
+            <a:fontRef idx="minor">
+              <a:schemeClr val="lt1"/>
+            </a:fontRef>
+          </p:style>
+          <p:txBody>
+            <a:bodyPr rtlCol="0" anchor="ctr"/>
+            <a:lstStyle/>
+            <a:p>
+              <a:r>
+                <a:rPr kumimoji="1" lang="en-US" altLang="zh-CN" sz="1600" b="1" dirty="0"/>
+                <a:t>Controller</a:t>
+              </a:r>
+            </a:p>
+            <a:p>
+              <a:r>
+                <a:rPr kumimoji="1" lang="en-US" altLang="zh-CN" sz="1200" dirty="0"/>
+                <a:t>     (Traffic)</a:t>
+              </a:r>
+            </a:p>
+          </p:txBody>
+        </p:sp>
+        <p:sp>
+          <p:nvSpPr>
+            <p:cNvPr id="36" name="圆角矩形 173">
+              <a:extLst>
+                <a:ext uri="{FF2B5EF4-FFF2-40B4-BE49-F238E27FC236}">
+                  <a16:creationId xmlns:a16="http://schemas.microsoft.com/office/drawing/2014/main" id="{008E2187-415E-AB4E-8832-0B3166F3C609}"/>
+                </a:ext>
+              </a:extLst>
+            </p:cNvPr>
+            <p:cNvSpPr/>
+            <p:nvPr/>
+          </p:nvSpPr>
+          <p:spPr>
+            <a:xfrm>
+              <a:off x="4263225" y="1249370"/>
+              <a:ext cx="1410077" cy="3699899"/>
+            </a:xfrm>
+            <a:prstGeom prst="roundRect">
+              <a:avLst>
+                <a:gd name="adj" fmla="val 3636"/>
+              </a:avLst>
+            </a:prstGeom>
+          </p:spPr>
+          <p:style>
+            <a:lnRef idx="2">
+              <a:schemeClr val="accent1">
+                <a:shade val="50000"/>
+              </a:schemeClr>
+            </a:lnRef>
+            <a:fillRef idx="1">
+              <a:schemeClr val="accent1"/>
+            </a:fillRef>
+            <a:effectRef idx="0">
+              <a:schemeClr val="accent1"/>
+            </a:effectRef>
+            <a:fontRef idx="minor">
+              <a:schemeClr val="lt1"/>
+            </a:fontRef>
+          </p:style>
+          <p:txBody>
+            <a:bodyPr lIns="108000" tIns="108000" rIns="108000" rtlCol="0" anchor="t"/>
+            <a:lstStyle/>
+            <a:p>
+              <a:pPr algn="ctr"/>
+              <a:r>
+                <a:rPr kumimoji="1" lang="en-US" altLang="zh-CN" b="1" dirty="0"/>
+                <a:t>Controller</a:t>
+              </a:r>
+              <a:endParaRPr kumimoji="1" lang="en-US" altLang="zh-CN" sz="1600" b="1" dirty="0"/>
+            </a:p>
+            <a:p>
+              <a:pPr algn="ctr"/>
+              <a:r>
+                <a:rPr kumimoji="1" lang="en-US" altLang="zh-CN" sz="1200" dirty="0"/>
+                <a:t>(No Traffic)</a:t>
+              </a:r>
+            </a:p>
+          </p:txBody>
+        </p:sp>
+        <p:sp>
+          <p:nvSpPr>
+            <p:cNvPr id="32" name="圆角矩形 173">
+              <a:extLst>
+                <a:ext uri="{FF2B5EF4-FFF2-40B4-BE49-F238E27FC236}">
+                  <a16:creationId xmlns:a16="http://schemas.microsoft.com/office/drawing/2014/main" id="{AF35FABF-86C1-CB48-81A1-A3C5B626C542}"/>
+                </a:ext>
+              </a:extLst>
+            </p:cNvPr>
+            <p:cNvSpPr/>
+            <p:nvPr/>
+          </p:nvSpPr>
+          <p:spPr>
+            <a:xfrm>
+              <a:off x="4419833" y="2055968"/>
+              <a:ext cx="1116000" cy="684000"/>
+            </a:xfrm>
+            <a:prstGeom prst="roundRect">
+              <a:avLst>
+                <a:gd name="adj" fmla="val 7270"/>
+              </a:avLst>
+            </a:prstGeom>
+            <a:solidFill>
+              <a:schemeClr val="accent2">
+                <a:lumMod val="60000"/>
+                <a:lumOff val="40000"/>
+              </a:schemeClr>
+            </a:solidFill>
+            <a:ln/>
+          </p:spPr>
+          <p:style>
+            <a:lnRef idx="3">
+              <a:schemeClr val="lt1"/>
+            </a:lnRef>
+            <a:fillRef idx="1">
+              <a:schemeClr val="accent4"/>
+            </a:fillRef>
+            <a:effectRef idx="1">
+              <a:schemeClr val="accent4"/>
+            </a:effectRef>
+            <a:fontRef idx="minor">
+              <a:schemeClr val="lt1"/>
+            </a:fontRef>
+          </p:style>
+          <p:txBody>
+            <a:bodyPr rtlCol="0" anchor="ctr"/>
+            <a:lstStyle/>
+            <a:p>
+              <a:pPr algn="ctr"/>
+              <a:r>
+                <a:rPr kumimoji="1" lang="en-US" altLang="zh-CN" sz="1400" b="1" dirty="0">
+                  <a:solidFill>
+                    <a:schemeClr val="bg1"/>
+                  </a:solidFill>
+                  <a:latin typeface="+mj-lt"/>
+                </a:rPr>
+                <a:t>Status</a:t>
+              </a:r>
+              <a:r>
+                <a:rPr kumimoji="1" lang="zh-CN" altLang="en-US" sz="1400" b="1" dirty="0">
+                  <a:solidFill>
+                    <a:schemeClr val="bg1"/>
+                  </a:solidFill>
+                  <a:latin typeface="+mj-lt"/>
+                </a:rPr>
+                <a:t> </a:t>
+              </a:r>
+              <a:r>
+                <a:rPr kumimoji="1" lang="en-US" altLang="zh-CN" sz="1400" b="1" dirty="0">
+                  <a:solidFill>
+                    <a:schemeClr val="bg1"/>
+                  </a:solidFill>
+                  <a:latin typeface="+mj-lt"/>
+                </a:rPr>
+                <a:t>Sync</a:t>
+              </a:r>
+            </a:p>
+          </p:txBody>
+        </p:sp>
+        <p:grpSp>
+          <p:nvGrpSpPr>
+            <p:cNvPr id="64" name="组合 63">
+              <a:extLst>
+                <a:ext uri="{FF2B5EF4-FFF2-40B4-BE49-F238E27FC236}">
+                  <a16:creationId xmlns:a16="http://schemas.microsoft.com/office/drawing/2014/main" id="{E08C2CDA-F24C-8B46-8C66-1CD4D7A235E5}"/>
+                </a:ext>
+              </a:extLst>
+            </p:cNvPr>
+            <p:cNvGrpSpPr/>
+            <p:nvPr/>
+          </p:nvGrpSpPr>
+          <p:grpSpPr>
+            <a:xfrm>
+              <a:off x="630897" y="2506164"/>
+              <a:ext cx="1587583" cy="628946"/>
+              <a:chOff x="1245312" y="2448774"/>
+              <a:chExt cx="1587583" cy="628946"/>
+            </a:xfrm>
+          </p:grpSpPr>
+          <p:pic>
+            <p:nvPicPr>
+              <p:cNvPr id="45" name="图片 44">
+                <a:extLst>
+                  <a:ext uri="{FF2B5EF4-FFF2-40B4-BE49-F238E27FC236}">
+                    <a16:creationId xmlns:a16="http://schemas.microsoft.com/office/drawing/2014/main" id="{11460B58-D64D-EE46-9BA5-2F925538F8C2}"/>
+                  </a:ext>
+                </a:extLst>
+              </p:cNvPr>
+              <p:cNvPicPr>
+                <a:picLocks noChangeAspect="1"/>
+              </p:cNvPicPr>
+              <p:nvPr/>
+            </p:nvPicPr>
+            <p:blipFill>
+              <a:blip r:embed="rId3">
+                <a:extLst>
+                  <a:ext uri="{BEBA8EAE-BF5A-486C-A8C5-ECC9F3942E4B}">
+                    <a14:imgProps xmlns:a14="http://schemas.microsoft.com/office/drawing/2010/main">
+                      <a14:imgLayer r:embed="rId4">
+                        <a14:imgEffect>
+                          <a14:backgroundRemoval t="10000" b="90000" l="10000" r="90000">
+                            <a14:foregroundMark x1="35556" y1="52000" x2="35556" y2="52000"/>
+                            <a14:foregroundMark x1="60444" y1="66667" x2="60444" y2="66667"/>
+                          </a14:backgroundRemoval>
+                        </a14:imgEffect>
+                      </a14:imgLayer>
+                    </a14:imgProps>
+                  </a:ext>
+                </a:extLst>
+              </a:blip>
+              <a:stretch>
+                <a:fillRect/>
+              </a:stretch>
+            </p:blipFill>
+            <p:spPr>
+              <a:xfrm>
+                <a:off x="1245312" y="2448774"/>
+                <a:ext cx="628946" cy="628946"/>
+              </a:xfrm>
+              <a:prstGeom prst="rect">
+                <a:avLst/>
+              </a:prstGeom>
+            </p:spPr>
+          </p:pic>
+          <p:cxnSp>
+            <p:nvCxnSpPr>
+              <p:cNvPr id="51" name="直线箭头连接符 50">
+                <a:extLst>
+                  <a:ext uri="{FF2B5EF4-FFF2-40B4-BE49-F238E27FC236}">
+                    <a16:creationId xmlns:a16="http://schemas.microsoft.com/office/drawing/2014/main" id="{C2CB63C6-41D6-2B4F-8115-03394F0140CA}"/>
+                  </a:ext>
+                </a:extLst>
+              </p:cNvPr>
+              <p:cNvCxnSpPr/>
+              <p:nvPr/>
+            </p:nvCxnSpPr>
+            <p:spPr>
+              <a:xfrm>
+                <a:off x="2070410" y="2786162"/>
+                <a:ext cx="720000" cy="0"/>
+              </a:xfrm>
+              <a:prstGeom prst="straightConnector1">
+                <a:avLst/>
+              </a:prstGeom>
+              <a:ln w="19050">
+                <a:solidFill>
+                  <a:schemeClr val="tx1">
+                    <a:lumMod val="50000"/>
+                    <a:lumOff val="50000"/>
+                  </a:schemeClr>
+                </a:solidFill>
+                <a:prstDash val="dash"/>
+                <a:tailEnd type="triangle"/>
+              </a:ln>
+            </p:spPr>
+            <p:style>
+              <a:lnRef idx="1">
+                <a:schemeClr val="accent1"/>
+              </a:lnRef>
+              <a:fillRef idx="0">
+                <a:schemeClr val="accent1"/>
+              </a:fillRef>
+              <a:effectRef idx="0">
+                <a:schemeClr val="accent1"/>
+              </a:effectRef>
+              <a:fontRef idx="minor">
+                <a:schemeClr val="tx1"/>
+              </a:fontRef>
+            </p:style>
+          </p:cxnSp>
+          <p:sp>
+            <p:nvSpPr>
+              <p:cNvPr id="52" name="文本框 51">
+                <a:extLst>
+                  <a:ext uri="{FF2B5EF4-FFF2-40B4-BE49-F238E27FC236}">
+                    <a16:creationId xmlns:a16="http://schemas.microsoft.com/office/drawing/2014/main" id="{EDA044CE-B804-9048-90A6-45777D7ADF68}"/>
+                  </a:ext>
+                </a:extLst>
+              </p:cNvPr>
+              <p:cNvSpPr txBox="1"/>
+              <p:nvPr/>
+            </p:nvSpPr>
+            <p:spPr>
+              <a:xfrm>
+                <a:off x="2024660" y="2491664"/>
+                <a:ext cx="808235" cy="253916"/>
+              </a:xfrm>
+              <a:prstGeom prst="rect">
+                <a:avLst/>
+              </a:prstGeom>
+              <a:noFill/>
+            </p:spPr>
+            <p:txBody>
+              <a:bodyPr wrap="none" rtlCol="0">
+                <a:spAutoFit/>
+              </a:bodyPr>
+              <a:lstStyle/>
+              <a:p>
+                <a:r>
+                  <a:rPr kumimoji="1" lang="en-US" altLang="zh-CN" sz="1050" dirty="0">
+                    <a:solidFill>
+                      <a:schemeClr val="tx1">
+                        <a:lumMod val="65000"/>
+                        <a:lumOff val="35000"/>
+                      </a:schemeClr>
+                    </a:solidFill>
+                    <a:latin typeface="+mj-lt"/>
+                  </a:rPr>
+                  <a:t>Command</a:t>
+                </a:r>
+                <a:endParaRPr kumimoji="1" lang="zh-CN" altLang="en-US" sz="1050" dirty="0">
+                  <a:solidFill>
+                    <a:schemeClr val="tx1">
+                      <a:lumMod val="65000"/>
+                      <a:lumOff val="35000"/>
+                    </a:schemeClr>
+                  </a:solidFill>
+                  <a:latin typeface="+mj-lt"/>
+                </a:endParaRPr>
+              </a:p>
+            </p:txBody>
+          </p:sp>
+        </p:grpSp>
+        <p:grpSp>
+          <p:nvGrpSpPr>
+            <p:cNvPr id="63" name="组合 62">
+              <a:extLst>
+                <a:ext uri="{FF2B5EF4-FFF2-40B4-BE49-F238E27FC236}">
+                  <a16:creationId xmlns:a16="http://schemas.microsoft.com/office/drawing/2014/main" id="{7C3EEF20-9190-F140-877C-B7B100AD628F}"/>
+                </a:ext>
+              </a:extLst>
+            </p:cNvPr>
+            <p:cNvGrpSpPr/>
+            <p:nvPr/>
+          </p:nvGrpSpPr>
+          <p:grpSpPr>
+            <a:xfrm>
+              <a:off x="651231" y="4146964"/>
+              <a:ext cx="1630812" cy="628946"/>
+              <a:chOff x="1222582" y="4171743"/>
+              <a:chExt cx="1630812" cy="628946"/>
+            </a:xfrm>
+          </p:grpSpPr>
+          <p:pic>
+            <p:nvPicPr>
+              <p:cNvPr id="47" name="图片 46">
+                <a:extLst>
+                  <a:ext uri="{FF2B5EF4-FFF2-40B4-BE49-F238E27FC236}">
+                    <a16:creationId xmlns:a16="http://schemas.microsoft.com/office/drawing/2014/main" id="{0272517A-49E0-D248-AAF4-1EAC0F3FE0EB}"/>
+                  </a:ext>
+                </a:extLst>
+              </p:cNvPr>
+              <p:cNvPicPr>
+                <a:picLocks noChangeAspect="1"/>
+              </p:cNvPicPr>
+              <p:nvPr/>
+            </p:nvPicPr>
+            <p:blipFill>
+              <a:blip r:embed="rId5"/>
+              <a:stretch>
+                <a:fillRect/>
+              </a:stretch>
+            </p:blipFill>
+            <p:spPr>
+              <a:xfrm>
+                <a:off x="1222582" y="4171743"/>
+                <a:ext cx="628946" cy="628946"/>
+              </a:xfrm>
+              <a:prstGeom prst="rect">
+                <a:avLst/>
+              </a:prstGeom>
+            </p:spPr>
+          </p:pic>
+          <p:cxnSp>
+            <p:nvCxnSpPr>
+              <p:cNvPr id="50" name="直线箭头连接符 49">
+                <a:extLst>
+                  <a:ext uri="{FF2B5EF4-FFF2-40B4-BE49-F238E27FC236}">
+                    <a16:creationId xmlns:a16="http://schemas.microsoft.com/office/drawing/2014/main" id="{97C82B59-41D1-1A47-B3AD-E88BBB218C25}"/>
+                  </a:ext>
+                </a:extLst>
+              </p:cNvPr>
+              <p:cNvCxnSpPr/>
+              <p:nvPr/>
+            </p:nvCxnSpPr>
+            <p:spPr>
+              <a:xfrm>
+                <a:off x="2051398" y="4478469"/>
+                <a:ext cx="720000" cy="0"/>
+              </a:xfrm>
+              <a:prstGeom prst="straightConnector1">
+                <a:avLst/>
+              </a:prstGeom>
+              <a:ln w="19050">
+                <a:solidFill>
+                  <a:schemeClr val="tx1">
+                    <a:lumMod val="50000"/>
+                    <a:lumOff val="50000"/>
+                  </a:schemeClr>
+                </a:solidFill>
+                <a:prstDash val="dash"/>
+                <a:tailEnd type="triangle"/>
+              </a:ln>
+            </p:spPr>
+            <p:style>
+              <a:lnRef idx="1">
+                <a:schemeClr val="accent1"/>
+              </a:lnRef>
+              <a:fillRef idx="0">
+                <a:schemeClr val="accent1"/>
+              </a:fillRef>
+              <a:effectRef idx="0">
+                <a:schemeClr val="accent1"/>
+              </a:effectRef>
+              <a:fontRef idx="minor">
+                <a:schemeClr val="tx1"/>
+              </a:fontRef>
+            </p:style>
+          </p:cxnSp>
+          <p:sp>
+            <p:nvSpPr>
+              <p:cNvPr id="53" name="文本框 52">
+                <a:extLst>
+                  <a:ext uri="{FF2B5EF4-FFF2-40B4-BE49-F238E27FC236}">
+                    <a16:creationId xmlns:a16="http://schemas.microsoft.com/office/drawing/2014/main" id="{B16AC1C8-DF8A-3A41-ACA0-4186C2C16239}"/>
+                  </a:ext>
+                </a:extLst>
+              </p:cNvPr>
+              <p:cNvSpPr txBox="1"/>
+              <p:nvPr/>
+            </p:nvSpPr>
+            <p:spPr>
+              <a:xfrm>
+                <a:off x="1995467" y="4528813"/>
+                <a:ext cx="857927" cy="253916"/>
+              </a:xfrm>
+              <a:prstGeom prst="rect">
+                <a:avLst/>
+              </a:prstGeom>
+              <a:noFill/>
+            </p:spPr>
+            <p:txBody>
+              <a:bodyPr wrap="none" rtlCol="0">
+                <a:spAutoFit/>
+              </a:bodyPr>
+              <a:lstStyle/>
+              <a:p>
+                <a:r>
+                  <a:rPr kumimoji="1" lang="en-US" altLang="zh-CN" sz="1050" dirty="0">
+                    <a:solidFill>
+                      <a:schemeClr val="tx1">
+                        <a:lumMod val="65000"/>
+                        <a:lumOff val="35000"/>
+                      </a:schemeClr>
+                    </a:solidFill>
+                    <a:latin typeface="+mj-lt"/>
+                  </a:rPr>
+                  <a:t>Restful</a:t>
+                </a:r>
+                <a:r>
+                  <a:rPr kumimoji="1" lang="zh-CN" altLang="en-US" sz="1050" dirty="0">
+                    <a:solidFill>
+                      <a:schemeClr val="tx1">
+                        <a:lumMod val="65000"/>
+                        <a:lumOff val="35000"/>
+                      </a:schemeClr>
+                    </a:solidFill>
+                    <a:latin typeface="+mj-lt"/>
+                  </a:rPr>
+                  <a:t> </a:t>
+                </a:r>
+                <a:r>
+                  <a:rPr kumimoji="1" lang="en-US" altLang="zh-CN" sz="1050" dirty="0">
+                    <a:solidFill>
+                      <a:schemeClr val="tx1">
+                        <a:lumMod val="65000"/>
+                        <a:lumOff val="35000"/>
+                      </a:schemeClr>
+                    </a:solidFill>
+                    <a:latin typeface="+mj-lt"/>
+                  </a:rPr>
+                  <a:t>API</a:t>
+                </a:r>
+                <a:endParaRPr kumimoji="1" lang="zh-CN" altLang="en-US" sz="1050" dirty="0">
+                  <a:solidFill>
+                    <a:schemeClr val="tx1">
+                      <a:lumMod val="65000"/>
+                      <a:lumOff val="35000"/>
+                    </a:schemeClr>
+                  </a:solidFill>
+                  <a:latin typeface="+mj-lt"/>
+                </a:endParaRPr>
+              </a:p>
+            </p:txBody>
+          </p:sp>
+        </p:grpSp>
+        <p:sp>
+          <p:nvSpPr>
+            <p:cNvPr id="54" name="文本框 53">
+              <a:extLst>
+                <a:ext uri="{FF2B5EF4-FFF2-40B4-BE49-F238E27FC236}">
+                  <a16:creationId xmlns:a16="http://schemas.microsoft.com/office/drawing/2014/main" id="{A78D7AD5-6CA8-BC45-BA39-4A8B9F8E5C85}"/>
+                </a:ext>
+              </a:extLst>
+            </p:cNvPr>
+            <p:cNvSpPr txBox="1"/>
+            <p:nvPr/>
+          </p:nvSpPr>
+          <p:spPr>
+            <a:xfrm>
+              <a:off x="206266" y="3208530"/>
+              <a:ext cx="1633781" cy="830997"/>
+            </a:xfrm>
+            <a:prstGeom prst="rect">
+              <a:avLst/>
+            </a:prstGeom>
+            <a:noFill/>
+            <a:ln>
+              <a:noFill/>
+            </a:ln>
+          </p:spPr>
+          <p:style>
+            <a:lnRef idx="3">
+              <a:schemeClr val="lt1"/>
+            </a:lnRef>
+            <a:fillRef idx="1">
+              <a:schemeClr val="accent3"/>
+            </a:fillRef>
+            <a:effectRef idx="1">
+              <a:schemeClr val="accent3"/>
+            </a:effectRef>
+            <a:fontRef idx="minor">
+              <a:schemeClr val="lt1"/>
+            </a:fontRef>
+          </p:style>
+          <p:txBody>
+            <a:bodyPr wrap="none" rtlCol="0">
+              <a:spAutoFit/>
+            </a:bodyPr>
+            <a:lstStyle/>
+            <a:p>
+              <a:pPr algn="ctr"/>
+              <a:r>
+                <a:rPr kumimoji="1" lang="en-US" altLang="zh-CN" sz="1600" b="1" dirty="0">
+                  <a:solidFill>
+                    <a:schemeClr val="tx1">
+                      <a:lumMod val="65000"/>
+                      <a:lumOff val="35000"/>
+                    </a:schemeClr>
+                  </a:solidFill>
+                  <a:latin typeface="+mj-lt"/>
+                </a:rPr>
+                <a:t>Administration</a:t>
+              </a:r>
+            </a:p>
+            <a:p>
+              <a:pPr algn="ctr"/>
+              <a:r>
+                <a:rPr kumimoji="1" lang="en-US" altLang="zh-CN" sz="1600" b="1" dirty="0">
+                  <a:solidFill>
+                    <a:schemeClr val="tx1">
+                      <a:lumMod val="65000"/>
+                      <a:lumOff val="35000"/>
+                    </a:schemeClr>
+                  </a:solidFill>
+                  <a:latin typeface="+mj-lt"/>
+                </a:rPr>
+                <a:t>Monitoring</a:t>
+              </a:r>
+            </a:p>
+            <a:p>
+              <a:pPr algn="ctr"/>
+              <a:r>
+                <a:rPr kumimoji="1" lang="en-US" altLang="zh-CN" sz="1600" b="1" dirty="0">
+                  <a:solidFill>
+                    <a:schemeClr val="tx1">
+                      <a:lumMod val="65000"/>
+                      <a:lumOff val="35000"/>
+                    </a:schemeClr>
+                  </a:solidFill>
+                  <a:latin typeface="+mj-lt"/>
+                </a:rPr>
+                <a:t>Operation</a:t>
+              </a:r>
+              <a:endParaRPr kumimoji="1" lang="zh-CN" altLang="en-US" sz="1050" b="1" dirty="0">
+                <a:solidFill>
+                  <a:schemeClr val="tx1">
+                    <a:lumMod val="65000"/>
+                    <a:lumOff val="35000"/>
+                  </a:schemeClr>
+                </a:solidFill>
+                <a:latin typeface="+mj-lt"/>
+              </a:endParaRPr>
+            </a:p>
+          </p:txBody>
+        </p:sp>
+        <p:cxnSp>
+          <p:nvCxnSpPr>
+            <p:cNvPr id="60" name="直线箭头连接符 59">
+              <a:extLst>
+                <a:ext uri="{FF2B5EF4-FFF2-40B4-BE49-F238E27FC236}">
+                  <a16:creationId xmlns:a16="http://schemas.microsoft.com/office/drawing/2014/main" id="{2E00CBDF-8A2D-4349-910C-28A772B22C2A}"/>
+                </a:ext>
+              </a:extLst>
+            </p:cNvPr>
+            <p:cNvCxnSpPr>
+              <a:cxnSpLocks/>
+            </p:cNvCxnSpPr>
+            <p:nvPr/>
+          </p:nvCxnSpPr>
+          <p:spPr>
+            <a:xfrm flipV="1">
+              <a:off x="3518684" y="2642135"/>
+              <a:ext cx="681558" cy="3739"/>
+            </a:xfrm>
+            <a:prstGeom prst="straightConnector1">
+              <a:avLst/>
+            </a:prstGeom>
+            <a:ln w="28575">
+              <a:solidFill>
+                <a:schemeClr val="accent3"/>
+              </a:solidFill>
+              <a:headEnd type="triangle"/>
+              <a:tailEnd type="none"/>
+            </a:ln>
+          </p:spPr>
+          <p:style>
+            <a:lnRef idx="1">
+              <a:schemeClr val="accent1"/>
+            </a:lnRef>
+            <a:fillRef idx="0">
+              <a:schemeClr val="accent1"/>
+            </a:fillRef>
+            <a:effectRef idx="0">
+              <a:schemeClr val="accent1"/>
+            </a:effectRef>
+            <a:fontRef idx="minor">
+              <a:schemeClr val="tx1"/>
+            </a:fontRef>
+          </p:style>
+        </p:cxnSp>
+        <p:cxnSp>
+          <p:nvCxnSpPr>
+            <p:cNvPr id="61" name="直线箭头连接符 60">
+              <a:extLst>
+                <a:ext uri="{FF2B5EF4-FFF2-40B4-BE49-F238E27FC236}">
+                  <a16:creationId xmlns:a16="http://schemas.microsoft.com/office/drawing/2014/main" id="{4FA8E81A-6057-024E-A531-66CCC1CE99EC}"/>
+                </a:ext>
+              </a:extLst>
+            </p:cNvPr>
+            <p:cNvCxnSpPr>
+              <a:cxnSpLocks/>
+            </p:cNvCxnSpPr>
+            <p:nvPr/>
+          </p:nvCxnSpPr>
+          <p:spPr>
+            <a:xfrm>
+              <a:off x="3510652" y="5609809"/>
+              <a:ext cx="697623" cy="0"/>
+            </a:xfrm>
+            <a:prstGeom prst="straightConnector1">
+              <a:avLst/>
+            </a:prstGeom>
+            <a:ln w="28575">
+              <a:solidFill>
+                <a:schemeClr val="accent3"/>
+              </a:solidFill>
+              <a:headEnd type="triangle"/>
+              <a:tailEnd type="none"/>
+            </a:ln>
+          </p:spPr>
+          <p:style>
+            <a:lnRef idx="1">
+              <a:schemeClr val="accent1"/>
+            </a:lnRef>
+            <a:fillRef idx="0">
+              <a:schemeClr val="accent1"/>
+            </a:fillRef>
+            <a:effectRef idx="0">
+              <a:schemeClr val="accent1"/>
+            </a:effectRef>
+            <a:fontRef idx="minor">
+              <a:schemeClr val="tx1"/>
+            </a:fontRef>
+          </p:style>
+        </p:cxnSp>
+        <p:sp>
+          <p:nvSpPr>
+            <p:cNvPr id="24" name="文本框 23">
+              <a:extLst>
+                <a:ext uri="{FF2B5EF4-FFF2-40B4-BE49-F238E27FC236}">
+                  <a16:creationId xmlns:a16="http://schemas.microsoft.com/office/drawing/2014/main" id="{D0520DC6-65A9-B442-9023-B4C87BF5AEEF}"/>
+                </a:ext>
+              </a:extLst>
+            </p:cNvPr>
+            <p:cNvSpPr txBox="1"/>
+            <p:nvPr/>
+          </p:nvSpPr>
+          <p:spPr>
+            <a:xfrm>
+              <a:off x="3456148" y="3645075"/>
+              <a:ext cx="806631" cy="253916"/>
+            </a:xfrm>
+            <a:prstGeom prst="rect">
+              <a:avLst/>
+            </a:prstGeom>
+            <a:noFill/>
+          </p:spPr>
+          <p:txBody>
+            <a:bodyPr wrap="none" rtlCol="0">
+              <a:spAutoFit/>
+            </a:bodyPr>
+            <a:lstStyle/>
+            <a:p>
+              <a:pPr algn="ctr"/>
+              <a:r>
+                <a:rPr kumimoji="1" lang="en-US" altLang="zh-CN" sz="1050" dirty="0">
+                  <a:solidFill>
+                    <a:schemeClr val="tx1">
+                      <a:lumMod val="65000"/>
+                      <a:lumOff val="35000"/>
+                    </a:schemeClr>
+                  </a:solidFill>
+                  <a:latin typeface="+mj-lt"/>
+                </a:rPr>
+                <a:t>Sync</a:t>
+              </a:r>
+              <a:r>
+                <a:rPr kumimoji="1" lang="zh-CN" altLang="en-US" sz="1050" dirty="0">
+                  <a:solidFill>
+                    <a:schemeClr val="tx1">
+                      <a:lumMod val="65000"/>
+                      <a:lumOff val="35000"/>
+                    </a:schemeClr>
+                  </a:solidFill>
+                  <a:latin typeface="+mj-lt"/>
+                </a:rPr>
+                <a:t> </a:t>
+              </a:r>
+              <a:r>
+                <a:rPr kumimoji="1" lang="en-US" altLang="zh-CN" sz="1050" dirty="0">
+                  <a:solidFill>
+                    <a:schemeClr val="tx1">
+                      <a:lumMod val="65000"/>
+                      <a:lumOff val="35000"/>
+                    </a:schemeClr>
+                  </a:solidFill>
+                  <a:latin typeface="+mj-lt"/>
+                </a:rPr>
+                <a:t>Data</a:t>
+              </a:r>
+              <a:endParaRPr kumimoji="1" lang="zh-CN" altLang="en-US" sz="1050" dirty="0">
+                <a:solidFill>
+                  <a:schemeClr val="tx1">
+                    <a:lumMod val="65000"/>
+                    <a:lumOff val="35000"/>
+                  </a:schemeClr>
+                </a:solidFill>
+                <a:latin typeface="+mj-lt"/>
+              </a:endParaRPr>
+            </a:p>
+          </p:txBody>
+        </p:sp>
+        <p:cxnSp>
+          <p:nvCxnSpPr>
+            <p:cNvPr id="62" name="直线箭头连接符 61">
+              <a:extLst>
+                <a:ext uri="{FF2B5EF4-FFF2-40B4-BE49-F238E27FC236}">
+                  <a16:creationId xmlns:a16="http://schemas.microsoft.com/office/drawing/2014/main" id="{F89F0BFA-68C8-A742-9A98-150BAF40CDD7}"/>
+                </a:ext>
+              </a:extLst>
+            </p:cNvPr>
+            <p:cNvCxnSpPr>
+              <a:cxnSpLocks/>
+            </p:cNvCxnSpPr>
+            <p:nvPr/>
+          </p:nvCxnSpPr>
+          <p:spPr>
+            <a:xfrm>
+              <a:off x="3510652" y="4017232"/>
+              <a:ext cx="697623" cy="0"/>
+            </a:xfrm>
+            <a:prstGeom prst="straightConnector1">
+              <a:avLst/>
+            </a:prstGeom>
+            <a:ln w="28575">
+              <a:solidFill>
+                <a:schemeClr val="accent3"/>
+              </a:solidFill>
+              <a:headEnd type="triangle"/>
+              <a:tailEnd type="triangle"/>
+            </a:ln>
+          </p:spPr>
+          <p:style>
+            <a:lnRef idx="1">
+              <a:schemeClr val="accent1"/>
+            </a:lnRef>
+            <a:fillRef idx="0">
+              <a:schemeClr val="accent1"/>
+            </a:fillRef>
+            <a:effectRef idx="0">
+              <a:schemeClr val="accent1"/>
+            </a:effectRef>
+            <a:fontRef idx="minor">
+              <a:schemeClr val="tx1"/>
+            </a:fontRef>
+          </p:style>
+        </p:cxnSp>
+        <p:cxnSp>
+          <p:nvCxnSpPr>
+            <p:cNvPr id="102" name="直线箭头连接符 101">
+              <a:extLst>
+                <a:ext uri="{FF2B5EF4-FFF2-40B4-BE49-F238E27FC236}">
+                  <a16:creationId xmlns:a16="http://schemas.microsoft.com/office/drawing/2014/main" id="{FF93D80F-50FF-244B-AE7F-EC846AD1A455}"/>
+                </a:ext>
+              </a:extLst>
+            </p:cNvPr>
+            <p:cNvCxnSpPr>
+              <a:cxnSpLocks/>
+            </p:cNvCxnSpPr>
+            <p:nvPr/>
+          </p:nvCxnSpPr>
+          <p:spPr>
+            <a:xfrm>
+              <a:off x="3510652" y="3516450"/>
+              <a:ext cx="697623" cy="0"/>
+            </a:xfrm>
+            <a:prstGeom prst="straightConnector1">
+              <a:avLst/>
+            </a:prstGeom>
+            <a:ln w="28575">
+              <a:solidFill>
+                <a:schemeClr val="accent3"/>
+              </a:solidFill>
+              <a:headEnd type="triangle"/>
+              <a:tailEnd type="triangle"/>
+            </a:ln>
+          </p:spPr>
+          <p:style>
+            <a:lnRef idx="1">
+              <a:schemeClr val="accent1"/>
+            </a:lnRef>
+            <a:fillRef idx="0">
+              <a:schemeClr val="accent1"/>
+            </a:fillRef>
+            <a:effectRef idx="0">
+              <a:schemeClr val="accent1"/>
+            </a:effectRef>
+            <a:fontRef idx="minor">
+              <a:schemeClr val="tx1"/>
+            </a:fontRef>
+          </p:style>
+        </p:cxnSp>
+        <p:sp>
+          <p:nvSpPr>
+            <p:cNvPr id="75" name="圆角矩形 173">
+              <a:extLst>
+                <a:ext uri="{FF2B5EF4-FFF2-40B4-BE49-F238E27FC236}">
+                  <a16:creationId xmlns:a16="http://schemas.microsoft.com/office/drawing/2014/main" id="{ED3BC708-3EAF-F544-8861-FE1BBB56CCFF}"/>
+                </a:ext>
+              </a:extLst>
+            </p:cNvPr>
+            <p:cNvSpPr/>
+            <p:nvPr/>
+          </p:nvSpPr>
+          <p:spPr>
+            <a:xfrm>
+              <a:off x="4419833" y="3079607"/>
+              <a:ext cx="1116000" cy="684000"/>
+            </a:xfrm>
+            <a:prstGeom prst="roundRect">
+              <a:avLst>
+                <a:gd name="adj" fmla="val 5033"/>
+              </a:avLst>
+            </a:prstGeom>
+            <a:solidFill>
+              <a:schemeClr val="accent2">
+                <a:lumMod val="60000"/>
+                <a:lumOff val="40000"/>
+              </a:schemeClr>
+            </a:solidFill>
+            <a:ln/>
+          </p:spPr>
+          <p:style>
+            <a:lnRef idx="3">
+              <a:schemeClr val="lt1"/>
+            </a:lnRef>
+            <a:fillRef idx="1">
+              <a:schemeClr val="accent4"/>
+            </a:fillRef>
+            <a:effectRef idx="1">
+              <a:schemeClr val="accent4"/>
+            </a:effectRef>
+            <a:fontRef idx="minor">
+              <a:schemeClr val="lt1"/>
+            </a:fontRef>
+          </p:style>
+          <p:txBody>
+            <a:bodyPr rtlCol="0" anchor="ctr"/>
+            <a:lstStyle/>
+            <a:p>
+              <a:pPr algn="ctr"/>
+              <a:r>
+                <a:rPr kumimoji="1" lang="en-US" altLang="zh-CN" sz="1400" b="1" dirty="0">
+                  <a:solidFill>
+                    <a:schemeClr val="bg1"/>
+                  </a:solidFill>
+                  <a:latin typeface="+mj-lt"/>
+                </a:rPr>
+                <a:t>Service Discovery</a:t>
+              </a:r>
+            </a:p>
+          </p:txBody>
+        </p:sp>
+        <p:sp>
+          <p:nvSpPr>
+            <p:cNvPr id="77" name="圆角矩形 173">
+              <a:extLst>
+                <a:ext uri="{FF2B5EF4-FFF2-40B4-BE49-F238E27FC236}">
+                  <a16:creationId xmlns:a16="http://schemas.microsoft.com/office/drawing/2014/main" id="{635371AA-6B2F-B043-A2FA-7CDF2A9887A9}"/>
+                </a:ext>
+              </a:extLst>
+            </p:cNvPr>
+            <p:cNvSpPr/>
+            <p:nvPr/>
+          </p:nvSpPr>
+          <p:spPr>
+            <a:xfrm>
+              <a:off x="4419263" y="4103246"/>
+              <a:ext cx="1116000" cy="684000"/>
+            </a:xfrm>
+            <a:prstGeom prst="roundRect">
+              <a:avLst>
+                <a:gd name="adj" fmla="val 5765"/>
+              </a:avLst>
+            </a:prstGeom>
+            <a:solidFill>
+              <a:schemeClr val="accent2">
+                <a:lumMod val="60000"/>
+                <a:lumOff val="40000"/>
+              </a:schemeClr>
+            </a:solidFill>
+            <a:ln/>
+          </p:spPr>
+          <p:style>
+            <a:lnRef idx="3">
+              <a:schemeClr val="lt1"/>
+            </a:lnRef>
+            <a:fillRef idx="1">
+              <a:schemeClr val="accent4"/>
+            </a:fillRef>
+            <a:effectRef idx="1">
+              <a:schemeClr val="accent4"/>
+            </a:effectRef>
+            <a:fontRef idx="minor">
+              <a:schemeClr val="lt1"/>
+            </a:fontRef>
+          </p:style>
+          <p:txBody>
+            <a:bodyPr rtlCol="0" anchor="ctr"/>
+            <a:lstStyle/>
+            <a:p>
+              <a:pPr algn="ctr"/>
+              <a:r>
+                <a:rPr kumimoji="1" lang="en-US" altLang="zh-CN" sz="1400" b="1" dirty="0">
+                  <a:solidFill>
+                    <a:schemeClr val="bg1"/>
+                  </a:solidFill>
+                  <a:latin typeface="+mj-lt"/>
+                </a:rPr>
+                <a:t>Monitor Controller</a:t>
+              </a:r>
+            </a:p>
+          </p:txBody>
+        </p:sp>
+        <p:sp>
+          <p:nvSpPr>
+            <p:cNvPr id="84" name="圆角矩形 173">
+              <a:extLst>
+                <a:ext uri="{FF2B5EF4-FFF2-40B4-BE49-F238E27FC236}">
+                  <a16:creationId xmlns:a16="http://schemas.microsoft.com/office/drawing/2014/main" id="{8C2807B5-A5EF-7848-B366-BB2CE136DFB6}"/>
+                </a:ext>
+              </a:extLst>
+            </p:cNvPr>
+            <p:cNvSpPr/>
+            <p:nvPr/>
+          </p:nvSpPr>
+          <p:spPr>
+            <a:xfrm>
+              <a:off x="8274721" y="4452406"/>
+              <a:ext cx="982319" cy="370611"/>
+            </a:xfrm>
+            <a:prstGeom prst="roundRect">
+              <a:avLst/>
+            </a:prstGeom>
+            <a:solidFill>
+              <a:schemeClr val="accent2">
+                <a:lumMod val="60000"/>
+                <a:lumOff val="40000"/>
+              </a:schemeClr>
+            </a:solidFill>
+            <a:ln/>
+          </p:spPr>
+          <p:style>
+            <a:lnRef idx="3">
+              <a:schemeClr val="lt1"/>
+            </a:lnRef>
+            <a:fillRef idx="1">
+              <a:schemeClr val="accent4"/>
+            </a:fillRef>
+            <a:effectRef idx="1">
+              <a:schemeClr val="accent4"/>
+            </a:effectRef>
+            <a:fontRef idx="minor">
+              <a:schemeClr val="lt1"/>
+            </a:fontRef>
+          </p:style>
+          <p:txBody>
+            <a:bodyPr rtlCol="0" anchor="ctr"/>
+            <a:lstStyle/>
+            <a:p>
+              <a:pPr algn="ctr"/>
+              <a:r>
+                <a:rPr kumimoji="1" lang="en-US" altLang="zh-CN" sz="1000" b="1" dirty="0">
+                  <a:solidFill>
+                    <a:schemeClr val="bg1"/>
+                  </a:solidFill>
+                  <a:latin typeface="+mj-lt"/>
+                </a:rPr>
+                <a:t>Mesh</a:t>
+              </a:r>
+            </a:p>
+          </p:txBody>
+        </p:sp>
+        <p:sp>
+          <p:nvSpPr>
+            <p:cNvPr id="85" name="圆角矩形 173">
+              <a:extLst>
+                <a:ext uri="{FF2B5EF4-FFF2-40B4-BE49-F238E27FC236}">
+                  <a16:creationId xmlns:a16="http://schemas.microsoft.com/office/drawing/2014/main" id="{0C8F23AB-6712-1444-927C-57F94ACAB4CC}"/>
+                </a:ext>
+              </a:extLst>
+            </p:cNvPr>
+            <p:cNvSpPr/>
+            <p:nvPr/>
+          </p:nvSpPr>
+          <p:spPr>
+            <a:xfrm>
+              <a:off x="10571596" y="4458196"/>
+              <a:ext cx="982319" cy="370611"/>
+            </a:xfrm>
+            <a:prstGeom prst="roundRect">
+              <a:avLst/>
+            </a:prstGeom>
+            <a:solidFill>
+              <a:schemeClr val="accent2">
+                <a:lumMod val="60000"/>
+                <a:lumOff val="40000"/>
+              </a:schemeClr>
+            </a:solidFill>
+            <a:ln/>
+          </p:spPr>
+          <p:style>
+            <a:lnRef idx="3">
+              <a:schemeClr val="lt1"/>
+            </a:lnRef>
+            <a:fillRef idx="1">
+              <a:schemeClr val="accent4"/>
+            </a:fillRef>
+            <a:effectRef idx="1">
+              <a:schemeClr val="accent4"/>
+            </a:effectRef>
+            <a:fontRef idx="minor">
+              <a:schemeClr val="lt1"/>
+            </a:fontRef>
+          </p:style>
+          <p:txBody>
+            <a:bodyPr rtlCol="0" anchor="ctr"/>
+            <a:lstStyle/>
+            <a:p>
+              <a:pPr algn="ctr"/>
+              <a:r>
+                <a:rPr kumimoji="1" lang="en-US" altLang="zh-CN" sz="1000" b="1" dirty="0">
+                  <a:solidFill>
+                    <a:schemeClr val="bg1"/>
+                  </a:solidFill>
+                  <a:latin typeface="+mj-lt"/>
+                </a:rPr>
+                <a:t>FaaS</a:t>
+              </a:r>
+            </a:p>
+          </p:txBody>
+        </p:sp>
+        <p:sp>
+          <p:nvSpPr>
+            <p:cNvPr id="86" name="圆角矩形 173">
+              <a:extLst>
+                <a:ext uri="{FF2B5EF4-FFF2-40B4-BE49-F238E27FC236}">
+                  <a16:creationId xmlns:a16="http://schemas.microsoft.com/office/drawing/2014/main" id="{1071FA0E-456A-0040-9B31-7F44F39E527E}"/>
+                </a:ext>
+              </a:extLst>
+            </p:cNvPr>
+            <p:cNvSpPr/>
+            <p:nvPr/>
+          </p:nvSpPr>
+          <p:spPr>
+            <a:xfrm>
+              <a:off x="5782334" y="3555442"/>
+              <a:ext cx="5894776" cy="552138"/>
+            </a:xfrm>
+            <a:prstGeom prst="roundRect">
+              <a:avLst>
+                <a:gd name="adj" fmla="val 10108"/>
+              </a:avLst>
+            </a:prstGeom>
+            <a:solidFill>
+              <a:srgbClr val="003178"/>
+            </a:solidFill>
+            <a:ln>
+              <a:solidFill>
+                <a:srgbClr val="003178"/>
+              </a:solidFill>
+            </a:ln>
+          </p:spPr>
+          <p:style>
+            <a:lnRef idx="3">
+              <a:schemeClr val="lt1"/>
+            </a:lnRef>
+            <a:fillRef idx="1">
+              <a:schemeClr val="accent4"/>
+            </a:fillRef>
+            <a:effectRef idx="1">
+              <a:schemeClr val="accent4"/>
+            </a:effectRef>
+            <a:fontRef idx="minor">
+              <a:schemeClr val="lt1"/>
+            </a:fontRef>
+          </p:style>
+          <p:txBody>
+            <a:bodyPr rtlCol="0" anchor="ctr"/>
+            <a:lstStyle/>
+            <a:p>
+              <a:pPr algn="ctr"/>
+              <a:r>
+                <a:rPr kumimoji="1" lang="en-US" altLang="zh-CN" sz="1400" b="1" dirty="0">
+                  <a:solidFill>
+                    <a:schemeClr val="bg1"/>
+                  </a:solidFill>
+                  <a:latin typeface="+mj-lt"/>
+                </a:rPr>
+                <a:t>Traffic Controller (Namespaced)</a:t>
+              </a:r>
+            </a:p>
+          </p:txBody>
+        </p:sp>
+        <p:grpSp>
+          <p:nvGrpSpPr>
+            <p:cNvPr id="5" name="组合 4">
+              <a:extLst>
+                <a:ext uri="{FF2B5EF4-FFF2-40B4-BE49-F238E27FC236}">
+                  <a16:creationId xmlns:a16="http://schemas.microsoft.com/office/drawing/2014/main" id="{96C7F6FE-74A1-1946-A0F6-439F2794D1BA}"/>
+                </a:ext>
+              </a:extLst>
+            </p:cNvPr>
+            <p:cNvGrpSpPr/>
+            <p:nvPr/>
+          </p:nvGrpSpPr>
+          <p:grpSpPr>
+            <a:xfrm>
+              <a:off x="7197702" y="1249370"/>
+              <a:ext cx="4479408" cy="2039641"/>
+              <a:chOff x="7197702" y="1095469"/>
+              <a:chExt cx="4479408" cy="2039641"/>
+            </a:xfrm>
+          </p:grpSpPr>
+          <p:sp>
+            <p:nvSpPr>
+              <p:cNvPr id="13" name="圆角矩形 173">
+                <a:extLst>
+                  <a:ext uri="{FF2B5EF4-FFF2-40B4-BE49-F238E27FC236}">
+                    <a16:creationId xmlns:a16="http://schemas.microsoft.com/office/drawing/2014/main" id="{4051C724-4E32-E84F-92FF-BC87F6731356}"/>
+                  </a:ext>
+                </a:extLst>
+              </p:cNvPr>
+              <p:cNvSpPr/>
+              <p:nvPr/>
+            </p:nvSpPr>
+            <p:spPr>
+              <a:xfrm>
+                <a:off x="7197702" y="1095469"/>
+                <a:ext cx="4479408" cy="2039641"/>
+              </a:xfrm>
+              <a:prstGeom prst="roundRect">
+                <a:avLst>
+                  <a:gd name="adj" fmla="val 1631"/>
+                </a:avLst>
+              </a:prstGeom>
+              <a:solidFill>
+                <a:srgbClr val="003178"/>
+              </a:solidFill>
+              <a:ln/>
+            </p:spPr>
+            <p:style>
+              <a:lnRef idx="2">
+                <a:schemeClr val="accent1">
+                  <a:shade val="50000"/>
+                </a:schemeClr>
+              </a:lnRef>
+              <a:fillRef idx="1">
+                <a:schemeClr val="accent1"/>
+              </a:fillRef>
+              <a:effectRef idx="0">
+                <a:schemeClr val="accent1"/>
+              </a:effectRef>
+              <a:fontRef idx="minor">
+                <a:schemeClr val="lt1"/>
+              </a:fontRef>
+            </p:style>
+            <p:txBody>
+              <a:bodyPr tIns="108000" rtlCol="0" anchor="t"/>
+              <a:lstStyle/>
+              <a:p>
+                <a:pPr algn="ctr"/>
+                <a:r>
+                  <a:rPr kumimoji="1" lang="en-US" altLang="zh-CN" b="1" dirty="0">
+                    <a:solidFill>
+                      <a:schemeClr val="bg1"/>
+                    </a:solidFill>
+                  </a:rPr>
+                  <a:t>Pipelines</a:t>
+                </a:r>
+                <a:r>
+                  <a:rPr kumimoji="1" lang="zh-CN" altLang="en-US" b="1" dirty="0">
+                    <a:solidFill>
+                      <a:schemeClr val="bg1"/>
+                    </a:solidFill>
+                  </a:rPr>
+                  <a:t> </a:t>
+                </a:r>
+                <a:r>
+                  <a:rPr kumimoji="1" lang="en-US" altLang="zh-CN" b="1" dirty="0">
+                    <a:solidFill>
+                      <a:schemeClr val="bg1"/>
+                    </a:solidFill>
+                  </a:rPr>
+                  <a:t>Orchestration</a:t>
+                </a:r>
+                <a:r>
+                  <a:rPr kumimoji="1" lang="zh-CN" altLang="en-US" b="1" dirty="0">
+                    <a:solidFill>
+                      <a:schemeClr val="bg1"/>
+                    </a:solidFill>
+                  </a:rPr>
+                  <a:t> </a:t>
+                </a:r>
+                <a:r>
+                  <a:rPr kumimoji="1" lang="zh-CN" altLang="en-US" dirty="0">
+                    <a:solidFill>
+                      <a:schemeClr val="bg1"/>
+                    </a:solidFill>
+                  </a:rPr>
+                  <a:t> </a:t>
+                </a:r>
+                <a:endParaRPr kumimoji="1" lang="en-US" altLang="zh-CN" dirty="0">
+                  <a:solidFill>
+                    <a:schemeClr val="bg1"/>
+                  </a:solidFill>
+                </a:endParaRPr>
+              </a:p>
+              <a:p>
+                <a:pPr algn="ctr"/>
+                <a:r>
+                  <a:rPr kumimoji="1" lang="en-US" altLang="zh-CN" sz="1200" dirty="0">
+                    <a:solidFill>
+                      <a:schemeClr val="bg1"/>
+                    </a:solidFill>
+                  </a:rPr>
+                  <a:t>(Filters</a:t>
+                </a:r>
+                <a:r>
+                  <a:rPr kumimoji="1" lang="zh-CN" altLang="en-US" sz="1200" dirty="0">
+                    <a:solidFill>
+                      <a:schemeClr val="bg1"/>
+                    </a:solidFill>
+                  </a:rPr>
+                  <a:t> </a:t>
+                </a:r>
+                <a:r>
+                  <a:rPr kumimoji="1" lang="en-US" altLang="zh-CN" sz="1200" dirty="0">
+                    <a:solidFill>
+                      <a:schemeClr val="bg1"/>
+                    </a:solidFill>
+                  </a:rPr>
+                  <a:t>Chain)</a:t>
+                </a:r>
+                <a:endParaRPr kumimoji="1" lang="zh-CN" altLang="en-US" sz="900" dirty="0">
+                  <a:solidFill>
+                    <a:schemeClr val="bg1"/>
+                  </a:solidFill>
+                </a:endParaRPr>
+              </a:p>
+            </p:txBody>
+          </p:sp>
+          <p:sp>
+            <p:nvSpPr>
+              <p:cNvPr id="18" name="圆角矩形 173">
+                <a:extLst>
+                  <a:ext uri="{FF2B5EF4-FFF2-40B4-BE49-F238E27FC236}">
+                    <a16:creationId xmlns:a16="http://schemas.microsoft.com/office/drawing/2014/main" id="{AFC2B0DD-6957-424C-9EDF-85E19055D3C9}"/>
+                  </a:ext>
+                </a:extLst>
+              </p:cNvPr>
+              <p:cNvSpPr/>
+              <p:nvPr/>
+            </p:nvSpPr>
+            <p:spPr>
+              <a:xfrm>
+                <a:off x="7416173" y="1880010"/>
+                <a:ext cx="1224947" cy="284179"/>
+              </a:xfrm>
+              <a:prstGeom prst="roundRect">
+                <a:avLst/>
+              </a:prstGeom>
+              <a:solidFill>
+                <a:schemeClr val="accent2">
+                  <a:lumMod val="60000"/>
+                  <a:lumOff val="40000"/>
+                </a:schemeClr>
+              </a:solidFill>
+              <a:ln/>
+            </p:spPr>
+            <p:style>
+              <a:lnRef idx="3">
+                <a:schemeClr val="lt1"/>
+              </a:lnRef>
+              <a:fillRef idx="1">
+                <a:schemeClr val="accent4"/>
+              </a:fillRef>
+              <a:effectRef idx="1">
+                <a:schemeClr val="accent4"/>
+              </a:effectRef>
+              <a:fontRef idx="minor">
+                <a:schemeClr val="lt1"/>
+              </a:fontRef>
+            </p:style>
+            <p:txBody>
+              <a:bodyPr rtlCol="0" anchor="ctr"/>
+              <a:lstStyle/>
+              <a:p>
+                <a:pPr algn="ctr"/>
+                <a:r>
+                  <a:rPr kumimoji="1" lang="en-US" altLang="zh-CN" sz="1000" b="1" dirty="0">
+                    <a:solidFill>
+                      <a:schemeClr val="bg1"/>
+                    </a:solidFill>
+                    <a:latin typeface="+mj-lt"/>
+                  </a:rPr>
+                  <a:t>Validator</a:t>
+                </a:r>
+              </a:p>
+            </p:txBody>
+          </p:sp>
+          <p:sp>
+            <p:nvSpPr>
+              <p:cNvPr id="87" name="圆角矩形 173">
+                <a:extLst>
+                  <a:ext uri="{FF2B5EF4-FFF2-40B4-BE49-F238E27FC236}">
+                    <a16:creationId xmlns:a16="http://schemas.microsoft.com/office/drawing/2014/main" id="{FD196B55-9C8B-9140-9A70-89773CF54455}"/>
+                  </a:ext>
+                </a:extLst>
+              </p:cNvPr>
+              <p:cNvSpPr/>
+              <p:nvPr/>
+            </p:nvSpPr>
+            <p:spPr>
+              <a:xfrm>
+                <a:off x="7416173" y="2300725"/>
+                <a:ext cx="1224947" cy="284179"/>
+              </a:xfrm>
+              <a:prstGeom prst="roundRect">
+                <a:avLst/>
+              </a:prstGeom>
+              <a:solidFill>
+                <a:schemeClr val="accent2">
+                  <a:lumMod val="60000"/>
+                  <a:lumOff val="40000"/>
+                </a:schemeClr>
+              </a:solidFill>
+              <a:ln/>
+            </p:spPr>
+            <p:style>
+              <a:lnRef idx="3">
+                <a:schemeClr val="lt1"/>
+              </a:lnRef>
+              <a:fillRef idx="1">
+                <a:schemeClr val="accent4"/>
+              </a:fillRef>
+              <a:effectRef idx="1">
+                <a:schemeClr val="accent4"/>
+              </a:effectRef>
+              <a:fontRef idx="minor">
+                <a:schemeClr val="lt1"/>
+              </a:fontRef>
+            </p:style>
+            <p:txBody>
+              <a:bodyPr rtlCol="0" anchor="ctr"/>
+              <a:lstStyle/>
+              <a:p>
+                <a:pPr algn="ctr"/>
+                <a:r>
+                  <a:rPr kumimoji="1" lang="en-US" altLang="zh-CN" sz="1000" b="1" dirty="0">
+                    <a:solidFill>
+                      <a:schemeClr val="bg1"/>
+                    </a:solidFill>
+                    <a:latin typeface="+mj-lt"/>
+                  </a:rPr>
+                  <a:t>TimeLimiter</a:t>
+                </a:r>
+              </a:p>
+            </p:txBody>
+          </p:sp>
+          <p:sp>
+            <p:nvSpPr>
+              <p:cNvPr id="88" name="圆角矩形 173">
+                <a:extLst>
+                  <a:ext uri="{FF2B5EF4-FFF2-40B4-BE49-F238E27FC236}">
+                    <a16:creationId xmlns:a16="http://schemas.microsoft.com/office/drawing/2014/main" id="{51E7D082-0A49-B341-BFD6-3C8D0431810F}"/>
+                  </a:ext>
+                </a:extLst>
+              </p:cNvPr>
+              <p:cNvSpPr/>
+              <p:nvPr/>
+            </p:nvSpPr>
+            <p:spPr>
+              <a:xfrm>
+                <a:off x="7416173" y="2693161"/>
+                <a:ext cx="1224947" cy="284179"/>
+              </a:xfrm>
+              <a:prstGeom prst="roundRect">
+                <a:avLst/>
+              </a:prstGeom>
+              <a:solidFill>
+                <a:schemeClr val="accent2">
+                  <a:lumMod val="60000"/>
+                  <a:lumOff val="40000"/>
+                </a:schemeClr>
+              </a:solidFill>
+              <a:ln/>
+            </p:spPr>
+            <p:style>
+              <a:lnRef idx="3">
+                <a:schemeClr val="lt1"/>
+              </a:lnRef>
+              <a:fillRef idx="1">
+                <a:schemeClr val="accent4"/>
+              </a:fillRef>
+              <a:effectRef idx="1">
+                <a:schemeClr val="accent4"/>
+              </a:effectRef>
+              <a:fontRef idx="minor">
+                <a:schemeClr val="lt1"/>
+              </a:fontRef>
+            </p:style>
+            <p:txBody>
+              <a:bodyPr rtlCol="0" anchor="ctr"/>
+              <a:lstStyle/>
+              <a:p>
+                <a:pPr algn="ctr"/>
+                <a:r>
+                  <a:rPr kumimoji="1" lang="en-US" altLang="zh-CN" sz="1000" b="1" dirty="0">
+                    <a:solidFill>
+                      <a:schemeClr val="bg1"/>
+                    </a:solidFill>
+                    <a:latin typeface="+mj-lt"/>
+                  </a:rPr>
+                  <a:t>OAth2</a:t>
+                </a:r>
+                <a:r>
+                  <a:rPr kumimoji="1" lang="zh-CN" altLang="en-US" sz="1000" b="1" dirty="0">
+                    <a:solidFill>
+                      <a:schemeClr val="bg1"/>
+                    </a:solidFill>
+                    <a:latin typeface="+mj-lt"/>
+                  </a:rPr>
+                  <a:t> </a:t>
+                </a:r>
+                <a:r>
+                  <a:rPr kumimoji="1" lang="en-US" altLang="zh-CN" sz="1000" b="1" dirty="0">
+                    <a:solidFill>
+                      <a:schemeClr val="bg1"/>
+                    </a:solidFill>
+                    <a:latin typeface="+mj-lt"/>
+                  </a:rPr>
+                  <a:t>/</a:t>
+                </a:r>
+                <a:r>
+                  <a:rPr kumimoji="1" lang="zh-CN" altLang="en-US" sz="1000" b="1" dirty="0">
+                    <a:solidFill>
+                      <a:schemeClr val="bg1"/>
+                    </a:solidFill>
+                    <a:latin typeface="+mj-lt"/>
+                  </a:rPr>
+                  <a:t> </a:t>
+                </a:r>
+                <a:r>
+                  <a:rPr kumimoji="1" lang="en-US" altLang="zh-CN" sz="1000" b="1" dirty="0">
+                    <a:solidFill>
+                      <a:schemeClr val="bg1"/>
+                    </a:solidFill>
+                    <a:latin typeface="+mj-lt"/>
+                  </a:rPr>
+                  <a:t>HMAC</a:t>
+                </a:r>
+              </a:p>
+            </p:txBody>
+          </p:sp>
+          <p:sp>
+            <p:nvSpPr>
+              <p:cNvPr id="89" name="圆角矩形 173">
+                <a:extLst>
+                  <a:ext uri="{FF2B5EF4-FFF2-40B4-BE49-F238E27FC236}">
+                    <a16:creationId xmlns:a16="http://schemas.microsoft.com/office/drawing/2014/main" id="{23103944-7A9B-8B4F-8561-B04FA8108978}"/>
+                  </a:ext>
+                </a:extLst>
+              </p:cNvPr>
+              <p:cNvSpPr/>
+              <p:nvPr/>
+            </p:nvSpPr>
+            <p:spPr>
+              <a:xfrm>
+                <a:off x="8833566" y="1883600"/>
+                <a:ext cx="1224947" cy="284179"/>
+              </a:xfrm>
+              <a:prstGeom prst="roundRect">
+                <a:avLst/>
+              </a:prstGeom>
+              <a:solidFill>
+                <a:schemeClr val="accent2">
+                  <a:lumMod val="60000"/>
+                  <a:lumOff val="40000"/>
+                </a:schemeClr>
+              </a:solidFill>
+              <a:ln/>
+            </p:spPr>
+            <p:style>
+              <a:lnRef idx="3">
+                <a:schemeClr val="lt1"/>
+              </a:lnRef>
+              <a:fillRef idx="1">
+                <a:schemeClr val="accent4"/>
+              </a:fillRef>
+              <a:effectRef idx="1">
+                <a:schemeClr val="accent4"/>
+              </a:effectRef>
+              <a:fontRef idx="minor">
+                <a:schemeClr val="lt1"/>
+              </a:fontRef>
+            </p:style>
+            <p:txBody>
+              <a:bodyPr rtlCol="0" anchor="ctr"/>
+              <a:lstStyle/>
+              <a:p>
+                <a:pPr algn="ctr"/>
+                <a:r>
+                  <a:rPr kumimoji="1" lang="en-US" altLang="zh-CN" sz="1000" b="1" dirty="0">
+                    <a:solidFill>
+                      <a:schemeClr val="bg1"/>
+                    </a:solidFill>
+                    <a:latin typeface="+mj-lt"/>
+                  </a:rPr>
+                  <a:t>APIAggregator</a:t>
+                </a:r>
+              </a:p>
+            </p:txBody>
+          </p:sp>
+          <p:sp>
+            <p:nvSpPr>
+              <p:cNvPr id="90" name="圆角矩形 173">
+                <a:extLst>
+                  <a:ext uri="{FF2B5EF4-FFF2-40B4-BE49-F238E27FC236}">
+                    <a16:creationId xmlns:a16="http://schemas.microsoft.com/office/drawing/2014/main" id="{D435DCF7-E3B2-A340-A77D-929EC49F375F}"/>
+                  </a:ext>
+                </a:extLst>
+              </p:cNvPr>
+              <p:cNvSpPr/>
+              <p:nvPr/>
+            </p:nvSpPr>
+            <p:spPr>
+              <a:xfrm>
+                <a:off x="8833566" y="2303198"/>
+                <a:ext cx="1224947" cy="284179"/>
+              </a:xfrm>
+              <a:prstGeom prst="roundRect">
+                <a:avLst/>
+              </a:prstGeom>
+              <a:solidFill>
+                <a:schemeClr val="accent2">
+                  <a:lumMod val="60000"/>
+                  <a:lumOff val="40000"/>
+                </a:schemeClr>
+              </a:solidFill>
+              <a:ln/>
+            </p:spPr>
+            <p:style>
+              <a:lnRef idx="3">
+                <a:schemeClr val="lt1"/>
+              </a:lnRef>
+              <a:fillRef idx="1">
+                <a:schemeClr val="accent4"/>
+              </a:fillRef>
+              <a:effectRef idx="1">
+                <a:schemeClr val="accent4"/>
+              </a:effectRef>
+              <a:fontRef idx="minor">
+                <a:schemeClr val="lt1"/>
+              </a:fontRef>
+            </p:style>
+            <p:txBody>
+              <a:bodyPr rtlCol="0" anchor="ctr"/>
+              <a:lstStyle/>
+              <a:p>
+                <a:pPr algn="ctr"/>
+                <a:r>
+                  <a:rPr kumimoji="1" lang="en-US" altLang="zh-CN" sz="1000" b="1" dirty="0">
+                    <a:solidFill>
+                      <a:schemeClr val="bg1"/>
+                    </a:solidFill>
+                    <a:latin typeface="+mj-lt"/>
+                  </a:rPr>
+                  <a:t>Proxy</a:t>
+                </a:r>
+              </a:p>
+            </p:txBody>
+          </p:sp>
+          <p:sp>
+            <p:nvSpPr>
+              <p:cNvPr id="91" name="圆角矩形 173">
+                <a:extLst>
+                  <a:ext uri="{FF2B5EF4-FFF2-40B4-BE49-F238E27FC236}">
+                    <a16:creationId xmlns:a16="http://schemas.microsoft.com/office/drawing/2014/main" id="{F8436577-B7DE-5346-928B-507146244605}"/>
+                  </a:ext>
+                </a:extLst>
+              </p:cNvPr>
+              <p:cNvSpPr/>
+              <p:nvPr/>
+            </p:nvSpPr>
+            <p:spPr>
+              <a:xfrm>
+                <a:off x="8833566" y="2695634"/>
+                <a:ext cx="1224947" cy="284179"/>
+              </a:xfrm>
+              <a:prstGeom prst="roundRect">
+                <a:avLst/>
+              </a:prstGeom>
+              <a:solidFill>
+                <a:schemeClr val="accent2">
+                  <a:lumMod val="60000"/>
+                  <a:lumOff val="40000"/>
+                </a:schemeClr>
+              </a:solidFill>
+              <a:ln/>
+            </p:spPr>
+            <p:style>
+              <a:lnRef idx="3">
+                <a:schemeClr val="lt1"/>
+              </a:lnRef>
+              <a:fillRef idx="1">
+                <a:schemeClr val="accent4"/>
+              </a:fillRef>
+              <a:effectRef idx="1">
+                <a:schemeClr val="accent4"/>
+              </a:effectRef>
+              <a:fontRef idx="minor">
+                <a:schemeClr val="lt1"/>
+              </a:fontRef>
+            </p:style>
+            <p:txBody>
+              <a:bodyPr rtlCol="0" anchor="ctr"/>
+              <a:lstStyle/>
+              <a:p>
+                <a:pPr algn="ctr"/>
+                <a:r>
+                  <a:rPr kumimoji="1" lang="en-US" altLang="zh-CN" sz="1000" b="1" dirty="0">
+                    <a:solidFill>
+                      <a:schemeClr val="bg1"/>
+                    </a:solidFill>
+                    <a:latin typeface="+mj-lt"/>
+                  </a:rPr>
+                  <a:t>Retryer</a:t>
+                </a:r>
+              </a:p>
+            </p:txBody>
+          </p:sp>
+          <p:sp>
+            <p:nvSpPr>
+              <p:cNvPr id="92" name="圆角矩形 173">
+                <a:extLst>
+                  <a:ext uri="{FF2B5EF4-FFF2-40B4-BE49-F238E27FC236}">
+                    <a16:creationId xmlns:a16="http://schemas.microsoft.com/office/drawing/2014/main" id="{5262D441-EEDC-7F49-8EFF-938A55AABB51}"/>
+                  </a:ext>
+                </a:extLst>
+              </p:cNvPr>
+              <p:cNvSpPr/>
+              <p:nvPr/>
+            </p:nvSpPr>
+            <p:spPr>
+              <a:xfrm>
+                <a:off x="10250960" y="1885968"/>
+                <a:ext cx="1224947" cy="284179"/>
+              </a:xfrm>
+              <a:prstGeom prst="roundRect">
+                <a:avLst/>
+              </a:prstGeom>
+              <a:solidFill>
+                <a:schemeClr val="accent2">
+                  <a:lumMod val="60000"/>
+                  <a:lumOff val="40000"/>
+                </a:schemeClr>
+              </a:solidFill>
+              <a:ln/>
+            </p:spPr>
+            <p:style>
+              <a:lnRef idx="3">
+                <a:schemeClr val="lt1"/>
+              </a:lnRef>
+              <a:fillRef idx="1">
+                <a:schemeClr val="accent4"/>
+              </a:fillRef>
+              <a:effectRef idx="1">
+                <a:schemeClr val="accent4"/>
+              </a:effectRef>
+              <a:fontRef idx="minor">
+                <a:schemeClr val="lt1"/>
+              </a:fontRef>
+            </p:style>
+            <p:txBody>
+              <a:bodyPr rtlCol="0" anchor="ctr"/>
+              <a:lstStyle/>
+              <a:p>
+                <a:pPr algn="ctr"/>
+                <a:r>
+                  <a:rPr kumimoji="1" lang="en-US" altLang="zh-CN" sz="1000" b="1" dirty="0">
+                    <a:solidFill>
+                      <a:schemeClr val="bg1"/>
+                    </a:solidFill>
+                    <a:latin typeface="+mj-lt"/>
+                  </a:rPr>
+                  <a:t>RateLimiter</a:t>
+                </a:r>
+              </a:p>
+            </p:txBody>
+          </p:sp>
+          <p:sp>
+            <p:nvSpPr>
+              <p:cNvPr id="93" name="圆角矩形 173">
+                <a:extLst>
+                  <a:ext uri="{FF2B5EF4-FFF2-40B4-BE49-F238E27FC236}">
+                    <a16:creationId xmlns:a16="http://schemas.microsoft.com/office/drawing/2014/main" id="{48F4B14F-CB9B-5A4B-9587-E7767FCD8D3F}"/>
+                  </a:ext>
+                </a:extLst>
+              </p:cNvPr>
+              <p:cNvSpPr/>
+              <p:nvPr/>
+            </p:nvSpPr>
+            <p:spPr>
+              <a:xfrm>
+                <a:off x="10250960" y="2303198"/>
+                <a:ext cx="1224947" cy="284179"/>
+              </a:xfrm>
+              <a:prstGeom prst="roundRect">
+                <a:avLst/>
+              </a:prstGeom>
+              <a:solidFill>
+                <a:schemeClr val="accent2">
+                  <a:lumMod val="60000"/>
+                  <a:lumOff val="40000"/>
+                </a:schemeClr>
+              </a:solidFill>
+              <a:ln/>
+            </p:spPr>
+            <p:style>
+              <a:lnRef idx="3">
+                <a:schemeClr val="lt1"/>
+              </a:lnRef>
+              <a:fillRef idx="1">
+                <a:schemeClr val="accent4"/>
+              </a:fillRef>
+              <a:effectRef idx="1">
+                <a:schemeClr val="accent4"/>
+              </a:effectRef>
+              <a:fontRef idx="minor">
+                <a:schemeClr val="lt1"/>
+              </a:fontRef>
+            </p:style>
+            <p:txBody>
+              <a:bodyPr rtlCol="0" anchor="ctr"/>
+              <a:lstStyle/>
+              <a:p>
+                <a:pPr algn="ctr"/>
+                <a:r>
+                  <a:rPr kumimoji="1" lang="en-US" altLang="zh-CN" sz="1000" b="1" dirty="0">
+                    <a:solidFill>
+                      <a:schemeClr val="bg1"/>
+                    </a:solidFill>
+                    <a:latin typeface="+mj-lt"/>
+                  </a:rPr>
+                  <a:t>CircuitBreaker</a:t>
+                </a:r>
+              </a:p>
+            </p:txBody>
+          </p:sp>
+          <p:sp>
+            <p:nvSpPr>
+              <p:cNvPr id="94" name="圆角矩形 173">
+                <a:extLst>
+                  <a:ext uri="{FF2B5EF4-FFF2-40B4-BE49-F238E27FC236}">
+                    <a16:creationId xmlns:a16="http://schemas.microsoft.com/office/drawing/2014/main" id="{FA6C01DA-69FD-4240-B9AD-74FAF51173FA}"/>
+                  </a:ext>
+                </a:extLst>
+              </p:cNvPr>
+              <p:cNvSpPr/>
+              <p:nvPr/>
+            </p:nvSpPr>
+            <p:spPr>
+              <a:xfrm>
+                <a:off x="10250960" y="2695634"/>
+                <a:ext cx="1224947" cy="284179"/>
+              </a:xfrm>
+              <a:prstGeom prst="roundRect">
+                <a:avLst/>
+              </a:prstGeom>
+              <a:solidFill>
+                <a:schemeClr val="accent2">
+                  <a:lumMod val="60000"/>
+                  <a:lumOff val="40000"/>
+                </a:schemeClr>
+              </a:solidFill>
+              <a:ln/>
+            </p:spPr>
+            <p:style>
+              <a:lnRef idx="3">
+                <a:schemeClr val="lt1"/>
+              </a:lnRef>
+              <a:fillRef idx="1">
+                <a:schemeClr val="accent4"/>
+              </a:fillRef>
+              <a:effectRef idx="1">
+                <a:schemeClr val="accent4"/>
+              </a:effectRef>
+              <a:fontRef idx="minor">
+                <a:schemeClr val="lt1"/>
+              </a:fontRef>
+            </p:style>
+            <p:txBody>
+              <a:bodyPr rtlCol="0" anchor="ctr"/>
+              <a:lstStyle/>
+              <a:p>
+                <a:pPr algn="ctr"/>
+                <a:r>
+                  <a:rPr kumimoji="1" lang="en-US" altLang="zh-CN" sz="1000" b="1" dirty="0">
+                    <a:solidFill>
+                      <a:schemeClr val="bg1"/>
+                    </a:solidFill>
+                    <a:latin typeface="+mj-lt"/>
+                  </a:rPr>
+                  <a:t>CORSAdaptor</a:t>
+                </a:r>
+              </a:p>
+            </p:txBody>
+          </p:sp>
+        </p:grpSp>
+        <p:grpSp>
+          <p:nvGrpSpPr>
+            <p:cNvPr id="6" name="组合 5">
+              <a:extLst>
+                <a:ext uri="{FF2B5EF4-FFF2-40B4-BE49-F238E27FC236}">
+                  <a16:creationId xmlns:a16="http://schemas.microsoft.com/office/drawing/2014/main" id="{17FBDB21-F544-1544-B6C3-40B7A94C498A}"/>
+                </a:ext>
+              </a:extLst>
+            </p:cNvPr>
+            <p:cNvGrpSpPr/>
+            <p:nvPr/>
+          </p:nvGrpSpPr>
+          <p:grpSpPr>
+            <a:xfrm>
+              <a:off x="5753199" y="1249370"/>
+              <a:ext cx="1344363" cy="2039642"/>
+              <a:chOff x="5753199" y="1095469"/>
+              <a:chExt cx="1344363" cy="2039642"/>
+            </a:xfrm>
+          </p:grpSpPr>
+          <p:sp>
+            <p:nvSpPr>
+              <p:cNvPr id="4" name="圆角矩形 173">
+                <a:extLst>
+                  <a:ext uri="{FF2B5EF4-FFF2-40B4-BE49-F238E27FC236}">
+                    <a16:creationId xmlns:a16="http://schemas.microsoft.com/office/drawing/2014/main" id="{3D217519-EE99-874E-BBAF-25163A2E393A}"/>
+                  </a:ext>
+                </a:extLst>
+              </p:cNvPr>
+              <p:cNvSpPr/>
+              <p:nvPr/>
+            </p:nvSpPr>
+            <p:spPr>
+              <a:xfrm>
+                <a:off x="5753199" y="1095469"/>
+                <a:ext cx="1344363" cy="2039642"/>
+              </a:xfrm>
+              <a:prstGeom prst="roundRect">
+                <a:avLst>
+                  <a:gd name="adj" fmla="val 3979"/>
+                </a:avLst>
+              </a:prstGeom>
+              <a:ln/>
+            </p:spPr>
+            <p:style>
+              <a:lnRef idx="2">
+                <a:schemeClr val="accent1">
+                  <a:shade val="50000"/>
+                </a:schemeClr>
+              </a:lnRef>
+              <a:fillRef idx="1">
+                <a:schemeClr val="accent1"/>
+              </a:fillRef>
+              <a:effectRef idx="0">
+                <a:schemeClr val="accent1"/>
+              </a:effectRef>
+              <a:fontRef idx="minor">
+                <a:schemeClr val="lt1"/>
+              </a:fontRef>
+            </p:style>
+            <p:txBody>
+              <a:bodyPr tIns="108000" rtlCol="0" anchor="t"/>
+              <a:lstStyle/>
+              <a:p>
+                <a:pPr algn="ctr"/>
+                <a:r>
+                  <a:rPr kumimoji="1" lang="en-US" altLang="zh-CN" b="1" dirty="0">
+                    <a:solidFill>
+                      <a:schemeClr val="bg1"/>
+                    </a:solidFill>
+                  </a:rPr>
+                  <a:t>Traffic</a:t>
+                </a:r>
+                <a:r>
+                  <a:rPr kumimoji="1" lang="zh-CN" altLang="en-US" b="1" dirty="0">
+                    <a:solidFill>
+                      <a:schemeClr val="bg1"/>
+                    </a:solidFill>
+                  </a:rPr>
+                  <a:t> </a:t>
+                </a:r>
+                <a:r>
+                  <a:rPr kumimoji="1" lang="en-US" altLang="zh-CN" b="1" dirty="0">
+                    <a:solidFill>
+                      <a:schemeClr val="bg1"/>
+                    </a:solidFill>
+                  </a:rPr>
+                  <a:t>Gate</a:t>
+                </a:r>
+              </a:p>
+            </p:txBody>
+          </p:sp>
+          <p:sp>
+            <p:nvSpPr>
+              <p:cNvPr id="68" name="圆角矩形 173">
+                <a:extLst>
+                  <a:ext uri="{FF2B5EF4-FFF2-40B4-BE49-F238E27FC236}">
+                    <a16:creationId xmlns:a16="http://schemas.microsoft.com/office/drawing/2014/main" id="{4844B3BF-276C-CD48-BFB1-F16030B9656E}"/>
+                  </a:ext>
+                </a:extLst>
+              </p:cNvPr>
+              <p:cNvSpPr/>
+              <p:nvPr/>
+            </p:nvSpPr>
+            <p:spPr>
+              <a:xfrm>
+                <a:off x="5876444" y="1878782"/>
+                <a:ext cx="1123405" cy="288997"/>
+              </a:xfrm>
+              <a:prstGeom prst="roundRect">
+                <a:avLst/>
+              </a:prstGeom>
+              <a:solidFill>
+                <a:schemeClr val="accent2">
+                  <a:lumMod val="60000"/>
+                  <a:lumOff val="40000"/>
+                </a:schemeClr>
+              </a:solidFill>
+              <a:ln/>
+            </p:spPr>
+            <p:style>
+              <a:lnRef idx="3">
+                <a:schemeClr val="lt1"/>
+              </a:lnRef>
+              <a:fillRef idx="1">
+                <a:schemeClr val="accent4"/>
+              </a:fillRef>
+              <a:effectRef idx="1">
+                <a:schemeClr val="accent4"/>
+              </a:effectRef>
+              <a:fontRef idx="minor">
+                <a:schemeClr val="lt1"/>
+              </a:fontRef>
+            </p:style>
+            <p:txBody>
+              <a:bodyPr rtlCol="0" anchor="ctr"/>
+              <a:lstStyle/>
+              <a:p>
+                <a:pPr algn="ctr"/>
+                <a:r>
+                  <a:rPr kumimoji="1" lang="en-US" altLang="zh-CN" sz="1000" b="1" dirty="0">
+                    <a:solidFill>
+                      <a:schemeClr val="bg1"/>
+                    </a:solidFill>
+                    <a:latin typeface="+mj-lt"/>
+                  </a:rPr>
+                  <a:t>HTTP1/2/3</a:t>
+                </a:r>
+              </a:p>
+            </p:txBody>
+          </p:sp>
+          <p:sp>
+            <p:nvSpPr>
+              <p:cNvPr id="95" name="圆角矩形 173">
+                <a:extLst>
+                  <a:ext uri="{FF2B5EF4-FFF2-40B4-BE49-F238E27FC236}">
+                    <a16:creationId xmlns:a16="http://schemas.microsoft.com/office/drawing/2014/main" id="{5BD07B9C-9846-8642-944D-3CCD926BFB71}"/>
+                  </a:ext>
+                </a:extLst>
+              </p:cNvPr>
+              <p:cNvSpPr/>
+              <p:nvPr/>
+            </p:nvSpPr>
+            <p:spPr>
+              <a:xfrm>
+                <a:off x="5876444" y="2287498"/>
+                <a:ext cx="1123405" cy="288997"/>
+              </a:xfrm>
+              <a:prstGeom prst="roundRect">
+                <a:avLst/>
+              </a:prstGeom>
+              <a:solidFill>
+                <a:schemeClr val="accent2">
+                  <a:lumMod val="60000"/>
+                  <a:lumOff val="40000"/>
+                </a:schemeClr>
+              </a:solidFill>
+              <a:ln/>
+            </p:spPr>
+            <p:style>
+              <a:lnRef idx="3">
+                <a:schemeClr val="lt1"/>
+              </a:lnRef>
+              <a:fillRef idx="1">
+                <a:schemeClr val="accent4"/>
+              </a:fillRef>
+              <a:effectRef idx="1">
+                <a:schemeClr val="accent4"/>
+              </a:effectRef>
+              <a:fontRef idx="minor">
+                <a:schemeClr val="lt1"/>
+              </a:fontRef>
+            </p:style>
+            <p:txBody>
+              <a:bodyPr rtlCol="0" anchor="ctr"/>
+              <a:lstStyle/>
+              <a:p>
+                <a:pPr algn="ctr"/>
+                <a:r>
+                  <a:rPr kumimoji="1" lang="en-US" altLang="zh-CN" sz="1000" b="1" dirty="0">
+                    <a:solidFill>
+                      <a:schemeClr val="bg1"/>
+                    </a:solidFill>
+                    <a:latin typeface="+mj-lt"/>
+                  </a:rPr>
+                  <a:t>MQTT</a:t>
+                </a:r>
+              </a:p>
+            </p:txBody>
+          </p:sp>
+          <p:sp>
+            <p:nvSpPr>
+              <p:cNvPr id="96" name="圆角矩形 173">
+                <a:extLst>
+                  <a:ext uri="{FF2B5EF4-FFF2-40B4-BE49-F238E27FC236}">
+                    <a16:creationId xmlns:a16="http://schemas.microsoft.com/office/drawing/2014/main" id="{E551BCDE-2121-7342-8648-9F7F7D3014CF}"/>
+                  </a:ext>
+                </a:extLst>
+              </p:cNvPr>
+              <p:cNvSpPr/>
+              <p:nvPr/>
+            </p:nvSpPr>
+            <p:spPr>
+              <a:xfrm>
+                <a:off x="5876444" y="2696214"/>
+                <a:ext cx="1123405" cy="288997"/>
+              </a:xfrm>
+              <a:prstGeom prst="roundRect">
+                <a:avLst/>
+              </a:prstGeom>
+              <a:solidFill>
+                <a:schemeClr val="accent2">
+                  <a:lumMod val="60000"/>
+                  <a:lumOff val="40000"/>
+                </a:schemeClr>
+              </a:solidFill>
+              <a:ln/>
+            </p:spPr>
+            <p:style>
+              <a:lnRef idx="3">
+                <a:schemeClr val="lt1"/>
+              </a:lnRef>
+              <a:fillRef idx="1">
+                <a:schemeClr val="accent4"/>
+              </a:fillRef>
+              <a:effectRef idx="1">
+                <a:schemeClr val="accent4"/>
+              </a:effectRef>
+              <a:fontRef idx="minor">
+                <a:schemeClr val="lt1"/>
+              </a:fontRef>
+            </p:style>
+            <p:txBody>
+              <a:bodyPr rtlCol="0" anchor="ctr"/>
+              <a:lstStyle/>
+              <a:p>
+                <a:pPr algn="ctr"/>
+                <a:r>
+                  <a:rPr kumimoji="1" lang="en-US" altLang="zh-CN" sz="1000" b="1" dirty="0">
+                    <a:solidFill>
+                      <a:schemeClr val="bg1"/>
+                    </a:solidFill>
+                    <a:latin typeface="+mj-lt"/>
+                  </a:rPr>
+                  <a:t>WebSocket</a:t>
+                </a:r>
+              </a:p>
+            </p:txBody>
+          </p:sp>
+        </p:grpSp>
+        <p:sp>
+          <p:nvSpPr>
+            <p:cNvPr id="100" name="圆角矩形 173">
+              <a:extLst>
+                <a:ext uri="{FF2B5EF4-FFF2-40B4-BE49-F238E27FC236}">
+                  <a16:creationId xmlns:a16="http://schemas.microsoft.com/office/drawing/2014/main" id="{1488E482-81FB-384F-BE67-45BCCB617CD9}"/>
+                </a:ext>
+              </a:extLst>
+            </p:cNvPr>
+            <p:cNvSpPr/>
+            <p:nvPr/>
+          </p:nvSpPr>
+          <p:spPr>
+            <a:xfrm>
+              <a:off x="9435302" y="4458196"/>
+              <a:ext cx="982319" cy="370611"/>
+            </a:xfrm>
+            <a:prstGeom prst="roundRect">
+              <a:avLst/>
+            </a:prstGeom>
+            <a:solidFill>
+              <a:schemeClr val="accent2">
+                <a:lumMod val="60000"/>
+                <a:lumOff val="40000"/>
+              </a:schemeClr>
+            </a:solidFill>
+            <a:ln/>
+          </p:spPr>
+          <p:style>
+            <a:lnRef idx="3">
+              <a:schemeClr val="lt1"/>
+            </a:lnRef>
+            <a:fillRef idx="1">
+              <a:schemeClr val="accent4"/>
+            </a:fillRef>
+            <a:effectRef idx="1">
+              <a:schemeClr val="accent4"/>
+            </a:effectRef>
+            <a:fontRef idx="minor">
+              <a:schemeClr val="lt1"/>
+            </a:fontRef>
+          </p:style>
+          <p:txBody>
+            <a:bodyPr rtlCol="0" anchor="ctr"/>
+            <a:lstStyle/>
+            <a:p>
+              <a:pPr algn="ctr"/>
+              <a:r>
+                <a:rPr kumimoji="1" lang="en-US" altLang="zh-CN" sz="1000" b="1" dirty="0">
+                  <a:solidFill>
+                    <a:schemeClr val="bg1"/>
+                  </a:solidFill>
+                  <a:latin typeface="+mj-lt"/>
+                </a:rPr>
+                <a:t>Fallback</a:t>
+              </a:r>
+            </a:p>
+          </p:txBody>
+        </p:sp>
+        <p:sp>
+          <p:nvSpPr>
+            <p:cNvPr id="101" name="文本框 100">
+              <a:extLst>
+                <a:ext uri="{FF2B5EF4-FFF2-40B4-BE49-F238E27FC236}">
+                  <a16:creationId xmlns:a16="http://schemas.microsoft.com/office/drawing/2014/main" id="{8692AC18-1011-E44A-BC57-FED21AE90B32}"/>
+                </a:ext>
+              </a:extLst>
+            </p:cNvPr>
+            <p:cNvSpPr txBox="1"/>
+            <p:nvPr/>
+          </p:nvSpPr>
+          <p:spPr>
+            <a:xfrm>
+              <a:off x="7177855" y="3293877"/>
+              <a:ext cx="3103735" cy="253916"/>
+            </a:xfrm>
+            <a:prstGeom prst="rect">
+              <a:avLst/>
+            </a:prstGeom>
+            <a:noFill/>
+          </p:spPr>
+          <p:txBody>
+            <a:bodyPr wrap="none" rtlCol="0">
+              <a:spAutoFit/>
+            </a:bodyPr>
+            <a:lstStyle/>
+            <a:p>
+              <a:r>
+                <a:rPr kumimoji="1" lang="en-US" altLang="zh-CN" sz="1050" dirty="0">
+                  <a:solidFill>
+                    <a:schemeClr val="tx1">
+                      <a:lumMod val="65000"/>
+                      <a:lumOff val="35000"/>
+                    </a:schemeClr>
+                  </a:solidFill>
+                  <a:latin typeface="+mj-lt"/>
+                </a:rPr>
+                <a:t>Manage</a:t>
+              </a:r>
+              <a:r>
+                <a:rPr kumimoji="1" lang="zh-CN" altLang="en-US" sz="1050" dirty="0">
+                  <a:solidFill>
+                    <a:schemeClr val="tx1">
+                      <a:lumMod val="65000"/>
+                      <a:lumOff val="35000"/>
+                    </a:schemeClr>
+                  </a:solidFill>
+                  <a:latin typeface="+mj-lt"/>
+                </a:rPr>
+                <a:t> </a:t>
+              </a:r>
+              <a:r>
+                <a:rPr kumimoji="1" lang="en-US" altLang="zh-CN" sz="1050" dirty="0">
+                  <a:solidFill>
+                    <a:schemeClr val="tx1">
+                      <a:lumMod val="65000"/>
+                      <a:lumOff val="35000"/>
+                    </a:schemeClr>
+                  </a:solidFill>
+                  <a:latin typeface="+mj-lt"/>
+                </a:rPr>
+                <a:t>TrafficGate&amp;Pipeline in All Namespaces</a:t>
+              </a:r>
+              <a:endParaRPr kumimoji="1" lang="zh-CN" altLang="en-US" sz="1050" dirty="0">
+                <a:solidFill>
+                  <a:schemeClr val="tx1">
+                    <a:lumMod val="65000"/>
+                    <a:lumOff val="35000"/>
+                  </a:schemeClr>
+                </a:solidFill>
+                <a:latin typeface="+mj-lt"/>
+              </a:endParaRPr>
+            </a:p>
+          </p:txBody>
+        </p:sp>
+        <p:sp>
+          <p:nvSpPr>
+            <p:cNvPr id="104" name="圆角矩形 173">
+              <a:extLst>
+                <a:ext uri="{FF2B5EF4-FFF2-40B4-BE49-F238E27FC236}">
+                  <a16:creationId xmlns:a16="http://schemas.microsoft.com/office/drawing/2014/main" id="{05615D5C-E1CF-4D4F-924C-D30B6CE1BB3E}"/>
+                </a:ext>
+              </a:extLst>
+            </p:cNvPr>
+            <p:cNvSpPr/>
+            <p:nvPr/>
+          </p:nvSpPr>
+          <p:spPr>
+            <a:xfrm>
+              <a:off x="7138427" y="4452405"/>
+              <a:ext cx="982319" cy="370611"/>
+            </a:xfrm>
+            <a:prstGeom prst="roundRect">
+              <a:avLst/>
+            </a:prstGeom>
+            <a:solidFill>
+              <a:schemeClr val="accent2">
+                <a:lumMod val="60000"/>
+                <a:lumOff val="40000"/>
+              </a:schemeClr>
+            </a:solidFill>
+            <a:ln/>
+          </p:spPr>
+          <p:style>
+            <a:lnRef idx="3">
+              <a:schemeClr val="lt1"/>
+            </a:lnRef>
+            <a:fillRef idx="1">
+              <a:schemeClr val="accent4"/>
+            </a:fillRef>
+            <a:effectRef idx="1">
+              <a:schemeClr val="accent4"/>
+            </a:effectRef>
+            <a:fontRef idx="minor">
+              <a:schemeClr val="lt1"/>
+            </a:fontRef>
+          </p:style>
+          <p:txBody>
+            <a:bodyPr rtlCol="0" anchor="ctr"/>
+            <a:lstStyle/>
+            <a:p>
+              <a:pPr algn="ctr"/>
+              <a:r>
+                <a:rPr kumimoji="1" lang="en-US" altLang="zh-CN" sz="1000" b="1" dirty="0">
+                  <a:solidFill>
+                    <a:schemeClr val="bg1"/>
+                  </a:solidFill>
+                  <a:latin typeface="+mj-lt"/>
+                </a:rPr>
+                <a:t>RawConfig</a:t>
+              </a:r>
+            </a:p>
+          </p:txBody>
+        </p:sp>
+        <p:grpSp>
+          <p:nvGrpSpPr>
+            <p:cNvPr id="3" name="组合 2">
+              <a:extLst>
+                <a:ext uri="{FF2B5EF4-FFF2-40B4-BE49-F238E27FC236}">
+                  <a16:creationId xmlns:a16="http://schemas.microsoft.com/office/drawing/2014/main" id="{3176937C-70D4-5442-8D18-D50DED5DAF71}"/>
+                </a:ext>
+              </a:extLst>
+            </p:cNvPr>
+            <p:cNvGrpSpPr/>
+            <p:nvPr/>
+          </p:nvGrpSpPr>
+          <p:grpSpPr>
+            <a:xfrm>
+              <a:off x="6717604" y="3320484"/>
+              <a:ext cx="3869283" cy="980411"/>
+              <a:chOff x="6717604" y="3320484"/>
+              <a:chExt cx="3869283" cy="980411"/>
+            </a:xfrm>
+          </p:grpSpPr>
+          <p:cxnSp>
+            <p:nvCxnSpPr>
+              <p:cNvPr id="97" name="直线箭头连接符 96">
+                <a:extLst>
+                  <a:ext uri="{FF2B5EF4-FFF2-40B4-BE49-F238E27FC236}">
+                    <a16:creationId xmlns:a16="http://schemas.microsoft.com/office/drawing/2014/main" id="{9D3170B5-0BEF-0E4D-9660-BFEDA2AE6AD3}"/>
+                  </a:ext>
+                </a:extLst>
+              </p:cNvPr>
+              <p:cNvCxnSpPr>
+                <a:cxnSpLocks/>
+              </p:cNvCxnSpPr>
+              <p:nvPr/>
+            </p:nvCxnSpPr>
+            <p:spPr>
+              <a:xfrm>
+                <a:off x="6717604" y="3326150"/>
+                <a:ext cx="0" cy="180000"/>
+              </a:xfrm>
+              <a:prstGeom prst="straightConnector1">
+                <a:avLst/>
+              </a:prstGeom>
+              <a:ln w="28575">
+                <a:solidFill>
+                  <a:schemeClr val="accent3"/>
+                </a:solidFill>
+                <a:headEnd type="triangle"/>
+                <a:tailEnd type="none"/>
+              </a:ln>
+            </p:spPr>
+            <p:style>
+              <a:lnRef idx="1">
+                <a:schemeClr val="accent1"/>
+              </a:lnRef>
+              <a:fillRef idx="0">
+                <a:schemeClr val="accent1"/>
+              </a:fillRef>
+              <a:effectRef idx="0">
+                <a:schemeClr val="accent1"/>
+              </a:effectRef>
+              <a:fontRef idx="minor">
+                <a:schemeClr val="tx1"/>
+              </a:fontRef>
+            </p:style>
+          </p:cxnSp>
+          <p:cxnSp>
+            <p:nvCxnSpPr>
+              <p:cNvPr id="99" name="直线箭头连接符 98">
+                <a:extLst>
+                  <a:ext uri="{FF2B5EF4-FFF2-40B4-BE49-F238E27FC236}">
+                    <a16:creationId xmlns:a16="http://schemas.microsoft.com/office/drawing/2014/main" id="{2F6561BE-CC90-7841-9B91-3B45597E1E47}"/>
+                  </a:ext>
+                </a:extLst>
+              </p:cNvPr>
+              <p:cNvCxnSpPr>
+                <a:cxnSpLocks/>
+              </p:cNvCxnSpPr>
+              <p:nvPr/>
+            </p:nvCxnSpPr>
+            <p:spPr>
+              <a:xfrm>
+                <a:off x="10574187" y="3320484"/>
+                <a:ext cx="0" cy="180000"/>
+              </a:xfrm>
+              <a:prstGeom prst="straightConnector1">
+                <a:avLst/>
+              </a:prstGeom>
+              <a:ln w="28575">
+                <a:solidFill>
+                  <a:schemeClr val="accent3"/>
+                </a:solidFill>
+                <a:headEnd type="triangle"/>
+                <a:tailEnd type="none"/>
+              </a:ln>
+            </p:spPr>
+            <p:style>
+              <a:lnRef idx="1">
+                <a:schemeClr val="accent1"/>
+              </a:lnRef>
+              <a:fillRef idx="0">
+                <a:schemeClr val="accent1"/>
+              </a:fillRef>
+              <a:effectRef idx="0">
+                <a:schemeClr val="accent1"/>
+              </a:effectRef>
+              <a:fontRef idx="minor">
+                <a:schemeClr val="tx1"/>
+              </a:fontRef>
+            </p:style>
+          </p:cxnSp>
+          <p:cxnSp>
+            <p:nvCxnSpPr>
+              <p:cNvPr id="105" name="直线箭头连接符 104">
+                <a:extLst>
+                  <a:ext uri="{FF2B5EF4-FFF2-40B4-BE49-F238E27FC236}">
+                    <a16:creationId xmlns:a16="http://schemas.microsoft.com/office/drawing/2014/main" id="{FB733ED8-6CF8-D24B-A193-C8AF31304BBD}"/>
+                  </a:ext>
+                </a:extLst>
+              </p:cNvPr>
+              <p:cNvCxnSpPr>
+                <a:cxnSpLocks/>
+              </p:cNvCxnSpPr>
+              <p:nvPr/>
+            </p:nvCxnSpPr>
+            <p:spPr>
+              <a:xfrm>
+                <a:off x="6730304" y="4120895"/>
+                <a:ext cx="0" cy="180000"/>
+              </a:xfrm>
+              <a:prstGeom prst="straightConnector1">
+                <a:avLst/>
+              </a:prstGeom>
+              <a:ln w="28575">
+                <a:solidFill>
+                  <a:schemeClr val="accent3"/>
+                </a:solidFill>
+                <a:headEnd type="triangle"/>
+                <a:tailEnd type="none"/>
+              </a:ln>
+            </p:spPr>
+            <p:style>
+              <a:lnRef idx="1">
+                <a:schemeClr val="accent1"/>
+              </a:lnRef>
+              <a:fillRef idx="0">
+                <a:schemeClr val="accent1"/>
+              </a:fillRef>
+              <a:effectRef idx="0">
+                <a:schemeClr val="accent1"/>
+              </a:effectRef>
+              <a:fontRef idx="minor">
+                <a:schemeClr val="tx1"/>
+              </a:fontRef>
+            </p:style>
+          </p:cxnSp>
+          <p:cxnSp>
+            <p:nvCxnSpPr>
+              <p:cNvPr id="106" name="直线箭头连接符 105">
+                <a:extLst>
+                  <a:ext uri="{FF2B5EF4-FFF2-40B4-BE49-F238E27FC236}">
+                    <a16:creationId xmlns:a16="http://schemas.microsoft.com/office/drawing/2014/main" id="{2FAFB3AE-F724-1C43-AD24-480A2C280EAD}"/>
+                  </a:ext>
+                </a:extLst>
+              </p:cNvPr>
+              <p:cNvCxnSpPr>
+                <a:cxnSpLocks/>
+              </p:cNvCxnSpPr>
+              <p:nvPr/>
+            </p:nvCxnSpPr>
+            <p:spPr>
+              <a:xfrm>
+                <a:off x="10586887" y="4115229"/>
+                <a:ext cx="0" cy="180000"/>
+              </a:xfrm>
+              <a:prstGeom prst="straightConnector1">
+                <a:avLst/>
+              </a:prstGeom>
+              <a:ln w="28575">
+                <a:solidFill>
+                  <a:schemeClr val="accent3"/>
+                </a:solidFill>
+                <a:headEnd type="triangle"/>
+                <a:tailEnd type="none"/>
+              </a:ln>
+            </p:spPr>
+            <p:style>
+              <a:lnRef idx="1">
+                <a:schemeClr val="accent1"/>
+              </a:lnRef>
+              <a:fillRef idx="0">
+                <a:schemeClr val="accent1"/>
+              </a:fillRef>
+              <a:effectRef idx="0">
+                <a:schemeClr val="accent1"/>
+              </a:effectRef>
+              <a:fontRef idx="minor">
+                <a:schemeClr val="tx1"/>
+              </a:fontRef>
+            </p:style>
+          </p:cxnSp>
+        </p:grpSp>
+        <p:sp>
+          <p:nvSpPr>
+            <p:cNvPr id="107" name="文本框 106">
+              <a:extLst>
+                <a:ext uri="{FF2B5EF4-FFF2-40B4-BE49-F238E27FC236}">
+                  <a16:creationId xmlns:a16="http://schemas.microsoft.com/office/drawing/2014/main" id="{822F3668-0389-854A-9707-B9D4D9B0C608}"/>
+                </a:ext>
+              </a:extLst>
+            </p:cNvPr>
+            <p:cNvSpPr txBox="1"/>
+            <p:nvPr/>
+          </p:nvSpPr>
+          <p:spPr>
+            <a:xfrm>
+              <a:off x="7445556" y="4087305"/>
+              <a:ext cx="2568332" cy="253916"/>
+            </a:xfrm>
+            <a:prstGeom prst="rect">
+              <a:avLst/>
+            </a:prstGeom>
+            <a:noFill/>
+          </p:spPr>
+          <p:txBody>
+            <a:bodyPr wrap="none" rtlCol="0">
+              <a:spAutoFit/>
+            </a:bodyPr>
+            <a:lstStyle/>
+            <a:p>
+              <a:pPr algn="ctr"/>
+              <a:r>
+                <a:rPr kumimoji="1" lang="en-US" altLang="zh-CN" sz="1050" dirty="0">
+                  <a:solidFill>
+                    <a:schemeClr val="tx1">
+                      <a:lumMod val="65000"/>
+                      <a:lumOff val="35000"/>
+                    </a:schemeClr>
+                  </a:solidFill>
+                  <a:latin typeface="+mj-lt"/>
+                </a:rPr>
+                <a:t>Mange Traffic in or across Namespaces</a:t>
+              </a:r>
+              <a:endParaRPr kumimoji="1" lang="zh-CN" altLang="en-US" sz="1050" dirty="0">
+                <a:solidFill>
+                  <a:schemeClr val="tx1">
+                    <a:lumMod val="65000"/>
+                    <a:lumOff val="35000"/>
+                  </a:schemeClr>
+                </a:solidFill>
+                <a:latin typeface="+mj-lt"/>
+              </a:endParaRPr>
+            </a:p>
+          </p:txBody>
+        </p:sp>
+        <p:grpSp>
+          <p:nvGrpSpPr>
+            <p:cNvPr id="7" name="组合 6">
+              <a:extLst>
+                <a:ext uri="{FF2B5EF4-FFF2-40B4-BE49-F238E27FC236}">
+                  <a16:creationId xmlns:a16="http://schemas.microsoft.com/office/drawing/2014/main" id="{37B81EF3-E8FB-994F-98C4-7E31D134B9F2}"/>
+                </a:ext>
+              </a:extLst>
+            </p:cNvPr>
+            <p:cNvGrpSpPr/>
+            <p:nvPr/>
+          </p:nvGrpSpPr>
+          <p:grpSpPr>
+            <a:xfrm>
+              <a:off x="5142831" y="4946943"/>
+              <a:ext cx="5270023" cy="253916"/>
+              <a:chOff x="5142831" y="5091791"/>
+              <a:chExt cx="5270023" cy="253916"/>
+            </a:xfrm>
+          </p:grpSpPr>
+          <p:sp>
+            <p:nvSpPr>
+              <p:cNvPr id="55" name="右箭头 54">
+                <a:extLst>
+                  <a:ext uri="{FF2B5EF4-FFF2-40B4-BE49-F238E27FC236}">
+                    <a16:creationId xmlns:a16="http://schemas.microsoft.com/office/drawing/2014/main" id="{F83BCAD4-7DBC-B445-9BB4-F824D59A6331}"/>
+                  </a:ext>
+                </a:extLst>
+              </p:cNvPr>
+              <p:cNvSpPr/>
+              <p:nvPr/>
+            </p:nvSpPr>
+            <p:spPr>
+              <a:xfrm rot="16200000">
+                <a:off x="5142831" y="5128750"/>
+                <a:ext cx="180000" cy="180000"/>
+              </a:xfrm>
+              <a:prstGeom prst="rightArrow">
+                <a:avLst/>
+              </a:prstGeom>
+              <a:solidFill>
+                <a:schemeClr val="accent1">
+                  <a:lumMod val="20000"/>
+                  <a:lumOff val="80000"/>
+                </a:schemeClr>
+              </a:solidFill>
+              <a:ln>
+                <a:solidFill>
+                  <a:schemeClr val="tx1"/>
+                </a:solidFill>
+              </a:ln>
+            </p:spPr>
+            <p:style>
+              <a:lnRef idx="2">
+                <a:schemeClr val="accent4">
+                  <a:shade val="50000"/>
+                </a:schemeClr>
+              </a:lnRef>
+              <a:fillRef idx="1">
+                <a:schemeClr val="accent4"/>
+              </a:fillRef>
+              <a:effectRef idx="0">
+                <a:schemeClr val="accent4"/>
+              </a:effectRef>
+              <a:fontRef idx="minor">
+                <a:schemeClr val="lt1"/>
+              </a:fontRef>
+            </p:style>
+            <p:txBody>
+              <a:bodyPr rtlCol="0" anchor="ctr"/>
+              <a:lstStyle/>
+              <a:p>
+                <a:pPr algn="ctr"/>
+                <a:endParaRPr kumimoji="1" lang="zh-CN" altLang="en-US"/>
+              </a:p>
+            </p:txBody>
+          </p:sp>
+          <p:sp>
+            <p:nvSpPr>
+              <p:cNvPr id="56" name="右箭头 55">
+                <a:extLst>
+                  <a:ext uri="{FF2B5EF4-FFF2-40B4-BE49-F238E27FC236}">
+                    <a16:creationId xmlns:a16="http://schemas.microsoft.com/office/drawing/2014/main" id="{DF7A7570-D5F2-3644-B5C2-A39833606302}"/>
+                  </a:ext>
+                </a:extLst>
+              </p:cNvPr>
+              <p:cNvSpPr/>
+              <p:nvPr/>
+            </p:nvSpPr>
+            <p:spPr>
+              <a:xfrm rot="16200000">
+                <a:off x="7687843" y="5128750"/>
+                <a:ext cx="180000" cy="180000"/>
+              </a:xfrm>
+              <a:prstGeom prst="rightArrow">
+                <a:avLst/>
+              </a:prstGeom>
+              <a:solidFill>
+                <a:schemeClr val="accent1">
+                  <a:lumMod val="20000"/>
+                  <a:lumOff val="80000"/>
+                </a:schemeClr>
+              </a:solidFill>
+              <a:ln>
+                <a:solidFill>
+                  <a:schemeClr val="tx1"/>
+                </a:solidFill>
+              </a:ln>
+            </p:spPr>
+            <p:style>
+              <a:lnRef idx="2">
+                <a:schemeClr val="accent4">
+                  <a:shade val="50000"/>
+                </a:schemeClr>
+              </a:lnRef>
+              <a:fillRef idx="1">
+                <a:schemeClr val="accent4"/>
+              </a:fillRef>
+              <a:effectRef idx="0">
+                <a:schemeClr val="accent4"/>
+              </a:effectRef>
+              <a:fontRef idx="minor">
+                <a:schemeClr val="lt1"/>
+              </a:fontRef>
+            </p:style>
+            <p:txBody>
+              <a:bodyPr rtlCol="0" anchor="ctr"/>
+              <a:lstStyle/>
+              <a:p>
+                <a:pPr algn="ctr"/>
+                <a:endParaRPr kumimoji="1" lang="zh-CN" altLang="en-US" sz="1050"/>
+              </a:p>
+            </p:txBody>
+          </p:sp>
+          <p:sp>
+            <p:nvSpPr>
+              <p:cNvPr id="57" name="右箭头 56">
+                <a:extLst>
+                  <a:ext uri="{FF2B5EF4-FFF2-40B4-BE49-F238E27FC236}">
+                    <a16:creationId xmlns:a16="http://schemas.microsoft.com/office/drawing/2014/main" id="{57952921-8211-5C44-8BB1-8D4282085108}"/>
+                  </a:ext>
+                </a:extLst>
+              </p:cNvPr>
+              <p:cNvSpPr/>
+              <p:nvPr/>
+            </p:nvSpPr>
+            <p:spPr>
+              <a:xfrm rot="16200000">
+                <a:off x="10232854" y="5128749"/>
+                <a:ext cx="180000" cy="180000"/>
+              </a:xfrm>
+              <a:prstGeom prst="rightArrow">
+                <a:avLst/>
+              </a:prstGeom>
+              <a:solidFill>
+                <a:schemeClr val="accent1">
+                  <a:lumMod val="20000"/>
+                  <a:lumOff val="80000"/>
+                </a:schemeClr>
+              </a:solidFill>
+              <a:ln>
+                <a:solidFill>
+                  <a:schemeClr val="tx1"/>
+                </a:solidFill>
+              </a:ln>
+            </p:spPr>
+            <p:style>
+              <a:lnRef idx="2">
+                <a:schemeClr val="accent4">
+                  <a:shade val="50000"/>
+                </a:schemeClr>
+              </a:lnRef>
+              <a:fillRef idx="1">
+                <a:schemeClr val="accent4"/>
+              </a:fillRef>
+              <a:effectRef idx="0">
+                <a:schemeClr val="accent4"/>
+              </a:effectRef>
+              <a:fontRef idx="minor">
+                <a:schemeClr val="lt1"/>
+              </a:fontRef>
+            </p:style>
+            <p:txBody>
+              <a:bodyPr rtlCol="0" anchor="ctr"/>
+              <a:lstStyle/>
+              <a:p>
+                <a:pPr algn="ctr"/>
+                <a:endParaRPr kumimoji="1" lang="zh-CN" altLang="en-US" sz="1050"/>
+              </a:p>
+            </p:txBody>
+          </p:sp>
+          <p:sp>
+            <p:nvSpPr>
+              <p:cNvPr id="59" name="文本框 58">
+                <a:extLst>
+                  <a:ext uri="{FF2B5EF4-FFF2-40B4-BE49-F238E27FC236}">
+                    <a16:creationId xmlns:a16="http://schemas.microsoft.com/office/drawing/2014/main" id="{A9EBD808-2380-3E48-A75B-591971E2AC41}"/>
+                  </a:ext>
+                </a:extLst>
+              </p:cNvPr>
+              <p:cNvSpPr txBox="1"/>
+              <p:nvPr/>
+            </p:nvSpPr>
+            <p:spPr>
+              <a:xfrm>
+                <a:off x="8255467" y="5091791"/>
+                <a:ext cx="1552027" cy="253916"/>
+              </a:xfrm>
+              <a:prstGeom prst="rect">
+                <a:avLst/>
+              </a:prstGeom>
+              <a:noFill/>
+            </p:spPr>
+            <p:txBody>
+              <a:bodyPr wrap="none" rtlCol="0">
+                <a:spAutoFit/>
+              </a:bodyPr>
+              <a:lstStyle/>
+              <a:p>
+                <a:pPr algn="ctr"/>
+                <a:r>
+                  <a:rPr kumimoji="1" lang="en-US" altLang="zh-CN" sz="1050" dirty="0">
+                    <a:solidFill>
+                      <a:schemeClr val="tx1">
+                        <a:lumMod val="65000"/>
+                        <a:lumOff val="35000"/>
+                      </a:schemeClr>
+                    </a:solidFill>
+                    <a:latin typeface="+mj-lt"/>
+                  </a:rPr>
+                  <a:t>Manage</a:t>
+                </a:r>
+                <a:r>
+                  <a:rPr kumimoji="1" lang="zh-CN" altLang="en-US" sz="1050" dirty="0">
+                    <a:solidFill>
+                      <a:schemeClr val="tx1">
+                        <a:lumMod val="65000"/>
+                        <a:lumOff val="35000"/>
+                      </a:schemeClr>
+                    </a:solidFill>
+                    <a:latin typeface="+mj-lt"/>
+                  </a:rPr>
+                  <a:t> </a:t>
+                </a:r>
+                <a:r>
+                  <a:rPr kumimoji="1" lang="en-US" altLang="zh-CN" sz="1050" dirty="0">
+                    <a:solidFill>
+                      <a:schemeClr val="tx1">
+                        <a:lumMod val="65000"/>
+                        <a:lumOff val="35000"/>
+                      </a:schemeClr>
+                    </a:solidFill>
+                    <a:latin typeface="+mj-lt"/>
+                  </a:rPr>
+                  <a:t>All Controllers</a:t>
+                </a:r>
+                <a:endParaRPr kumimoji="1" lang="zh-CN" altLang="en-US" sz="1050" dirty="0">
+                  <a:solidFill>
+                    <a:schemeClr val="tx1">
+                      <a:lumMod val="65000"/>
+                      <a:lumOff val="35000"/>
+                    </a:schemeClr>
+                  </a:solidFill>
+                  <a:latin typeface="+mj-lt"/>
+                </a:endParaRPr>
+              </a:p>
+            </p:txBody>
+          </p:sp>
+          <p:sp>
+            <p:nvSpPr>
+              <p:cNvPr id="58" name="文本框 57">
+                <a:extLst>
+                  <a:ext uri="{FF2B5EF4-FFF2-40B4-BE49-F238E27FC236}">
+                    <a16:creationId xmlns:a16="http://schemas.microsoft.com/office/drawing/2014/main" id="{7A18A74F-2587-304A-AC89-77A765F38FA1}"/>
+                  </a:ext>
+                </a:extLst>
+              </p:cNvPr>
+              <p:cNvSpPr txBox="1"/>
+              <p:nvPr/>
+            </p:nvSpPr>
+            <p:spPr>
+              <a:xfrm>
+                <a:off x="5673302" y="5091791"/>
+                <a:ext cx="1552027" cy="253916"/>
+              </a:xfrm>
+              <a:prstGeom prst="rect">
+                <a:avLst/>
+              </a:prstGeom>
+              <a:noFill/>
+            </p:spPr>
+            <p:txBody>
+              <a:bodyPr wrap="none" rtlCol="0">
+                <a:spAutoFit/>
+              </a:bodyPr>
+              <a:lstStyle/>
+              <a:p>
+                <a:pPr algn="ctr"/>
+                <a:r>
+                  <a:rPr kumimoji="1" lang="en-US" altLang="zh-CN" sz="1050" dirty="0">
+                    <a:solidFill>
+                      <a:schemeClr val="tx1">
+                        <a:lumMod val="65000"/>
+                        <a:lumOff val="35000"/>
+                      </a:schemeClr>
+                    </a:solidFill>
+                    <a:latin typeface="+mj-lt"/>
+                  </a:rPr>
+                  <a:t>Manage</a:t>
+                </a:r>
+                <a:r>
+                  <a:rPr kumimoji="1" lang="zh-CN" altLang="en-US" sz="1050" dirty="0">
+                    <a:solidFill>
+                      <a:schemeClr val="tx1">
+                        <a:lumMod val="65000"/>
+                        <a:lumOff val="35000"/>
+                      </a:schemeClr>
+                    </a:solidFill>
+                    <a:latin typeface="+mj-lt"/>
+                  </a:rPr>
+                  <a:t> </a:t>
+                </a:r>
+                <a:r>
+                  <a:rPr kumimoji="1" lang="en-US" altLang="zh-CN" sz="1050" dirty="0">
+                    <a:solidFill>
+                      <a:schemeClr val="tx1">
+                        <a:lumMod val="65000"/>
+                        <a:lumOff val="35000"/>
+                      </a:schemeClr>
+                    </a:solidFill>
+                    <a:latin typeface="+mj-lt"/>
+                  </a:rPr>
+                  <a:t>All Controllers</a:t>
+                </a:r>
+                <a:endParaRPr kumimoji="1" lang="zh-CN" altLang="en-US" sz="1050" dirty="0">
+                  <a:solidFill>
+                    <a:schemeClr val="tx1">
+                      <a:lumMod val="65000"/>
+                      <a:lumOff val="35000"/>
+                    </a:schemeClr>
+                  </a:solidFill>
+                  <a:latin typeface="+mj-lt"/>
+                </a:endParaRPr>
+              </a:p>
+            </p:txBody>
+          </p:sp>
+        </p:grpSp>
+      </p:grpSp>
+    </p:spTree>
+    <p:extLst>
+      <p:ext uri="{BB962C8B-B14F-4D97-AF65-F5344CB8AC3E}">
+        <p14:creationId xmlns:p14="http://schemas.microsoft.com/office/powerpoint/2010/main" val="3044673688"/>
+      </p:ext>
+    </p:extLst>
+  </p:cSld>
+  <p:clrMapOvr>
+    <a:masterClrMapping/>
+  </p:clrMapOvr>
+</p:sld>
+</file>
+
+<file path=ppt/slides/slide6.xml><?xml version="1.0" encoding="utf-8"?>
+<p:sld xmlns:a="http://schemas.openxmlformats.org/drawingml/2006/main" xmlns:r="http://schemas.openxmlformats.org/officeDocument/2006/relationships" xmlns:p="http://schemas.openxmlformats.org/presentationml/2006/main">
+  <p:cSld>
+    <p:spTree>
+      <p:nvGrpSpPr>
+        <p:cNvPr id="1" name=""/>
+        <p:cNvGrpSpPr/>
+        <p:nvPr/>
+      </p:nvGrpSpPr>
+      <p:grpSpPr>
+        <a:xfrm>
+          <a:off x="0" y="0"/>
+          <a:ext cx="0" cy="0"/>
+          <a:chOff x="0" y="0"/>
+          <a:chExt cx="0" cy="0"/>
+        </a:xfrm>
+      </p:grpSpPr>
+      <p:grpSp>
+        <p:nvGrpSpPr>
+          <p:cNvPr id="2" name="组合 1">
+            <a:extLst>
+              <a:ext uri="{FF2B5EF4-FFF2-40B4-BE49-F238E27FC236}">
+                <a16:creationId xmlns:a16="http://schemas.microsoft.com/office/drawing/2014/main" id="{B955D406-3A40-7F4D-B4B5-CD8722CB1110}"/>
+              </a:ext>
+            </a:extLst>
+          </p:cNvPr>
+          <p:cNvGrpSpPr/>
+          <p:nvPr/>
+        </p:nvGrpSpPr>
+        <p:grpSpPr>
+          <a:xfrm>
+            <a:off x="4753069" y="1805434"/>
+            <a:ext cx="2082296" cy="2945781"/>
+            <a:chOff x="4753069" y="1805434"/>
+            <a:chExt cx="2082296" cy="2945781"/>
+          </a:xfrm>
+        </p:grpSpPr>
+        <p:sp>
+          <p:nvSpPr>
+            <p:cNvPr id="17" name="圆角矩形 16">
+              <a:extLst>
+                <a:ext uri="{FF2B5EF4-FFF2-40B4-BE49-F238E27FC236}">
+                  <a16:creationId xmlns:a16="http://schemas.microsoft.com/office/drawing/2014/main" id="{1A433E25-4A5D-F24C-A776-683D2CFA2C4D}"/>
+                </a:ext>
+              </a:extLst>
+            </p:cNvPr>
+            <p:cNvSpPr/>
+            <p:nvPr/>
+          </p:nvSpPr>
+          <p:spPr>
+            <a:xfrm>
+              <a:off x="4753069" y="2230614"/>
+              <a:ext cx="2064190" cy="2520601"/>
+            </a:xfrm>
+            <a:prstGeom prst="roundRect">
+              <a:avLst>
+                <a:gd name="adj" fmla="val 3737"/>
+              </a:avLst>
+            </a:prstGeom>
+            <a:solidFill>
+              <a:schemeClr val="accent1"/>
+            </a:solidFill>
+            <a:ln>
+              <a:solidFill>
+                <a:schemeClr val="accent1">
+                  <a:shade val="50000"/>
+                  <a:alpha val="62000"/>
+                </a:schemeClr>
+              </a:solidFill>
+              <a:prstDash val="solid"/>
+            </a:ln>
+          </p:spPr>
+          <p:style>
+            <a:lnRef idx="2">
+              <a:schemeClr val="accent1">
+                <a:shade val="50000"/>
+              </a:schemeClr>
+            </a:lnRef>
+            <a:fillRef idx="1">
+              <a:schemeClr val="accent1"/>
+            </a:fillRef>
+            <a:effectRef idx="0">
+              <a:schemeClr val="accent1"/>
+            </a:effectRef>
+            <a:fontRef idx="minor">
+              <a:schemeClr val="lt1"/>
+            </a:fontRef>
+          </p:style>
+          <p:txBody>
+            <a:bodyPr rtlCol="0" anchor="t"/>
+            <a:lstStyle/>
+            <a:p>
+              <a:r>
+                <a:rPr kumimoji="1" lang="en-US" altLang="zh-CN" sz="1400" dirty="0">
+                  <a:solidFill>
+                    <a:schemeClr val="bg1"/>
+                  </a:solidFill>
+                </a:rPr>
+                <a:t>pipeline-demo</a:t>
+              </a:r>
+              <a:endParaRPr kumimoji="1" lang="zh-CN" altLang="en-US" sz="1200" dirty="0">
+                <a:solidFill>
+                  <a:schemeClr val="bg1"/>
+                </a:solidFill>
+              </a:endParaRPr>
+            </a:p>
+          </p:txBody>
+        </p:sp>
+        <p:sp>
+          <p:nvSpPr>
+            <p:cNvPr id="58" name="圆角矩形 173">
+              <a:extLst>
+                <a:ext uri="{FF2B5EF4-FFF2-40B4-BE49-F238E27FC236}">
+                  <a16:creationId xmlns:a16="http://schemas.microsoft.com/office/drawing/2014/main" id="{F9A364A5-6785-484F-BC63-9D02D6332392}"/>
+                </a:ext>
+              </a:extLst>
+            </p:cNvPr>
+            <p:cNvSpPr/>
+            <p:nvPr/>
+          </p:nvSpPr>
+          <p:spPr>
+            <a:xfrm>
+              <a:off x="5132864" y="2620364"/>
+              <a:ext cx="1224947" cy="284179"/>
+            </a:xfrm>
+            <a:prstGeom prst="roundRect">
+              <a:avLst/>
+            </a:prstGeom>
+            <a:solidFill>
+              <a:schemeClr val="accent2">
+                <a:lumMod val="60000"/>
+                <a:lumOff val="40000"/>
+              </a:schemeClr>
+            </a:solidFill>
+            <a:ln/>
+          </p:spPr>
+          <p:style>
+            <a:lnRef idx="3">
+              <a:schemeClr val="lt1"/>
+            </a:lnRef>
+            <a:fillRef idx="1">
+              <a:schemeClr val="accent4"/>
+            </a:fillRef>
+            <a:effectRef idx="1">
+              <a:schemeClr val="accent4"/>
+            </a:effectRef>
+            <a:fontRef idx="minor">
+              <a:schemeClr val="lt1"/>
+            </a:fontRef>
+          </p:style>
+          <p:txBody>
+            <a:bodyPr rtlCol="0" anchor="ctr"/>
+            <a:lstStyle/>
+            <a:p>
+              <a:pPr algn="ctr"/>
+              <a:r>
+                <a:rPr kumimoji="1" lang="en-US" altLang="zh-CN" sz="1000" b="1" dirty="0">
+                  <a:solidFill>
+                    <a:schemeClr val="bg1"/>
+                  </a:solidFill>
+                  <a:latin typeface="+mj-lt"/>
+                </a:rPr>
+                <a:t>Validator</a:t>
+              </a:r>
+            </a:p>
+          </p:txBody>
+        </p:sp>
+        <p:sp>
+          <p:nvSpPr>
+            <p:cNvPr id="65" name="圆角矩形 173">
+              <a:extLst>
+                <a:ext uri="{FF2B5EF4-FFF2-40B4-BE49-F238E27FC236}">
+                  <a16:creationId xmlns:a16="http://schemas.microsoft.com/office/drawing/2014/main" id="{0B62CFBD-32B9-D341-B8ED-7D6FBF1EF13A}"/>
+                </a:ext>
+              </a:extLst>
+            </p:cNvPr>
+            <p:cNvSpPr/>
+            <p:nvPr/>
+          </p:nvSpPr>
+          <p:spPr>
+            <a:xfrm>
+              <a:off x="5132862" y="3152202"/>
+              <a:ext cx="1224947" cy="284179"/>
+            </a:xfrm>
+            <a:prstGeom prst="roundRect">
+              <a:avLst/>
+            </a:prstGeom>
+            <a:solidFill>
+              <a:schemeClr val="accent2">
+                <a:lumMod val="60000"/>
+                <a:lumOff val="40000"/>
+              </a:schemeClr>
+            </a:solidFill>
+            <a:ln/>
+          </p:spPr>
+          <p:style>
+            <a:lnRef idx="3">
+              <a:schemeClr val="lt1"/>
+            </a:lnRef>
+            <a:fillRef idx="1">
+              <a:schemeClr val="accent4"/>
+            </a:fillRef>
+            <a:effectRef idx="1">
+              <a:schemeClr val="accent4"/>
+            </a:effectRef>
+            <a:fontRef idx="minor">
+              <a:schemeClr val="lt1"/>
+            </a:fontRef>
+          </p:style>
+          <p:txBody>
+            <a:bodyPr rtlCol="0" anchor="ctr"/>
+            <a:lstStyle/>
+            <a:p>
+              <a:pPr algn="ctr"/>
+              <a:r>
+                <a:rPr kumimoji="1" lang="en-US" altLang="zh-CN" sz="1000" b="1" dirty="0">
+                  <a:solidFill>
+                    <a:schemeClr val="bg1"/>
+                  </a:solidFill>
+                  <a:latin typeface="+mj-lt"/>
+                </a:rPr>
+                <a:t>RequestAdaptor</a:t>
+              </a:r>
+            </a:p>
+          </p:txBody>
+        </p:sp>
+        <p:sp>
+          <p:nvSpPr>
+            <p:cNvPr id="66" name="圆角矩形 173">
+              <a:extLst>
+                <a:ext uri="{FF2B5EF4-FFF2-40B4-BE49-F238E27FC236}">
+                  <a16:creationId xmlns:a16="http://schemas.microsoft.com/office/drawing/2014/main" id="{68FCF451-3C8A-9943-BAC8-7EF33B94EDB0}"/>
+                </a:ext>
+              </a:extLst>
+            </p:cNvPr>
+            <p:cNvSpPr/>
+            <p:nvPr/>
+          </p:nvSpPr>
+          <p:spPr>
+            <a:xfrm>
+              <a:off x="5132861" y="3750277"/>
+              <a:ext cx="1224947" cy="284179"/>
+            </a:xfrm>
+            <a:prstGeom prst="roundRect">
+              <a:avLst/>
+            </a:prstGeom>
+            <a:solidFill>
+              <a:schemeClr val="accent2">
+                <a:lumMod val="60000"/>
+                <a:lumOff val="40000"/>
+              </a:schemeClr>
+            </a:solidFill>
+            <a:ln/>
+          </p:spPr>
+          <p:style>
+            <a:lnRef idx="3">
+              <a:schemeClr val="lt1"/>
+            </a:lnRef>
+            <a:fillRef idx="1">
+              <a:schemeClr val="accent4"/>
+            </a:fillRef>
+            <a:effectRef idx="1">
+              <a:schemeClr val="accent4"/>
+            </a:effectRef>
+            <a:fontRef idx="minor">
+              <a:schemeClr val="lt1"/>
+            </a:fontRef>
+          </p:style>
+          <p:txBody>
+            <a:bodyPr rtlCol="0" anchor="ctr"/>
+            <a:lstStyle/>
+            <a:p>
+              <a:pPr algn="ctr"/>
+              <a:r>
+                <a:rPr kumimoji="1" lang="en-US" altLang="zh-CN" sz="1000" b="1" dirty="0">
+                  <a:solidFill>
+                    <a:schemeClr val="bg1"/>
+                  </a:solidFill>
+                  <a:latin typeface="+mj-lt"/>
+                </a:rPr>
+                <a:t>Backend</a:t>
+              </a:r>
+            </a:p>
+          </p:txBody>
+        </p:sp>
+        <p:cxnSp>
+          <p:nvCxnSpPr>
+            <p:cNvPr id="5" name="直线箭头连接符 4">
+              <a:extLst>
+                <a:ext uri="{FF2B5EF4-FFF2-40B4-BE49-F238E27FC236}">
+                  <a16:creationId xmlns:a16="http://schemas.microsoft.com/office/drawing/2014/main" id="{ACD76135-14D0-D84D-82C4-6DD07A91C745}"/>
+                </a:ext>
+              </a:extLst>
+            </p:cNvPr>
+            <p:cNvCxnSpPr>
+              <a:stCxn id="58" idx="2"/>
+              <a:endCxn id="65" idx="0"/>
+            </p:cNvCxnSpPr>
+            <p:nvPr/>
+          </p:nvCxnSpPr>
+          <p:spPr>
+            <a:xfrm flipH="1">
+              <a:off x="5745336" y="2904543"/>
+              <a:ext cx="2" cy="247659"/>
+            </a:xfrm>
+            <a:prstGeom prst="straightConnector1">
+              <a:avLst/>
+            </a:prstGeom>
+            <a:ln w="25400">
+              <a:solidFill>
+                <a:schemeClr val="bg1"/>
+              </a:solidFill>
+              <a:tailEnd type="triangle"/>
+            </a:ln>
+          </p:spPr>
+          <p:style>
+            <a:lnRef idx="1">
+              <a:schemeClr val="accent1"/>
+            </a:lnRef>
+            <a:fillRef idx="0">
+              <a:schemeClr val="accent1"/>
+            </a:fillRef>
+            <a:effectRef idx="0">
+              <a:schemeClr val="accent1"/>
+            </a:effectRef>
+            <a:fontRef idx="minor">
+              <a:schemeClr val="tx1"/>
+            </a:fontRef>
+          </p:style>
+        </p:cxnSp>
+        <p:cxnSp>
+          <p:nvCxnSpPr>
+            <p:cNvPr id="69" name="直线箭头连接符 68">
+              <a:extLst>
+                <a:ext uri="{FF2B5EF4-FFF2-40B4-BE49-F238E27FC236}">
+                  <a16:creationId xmlns:a16="http://schemas.microsoft.com/office/drawing/2014/main" id="{315BE98F-E72B-B64C-A4ED-6CD96D824138}"/>
+                </a:ext>
+              </a:extLst>
+            </p:cNvPr>
+            <p:cNvCxnSpPr>
+              <a:cxnSpLocks/>
+              <a:stCxn id="65" idx="2"/>
+              <a:endCxn id="66" idx="0"/>
+            </p:cNvCxnSpPr>
+            <p:nvPr/>
+          </p:nvCxnSpPr>
+          <p:spPr>
+            <a:xfrm flipH="1">
+              <a:off x="5745335" y="3436381"/>
+              <a:ext cx="1" cy="313896"/>
+            </a:xfrm>
+            <a:prstGeom prst="straightConnector1">
+              <a:avLst/>
+            </a:prstGeom>
+            <a:ln w="25400">
+              <a:solidFill>
+                <a:schemeClr val="bg1"/>
+              </a:solidFill>
+              <a:tailEnd type="triangle"/>
+            </a:ln>
+          </p:spPr>
+          <p:style>
+            <a:lnRef idx="1">
+              <a:schemeClr val="accent1"/>
+            </a:lnRef>
+            <a:fillRef idx="0">
+              <a:schemeClr val="accent1"/>
+            </a:fillRef>
+            <a:effectRef idx="0">
+              <a:schemeClr val="accent1"/>
+            </a:effectRef>
+            <a:fontRef idx="minor">
+              <a:schemeClr val="tx1"/>
+            </a:fontRef>
+          </p:style>
+        </p:cxnSp>
+        <p:cxnSp>
+          <p:nvCxnSpPr>
+            <p:cNvPr id="10" name="直线箭头连接符 9">
+              <a:extLst>
+                <a:ext uri="{FF2B5EF4-FFF2-40B4-BE49-F238E27FC236}">
+                  <a16:creationId xmlns:a16="http://schemas.microsoft.com/office/drawing/2014/main" id="{DAEEFC40-6432-534C-801E-19628442477C}"/>
+                </a:ext>
+              </a:extLst>
+            </p:cNvPr>
+            <p:cNvCxnSpPr>
+              <a:cxnSpLocks/>
+              <a:stCxn id="58" idx="3"/>
+              <a:endCxn id="20" idx="3"/>
+            </p:cNvCxnSpPr>
+            <p:nvPr/>
+          </p:nvCxnSpPr>
+          <p:spPr>
+            <a:xfrm flipH="1">
+              <a:off x="6357810" y="2762454"/>
+              <a:ext cx="1" cy="1667496"/>
+            </a:xfrm>
+            <a:prstGeom prst="bentConnector3">
+              <a:avLst>
+                <a:gd name="adj1" fmla="val -22860000000"/>
+              </a:avLst>
+            </a:prstGeom>
+            <a:ln w="25400">
+              <a:solidFill>
+                <a:schemeClr val="bg1"/>
+              </a:solidFill>
+              <a:tailEnd type="triangle"/>
+            </a:ln>
+          </p:spPr>
+          <p:style>
+            <a:lnRef idx="1">
+              <a:schemeClr val="accent1"/>
+            </a:lnRef>
+            <a:fillRef idx="0">
+              <a:schemeClr val="accent1"/>
+            </a:fillRef>
+            <a:effectRef idx="0">
+              <a:schemeClr val="accent1"/>
+            </a:effectRef>
+            <a:fontRef idx="minor">
+              <a:schemeClr val="tx1"/>
+            </a:fontRef>
+          </p:style>
+        </p:cxnSp>
+        <p:sp>
+          <p:nvSpPr>
+            <p:cNvPr id="20" name="矩形 19">
+              <a:extLst>
+                <a:ext uri="{FF2B5EF4-FFF2-40B4-BE49-F238E27FC236}">
+                  <a16:creationId xmlns:a16="http://schemas.microsoft.com/office/drawing/2014/main" id="{90C4C3AA-5F29-1E41-8E8C-41F355E9FBA9}"/>
+                </a:ext>
+              </a:extLst>
+            </p:cNvPr>
+            <p:cNvSpPr/>
+            <p:nvPr/>
+          </p:nvSpPr>
+          <p:spPr>
+            <a:xfrm>
+              <a:off x="5132863" y="4310710"/>
+              <a:ext cx="1224947" cy="238480"/>
+            </a:xfrm>
+            <a:prstGeom prst="rect">
+              <a:avLst/>
+            </a:prstGeom>
+            <a:solidFill>
+              <a:schemeClr val="accent2">
+                <a:lumMod val="60000"/>
+                <a:lumOff val="40000"/>
+              </a:schemeClr>
+            </a:solidFill>
+          </p:spPr>
+          <p:style>
+            <a:lnRef idx="3">
+              <a:schemeClr val="lt1"/>
+            </a:lnRef>
+            <a:fillRef idx="1">
+              <a:schemeClr val="accent5"/>
+            </a:fillRef>
+            <a:effectRef idx="1">
+              <a:schemeClr val="accent5"/>
+            </a:effectRef>
+            <a:fontRef idx="minor">
+              <a:schemeClr val="lt1"/>
+            </a:fontRef>
+          </p:style>
+          <p:txBody>
+            <a:bodyPr rtlCol="0" anchor="ctr"/>
+            <a:lstStyle/>
+            <a:p>
+              <a:pPr algn="ctr"/>
+              <a:r>
+                <a:rPr kumimoji="1" lang="en-US" altLang="zh-CN" sz="1000" b="1" dirty="0">
+                  <a:solidFill>
+                    <a:schemeClr val="bg1"/>
+                  </a:solidFill>
+                </a:rPr>
+                <a:t>END</a:t>
+              </a:r>
+              <a:endParaRPr kumimoji="1" lang="zh-CN" altLang="en-US" sz="1000" b="1" dirty="0">
+                <a:solidFill>
+                  <a:schemeClr val="bg1"/>
+                </a:solidFill>
+              </a:endParaRPr>
+            </a:p>
+          </p:txBody>
+        </p:sp>
+        <p:cxnSp>
+          <p:nvCxnSpPr>
+            <p:cNvPr id="78" name="直线箭头连接符 77">
+              <a:extLst>
+                <a:ext uri="{FF2B5EF4-FFF2-40B4-BE49-F238E27FC236}">
+                  <a16:creationId xmlns:a16="http://schemas.microsoft.com/office/drawing/2014/main" id="{BEFE8315-857F-0941-AD8F-7DFBB3DDBA9D}"/>
+                </a:ext>
+              </a:extLst>
+            </p:cNvPr>
+            <p:cNvCxnSpPr>
+              <a:cxnSpLocks/>
+              <a:stCxn id="66" idx="2"/>
+              <a:endCxn id="20" idx="0"/>
+            </p:cNvCxnSpPr>
+            <p:nvPr/>
+          </p:nvCxnSpPr>
+          <p:spPr>
+            <a:xfrm>
+              <a:off x="5745335" y="4034456"/>
+              <a:ext cx="2" cy="276254"/>
+            </a:xfrm>
+            <a:prstGeom prst="straightConnector1">
+              <a:avLst/>
+            </a:prstGeom>
+            <a:ln w="25400">
+              <a:solidFill>
+                <a:schemeClr val="bg1"/>
+              </a:solidFill>
+              <a:tailEnd type="triangle"/>
+            </a:ln>
+          </p:spPr>
+          <p:style>
+            <a:lnRef idx="1">
+              <a:schemeClr val="accent1"/>
+            </a:lnRef>
+            <a:fillRef idx="0">
+              <a:schemeClr val="accent1"/>
+            </a:fillRef>
+            <a:effectRef idx="0">
+              <a:schemeClr val="accent1"/>
+            </a:effectRef>
+            <a:fontRef idx="minor">
+              <a:schemeClr val="tx1"/>
+            </a:fontRef>
+          </p:style>
+        </p:cxnSp>
+        <p:sp>
+          <p:nvSpPr>
+            <p:cNvPr id="108" name="文本框 107">
+              <a:extLst>
+                <a:ext uri="{FF2B5EF4-FFF2-40B4-BE49-F238E27FC236}">
+                  <a16:creationId xmlns:a16="http://schemas.microsoft.com/office/drawing/2014/main" id="{ED7C46D3-8F54-094A-82B7-91C6A4A1635F}"/>
+                </a:ext>
+              </a:extLst>
+            </p:cNvPr>
+            <p:cNvSpPr txBox="1"/>
+            <p:nvPr/>
+          </p:nvSpPr>
+          <p:spPr>
+            <a:xfrm rot="5400000">
+              <a:off x="6388127" y="3352414"/>
+              <a:ext cx="617477" cy="276999"/>
+            </a:xfrm>
+            <a:prstGeom prst="rect">
+              <a:avLst/>
+            </a:prstGeom>
+            <a:noFill/>
+          </p:spPr>
+          <p:txBody>
+            <a:bodyPr wrap="none" rtlCol="0">
+              <a:spAutoFit/>
+            </a:bodyPr>
+            <a:lstStyle/>
+            <a:p>
+              <a:r>
+                <a:rPr kumimoji="1" lang="en-US" altLang="zh-CN" sz="1200" dirty="0">
+                  <a:solidFill>
+                    <a:schemeClr val="bg1"/>
+                  </a:solidFill>
+                </a:rPr>
+                <a:t>invalid</a:t>
+              </a:r>
+              <a:endParaRPr kumimoji="1" lang="zh-CN" altLang="en-US" sz="1200" dirty="0">
+                <a:solidFill>
+                  <a:schemeClr val="bg1"/>
+                </a:solidFill>
+              </a:endParaRPr>
+            </a:p>
+          </p:txBody>
+        </p:sp>
+        <p:cxnSp>
+          <p:nvCxnSpPr>
+            <p:cNvPr id="110" name="直线箭头连接符 109">
+              <a:extLst>
+                <a:ext uri="{FF2B5EF4-FFF2-40B4-BE49-F238E27FC236}">
+                  <a16:creationId xmlns:a16="http://schemas.microsoft.com/office/drawing/2014/main" id="{DAEB3F1D-EA15-9144-9E2B-8884706D6C70}"/>
+                </a:ext>
+              </a:extLst>
+            </p:cNvPr>
+            <p:cNvCxnSpPr>
+              <a:cxnSpLocks/>
+            </p:cNvCxnSpPr>
+            <p:nvPr/>
+          </p:nvCxnSpPr>
+          <p:spPr>
+            <a:xfrm flipV="1">
+              <a:off x="5474849" y="1805434"/>
+              <a:ext cx="0" cy="325705"/>
+            </a:xfrm>
+            <a:prstGeom prst="straightConnector1">
+              <a:avLst/>
+            </a:prstGeom>
+            <a:ln w="28575">
+              <a:solidFill>
+                <a:schemeClr val="accent1"/>
+              </a:solidFill>
+              <a:headEnd type="triangle"/>
+              <a:tailEnd type="none"/>
+            </a:ln>
+          </p:spPr>
+          <p:style>
+            <a:lnRef idx="1">
+              <a:schemeClr val="accent1"/>
+            </a:lnRef>
+            <a:fillRef idx="0">
+              <a:schemeClr val="accent1"/>
+            </a:fillRef>
+            <a:effectRef idx="0">
+              <a:schemeClr val="accent1"/>
+            </a:effectRef>
+            <a:fontRef idx="minor">
+              <a:schemeClr val="tx1"/>
+            </a:fontRef>
+          </p:style>
+        </p:cxnSp>
+        <p:cxnSp>
+          <p:nvCxnSpPr>
+            <p:cNvPr id="112" name="直线箭头连接符 111">
+              <a:extLst>
+                <a:ext uri="{FF2B5EF4-FFF2-40B4-BE49-F238E27FC236}">
+                  <a16:creationId xmlns:a16="http://schemas.microsoft.com/office/drawing/2014/main" id="{F0F4A529-044C-B54B-80AC-7551F9ACB61F}"/>
+                </a:ext>
+              </a:extLst>
+            </p:cNvPr>
+            <p:cNvCxnSpPr>
+              <a:cxnSpLocks/>
+            </p:cNvCxnSpPr>
+            <p:nvPr/>
+          </p:nvCxnSpPr>
+          <p:spPr>
+            <a:xfrm flipV="1">
+              <a:off x="6131637" y="1805434"/>
+              <a:ext cx="0" cy="325705"/>
+            </a:xfrm>
+            <a:prstGeom prst="straightConnector1">
+              <a:avLst/>
+            </a:prstGeom>
+            <a:ln w="28575">
+              <a:solidFill>
+                <a:schemeClr val="accent1"/>
+              </a:solidFill>
+              <a:headEnd type="triangle"/>
+              <a:tailEnd type="none"/>
+            </a:ln>
+          </p:spPr>
+          <p:style>
+            <a:lnRef idx="1">
+              <a:schemeClr val="accent1"/>
+            </a:lnRef>
+            <a:fillRef idx="0">
+              <a:schemeClr val="accent1"/>
+            </a:fillRef>
+            <a:effectRef idx="0">
+              <a:schemeClr val="accent1"/>
+            </a:effectRef>
+            <a:fontRef idx="minor">
+              <a:schemeClr val="tx1"/>
+            </a:fontRef>
+          </p:style>
+        </p:cxnSp>
+        <p:sp>
+          <p:nvSpPr>
+            <p:cNvPr id="113" name="文本框 112">
+              <a:extLst>
+                <a:ext uri="{FF2B5EF4-FFF2-40B4-BE49-F238E27FC236}">
+                  <a16:creationId xmlns:a16="http://schemas.microsoft.com/office/drawing/2014/main" id="{F9663378-8BED-2A4B-BE37-F9D04899C926}"/>
+                </a:ext>
+              </a:extLst>
+            </p:cNvPr>
+            <p:cNvSpPr txBox="1"/>
+            <p:nvPr/>
+          </p:nvSpPr>
+          <p:spPr>
+            <a:xfrm>
+              <a:off x="5506604" y="1829786"/>
+              <a:ext cx="645882" cy="276999"/>
+            </a:xfrm>
+            <a:prstGeom prst="rect">
+              <a:avLst/>
+            </a:prstGeom>
+            <a:noFill/>
+            <a:ln>
+              <a:noFill/>
+            </a:ln>
+          </p:spPr>
+          <p:txBody>
+            <a:bodyPr wrap="none" rtlCol="0">
+              <a:spAutoFit/>
+            </a:bodyPr>
+            <a:lstStyle/>
+            <a:p>
+              <a:r>
+                <a:rPr kumimoji="1" lang="en-US" altLang="zh-CN" sz="1200" b="1" dirty="0">
+                  <a:solidFill>
+                    <a:schemeClr val="tx1">
+                      <a:lumMod val="65000"/>
+                      <a:lumOff val="35000"/>
+                    </a:schemeClr>
+                  </a:solidFill>
+                </a:rPr>
+                <a:t>Traffic</a:t>
+              </a:r>
+              <a:endParaRPr kumimoji="1" lang="zh-CN" altLang="en-US" sz="1200" b="1" dirty="0">
+                <a:solidFill>
+                  <a:schemeClr val="tx1">
+                    <a:lumMod val="65000"/>
+                    <a:lumOff val="35000"/>
+                  </a:schemeClr>
+                </a:solidFill>
+              </a:endParaRPr>
+            </a:p>
+          </p:txBody>
+        </p:sp>
+      </p:grpSp>
+    </p:spTree>
+    <p:extLst>
+      <p:ext uri="{BB962C8B-B14F-4D97-AF65-F5344CB8AC3E}">
+        <p14:creationId xmlns:p14="http://schemas.microsoft.com/office/powerpoint/2010/main" val="2816086232"/>
+      </p:ext>
+    </p:extLst>
+  </p:cSld>
+  <p:clrMapOvr>
+    <a:masterClrMapping/>
+  </p:clrMapOvr>
+</p:sld>
+</file>
+
+<file path=ppt/slides/slide7.xml><?xml version="1.0" encoding="utf-8"?>
 <p:sld xmlns:a="http://schemas.openxmlformats.org/drawingml/2006/main" xmlns:r="http://schemas.openxmlformats.org/officeDocument/2006/relationships" xmlns:p="http://schemas.openxmlformats.org/presentationml/2006/main">
   <p:cSld>
     <p:spTree>
@@ -17280,15 +22309,15 @@
           <p:nvPicPr>
             <p:cNvPr id="1028" name="Picture 4" descr="Getting started with Bash scripting | by Uriel Rodriguez | Medium"/>
             <p:cNvPicPr>
-              <a:picLocks noChangeAspect="true" noChangeArrowheads="true"/>
+              <a:picLocks noChangeAspect="1" noChangeArrowheads="1"/>
             </p:cNvPicPr>
             <p:nvPr/>
           </p:nvPicPr>
           <p:blipFill>
-            <a:blip r:embed="rId1">
+            <a:blip r:embed="rId3">
               <a:extLst>
                 <a:ext uri="{28A0092B-C50C-407E-A947-70E740481C1C}">
-                  <a14:useLocalDpi xmlns:a14="http://schemas.microsoft.com/office/drawing/2010/main" val="false"/>
+                  <a14:useLocalDpi xmlns:a14="http://schemas.microsoft.com/office/drawing/2010/main" val="0"/>
                 </a:ext>
               </a:extLst>
             </a:blip>
@@ -17320,7 +22349,7 @@
         <p:sp>
           <p:nvSpPr>
             <p:cNvPr id="153" name="文本框 152"/>
-            <p:cNvSpPr txBox="true"/>
+            <p:cNvSpPr txBox="1"/>
             <p:nvPr/>
           </p:nvSpPr>
           <p:spPr>
@@ -17381,7 +22410,7 @@
         <p:sp>
           <p:nvSpPr>
             <p:cNvPr id="159" name="文本框 158"/>
-            <p:cNvSpPr txBox="true"/>
+            <p:cNvSpPr txBox="1"/>
             <p:nvPr/>
           </p:nvSpPr>
           <p:spPr>
@@ -17436,12 +22465,12 @@
           <p:nvPicPr>
             <p:cNvPr id="67" name="图片 66"/>
             <p:cNvPicPr>
-              <a:picLocks noChangeAspect="true"/>
+              <a:picLocks noChangeAspect="1"/>
             </p:cNvPicPr>
             <p:nvPr/>
           </p:nvPicPr>
           <p:blipFill>
-            <a:blip r:embed="rId2"/>
+            <a:blip r:embed="rId4"/>
             <a:stretch>
               <a:fillRect/>
             </a:stretch>
@@ -17475,15 +22504,15 @@
           <p:nvPicPr>
             <p:cNvPr id="1030" name="Picture 6" descr="MegaEase - 无涯远程工作- 远程工作者招聘网站"/>
             <p:cNvPicPr>
-              <a:picLocks noChangeAspect="true" noChangeArrowheads="true"/>
+              <a:picLocks noChangeAspect="1" noChangeArrowheads="1"/>
             </p:cNvPicPr>
             <p:nvPr/>
           </p:nvPicPr>
           <p:blipFill>
-            <a:blip r:embed="rId3">
+            <a:blip r:embed="rId5">
               <a:extLst>
                 <a:ext uri="{28A0092B-C50C-407E-A947-70E740481C1C}">
-                  <a14:useLocalDpi xmlns:a14="http://schemas.microsoft.com/office/drawing/2010/main" val="false"/>
+                  <a14:useLocalDpi xmlns:a14="http://schemas.microsoft.com/office/drawing/2010/main" val="0"/>
                 </a:ext>
               </a:extLst>
             </a:blip>
@@ -17515,7 +22544,7 @@
         <p:sp>
           <p:nvSpPr>
             <p:cNvPr id="163" name="文本框 162"/>
-            <p:cNvSpPr txBox="true"/>
+            <p:cNvSpPr txBox="1"/>
             <p:nvPr/>
           </p:nvSpPr>
           <p:spPr>
@@ -17746,7 +22775,7 @@
       <p:sp>
         <p:nvSpPr>
           <p:cNvPr id="59" name="文本框 58"/>
-          <p:cNvSpPr txBox="true"/>
+          <p:cNvSpPr txBox="1"/>
           <p:nvPr/>
         </p:nvSpPr>
         <p:spPr>
@@ -18102,7 +23131,7 @@
       <p:sp>
         <p:nvSpPr>
           <p:cNvPr id="65" name="文本框 64"/>
-          <p:cNvSpPr txBox="true"/>
+          <p:cNvSpPr txBox="1"/>
           <p:nvPr/>
         </p:nvSpPr>
         <p:spPr>
@@ -18211,7 +23240,7 @@
       <p:sp>
         <p:nvSpPr>
           <p:cNvPr id="70" name="文本框 69"/>
-          <p:cNvSpPr txBox="true"/>
+          <p:cNvSpPr txBox="1"/>
           <p:nvPr/>
         </p:nvSpPr>
         <p:spPr>
@@ -18314,7 +23343,7 @@
       <p:sp>
         <p:nvSpPr>
           <p:cNvPr id="80" name="文本框 79"/>
-          <p:cNvSpPr txBox="true"/>
+          <p:cNvSpPr txBox="1"/>
           <p:nvPr/>
         </p:nvSpPr>
         <p:spPr>
@@ -18408,7 +23437,7 @@
       <p:sp>
         <p:nvSpPr>
           <p:cNvPr id="81" name="文本框 80"/>
-          <p:cNvSpPr txBox="true"/>
+          <p:cNvSpPr txBox="1"/>
           <p:nvPr/>
         </p:nvSpPr>
         <p:spPr>
@@ -18687,7 +23716,7 @@
       <p:sp>
         <p:nvSpPr>
           <p:cNvPr id="90" name="文本框 89"/>
-          <p:cNvSpPr txBox="true"/>
+          <p:cNvSpPr txBox="1"/>
           <p:nvPr/>
         </p:nvSpPr>
         <p:spPr>
@@ -18796,7 +23825,7 @@
       <p:sp>
         <p:nvSpPr>
           <p:cNvPr id="92" name="文本框 91"/>
-          <p:cNvSpPr txBox="true"/>
+          <p:cNvSpPr txBox="1"/>
           <p:nvPr/>
         </p:nvSpPr>
         <p:spPr>
@@ -18947,7 +23976,7 @@
 </p:sld>
 </file>
 
-<file path=ppt/slides/slide6.xml><?xml version="1.0" encoding="utf-8"?>
+<file path=ppt/slides/slide8.xml><?xml version="1.0" encoding="utf-8"?>
 <p:sld xmlns:a="http://schemas.openxmlformats.org/drawingml/2006/main" xmlns:r="http://schemas.openxmlformats.org/officeDocument/2006/relationships" xmlns:p="http://schemas.openxmlformats.org/presentationml/2006/main">
   <p:cSld>
     <p:spTree>
@@ -18967,7 +23996,7 @@
       <p:sp>
         <p:nvSpPr>
           <p:cNvPr id="150" name="文本框 149"/>
-          <p:cNvSpPr txBox="true"/>
+          <p:cNvSpPr txBox="1"/>
           <p:nvPr/>
         </p:nvSpPr>
         <p:spPr>
@@ -19071,20 +24100,6 @@
               </a:rPr>
               <a:t>Cluster</a:t>
             </a:r>
-            <a:endParaRPr kumimoji="1" lang="en-US" altLang="zh-CN" sz="1200" dirty="0">
-              <a:ln w="0"/>
-              <a:solidFill>
-                <a:schemeClr val="tx1"/>
-              </a:solidFill>
-              <a:effectLst>
-                <a:outerShdw blurRad="38100" dist="19050" dir="2700000" algn="tl" rotWithShape="0">
-                  <a:schemeClr val="dk1">
-                    <a:alpha val="40000"/>
-                  </a:schemeClr>
-                </a:outerShdw>
-              </a:effectLst>
-              <a:latin typeface="+mj-ea"/>
-            </a:endParaRPr>
           </a:p>
           <a:p>
             <a:pPr algn="ctr"/>
@@ -19279,12 +24294,6 @@
               </a:rPr>
               <a:t>Validator</a:t>
             </a:r>
-            <a:endParaRPr kumimoji="1" lang="en-US" altLang="zh-CN" sz="1000" b="1" dirty="0">
-              <a:solidFill>
-                <a:sysClr val="windowText" lastClr="000000"/>
-              </a:solidFill>
-              <a:latin typeface="+mn-ea"/>
-            </a:endParaRPr>
           </a:p>
         </p:txBody>
       </p:sp>
@@ -19351,20 +24360,6 @@
               </a:rPr>
               <a:t>Supervisor</a:t>
             </a:r>
-            <a:endParaRPr kumimoji="1" lang="en-US" altLang="zh-CN" sz="1200" dirty="0">
-              <a:ln w="0"/>
-              <a:solidFill>
-                <a:schemeClr val="tx1"/>
-              </a:solidFill>
-              <a:effectLst>
-                <a:outerShdw blurRad="38100" dist="19050" dir="2700000" algn="tl" rotWithShape="0">
-                  <a:schemeClr val="dk1">
-                    <a:alpha val="40000"/>
-                  </a:schemeClr>
-                </a:outerShdw>
-              </a:effectLst>
-              <a:latin typeface="+mj-ea"/>
-            </a:endParaRPr>
           </a:p>
         </p:txBody>
       </p:sp>
@@ -19375,7 +24370,7 @@
           <p:nvPr/>
         </p:nvCxnSpPr>
         <p:spPr>
-          <a:xfrm flipH="true">
+          <a:xfrm flipH="1">
             <a:off x="3238070" y="5064644"/>
             <a:ext cx="717630" cy="0"/>
           </a:xfrm>
@@ -19410,7 +24405,7 @@
       <p:sp>
         <p:nvSpPr>
           <p:cNvPr id="33" name="文本框 32"/>
-          <p:cNvSpPr txBox="true"/>
+          <p:cNvSpPr txBox="1"/>
           <p:nvPr/>
         </p:nvSpPr>
         <p:spPr>
@@ -19598,7 +24593,7 @@
           <p:nvPr/>
         </p:nvCxnSpPr>
         <p:spPr>
-          <a:xfrm flipH="true">
+          <a:xfrm flipH="1">
             <a:off x="3238070" y="4247293"/>
             <a:ext cx="717630" cy="0"/>
           </a:xfrm>
@@ -19633,7 +24628,7 @@
       <p:sp>
         <p:nvSpPr>
           <p:cNvPr id="36" name="文本框 35"/>
-          <p:cNvSpPr txBox="true"/>
+          <p:cNvSpPr txBox="1"/>
           <p:nvPr/>
         </p:nvSpPr>
         <p:spPr>
@@ -19703,7 +24698,7 @@
       <p:sp>
         <p:nvSpPr>
           <p:cNvPr id="37" name="文本框 36"/>
-          <p:cNvSpPr txBox="true"/>
+          <p:cNvSpPr txBox="1"/>
           <p:nvPr/>
         </p:nvSpPr>
         <p:spPr>
@@ -19911,12 +24906,6 @@
               </a:rPr>
               <a:t>TimeLimiter</a:t>
             </a:r>
-            <a:endParaRPr kumimoji="1" lang="en-US" altLang="zh-CN" sz="1000" b="1" dirty="0">
-              <a:solidFill>
-                <a:sysClr val="windowText" lastClr="000000"/>
-              </a:solidFill>
-              <a:latin typeface="+mn-ea"/>
-            </a:endParaRPr>
           </a:p>
         </p:txBody>
       </p:sp>
@@ -19975,12 +24964,6 @@
               </a:rPr>
               <a:t>ResponseAdaptor</a:t>
             </a:r>
-            <a:endParaRPr kumimoji="1" lang="en-US" altLang="zh-CN" sz="900" b="1" dirty="0">
-              <a:solidFill>
-                <a:sysClr val="windowText" lastClr="000000"/>
-              </a:solidFill>
-              <a:latin typeface="+mn-ea"/>
-            </a:endParaRPr>
           </a:p>
         </p:txBody>
       </p:sp>
@@ -20039,12 +25022,6 @@
               </a:rPr>
               <a:t>RateLimiter</a:t>
             </a:r>
-            <a:endParaRPr kumimoji="1" lang="en-US" altLang="zh-CN" sz="1000" b="1" dirty="0">
-              <a:solidFill>
-                <a:sysClr val="windowText" lastClr="000000"/>
-              </a:solidFill>
-              <a:latin typeface="+mn-ea"/>
-            </a:endParaRPr>
           </a:p>
         </p:txBody>
       </p:sp>
@@ -20103,12 +25080,6 @@
               </a:rPr>
               <a:t>CircuitBreaker</a:t>
             </a:r>
-            <a:endParaRPr kumimoji="1" lang="en-US" altLang="zh-CN" sz="1000" b="1" dirty="0">
-              <a:solidFill>
-                <a:sysClr val="windowText" lastClr="000000"/>
-              </a:solidFill>
-              <a:latin typeface="+mn-ea"/>
-            </a:endParaRPr>
           </a:p>
         </p:txBody>
       </p:sp>
@@ -20167,12 +25138,6 @@
               </a:rPr>
               <a:t>CORSAdaptor</a:t>
             </a:r>
-            <a:endParaRPr kumimoji="1" lang="en-US" altLang="zh-CN" sz="1000" b="1" dirty="0">
-              <a:solidFill>
-                <a:sysClr val="windowText" lastClr="000000"/>
-              </a:solidFill>
-              <a:latin typeface="+mn-ea"/>
-            </a:endParaRPr>
           </a:p>
         </p:txBody>
       </p:sp>
@@ -20231,12 +25196,6 @@
               </a:rPr>
               <a:t>Retryer</a:t>
             </a:r>
-            <a:endParaRPr kumimoji="1" lang="en-US" altLang="zh-CN" sz="1000" b="1" dirty="0">
-              <a:solidFill>
-                <a:sysClr val="windowText" lastClr="000000"/>
-              </a:solidFill>
-              <a:latin typeface="+mn-ea"/>
-            </a:endParaRPr>
           </a:p>
         </p:txBody>
       </p:sp>
@@ -20295,12 +25254,6 @@
               </a:rPr>
               <a:t>Proxy</a:t>
             </a:r>
-            <a:endParaRPr kumimoji="1" lang="en-US" altLang="zh-CN" sz="1000" b="1" dirty="0">
-              <a:solidFill>
-                <a:sysClr val="windowText" lastClr="000000"/>
-              </a:solidFill>
-              <a:latin typeface="+mn-ea"/>
-            </a:endParaRPr>
           </a:p>
         </p:txBody>
       </p:sp>
@@ -20359,12 +25312,6 @@
               </a:rPr>
               <a:t>APIAggregator</a:t>
             </a:r>
-            <a:endParaRPr kumimoji="1" lang="en-US" altLang="zh-CN" sz="1000" b="1" dirty="0">
-              <a:solidFill>
-                <a:sysClr val="windowText" lastClr="000000"/>
-              </a:solidFill>
-              <a:latin typeface="+mn-ea"/>
-            </a:endParaRPr>
           </a:p>
         </p:txBody>
       </p:sp>
@@ -20459,19 +25406,6 @@
               </a:rPr>
               <a:t>Controller</a:t>
             </a:r>
-            <a:endParaRPr kumimoji="1" lang="en-US" altLang="zh-CN" sz="1100" dirty="0">
-              <a:ln w="0"/>
-              <a:solidFill>
-                <a:schemeClr val="tx1"/>
-              </a:solidFill>
-              <a:effectLst>
-                <a:outerShdw blurRad="38100" dist="19050" dir="2700000" algn="tl" rotWithShape="0">
-                  <a:schemeClr val="dk1">
-                    <a:alpha val="40000"/>
-                  </a:schemeClr>
-                </a:outerShdw>
-              </a:effectLst>
-            </a:endParaRPr>
           </a:p>
         </p:txBody>
       </p:sp>
@@ -20482,7 +25416,7 @@
           <p:nvPr/>
         </p:nvCxnSpPr>
         <p:spPr>
-          <a:xfrm flipH="true">
+          <a:xfrm flipH="1">
             <a:off x="3238070" y="2711461"/>
             <a:ext cx="717630" cy="0"/>
           </a:xfrm>
@@ -20517,7 +25451,7 @@
       <p:sp>
         <p:nvSpPr>
           <p:cNvPr id="87" name="文本框 86"/>
-          <p:cNvSpPr txBox="true"/>
+          <p:cNvSpPr txBox="1"/>
           <p:nvPr/>
         </p:nvSpPr>
         <p:spPr>
@@ -20592,7 +25526,7 @@
 </p:sld>
 </file>
 
-<file path=ppt/slides/slide7.xml><?xml version="1.0" encoding="utf-8"?>
+<file path=ppt/slides/slide9.xml><?xml version="1.0" encoding="utf-8"?>
 <p:sld xmlns:a="http://schemas.openxmlformats.org/drawingml/2006/main" xmlns:r="http://schemas.openxmlformats.org/officeDocument/2006/relationships" xmlns:p="http://schemas.openxmlformats.org/presentationml/2006/main">
   <p:cSld>
     <p:spTree>
@@ -20681,7 +25615,7 @@
             <p:nvPr/>
           </p:nvCxnSpPr>
           <p:spPr>
-            <a:xfrm rot="16200000" flipH="true">
+            <a:xfrm rot="16200000" flipH="1">
               <a:off x="13186" y="2981"/>
               <a:ext cx="788" cy="1017"/>
             </a:xfrm>
@@ -20716,7 +25650,7 @@
             <p:nvPr/>
           </p:nvGrpSpPr>
           <p:grpSpPr>
-            <a:xfrm rot="0">
+            <a:xfrm>
               <a:off x="14227" y="934"/>
               <a:ext cx="944" cy="861"/>
               <a:chOff x="1958520" y="2302574"/>
@@ -20744,7 +25678,7 @@
                 <a:cxnLst/>
                 <a:rect l="l" t="t" r="r" b="b"/>
                 <a:pathLst>
-                  <a:path w="11312" h="10323" extrusionOk="false">
+                  <a:path w="11312" h="10323" extrusionOk="0">
                     <a:moveTo>
                       <a:pt x="7168" y="8132"/>
                     </a:moveTo>
@@ -20941,7 +25875,7 @@
               </a:fontRef>
             </p:style>
             <p:txBody>
-              <a:bodyPr spcFirstLastPara="1" wrap="square" lIns="91425" tIns="91425" rIns="91425" bIns="91425" anchor="ctr" anchorCtr="false">
+              <a:bodyPr spcFirstLastPara="1" wrap="square" lIns="91425" tIns="91425" rIns="91425" bIns="91425" anchor="ctr" anchorCtr="0">
                 <a:noAutofit/>
               </a:bodyPr>
               <a:lstStyle/>
@@ -20955,6 +25889,7 @@
                   </a:spcAft>
                   <a:buNone/>
                 </a:pPr>
+                <a:endParaRPr/>
               </a:p>
             </p:txBody>
           </p:sp>
@@ -20976,7 +25911,7 @@
                 <a:cxnLst/>
                 <a:rect l="l" t="t" r="r" b="b"/>
                 <a:pathLst>
-                  <a:path w="9514" h="5823" extrusionOk="false">
+                  <a:path w="9514" h="5823" extrusionOk="0">
                     <a:moveTo>
                       <a:pt x="179" y="0"/>
                     </a:moveTo>
@@ -21075,7 +26010,7 @@
               </a:fontRef>
             </p:style>
             <p:txBody>
-              <a:bodyPr spcFirstLastPara="1" wrap="square" lIns="91425" tIns="91425" rIns="91425" bIns="91425" anchor="ctr" anchorCtr="false">
+              <a:bodyPr spcFirstLastPara="1" wrap="square" lIns="91425" tIns="91425" rIns="91425" bIns="91425" anchor="ctr" anchorCtr="0">
                 <a:noAutofit/>
               </a:bodyPr>
               <a:lstStyle/>
@@ -21089,6 +26024,7 @@
                   </a:spcAft>
                   <a:buNone/>
                 </a:pPr>
+                <a:endParaRPr/>
               </a:p>
             </p:txBody>
           </p:sp>
@@ -21110,7 +26046,7 @@
                 <a:cxnLst/>
                 <a:rect l="l" t="t" r="r" b="b"/>
                 <a:pathLst>
-                  <a:path w="375" h="335" extrusionOk="false">
+                  <a:path w="375" h="335" extrusionOk="0">
                     <a:moveTo>
                       <a:pt x="176" y="0"/>
                     </a:moveTo>
@@ -21172,7 +26108,7 @@
               </a:fontRef>
             </p:style>
             <p:txBody>
-              <a:bodyPr spcFirstLastPara="1" wrap="square" lIns="91425" tIns="91425" rIns="91425" bIns="91425" anchor="ctr" anchorCtr="false">
+              <a:bodyPr spcFirstLastPara="1" wrap="square" lIns="91425" tIns="91425" rIns="91425" bIns="91425" anchor="ctr" anchorCtr="0">
                 <a:noAutofit/>
               </a:bodyPr>
               <a:lstStyle/>
@@ -21186,6 +26122,7 @@
                   </a:spcAft>
                   <a:buNone/>
                 </a:pPr>
+                <a:endParaRPr/>
               </a:p>
             </p:txBody>
           </p:sp>
@@ -21197,7 +26134,7 @@
             <p:nvPr/>
           </p:nvGrpSpPr>
           <p:grpSpPr>
-            <a:xfrm rot="0">
+            <a:xfrm>
               <a:off x="11862" y="3756"/>
               <a:ext cx="2576" cy="1228"/>
               <a:chOff x="6750426" y="1963272"/>
@@ -21298,7 +26235,6 @@
                   <a:rPr kumimoji="1" lang="en-US" altLang="zh-CN" sz="1050" dirty="0"/>
                   <a:t>UI</a:t>
                 </a:r>
-                <a:endParaRPr kumimoji="1" lang="en-US" altLang="zh-CN" sz="1050" dirty="0"/>
               </a:p>
               <a:p>
                 <a:pPr algn="ctr"/>
@@ -21458,7 +26394,7 @@
               <p:nvPr/>
             </p:nvCxnSpPr>
             <p:spPr>
-              <a:xfrm flipH="true">
+              <a:xfrm flipH="1">
                 <a:off x="7920318" y="2364437"/>
                 <a:ext cx="107282" cy="1"/>
               </a:xfrm>
@@ -21493,7 +26429,7 @@
             <p:nvPr/>
           </p:nvGrpSpPr>
           <p:grpSpPr>
-            <a:xfrm rot="0">
+            <a:xfrm>
               <a:off x="15073" y="5757"/>
               <a:ext cx="2576" cy="1228"/>
               <a:chOff x="6750426" y="1963272"/>
@@ -21586,7 +26522,6 @@
                   <a:rPr kumimoji="1" lang="en-US" altLang="zh-CN" sz="1050" dirty="0"/>
                   <a:t>Customer</a:t>
                 </a:r>
-                <a:endParaRPr kumimoji="1" lang="en-US" altLang="zh-CN" sz="1050" dirty="0"/>
               </a:p>
               <a:p>
                 <a:pPr algn="ctr"/>
@@ -21746,7 +26681,7 @@
               <p:nvPr/>
             </p:nvCxnSpPr>
             <p:spPr>
-              <a:xfrm flipH="true">
+              <a:xfrm flipH="1">
                 <a:off x="7920318" y="2364437"/>
                 <a:ext cx="107282" cy="1"/>
               </a:xfrm>
@@ -21781,7 +26716,7 @@
             <p:nvPr/>
           </p:nvGrpSpPr>
           <p:grpSpPr>
-            <a:xfrm rot="0">
+            <a:xfrm>
               <a:off x="8524" y="5725"/>
               <a:ext cx="2576" cy="1228"/>
               <a:chOff x="6750426" y="1963272"/>
@@ -21874,7 +26809,6 @@
                   <a:rPr kumimoji="1" lang="en-US" altLang="zh-CN" sz="1050" dirty="0"/>
                   <a:t>Visits</a:t>
                 </a:r>
-                <a:endParaRPr kumimoji="1" lang="en-US" altLang="zh-CN" sz="1050" dirty="0"/>
               </a:p>
               <a:p>
                 <a:pPr algn="ctr"/>
@@ -22026,7 +26960,7 @@
               <p:nvPr/>
             </p:nvCxnSpPr>
             <p:spPr>
-              <a:xfrm flipH="true">
+              <a:xfrm flipH="1">
                 <a:off x="7920318" y="2364437"/>
                 <a:ext cx="107282" cy="1"/>
               </a:xfrm>
@@ -22061,7 +26995,7 @@
             <p:nvPr/>
           </p:nvGrpSpPr>
           <p:grpSpPr>
-            <a:xfrm rot="0">
+            <a:xfrm>
               <a:off x="11862" y="5757"/>
               <a:ext cx="2576" cy="1228"/>
               <a:chOff x="6750426" y="1963272"/>
@@ -22154,7 +27088,6 @@
                   <a:rPr kumimoji="1" lang="en-US" altLang="zh-CN" sz="1050" dirty="0"/>
                   <a:t>Vets</a:t>
                 </a:r>
-                <a:endParaRPr kumimoji="1" lang="en-US" altLang="zh-CN" sz="1050" dirty="0"/>
               </a:p>
               <a:p>
                 <a:pPr algn="ctr"/>
@@ -22306,7 +27239,7 @@
               <p:nvPr/>
             </p:nvCxnSpPr>
             <p:spPr>
-              <a:xfrm flipH="true">
+              <a:xfrm flipH="1">
                 <a:off x="7920318" y="2364437"/>
                 <a:ext cx="107282" cy="1"/>
               </a:xfrm>
@@ -22341,7 +27274,7 @@
             <p:nvPr/>
           </p:nvGrpSpPr>
           <p:grpSpPr>
-            <a:xfrm rot="0">
+            <a:xfrm>
               <a:off x="10997" y="953"/>
               <a:ext cx="944" cy="861"/>
               <a:chOff x="1958520" y="2302574"/>
@@ -22366,7 +27299,7 @@
                 <a:cxnLst/>
                 <a:rect l="l" t="t" r="r" b="b"/>
                 <a:pathLst>
-                  <a:path w="11312" h="10323" extrusionOk="false">
+                  <a:path w="11312" h="10323" extrusionOk="0">
                     <a:moveTo>
                       <a:pt x="7168" y="8132"/>
                     </a:moveTo>
@@ -22558,7 +27491,7 @@
               </a:fontRef>
             </p:style>
             <p:txBody>
-              <a:bodyPr spcFirstLastPara="1" wrap="square" lIns="91425" tIns="91425" rIns="91425" bIns="91425" anchor="ctr" anchorCtr="false">
+              <a:bodyPr spcFirstLastPara="1" wrap="square" lIns="91425" tIns="91425" rIns="91425" bIns="91425" anchor="ctr" anchorCtr="0">
                 <a:noAutofit/>
               </a:bodyPr>
               <a:lstStyle/>
@@ -22572,6 +27505,7 @@
                   </a:spcAft>
                   <a:buNone/>
                 </a:pPr>
+                <a:endParaRPr/>
               </a:p>
             </p:txBody>
           </p:sp>
@@ -22593,7 +27527,7 @@
                 <a:cxnLst/>
                 <a:rect l="l" t="t" r="r" b="b"/>
                 <a:pathLst>
-                  <a:path w="9514" h="5823" extrusionOk="false">
+                  <a:path w="9514" h="5823" extrusionOk="0">
                     <a:moveTo>
                       <a:pt x="179" y="0"/>
                     </a:moveTo>
@@ -22687,7 +27621,7 @@
               </a:fontRef>
             </p:style>
             <p:txBody>
-              <a:bodyPr spcFirstLastPara="1" wrap="square" lIns="91425" tIns="91425" rIns="91425" bIns="91425" anchor="ctr" anchorCtr="false">
+              <a:bodyPr spcFirstLastPara="1" wrap="square" lIns="91425" tIns="91425" rIns="91425" bIns="91425" anchor="ctr" anchorCtr="0">
                 <a:noAutofit/>
               </a:bodyPr>
               <a:lstStyle/>
@@ -22701,6 +27635,7 @@
                   </a:spcAft>
                   <a:buNone/>
                 </a:pPr>
+                <a:endParaRPr/>
               </a:p>
             </p:txBody>
           </p:sp>
@@ -22722,7 +27657,7 @@
                 <a:cxnLst/>
                 <a:rect l="l" t="t" r="r" b="b"/>
                 <a:pathLst>
-                  <a:path w="375" h="335" extrusionOk="false">
+                  <a:path w="375" h="335" extrusionOk="0">
                     <a:moveTo>
                       <a:pt x="176" y="0"/>
                     </a:moveTo>
@@ -22779,7 +27714,7 @@
               </a:fontRef>
             </p:style>
             <p:txBody>
-              <a:bodyPr spcFirstLastPara="1" wrap="square" lIns="91425" tIns="91425" rIns="91425" bIns="91425" anchor="ctr" anchorCtr="false">
+              <a:bodyPr spcFirstLastPara="1" wrap="square" lIns="91425" tIns="91425" rIns="91425" bIns="91425" anchor="ctr" anchorCtr="0">
                 <a:noAutofit/>
               </a:bodyPr>
               <a:lstStyle/>
@@ -22793,6 +27728,7 @@
                   </a:spcAft>
                   <a:buNone/>
                 </a:pPr>
+                <a:endParaRPr/>
               </a:p>
             </p:txBody>
           </p:sp>
@@ -22856,7 +27792,7 @@
             <p:nvPr/>
           </p:nvGrpSpPr>
           <p:grpSpPr>
-            <a:xfrm rot="0">
+            <a:xfrm>
               <a:off x="15073" y="7224"/>
               <a:ext cx="2576" cy="1228"/>
               <a:chOff x="6750426" y="1963272"/>
@@ -22958,11 +27894,6 @@
                   </a:rPr>
                   <a:t>Customer</a:t>
                 </a:r>
-                <a:endParaRPr kumimoji="1" lang="en-US" altLang="zh-CN" sz="1050" dirty="0">
-                  <a:solidFill>
-                    <a:srgbClr val="E95429"/>
-                  </a:solidFill>
-                </a:endParaRPr>
               </a:p>
               <a:p>
                 <a:pPr algn="ctr"/>
@@ -23138,7 +28069,7 @@
               <p:nvPr/>
             </p:nvCxnSpPr>
             <p:spPr>
-              <a:xfrm flipH="true">
+              <a:xfrm flipH="1">
                 <a:off x="7920318" y="2364437"/>
                 <a:ext cx="107282" cy="1"/>
               </a:xfrm>
@@ -23287,7 +28218,7 @@
             <p:nvPr/>
           </p:nvCxnSpPr>
           <p:spPr>
-            <a:xfrm rot="16200000" flipH="true">
+            <a:xfrm rot="16200000" flipH="1">
               <a:off x="11199" y="2096"/>
               <a:ext cx="919" cy="415"/>
             </a:xfrm>
@@ -23358,7 +28289,7 @@
             <p:nvPr/>
           </p:nvCxnSpPr>
           <p:spPr>
-            <a:xfrm rot="16200000" flipH="true">
+            <a:xfrm rot="16200000" flipH="1">
               <a:off x="13263" y="3003"/>
               <a:ext cx="788" cy="996"/>
             </a:xfrm>
@@ -23430,7 +28361,7 @@
         <p:sp>
           <p:nvSpPr>
             <p:cNvPr id="164" name="文本框 163"/>
-            <p:cNvSpPr txBox="true"/>
+            <p:cNvSpPr txBox="1"/>
             <p:nvPr/>
           </p:nvSpPr>
           <p:spPr>
@@ -23484,7 +28415,7 @@
         <p:sp>
           <p:nvSpPr>
             <p:cNvPr id="165" name="文本框 164"/>
-            <p:cNvSpPr txBox="true"/>
+            <p:cNvSpPr txBox="1"/>
             <p:nvPr/>
           </p:nvSpPr>
           <p:spPr>
@@ -23538,7 +28469,7 @@
         <p:sp>
           <p:nvSpPr>
             <p:cNvPr id="166" name="文本框 165"/>
-            <p:cNvSpPr txBox="true"/>
+            <p:cNvSpPr txBox="1"/>
             <p:nvPr/>
           </p:nvSpPr>
           <p:spPr>
@@ -23592,7 +28523,7 @@
         <p:sp>
           <p:nvSpPr>
             <p:cNvPr id="167" name="文本框 166"/>
-            <p:cNvSpPr txBox="true"/>
+            <p:cNvSpPr txBox="1"/>
             <p:nvPr/>
           </p:nvSpPr>
           <p:spPr>
@@ -23734,7 +28665,7 @@
       <p:sp>
         <p:nvSpPr>
           <p:cNvPr id="244" name="文本框 243"/>
-          <p:cNvSpPr txBox="true"/>
+          <p:cNvSpPr txBox="1"/>
           <p:nvPr/>
         </p:nvSpPr>
         <p:spPr>
@@ -23789,947 +28720,6 @@
           </a:p>
         </p:txBody>
       </p:sp>
-    </p:spTree>
-  </p:cSld>
-  <p:clrMapOvr>
-    <a:masterClrMapping/>
-  </p:clrMapOvr>
-</p:sld>
-</file>
-
-<file path=ppt/slides/slide8.xml><?xml version="1.0" encoding="utf-8"?>
-<p:sld xmlns:a="http://schemas.openxmlformats.org/drawingml/2006/main" xmlns:r="http://schemas.openxmlformats.org/officeDocument/2006/relationships" xmlns:p="http://schemas.openxmlformats.org/presentationml/2006/main">
-  <p:cSld>
-    <p:spTree>
-      <p:nvGrpSpPr>
-        <p:cNvPr id="1" name=""/>
-        <p:cNvGrpSpPr/>
-        <p:nvPr/>
-      </p:nvGrpSpPr>
-      <p:grpSpPr/>
-      <p:sp>
-        <p:nvSpPr>
-          <p:cNvPr id="220" name="圆角矩形 219"/>
-          <p:cNvSpPr/>
-          <p:nvPr/>
-        </p:nvSpPr>
-        <p:spPr>
-          <a:xfrm>
-            <a:off x="6799580" y="3290570"/>
-            <a:ext cx="1824355" cy="779780"/>
-          </a:xfrm>
-          <a:prstGeom prst="roundRect">
-            <a:avLst>
-              <a:gd name="adj" fmla="val 7143"/>
-            </a:avLst>
-          </a:prstGeom>
-          <a:noFill/>
-          <a:ln>
-            <a:prstDash val="dash"/>
-          </a:ln>
-        </p:spPr>
-        <p:style>
-          <a:lnRef idx="2">
-            <a:schemeClr val="accent1">
-              <a:shade val="50000"/>
-            </a:schemeClr>
-          </a:lnRef>
-          <a:fillRef idx="1">
-            <a:schemeClr val="accent1"/>
-          </a:fillRef>
-          <a:effectRef idx="0">
-            <a:schemeClr val="accent1"/>
-          </a:effectRef>
-          <a:fontRef idx="minor">
-            <a:schemeClr val="lt1"/>
-          </a:fontRef>
-        </p:style>
-        <p:txBody>
-          <a:bodyPr rtlCol="0" anchor="ctr"/>
-          <a:p>
-            <a:pPr algn="ctr"/>
-            <a:endParaRPr kumimoji="1" lang="zh-CN" altLang="en-US"/>
-          </a:p>
-        </p:txBody>
-      </p:sp>
-      <p:sp>
-        <p:nvSpPr>
-          <p:cNvPr id="221" name="圆角矩形 220"/>
-          <p:cNvSpPr/>
-          <p:nvPr/>
-        </p:nvSpPr>
-        <p:spPr>
-          <a:xfrm>
-            <a:off x="7461885" y="3366135"/>
-            <a:ext cx="1102360" cy="640715"/>
-          </a:xfrm>
-          <a:prstGeom prst="roundRect">
-            <a:avLst>
-              <a:gd name="adj" fmla="val 6877"/>
-            </a:avLst>
-          </a:prstGeom>
-        </p:spPr>
-        <p:style>
-          <a:lnRef idx="2">
-            <a:schemeClr val="accent3"/>
-          </a:lnRef>
-          <a:fillRef idx="1">
-            <a:schemeClr val="lt1"/>
-          </a:fillRef>
-          <a:effectRef idx="0">
-            <a:schemeClr val="accent3"/>
-          </a:effectRef>
-          <a:fontRef idx="minor">
-            <a:schemeClr val="dk1"/>
-          </a:fontRef>
-        </p:style>
-        <p:txBody>
-          <a:bodyPr tIns="36000" rtlCol="0" anchor="t"/>
-          <a:p>
-            <a:pPr algn="ctr"/>
-            <a:r>
-              <a:rPr kumimoji="1" lang="en-US" altLang="zh-CN" sz="1050" dirty="0"/>
-              <a:t>Visits</a:t>
-            </a:r>
-            <a:endParaRPr kumimoji="1" lang="en-US" altLang="zh-CN" sz="1050" dirty="0"/>
-          </a:p>
-          <a:p>
-            <a:pPr algn="ctr"/>
-            <a:r>
-              <a:rPr kumimoji="1" lang="en-US" altLang="zh-CN" sz="1050" dirty="0"/>
-              <a:t>Service</a:t>
-            </a:r>
-            <a:endParaRPr kumimoji="1" lang="zh-CN" altLang="en-US" sz="1050" dirty="0"/>
-          </a:p>
-        </p:txBody>
-      </p:sp>
-      <p:sp>
-        <p:nvSpPr>
-          <p:cNvPr id="222" name="圆角矩形 221"/>
-          <p:cNvSpPr/>
-          <p:nvPr/>
-        </p:nvSpPr>
-        <p:spPr>
-          <a:xfrm>
-            <a:off x="7461885" y="3756025"/>
-            <a:ext cx="1102360" cy="250825"/>
-          </a:xfrm>
-          <a:prstGeom prst="roundRect">
-            <a:avLst/>
-          </a:prstGeom>
-        </p:spPr>
-        <p:style>
-          <a:lnRef idx="2">
-            <a:schemeClr val="accent1">
-              <a:shade val="50000"/>
-            </a:schemeClr>
-          </a:lnRef>
-          <a:fillRef idx="1">
-            <a:schemeClr val="accent1"/>
-          </a:fillRef>
-          <a:effectRef idx="0">
-            <a:schemeClr val="accent1"/>
-          </a:effectRef>
-          <a:fontRef idx="minor">
-            <a:schemeClr val="lt1"/>
-          </a:fontRef>
-        </p:style>
-        <p:txBody>
-          <a:bodyPr rtlCol="0" anchor="ctr"/>
-          <a:p>
-            <a:pPr algn="ctr"/>
-            <a:r>
-              <a:rPr kumimoji="1" lang="en-US" altLang="zh-CN" sz="1100" b="1" dirty="0"/>
-              <a:t>JavaAgent</a:t>
-            </a:r>
-            <a:endParaRPr kumimoji="1" lang="zh-CN" altLang="en-US" sz="1100" b="1" dirty="0"/>
-          </a:p>
-        </p:txBody>
-      </p:sp>
-      <p:sp>
-        <p:nvSpPr>
-          <p:cNvPr id="223" name="圆角矩形 222"/>
-          <p:cNvSpPr/>
-          <p:nvPr/>
-        </p:nvSpPr>
-        <p:spPr>
-          <a:xfrm rot="16200000">
-            <a:off x="6680835" y="3550285"/>
-            <a:ext cx="640715" cy="273685"/>
-          </a:xfrm>
-          <a:prstGeom prst="roundRect">
-            <a:avLst/>
-          </a:prstGeom>
-        </p:spPr>
-        <p:style>
-          <a:lnRef idx="2">
-            <a:schemeClr val="accent1">
-              <a:shade val="50000"/>
-            </a:schemeClr>
-          </a:lnRef>
-          <a:fillRef idx="1">
-            <a:schemeClr val="accent1"/>
-          </a:fillRef>
-          <a:effectRef idx="0">
-            <a:schemeClr val="accent1"/>
-          </a:effectRef>
-          <a:fontRef idx="minor">
-            <a:schemeClr val="lt1"/>
-          </a:fontRef>
-        </p:style>
-        <p:txBody>
-          <a:bodyPr lIns="0" rIns="0" rtlCol="0" anchor="ctr"/>
-          <a:p>
-            <a:pPr algn="ctr"/>
-            <a:r>
-              <a:rPr kumimoji="1" lang="en-US" altLang="zh-CN" sz="1100" b="1" dirty="0"/>
-              <a:t>Side</a:t>
-            </a:r>
-            <a:r>
-              <a:rPr kumimoji="1" lang="zh-CN" altLang="en-US" sz="1100" b="1" dirty="0"/>
-              <a:t> </a:t>
-            </a:r>
-            <a:r>
-              <a:rPr kumimoji="1" lang="en-US" altLang="zh-CN" sz="1100" b="1" dirty="0"/>
-              <a:t>Car</a:t>
-            </a:r>
-            <a:endParaRPr kumimoji="1" lang="zh-CN" altLang="en-US" sz="1100" b="1" dirty="0"/>
-          </a:p>
-        </p:txBody>
-      </p:sp>
-      <p:cxnSp>
-        <p:nvCxnSpPr>
-          <p:cNvPr id="226" name="直线箭头连接符 225"/>
-          <p:cNvCxnSpPr>
-            <a:stCxn id="223" idx="0"/>
-          </p:cNvCxnSpPr>
-          <p:nvPr/>
-        </p:nvCxnSpPr>
-        <p:spPr>
-          <a:xfrm>
-            <a:off x="6864350" y="3686810"/>
-            <a:ext cx="586105" cy="635"/>
-          </a:xfrm>
-          <a:prstGeom prst="straightConnector1">
-            <a:avLst/>
-          </a:prstGeom>
-          <a:ln>
-            <a:headEnd type="none" w="sm" len="med"/>
-            <a:tailEnd type="triangle" w="sm" len="med"/>
-          </a:ln>
-        </p:spPr>
-        <p:style>
-          <a:lnRef idx="1">
-            <a:schemeClr val="accent1"/>
-          </a:lnRef>
-          <a:fillRef idx="0">
-            <a:schemeClr val="accent1"/>
-          </a:fillRef>
-          <a:effectRef idx="0">
-            <a:schemeClr val="accent1"/>
-          </a:effectRef>
-          <a:fontRef idx="minor">
-            <a:schemeClr val="tx1"/>
-          </a:fontRef>
-        </p:style>
-      </p:cxnSp>
-      <p:sp>
-        <p:nvSpPr>
-          <p:cNvPr id="164" name="文本框 163"/>
-          <p:cNvSpPr txBox="true"/>
-          <p:nvPr/>
-        </p:nvSpPr>
-        <p:spPr>
-          <a:xfrm>
-            <a:off x="7077710" y="3028950"/>
-            <a:ext cx="1268095" cy="261620"/>
-          </a:xfrm>
-          <a:prstGeom prst="rect">
-            <a:avLst/>
-          </a:prstGeom>
-          <a:noFill/>
-        </p:spPr>
-        <p:txBody>
-          <a:bodyPr wrap="none" rtlCol="0">
-            <a:spAutoFit/>
-          </a:bodyPr>
-          <a:p>
-            <a:r>
-              <a:rPr kumimoji="1" lang="en-US" altLang="zh-CN" sz="1100" b="1" dirty="0">
-                <a:solidFill>
-                  <a:schemeClr val="accent5"/>
-                </a:solidFill>
-              </a:rPr>
-              <a:t>Kubernetes</a:t>
-            </a:r>
-            <a:r>
-              <a:rPr kumimoji="1" lang="zh-CN" altLang="en-US" sz="1100" b="1" dirty="0">
-                <a:solidFill>
-                  <a:schemeClr val="accent5"/>
-                </a:solidFill>
-              </a:rPr>
-              <a:t> </a:t>
-            </a:r>
-            <a:r>
-              <a:rPr kumimoji="1" lang="en-US" altLang="zh-CN" sz="1100" b="1" dirty="0">
-                <a:solidFill>
-                  <a:schemeClr val="accent5"/>
-                </a:solidFill>
-              </a:rPr>
-              <a:t>Pod</a:t>
-            </a:r>
-            <a:endParaRPr kumimoji="1" lang="zh-CN" altLang="en-US" sz="1100" b="1" dirty="0">
-              <a:solidFill>
-                <a:schemeClr val="accent5"/>
-              </a:solidFill>
-            </a:endParaRPr>
-          </a:p>
-        </p:txBody>
-      </p:sp>
-      <p:cxnSp>
-        <p:nvCxnSpPr>
-          <p:cNvPr id="2" name="直线箭头连接符 225"/>
-          <p:cNvCxnSpPr>
-            <a:stCxn id="44" idx="3"/>
-          </p:cNvCxnSpPr>
-          <p:nvPr/>
-        </p:nvCxnSpPr>
-        <p:spPr>
-          <a:xfrm>
-            <a:off x="5718810" y="2892425"/>
-            <a:ext cx="1073785" cy="609600"/>
-          </a:xfrm>
-          <a:prstGeom prst="bentConnector3">
-            <a:avLst>
-              <a:gd name="adj1" fmla="val 50030"/>
-            </a:avLst>
-          </a:prstGeom>
-          <a:ln>
-            <a:headEnd type="none" w="sm" len="med"/>
-            <a:tailEnd type="triangle" w="sm" len="med"/>
-          </a:ln>
-        </p:spPr>
-        <p:style>
-          <a:lnRef idx="1">
-            <a:schemeClr val="accent1"/>
-          </a:lnRef>
-          <a:fillRef idx="0">
-            <a:schemeClr val="accent1"/>
-          </a:fillRef>
-          <a:effectRef idx="0">
-            <a:schemeClr val="accent1"/>
-          </a:effectRef>
-          <a:fontRef idx="minor">
-            <a:schemeClr val="tx1"/>
-          </a:fontRef>
-        </p:style>
-      </p:cxnSp>
-      <p:sp>
-        <p:nvSpPr>
-          <p:cNvPr id="44" name="圆角矩形 173"/>
-          <p:cNvSpPr/>
-          <p:nvPr/>
-        </p:nvSpPr>
-        <p:spPr>
-          <a:xfrm>
-            <a:off x="3895090" y="2493645"/>
-            <a:ext cx="1823720" cy="796925"/>
-          </a:xfrm>
-          <a:prstGeom prst="roundRect">
-            <a:avLst/>
-          </a:prstGeom>
-        </p:spPr>
-        <p:style>
-          <a:lnRef idx="2">
-            <a:schemeClr val="accent4">
-              <a:shade val="50000"/>
-            </a:schemeClr>
-          </a:lnRef>
-          <a:fillRef idx="1">
-            <a:schemeClr val="accent4"/>
-          </a:fillRef>
-          <a:effectRef idx="0">
-            <a:schemeClr val="accent4"/>
-          </a:effectRef>
-          <a:fontRef idx="minor">
-            <a:schemeClr val="lt1"/>
-          </a:fontRef>
-        </p:style>
-        <p:txBody>
-          <a:bodyPr rtlCol="0" anchor="ctr"/>
-          <a:p>
-            <a:pPr algn="ctr"/>
-            <a:r>
-              <a:rPr kumimoji="1" lang="" altLang="en-US" b="1" dirty="0"/>
-              <a:t>Ingress</a:t>
-            </a:r>
-            <a:endParaRPr kumimoji="1" lang="zh-CN" altLang="en-US" sz="1200" b="1" dirty="0"/>
-          </a:p>
-        </p:txBody>
-      </p:sp>
-      <p:sp>
-        <p:nvSpPr>
-          <p:cNvPr id="3" name="圆角矩形 2"/>
-          <p:cNvSpPr/>
-          <p:nvPr/>
-        </p:nvSpPr>
-        <p:spPr>
-          <a:xfrm>
-            <a:off x="3895090" y="4006850"/>
-            <a:ext cx="1824355" cy="779780"/>
-          </a:xfrm>
-          <a:prstGeom prst="roundRect">
-            <a:avLst>
-              <a:gd name="adj" fmla="val 7143"/>
-            </a:avLst>
-          </a:prstGeom>
-          <a:noFill/>
-          <a:ln>
-            <a:prstDash val="dash"/>
-          </a:ln>
-        </p:spPr>
-        <p:style>
-          <a:lnRef idx="2">
-            <a:schemeClr val="accent1">
-              <a:shade val="50000"/>
-            </a:schemeClr>
-          </a:lnRef>
-          <a:fillRef idx="1">
-            <a:schemeClr val="accent1"/>
-          </a:fillRef>
-          <a:effectRef idx="0">
-            <a:schemeClr val="accent1"/>
-          </a:effectRef>
-          <a:fontRef idx="minor">
-            <a:schemeClr val="lt1"/>
-          </a:fontRef>
-        </p:style>
-        <p:txBody>
-          <a:bodyPr rtlCol="0" anchor="ctr"/>
-          <a:p>
-            <a:pPr algn="ctr"/>
-            <a:endParaRPr kumimoji="1" lang="zh-CN" altLang="en-US"/>
-          </a:p>
-        </p:txBody>
-      </p:sp>
-      <p:sp>
-        <p:nvSpPr>
-          <p:cNvPr id="4" name="文本框 163"/>
-          <p:cNvSpPr txBox="true"/>
-          <p:nvPr/>
-        </p:nvSpPr>
-        <p:spPr>
-          <a:xfrm>
-            <a:off x="4172585" y="3686810"/>
-            <a:ext cx="1268095" cy="261620"/>
-          </a:xfrm>
-          <a:prstGeom prst="rect">
-            <a:avLst/>
-          </a:prstGeom>
-          <a:noFill/>
-        </p:spPr>
-        <p:txBody>
-          <a:bodyPr wrap="none" rtlCol="0">
-            <a:spAutoFit/>
-          </a:bodyPr>
-          <a:p>
-            <a:r>
-              <a:rPr kumimoji="1" lang="en-US" altLang="zh-CN" sz="1100" b="1" dirty="0">
-                <a:solidFill>
-                  <a:schemeClr val="accent5"/>
-                </a:solidFill>
-              </a:rPr>
-              <a:t>Kubernetes</a:t>
-            </a:r>
-            <a:r>
-              <a:rPr kumimoji="1" lang="zh-CN" altLang="en-US" sz="1100" b="1" dirty="0">
-                <a:solidFill>
-                  <a:schemeClr val="accent5"/>
-                </a:solidFill>
-              </a:rPr>
-              <a:t> </a:t>
-            </a:r>
-            <a:r>
-              <a:rPr kumimoji="1" lang="en-US" altLang="zh-CN" sz="1100" b="1" dirty="0">
-                <a:solidFill>
-                  <a:schemeClr val="accent5"/>
-                </a:solidFill>
-              </a:rPr>
-              <a:t>Pod</a:t>
-            </a:r>
-            <a:endParaRPr kumimoji="1" lang="zh-CN" altLang="en-US" sz="1100" b="1" dirty="0">
-              <a:solidFill>
-                <a:schemeClr val="accent5"/>
-              </a:solidFill>
-            </a:endParaRPr>
-          </a:p>
-        </p:txBody>
-      </p:sp>
-      <p:cxnSp>
-        <p:nvCxnSpPr>
-          <p:cNvPr id="5" name="直线箭头连接符 225"/>
-          <p:cNvCxnSpPr>
-            <a:stCxn id="3" idx="3"/>
-          </p:cNvCxnSpPr>
-          <p:nvPr/>
-        </p:nvCxnSpPr>
-        <p:spPr>
-          <a:xfrm flipV="true">
-            <a:off x="5719445" y="3841750"/>
-            <a:ext cx="1066165" cy="554990"/>
-          </a:xfrm>
-          <a:prstGeom prst="bentConnector3">
-            <a:avLst>
-              <a:gd name="adj1" fmla="val 50030"/>
-            </a:avLst>
-          </a:prstGeom>
-          <a:ln>
-            <a:headEnd type="none" w="sm" len="med"/>
-            <a:tailEnd type="triangle" w="sm" len="med"/>
-          </a:ln>
-        </p:spPr>
-        <p:style>
-          <a:lnRef idx="1">
-            <a:schemeClr val="accent1"/>
-          </a:lnRef>
-          <a:fillRef idx="0">
-            <a:schemeClr val="accent1"/>
-          </a:fillRef>
-          <a:effectRef idx="0">
-            <a:schemeClr val="accent1"/>
-          </a:effectRef>
-          <a:fontRef idx="minor">
-            <a:schemeClr val="tx1"/>
-          </a:fontRef>
-        </p:style>
-      </p:cxnSp>
-    </p:spTree>
-  </p:cSld>
-  <p:clrMapOvr>
-    <a:masterClrMapping/>
-  </p:clrMapOvr>
-</p:sld>
-</file>
-
-<file path=ppt/slides/slide9.xml><?xml version="1.0" encoding="utf-8"?>
-<p:sld xmlns:a="http://schemas.openxmlformats.org/drawingml/2006/main" xmlns:r="http://schemas.openxmlformats.org/officeDocument/2006/relationships" xmlns:p="http://schemas.openxmlformats.org/presentationml/2006/main">
-  <p:cSld>
-    <p:spTree>
-      <p:nvGrpSpPr>
-        <p:cNvPr id="1" name=""/>
-        <p:cNvGrpSpPr/>
-        <p:nvPr/>
-      </p:nvGrpSpPr>
-      <p:grpSpPr/>
-      <p:sp>
-        <p:nvSpPr>
-          <p:cNvPr id="220" name="圆角矩形 219"/>
-          <p:cNvSpPr/>
-          <p:nvPr/>
-        </p:nvSpPr>
-        <p:spPr>
-          <a:xfrm>
-            <a:off x="3787775" y="3197860"/>
-            <a:ext cx="1824355" cy="779780"/>
-          </a:xfrm>
-          <a:prstGeom prst="roundRect">
-            <a:avLst>
-              <a:gd name="adj" fmla="val 7143"/>
-            </a:avLst>
-          </a:prstGeom>
-          <a:noFill/>
-          <a:ln>
-            <a:prstDash val="dash"/>
-          </a:ln>
-        </p:spPr>
-        <p:style>
-          <a:lnRef idx="2">
-            <a:schemeClr val="accent1">
-              <a:shade val="50000"/>
-            </a:schemeClr>
-          </a:lnRef>
-          <a:fillRef idx="1">
-            <a:schemeClr val="accent1"/>
-          </a:fillRef>
-          <a:effectRef idx="0">
-            <a:schemeClr val="accent1"/>
-          </a:effectRef>
-          <a:fontRef idx="minor">
-            <a:schemeClr val="lt1"/>
-          </a:fontRef>
-        </p:style>
-        <p:txBody>
-          <a:bodyPr rtlCol="0" anchor="ctr"/>
-          <a:p>
-            <a:pPr algn="ctr"/>
-            <a:endParaRPr kumimoji="1" lang="zh-CN" altLang="en-US"/>
-          </a:p>
-        </p:txBody>
-      </p:sp>
-      <p:sp>
-        <p:nvSpPr>
-          <p:cNvPr id="221" name="圆角矩形 220"/>
-          <p:cNvSpPr/>
-          <p:nvPr/>
-        </p:nvSpPr>
-        <p:spPr>
-          <a:xfrm>
-            <a:off x="3852545" y="3267710"/>
-            <a:ext cx="1102360" cy="640715"/>
-          </a:xfrm>
-          <a:prstGeom prst="roundRect">
-            <a:avLst>
-              <a:gd name="adj" fmla="val 6877"/>
-            </a:avLst>
-          </a:prstGeom>
-        </p:spPr>
-        <p:style>
-          <a:lnRef idx="2">
-            <a:schemeClr val="accent3"/>
-          </a:lnRef>
-          <a:fillRef idx="1">
-            <a:schemeClr val="lt1"/>
-          </a:fillRef>
-          <a:effectRef idx="0">
-            <a:schemeClr val="accent3"/>
-          </a:effectRef>
-          <a:fontRef idx="minor">
-            <a:schemeClr val="dk1"/>
-          </a:fontRef>
-        </p:style>
-        <p:txBody>
-          <a:bodyPr tIns="36000" rtlCol="0" anchor="t"/>
-          <a:p>
-            <a:pPr algn="ctr"/>
-            <a:r>
-              <a:rPr kumimoji="1" lang="en-US" altLang="zh-CN" sz="1050" dirty="0"/>
-              <a:t>Visits</a:t>
-            </a:r>
-            <a:endParaRPr kumimoji="1" lang="en-US" altLang="zh-CN" sz="1050" dirty="0"/>
-          </a:p>
-          <a:p>
-            <a:pPr algn="ctr"/>
-            <a:r>
-              <a:rPr kumimoji="1" lang="en-US" altLang="zh-CN" sz="1050" dirty="0"/>
-              <a:t>Service</a:t>
-            </a:r>
-            <a:endParaRPr kumimoji="1" lang="zh-CN" altLang="en-US" sz="1050" dirty="0"/>
-          </a:p>
-        </p:txBody>
-      </p:sp>
-      <p:sp>
-        <p:nvSpPr>
-          <p:cNvPr id="222" name="圆角矩形 221"/>
-          <p:cNvSpPr/>
-          <p:nvPr/>
-        </p:nvSpPr>
-        <p:spPr>
-          <a:xfrm>
-            <a:off x="3852545" y="3657600"/>
-            <a:ext cx="1102360" cy="250825"/>
-          </a:xfrm>
-          <a:prstGeom prst="roundRect">
-            <a:avLst/>
-          </a:prstGeom>
-        </p:spPr>
-        <p:style>
-          <a:lnRef idx="2">
-            <a:schemeClr val="accent1">
-              <a:shade val="50000"/>
-            </a:schemeClr>
-          </a:lnRef>
-          <a:fillRef idx="1">
-            <a:schemeClr val="accent1"/>
-          </a:fillRef>
-          <a:effectRef idx="0">
-            <a:schemeClr val="accent1"/>
-          </a:effectRef>
-          <a:fontRef idx="minor">
-            <a:schemeClr val="lt1"/>
-          </a:fontRef>
-        </p:style>
-        <p:txBody>
-          <a:bodyPr rtlCol="0" anchor="ctr"/>
-          <a:p>
-            <a:pPr algn="ctr"/>
-            <a:r>
-              <a:rPr kumimoji="1" lang="en-US" altLang="zh-CN" sz="1100" b="1" dirty="0"/>
-              <a:t>JavaAgent</a:t>
-            </a:r>
-            <a:endParaRPr kumimoji="1" lang="zh-CN" altLang="en-US" sz="1100" b="1" dirty="0"/>
-          </a:p>
-        </p:txBody>
-      </p:sp>
-      <p:sp>
-        <p:nvSpPr>
-          <p:cNvPr id="223" name="圆角矩形 222"/>
-          <p:cNvSpPr/>
-          <p:nvPr/>
-        </p:nvSpPr>
-        <p:spPr>
-          <a:xfrm rot="16200000">
-            <a:off x="5083810" y="3451225"/>
-            <a:ext cx="640715" cy="273685"/>
-          </a:xfrm>
-          <a:prstGeom prst="roundRect">
-            <a:avLst/>
-          </a:prstGeom>
-        </p:spPr>
-        <p:style>
-          <a:lnRef idx="2">
-            <a:schemeClr val="accent1">
-              <a:shade val="50000"/>
-            </a:schemeClr>
-          </a:lnRef>
-          <a:fillRef idx="1">
-            <a:schemeClr val="accent1"/>
-          </a:fillRef>
-          <a:effectRef idx="0">
-            <a:schemeClr val="accent1"/>
-          </a:effectRef>
-          <a:fontRef idx="minor">
-            <a:schemeClr val="lt1"/>
-          </a:fontRef>
-        </p:style>
-        <p:txBody>
-          <a:bodyPr lIns="0" rIns="0" rtlCol="0" anchor="ctr"/>
-          <a:p>
-            <a:pPr algn="ctr"/>
-            <a:r>
-              <a:rPr kumimoji="1" lang="en-US" altLang="zh-CN" sz="1100" b="1" dirty="0"/>
-              <a:t>Side</a:t>
-            </a:r>
-            <a:r>
-              <a:rPr kumimoji="1" lang="zh-CN" altLang="en-US" sz="1100" b="1" dirty="0"/>
-              <a:t> </a:t>
-            </a:r>
-            <a:r>
-              <a:rPr kumimoji="1" lang="en-US" altLang="zh-CN" sz="1100" b="1" dirty="0"/>
-              <a:t>Car</a:t>
-            </a:r>
-            <a:endParaRPr kumimoji="1" lang="zh-CN" altLang="en-US" sz="1100" b="1" dirty="0"/>
-          </a:p>
-        </p:txBody>
-      </p:sp>
-      <p:cxnSp>
-        <p:nvCxnSpPr>
-          <p:cNvPr id="226" name="直线箭头连接符 225"/>
-          <p:cNvCxnSpPr/>
-          <p:nvPr/>
-        </p:nvCxnSpPr>
-        <p:spPr>
-          <a:xfrm>
-            <a:off x="4954905" y="3587115"/>
-            <a:ext cx="320040" cy="635"/>
-          </a:xfrm>
-          <a:prstGeom prst="straightConnector1">
-            <a:avLst/>
-          </a:prstGeom>
-          <a:ln>
-            <a:headEnd type="none" w="sm" len="med"/>
-            <a:tailEnd type="triangle" w="sm" len="med"/>
-          </a:ln>
-        </p:spPr>
-        <p:style>
-          <a:lnRef idx="1">
-            <a:schemeClr val="accent1"/>
-          </a:lnRef>
-          <a:fillRef idx="0">
-            <a:schemeClr val="accent1"/>
-          </a:fillRef>
-          <a:effectRef idx="0">
-            <a:schemeClr val="accent1"/>
-          </a:effectRef>
-          <a:fontRef idx="minor">
-            <a:schemeClr val="tx1"/>
-          </a:fontRef>
-        </p:style>
-      </p:cxnSp>
-      <p:sp>
-        <p:nvSpPr>
-          <p:cNvPr id="164" name="文本框 163"/>
-          <p:cNvSpPr txBox="true"/>
-          <p:nvPr/>
-        </p:nvSpPr>
-        <p:spPr>
-          <a:xfrm>
-            <a:off x="4065905" y="2846070"/>
-            <a:ext cx="1268095" cy="261620"/>
-          </a:xfrm>
-          <a:prstGeom prst="rect">
-            <a:avLst/>
-          </a:prstGeom>
-          <a:noFill/>
-        </p:spPr>
-        <p:txBody>
-          <a:bodyPr wrap="none" rtlCol="0">
-            <a:spAutoFit/>
-          </a:bodyPr>
-          <a:p>
-            <a:r>
-              <a:rPr kumimoji="1" lang="en-US" altLang="zh-CN" sz="1100" b="1" dirty="0">
-                <a:solidFill>
-                  <a:schemeClr val="accent5"/>
-                </a:solidFill>
-              </a:rPr>
-              <a:t>Kubernetes</a:t>
-            </a:r>
-            <a:r>
-              <a:rPr kumimoji="1" lang="zh-CN" altLang="en-US" sz="1100" b="1" dirty="0">
-                <a:solidFill>
-                  <a:schemeClr val="accent5"/>
-                </a:solidFill>
-              </a:rPr>
-              <a:t> </a:t>
-            </a:r>
-            <a:r>
-              <a:rPr kumimoji="1" lang="en-US" altLang="zh-CN" sz="1100" b="1" dirty="0">
-                <a:solidFill>
-                  <a:schemeClr val="accent5"/>
-                </a:solidFill>
-              </a:rPr>
-              <a:t>Pod</a:t>
-            </a:r>
-            <a:endParaRPr kumimoji="1" lang="zh-CN" altLang="en-US" sz="1100" b="1" dirty="0">
-              <a:solidFill>
-                <a:schemeClr val="accent5"/>
-              </a:solidFill>
-            </a:endParaRPr>
-          </a:p>
-        </p:txBody>
-      </p:sp>
-      <p:sp>
-        <p:nvSpPr>
-          <p:cNvPr id="3" name="圆角矩形 2"/>
-          <p:cNvSpPr/>
-          <p:nvPr/>
-        </p:nvSpPr>
-        <p:spPr>
-          <a:xfrm>
-            <a:off x="6101080" y="3198495"/>
-            <a:ext cx="1824355" cy="779780"/>
-          </a:xfrm>
-          <a:prstGeom prst="roundRect">
-            <a:avLst>
-              <a:gd name="adj" fmla="val 7143"/>
-            </a:avLst>
-          </a:prstGeom>
-          <a:noFill/>
-          <a:ln>
-            <a:prstDash val="dash"/>
-          </a:ln>
-        </p:spPr>
-        <p:style>
-          <a:lnRef idx="2">
-            <a:schemeClr val="accent1">
-              <a:shade val="50000"/>
-            </a:schemeClr>
-          </a:lnRef>
-          <a:fillRef idx="1">
-            <a:schemeClr val="accent1"/>
-          </a:fillRef>
-          <a:effectRef idx="0">
-            <a:schemeClr val="accent1"/>
-          </a:effectRef>
-          <a:fontRef idx="minor">
-            <a:schemeClr val="lt1"/>
-          </a:fontRef>
-        </p:style>
-        <p:txBody>
-          <a:bodyPr rtlCol="0" anchor="ctr"/>
-          <a:p>
-            <a:pPr algn="ctr"/>
-            <a:endParaRPr kumimoji="1" lang="zh-CN" altLang="en-US"/>
-          </a:p>
-        </p:txBody>
-      </p:sp>
-      <p:sp>
-        <p:nvSpPr>
-          <p:cNvPr id="4" name="文本框 163"/>
-          <p:cNvSpPr txBox="true"/>
-          <p:nvPr/>
-        </p:nvSpPr>
-        <p:spPr>
-          <a:xfrm>
-            <a:off x="6379210" y="2846070"/>
-            <a:ext cx="1268095" cy="261620"/>
-          </a:xfrm>
-          <a:prstGeom prst="rect">
-            <a:avLst/>
-          </a:prstGeom>
-          <a:noFill/>
-        </p:spPr>
-        <p:txBody>
-          <a:bodyPr wrap="none" rtlCol="0">
-            <a:spAutoFit/>
-          </a:bodyPr>
-          <a:p>
-            <a:r>
-              <a:rPr kumimoji="1" lang="en-US" altLang="zh-CN" sz="1100" b="1" dirty="0">
-                <a:solidFill>
-                  <a:schemeClr val="accent5"/>
-                </a:solidFill>
-              </a:rPr>
-              <a:t>Kubernetes</a:t>
-            </a:r>
-            <a:r>
-              <a:rPr kumimoji="1" lang="zh-CN" altLang="en-US" sz="1100" b="1" dirty="0">
-                <a:solidFill>
-                  <a:schemeClr val="accent5"/>
-                </a:solidFill>
-              </a:rPr>
-              <a:t> </a:t>
-            </a:r>
-            <a:r>
-              <a:rPr kumimoji="1" lang="en-US" altLang="zh-CN" sz="1100" b="1" dirty="0">
-                <a:solidFill>
-                  <a:schemeClr val="accent5"/>
-                </a:solidFill>
-              </a:rPr>
-              <a:t>Pod</a:t>
-            </a:r>
-            <a:endParaRPr kumimoji="1" lang="zh-CN" altLang="en-US" sz="1100" b="1" dirty="0">
-              <a:solidFill>
-                <a:schemeClr val="accent5"/>
-              </a:solidFill>
-            </a:endParaRPr>
-          </a:p>
-        </p:txBody>
-      </p:sp>
-      <p:cxnSp>
-        <p:nvCxnSpPr>
-          <p:cNvPr id="6" name="直线箭头连接符 225"/>
-          <p:cNvCxnSpPr/>
-          <p:nvPr/>
-        </p:nvCxnSpPr>
-        <p:spPr>
-          <a:xfrm>
-            <a:off x="5541010" y="3588385"/>
-            <a:ext cx="566928" cy="635"/>
-          </a:xfrm>
-          <a:prstGeom prst="straightConnector1">
-            <a:avLst/>
-          </a:prstGeom>
-          <a:ln>
-            <a:headEnd type="none" w="sm" len="med"/>
-            <a:tailEnd type="triangle" w="sm" len="med"/>
-          </a:ln>
-        </p:spPr>
-        <p:style>
-          <a:lnRef idx="1">
-            <a:schemeClr val="accent1"/>
-          </a:lnRef>
-          <a:fillRef idx="0">
-            <a:schemeClr val="accent1"/>
-          </a:fillRef>
-          <a:effectRef idx="0">
-            <a:schemeClr val="accent1"/>
-          </a:effectRef>
-          <a:fontRef idx="minor">
-            <a:schemeClr val="tx1"/>
-          </a:fontRef>
-        </p:style>
-      </p:cxnSp>
     </p:spTree>
   </p:cSld>
   <p:clrMapOvr>
@@ -24796,7 +28786,7 @@
         <a:solidFill>
           <a:schemeClr val="phClr"/>
         </a:solidFill>
-        <a:gradFill rotWithShape="true">
+        <a:gradFill rotWithShape="1">
           <a:gsLst>
             <a:gs pos="0">
               <a:schemeClr val="phClr">
@@ -24820,9 +28810,9 @@
               </a:schemeClr>
             </a:gs>
           </a:gsLst>
-          <a:lin ang="5400000" scaled="false"/>
+          <a:lin ang="5400000" scaled="0"/>
         </a:gradFill>
-        <a:gradFill rotWithShape="true">
+        <a:gradFill rotWithShape="1">
           <a:gsLst>
             <a:gs pos="0">
               <a:schemeClr val="phClr">
@@ -24846,7 +28836,7 @@
               </a:schemeClr>
             </a:gs>
           </a:gsLst>
-          <a:lin ang="5400000" scaled="false"/>
+          <a:lin ang="5400000" scaled="0"/>
         </a:gradFill>
       </a:fillStyleLst>
       <a:lnStyleLst>
@@ -24899,7 +28889,7 @@
             <a:satMod val="170000"/>
           </a:schemeClr>
         </a:solidFill>
-        <a:gradFill rotWithShape="true">
+        <a:gradFill rotWithShape="1">
           <a:gsLst>
             <a:gs pos="0">
               <a:schemeClr val="phClr">
@@ -24924,11 +28914,13 @@
               </a:schemeClr>
             </a:gs>
           </a:gsLst>
-          <a:lin ang="5400000" scaled="false"/>
+          <a:lin ang="5400000" scaled="0"/>
         </a:gradFill>
       </a:bgFillStyleLst>
     </a:fmtScheme>
   </a:themeElements>
+  <a:objectDefaults/>
+  <a:extraClrSchemeLst/>
   <a:extLst>
     <a:ext uri="{05A4C25C-085E-4340-85A3-A5531E510DB2}">
       <thm15:themeFamily xmlns:thm15="http://schemas.microsoft.com/office/thememl/2012/main" name="Office Theme" id="{62F939B6-93AF-4DB8-9C6B-D6C7DFDC589F}" vid="{4A3C46E8-61CC-4603-A589-7422A47A8E4A}"/>
@@ -25055,7 +29047,7 @@
         <a:solidFill>
           <a:schemeClr val="phClr"/>
         </a:solidFill>
-        <a:gradFill rotWithShape="true">
+        <a:gradFill rotWithShape="1">
           <a:gsLst>
             <a:gs pos="0">
               <a:schemeClr val="phClr">
@@ -25079,9 +29071,9 @@
               </a:schemeClr>
             </a:gs>
           </a:gsLst>
-          <a:lin ang="5400000" scaled="false"/>
+          <a:lin ang="5400000" scaled="0"/>
         </a:gradFill>
-        <a:gradFill rotWithShape="true">
+        <a:gradFill rotWithShape="1">
           <a:gsLst>
             <a:gs pos="0">
               <a:schemeClr val="phClr">
@@ -25105,7 +29097,7 @@
               </a:schemeClr>
             </a:gs>
           </a:gsLst>
-          <a:lin ang="5400000" scaled="false"/>
+          <a:lin ang="5400000" scaled="0"/>
         </a:gradFill>
       </a:fillStyleLst>
       <a:lnStyleLst>
@@ -25158,7 +29150,7 @@
             <a:satMod val="170000"/>
           </a:schemeClr>
         </a:solidFill>
-        <a:gradFill rotWithShape="true">
+        <a:gradFill rotWithShape="1">
           <a:gsLst>
             <a:gs pos="0">
               <a:schemeClr val="phClr">
@@ -25183,11 +29175,13 @@
               </a:schemeClr>
             </a:gs>
           </a:gsLst>
-          <a:lin ang="5400000" scaled="false"/>
+          <a:lin ang="5400000" scaled="0"/>
         </a:gradFill>
       </a:bgFillStyleLst>
     </a:fmtScheme>
   </a:themeElements>
+  <a:objectDefaults/>
+  <a:extraClrSchemeLst/>
   <a:extLst>
     <a:ext uri="{05A4C25C-085E-4340-85A3-A5531E510DB2}">
       <thm15:themeFamily xmlns:thm15="http://schemas.microsoft.com/office/thememl/2012/main" name="Office Theme" id="{62F939B6-93AF-4DB8-9C6B-D6C7DFDC589F}" vid="{4A3C46E8-61CC-4603-A589-7422A47A8E4A}"/>
@@ -25314,7 +29308,7 @@
         <a:solidFill>
           <a:schemeClr val="phClr"/>
         </a:solidFill>
-        <a:gradFill rotWithShape="true">
+        <a:gradFill rotWithShape="1">
           <a:gsLst>
             <a:gs pos="0">
               <a:schemeClr val="phClr">
@@ -25338,9 +29332,9 @@
               </a:schemeClr>
             </a:gs>
           </a:gsLst>
-          <a:lin ang="5400000" scaled="false"/>
+          <a:lin ang="5400000" scaled="0"/>
         </a:gradFill>
-        <a:gradFill rotWithShape="true">
+        <a:gradFill rotWithShape="1">
           <a:gsLst>
             <a:gs pos="0">
               <a:schemeClr val="phClr">
@@ -25364,7 +29358,7 @@
               </a:schemeClr>
             </a:gs>
           </a:gsLst>
-          <a:lin ang="5400000" scaled="false"/>
+          <a:lin ang="5400000" scaled="0"/>
         </a:gradFill>
       </a:fillStyleLst>
       <a:lnStyleLst>
@@ -25417,7 +29411,7 @@
             <a:satMod val="170000"/>
           </a:schemeClr>
         </a:solidFill>
-        <a:gradFill rotWithShape="true">
+        <a:gradFill rotWithShape="1">
           <a:gsLst>
             <a:gs pos="0">
               <a:schemeClr val="phClr">
@@ -25442,11 +29436,13 @@
               </a:schemeClr>
             </a:gs>
           </a:gsLst>
-          <a:lin ang="5400000" scaled="false"/>
+          <a:lin ang="5400000" scaled="0"/>
         </a:gradFill>
       </a:bgFillStyleLst>
     </a:fmtScheme>
   </a:themeElements>
+  <a:objectDefaults/>
+  <a:extraClrSchemeLst/>
   <a:extLst>
     <a:ext uri="{05A4C25C-085E-4340-85A3-A5531E510DB2}">
       <thm15:themeFamily xmlns:thm15="http://schemas.microsoft.com/office/thememl/2012/main" name="Office Theme" id="{62F939B6-93AF-4DB8-9C6B-D6C7DFDC589F}" vid="{4A3C46E8-61CC-4603-A589-7422A47A8E4A}"/>

--- a/docs/architecture.pptx
+++ b/docs/architecture.pptx
@@ -5,10 +5,10 @@
     <p:sldMasterId id="2147483648" r:id="rId1"/>
   </p:sldMasterIdLst>
   <p:notesMasterIdLst>
-    <p:notesMasterId r:id="rId14"/>
+    <p:notesMasterId r:id="rId15"/>
   </p:notesMasterIdLst>
   <p:handoutMasterIdLst>
-    <p:handoutMasterId r:id="rId15"/>
+    <p:handoutMasterId r:id="rId16"/>
   </p:handoutMasterIdLst>
   <p:sldIdLst>
     <p:sldId id="256" r:id="rId2"/>
@@ -21,8 +21,9 @@
     <p:sldId id="259" r:id="rId9"/>
     <p:sldId id="261" r:id="rId10"/>
     <p:sldId id="2451" r:id="rId11"/>
-    <p:sldId id="2447" r:id="rId12"/>
-    <p:sldId id="2448" r:id="rId13"/>
+    <p:sldId id="2452" r:id="rId12"/>
+    <p:sldId id="2447" r:id="rId13"/>
+    <p:sldId id="2448" r:id="rId14"/>
   </p:sldIdLst>
   <p:sldSz cx="12192000" cy="6858000"/>
   <p:notesSz cx="6858000" cy="9144000"/>
@@ -1056,6 +1057,90 @@
         </p:txBody>
       </p:sp>
     </p:spTree>
+  </p:cSld>
+  <p:clrMapOvr>
+    <a:masterClrMapping/>
+  </p:clrMapOvr>
+</p:notes>
+</file>
+
+<file path=ppt/notesSlides/notesSlide6.xml><?xml version="1.0" encoding="utf-8"?>
+<p:notes xmlns:a="http://schemas.openxmlformats.org/drawingml/2006/main" xmlns:r="http://schemas.openxmlformats.org/officeDocument/2006/relationships" xmlns:p="http://schemas.openxmlformats.org/presentationml/2006/main">
+  <p:cSld>
+    <p:spTree>
+      <p:nvGrpSpPr>
+        <p:cNvPr id="1" name=""/>
+        <p:cNvGrpSpPr/>
+        <p:nvPr/>
+      </p:nvGrpSpPr>
+      <p:grpSpPr>
+        <a:xfrm>
+          <a:off x="0" y="0"/>
+          <a:ext cx="0" cy="0"/>
+          <a:chOff x="0" y="0"/>
+          <a:chExt cx="0" cy="0"/>
+        </a:xfrm>
+      </p:grpSpPr>
+      <p:sp>
+        <p:nvSpPr>
+          <p:cNvPr id="2" name="幻灯片图像占位符 1"/>
+          <p:cNvSpPr>
+            <a:spLocks noGrp="1" noRot="1" noChangeAspect="1"/>
+          </p:cNvSpPr>
+          <p:nvPr>
+            <p:ph type="sldImg"/>
+          </p:nvPr>
+        </p:nvSpPr>
+        <p:spPr/>
+      </p:sp>
+      <p:sp>
+        <p:nvSpPr>
+          <p:cNvPr id="3" name="备注占位符 2"/>
+          <p:cNvSpPr>
+            <a:spLocks noGrp="1"/>
+          </p:cNvSpPr>
+          <p:nvPr>
+            <p:ph type="body" idx="1"/>
+          </p:nvPr>
+        </p:nvSpPr>
+        <p:spPr/>
+        <p:txBody>
+          <a:bodyPr/>
+          <a:lstStyle/>
+          <a:p>
+            <a:endParaRPr kumimoji="1" lang="zh-CN" altLang="en-US"/>
+          </a:p>
+        </p:txBody>
+      </p:sp>
+      <p:sp>
+        <p:nvSpPr>
+          <p:cNvPr id="4" name="灯片编号占位符 3"/>
+          <p:cNvSpPr>
+            <a:spLocks noGrp="1"/>
+          </p:cNvSpPr>
+          <p:nvPr>
+            <p:ph type="sldNum" sz="quarter" idx="5"/>
+          </p:nvPr>
+        </p:nvSpPr>
+        <p:spPr/>
+        <p:txBody>
+          <a:bodyPr/>
+          <a:lstStyle/>
+          <a:p>
+            <a:fld id="{6A28E5CD-C188-4EE7-A618-C84A2D3EB466}" type="slidenum">
+              <a:rPr lang="zh-CN" altLang="en-US" smtClean="0"/>
+              <a:t>11</a:t>
+            </a:fld>
+            <a:endParaRPr lang="zh-CN" altLang="en-US"/>
+          </a:p>
+        </p:txBody>
+      </p:sp>
+    </p:spTree>
+    <p:extLst>
+      <p:ext uri="{BB962C8B-B14F-4D97-AF65-F5344CB8AC3E}">
+        <p14:creationId xmlns:p14="http://schemas.microsoft.com/office/powerpoint/2010/main" val="4191986353"/>
+      </p:ext>
+    </p:extLst>
   </p:cSld>
   <p:clrMapOvr>
     <a:masterClrMapping/>
@@ -14059,6 +14144,3693 @@
       </p:grpSpPr>
       <p:sp>
         <p:nvSpPr>
+          <p:cNvPr id="2" name="圆角矩形 1">
+            <a:extLst>
+              <a:ext uri="{FF2B5EF4-FFF2-40B4-BE49-F238E27FC236}">
+                <a16:creationId xmlns:a16="http://schemas.microsoft.com/office/drawing/2014/main" id="{37152450-FEA4-4E45-B6A1-057543264D06}"/>
+              </a:ext>
+            </a:extLst>
+          </p:cNvPr>
+          <p:cNvSpPr/>
+          <p:nvPr/>
+        </p:nvSpPr>
+        <p:spPr>
+          <a:xfrm>
+            <a:off x="609528" y="2002027"/>
+            <a:ext cx="619676" cy="317395"/>
+          </a:xfrm>
+          <a:prstGeom prst="roundRect">
+            <a:avLst/>
+          </a:prstGeom>
+        </p:spPr>
+        <p:style>
+          <a:lnRef idx="2">
+            <a:schemeClr val="accent1">
+              <a:shade val="50000"/>
+            </a:schemeClr>
+          </a:lnRef>
+          <a:fillRef idx="1">
+            <a:schemeClr val="accent1"/>
+          </a:fillRef>
+          <a:effectRef idx="0">
+            <a:schemeClr val="accent1"/>
+          </a:effectRef>
+          <a:fontRef idx="minor">
+            <a:schemeClr val="lt1"/>
+          </a:fontRef>
+        </p:style>
+        <p:txBody>
+          <a:bodyPr rtlCol="0" anchor="ctr"/>
+          <a:lstStyle/>
+          <a:p>
+            <a:pPr algn="ctr"/>
+            <a:r>
+              <a:rPr kumimoji="1" lang="en-US" altLang="zh-CN" dirty="0"/>
+              <a:t>A</a:t>
+            </a:r>
+            <a:endParaRPr kumimoji="1" lang="zh-CN" altLang="en-US" dirty="0"/>
+          </a:p>
+        </p:txBody>
+      </p:sp>
+      <p:sp>
+        <p:nvSpPr>
+          <p:cNvPr id="5" name="圆角矩形 4">
+            <a:extLst>
+              <a:ext uri="{FF2B5EF4-FFF2-40B4-BE49-F238E27FC236}">
+                <a16:creationId xmlns:a16="http://schemas.microsoft.com/office/drawing/2014/main" id="{C3C95F03-1979-7542-83E4-B71DB30DE2B4}"/>
+              </a:ext>
+            </a:extLst>
+          </p:cNvPr>
+          <p:cNvSpPr/>
+          <p:nvPr/>
+        </p:nvSpPr>
+        <p:spPr>
+          <a:xfrm>
+            <a:off x="1327446" y="2002026"/>
+            <a:ext cx="619676" cy="317395"/>
+          </a:xfrm>
+          <a:prstGeom prst="roundRect">
+            <a:avLst/>
+          </a:prstGeom>
+          <a:solidFill>
+            <a:schemeClr val="bg1"/>
+          </a:solidFill>
+          <a:ln w="19050">
+            <a:solidFill>
+              <a:srgbClr val="00B050"/>
+            </a:solidFill>
+            <a:prstDash val="dash"/>
+          </a:ln>
+        </p:spPr>
+        <p:style>
+          <a:lnRef idx="2">
+            <a:schemeClr val="accent1">
+              <a:shade val="50000"/>
+            </a:schemeClr>
+          </a:lnRef>
+          <a:fillRef idx="1">
+            <a:schemeClr val="accent1"/>
+          </a:fillRef>
+          <a:effectRef idx="0">
+            <a:schemeClr val="accent1"/>
+          </a:effectRef>
+          <a:fontRef idx="minor">
+            <a:schemeClr val="lt1"/>
+          </a:fontRef>
+        </p:style>
+        <p:txBody>
+          <a:bodyPr rtlCol="0" anchor="ctr"/>
+          <a:lstStyle/>
+          <a:p>
+            <a:pPr algn="ctr"/>
+            <a:r>
+              <a:rPr kumimoji="1" lang="en-US" altLang="zh-CN" dirty="0">
+                <a:solidFill>
+                  <a:srgbClr val="00B050"/>
+                </a:solidFill>
+              </a:rPr>
+              <a:t>A</a:t>
+            </a:r>
+            <a:r>
+              <a:rPr kumimoji="1" lang="zh-CN" altLang="en-US" dirty="0">
+                <a:solidFill>
+                  <a:srgbClr val="00B050"/>
+                </a:solidFill>
+              </a:rPr>
+              <a:t>‘</a:t>
+            </a:r>
+          </a:p>
+        </p:txBody>
+      </p:sp>
+      <p:cxnSp>
+        <p:nvCxnSpPr>
+          <p:cNvPr id="9" name="直线箭头连接符 8">
+            <a:extLst>
+              <a:ext uri="{FF2B5EF4-FFF2-40B4-BE49-F238E27FC236}">
+                <a16:creationId xmlns:a16="http://schemas.microsoft.com/office/drawing/2014/main" id="{2BE76467-7EFA-A244-B624-E3A0E1895314}"/>
+              </a:ext>
+            </a:extLst>
+          </p:cNvPr>
+          <p:cNvCxnSpPr>
+            <a:cxnSpLocks/>
+            <a:endCxn id="5" idx="0"/>
+          </p:cNvCxnSpPr>
+          <p:nvPr/>
+        </p:nvCxnSpPr>
+        <p:spPr>
+          <a:xfrm>
+            <a:off x="1637284" y="1412579"/>
+            <a:ext cx="0" cy="589447"/>
+          </a:xfrm>
+          <a:prstGeom prst="straightConnector1">
+            <a:avLst/>
+          </a:prstGeom>
+          <a:ln w="19050">
+            <a:solidFill>
+              <a:srgbClr val="00B050"/>
+            </a:solidFill>
+            <a:prstDash val="lgDash"/>
+            <a:tailEnd type="triangle"/>
+          </a:ln>
+        </p:spPr>
+        <p:style>
+          <a:lnRef idx="1">
+            <a:schemeClr val="accent1"/>
+          </a:lnRef>
+          <a:fillRef idx="0">
+            <a:schemeClr val="accent1"/>
+          </a:fillRef>
+          <a:effectRef idx="0">
+            <a:schemeClr val="accent1"/>
+          </a:effectRef>
+          <a:fontRef idx="minor">
+            <a:schemeClr val="tx1"/>
+          </a:fontRef>
+        </p:style>
+      </p:cxnSp>
+      <p:cxnSp>
+        <p:nvCxnSpPr>
+          <p:cNvPr id="12" name="直线箭头连接符 11">
+            <a:extLst>
+              <a:ext uri="{FF2B5EF4-FFF2-40B4-BE49-F238E27FC236}">
+                <a16:creationId xmlns:a16="http://schemas.microsoft.com/office/drawing/2014/main" id="{DB45D671-76E8-A641-BFE3-7DB0E80B6628}"/>
+              </a:ext>
+            </a:extLst>
+          </p:cNvPr>
+          <p:cNvCxnSpPr>
+            <a:cxnSpLocks/>
+            <a:endCxn id="2" idx="0"/>
+          </p:cNvCxnSpPr>
+          <p:nvPr/>
+        </p:nvCxnSpPr>
+        <p:spPr>
+          <a:xfrm>
+            <a:off x="919366" y="1412579"/>
+            <a:ext cx="0" cy="589448"/>
+          </a:xfrm>
+          <a:prstGeom prst="straightConnector1">
+            <a:avLst/>
+          </a:prstGeom>
+          <a:ln>
+            <a:tailEnd type="triangle"/>
+          </a:ln>
+        </p:spPr>
+        <p:style>
+          <a:lnRef idx="1">
+            <a:schemeClr val="accent1"/>
+          </a:lnRef>
+          <a:fillRef idx="0">
+            <a:schemeClr val="accent1"/>
+          </a:fillRef>
+          <a:effectRef idx="0">
+            <a:schemeClr val="accent1"/>
+          </a:effectRef>
+          <a:fontRef idx="minor">
+            <a:schemeClr val="tx1"/>
+          </a:fontRef>
+        </p:style>
+      </p:cxnSp>
+      <p:sp>
+        <p:nvSpPr>
+          <p:cNvPr id="17" name="圆角矩形 16">
+            <a:extLst>
+              <a:ext uri="{FF2B5EF4-FFF2-40B4-BE49-F238E27FC236}">
+                <a16:creationId xmlns:a16="http://schemas.microsoft.com/office/drawing/2014/main" id="{E9CCF670-865A-1349-91A8-E5F3E512E19C}"/>
+              </a:ext>
+            </a:extLst>
+          </p:cNvPr>
+          <p:cNvSpPr/>
+          <p:nvPr/>
+        </p:nvSpPr>
+        <p:spPr>
+          <a:xfrm>
+            <a:off x="2205320" y="2002027"/>
+            <a:ext cx="619676" cy="317395"/>
+          </a:xfrm>
+          <a:prstGeom prst="roundRect">
+            <a:avLst/>
+          </a:prstGeom>
+        </p:spPr>
+        <p:style>
+          <a:lnRef idx="2">
+            <a:schemeClr val="accent1">
+              <a:shade val="50000"/>
+            </a:schemeClr>
+          </a:lnRef>
+          <a:fillRef idx="1">
+            <a:schemeClr val="accent1"/>
+          </a:fillRef>
+          <a:effectRef idx="0">
+            <a:schemeClr val="accent1"/>
+          </a:effectRef>
+          <a:fontRef idx="minor">
+            <a:schemeClr val="lt1"/>
+          </a:fontRef>
+        </p:style>
+        <p:txBody>
+          <a:bodyPr rtlCol="0" anchor="ctr"/>
+          <a:lstStyle/>
+          <a:p>
+            <a:pPr algn="ctr"/>
+            <a:r>
+              <a:rPr kumimoji="1" lang="en-US" altLang="zh-CN" dirty="0"/>
+              <a:t>B</a:t>
+            </a:r>
+            <a:endParaRPr kumimoji="1" lang="zh-CN" altLang="en-US" dirty="0"/>
+          </a:p>
+        </p:txBody>
+      </p:sp>
+      <p:sp>
+        <p:nvSpPr>
+          <p:cNvPr id="18" name="圆角矩形 17">
+            <a:extLst>
+              <a:ext uri="{FF2B5EF4-FFF2-40B4-BE49-F238E27FC236}">
+                <a16:creationId xmlns:a16="http://schemas.microsoft.com/office/drawing/2014/main" id="{0D33AAFD-214A-CE47-B0CC-A68F341131CC}"/>
+              </a:ext>
+            </a:extLst>
+          </p:cNvPr>
+          <p:cNvSpPr/>
+          <p:nvPr/>
+        </p:nvSpPr>
+        <p:spPr>
+          <a:xfrm>
+            <a:off x="2923238" y="2002026"/>
+            <a:ext cx="619676" cy="317395"/>
+          </a:xfrm>
+          <a:prstGeom prst="roundRect">
+            <a:avLst/>
+          </a:prstGeom>
+          <a:solidFill>
+            <a:schemeClr val="bg1"/>
+          </a:solidFill>
+          <a:ln w="19050">
+            <a:solidFill>
+              <a:srgbClr val="E95429"/>
+            </a:solidFill>
+            <a:prstDash val="dash"/>
+          </a:ln>
+        </p:spPr>
+        <p:style>
+          <a:lnRef idx="2">
+            <a:schemeClr val="accent1">
+              <a:shade val="50000"/>
+            </a:schemeClr>
+          </a:lnRef>
+          <a:fillRef idx="1">
+            <a:schemeClr val="accent1"/>
+          </a:fillRef>
+          <a:effectRef idx="0">
+            <a:schemeClr val="accent1"/>
+          </a:effectRef>
+          <a:fontRef idx="minor">
+            <a:schemeClr val="lt1"/>
+          </a:fontRef>
+        </p:style>
+        <p:txBody>
+          <a:bodyPr rtlCol="0" anchor="ctr"/>
+          <a:lstStyle/>
+          <a:p>
+            <a:pPr algn="ctr"/>
+            <a:r>
+              <a:rPr kumimoji="1" lang="en-US" altLang="zh-CN" dirty="0">
+                <a:solidFill>
+                  <a:srgbClr val="E95429"/>
+                </a:solidFill>
+              </a:rPr>
+              <a:t>B</a:t>
+            </a:r>
+            <a:r>
+              <a:rPr kumimoji="1" lang="zh-CN" altLang="en-US" dirty="0">
+                <a:solidFill>
+                  <a:srgbClr val="E95429"/>
+                </a:solidFill>
+              </a:rPr>
+              <a:t>‘</a:t>
+            </a:r>
+          </a:p>
+        </p:txBody>
+      </p:sp>
+      <p:cxnSp>
+        <p:nvCxnSpPr>
+          <p:cNvPr id="19" name="直线箭头连接符 18">
+            <a:extLst>
+              <a:ext uri="{FF2B5EF4-FFF2-40B4-BE49-F238E27FC236}">
+                <a16:creationId xmlns:a16="http://schemas.microsoft.com/office/drawing/2014/main" id="{DAE64835-31EA-1F4C-A387-19A3655A4F75}"/>
+              </a:ext>
+            </a:extLst>
+          </p:cNvPr>
+          <p:cNvCxnSpPr>
+            <a:cxnSpLocks/>
+            <a:endCxn id="18" idx="0"/>
+          </p:cNvCxnSpPr>
+          <p:nvPr/>
+        </p:nvCxnSpPr>
+        <p:spPr>
+          <a:xfrm>
+            <a:off x="3233076" y="1412579"/>
+            <a:ext cx="0" cy="589447"/>
+          </a:xfrm>
+          <a:prstGeom prst="straightConnector1">
+            <a:avLst/>
+          </a:prstGeom>
+          <a:ln w="19050">
+            <a:solidFill>
+              <a:srgbClr val="E95429"/>
+            </a:solidFill>
+            <a:prstDash val="lgDash"/>
+            <a:tailEnd type="triangle"/>
+          </a:ln>
+        </p:spPr>
+        <p:style>
+          <a:lnRef idx="1">
+            <a:schemeClr val="accent1"/>
+          </a:lnRef>
+          <a:fillRef idx="0">
+            <a:schemeClr val="accent1"/>
+          </a:fillRef>
+          <a:effectRef idx="0">
+            <a:schemeClr val="accent1"/>
+          </a:effectRef>
+          <a:fontRef idx="minor">
+            <a:schemeClr val="tx1"/>
+          </a:fontRef>
+        </p:style>
+      </p:cxnSp>
+      <p:cxnSp>
+        <p:nvCxnSpPr>
+          <p:cNvPr id="20" name="直线箭头连接符 19">
+            <a:extLst>
+              <a:ext uri="{FF2B5EF4-FFF2-40B4-BE49-F238E27FC236}">
+                <a16:creationId xmlns:a16="http://schemas.microsoft.com/office/drawing/2014/main" id="{0519129F-19B4-EE4B-8BCB-D4736CA09D4B}"/>
+              </a:ext>
+            </a:extLst>
+          </p:cNvPr>
+          <p:cNvCxnSpPr>
+            <a:cxnSpLocks/>
+            <a:endCxn id="17" idx="0"/>
+          </p:cNvCxnSpPr>
+          <p:nvPr/>
+        </p:nvCxnSpPr>
+        <p:spPr>
+          <a:xfrm>
+            <a:off x="2515158" y="1412579"/>
+            <a:ext cx="0" cy="589448"/>
+          </a:xfrm>
+          <a:prstGeom prst="straightConnector1">
+            <a:avLst/>
+          </a:prstGeom>
+          <a:ln>
+            <a:tailEnd type="triangle"/>
+          </a:ln>
+        </p:spPr>
+        <p:style>
+          <a:lnRef idx="1">
+            <a:schemeClr val="accent1"/>
+          </a:lnRef>
+          <a:fillRef idx="0">
+            <a:schemeClr val="accent1"/>
+          </a:fillRef>
+          <a:effectRef idx="0">
+            <a:schemeClr val="accent1"/>
+          </a:effectRef>
+          <a:fontRef idx="minor">
+            <a:schemeClr val="tx1"/>
+          </a:fontRef>
+        </p:style>
+      </p:cxnSp>
+      <p:sp>
+        <p:nvSpPr>
+          <p:cNvPr id="21" name="圆角矩形 20">
+            <a:extLst>
+              <a:ext uri="{FF2B5EF4-FFF2-40B4-BE49-F238E27FC236}">
+                <a16:creationId xmlns:a16="http://schemas.microsoft.com/office/drawing/2014/main" id="{77A378E4-F540-644B-882D-9376100E6F88}"/>
+              </a:ext>
+            </a:extLst>
+          </p:cNvPr>
+          <p:cNvSpPr/>
+          <p:nvPr/>
+        </p:nvSpPr>
+        <p:spPr>
+          <a:xfrm>
+            <a:off x="1309883" y="3245157"/>
+            <a:ext cx="619676" cy="317395"/>
+          </a:xfrm>
+          <a:prstGeom prst="roundRect">
+            <a:avLst/>
+          </a:prstGeom>
+        </p:spPr>
+        <p:style>
+          <a:lnRef idx="2">
+            <a:schemeClr val="accent1">
+              <a:shade val="50000"/>
+            </a:schemeClr>
+          </a:lnRef>
+          <a:fillRef idx="1">
+            <a:schemeClr val="accent1"/>
+          </a:fillRef>
+          <a:effectRef idx="0">
+            <a:schemeClr val="accent1"/>
+          </a:effectRef>
+          <a:fontRef idx="minor">
+            <a:schemeClr val="lt1"/>
+          </a:fontRef>
+        </p:style>
+        <p:txBody>
+          <a:bodyPr rtlCol="0" anchor="ctr"/>
+          <a:lstStyle/>
+          <a:p>
+            <a:pPr algn="ctr"/>
+            <a:r>
+              <a:rPr kumimoji="1" lang="en-US" altLang="zh-CN" dirty="0"/>
+              <a:t>Z</a:t>
+            </a:r>
+          </a:p>
+        </p:txBody>
+      </p:sp>
+      <p:cxnSp>
+        <p:nvCxnSpPr>
+          <p:cNvPr id="23" name="直线箭头连接符 22">
+            <a:extLst>
+              <a:ext uri="{FF2B5EF4-FFF2-40B4-BE49-F238E27FC236}">
+                <a16:creationId xmlns:a16="http://schemas.microsoft.com/office/drawing/2014/main" id="{B83A93EF-D610-2241-948B-49FC1E8C2F1D}"/>
+              </a:ext>
+            </a:extLst>
+          </p:cNvPr>
+          <p:cNvCxnSpPr>
+            <a:cxnSpLocks/>
+            <a:stCxn id="5" idx="2"/>
+            <a:endCxn id="22" idx="0"/>
+          </p:cNvCxnSpPr>
+          <p:nvPr/>
+        </p:nvCxnSpPr>
+        <p:spPr>
+          <a:xfrm>
+            <a:off x="1637284" y="2319421"/>
+            <a:ext cx="700355" cy="925735"/>
+          </a:xfrm>
+          <a:prstGeom prst="straightConnector1">
+            <a:avLst/>
+          </a:prstGeom>
+          <a:ln w="19050">
+            <a:solidFill>
+              <a:srgbClr val="00B050"/>
+            </a:solidFill>
+            <a:prstDash val="lgDash"/>
+            <a:tailEnd type="triangle"/>
+          </a:ln>
+        </p:spPr>
+        <p:style>
+          <a:lnRef idx="1">
+            <a:schemeClr val="accent1"/>
+          </a:lnRef>
+          <a:fillRef idx="0">
+            <a:schemeClr val="accent1"/>
+          </a:fillRef>
+          <a:effectRef idx="0">
+            <a:schemeClr val="accent1"/>
+          </a:effectRef>
+          <a:fontRef idx="minor">
+            <a:schemeClr val="tx1"/>
+          </a:fontRef>
+        </p:style>
+      </p:cxnSp>
+      <p:cxnSp>
+        <p:nvCxnSpPr>
+          <p:cNvPr id="24" name="直线箭头连接符 23">
+            <a:extLst>
+              <a:ext uri="{FF2B5EF4-FFF2-40B4-BE49-F238E27FC236}">
+                <a16:creationId xmlns:a16="http://schemas.microsoft.com/office/drawing/2014/main" id="{29B49EC9-F99E-B542-B131-EB7BFD6B4017}"/>
+              </a:ext>
+            </a:extLst>
+          </p:cNvPr>
+          <p:cNvCxnSpPr>
+            <a:cxnSpLocks/>
+            <a:stCxn id="2" idx="2"/>
+            <a:endCxn id="21" idx="0"/>
+          </p:cNvCxnSpPr>
+          <p:nvPr/>
+        </p:nvCxnSpPr>
+        <p:spPr>
+          <a:xfrm>
+            <a:off x="919366" y="2319422"/>
+            <a:ext cx="700355" cy="925735"/>
+          </a:xfrm>
+          <a:prstGeom prst="straightConnector1">
+            <a:avLst/>
+          </a:prstGeom>
+          <a:ln>
+            <a:tailEnd type="triangle"/>
+          </a:ln>
+        </p:spPr>
+        <p:style>
+          <a:lnRef idx="1">
+            <a:schemeClr val="accent1"/>
+          </a:lnRef>
+          <a:fillRef idx="0">
+            <a:schemeClr val="accent1"/>
+          </a:fillRef>
+          <a:effectRef idx="0">
+            <a:schemeClr val="accent1"/>
+          </a:effectRef>
+          <a:fontRef idx="minor">
+            <a:schemeClr val="tx1"/>
+          </a:fontRef>
+        </p:style>
+      </p:cxnSp>
+      <p:sp>
+        <p:nvSpPr>
+          <p:cNvPr id="25" name="文本框 24">
+            <a:extLst>
+              <a:ext uri="{FF2B5EF4-FFF2-40B4-BE49-F238E27FC236}">
+                <a16:creationId xmlns:a16="http://schemas.microsoft.com/office/drawing/2014/main" id="{348E2F2E-43E5-3A4B-BFA4-B26A5AA667BF}"/>
+              </a:ext>
+            </a:extLst>
+          </p:cNvPr>
+          <p:cNvSpPr txBox="1"/>
+          <p:nvPr/>
+        </p:nvSpPr>
+        <p:spPr>
+          <a:xfrm>
+            <a:off x="1281257" y="1135579"/>
+            <a:ext cx="712054" cy="276999"/>
+          </a:xfrm>
+          <a:prstGeom prst="rect">
+            <a:avLst/>
+          </a:prstGeom>
+          <a:noFill/>
+        </p:spPr>
+        <p:txBody>
+          <a:bodyPr wrap="none" rtlCol="0">
+            <a:spAutoFit/>
+          </a:bodyPr>
+          <a:lstStyle/>
+          <a:p>
+            <a:r>
+              <a:rPr kumimoji="1" lang="en-US" altLang="zh-CN" sz="1200" dirty="0">
+                <a:solidFill>
+                  <a:srgbClr val="00B050"/>
+                </a:solidFill>
+              </a:rPr>
+              <a:t>Android</a:t>
+            </a:r>
+            <a:endParaRPr kumimoji="1" lang="zh-CN" altLang="en-US" sz="1200" dirty="0">
+              <a:solidFill>
+                <a:srgbClr val="00B050"/>
+              </a:solidFill>
+            </a:endParaRPr>
+          </a:p>
+        </p:txBody>
+      </p:sp>
+      <p:sp>
+        <p:nvSpPr>
+          <p:cNvPr id="26" name="文本框 25">
+            <a:extLst>
+              <a:ext uri="{FF2B5EF4-FFF2-40B4-BE49-F238E27FC236}">
+                <a16:creationId xmlns:a16="http://schemas.microsoft.com/office/drawing/2014/main" id="{EAD0BB35-A9B5-7C4A-B7CB-9FD79F03AD25}"/>
+              </a:ext>
+            </a:extLst>
+          </p:cNvPr>
+          <p:cNvSpPr txBox="1"/>
+          <p:nvPr/>
+        </p:nvSpPr>
+        <p:spPr>
+          <a:xfrm>
+            <a:off x="2877049" y="1110434"/>
+            <a:ext cx="660758" cy="276999"/>
+          </a:xfrm>
+          <a:prstGeom prst="rect">
+            <a:avLst/>
+          </a:prstGeom>
+          <a:noFill/>
+        </p:spPr>
+        <p:txBody>
+          <a:bodyPr wrap="none" rtlCol="0">
+            <a:spAutoFit/>
+          </a:bodyPr>
+          <a:lstStyle/>
+          <a:p>
+            <a:r>
+              <a:rPr kumimoji="1" lang="en-US" altLang="zh-CN" sz="1200" dirty="0">
+                <a:solidFill>
+                  <a:srgbClr val="E95429"/>
+                </a:solidFill>
+              </a:rPr>
+              <a:t>iPhone</a:t>
+            </a:r>
+            <a:endParaRPr kumimoji="1" lang="zh-CN" altLang="en-US" sz="1200" dirty="0">
+              <a:solidFill>
+                <a:srgbClr val="E95429"/>
+              </a:solidFill>
+            </a:endParaRPr>
+          </a:p>
+        </p:txBody>
+      </p:sp>
+      <p:cxnSp>
+        <p:nvCxnSpPr>
+          <p:cNvPr id="28" name="直线箭头连接符 27">
+            <a:extLst>
+              <a:ext uri="{FF2B5EF4-FFF2-40B4-BE49-F238E27FC236}">
+                <a16:creationId xmlns:a16="http://schemas.microsoft.com/office/drawing/2014/main" id="{51A0A646-8A94-5A4E-BE68-7C562C1828A0}"/>
+              </a:ext>
+            </a:extLst>
+          </p:cNvPr>
+          <p:cNvCxnSpPr>
+            <a:cxnSpLocks/>
+            <a:stCxn id="18" idx="2"/>
+            <a:endCxn id="22" idx="0"/>
+          </p:cNvCxnSpPr>
+          <p:nvPr/>
+        </p:nvCxnSpPr>
+        <p:spPr>
+          <a:xfrm flipH="1">
+            <a:off x="2337639" y="2319421"/>
+            <a:ext cx="895437" cy="925735"/>
+          </a:xfrm>
+          <a:prstGeom prst="straightConnector1">
+            <a:avLst/>
+          </a:prstGeom>
+          <a:ln w="19050">
+            <a:solidFill>
+              <a:srgbClr val="E95429"/>
+            </a:solidFill>
+            <a:prstDash val="lgDash"/>
+            <a:tailEnd type="triangle"/>
+          </a:ln>
+        </p:spPr>
+        <p:style>
+          <a:lnRef idx="1">
+            <a:schemeClr val="accent1"/>
+          </a:lnRef>
+          <a:fillRef idx="0">
+            <a:schemeClr val="accent1"/>
+          </a:fillRef>
+          <a:effectRef idx="0">
+            <a:schemeClr val="accent1"/>
+          </a:effectRef>
+          <a:fontRef idx="minor">
+            <a:schemeClr val="tx1"/>
+          </a:fontRef>
+        </p:style>
+      </p:cxnSp>
+      <p:cxnSp>
+        <p:nvCxnSpPr>
+          <p:cNvPr id="32" name="直线箭头连接符 31">
+            <a:extLst>
+              <a:ext uri="{FF2B5EF4-FFF2-40B4-BE49-F238E27FC236}">
+                <a16:creationId xmlns:a16="http://schemas.microsoft.com/office/drawing/2014/main" id="{D8E606AE-BD89-774E-BD73-6C022B0FF006}"/>
+              </a:ext>
+            </a:extLst>
+          </p:cNvPr>
+          <p:cNvCxnSpPr>
+            <a:cxnSpLocks/>
+            <a:stCxn id="17" idx="2"/>
+            <a:endCxn id="21" idx="0"/>
+          </p:cNvCxnSpPr>
+          <p:nvPr/>
+        </p:nvCxnSpPr>
+        <p:spPr>
+          <a:xfrm flipH="1">
+            <a:off x="1619721" y="2319422"/>
+            <a:ext cx="895437" cy="925735"/>
+          </a:xfrm>
+          <a:prstGeom prst="straightConnector1">
+            <a:avLst/>
+          </a:prstGeom>
+          <a:ln>
+            <a:tailEnd type="triangle"/>
+          </a:ln>
+        </p:spPr>
+        <p:style>
+          <a:lnRef idx="1">
+            <a:schemeClr val="accent1"/>
+          </a:lnRef>
+          <a:fillRef idx="0">
+            <a:schemeClr val="accent1"/>
+          </a:fillRef>
+          <a:effectRef idx="0">
+            <a:schemeClr val="accent1"/>
+          </a:effectRef>
+          <a:fontRef idx="minor">
+            <a:schemeClr val="tx1"/>
+          </a:fontRef>
+        </p:style>
+      </p:cxnSp>
+      <p:sp>
+        <p:nvSpPr>
+          <p:cNvPr id="40" name="圆角矩形 39">
+            <a:extLst>
+              <a:ext uri="{FF2B5EF4-FFF2-40B4-BE49-F238E27FC236}">
+                <a16:creationId xmlns:a16="http://schemas.microsoft.com/office/drawing/2014/main" id="{AA02DEA5-1476-C447-BF1E-95C37D90D56D}"/>
+              </a:ext>
+            </a:extLst>
+          </p:cNvPr>
+          <p:cNvSpPr/>
+          <p:nvPr/>
+        </p:nvSpPr>
+        <p:spPr>
+          <a:xfrm>
+            <a:off x="4297358" y="2027172"/>
+            <a:ext cx="619676" cy="317395"/>
+          </a:xfrm>
+          <a:prstGeom prst="roundRect">
+            <a:avLst/>
+          </a:prstGeom>
+        </p:spPr>
+        <p:style>
+          <a:lnRef idx="2">
+            <a:schemeClr val="accent1">
+              <a:shade val="50000"/>
+            </a:schemeClr>
+          </a:lnRef>
+          <a:fillRef idx="1">
+            <a:schemeClr val="accent1"/>
+          </a:fillRef>
+          <a:effectRef idx="0">
+            <a:schemeClr val="accent1"/>
+          </a:effectRef>
+          <a:fontRef idx="minor">
+            <a:schemeClr val="lt1"/>
+          </a:fontRef>
+        </p:style>
+        <p:txBody>
+          <a:bodyPr rtlCol="0" anchor="ctr"/>
+          <a:lstStyle/>
+          <a:p>
+            <a:pPr algn="ctr"/>
+            <a:r>
+              <a:rPr kumimoji="1" lang="en-US" altLang="zh-CN" dirty="0"/>
+              <a:t>A</a:t>
+            </a:r>
+            <a:endParaRPr kumimoji="1" lang="zh-CN" altLang="en-US" dirty="0"/>
+          </a:p>
+        </p:txBody>
+      </p:sp>
+      <p:sp>
+        <p:nvSpPr>
+          <p:cNvPr id="41" name="圆角矩形 40">
+            <a:extLst>
+              <a:ext uri="{FF2B5EF4-FFF2-40B4-BE49-F238E27FC236}">
+                <a16:creationId xmlns:a16="http://schemas.microsoft.com/office/drawing/2014/main" id="{039DEAFB-C5AD-EA4A-BC6F-FDDD140A7EAC}"/>
+              </a:ext>
+            </a:extLst>
+          </p:cNvPr>
+          <p:cNvSpPr/>
+          <p:nvPr/>
+        </p:nvSpPr>
+        <p:spPr>
+          <a:xfrm>
+            <a:off x="5015276" y="2027171"/>
+            <a:ext cx="619676" cy="317395"/>
+          </a:xfrm>
+          <a:prstGeom prst="roundRect">
+            <a:avLst/>
+          </a:prstGeom>
+          <a:solidFill>
+            <a:schemeClr val="bg1"/>
+          </a:solidFill>
+          <a:ln w="19050">
+            <a:solidFill>
+              <a:srgbClr val="00B050"/>
+            </a:solidFill>
+            <a:prstDash val="dash"/>
+          </a:ln>
+        </p:spPr>
+        <p:style>
+          <a:lnRef idx="2">
+            <a:schemeClr val="accent1">
+              <a:shade val="50000"/>
+            </a:schemeClr>
+          </a:lnRef>
+          <a:fillRef idx="1">
+            <a:schemeClr val="accent1"/>
+          </a:fillRef>
+          <a:effectRef idx="0">
+            <a:schemeClr val="accent1"/>
+          </a:effectRef>
+          <a:fontRef idx="minor">
+            <a:schemeClr val="lt1"/>
+          </a:fontRef>
+        </p:style>
+        <p:txBody>
+          <a:bodyPr rtlCol="0" anchor="ctr"/>
+          <a:lstStyle/>
+          <a:p>
+            <a:pPr algn="ctr"/>
+            <a:r>
+              <a:rPr kumimoji="1" lang="en-US" altLang="zh-CN" dirty="0">
+                <a:solidFill>
+                  <a:srgbClr val="00B050"/>
+                </a:solidFill>
+              </a:rPr>
+              <a:t>A</a:t>
+            </a:r>
+            <a:r>
+              <a:rPr kumimoji="1" lang="zh-CN" altLang="en-US" dirty="0">
+                <a:solidFill>
+                  <a:srgbClr val="00B050"/>
+                </a:solidFill>
+              </a:rPr>
+              <a:t>‘</a:t>
+            </a:r>
+          </a:p>
+        </p:txBody>
+      </p:sp>
+      <p:cxnSp>
+        <p:nvCxnSpPr>
+          <p:cNvPr id="42" name="直线箭头连接符 41">
+            <a:extLst>
+              <a:ext uri="{FF2B5EF4-FFF2-40B4-BE49-F238E27FC236}">
+                <a16:creationId xmlns:a16="http://schemas.microsoft.com/office/drawing/2014/main" id="{76560CFA-2A41-9B46-815E-D41C69B32798}"/>
+              </a:ext>
+            </a:extLst>
+          </p:cNvPr>
+          <p:cNvCxnSpPr>
+            <a:cxnSpLocks/>
+            <a:endCxn id="41" idx="0"/>
+          </p:cNvCxnSpPr>
+          <p:nvPr/>
+        </p:nvCxnSpPr>
+        <p:spPr>
+          <a:xfrm>
+            <a:off x="5325114" y="1437724"/>
+            <a:ext cx="0" cy="589447"/>
+          </a:xfrm>
+          <a:prstGeom prst="straightConnector1">
+            <a:avLst/>
+          </a:prstGeom>
+          <a:ln w="19050">
+            <a:solidFill>
+              <a:srgbClr val="00B050"/>
+            </a:solidFill>
+            <a:prstDash val="lgDash"/>
+            <a:tailEnd type="triangle"/>
+          </a:ln>
+        </p:spPr>
+        <p:style>
+          <a:lnRef idx="1">
+            <a:schemeClr val="accent1"/>
+          </a:lnRef>
+          <a:fillRef idx="0">
+            <a:schemeClr val="accent1"/>
+          </a:fillRef>
+          <a:effectRef idx="0">
+            <a:schemeClr val="accent1"/>
+          </a:effectRef>
+          <a:fontRef idx="minor">
+            <a:schemeClr val="tx1"/>
+          </a:fontRef>
+        </p:style>
+      </p:cxnSp>
+      <p:cxnSp>
+        <p:nvCxnSpPr>
+          <p:cNvPr id="43" name="直线箭头连接符 42">
+            <a:extLst>
+              <a:ext uri="{FF2B5EF4-FFF2-40B4-BE49-F238E27FC236}">
+                <a16:creationId xmlns:a16="http://schemas.microsoft.com/office/drawing/2014/main" id="{906B8031-C3FD-EC4B-94CE-4BC06FB0CCAA}"/>
+              </a:ext>
+            </a:extLst>
+          </p:cNvPr>
+          <p:cNvCxnSpPr>
+            <a:cxnSpLocks/>
+            <a:endCxn id="40" idx="0"/>
+          </p:cNvCxnSpPr>
+          <p:nvPr/>
+        </p:nvCxnSpPr>
+        <p:spPr>
+          <a:xfrm>
+            <a:off x="4607196" y="1437724"/>
+            <a:ext cx="0" cy="589448"/>
+          </a:xfrm>
+          <a:prstGeom prst="straightConnector1">
+            <a:avLst/>
+          </a:prstGeom>
+          <a:ln>
+            <a:tailEnd type="triangle"/>
+          </a:ln>
+        </p:spPr>
+        <p:style>
+          <a:lnRef idx="1">
+            <a:schemeClr val="accent1"/>
+          </a:lnRef>
+          <a:fillRef idx="0">
+            <a:schemeClr val="accent1"/>
+          </a:fillRef>
+          <a:effectRef idx="0">
+            <a:schemeClr val="accent1"/>
+          </a:effectRef>
+          <a:fontRef idx="minor">
+            <a:schemeClr val="tx1"/>
+          </a:fontRef>
+        </p:style>
+      </p:cxnSp>
+      <p:sp>
+        <p:nvSpPr>
+          <p:cNvPr id="44" name="圆角矩形 43">
+            <a:extLst>
+              <a:ext uri="{FF2B5EF4-FFF2-40B4-BE49-F238E27FC236}">
+                <a16:creationId xmlns:a16="http://schemas.microsoft.com/office/drawing/2014/main" id="{A3115A26-4B03-5B41-AF59-4D3FE7BE98F0}"/>
+              </a:ext>
+            </a:extLst>
+          </p:cNvPr>
+          <p:cNvSpPr/>
+          <p:nvPr/>
+        </p:nvSpPr>
+        <p:spPr>
+          <a:xfrm>
+            <a:off x="6024340" y="2002027"/>
+            <a:ext cx="619676" cy="317395"/>
+          </a:xfrm>
+          <a:prstGeom prst="roundRect">
+            <a:avLst/>
+          </a:prstGeom>
+        </p:spPr>
+        <p:style>
+          <a:lnRef idx="2">
+            <a:schemeClr val="accent1">
+              <a:shade val="50000"/>
+            </a:schemeClr>
+          </a:lnRef>
+          <a:fillRef idx="1">
+            <a:schemeClr val="accent1"/>
+          </a:fillRef>
+          <a:effectRef idx="0">
+            <a:schemeClr val="accent1"/>
+          </a:effectRef>
+          <a:fontRef idx="minor">
+            <a:schemeClr val="lt1"/>
+          </a:fontRef>
+        </p:style>
+        <p:txBody>
+          <a:bodyPr rtlCol="0" anchor="ctr"/>
+          <a:lstStyle/>
+          <a:p>
+            <a:pPr algn="ctr"/>
+            <a:r>
+              <a:rPr kumimoji="1" lang="en-US" altLang="zh-CN" dirty="0"/>
+              <a:t>B</a:t>
+            </a:r>
+            <a:endParaRPr kumimoji="1" lang="zh-CN" altLang="en-US" dirty="0"/>
+          </a:p>
+        </p:txBody>
+      </p:sp>
+      <p:sp>
+        <p:nvSpPr>
+          <p:cNvPr id="45" name="圆角矩形 44">
+            <a:extLst>
+              <a:ext uri="{FF2B5EF4-FFF2-40B4-BE49-F238E27FC236}">
+                <a16:creationId xmlns:a16="http://schemas.microsoft.com/office/drawing/2014/main" id="{BFA753F8-2793-0C4D-B712-52DE6F8FDCD3}"/>
+              </a:ext>
+            </a:extLst>
+          </p:cNvPr>
+          <p:cNvSpPr/>
+          <p:nvPr/>
+        </p:nvSpPr>
+        <p:spPr>
+          <a:xfrm>
+            <a:off x="6742258" y="2002026"/>
+            <a:ext cx="619676" cy="317395"/>
+          </a:xfrm>
+          <a:prstGeom prst="roundRect">
+            <a:avLst/>
+          </a:prstGeom>
+          <a:solidFill>
+            <a:schemeClr val="bg1"/>
+          </a:solidFill>
+          <a:ln w="19050">
+            <a:solidFill>
+              <a:srgbClr val="C00000"/>
+            </a:solidFill>
+            <a:prstDash val="dash"/>
+          </a:ln>
+        </p:spPr>
+        <p:style>
+          <a:lnRef idx="2">
+            <a:schemeClr val="accent1">
+              <a:shade val="50000"/>
+            </a:schemeClr>
+          </a:lnRef>
+          <a:fillRef idx="1">
+            <a:schemeClr val="accent1"/>
+          </a:fillRef>
+          <a:effectRef idx="0">
+            <a:schemeClr val="accent1"/>
+          </a:effectRef>
+          <a:fontRef idx="minor">
+            <a:schemeClr val="lt1"/>
+          </a:fontRef>
+        </p:style>
+        <p:txBody>
+          <a:bodyPr rtlCol="0" anchor="ctr"/>
+          <a:lstStyle/>
+          <a:p>
+            <a:pPr algn="ctr"/>
+            <a:r>
+              <a:rPr kumimoji="1" lang="en-US" altLang="zh-CN" dirty="0">
+                <a:solidFill>
+                  <a:srgbClr val="E95429"/>
+                </a:solidFill>
+              </a:rPr>
+              <a:t>B</a:t>
+            </a:r>
+            <a:r>
+              <a:rPr kumimoji="1" lang="zh-CN" altLang="en-US" dirty="0">
+                <a:solidFill>
+                  <a:srgbClr val="E95429"/>
+                </a:solidFill>
+              </a:rPr>
+              <a:t>‘</a:t>
+            </a:r>
+          </a:p>
+        </p:txBody>
+      </p:sp>
+      <p:cxnSp>
+        <p:nvCxnSpPr>
+          <p:cNvPr id="46" name="直线箭头连接符 45">
+            <a:extLst>
+              <a:ext uri="{FF2B5EF4-FFF2-40B4-BE49-F238E27FC236}">
+                <a16:creationId xmlns:a16="http://schemas.microsoft.com/office/drawing/2014/main" id="{7BDF857F-7A16-E84C-ABB7-B3F1BCC2D753}"/>
+              </a:ext>
+            </a:extLst>
+          </p:cNvPr>
+          <p:cNvCxnSpPr>
+            <a:cxnSpLocks/>
+            <a:endCxn id="45" idx="0"/>
+          </p:cNvCxnSpPr>
+          <p:nvPr/>
+        </p:nvCxnSpPr>
+        <p:spPr>
+          <a:xfrm>
+            <a:off x="7052096" y="1412579"/>
+            <a:ext cx="0" cy="589447"/>
+          </a:xfrm>
+          <a:prstGeom prst="straightConnector1">
+            <a:avLst/>
+          </a:prstGeom>
+          <a:ln w="19050">
+            <a:solidFill>
+              <a:srgbClr val="E95429"/>
+            </a:solidFill>
+            <a:prstDash val="lgDash"/>
+            <a:tailEnd type="triangle"/>
+          </a:ln>
+        </p:spPr>
+        <p:style>
+          <a:lnRef idx="1">
+            <a:schemeClr val="accent1"/>
+          </a:lnRef>
+          <a:fillRef idx="0">
+            <a:schemeClr val="accent1"/>
+          </a:fillRef>
+          <a:effectRef idx="0">
+            <a:schemeClr val="accent1"/>
+          </a:effectRef>
+          <a:fontRef idx="minor">
+            <a:schemeClr val="tx1"/>
+          </a:fontRef>
+        </p:style>
+      </p:cxnSp>
+      <p:cxnSp>
+        <p:nvCxnSpPr>
+          <p:cNvPr id="47" name="直线箭头连接符 46">
+            <a:extLst>
+              <a:ext uri="{FF2B5EF4-FFF2-40B4-BE49-F238E27FC236}">
+                <a16:creationId xmlns:a16="http://schemas.microsoft.com/office/drawing/2014/main" id="{888E7042-D9D2-F34C-99D5-2F93959DCDD7}"/>
+              </a:ext>
+            </a:extLst>
+          </p:cNvPr>
+          <p:cNvCxnSpPr>
+            <a:cxnSpLocks/>
+            <a:endCxn id="44" idx="0"/>
+          </p:cNvCxnSpPr>
+          <p:nvPr/>
+        </p:nvCxnSpPr>
+        <p:spPr>
+          <a:xfrm>
+            <a:off x="6334178" y="1412579"/>
+            <a:ext cx="0" cy="589448"/>
+          </a:xfrm>
+          <a:prstGeom prst="straightConnector1">
+            <a:avLst/>
+          </a:prstGeom>
+          <a:ln>
+            <a:tailEnd type="triangle"/>
+          </a:ln>
+        </p:spPr>
+        <p:style>
+          <a:lnRef idx="1">
+            <a:schemeClr val="accent1"/>
+          </a:lnRef>
+          <a:fillRef idx="0">
+            <a:schemeClr val="accent1"/>
+          </a:fillRef>
+          <a:effectRef idx="0">
+            <a:schemeClr val="accent1"/>
+          </a:effectRef>
+          <a:fontRef idx="minor">
+            <a:schemeClr val="tx1"/>
+          </a:fontRef>
+        </p:style>
+      </p:cxnSp>
+      <p:sp>
+        <p:nvSpPr>
+          <p:cNvPr id="48" name="圆角矩形 47">
+            <a:extLst>
+              <a:ext uri="{FF2B5EF4-FFF2-40B4-BE49-F238E27FC236}">
+                <a16:creationId xmlns:a16="http://schemas.microsoft.com/office/drawing/2014/main" id="{7210C293-9C30-2243-B065-4173382BE21F}"/>
+              </a:ext>
+            </a:extLst>
+          </p:cNvPr>
+          <p:cNvSpPr/>
+          <p:nvPr/>
+        </p:nvSpPr>
+        <p:spPr>
+          <a:xfrm>
+            <a:off x="5170194" y="3271161"/>
+            <a:ext cx="619676" cy="317395"/>
+          </a:xfrm>
+          <a:prstGeom prst="roundRect">
+            <a:avLst/>
+          </a:prstGeom>
+        </p:spPr>
+        <p:style>
+          <a:lnRef idx="2">
+            <a:schemeClr val="accent1">
+              <a:shade val="50000"/>
+            </a:schemeClr>
+          </a:lnRef>
+          <a:fillRef idx="1">
+            <a:schemeClr val="accent1"/>
+          </a:fillRef>
+          <a:effectRef idx="0">
+            <a:schemeClr val="accent1"/>
+          </a:effectRef>
+          <a:fontRef idx="minor">
+            <a:schemeClr val="lt1"/>
+          </a:fontRef>
+        </p:style>
+        <p:txBody>
+          <a:bodyPr rtlCol="0" anchor="ctr"/>
+          <a:lstStyle/>
+          <a:p>
+            <a:pPr algn="ctr"/>
+            <a:r>
+              <a:rPr kumimoji="1" lang="en-US" altLang="zh-CN" dirty="0"/>
+              <a:t>Z</a:t>
+            </a:r>
+          </a:p>
+        </p:txBody>
+      </p:sp>
+      <p:sp>
+        <p:nvSpPr>
+          <p:cNvPr id="49" name="圆角矩形 48">
+            <a:extLst>
+              <a:ext uri="{FF2B5EF4-FFF2-40B4-BE49-F238E27FC236}">
+                <a16:creationId xmlns:a16="http://schemas.microsoft.com/office/drawing/2014/main" id="{CB95B973-C6F0-A047-AE4D-29D825C7EE1E}"/>
+              </a:ext>
+            </a:extLst>
+          </p:cNvPr>
+          <p:cNvSpPr/>
+          <p:nvPr/>
+        </p:nvSpPr>
+        <p:spPr>
+          <a:xfrm>
+            <a:off x="5888112" y="3271160"/>
+            <a:ext cx="619676" cy="317395"/>
+          </a:xfrm>
+          <a:prstGeom prst="roundRect">
+            <a:avLst/>
+          </a:prstGeom>
+          <a:solidFill>
+            <a:schemeClr val="bg1"/>
+          </a:solidFill>
+          <a:ln w="19050">
+            <a:solidFill>
+              <a:srgbClr val="E95429"/>
+            </a:solidFill>
+            <a:prstDash val="dash"/>
+          </a:ln>
+        </p:spPr>
+        <p:style>
+          <a:lnRef idx="2">
+            <a:schemeClr val="accent1">
+              <a:shade val="50000"/>
+            </a:schemeClr>
+          </a:lnRef>
+          <a:fillRef idx="1">
+            <a:schemeClr val="accent1"/>
+          </a:fillRef>
+          <a:effectRef idx="0">
+            <a:schemeClr val="accent1"/>
+          </a:effectRef>
+          <a:fontRef idx="minor">
+            <a:schemeClr val="lt1"/>
+          </a:fontRef>
+        </p:style>
+        <p:txBody>
+          <a:bodyPr rtlCol="0" anchor="ctr"/>
+          <a:lstStyle/>
+          <a:p>
+            <a:pPr algn="ctr"/>
+            <a:r>
+              <a:rPr kumimoji="1" lang="en-US" altLang="zh-CN" dirty="0">
+                <a:solidFill>
+                  <a:srgbClr val="E95429"/>
+                </a:solidFill>
+              </a:rPr>
+              <a:t>Z</a:t>
+            </a:r>
+            <a:r>
+              <a:rPr kumimoji="1" lang="zh-CN" altLang="en-US" dirty="0">
+                <a:solidFill>
+                  <a:srgbClr val="E95429"/>
+                </a:solidFill>
+              </a:rPr>
+              <a:t>‘</a:t>
+            </a:r>
+          </a:p>
+        </p:txBody>
+      </p:sp>
+      <p:cxnSp>
+        <p:nvCxnSpPr>
+          <p:cNvPr id="50" name="直线箭头连接符 49">
+            <a:extLst>
+              <a:ext uri="{FF2B5EF4-FFF2-40B4-BE49-F238E27FC236}">
+                <a16:creationId xmlns:a16="http://schemas.microsoft.com/office/drawing/2014/main" id="{5038389B-A33F-1B43-9F21-FD6BF1430EB6}"/>
+              </a:ext>
+            </a:extLst>
+          </p:cNvPr>
+          <p:cNvCxnSpPr>
+            <a:cxnSpLocks/>
+            <a:stCxn id="41" idx="2"/>
+            <a:endCxn id="48" idx="0"/>
+          </p:cNvCxnSpPr>
+          <p:nvPr/>
+        </p:nvCxnSpPr>
+        <p:spPr>
+          <a:xfrm>
+            <a:off x="5325114" y="2344566"/>
+            <a:ext cx="154918" cy="926595"/>
+          </a:xfrm>
+          <a:prstGeom prst="straightConnector1">
+            <a:avLst/>
+          </a:prstGeom>
+          <a:ln w="19050">
+            <a:solidFill>
+              <a:srgbClr val="00B050"/>
+            </a:solidFill>
+            <a:prstDash val="lgDash"/>
+            <a:tailEnd type="triangle"/>
+          </a:ln>
+        </p:spPr>
+        <p:style>
+          <a:lnRef idx="1">
+            <a:schemeClr val="accent1"/>
+          </a:lnRef>
+          <a:fillRef idx="0">
+            <a:schemeClr val="accent1"/>
+          </a:fillRef>
+          <a:effectRef idx="0">
+            <a:schemeClr val="accent1"/>
+          </a:effectRef>
+          <a:fontRef idx="minor">
+            <a:schemeClr val="tx1"/>
+          </a:fontRef>
+        </p:style>
+      </p:cxnSp>
+      <p:cxnSp>
+        <p:nvCxnSpPr>
+          <p:cNvPr id="51" name="直线箭头连接符 50">
+            <a:extLst>
+              <a:ext uri="{FF2B5EF4-FFF2-40B4-BE49-F238E27FC236}">
+                <a16:creationId xmlns:a16="http://schemas.microsoft.com/office/drawing/2014/main" id="{9B730FCC-BE36-3543-AFAC-4C93AE54F33B}"/>
+              </a:ext>
+            </a:extLst>
+          </p:cNvPr>
+          <p:cNvCxnSpPr>
+            <a:cxnSpLocks/>
+            <a:stCxn id="40" idx="2"/>
+            <a:endCxn id="48" idx="0"/>
+          </p:cNvCxnSpPr>
+          <p:nvPr/>
+        </p:nvCxnSpPr>
+        <p:spPr>
+          <a:xfrm>
+            <a:off x="4607196" y="2344567"/>
+            <a:ext cx="872836" cy="926594"/>
+          </a:xfrm>
+          <a:prstGeom prst="straightConnector1">
+            <a:avLst/>
+          </a:prstGeom>
+          <a:ln>
+            <a:tailEnd type="triangle"/>
+          </a:ln>
+        </p:spPr>
+        <p:style>
+          <a:lnRef idx="1">
+            <a:schemeClr val="accent1"/>
+          </a:lnRef>
+          <a:fillRef idx="0">
+            <a:schemeClr val="accent1"/>
+          </a:fillRef>
+          <a:effectRef idx="0">
+            <a:schemeClr val="accent1"/>
+          </a:effectRef>
+          <a:fontRef idx="minor">
+            <a:schemeClr val="tx1"/>
+          </a:fontRef>
+        </p:style>
+      </p:cxnSp>
+      <p:sp>
+        <p:nvSpPr>
+          <p:cNvPr id="52" name="文本框 51">
+            <a:extLst>
+              <a:ext uri="{FF2B5EF4-FFF2-40B4-BE49-F238E27FC236}">
+                <a16:creationId xmlns:a16="http://schemas.microsoft.com/office/drawing/2014/main" id="{F8588247-14FE-D94C-9B6D-3AA5DB8DFBF9}"/>
+              </a:ext>
+            </a:extLst>
+          </p:cNvPr>
+          <p:cNvSpPr txBox="1"/>
+          <p:nvPr/>
+        </p:nvSpPr>
+        <p:spPr>
+          <a:xfrm>
+            <a:off x="4969087" y="1160724"/>
+            <a:ext cx="712054" cy="276999"/>
+          </a:xfrm>
+          <a:prstGeom prst="rect">
+            <a:avLst/>
+          </a:prstGeom>
+          <a:noFill/>
+        </p:spPr>
+        <p:txBody>
+          <a:bodyPr wrap="none" rtlCol="0">
+            <a:spAutoFit/>
+          </a:bodyPr>
+          <a:lstStyle/>
+          <a:p>
+            <a:r>
+              <a:rPr kumimoji="1" lang="en-US" altLang="zh-CN" sz="1200" dirty="0">
+                <a:solidFill>
+                  <a:srgbClr val="00B050"/>
+                </a:solidFill>
+              </a:rPr>
+              <a:t>Android</a:t>
+            </a:r>
+            <a:endParaRPr kumimoji="1" lang="zh-CN" altLang="en-US" sz="1200" dirty="0">
+              <a:solidFill>
+                <a:srgbClr val="00B050"/>
+              </a:solidFill>
+            </a:endParaRPr>
+          </a:p>
+        </p:txBody>
+      </p:sp>
+      <p:sp>
+        <p:nvSpPr>
+          <p:cNvPr id="53" name="文本框 52">
+            <a:extLst>
+              <a:ext uri="{FF2B5EF4-FFF2-40B4-BE49-F238E27FC236}">
+                <a16:creationId xmlns:a16="http://schemas.microsoft.com/office/drawing/2014/main" id="{11565807-9382-424B-AA28-FB9E8AA43857}"/>
+              </a:ext>
+            </a:extLst>
+          </p:cNvPr>
+          <p:cNvSpPr txBox="1"/>
+          <p:nvPr/>
+        </p:nvSpPr>
+        <p:spPr>
+          <a:xfrm>
+            <a:off x="6696069" y="1110434"/>
+            <a:ext cx="660758" cy="276999"/>
+          </a:xfrm>
+          <a:prstGeom prst="rect">
+            <a:avLst/>
+          </a:prstGeom>
+          <a:noFill/>
+        </p:spPr>
+        <p:txBody>
+          <a:bodyPr wrap="none" rtlCol="0">
+            <a:spAutoFit/>
+          </a:bodyPr>
+          <a:lstStyle/>
+          <a:p>
+            <a:r>
+              <a:rPr kumimoji="1" lang="en-US" altLang="zh-CN" sz="1200" dirty="0">
+                <a:solidFill>
+                  <a:srgbClr val="E95429"/>
+                </a:solidFill>
+              </a:rPr>
+              <a:t>iPhone</a:t>
+            </a:r>
+            <a:endParaRPr kumimoji="1" lang="zh-CN" altLang="en-US" sz="1200" dirty="0">
+              <a:solidFill>
+                <a:srgbClr val="E95429"/>
+              </a:solidFill>
+            </a:endParaRPr>
+          </a:p>
+        </p:txBody>
+      </p:sp>
+      <p:cxnSp>
+        <p:nvCxnSpPr>
+          <p:cNvPr id="54" name="直线箭头连接符 53">
+            <a:extLst>
+              <a:ext uri="{FF2B5EF4-FFF2-40B4-BE49-F238E27FC236}">
+                <a16:creationId xmlns:a16="http://schemas.microsoft.com/office/drawing/2014/main" id="{9F037E15-02C1-A34B-8342-763F1FCBC112}"/>
+              </a:ext>
+            </a:extLst>
+          </p:cNvPr>
+          <p:cNvCxnSpPr>
+            <a:cxnSpLocks/>
+            <a:stCxn id="45" idx="2"/>
+            <a:endCxn id="49" idx="0"/>
+          </p:cNvCxnSpPr>
+          <p:nvPr/>
+        </p:nvCxnSpPr>
+        <p:spPr>
+          <a:xfrm flipH="1">
+            <a:off x="6197950" y="2319421"/>
+            <a:ext cx="854146" cy="951739"/>
+          </a:xfrm>
+          <a:prstGeom prst="straightConnector1">
+            <a:avLst/>
+          </a:prstGeom>
+          <a:ln w="19050">
+            <a:solidFill>
+              <a:srgbClr val="E95429"/>
+            </a:solidFill>
+            <a:prstDash val="lgDash"/>
+            <a:tailEnd type="triangle"/>
+          </a:ln>
+        </p:spPr>
+        <p:style>
+          <a:lnRef idx="1">
+            <a:schemeClr val="accent1"/>
+          </a:lnRef>
+          <a:fillRef idx="0">
+            <a:schemeClr val="accent1"/>
+          </a:fillRef>
+          <a:effectRef idx="0">
+            <a:schemeClr val="accent1"/>
+          </a:effectRef>
+          <a:fontRef idx="minor">
+            <a:schemeClr val="tx1"/>
+          </a:fontRef>
+        </p:style>
+      </p:cxnSp>
+      <p:cxnSp>
+        <p:nvCxnSpPr>
+          <p:cNvPr id="55" name="直线箭头连接符 54">
+            <a:extLst>
+              <a:ext uri="{FF2B5EF4-FFF2-40B4-BE49-F238E27FC236}">
+                <a16:creationId xmlns:a16="http://schemas.microsoft.com/office/drawing/2014/main" id="{CF7CB435-49C4-474C-BB21-AB62094CC0C6}"/>
+              </a:ext>
+            </a:extLst>
+          </p:cNvPr>
+          <p:cNvCxnSpPr>
+            <a:cxnSpLocks/>
+            <a:stCxn id="44" idx="2"/>
+            <a:endCxn id="48" idx="0"/>
+          </p:cNvCxnSpPr>
+          <p:nvPr/>
+        </p:nvCxnSpPr>
+        <p:spPr>
+          <a:xfrm flipH="1">
+            <a:off x="5480032" y="2319422"/>
+            <a:ext cx="854146" cy="951739"/>
+          </a:xfrm>
+          <a:prstGeom prst="straightConnector1">
+            <a:avLst/>
+          </a:prstGeom>
+          <a:ln>
+            <a:tailEnd type="triangle"/>
+          </a:ln>
+        </p:spPr>
+        <p:style>
+          <a:lnRef idx="1">
+            <a:schemeClr val="accent1"/>
+          </a:lnRef>
+          <a:fillRef idx="0">
+            <a:schemeClr val="accent1"/>
+          </a:fillRef>
+          <a:effectRef idx="0">
+            <a:schemeClr val="accent1"/>
+          </a:effectRef>
+          <a:fontRef idx="minor">
+            <a:schemeClr val="tx1"/>
+          </a:fontRef>
+        </p:style>
+      </p:cxnSp>
+      <p:sp>
+        <p:nvSpPr>
+          <p:cNvPr id="57" name="圆角矩形 56">
+            <a:extLst>
+              <a:ext uri="{FF2B5EF4-FFF2-40B4-BE49-F238E27FC236}">
+                <a16:creationId xmlns:a16="http://schemas.microsoft.com/office/drawing/2014/main" id="{99680CC9-F23D-5C49-AFAA-FD4203FC5DB5}"/>
+              </a:ext>
+            </a:extLst>
+          </p:cNvPr>
+          <p:cNvSpPr/>
+          <p:nvPr/>
+        </p:nvSpPr>
+        <p:spPr>
+          <a:xfrm>
+            <a:off x="8259750" y="2021502"/>
+            <a:ext cx="619676" cy="317395"/>
+          </a:xfrm>
+          <a:prstGeom prst="roundRect">
+            <a:avLst/>
+          </a:prstGeom>
+        </p:spPr>
+        <p:style>
+          <a:lnRef idx="2">
+            <a:schemeClr val="accent1">
+              <a:shade val="50000"/>
+            </a:schemeClr>
+          </a:lnRef>
+          <a:fillRef idx="1">
+            <a:schemeClr val="accent1"/>
+          </a:fillRef>
+          <a:effectRef idx="0">
+            <a:schemeClr val="accent1"/>
+          </a:effectRef>
+          <a:fontRef idx="minor">
+            <a:schemeClr val="lt1"/>
+          </a:fontRef>
+        </p:style>
+        <p:txBody>
+          <a:bodyPr rtlCol="0" anchor="ctr"/>
+          <a:lstStyle/>
+          <a:p>
+            <a:pPr algn="ctr"/>
+            <a:r>
+              <a:rPr kumimoji="1" lang="en-US" altLang="zh-CN" dirty="0"/>
+              <a:t>A</a:t>
+            </a:r>
+            <a:endParaRPr kumimoji="1" lang="zh-CN" altLang="en-US" dirty="0"/>
+          </a:p>
+        </p:txBody>
+      </p:sp>
+      <p:sp>
+        <p:nvSpPr>
+          <p:cNvPr id="58" name="圆角矩形 57">
+            <a:extLst>
+              <a:ext uri="{FF2B5EF4-FFF2-40B4-BE49-F238E27FC236}">
+                <a16:creationId xmlns:a16="http://schemas.microsoft.com/office/drawing/2014/main" id="{C43852FA-705D-154E-9DC1-29E027736838}"/>
+              </a:ext>
+            </a:extLst>
+          </p:cNvPr>
+          <p:cNvSpPr/>
+          <p:nvPr/>
+        </p:nvSpPr>
+        <p:spPr>
+          <a:xfrm>
+            <a:off x="8977668" y="2021501"/>
+            <a:ext cx="619676" cy="317395"/>
+          </a:xfrm>
+          <a:prstGeom prst="roundRect">
+            <a:avLst/>
+          </a:prstGeom>
+          <a:solidFill>
+            <a:schemeClr val="bg1"/>
+          </a:solidFill>
+          <a:ln w="19050">
+            <a:solidFill>
+              <a:srgbClr val="00B050"/>
+            </a:solidFill>
+            <a:prstDash val="dash"/>
+          </a:ln>
+        </p:spPr>
+        <p:style>
+          <a:lnRef idx="2">
+            <a:schemeClr val="accent1">
+              <a:shade val="50000"/>
+            </a:schemeClr>
+          </a:lnRef>
+          <a:fillRef idx="1">
+            <a:schemeClr val="accent1"/>
+          </a:fillRef>
+          <a:effectRef idx="0">
+            <a:schemeClr val="accent1"/>
+          </a:effectRef>
+          <a:fontRef idx="minor">
+            <a:schemeClr val="lt1"/>
+          </a:fontRef>
+        </p:style>
+        <p:txBody>
+          <a:bodyPr rtlCol="0" anchor="ctr"/>
+          <a:lstStyle/>
+          <a:p>
+            <a:pPr algn="ctr"/>
+            <a:r>
+              <a:rPr kumimoji="1" lang="en-US" altLang="zh-CN" dirty="0">
+                <a:solidFill>
+                  <a:srgbClr val="00B050"/>
+                </a:solidFill>
+              </a:rPr>
+              <a:t>A</a:t>
+            </a:r>
+            <a:r>
+              <a:rPr kumimoji="1" lang="zh-CN" altLang="en-US" dirty="0">
+                <a:solidFill>
+                  <a:srgbClr val="00B050"/>
+                </a:solidFill>
+              </a:rPr>
+              <a:t>‘</a:t>
+            </a:r>
+          </a:p>
+        </p:txBody>
+      </p:sp>
+      <p:cxnSp>
+        <p:nvCxnSpPr>
+          <p:cNvPr id="59" name="直线箭头连接符 58">
+            <a:extLst>
+              <a:ext uri="{FF2B5EF4-FFF2-40B4-BE49-F238E27FC236}">
+                <a16:creationId xmlns:a16="http://schemas.microsoft.com/office/drawing/2014/main" id="{A19A4447-FA84-864D-BB02-3937DD325F71}"/>
+              </a:ext>
+            </a:extLst>
+          </p:cNvPr>
+          <p:cNvCxnSpPr>
+            <a:cxnSpLocks/>
+            <a:endCxn id="58" idx="0"/>
+          </p:cNvCxnSpPr>
+          <p:nvPr/>
+        </p:nvCxnSpPr>
+        <p:spPr>
+          <a:xfrm>
+            <a:off x="9287506" y="1432054"/>
+            <a:ext cx="0" cy="589447"/>
+          </a:xfrm>
+          <a:prstGeom prst="straightConnector1">
+            <a:avLst/>
+          </a:prstGeom>
+          <a:ln w="19050">
+            <a:solidFill>
+              <a:srgbClr val="00B050"/>
+            </a:solidFill>
+            <a:prstDash val="lgDash"/>
+            <a:tailEnd type="triangle"/>
+          </a:ln>
+        </p:spPr>
+        <p:style>
+          <a:lnRef idx="1">
+            <a:schemeClr val="accent1"/>
+          </a:lnRef>
+          <a:fillRef idx="0">
+            <a:schemeClr val="accent1"/>
+          </a:fillRef>
+          <a:effectRef idx="0">
+            <a:schemeClr val="accent1"/>
+          </a:effectRef>
+          <a:fontRef idx="minor">
+            <a:schemeClr val="tx1"/>
+          </a:fontRef>
+        </p:style>
+      </p:cxnSp>
+      <p:cxnSp>
+        <p:nvCxnSpPr>
+          <p:cNvPr id="60" name="直线箭头连接符 59">
+            <a:extLst>
+              <a:ext uri="{FF2B5EF4-FFF2-40B4-BE49-F238E27FC236}">
+                <a16:creationId xmlns:a16="http://schemas.microsoft.com/office/drawing/2014/main" id="{41B117FE-E00A-6146-A05E-D22395AD03D0}"/>
+              </a:ext>
+            </a:extLst>
+          </p:cNvPr>
+          <p:cNvCxnSpPr>
+            <a:cxnSpLocks/>
+            <a:endCxn id="57" idx="0"/>
+          </p:cNvCxnSpPr>
+          <p:nvPr/>
+        </p:nvCxnSpPr>
+        <p:spPr>
+          <a:xfrm>
+            <a:off x="8569588" y="1432054"/>
+            <a:ext cx="0" cy="589448"/>
+          </a:xfrm>
+          <a:prstGeom prst="straightConnector1">
+            <a:avLst/>
+          </a:prstGeom>
+          <a:ln>
+            <a:tailEnd type="triangle"/>
+          </a:ln>
+        </p:spPr>
+        <p:style>
+          <a:lnRef idx="1">
+            <a:schemeClr val="accent1"/>
+          </a:lnRef>
+          <a:fillRef idx="0">
+            <a:schemeClr val="accent1"/>
+          </a:fillRef>
+          <a:effectRef idx="0">
+            <a:schemeClr val="accent1"/>
+          </a:effectRef>
+          <a:fontRef idx="minor">
+            <a:schemeClr val="tx1"/>
+          </a:fontRef>
+        </p:style>
+      </p:cxnSp>
+      <p:sp>
+        <p:nvSpPr>
+          <p:cNvPr id="61" name="圆角矩形 60">
+            <a:extLst>
+              <a:ext uri="{FF2B5EF4-FFF2-40B4-BE49-F238E27FC236}">
+                <a16:creationId xmlns:a16="http://schemas.microsoft.com/office/drawing/2014/main" id="{0F8E2F55-711E-D642-9FCD-7AC5F896242E}"/>
+              </a:ext>
+            </a:extLst>
+          </p:cNvPr>
+          <p:cNvSpPr/>
+          <p:nvPr/>
+        </p:nvSpPr>
+        <p:spPr>
+          <a:xfrm>
+            <a:off x="9999560" y="2021502"/>
+            <a:ext cx="619676" cy="317395"/>
+          </a:xfrm>
+          <a:prstGeom prst="roundRect">
+            <a:avLst/>
+          </a:prstGeom>
+        </p:spPr>
+        <p:style>
+          <a:lnRef idx="2">
+            <a:schemeClr val="accent1">
+              <a:shade val="50000"/>
+            </a:schemeClr>
+          </a:lnRef>
+          <a:fillRef idx="1">
+            <a:schemeClr val="accent1"/>
+          </a:fillRef>
+          <a:effectRef idx="0">
+            <a:schemeClr val="accent1"/>
+          </a:effectRef>
+          <a:fontRef idx="minor">
+            <a:schemeClr val="lt1"/>
+          </a:fontRef>
+        </p:style>
+        <p:txBody>
+          <a:bodyPr rtlCol="0" anchor="ctr"/>
+          <a:lstStyle/>
+          <a:p>
+            <a:pPr algn="ctr"/>
+            <a:r>
+              <a:rPr kumimoji="1" lang="en-US" altLang="zh-CN" dirty="0"/>
+              <a:t>B</a:t>
+            </a:r>
+            <a:endParaRPr kumimoji="1" lang="zh-CN" altLang="en-US" dirty="0"/>
+          </a:p>
+        </p:txBody>
+      </p:sp>
+      <p:sp>
+        <p:nvSpPr>
+          <p:cNvPr id="62" name="圆角矩形 61">
+            <a:extLst>
+              <a:ext uri="{FF2B5EF4-FFF2-40B4-BE49-F238E27FC236}">
+                <a16:creationId xmlns:a16="http://schemas.microsoft.com/office/drawing/2014/main" id="{DBEB0C93-9E58-DC49-9955-5D6CDAA0A10D}"/>
+              </a:ext>
+            </a:extLst>
+          </p:cNvPr>
+          <p:cNvSpPr/>
+          <p:nvPr/>
+        </p:nvSpPr>
+        <p:spPr>
+          <a:xfrm>
+            <a:off x="10717478" y="2021501"/>
+            <a:ext cx="619676" cy="317395"/>
+          </a:xfrm>
+          <a:prstGeom prst="roundRect">
+            <a:avLst/>
+          </a:prstGeom>
+          <a:solidFill>
+            <a:schemeClr val="bg1"/>
+          </a:solidFill>
+          <a:ln w="19050">
+            <a:solidFill>
+              <a:srgbClr val="C00000"/>
+            </a:solidFill>
+            <a:prstDash val="dash"/>
+          </a:ln>
+        </p:spPr>
+        <p:style>
+          <a:lnRef idx="2">
+            <a:schemeClr val="accent1">
+              <a:shade val="50000"/>
+            </a:schemeClr>
+          </a:lnRef>
+          <a:fillRef idx="1">
+            <a:schemeClr val="accent1"/>
+          </a:fillRef>
+          <a:effectRef idx="0">
+            <a:schemeClr val="accent1"/>
+          </a:effectRef>
+          <a:fontRef idx="minor">
+            <a:schemeClr val="lt1"/>
+          </a:fontRef>
+        </p:style>
+        <p:txBody>
+          <a:bodyPr rtlCol="0" anchor="ctr"/>
+          <a:lstStyle/>
+          <a:p>
+            <a:pPr algn="ctr"/>
+            <a:r>
+              <a:rPr kumimoji="1" lang="en-US" altLang="zh-CN" dirty="0">
+                <a:solidFill>
+                  <a:srgbClr val="E95429"/>
+                </a:solidFill>
+              </a:rPr>
+              <a:t>B</a:t>
+            </a:r>
+            <a:r>
+              <a:rPr kumimoji="1" lang="zh-CN" altLang="en-US" dirty="0">
+                <a:solidFill>
+                  <a:srgbClr val="E95429"/>
+                </a:solidFill>
+              </a:rPr>
+              <a:t>‘</a:t>
+            </a:r>
+          </a:p>
+        </p:txBody>
+      </p:sp>
+      <p:cxnSp>
+        <p:nvCxnSpPr>
+          <p:cNvPr id="63" name="直线箭头连接符 62">
+            <a:extLst>
+              <a:ext uri="{FF2B5EF4-FFF2-40B4-BE49-F238E27FC236}">
+                <a16:creationId xmlns:a16="http://schemas.microsoft.com/office/drawing/2014/main" id="{AA980589-3ED8-A148-AC82-5E93FA77FFB9}"/>
+              </a:ext>
+            </a:extLst>
+          </p:cNvPr>
+          <p:cNvCxnSpPr>
+            <a:cxnSpLocks/>
+            <a:endCxn id="62" idx="0"/>
+          </p:cNvCxnSpPr>
+          <p:nvPr/>
+        </p:nvCxnSpPr>
+        <p:spPr>
+          <a:xfrm>
+            <a:off x="11027316" y="1432054"/>
+            <a:ext cx="0" cy="589447"/>
+          </a:xfrm>
+          <a:prstGeom prst="straightConnector1">
+            <a:avLst/>
+          </a:prstGeom>
+          <a:ln w="19050">
+            <a:solidFill>
+              <a:srgbClr val="E95429"/>
+            </a:solidFill>
+            <a:prstDash val="lgDash"/>
+            <a:tailEnd type="triangle"/>
+          </a:ln>
+        </p:spPr>
+        <p:style>
+          <a:lnRef idx="1">
+            <a:schemeClr val="accent1"/>
+          </a:lnRef>
+          <a:fillRef idx="0">
+            <a:schemeClr val="accent1"/>
+          </a:fillRef>
+          <a:effectRef idx="0">
+            <a:schemeClr val="accent1"/>
+          </a:effectRef>
+          <a:fontRef idx="minor">
+            <a:schemeClr val="tx1"/>
+          </a:fontRef>
+        </p:style>
+      </p:cxnSp>
+      <p:cxnSp>
+        <p:nvCxnSpPr>
+          <p:cNvPr id="64" name="直线箭头连接符 63">
+            <a:extLst>
+              <a:ext uri="{FF2B5EF4-FFF2-40B4-BE49-F238E27FC236}">
+                <a16:creationId xmlns:a16="http://schemas.microsoft.com/office/drawing/2014/main" id="{6EF7377E-15F7-E545-B9B2-BD0ADA73EF9B}"/>
+              </a:ext>
+            </a:extLst>
+          </p:cNvPr>
+          <p:cNvCxnSpPr>
+            <a:cxnSpLocks/>
+            <a:endCxn id="61" idx="0"/>
+          </p:cNvCxnSpPr>
+          <p:nvPr/>
+        </p:nvCxnSpPr>
+        <p:spPr>
+          <a:xfrm>
+            <a:off x="10309398" y="1432054"/>
+            <a:ext cx="0" cy="589448"/>
+          </a:xfrm>
+          <a:prstGeom prst="straightConnector1">
+            <a:avLst/>
+          </a:prstGeom>
+          <a:ln>
+            <a:tailEnd type="triangle"/>
+          </a:ln>
+        </p:spPr>
+        <p:style>
+          <a:lnRef idx="1">
+            <a:schemeClr val="accent1"/>
+          </a:lnRef>
+          <a:fillRef idx="0">
+            <a:schemeClr val="accent1"/>
+          </a:fillRef>
+          <a:effectRef idx="0">
+            <a:schemeClr val="accent1"/>
+          </a:effectRef>
+          <a:fontRef idx="minor">
+            <a:schemeClr val="tx1"/>
+          </a:fontRef>
+        </p:style>
+      </p:cxnSp>
+      <p:sp>
+        <p:nvSpPr>
+          <p:cNvPr id="65" name="圆角矩形 64">
+            <a:extLst>
+              <a:ext uri="{FF2B5EF4-FFF2-40B4-BE49-F238E27FC236}">
+                <a16:creationId xmlns:a16="http://schemas.microsoft.com/office/drawing/2014/main" id="{B7441779-D4CC-5743-8D40-277C0BD7DF38}"/>
+              </a:ext>
+            </a:extLst>
+          </p:cNvPr>
+          <p:cNvSpPr/>
+          <p:nvPr/>
+        </p:nvSpPr>
+        <p:spPr>
+          <a:xfrm>
+            <a:off x="9020430" y="3270303"/>
+            <a:ext cx="619676" cy="317395"/>
+          </a:xfrm>
+          <a:prstGeom prst="roundRect">
+            <a:avLst/>
+          </a:prstGeom>
+        </p:spPr>
+        <p:style>
+          <a:lnRef idx="2">
+            <a:schemeClr val="accent1">
+              <a:shade val="50000"/>
+            </a:schemeClr>
+          </a:lnRef>
+          <a:fillRef idx="1">
+            <a:schemeClr val="accent1"/>
+          </a:fillRef>
+          <a:effectRef idx="0">
+            <a:schemeClr val="accent1"/>
+          </a:effectRef>
+          <a:fontRef idx="minor">
+            <a:schemeClr val="lt1"/>
+          </a:fontRef>
+        </p:style>
+        <p:txBody>
+          <a:bodyPr rtlCol="0" anchor="ctr"/>
+          <a:lstStyle/>
+          <a:p>
+            <a:pPr algn="ctr"/>
+            <a:r>
+              <a:rPr kumimoji="1" lang="en-US" altLang="zh-CN" dirty="0"/>
+              <a:t>Z</a:t>
+            </a:r>
+          </a:p>
+        </p:txBody>
+      </p:sp>
+      <p:sp>
+        <p:nvSpPr>
+          <p:cNvPr id="66" name="圆角矩形 65">
+            <a:extLst>
+              <a:ext uri="{FF2B5EF4-FFF2-40B4-BE49-F238E27FC236}">
+                <a16:creationId xmlns:a16="http://schemas.microsoft.com/office/drawing/2014/main" id="{D0E9E1F6-ABC6-6745-A366-2C5DD74BD3A4}"/>
+              </a:ext>
+            </a:extLst>
+          </p:cNvPr>
+          <p:cNvSpPr/>
+          <p:nvPr/>
+        </p:nvSpPr>
+        <p:spPr>
+          <a:xfrm>
+            <a:off x="9738348" y="3270302"/>
+            <a:ext cx="619676" cy="317395"/>
+          </a:xfrm>
+          <a:prstGeom prst="roundRect">
+            <a:avLst/>
+          </a:prstGeom>
+          <a:solidFill>
+            <a:schemeClr val="bg1"/>
+          </a:solidFill>
+          <a:ln w="19050">
+            <a:solidFill>
+              <a:srgbClr val="00B050"/>
+            </a:solidFill>
+            <a:prstDash val="dash"/>
+          </a:ln>
+        </p:spPr>
+        <p:style>
+          <a:lnRef idx="2">
+            <a:schemeClr val="accent1">
+              <a:shade val="50000"/>
+            </a:schemeClr>
+          </a:lnRef>
+          <a:fillRef idx="1">
+            <a:schemeClr val="accent1"/>
+          </a:fillRef>
+          <a:effectRef idx="0">
+            <a:schemeClr val="accent1"/>
+          </a:effectRef>
+          <a:fontRef idx="minor">
+            <a:schemeClr val="lt1"/>
+          </a:fontRef>
+        </p:style>
+        <p:txBody>
+          <a:bodyPr rtlCol="0" anchor="ctr"/>
+          <a:lstStyle/>
+          <a:p>
+            <a:pPr algn="ctr"/>
+            <a:r>
+              <a:rPr kumimoji="1" lang="en-US" altLang="zh-CN" dirty="0">
+                <a:solidFill>
+                  <a:srgbClr val="00B050"/>
+                </a:solidFill>
+              </a:rPr>
+              <a:t>Z</a:t>
+            </a:r>
+            <a:r>
+              <a:rPr kumimoji="1" lang="zh-CN" altLang="en-US" dirty="0">
+                <a:solidFill>
+                  <a:srgbClr val="00B050"/>
+                </a:solidFill>
+              </a:rPr>
+              <a:t>‘</a:t>
+            </a:r>
+          </a:p>
+        </p:txBody>
+      </p:sp>
+      <p:cxnSp>
+        <p:nvCxnSpPr>
+          <p:cNvPr id="67" name="直线箭头连接符 66">
+            <a:extLst>
+              <a:ext uri="{FF2B5EF4-FFF2-40B4-BE49-F238E27FC236}">
+                <a16:creationId xmlns:a16="http://schemas.microsoft.com/office/drawing/2014/main" id="{C5312886-0EFE-B848-BC5A-C74AEB6129D0}"/>
+              </a:ext>
+            </a:extLst>
+          </p:cNvPr>
+          <p:cNvCxnSpPr>
+            <a:cxnSpLocks/>
+            <a:stCxn id="58" idx="2"/>
+            <a:endCxn id="66" idx="0"/>
+          </p:cNvCxnSpPr>
+          <p:nvPr/>
+        </p:nvCxnSpPr>
+        <p:spPr>
+          <a:xfrm>
+            <a:off x="9287506" y="2338896"/>
+            <a:ext cx="760680" cy="931406"/>
+          </a:xfrm>
+          <a:prstGeom prst="straightConnector1">
+            <a:avLst/>
+          </a:prstGeom>
+          <a:ln w="19050">
+            <a:solidFill>
+              <a:srgbClr val="00B050"/>
+            </a:solidFill>
+            <a:prstDash val="lgDash"/>
+            <a:tailEnd type="triangle"/>
+          </a:ln>
+        </p:spPr>
+        <p:style>
+          <a:lnRef idx="1">
+            <a:schemeClr val="accent1"/>
+          </a:lnRef>
+          <a:fillRef idx="0">
+            <a:schemeClr val="accent1"/>
+          </a:fillRef>
+          <a:effectRef idx="0">
+            <a:schemeClr val="accent1"/>
+          </a:effectRef>
+          <a:fontRef idx="minor">
+            <a:schemeClr val="tx1"/>
+          </a:fontRef>
+        </p:style>
+      </p:cxnSp>
+      <p:cxnSp>
+        <p:nvCxnSpPr>
+          <p:cNvPr id="68" name="直线箭头连接符 67">
+            <a:extLst>
+              <a:ext uri="{FF2B5EF4-FFF2-40B4-BE49-F238E27FC236}">
+                <a16:creationId xmlns:a16="http://schemas.microsoft.com/office/drawing/2014/main" id="{CABBE1B4-6CD9-C245-861A-ABDF668D48A0}"/>
+              </a:ext>
+            </a:extLst>
+          </p:cNvPr>
+          <p:cNvCxnSpPr>
+            <a:cxnSpLocks/>
+            <a:stCxn id="57" idx="2"/>
+            <a:endCxn id="65" idx="0"/>
+          </p:cNvCxnSpPr>
+          <p:nvPr/>
+        </p:nvCxnSpPr>
+        <p:spPr>
+          <a:xfrm>
+            <a:off x="8569588" y="2338897"/>
+            <a:ext cx="760680" cy="931406"/>
+          </a:xfrm>
+          <a:prstGeom prst="straightConnector1">
+            <a:avLst/>
+          </a:prstGeom>
+          <a:ln>
+            <a:tailEnd type="triangle"/>
+          </a:ln>
+        </p:spPr>
+        <p:style>
+          <a:lnRef idx="1">
+            <a:schemeClr val="accent1"/>
+          </a:lnRef>
+          <a:fillRef idx="0">
+            <a:schemeClr val="accent1"/>
+          </a:fillRef>
+          <a:effectRef idx="0">
+            <a:schemeClr val="accent1"/>
+          </a:effectRef>
+          <a:fontRef idx="minor">
+            <a:schemeClr val="tx1"/>
+          </a:fontRef>
+        </p:style>
+      </p:cxnSp>
+      <p:sp>
+        <p:nvSpPr>
+          <p:cNvPr id="69" name="文本框 68">
+            <a:extLst>
+              <a:ext uri="{FF2B5EF4-FFF2-40B4-BE49-F238E27FC236}">
+                <a16:creationId xmlns:a16="http://schemas.microsoft.com/office/drawing/2014/main" id="{9D63338E-7174-F44E-8BED-417FA012E31C}"/>
+              </a:ext>
+            </a:extLst>
+          </p:cNvPr>
+          <p:cNvSpPr txBox="1"/>
+          <p:nvPr/>
+        </p:nvSpPr>
+        <p:spPr>
+          <a:xfrm>
+            <a:off x="8931479" y="1155054"/>
+            <a:ext cx="712054" cy="276999"/>
+          </a:xfrm>
+          <a:prstGeom prst="rect">
+            <a:avLst/>
+          </a:prstGeom>
+          <a:noFill/>
+        </p:spPr>
+        <p:txBody>
+          <a:bodyPr wrap="none" rtlCol="0">
+            <a:spAutoFit/>
+          </a:bodyPr>
+          <a:lstStyle/>
+          <a:p>
+            <a:r>
+              <a:rPr kumimoji="1" lang="en-US" altLang="zh-CN" sz="1200" dirty="0">
+                <a:solidFill>
+                  <a:srgbClr val="00B050"/>
+                </a:solidFill>
+              </a:rPr>
+              <a:t>Android</a:t>
+            </a:r>
+            <a:endParaRPr kumimoji="1" lang="zh-CN" altLang="en-US" sz="1200" dirty="0">
+              <a:solidFill>
+                <a:srgbClr val="00B050"/>
+              </a:solidFill>
+            </a:endParaRPr>
+          </a:p>
+        </p:txBody>
+      </p:sp>
+      <p:sp>
+        <p:nvSpPr>
+          <p:cNvPr id="70" name="文本框 69">
+            <a:extLst>
+              <a:ext uri="{FF2B5EF4-FFF2-40B4-BE49-F238E27FC236}">
+                <a16:creationId xmlns:a16="http://schemas.microsoft.com/office/drawing/2014/main" id="{60CD46F9-F505-3D49-B9E4-8B6F62D496B9}"/>
+              </a:ext>
+            </a:extLst>
+          </p:cNvPr>
+          <p:cNvSpPr txBox="1"/>
+          <p:nvPr/>
+        </p:nvSpPr>
+        <p:spPr>
+          <a:xfrm>
+            <a:off x="10671289" y="1129909"/>
+            <a:ext cx="660758" cy="276999"/>
+          </a:xfrm>
+          <a:prstGeom prst="rect">
+            <a:avLst/>
+          </a:prstGeom>
+          <a:noFill/>
+        </p:spPr>
+        <p:txBody>
+          <a:bodyPr wrap="none" rtlCol="0">
+            <a:spAutoFit/>
+          </a:bodyPr>
+          <a:lstStyle/>
+          <a:p>
+            <a:r>
+              <a:rPr kumimoji="1" lang="en-US" altLang="zh-CN" sz="1200" dirty="0">
+                <a:solidFill>
+                  <a:srgbClr val="E95429"/>
+                </a:solidFill>
+              </a:rPr>
+              <a:t>iPhone</a:t>
+            </a:r>
+            <a:endParaRPr kumimoji="1" lang="zh-CN" altLang="en-US" sz="1200" dirty="0">
+              <a:solidFill>
+                <a:srgbClr val="E95429"/>
+              </a:solidFill>
+            </a:endParaRPr>
+          </a:p>
+        </p:txBody>
+      </p:sp>
+      <p:cxnSp>
+        <p:nvCxnSpPr>
+          <p:cNvPr id="71" name="直线箭头连接符 70">
+            <a:extLst>
+              <a:ext uri="{FF2B5EF4-FFF2-40B4-BE49-F238E27FC236}">
+                <a16:creationId xmlns:a16="http://schemas.microsoft.com/office/drawing/2014/main" id="{F4064746-A0B2-9E43-BD26-5EE796E0DF05}"/>
+              </a:ext>
+            </a:extLst>
+          </p:cNvPr>
+          <p:cNvCxnSpPr>
+            <a:cxnSpLocks/>
+            <a:stCxn id="62" idx="2"/>
+            <a:endCxn id="73" idx="0"/>
+          </p:cNvCxnSpPr>
+          <p:nvPr/>
+        </p:nvCxnSpPr>
+        <p:spPr>
+          <a:xfrm flipH="1">
+            <a:off x="10766104" y="2338896"/>
+            <a:ext cx="261212" cy="931406"/>
+          </a:xfrm>
+          <a:prstGeom prst="straightConnector1">
+            <a:avLst/>
+          </a:prstGeom>
+          <a:ln w="19050">
+            <a:solidFill>
+              <a:srgbClr val="E95429"/>
+            </a:solidFill>
+            <a:prstDash val="lgDash"/>
+            <a:tailEnd type="triangle"/>
+          </a:ln>
+        </p:spPr>
+        <p:style>
+          <a:lnRef idx="1">
+            <a:schemeClr val="accent1"/>
+          </a:lnRef>
+          <a:fillRef idx="0">
+            <a:schemeClr val="accent1"/>
+          </a:fillRef>
+          <a:effectRef idx="0">
+            <a:schemeClr val="accent1"/>
+          </a:effectRef>
+          <a:fontRef idx="minor">
+            <a:schemeClr val="tx1"/>
+          </a:fontRef>
+        </p:style>
+      </p:cxnSp>
+      <p:cxnSp>
+        <p:nvCxnSpPr>
+          <p:cNvPr id="72" name="直线箭头连接符 71">
+            <a:extLst>
+              <a:ext uri="{FF2B5EF4-FFF2-40B4-BE49-F238E27FC236}">
+                <a16:creationId xmlns:a16="http://schemas.microsoft.com/office/drawing/2014/main" id="{2420B47B-3C43-F641-AF6E-D87D26EC008B}"/>
+              </a:ext>
+            </a:extLst>
+          </p:cNvPr>
+          <p:cNvCxnSpPr>
+            <a:cxnSpLocks/>
+            <a:stCxn id="61" idx="2"/>
+            <a:endCxn id="65" idx="0"/>
+          </p:cNvCxnSpPr>
+          <p:nvPr/>
+        </p:nvCxnSpPr>
+        <p:spPr>
+          <a:xfrm flipH="1">
+            <a:off x="9330268" y="2338897"/>
+            <a:ext cx="979130" cy="931406"/>
+          </a:xfrm>
+          <a:prstGeom prst="straightConnector1">
+            <a:avLst/>
+          </a:prstGeom>
+          <a:ln>
+            <a:tailEnd type="triangle"/>
+          </a:ln>
+        </p:spPr>
+        <p:style>
+          <a:lnRef idx="1">
+            <a:schemeClr val="accent1"/>
+          </a:lnRef>
+          <a:fillRef idx="0">
+            <a:schemeClr val="accent1"/>
+          </a:fillRef>
+          <a:effectRef idx="0">
+            <a:schemeClr val="accent1"/>
+          </a:effectRef>
+          <a:fontRef idx="minor">
+            <a:schemeClr val="tx1"/>
+          </a:fontRef>
+        </p:style>
+      </p:cxnSp>
+      <p:sp>
+        <p:nvSpPr>
+          <p:cNvPr id="73" name="圆角矩形 72">
+            <a:extLst>
+              <a:ext uri="{FF2B5EF4-FFF2-40B4-BE49-F238E27FC236}">
+                <a16:creationId xmlns:a16="http://schemas.microsoft.com/office/drawing/2014/main" id="{F89CF641-06AE-9E4C-B1B6-73F023F60DF0}"/>
+              </a:ext>
+            </a:extLst>
+          </p:cNvPr>
+          <p:cNvSpPr/>
+          <p:nvPr/>
+        </p:nvSpPr>
+        <p:spPr>
+          <a:xfrm>
+            <a:off x="10456266" y="3270302"/>
+            <a:ext cx="619676" cy="317395"/>
+          </a:xfrm>
+          <a:prstGeom prst="roundRect">
+            <a:avLst/>
+          </a:prstGeom>
+          <a:solidFill>
+            <a:schemeClr val="bg1"/>
+          </a:solidFill>
+          <a:ln w="19050">
+            <a:solidFill>
+              <a:srgbClr val="E95429"/>
+            </a:solidFill>
+            <a:prstDash val="dash"/>
+          </a:ln>
+        </p:spPr>
+        <p:style>
+          <a:lnRef idx="2">
+            <a:schemeClr val="accent1">
+              <a:shade val="50000"/>
+            </a:schemeClr>
+          </a:lnRef>
+          <a:fillRef idx="1">
+            <a:schemeClr val="accent1"/>
+          </a:fillRef>
+          <a:effectRef idx="0">
+            <a:schemeClr val="accent1"/>
+          </a:effectRef>
+          <a:fontRef idx="minor">
+            <a:schemeClr val="lt1"/>
+          </a:fontRef>
+        </p:style>
+        <p:txBody>
+          <a:bodyPr rtlCol="0" anchor="ctr"/>
+          <a:lstStyle/>
+          <a:p>
+            <a:pPr algn="ctr"/>
+            <a:r>
+              <a:rPr kumimoji="1" lang="en-US" altLang="zh-CN" dirty="0">
+                <a:solidFill>
+                  <a:srgbClr val="E95429"/>
+                </a:solidFill>
+              </a:rPr>
+              <a:t>Z</a:t>
+            </a:r>
+            <a:r>
+              <a:rPr kumimoji="1" lang="zh-CN" altLang="en-US" dirty="0">
+                <a:solidFill>
+                  <a:srgbClr val="E95429"/>
+                </a:solidFill>
+              </a:rPr>
+              <a:t>‘‘</a:t>
+            </a:r>
+          </a:p>
+        </p:txBody>
+      </p:sp>
+      <p:grpSp>
+        <p:nvGrpSpPr>
+          <p:cNvPr id="96" name="组合 95">
+            <a:extLst>
+              <a:ext uri="{FF2B5EF4-FFF2-40B4-BE49-F238E27FC236}">
+                <a16:creationId xmlns:a16="http://schemas.microsoft.com/office/drawing/2014/main" id="{CEE05655-FECF-3347-AA7D-D69E8F233A3D}"/>
+              </a:ext>
+            </a:extLst>
+          </p:cNvPr>
+          <p:cNvGrpSpPr/>
+          <p:nvPr/>
+        </p:nvGrpSpPr>
+        <p:grpSpPr>
+          <a:xfrm>
+            <a:off x="2026531" y="3244416"/>
+            <a:ext cx="622216" cy="318135"/>
+            <a:chOff x="1947122" y="4060390"/>
+            <a:chExt cx="622216" cy="318135"/>
+          </a:xfrm>
+        </p:grpSpPr>
+        <p:sp>
+          <p:nvSpPr>
+            <p:cNvPr id="94" name="任意形状 93">
+              <a:extLst>
+                <a:ext uri="{FF2B5EF4-FFF2-40B4-BE49-F238E27FC236}">
+                  <a16:creationId xmlns:a16="http://schemas.microsoft.com/office/drawing/2014/main" id="{D5A99B74-9C40-6240-B139-586D9C0E1ECE}"/>
+                </a:ext>
+              </a:extLst>
+            </p:cNvPr>
+            <p:cNvSpPr/>
+            <p:nvPr/>
+          </p:nvSpPr>
+          <p:spPr>
+            <a:xfrm>
+              <a:off x="1947122" y="4060390"/>
+              <a:ext cx="309838" cy="318135"/>
+            </a:xfrm>
+            <a:custGeom>
+              <a:avLst/>
+              <a:gdLst>
+                <a:gd name="connsiteX0" fmla="*/ 52900 w 309838"/>
+                <a:gd name="connsiteY0" fmla="*/ 0 h 317395"/>
+                <a:gd name="connsiteX1" fmla="*/ 309838 w 309838"/>
+                <a:gd name="connsiteY1" fmla="*/ 0 h 317395"/>
+                <a:gd name="connsiteX2" fmla="*/ 309838 w 309838"/>
+                <a:gd name="connsiteY2" fmla="*/ 317395 h 317395"/>
+                <a:gd name="connsiteX3" fmla="*/ 52900 w 309838"/>
+                <a:gd name="connsiteY3" fmla="*/ 317395 h 317395"/>
+                <a:gd name="connsiteX4" fmla="*/ 0 w 309838"/>
+                <a:gd name="connsiteY4" fmla="*/ 264495 h 317395"/>
+                <a:gd name="connsiteX5" fmla="*/ 0 w 309838"/>
+                <a:gd name="connsiteY5" fmla="*/ 52900 h 317395"/>
+                <a:gd name="connsiteX6" fmla="*/ 52900 w 309838"/>
+                <a:gd name="connsiteY6" fmla="*/ 0 h 317395"/>
+                <a:gd name="connsiteX0" fmla="*/ 309838 w 401278"/>
+                <a:gd name="connsiteY0" fmla="*/ 317395 h 408835"/>
+                <a:gd name="connsiteX1" fmla="*/ 52900 w 401278"/>
+                <a:gd name="connsiteY1" fmla="*/ 317395 h 408835"/>
+                <a:gd name="connsiteX2" fmla="*/ 0 w 401278"/>
+                <a:gd name="connsiteY2" fmla="*/ 264495 h 408835"/>
+                <a:gd name="connsiteX3" fmla="*/ 0 w 401278"/>
+                <a:gd name="connsiteY3" fmla="*/ 52900 h 408835"/>
+                <a:gd name="connsiteX4" fmla="*/ 52900 w 401278"/>
+                <a:gd name="connsiteY4" fmla="*/ 0 h 408835"/>
+                <a:gd name="connsiteX5" fmla="*/ 309838 w 401278"/>
+                <a:gd name="connsiteY5" fmla="*/ 0 h 408835"/>
+                <a:gd name="connsiteX6" fmla="*/ 401278 w 401278"/>
+                <a:gd name="connsiteY6" fmla="*/ 408835 h 408835"/>
+                <a:gd name="connsiteX0" fmla="*/ 309838 w 401278"/>
+                <a:gd name="connsiteY0" fmla="*/ 317395 h 408835"/>
+                <a:gd name="connsiteX1" fmla="*/ 52900 w 401278"/>
+                <a:gd name="connsiteY1" fmla="*/ 317395 h 408835"/>
+                <a:gd name="connsiteX2" fmla="*/ 0 w 401278"/>
+                <a:gd name="connsiteY2" fmla="*/ 264495 h 408835"/>
+                <a:gd name="connsiteX3" fmla="*/ 0 w 401278"/>
+                <a:gd name="connsiteY3" fmla="*/ 52900 h 408835"/>
+                <a:gd name="connsiteX4" fmla="*/ 52900 w 401278"/>
+                <a:gd name="connsiteY4" fmla="*/ 0 h 408835"/>
+                <a:gd name="connsiteX5" fmla="*/ 309838 w 401278"/>
+                <a:gd name="connsiteY5" fmla="*/ 0 h 408835"/>
+                <a:gd name="connsiteX6" fmla="*/ 401278 w 401278"/>
+                <a:gd name="connsiteY6" fmla="*/ 408835 h 408835"/>
+                <a:gd name="connsiteX0" fmla="*/ 309838 w 309838"/>
+                <a:gd name="connsiteY0" fmla="*/ 317395 h 317395"/>
+                <a:gd name="connsiteX1" fmla="*/ 52900 w 309838"/>
+                <a:gd name="connsiteY1" fmla="*/ 317395 h 317395"/>
+                <a:gd name="connsiteX2" fmla="*/ 0 w 309838"/>
+                <a:gd name="connsiteY2" fmla="*/ 264495 h 317395"/>
+                <a:gd name="connsiteX3" fmla="*/ 0 w 309838"/>
+                <a:gd name="connsiteY3" fmla="*/ 52900 h 317395"/>
+                <a:gd name="connsiteX4" fmla="*/ 52900 w 309838"/>
+                <a:gd name="connsiteY4" fmla="*/ 0 h 317395"/>
+                <a:gd name="connsiteX5" fmla="*/ 309838 w 309838"/>
+                <a:gd name="connsiteY5" fmla="*/ 0 h 317395"/>
+                <a:gd name="connsiteX6" fmla="*/ 309203 w 309838"/>
+                <a:gd name="connsiteY6" fmla="*/ 2435 h 317395"/>
+                <a:gd name="connsiteX0" fmla="*/ 309838 w 321903"/>
+                <a:gd name="connsiteY0" fmla="*/ 317395 h 317395"/>
+                <a:gd name="connsiteX1" fmla="*/ 52900 w 321903"/>
+                <a:gd name="connsiteY1" fmla="*/ 317395 h 317395"/>
+                <a:gd name="connsiteX2" fmla="*/ 0 w 321903"/>
+                <a:gd name="connsiteY2" fmla="*/ 264495 h 317395"/>
+                <a:gd name="connsiteX3" fmla="*/ 0 w 321903"/>
+                <a:gd name="connsiteY3" fmla="*/ 52900 h 317395"/>
+                <a:gd name="connsiteX4" fmla="*/ 52900 w 321903"/>
+                <a:gd name="connsiteY4" fmla="*/ 0 h 317395"/>
+                <a:gd name="connsiteX5" fmla="*/ 309838 w 321903"/>
+                <a:gd name="connsiteY5" fmla="*/ 0 h 317395"/>
+                <a:gd name="connsiteX6" fmla="*/ 321903 w 321903"/>
+                <a:gd name="connsiteY6" fmla="*/ 129435 h 317395"/>
+                <a:gd name="connsiteX0" fmla="*/ 309838 w 321903"/>
+                <a:gd name="connsiteY0" fmla="*/ 317395 h 317395"/>
+                <a:gd name="connsiteX1" fmla="*/ 52900 w 321903"/>
+                <a:gd name="connsiteY1" fmla="*/ 317395 h 317395"/>
+                <a:gd name="connsiteX2" fmla="*/ 0 w 321903"/>
+                <a:gd name="connsiteY2" fmla="*/ 264495 h 317395"/>
+                <a:gd name="connsiteX3" fmla="*/ 0 w 321903"/>
+                <a:gd name="connsiteY3" fmla="*/ 52900 h 317395"/>
+                <a:gd name="connsiteX4" fmla="*/ 52900 w 321903"/>
+                <a:gd name="connsiteY4" fmla="*/ 0 h 317395"/>
+                <a:gd name="connsiteX5" fmla="*/ 309838 w 321903"/>
+                <a:gd name="connsiteY5" fmla="*/ 0 h 317395"/>
+                <a:gd name="connsiteX6" fmla="*/ 321903 w 321903"/>
+                <a:gd name="connsiteY6" fmla="*/ 129435 h 317395"/>
+                <a:gd name="connsiteX0" fmla="*/ 309838 w 309838"/>
+                <a:gd name="connsiteY0" fmla="*/ 318135 h 318135"/>
+                <a:gd name="connsiteX1" fmla="*/ 52900 w 309838"/>
+                <a:gd name="connsiteY1" fmla="*/ 318135 h 318135"/>
+                <a:gd name="connsiteX2" fmla="*/ 0 w 309838"/>
+                <a:gd name="connsiteY2" fmla="*/ 265235 h 318135"/>
+                <a:gd name="connsiteX3" fmla="*/ 0 w 309838"/>
+                <a:gd name="connsiteY3" fmla="*/ 53640 h 318135"/>
+                <a:gd name="connsiteX4" fmla="*/ 52900 w 309838"/>
+                <a:gd name="connsiteY4" fmla="*/ 740 h 318135"/>
+                <a:gd name="connsiteX5" fmla="*/ 309838 w 309838"/>
+                <a:gd name="connsiteY5" fmla="*/ 740 h 318135"/>
+                <a:gd name="connsiteX6" fmla="*/ 302853 w 309838"/>
+                <a:gd name="connsiteY6" fmla="*/ 0 h 318135"/>
+              </a:gdLst>
+              <a:ahLst/>
+              <a:cxnLst>
+                <a:cxn ang="0">
+                  <a:pos x="connsiteX0" y="connsiteY0"/>
+                </a:cxn>
+                <a:cxn ang="0">
+                  <a:pos x="connsiteX1" y="connsiteY1"/>
+                </a:cxn>
+                <a:cxn ang="0">
+                  <a:pos x="connsiteX2" y="connsiteY2"/>
+                </a:cxn>
+                <a:cxn ang="0">
+                  <a:pos x="connsiteX3" y="connsiteY3"/>
+                </a:cxn>
+                <a:cxn ang="0">
+                  <a:pos x="connsiteX4" y="connsiteY4"/>
+                </a:cxn>
+                <a:cxn ang="0">
+                  <a:pos x="connsiteX5" y="connsiteY5"/>
+                </a:cxn>
+                <a:cxn ang="0">
+                  <a:pos x="connsiteX6" y="connsiteY6"/>
+                </a:cxn>
+              </a:cxnLst>
+              <a:rect l="l" t="t" r="r" b="b"/>
+              <a:pathLst>
+                <a:path w="309838" h="318135">
+                  <a:moveTo>
+                    <a:pt x="309838" y="318135"/>
+                  </a:moveTo>
+                  <a:lnTo>
+                    <a:pt x="52900" y="318135"/>
+                  </a:lnTo>
+                  <a:cubicBezTo>
+                    <a:pt x="23684" y="318135"/>
+                    <a:pt x="0" y="294451"/>
+                    <a:pt x="0" y="265235"/>
+                  </a:cubicBezTo>
+                  <a:lnTo>
+                    <a:pt x="0" y="53640"/>
+                  </a:lnTo>
+                  <a:cubicBezTo>
+                    <a:pt x="0" y="24424"/>
+                    <a:pt x="23684" y="740"/>
+                    <a:pt x="52900" y="740"/>
+                  </a:cubicBezTo>
+                  <a:lnTo>
+                    <a:pt x="309838" y="740"/>
+                  </a:lnTo>
+                  <a:lnTo>
+                    <a:pt x="302853" y="0"/>
+                  </a:lnTo>
+                </a:path>
+              </a:pathLst>
+            </a:custGeom>
+            <a:solidFill>
+              <a:schemeClr val="bg1"/>
+            </a:solidFill>
+            <a:ln w="19050">
+              <a:solidFill>
+                <a:srgbClr val="00B050"/>
+              </a:solidFill>
+              <a:prstDash val="dash"/>
+            </a:ln>
+          </p:spPr>
+          <p:style>
+            <a:lnRef idx="2">
+              <a:schemeClr val="accent1">
+                <a:shade val="50000"/>
+              </a:schemeClr>
+            </a:lnRef>
+            <a:fillRef idx="1">
+              <a:schemeClr val="accent1"/>
+            </a:fillRef>
+            <a:effectRef idx="0">
+              <a:schemeClr val="accent1"/>
+            </a:effectRef>
+            <a:fontRef idx="minor">
+              <a:schemeClr val="lt1"/>
+            </a:fontRef>
+          </p:style>
+          <p:txBody>
+            <a:bodyPr wrap="square" rtlCol="0" anchor="ctr">
+              <a:noAutofit/>
+            </a:bodyPr>
+            <a:lstStyle/>
+            <a:p>
+              <a:pPr algn="ctr"/>
+              <a:endParaRPr kumimoji="1" lang="zh-CN" altLang="en-US" dirty="0">
+                <a:solidFill>
+                  <a:srgbClr val="003278"/>
+                </a:solidFill>
+              </a:endParaRPr>
+            </a:p>
+          </p:txBody>
+        </p:sp>
+        <p:sp>
+          <p:nvSpPr>
+            <p:cNvPr id="95" name="任意形状 94">
+              <a:extLst>
+                <a:ext uri="{FF2B5EF4-FFF2-40B4-BE49-F238E27FC236}">
+                  <a16:creationId xmlns:a16="http://schemas.microsoft.com/office/drawing/2014/main" id="{55E3BB3F-566D-C949-B6B8-91838D003614}"/>
+                </a:ext>
+              </a:extLst>
+            </p:cNvPr>
+            <p:cNvSpPr/>
+            <p:nvPr/>
+          </p:nvSpPr>
+          <p:spPr>
+            <a:xfrm rot="10800000">
+              <a:off x="2256960" y="4060759"/>
+              <a:ext cx="312378" cy="317395"/>
+            </a:xfrm>
+            <a:custGeom>
+              <a:avLst/>
+              <a:gdLst>
+                <a:gd name="connsiteX0" fmla="*/ 52900 w 309838"/>
+                <a:gd name="connsiteY0" fmla="*/ 0 h 317395"/>
+                <a:gd name="connsiteX1" fmla="*/ 309838 w 309838"/>
+                <a:gd name="connsiteY1" fmla="*/ 0 h 317395"/>
+                <a:gd name="connsiteX2" fmla="*/ 309838 w 309838"/>
+                <a:gd name="connsiteY2" fmla="*/ 317395 h 317395"/>
+                <a:gd name="connsiteX3" fmla="*/ 52900 w 309838"/>
+                <a:gd name="connsiteY3" fmla="*/ 317395 h 317395"/>
+                <a:gd name="connsiteX4" fmla="*/ 0 w 309838"/>
+                <a:gd name="connsiteY4" fmla="*/ 264495 h 317395"/>
+                <a:gd name="connsiteX5" fmla="*/ 0 w 309838"/>
+                <a:gd name="connsiteY5" fmla="*/ 52900 h 317395"/>
+                <a:gd name="connsiteX6" fmla="*/ 52900 w 309838"/>
+                <a:gd name="connsiteY6" fmla="*/ 0 h 317395"/>
+                <a:gd name="connsiteX0" fmla="*/ 309838 w 401278"/>
+                <a:gd name="connsiteY0" fmla="*/ 317395 h 408835"/>
+                <a:gd name="connsiteX1" fmla="*/ 52900 w 401278"/>
+                <a:gd name="connsiteY1" fmla="*/ 317395 h 408835"/>
+                <a:gd name="connsiteX2" fmla="*/ 0 w 401278"/>
+                <a:gd name="connsiteY2" fmla="*/ 264495 h 408835"/>
+                <a:gd name="connsiteX3" fmla="*/ 0 w 401278"/>
+                <a:gd name="connsiteY3" fmla="*/ 52900 h 408835"/>
+                <a:gd name="connsiteX4" fmla="*/ 52900 w 401278"/>
+                <a:gd name="connsiteY4" fmla="*/ 0 h 408835"/>
+                <a:gd name="connsiteX5" fmla="*/ 309838 w 401278"/>
+                <a:gd name="connsiteY5" fmla="*/ 0 h 408835"/>
+                <a:gd name="connsiteX6" fmla="*/ 401278 w 401278"/>
+                <a:gd name="connsiteY6" fmla="*/ 408835 h 408835"/>
+                <a:gd name="connsiteX0" fmla="*/ 309838 w 309838"/>
+                <a:gd name="connsiteY0" fmla="*/ 321310 h 321310"/>
+                <a:gd name="connsiteX1" fmla="*/ 52900 w 309838"/>
+                <a:gd name="connsiteY1" fmla="*/ 321310 h 321310"/>
+                <a:gd name="connsiteX2" fmla="*/ 0 w 309838"/>
+                <a:gd name="connsiteY2" fmla="*/ 268410 h 321310"/>
+                <a:gd name="connsiteX3" fmla="*/ 0 w 309838"/>
+                <a:gd name="connsiteY3" fmla="*/ 56815 h 321310"/>
+                <a:gd name="connsiteX4" fmla="*/ 52900 w 309838"/>
+                <a:gd name="connsiteY4" fmla="*/ 3915 h 321310"/>
+                <a:gd name="connsiteX5" fmla="*/ 309838 w 309838"/>
+                <a:gd name="connsiteY5" fmla="*/ 3915 h 321310"/>
+                <a:gd name="connsiteX6" fmla="*/ 306028 w 309838"/>
+                <a:gd name="connsiteY6" fmla="*/ 0 h 321310"/>
+                <a:gd name="connsiteX0" fmla="*/ 309838 w 388578"/>
+                <a:gd name="connsiteY0" fmla="*/ 317395 h 481860"/>
+                <a:gd name="connsiteX1" fmla="*/ 52900 w 388578"/>
+                <a:gd name="connsiteY1" fmla="*/ 317395 h 481860"/>
+                <a:gd name="connsiteX2" fmla="*/ 0 w 388578"/>
+                <a:gd name="connsiteY2" fmla="*/ 264495 h 481860"/>
+                <a:gd name="connsiteX3" fmla="*/ 0 w 388578"/>
+                <a:gd name="connsiteY3" fmla="*/ 52900 h 481860"/>
+                <a:gd name="connsiteX4" fmla="*/ 52900 w 388578"/>
+                <a:gd name="connsiteY4" fmla="*/ 0 h 481860"/>
+                <a:gd name="connsiteX5" fmla="*/ 309838 w 388578"/>
+                <a:gd name="connsiteY5" fmla="*/ 0 h 481860"/>
+                <a:gd name="connsiteX6" fmla="*/ 388578 w 388578"/>
+                <a:gd name="connsiteY6" fmla="*/ 481860 h 481860"/>
+                <a:gd name="connsiteX0" fmla="*/ 309838 w 388578"/>
+                <a:gd name="connsiteY0" fmla="*/ 317395 h 481860"/>
+                <a:gd name="connsiteX1" fmla="*/ 52900 w 388578"/>
+                <a:gd name="connsiteY1" fmla="*/ 317395 h 481860"/>
+                <a:gd name="connsiteX2" fmla="*/ 0 w 388578"/>
+                <a:gd name="connsiteY2" fmla="*/ 264495 h 481860"/>
+                <a:gd name="connsiteX3" fmla="*/ 0 w 388578"/>
+                <a:gd name="connsiteY3" fmla="*/ 52900 h 481860"/>
+                <a:gd name="connsiteX4" fmla="*/ 52900 w 388578"/>
+                <a:gd name="connsiteY4" fmla="*/ 0 h 481860"/>
+                <a:gd name="connsiteX5" fmla="*/ 309838 w 388578"/>
+                <a:gd name="connsiteY5" fmla="*/ 0 h 481860"/>
+                <a:gd name="connsiteX6" fmla="*/ 388578 w 388578"/>
+                <a:gd name="connsiteY6" fmla="*/ 481860 h 481860"/>
+                <a:gd name="connsiteX0" fmla="*/ 309838 w 312378"/>
+                <a:gd name="connsiteY0" fmla="*/ 317395 h 317395"/>
+                <a:gd name="connsiteX1" fmla="*/ 52900 w 312378"/>
+                <a:gd name="connsiteY1" fmla="*/ 317395 h 317395"/>
+                <a:gd name="connsiteX2" fmla="*/ 0 w 312378"/>
+                <a:gd name="connsiteY2" fmla="*/ 264495 h 317395"/>
+                <a:gd name="connsiteX3" fmla="*/ 0 w 312378"/>
+                <a:gd name="connsiteY3" fmla="*/ 52900 h 317395"/>
+                <a:gd name="connsiteX4" fmla="*/ 52900 w 312378"/>
+                <a:gd name="connsiteY4" fmla="*/ 0 h 317395"/>
+                <a:gd name="connsiteX5" fmla="*/ 309838 w 312378"/>
+                <a:gd name="connsiteY5" fmla="*/ 0 h 317395"/>
+                <a:gd name="connsiteX6" fmla="*/ 312378 w 312378"/>
+                <a:gd name="connsiteY6" fmla="*/ 2435 h 317395"/>
+              </a:gdLst>
+              <a:ahLst/>
+              <a:cxnLst>
+                <a:cxn ang="0">
+                  <a:pos x="connsiteX0" y="connsiteY0"/>
+                </a:cxn>
+                <a:cxn ang="0">
+                  <a:pos x="connsiteX1" y="connsiteY1"/>
+                </a:cxn>
+                <a:cxn ang="0">
+                  <a:pos x="connsiteX2" y="connsiteY2"/>
+                </a:cxn>
+                <a:cxn ang="0">
+                  <a:pos x="connsiteX3" y="connsiteY3"/>
+                </a:cxn>
+                <a:cxn ang="0">
+                  <a:pos x="connsiteX4" y="connsiteY4"/>
+                </a:cxn>
+                <a:cxn ang="0">
+                  <a:pos x="connsiteX5" y="connsiteY5"/>
+                </a:cxn>
+                <a:cxn ang="0">
+                  <a:pos x="connsiteX6" y="connsiteY6"/>
+                </a:cxn>
+              </a:cxnLst>
+              <a:rect l="l" t="t" r="r" b="b"/>
+              <a:pathLst>
+                <a:path w="312378" h="317395">
+                  <a:moveTo>
+                    <a:pt x="309838" y="317395"/>
+                  </a:moveTo>
+                  <a:lnTo>
+                    <a:pt x="52900" y="317395"/>
+                  </a:lnTo>
+                  <a:cubicBezTo>
+                    <a:pt x="23684" y="317395"/>
+                    <a:pt x="0" y="293711"/>
+                    <a:pt x="0" y="264495"/>
+                  </a:cubicBezTo>
+                  <a:lnTo>
+                    <a:pt x="0" y="52900"/>
+                  </a:lnTo>
+                  <a:cubicBezTo>
+                    <a:pt x="0" y="23684"/>
+                    <a:pt x="23684" y="0"/>
+                    <a:pt x="52900" y="0"/>
+                  </a:cubicBezTo>
+                  <a:lnTo>
+                    <a:pt x="309838" y="0"/>
+                  </a:lnTo>
+                  <a:lnTo>
+                    <a:pt x="312378" y="2435"/>
+                  </a:lnTo>
+                </a:path>
+              </a:pathLst>
+            </a:custGeom>
+            <a:solidFill>
+              <a:schemeClr val="bg1"/>
+            </a:solidFill>
+            <a:ln w="19050">
+              <a:solidFill>
+                <a:srgbClr val="E95429"/>
+              </a:solidFill>
+              <a:prstDash val="dash"/>
+            </a:ln>
+          </p:spPr>
+          <p:style>
+            <a:lnRef idx="2">
+              <a:schemeClr val="accent1">
+                <a:shade val="50000"/>
+              </a:schemeClr>
+            </a:lnRef>
+            <a:fillRef idx="1">
+              <a:schemeClr val="accent1"/>
+            </a:fillRef>
+            <a:effectRef idx="0">
+              <a:schemeClr val="accent1"/>
+            </a:effectRef>
+            <a:fontRef idx="minor">
+              <a:schemeClr val="lt1"/>
+            </a:fontRef>
+          </p:style>
+          <p:txBody>
+            <a:bodyPr wrap="square" rtlCol="0" anchor="ctr">
+              <a:noAutofit/>
+            </a:bodyPr>
+            <a:lstStyle/>
+            <a:p>
+              <a:pPr algn="ctr"/>
+              <a:endParaRPr kumimoji="1" lang="zh-CN" altLang="en-US" dirty="0">
+                <a:solidFill>
+                  <a:srgbClr val="003278"/>
+                </a:solidFill>
+              </a:endParaRPr>
+            </a:p>
+          </p:txBody>
+        </p:sp>
+      </p:grpSp>
+      <p:sp>
+        <p:nvSpPr>
+          <p:cNvPr id="22" name="圆角矩形 21">
+            <a:extLst>
+              <a:ext uri="{FF2B5EF4-FFF2-40B4-BE49-F238E27FC236}">
+                <a16:creationId xmlns:a16="http://schemas.microsoft.com/office/drawing/2014/main" id="{54D9BA51-9C1B-2F49-9FF6-870986D0E2C0}"/>
+              </a:ext>
+            </a:extLst>
+          </p:cNvPr>
+          <p:cNvSpPr/>
+          <p:nvPr/>
+        </p:nvSpPr>
+        <p:spPr>
+          <a:xfrm>
+            <a:off x="2027801" y="3245156"/>
+            <a:ext cx="619676" cy="317395"/>
+          </a:xfrm>
+          <a:prstGeom prst="roundRect">
+            <a:avLst/>
+          </a:prstGeom>
+          <a:noFill/>
+          <a:ln w="19050">
+            <a:noFill/>
+            <a:prstDash val="dash"/>
+          </a:ln>
+        </p:spPr>
+        <p:style>
+          <a:lnRef idx="2">
+            <a:schemeClr val="accent1">
+              <a:shade val="50000"/>
+            </a:schemeClr>
+          </a:lnRef>
+          <a:fillRef idx="1">
+            <a:schemeClr val="accent1"/>
+          </a:fillRef>
+          <a:effectRef idx="0">
+            <a:schemeClr val="accent1"/>
+          </a:effectRef>
+          <a:fontRef idx="minor">
+            <a:schemeClr val="lt1"/>
+          </a:fontRef>
+        </p:style>
+        <p:txBody>
+          <a:bodyPr rtlCol="0" anchor="ctr"/>
+          <a:lstStyle/>
+          <a:p>
+            <a:pPr algn="ctr"/>
+            <a:r>
+              <a:rPr kumimoji="1" lang="en-US" altLang="zh-CN" dirty="0">
+                <a:solidFill>
+                  <a:schemeClr val="accent4"/>
+                </a:solidFill>
+              </a:rPr>
+              <a:t>Z</a:t>
+            </a:r>
+            <a:r>
+              <a:rPr kumimoji="1" lang="zh-CN" altLang="en-US" dirty="0">
+                <a:solidFill>
+                  <a:schemeClr val="accent4"/>
+                </a:solidFill>
+              </a:rPr>
+              <a:t>‘</a:t>
+            </a:r>
+          </a:p>
+        </p:txBody>
+      </p:sp>
+      <p:sp>
+        <p:nvSpPr>
+          <p:cNvPr id="97" name="文本框 96">
+            <a:extLst>
+              <a:ext uri="{FF2B5EF4-FFF2-40B4-BE49-F238E27FC236}">
+                <a16:creationId xmlns:a16="http://schemas.microsoft.com/office/drawing/2014/main" id="{3B566CD9-A41F-1847-981F-2A2A4D396106}"/>
+              </a:ext>
+            </a:extLst>
+          </p:cNvPr>
+          <p:cNvSpPr txBox="1"/>
+          <p:nvPr/>
+        </p:nvSpPr>
+        <p:spPr>
+          <a:xfrm>
+            <a:off x="681789" y="4005170"/>
+            <a:ext cx="3186193" cy="1477328"/>
+          </a:xfrm>
+          <a:prstGeom prst="rect">
+            <a:avLst/>
+          </a:prstGeom>
+          <a:noFill/>
+        </p:spPr>
+        <p:txBody>
+          <a:bodyPr wrap="none" rtlCol="0">
+            <a:spAutoFit/>
+          </a:bodyPr>
+          <a:lstStyle/>
+          <a:p>
+            <a:r>
+              <a:rPr kumimoji="1" lang="en-US" altLang="zh-CN" dirty="0"/>
+              <a:t>Two</a:t>
+            </a:r>
+            <a:r>
+              <a:rPr kumimoji="1" lang="zh-CN" altLang="en-US" dirty="0"/>
+              <a:t> </a:t>
+            </a:r>
+            <a:r>
+              <a:rPr kumimoji="1" lang="en-US" altLang="zh-CN" dirty="0"/>
+              <a:t>canary</a:t>
+            </a:r>
+            <a:r>
+              <a:rPr kumimoji="1" lang="zh-CN" altLang="en-US" dirty="0"/>
+              <a:t> </a:t>
+            </a:r>
+            <a:r>
+              <a:rPr kumimoji="1" lang="en-US" altLang="zh-CN" dirty="0"/>
+              <a:t>deployment</a:t>
+            </a:r>
+          </a:p>
+          <a:p>
+            <a:pPr marL="285750" indent="-285750">
+              <a:buFontTx/>
+              <a:buChar char="-"/>
+            </a:pPr>
+            <a:r>
+              <a:rPr kumimoji="1" lang="en-US" altLang="zh-CN" dirty="0"/>
+              <a:t>A</a:t>
+            </a:r>
+            <a:r>
+              <a:rPr kumimoji="1" lang="zh-CN" altLang="en-US" dirty="0"/>
+              <a:t>‘ </a:t>
+            </a:r>
+            <a:r>
+              <a:rPr kumimoji="1" lang="en-US" altLang="zh-CN" dirty="0"/>
+              <a:t>and</a:t>
+            </a:r>
+            <a:r>
+              <a:rPr kumimoji="1" lang="zh-CN" altLang="en-US" dirty="0"/>
+              <a:t>  </a:t>
+            </a:r>
+            <a:r>
+              <a:rPr kumimoji="1" lang="en-US" altLang="zh-CN" dirty="0"/>
+              <a:t>Z</a:t>
+            </a:r>
+            <a:r>
+              <a:rPr kumimoji="1" lang="zh-CN" altLang="en-US" dirty="0"/>
+              <a:t>’ </a:t>
+            </a:r>
+            <a:endParaRPr kumimoji="1" lang="en-US" altLang="zh-CN" dirty="0"/>
+          </a:p>
+          <a:p>
+            <a:pPr marL="285750" indent="-285750">
+              <a:buFontTx/>
+              <a:buChar char="-"/>
+            </a:pPr>
+            <a:r>
+              <a:rPr kumimoji="1" lang="en-US" altLang="zh-CN" dirty="0"/>
+              <a:t>B</a:t>
+            </a:r>
+            <a:r>
+              <a:rPr kumimoji="1" lang="zh-CN" altLang="en-US" dirty="0"/>
+              <a:t>‘ </a:t>
+            </a:r>
+            <a:r>
+              <a:rPr kumimoji="1" lang="en-US" altLang="zh-CN" dirty="0"/>
+              <a:t>and</a:t>
+            </a:r>
+            <a:r>
+              <a:rPr kumimoji="1" lang="zh-CN" altLang="en-US" dirty="0"/>
+              <a:t>  </a:t>
+            </a:r>
+            <a:r>
+              <a:rPr kumimoji="1" lang="en-US" altLang="zh-CN" dirty="0"/>
+              <a:t>Z</a:t>
+            </a:r>
+            <a:r>
+              <a:rPr kumimoji="1" lang="zh-CN" altLang="en-US" dirty="0"/>
+              <a:t>’</a:t>
+            </a:r>
+            <a:endParaRPr kumimoji="1" lang="en-US" altLang="zh-CN" dirty="0"/>
+          </a:p>
+          <a:p>
+            <a:pPr marL="285750" indent="-285750">
+              <a:buFontTx/>
+              <a:buChar char="-"/>
+            </a:pPr>
+            <a:endParaRPr kumimoji="1" lang="en-US" altLang="zh-CN" dirty="0"/>
+          </a:p>
+          <a:p>
+            <a:r>
+              <a:rPr kumimoji="1" lang="en-US" altLang="zh-CN" dirty="0"/>
+              <a:t>Z</a:t>
+            </a:r>
+            <a:r>
+              <a:rPr kumimoji="1" lang="zh-CN" altLang="en-US" dirty="0"/>
+              <a:t>‘ </a:t>
+            </a:r>
+            <a:r>
+              <a:rPr kumimoji="1" lang="en-US" altLang="zh-CN" dirty="0"/>
+              <a:t>got</a:t>
+            </a:r>
+            <a:r>
+              <a:rPr kumimoji="1" lang="zh-CN" altLang="en-US" dirty="0"/>
+              <a:t> </a:t>
+            </a:r>
+            <a:r>
+              <a:rPr kumimoji="1" lang="en-US" altLang="zh-CN" dirty="0"/>
+              <a:t>all</a:t>
+            </a:r>
+            <a:r>
+              <a:rPr kumimoji="1" lang="zh-CN" altLang="en-US" dirty="0"/>
+              <a:t> </a:t>
+            </a:r>
+            <a:r>
+              <a:rPr kumimoji="1" lang="en-US" altLang="zh-CN" dirty="0"/>
+              <a:t>traffic</a:t>
+            </a:r>
+            <a:r>
+              <a:rPr kumimoji="1" lang="zh-CN" altLang="en-US" dirty="0"/>
+              <a:t> </a:t>
+            </a:r>
+            <a:r>
+              <a:rPr kumimoji="1" lang="en-US" altLang="zh-CN" dirty="0"/>
+              <a:t>from</a:t>
+            </a:r>
+            <a:r>
+              <a:rPr kumimoji="1" lang="zh-CN" altLang="en-US" dirty="0"/>
+              <a:t> </a:t>
+            </a:r>
+            <a:r>
+              <a:rPr kumimoji="1" lang="en-US" altLang="zh-CN" dirty="0"/>
+              <a:t>A</a:t>
+            </a:r>
+            <a:r>
+              <a:rPr kumimoji="1" lang="zh-CN" altLang="en-US" dirty="0"/>
+              <a:t>’ </a:t>
+            </a:r>
+            <a:r>
+              <a:rPr kumimoji="1" lang="en-US" altLang="zh-CN" dirty="0"/>
+              <a:t>and</a:t>
+            </a:r>
+            <a:r>
+              <a:rPr kumimoji="1" lang="zh-CN" altLang="en-US" dirty="0"/>
+              <a:t> </a:t>
+            </a:r>
+            <a:r>
+              <a:rPr kumimoji="1" lang="en-US" altLang="zh-CN" dirty="0"/>
+              <a:t>B</a:t>
+            </a:r>
+            <a:r>
+              <a:rPr kumimoji="1" lang="zh-CN" altLang="en-US" dirty="0"/>
+              <a:t>‘</a:t>
+            </a:r>
+          </a:p>
+        </p:txBody>
+      </p:sp>
+      <p:sp>
+        <p:nvSpPr>
+          <p:cNvPr id="98" name="文本框 97">
+            <a:extLst>
+              <a:ext uri="{FF2B5EF4-FFF2-40B4-BE49-F238E27FC236}">
+                <a16:creationId xmlns:a16="http://schemas.microsoft.com/office/drawing/2014/main" id="{26E5A8CE-5A6E-A74B-8ED5-36C8B4A99D3A}"/>
+              </a:ext>
+            </a:extLst>
+          </p:cNvPr>
+          <p:cNvSpPr txBox="1"/>
+          <p:nvPr/>
+        </p:nvSpPr>
+        <p:spPr>
+          <a:xfrm>
+            <a:off x="4502903" y="4005170"/>
+            <a:ext cx="2671565" cy="1477328"/>
+          </a:xfrm>
+          <a:prstGeom prst="rect">
+            <a:avLst/>
+          </a:prstGeom>
+          <a:noFill/>
+        </p:spPr>
+        <p:txBody>
+          <a:bodyPr wrap="none" rtlCol="0">
+            <a:spAutoFit/>
+          </a:bodyPr>
+          <a:lstStyle/>
+          <a:p>
+            <a:r>
+              <a:rPr kumimoji="1" lang="en-US" altLang="zh-CN" dirty="0"/>
+              <a:t>Two</a:t>
+            </a:r>
+            <a:r>
+              <a:rPr kumimoji="1" lang="zh-CN" altLang="en-US" dirty="0"/>
+              <a:t> </a:t>
+            </a:r>
+            <a:r>
+              <a:rPr kumimoji="1" lang="en-US" altLang="zh-CN" dirty="0"/>
+              <a:t>canary</a:t>
+            </a:r>
+            <a:r>
+              <a:rPr kumimoji="1" lang="zh-CN" altLang="en-US" dirty="0"/>
+              <a:t> </a:t>
+            </a:r>
+            <a:r>
+              <a:rPr kumimoji="1" lang="en-US" altLang="zh-CN" dirty="0"/>
+              <a:t>deployment</a:t>
+            </a:r>
+          </a:p>
+          <a:p>
+            <a:pPr marL="285750" indent="-285750">
+              <a:buFontTx/>
+              <a:buChar char="-"/>
+            </a:pPr>
+            <a:r>
+              <a:rPr kumimoji="1" lang="en-US" altLang="zh-CN" dirty="0"/>
+              <a:t>A</a:t>
+            </a:r>
+            <a:r>
+              <a:rPr kumimoji="1" lang="zh-CN" altLang="en-US" dirty="0"/>
+              <a:t>‘ </a:t>
+            </a:r>
+            <a:endParaRPr kumimoji="1" lang="en-US" altLang="zh-CN" dirty="0"/>
+          </a:p>
+          <a:p>
+            <a:pPr marL="285750" indent="-285750">
+              <a:buFontTx/>
+              <a:buChar char="-"/>
+            </a:pPr>
+            <a:r>
+              <a:rPr kumimoji="1" lang="en-US" altLang="zh-CN" dirty="0"/>
+              <a:t>B</a:t>
+            </a:r>
+            <a:r>
+              <a:rPr kumimoji="1" lang="zh-CN" altLang="en-US" dirty="0"/>
+              <a:t>‘ </a:t>
+            </a:r>
+            <a:r>
+              <a:rPr kumimoji="1" lang="en-US" altLang="zh-CN" dirty="0"/>
+              <a:t>and</a:t>
+            </a:r>
+            <a:r>
+              <a:rPr kumimoji="1" lang="zh-CN" altLang="en-US" dirty="0"/>
+              <a:t>  </a:t>
+            </a:r>
+            <a:r>
+              <a:rPr kumimoji="1" lang="en-US" altLang="zh-CN" dirty="0"/>
+              <a:t>Z</a:t>
+            </a:r>
+            <a:r>
+              <a:rPr kumimoji="1" lang="zh-CN" altLang="en-US" dirty="0"/>
+              <a:t>’</a:t>
+            </a:r>
+            <a:endParaRPr kumimoji="1" lang="en-US" altLang="zh-CN" dirty="0"/>
+          </a:p>
+          <a:p>
+            <a:pPr marL="285750" indent="-285750">
+              <a:buFontTx/>
+              <a:buChar char="-"/>
+            </a:pPr>
+            <a:endParaRPr kumimoji="1" lang="en-US" altLang="zh-CN" dirty="0"/>
+          </a:p>
+          <a:p>
+            <a:r>
+              <a:rPr kumimoji="1" lang="en-US" altLang="zh-CN" dirty="0"/>
+              <a:t>Z</a:t>
+            </a:r>
+            <a:r>
+              <a:rPr kumimoji="1" lang="zh-CN" altLang="en-US" dirty="0"/>
+              <a:t>‘ </a:t>
+            </a:r>
+            <a:r>
+              <a:rPr kumimoji="1" lang="en-US" altLang="zh-CN" dirty="0"/>
+              <a:t>only</a:t>
+            </a:r>
+            <a:r>
+              <a:rPr kumimoji="1" lang="zh-CN" altLang="en-US" dirty="0"/>
+              <a:t> </a:t>
+            </a:r>
+            <a:r>
+              <a:rPr kumimoji="1" lang="en-US" altLang="zh-CN" dirty="0"/>
+              <a:t>get</a:t>
+            </a:r>
+            <a:r>
+              <a:rPr kumimoji="1" lang="zh-CN" altLang="en-US" dirty="0"/>
+              <a:t> </a:t>
+            </a:r>
+            <a:r>
+              <a:rPr kumimoji="1" lang="en-US" altLang="zh-CN" dirty="0"/>
+              <a:t>traffic</a:t>
+            </a:r>
+            <a:r>
+              <a:rPr kumimoji="1" lang="zh-CN" altLang="en-US" dirty="0"/>
+              <a:t> </a:t>
+            </a:r>
+            <a:r>
+              <a:rPr kumimoji="1" lang="en-US" altLang="zh-CN" dirty="0"/>
+              <a:t>from</a:t>
+            </a:r>
+            <a:r>
+              <a:rPr kumimoji="1" lang="zh-CN" altLang="en-US" dirty="0"/>
+              <a:t> </a:t>
+            </a:r>
+            <a:r>
+              <a:rPr kumimoji="1" lang="en-US" altLang="zh-CN" dirty="0"/>
+              <a:t>B</a:t>
+            </a:r>
+            <a:r>
+              <a:rPr kumimoji="1" lang="zh-CN" altLang="en-US" dirty="0"/>
+              <a:t>‘</a:t>
+            </a:r>
+          </a:p>
+        </p:txBody>
+      </p:sp>
+      <p:sp>
+        <p:nvSpPr>
+          <p:cNvPr id="99" name="文本框 98">
+            <a:extLst>
+              <a:ext uri="{FF2B5EF4-FFF2-40B4-BE49-F238E27FC236}">
+                <a16:creationId xmlns:a16="http://schemas.microsoft.com/office/drawing/2014/main" id="{14F72A36-5286-784C-A5F6-6B3B755BB742}"/>
+              </a:ext>
+            </a:extLst>
+          </p:cNvPr>
+          <p:cNvSpPr txBox="1"/>
+          <p:nvPr/>
+        </p:nvSpPr>
+        <p:spPr>
+          <a:xfrm>
+            <a:off x="8611215" y="4005170"/>
+            <a:ext cx="2711704" cy="1754326"/>
+          </a:xfrm>
+          <a:prstGeom prst="rect">
+            <a:avLst/>
+          </a:prstGeom>
+          <a:noFill/>
+        </p:spPr>
+        <p:txBody>
+          <a:bodyPr wrap="none" rtlCol="0">
+            <a:spAutoFit/>
+          </a:bodyPr>
+          <a:lstStyle/>
+          <a:p>
+            <a:r>
+              <a:rPr kumimoji="1" lang="en-US" altLang="zh-CN" dirty="0"/>
+              <a:t>Two</a:t>
+            </a:r>
+            <a:r>
+              <a:rPr kumimoji="1" lang="zh-CN" altLang="en-US" dirty="0"/>
+              <a:t> </a:t>
+            </a:r>
+            <a:r>
+              <a:rPr kumimoji="1" lang="en-US" altLang="zh-CN" dirty="0"/>
+              <a:t>canary</a:t>
+            </a:r>
+            <a:r>
+              <a:rPr kumimoji="1" lang="zh-CN" altLang="en-US" dirty="0"/>
+              <a:t> </a:t>
+            </a:r>
+            <a:r>
+              <a:rPr kumimoji="1" lang="en-US" altLang="zh-CN" dirty="0"/>
+              <a:t>deployment</a:t>
+            </a:r>
+          </a:p>
+          <a:p>
+            <a:pPr marL="285750" indent="-285750">
+              <a:buFontTx/>
+              <a:buChar char="-"/>
+            </a:pPr>
+            <a:r>
+              <a:rPr kumimoji="1" lang="en-US" altLang="zh-CN" dirty="0"/>
+              <a:t>A</a:t>
+            </a:r>
+            <a:r>
+              <a:rPr kumimoji="1" lang="zh-CN" altLang="en-US" dirty="0"/>
+              <a:t>‘ </a:t>
+            </a:r>
+            <a:r>
+              <a:rPr kumimoji="1" lang="en-US" altLang="zh-CN" dirty="0"/>
+              <a:t>and</a:t>
+            </a:r>
+            <a:r>
+              <a:rPr kumimoji="1" lang="zh-CN" altLang="en-US" dirty="0"/>
+              <a:t> </a:t>
+            </a:r>
+            <a:r>
+              <a:rPr kumimoji="1" lang="en-US" altLang="zh-CN" dirty="0"/>
+              <a:t>Z</a:t>
+            </a:r>
+            <a:r>
+              <a:rPr kumimoji="1" lang="zh-CN" altLang="en-US" dirty="0"/>
+              <a:t>’</a:t>
+            </a:r>
+            <a:endParaRPr kumimoji="1" lang="en-US" altLang="zh-CN" dirty="0"/>
+          </a:p>
+          <a:p>
+            <a:pPr marL="285750" indent="-285750">
+              <a:buFontTx/>
+              <a:buChar char="-"/>
+            </a:pPr>
+            <a:r>
+              <a:rPr kumimoji="1" lang="en-US" altLang="zh-CN" dirty="0"/>
+              <a:t>B</a:t>
+            </a:r>
+            <a:r>
+              <a:rPr kumimoji="1" lang="zh-CN" altLang="en-US" dirty="0"/>
+              <a:t>‘ </a:t>
+            </a:r>
+            <a:r>
+              <a:rPr kumimoji="1" lang="en-US" altLang="zh-CN" dirty="0"/>
+              <a:t>and</a:t>
+            </a:r>
+            <a:r>
+              <a:rPr kumimoji="1" lang="zh-CN" altLang="en-US" dirty="0"/>
+              <a:t>  </a:t>
+            </a:r>
+            <a:r>
+              <a:rPr kumimoji="1" lang="en-US" altLang="zh-CN" dirty="0"/>
+              <a:t>Z</a:t>
+            </a:r>
+            <a:r>
+              <a:rPr kumimoji="1" lang="zh-CN" altLang="en-US" dirty="0"/>
+              <a:t>’‘</a:t>
+            </a:r>
+            <a:endParaRPr kumimoji="1" lang="en-US" altLang="zh-CN" dirty="0"/>
+          </a:p>
+          <a:p>
+            <a:pPr marL="285750" indent="-285750">
+              <a:buFontTx/>
+              <a:buChar char="-"/>
+            </a:pPr>
+            <a:endParaRPr kumimoji="1" lang="en-US" altLang="zh-CN" dirty="0"/>
+          </a:p>
+          <a:p>
+            <a:r>
+              <a:rPr kumimoji="1" lang="en-US" altLang="zh-CN" dirty="0"/>
+              <a:t>Z</a:t>
+            </a:r>
+            <a:r>
+              <a:rPr kumimoji="1" lang="zh-CN" altLang="en-US" dirty="0"/>
+              <a:t>‘ </a:t>
+            </a:r>
+            <a:r>
+              <a:rPr kumimoji="1" lang="en-US" altLang="zh-CN" dirty="0"/>
+              <a:t>only</a:t>
+            </a:r>
+            <a:r>
+              <a:rPr kumimoji="1" lang="zh-CN" altLang="en-US" dirty="0"/>
+              <a:t> </a:t>
+            </a:r>
+            <a:r>
+              <a:rPr kumimoji="1" lang="en-US" altLang="zh-CN" dirty="0"/>
+              <a:t>get</a:t>
+            </a:r>
+            <a:r>
+              <a:rPr kumimoji="1" lang="zh-CN" altLang="en-US" dirty="0"/>
+              <a:t> </a:t>
+            </a:r>
+            <a:r>
+              <a:rPr kumimoji="1" lang="en-US" altLang="zh-CN" dirty="0"/>
+              <a:t>traffic</a:t>
+            </a:r>
+            <a:r>
+              <a:rPr kumimoji="1" lang="zh-CN" altLang="en-US" dirty="0"/>
+              <a:t> </a:t>
+            </a:r>
+            <a:r>
+              <a:rPr kumimoji="1" lang="en-US" altLang="zh-CN" dirty="0"/>
+              <a:t>from</a:t>
+            </a:r>
+            <a:r>
+              <a:rPr kumimoji="1" lang="zh-CN" altLang="en-US" dirty="0"/>
+              <a:t> </a:t>
+            </a:r>
+            <a:r>
+              <a:rPr kumimoji="1" lang="en-US" altLang="zh-CN" dirty="0"/>
+              <a:t>A</a:t>
+            </a:r>
+            <a:r>
+              <a:rPr kumimoji="1" lang="zh-CN" altLang="en-US" dirty="0"/>
+              <a:t>‘</a:t>
+            </a:r>
+            <a:endParaRPr kumimoji="1" lang="en-US" altLang="zh-CN" dirty="0"/>
+          </a:p>
+          <a:p>
+            <a:r>
+              <a:rPr kumimoji="1" lang="en-US" altLang="zh-CN" dirty="0"/>
+              <a:t>Z</a:t>
+            </a:r>
+            <a:r>
+              <a:rPr kumimoji="1" lang="zh-CN" altLang="en-US" dirty="0"/>
+              <a:t>‘’ </a:t>
+            </a:r>
+            <a:r>
+              <a:rPr kumimoji="1" lang="en-US" altLang="zh-CN" dirty="0"/>
+              <a:t>only</a:t>
+            </a:r>
+            <a:r>
+              <a:rPr kumimoji="1" lang="zh-CN" altLang="en-US" dirty="0"/>
+              <a:t> </a:t>
+            </a:r>
+            <a:r>
+              <a:rPr kumimoji="1" lang="en-US" altLang="zh-CN" dirty="0"/>
+              <a:t>get</a:t>
+            </a:r>
+            <a:r>
+              <a:rPr kumimoji="1" lang="zh-CN" altLang="en-US" dirty="0"/>
+              <a:t> </a:t>
+            </a:r>
+            <a:r>
+              <a:rPr kumimoji="1" lang="en-US" altLang="zh-CN" dirty="0"/>
+              <a:t>traffic</a:t>
+            </a:r>
+            <a:r>
+              <a:rPr kumimoji="1" lang="zh-CN" altLang="en-US" dirty="0"/>
+              <a:t> </a:t>
+            </a:r>
+            <a:r>
+              <a:rPr kumimoji="1" lang="en-US" altLang="zh-CN" dirty="0"/>
+              <a:t>from</a:t>
+            </a:r>
+            <a:r>
+              <a:rPr kumimoji="1" lang="zh-CN" altLang="en-US" dirty="0"/>
+              <a:t> </a:t>
+            </a:r>
+            <a:r>
+              <a:rPr kumimoji="1" lang="en-US" altLang="zh-CN" dirty="0"/>
+              <a:t>B</a:t>
+            </a:r>
+            <a:r>
+              <a:rPr kumimoji="1" lang="zh-CN" altLang="en-US" dirty="0"/>
+              <a:t>‘</a:t>
+            </a:r>
+          </a:p>
+        </p:txBody>
+      </p:sp>
+      <p:pic>
+        <p:nvPicPr>
+          <p:cNvPr id="100" name="图片 99">
+            <a:extLst>
+              <a:ext uri="{FF2B5EF4-FFF2-40B4-BE49-F238E27FC236}">
+                <a16:creationId xmlns:a16="http://schemas.microsoft.com/office/drawing/2014/main" id="{5B392227-6E4C-7141-9842-05D7DE5B0456}"/>
+              </a:ext>
+            </a:extLst>
+          </p:cNvPr>
+          <p:cNvPicPr>
+            <a:picLocks noChangeAspect="1"/>
+          </p:cNvPicPr>
+          <p:nvPr/>
+        </p:nvPicPr>
+        <p:blipFill>
+          <a:blip r:embed="rId3"/>
+          <a:stretch>
+            <a:fillRect/>
+          </a:stretch>
+        </p:blipFill>
+        <p:spPr>
+          <a:xfrm>
+            <a:off x="1526867" y="5681758"/>
+            <a:ext cx="692004" cy="619705"/>
+          </a:xfrm>
+          <a:prstGeom prst="rect">
+            <a:avLst/>
+          </a:prstGeom>
+        </p:spPr>
+      </p:pic>
+      <p:pic>
+        <p:nvPicPr>
+          <p:cNvPr id="101" name="图片 100">
+            <a:extLst>
+              <a:ext uri="{FF2B5EF4-FFF2-40B4-BE49-F238E27FC236}">
+                <a16:creationId xmlns:a16="http://schemas.microsoft.com/office/drawing/2014/main" id="{C5D7B9EB-5C9F-8C43-BFB9-FA16B41CBAA6}"/>
+              </a:ext>
+            </a:extLst>
+          </p:cNvPr>
+          <p:cNvPicPr>
+            <a:picLocks noChangeAspect="1"/>
+          </p:cNvPicPr>
+          <p:nvPr/>
+        </p:nvPicPr>
+        <p:blipFill>
+          <a:blip r:embed="rId4"/>
+          <a:stretch>
+            <a:fillRect/>
+          </a:stretch>
+        </p:blipFill>
+        <p:spPr>
+          <a:xfrm>
+            <a:off x="5418429" y="5681758"/>
+            <a:ext cx="692003" cy="692003"/>
+          </a:xfrm>
+          <a:prstGeom prst="rect">
+            <a:avLst/>
+          </a:prstGeom>
+        </p:spPr>
+      </p:pic>
+      <p:pic>
+        <p:nvPicPr>
+          <p:cNvPr id="102" name="图片 101">
+            <a:extLst>
+              <a:ext uri="{FF2B5EF4-FFF2-40B4-BE49-F238E27FC236}">
+                <a16:creationId xmlns:a16="http://schemas.microsoft.com/office/drawing/2014/main" id="{51AA5ED6-AE72-1B4A-995A-E82ACAD16835}"/>
+              </a:ext>
+            </a:extLst>
+          </p:cNvPr>
+          <p:cNvPicPr>
+            <a:picLocks noChangeAspect="1"/>
+          </p:cNvPicPr>
+          <p:nvPr/>
+        </p:nvPicPr>
+        <p:blipFill>
+          <a:blip r:embed="rId4"/>
+          <a:stretch>
+            <a:fillRect/>
+          </a:stretch>
+        </p:blipFill>
+        <p:spPr>
+          <a:xfrm>
+            <a:off x="9640106" y="5681758"/>
+            <a:ext cx="692003" cy="692003"/>
+          </a:xfrm>
+          <a:prstGeom prst="rect">
+            <a:avLst/>
+          </a:prstGeom>
+        </p:spPr>
+      </p:pic>
+      <p:cxnSp>
+        <p:nvCxnSpPr>
+          <p:cNvPr id="104" name="直线连接符 103">
+            <a:extLst>
+              <a:ext uri="{FF2B5EF4-FFF2-40B4-BE49-F238E27FC236}">
+                <a16:creationId xmlns:a16="http://schemas.microsoft.com/office/drawing/2014/main" id="{D14D4E0F-B6BE-CC4B-AD4D-8BEF0C79A597}"/>
+              </a:ext>
+            </a:extLst>
+          </p:cNvPr>
+          <p:cNvCxnSpPr>
+            <a:cxnSpLocks/>
+          </p:cNvCxnSpPr>
+          <p:nvPr/>
+        </p:nvCxnSpPr>
+        <p:spPr>
+          <a:xfrm>
+            <a:off x="4028404" y="882316"/>
+            <a:ext cx="0" cy="5506963"/>
+          </a:xfrm>
+          <a:prstGeom prst="line">
+            <a:avLst/>
+          </a:prstGeom>
+          <a:ln>
+            <a:solidFill>
+              <a:schemeClr val="tx1">
+                <a:lumMod val="50000"/>
+                <a:lumOff val="50000"/>
+              </a:schemeClr>
+            </a:solidFill>
+            <a:prstDash val="dash"/>
+          </a:ln>
+        </p:spPr>
+        <p:style>
+          <a:lnRef idx="1">
+            <a:schemeClr val="accent1"/>
+          </a:lnRef>
+          <a:fillRef idx="0">
+            <a:schemeClr val="accent1"/>
+          </a:fillRef>
+          <a:effectRef idx="0">
+            <a:schemeClr val="accent1"/>
+          </a:effectRef>
+          <a:fontRef idx="minor">
+            <a:schemeClr val="tx1"/>
+          </a:fontRef>
+        </p:style>
+      </p:cxnSp>
+      <p:cxnSp>
+        <p:nvCxnSpPr>
+          <p:cNvPr id="105" name="直线连接符 104">
+            <a:extLst>
+              <a:ext uri="{FF2B5EF4-FFF2-40B4-BE49-F238E27FC236}">
+                <a16:creationId xmlns:a16="http://schemas.microsoft.com/office/drawing/2014/main" id="{3E7757FD-07AB-E74A-9BC0-9836D66EE0C9}"/>
+              </a:ext>
+            </a:extLst>
+          </p:cNvPr>
+          <p:cNvCxnSpPr>
+            <a:cxnSpLocks/>
+          </p:cNvCxnSpPr>
+          <p:nvPr/>
+        </p:nvCxnSpPr>
+        <p:spPr>
+          <a:xfrm>
+            <a:off x="7910594" y="882316"/>
+            <a:ext cx="0" cy="5569704"/>
+          </a:xfrm>
+          <a:prstGeom prst="line">
+            <a:avLst/>
+          </a:prstGeom>
+          <a:ln>
+            <a:solidFill>
+              <a:schemeClr val="tx1">
+                <a:lumMod val="50000"/>
+                <a:lumOff val="50000"/>
+              </a:schemeClr>
+            </a:solidFill>
+            <a:prstDash val="dash"/>
+          </a:ln>
+        </p:spPr>
+        <p:style>
+          <a:lnRef idx="1">
+            <a:schemeClr val="accent1"/>
+          </a:lnRef>
+          <a:fillRef idx="0">
+            <a:schemeClr val="accent1"/>
+          </a:fillRef>
+          <a:effectRef idx="0">
+            <a:schemeClr val="accent1"/>
+          </a:effectRef>
+          <a:fontRef idx="minor">
+            <a:schemeClr val="tx1"/>
+          </a:fontRef>
+        </p:style>
+      </p:cxnSp>
+    </p:spTree>
+    <p:extLst>
+      <p:ext uri="{BB962C8B-B14F-4D97-AF65-F5344CB8AC3E}">
+        <p14:creationId xmlns:p14="http://schemas.microsoft.com/office/powerpoint/2010/main" val="3615260589"/>
+      </p:ext>
+    </p:extLst>
+  </p:cSld>
+  <p:clrMapOvr>
+    <a:masterClrMapping/>
+  </p:clrMapOvr>
+</p:sld>
+</file>
+
+<file path=ppt/slides/slide12.xml><?xml version="1.0" encoding="utf-8"?>
+<p:sld xmlns:a="http://schemas.openxmlformats.org/drawingml/2006/main" xmlns:r="http://schemas.openxmlformats.org/officeDocument/2006/relationships" xmlns:p="http://schemas.openxmlformats.org/presentationml/2006/main">
+  <p:cSld>
+    <p:spTree>
+      <p:nvGrpSpPr>
+        <p:cNvPr id="1" name=""/>
+        <p:cNvGrpSpPr/>
+        <p:nvPr/>
+      </p:nvGrpSpPr>
+      <p:grpSpPr>
+        <a:xfrm>
+          <a:off x="0" y="0"/>
+          <a:ext cx="0" cy="0"/>
+          <a:chOff x="0" y="0"/>
+          <a:chExt cx="0" cy="0"/>
+        </a:xfrm>
+      </p:grpSpPr>
+      <p:sp>
+        <p:nvSpPr>
           <p:cNvPr id="220" name="圆角矩形 219"/>
           <p:cNvSpPr/>
           <p:nvPr/>
@@ -14568,7 +18340,7 @@
 </p:sld>
 </file>
 
-<file path=ppt/slides/slide12.xml><?xml version="1.0" encoding="utf-8"?>
+<file path=ppt/slides/slide13.xml><?xml version="1.0" encoding="utf-8"?>
 <p:sld xmlns:a="http://schemas.openxmlformats.org/drawingml/2006/main" xmlns:r="http://schemas.openxmlformats.org/officeDocument/2006/relationships" xmlns:p="http://schemas.openxmlformats.org/presentationml/2006/main">
   <p:cSld>
     <p:spTree>
